--- a/DBT training.pptx
+++ b/DBT training.pptx
@@ -27,6 +27,9 @@
     <p:sldId id="270" r:id="rId21"/>
     <p:sldId id="271" r:id="rId22"/>
     <p:sldId id="275" r:id="rId23"/>
+    <p:sldId id="279" r:id="rId24"/>
+    <p:sldId id="280" r:id="rId25"/>
+    <p:sldId id="281" r:id="rId26"/>
   </p:sldIdLst>
   <p:sldSz cx="12192000" cy="6858000"/>
   <p:notesSz cx="6858000" cy="9144000"/>
@@ -148,6 +151,69 @@
           <pc:docMk/>
           <pc:sldMk cId="366428265" sldId="279"/>
         </pc:sldMkLst>
+      </pc:sldChg>
+    </pc:docChg>
+  </pc:docChgLst>
+  <pc:docChgLst>
+    <pc:chgData name="Amarnath Goud Naregudem" userId="2184b4e5-a0a4-4839-bbe2-3d821fbd9b5f" providerId="ADAL" clId="{1BD5F22F-9604-410B-8ABC-E3F9669AD987}"/>
+    <pc:docChg chg="undo custSel addSld modSld sldOrd">
+      <pc:chgData name="Amarnath Goud Naregudem" userId="2184b4e5-a0a4-4839-bbe2-3d821fbd9b5f" providerId="ADAL" clId="{1BD5F22F-9604-410B-8ABC-E3F9669AD987}" dt="2023-06-01T01:16:19.728" v="55" actId="255"/>
+      <pc:docMkLst>
+        <pc:docMk/>
+      </pc:docMkLst>
+      <pc:sldChg chg="addSp modSp mod ord">
+        <pc:chgData name="Amarnath Goud Naregudem" userId="2184b4e5-a0a4-4839-bbe2-3d821fbd9b5f" providerId="ADAL" clId="{1BD5F22F-9604-410B-8ABC-E3F9669AD987}" dt="2023-06-01T00:46:25.003" v="17" actId="1076"/>
+        <pc:sldMkLst>
+          <pc:docMk/>
+          <pc:sldMk cId="3355843096" sldId="277"/>
+        </pc:sldMkLst>
+        <pc:spChg chg="mod">
+          <ac:chgData name="Amarnath Goud Naregudem" userId="2184b4e5-a0a4-4839-bbe2-3d821fbd9b5f" providerId="ADAL" clId="{1BD5F22F-9604-410B-8ABC-E3F9669AD987}" dt="2023-06-01T00:42:35.222" v="11" actId="20577"/>
+          <ac:spMkLst>
+            <pc:docMk/>
+            <pc:sldMk cId="3355843096" sldId="277"/>
+            <ac:spMk id="2" creationId="{071A6D73-A3FF-5322-D4AD-FC04775EA4EA}"/>
+          </ac:spMkLst>
+        </pc:spChg>
+        <pc:spChg chg="mod">
+          <ac:chgData name="Amarnath Goud Naregudem" userId="2184b4e5-a0a4-4839-bbe2-3d821fbd9b5f" providerId="ADAL" clId="{1BD5F22F-9604-410B-8ABC-E3F9669AD987}" dt="2023-06-01T00:46:22.897" v="16" actId="255"/>
+          <ac:spMkLst>
+            <pc:docMk/>
+            <pc:sldMk cId="3355843096" sldId="277"/>
+            <ac:spMk id="3" creationId="{9298B6D9-5324-D366-8C8D-683BD296D4B1}"/>
+          </ac:spMkLst>
+        </pc:spChg>
+        <pc:picChg chg="add mod">
+          <ac:chgData name="Amarnath Goud Naregudem" userId="2184b4e5-a0a4-4839-bbe2-3d821fbd9b5f" providerId="ADAL" clId="{1BD5F22F-9604-410B-8ABC-E3F9669AD987}" dt="2023-06-01T00:46:25.003" v="17" actId="1076"/>
+          <ac:picMkLst>
+            <pc:docMk/>
+            <pc:sldMk cId="3355843096" sldId="277"/>
+            <ac:picMk id="5" creationId="{C96CB1FF-FCED-CBB1-368B-930644921A07}"/>
+          </ac:picMkLst>
+        </pc:picChg>
+      </pc:sldChg>
+      <pc:sldChg chg="modSp new mod">
+        <pc:chgData name="Amarnath Goud Naregudem" userId="2184b4e5-a0a4-4839-bbe2-3d821fbd9b5f" providerId="ADAL" clId="{1BD5F22F-9604-410B-8ABC-E3F9669AD987}" dt="2023-06-01T01:16:19.728" v="55" actId="255"/>
+        <pc:sldMkLst>
+          <pc:docMk/>
+          <pc:sldMk cId="1787241099" sldId="278"/>
+        </pc:sldMkLst>
+        <pc:spChg chg="mod">
+          <ac:chgData name="Amarnath Goud Naregudem" userId="2184b4e5-a0a4-4839-bbe2-3d821fbd9b5f" providerId="ADAL" clId="{1BD5F22F-9604-410B-8ABC-E3F9669AD987}" dt="2023-06-01T01:00:31.372" v="33" actId="20577"/>
+          <ac:spMkLst>
+            <pc:docMk/>
+            <pc:sldMk cId="1787241099" sldId="278"/>
+            <ac:spMk id="2" creationId="{3C3AF8E9-1027-6F40-E462-2D8F56F614E9}"/>
+          </ac:spMkLst>
+        </pc:spChg>
+        <pc:spChg chg="mod">
+          <ac:chgData name="Amarnath Goud Naregudem" userId="2184b4e5-a0a4-4839-bbe2-3d821fbd9b5f" providerId="ADAL" clId="{1BD5F22F-9604-410B-8ABC-E3F9669AD987}" dt="2023-06-01T01:16:19.728" v="55" actId="255"/>
+          <ac:spMkLst>
+            <pc:docMk/>
+            <pc:sldMk cId="1787241099" sldId="278"/>
+            <ac:spMk id="3" creationId="{E552991E-3C78-4815-2C75-F85CA1D83584}"/>
+          </ac:spMkLst>
+        </pc:spChg>
       </pc:sldChg>
     </pc:docChg>
   </pc:docChgLst>
@@ -668,69 +734,6 @@
       </pc:sldChg>
     </pc:docChg>
   </pc:docChgLst>
-  <pc:docChgLst>
-    <pc:chgData name="Amarnath Goud Naregudem" userId="2184b4e5-a0a4-4839-bbe2-3d821fbd9b5f" providerId="ADAL" clId="{1BD5F22F-9604-410B-8ABC-E3F9669AD987}"/>
-    <pc:docChg chg="undo custSel addSld modSld sldOrd">
-      <pc:chgData name="Amarnath Goud Naregudem" userId="2184b4e5-a0a4-4839-bbe2-3d821fbd9b5f" providerId="ADAL" clId="{1BD5F22F-9604-410B-8ABC-E3F9669AD987}" dt="2023-06-01T01:16:19.728" v="55" actId="255"/>
-      <pc:docMkLst>
-        <pc:docMk/>
-      </pc:docMkLst>
-      <pc:sldChg chg="addSp modSp mod ord">
-        <pc:chgData name="Amarnath Goud Naregudem" userId="2184b4e5-a0a4-4839-bbe2-3d821fbd9b5f" providerId="ADAL" clId="{1BD5F22F-9604-410B-8ABC-E3F9669AD987}" dt="2023-06-01T00:46:25.003" v="17" actId="1076"/>
-        <pc:sldMkLst>
-          <pc:docMk/>
-          <pc:sldMk cId="3355843096" sldId="277"/>
-        </pc:sldMkLst>
-        <pc:spChg chg="mod">
-          <ac:chgData name="Amarnath Goud Naregudem" userId="2184b4e5-a0a4-4839-bbe2-3d821fbd9b5f" providerId="ADAL" clId="{1BD5F22F-9604-410B-8ABC-E3F9669AD987}" dt="2023-06-01T00:42:35.222" v="11" actId="20577"/>
-          <ac:spMkLst>
-            <pc:docMk/>
-            <pc:sldMk cId="3355843096" sldId="277"/>
-            <ac:spMk id="2" creationId="{071A6D73-A3FF-5322-D4AD-FC04775EA4EA}"/>
-          </ac:spMkLst>
-        </pc:spChg>
-        <pc:spChg chg="mod">
-          <ac:chgData name="Amarnath Goud Naregudem" userId="2184b4e5-a0a4-4839-bbe2-3d821fbd9b5f" providerId="ADAL" clId="{1BD5F22F-9604-410B-8ABC-E3F9669AD987}" dt="2023-06-01T00:46:22.897" v="16" actId="255"/>
-          <ac:spMkLst>
-            <pc:docMk/>
-            <pc:sldMk cId="3355843096" sldId="277"/>
-            <ac:spMk id="3" creationId="{9298B6D9-5324-D366-8C8D-683BD296D4B1}"/>
-          </ac:spMkLst>
-        </pc:spChg>
-        <pc:picChg chg="add mod">
-          <ac:chgData name="Amarnath Goud Naregudem" userId="2184b4e5-a0a4-4839-bbe2-3d821fbd9b5f" providerId="ADAL" clId="{1BD5F22F-9604-410B-8ABC-E3F9669AD987}" dt="2023-06-01T00:46:25.003" v="17" actId="1076"/>
-          <ac:picMkLst>
-            <pc:docMk/>
-            <pc:sldMk cId="3355843096" sldId="277"/>
-            <ac:picMk id="5" creationId="{C96CB1FF-FCED-CBB1-368B-930644921A07}"/>
-          </ac:picMkLst>
-        </pc:picChg>
-      </pc:sldChg>
-      <pc:sldChg chg="modSp new mod">
-        <pc:chgData name="Amarnath Goud Naregudem" userId="2184b4e5-a0a4-4839-bbe2-3d821fbd9b5f" providerId="ADAL" clId="{1BD5F22F-9604-410B-8ABC-E3F9669AD987}" dt="2023-06-01T01:16:19.728" v="55" actId="255"/>
-        <pc:sldMkLst>
-          <pc:docMk/>
-          <pc:sldMk cId="1787241099" sldId="278"/>
-        </pc:sldMkLst>
-        <pc:spChg chg="mod">
-          <ac:chgData name="Amarnath Goud Naregudem" userId="2184b4e5-a0a4-4839-bbe2-3d821fbd9b5f" providerId="ADAL" clId="{1BD5F22F-9604-410B-8ABC-E3F9669AD987}" dt="2023-06-01T01:00:31.372" v="33" actId="20577"/>
-          <ac:spMkLst>
-            <pc:docMk/>
-            <pc:sldMk cId="1787241099" sldId="278"/>
-            <ac:spMk id="2" creationId="{3C3AF8E9-1027-6F40-E462-2D8F56F614E9}"/>
-          </ac:spMkLst>
-        </pc:spChg>
-        <pc:spChg chg="mod">
-          <ac:chgData name="Amarnath Goud Naregudem" userId="2184b4e5-a0a4-4839-bbe2-3d821fbd9b5f" providerId="ADAL" clId="{1BD5F22F-9604-410B-8ABC-E3F9669AD987}" dt="2023-06-01T01:16:19.728" v="55" actId="255"/>
-          <ac:spMkLst>
-            <pc:docMk/>
-            <pc:sldMk cId="1787241099" sldId="278"/>
-            <ac:spMk id="3" creationId="{E552991E-3C78-4815-2C75-F85CA1D83584}"/>
-          </ac:spMkLst>
-        </pc:spChg>
-      </pc:sldChg>
-    </pc:docChg>
-  </pc:docChgLst>
 </pc:chgInfo>
 </file>
 
@@ -883,7 +886,7 @@
           <a:p>
             <a:fld id="{81A56D06-1AE9-42BA-B013-77732A164FA0}" type="datetimeFigureOut">
               <a:rPr lang="en-IN" smtClean="0"/>
-              <a:t>27-06-2023</a:t>
+              <a:t>27-10-2023</a:t>
             </a:fld>
             <a:endParaRPr lang="en-IN"/>
           </a:p>
@@ -1083,7 +1086,7 @@
           <a:p>
             <a:fld id="{81A56D06-1AE9-42BA-B013-77732A164FA0}" type="datetimeFigureOut">
               <a:rPr lang="en-IN" smtClean="0"/>
-              <a:t>27-06-2023</a:t>
+              <a:t>27-10-2023</a:t>
             </a:fld>
             <a:endParaRPr lang="en-IN"/>
           </a:p>
@@ -1293,7 +1296,7 @@
           <a:p>
             <a:fld id="{81A56D06-1AE9-42BA-B013-77732A164FA0}" type="datetimeFigureOut">
               <a:rPr lang="en-IN" smtClean="0"/>
-              <a:t>27-06-2023</a:t>
+              <a:t>27-10-2023</a:t>
             </a:fld>
             <a:endParaRPr lang="en-IN"/>
           </a:p>
@@ -1493,7 +1496,7 @@
           <a:p>
             <a:fld id="{81A56D06-1AE9-42BA-B013-77732A164FA0}" type="datetimeFigureOut">
               <a:rPr lang="en-IN" smtClean="0"/>
-              <a:t>27-06-2023</a:t>
+              <a:t>27-10-2023</a:t>
             </a:fld>
             <a:endParaRPr lang="en-IN"/>
           </a:p>
@@ -1769,7 +1772,7 @@
           <a:p>
             <a:fld id="{81A56D06-1AE9-42BA-B013-77732A164FA0}" type="datetimeFigureOut">
               <a:rPr lang="en-IN" smtClean="0"/>
-              <a:t>27-06-2023</a:t>
+              <a:t>27-10-2023</a:t>
             </a:fld>
             <a:endParaRPr lang="en-IN"/>
           </a:p>
@@ -2037,7 +2040,7 @@
           <a:p>
             <a:fld id="{81A56D06-1AE9-42BA-B013-77732A164FA0}" type="datetimeFigureOut">
               <a:rPr lang="en-IN" smtClean="0"/>
-              <a:t>27-06-2023</a:t>
+              <a:t>27-10-2023</a:t>
             </a:fld>
             <a:endParaRPr lang="en-IN"/>
           </a:p>
@@ -2452,7 +2455,7 @@
           <a:p>
             <a:fld id="{81A56D06-1AE9-42BA-B013-77732A164FA0}" type="datetimeFigureOut">
               <a:rPr lang="en-IN" smtClean="0"/>
-              <a:t>27-06-2023</a:t>
+              <a:t>27-10-2023</a:t>
             </a:fld>
             <a:endParaRPr lang="en-IN"/>
           </a:p>
@@ -2594,7 +2597,7 @@
           <a:p>
             <a:fld id="{81A56D06-1AE9-42BA-B013-77732A164FA0}" type="datetimeFigureOut">
               <a:rPr lang="en-IN" smtClean="0"/>
-              <a:t>27-06-2023</a:t>
+              <a:t>27-10-2023</a:t>
             </a:fld>
             <a:endParaRPr lang="en-IN"/>
           </a:p>
@@ -2707,7 +2710,7 @@
           <a:p>
             <a:fld id="{81A56D06-1AE9-42BA-B013-77732A164FA0}" type="datetimeFigureOut">
               <a:rPr lang="en-IN" smtClean="0"/>
-              <a:t>27-06-2023</a:t>
+              <a:t>27-10-2023</a:t>
             </a:fld>
             <a:endParaRPr lang="en-IN"/>
           </a:p>
@@ -3020,7 +3023,7 @@
           <a:p>
             <a:fld id="{81A56D06-1AE9-42BA-B013-77732A164FA0}" type="datetimeFigureOut">
               <a:rPr lang="en-IN" smtClean="0"/>
-              <a:t>27-06-2023</a:t>
+              <a:t>27-10-2023</a:t>
             </a:fld>
             <a:endParaRPr lang="en-IN"/>
           </a:p>
@@ -3309,7 +3312,7 @@
           <a:p>
             <a:fld id="{81A56D06-1AE9-42BA-B013-77732A164FA0}" type="datetimeFigureOut">
               <a:rPr lang="en-IN" smtClean="0"/>
-              <a:t>27-06-2023</a:t>
+              <a:t>27-10-2023</a:t>
             </a:fld>
             <a:endParaRPr lang="en-IN"/>
           </a:p>
@@ -3552,7 +3555,7 @@
           <a:p>
             <a:fld id="{81A56D06-1AE9-42BA-B013-77732A164FA0}" type="datetimeFigureOut">
               <a:rPr lang="en-IN" smtClean="0"/>
-              <a:t>27-06-2023</a:t>
+              <a:t>27-10-2023</a:t>
             </a:fld>
             <a:endParaRPr lang="en-IN"/>
           </a:p>
@@ -7101,6 +7104,1955 @@
 </p:sld>
 </file>
 
+<file path=ppt/slides/slide23.xml><?xml version="1.0" encoding="utf-8"?>
+<p:sld xmlns:a="http://schemas.openxmlformats.org/drawingml/2006/main" xmlns:r="http://schemas.openxmlformats.org/officeDocument/2006/relationships" xmlns:p="http://schemas.openxmlformats.org/presentationml/2006/main">
+  <p:cSld>
+    <p:spTree>
+      <p:nvGrpSpPr>
+        <p:cNvPr id="1" name=""/>
+        <p:cNvGrpSpPr/>
+        <p:nvPr/>
+      </p:nvGrpSpPr>
+      <p:grpSpPr>
+        <a:xfrm>
+          <a:off x="0" y="0"/>
+          <a:ext cx="0" cy="0"/>
+          <a:chOff x="0" y="0"/>
+          <a:chExt cx="0" cy="0"/>
+        </a:xfrm>
+      </p:grpSpPr>
+      <p:sp>
+        <p:nvSpPr>
+          <p:cNvPr id="2" name="Title 1">
+            <a:extLst>
+              <a:ext uri="{FF2B5EF4-FFF2-40B4-BE49-F238E27FC236}">
+                <a16:creationId xmlns:a16="http://schemas.microsoft.com/office/drawing/2014/main" id="{9A845A29-CDFF-D26D-069D-F4FC5B220F05}"/>
+              </a:ext>
+            </a:extLst>
+          </p:cNvPr>
+          <p:cNvSpPr>
+            <a:spLocks noGrp="1"/>
+          </p:cNvSpPr>
+          <p:nvPr>
+            <p:ph type="title"/>
+          </p:nvPr>
+        </p:nvSpPr>
+        <p:spPr/>
+        <p:txBody>
+          <a:bodyPr/>
+          <a:lstStyle/>
+          <a:p>
+            <a:r>
+              <a:rPr lang="en-US" dirty="0" err="1"/>
+              <a:t>Github</a:t>
+            </a:r>
+            <a:r>
+              <a:rPr lang="en-US" dirty="0"/>
+              <a:t> Actions</a:t>
+            </a:r>
+            <a:endParaRPr lang="en-IN" dirty="0"/>
+          </a:p>
+        </p:txBody>
+      </p:sp>
+      <p:sp>
+        <p:nvSpPr>
+          <p:cNvPr id="3" name="Content Placeholder 2">
+            <a:extLst>
+              <a:ext uri="{FF2B5EF4-FFF2-40B4-BE49-F238E27FC236}">
+                <a16:creationId xmlns:a16="http://schemas.microsoft.com/office/drawing/2014/main" id="{DC9A9EE1-BC2A-E641-500C-76FE23787B9F}"/>
+              </a:ext>
+            </a:extLst>
+          </p:cNvPr>
+          <p:cNvSpPr>
+            <a:spLocks noGrp="1"/>
+          </p:cNvSpPr>
+          <p:nvPr>
+            <p:ph idx="1"/>
+          </p:nvPr>
+        </p:nvSpPr>
+        <p:spPr/>
+        <p:txBody>
+          <a:bodyPr/>
+          <a:lstStyle/>
+          <a:p>
+            <a:r>
+              <a:rPr lang="en-US" b="0" i="0" dirty="0">
+                <a:solidFill>
+                  <a:srgbClr val="242424"/>
+                </a:solidFill>
+                <a:effectLst/>
+                <a:latin typeface="source-serif-pro"/>
+              </a:rPr>
+              <a:t>GitHub Actions is a powerful CI/CD pipeline automation tool for automating software development workflows and is fast becoming one of the go-to choices for pipeline orchestration.</a:t>
+            </a:r>
+          </a:p>
+          <a:p>
+            <a:r>
+              <a:rPr lang="en-US" b="0" i="0" dirty="0">
+                <a:solidFill>
+                  <a:srgbClr val="242424"/>
+                </a:solidFill>
+                <a:effectLst/>
+                <a:latin typeface="source-serif-pro"/>
+              </a:rPr>
+              <a:t>GitHub Actions is tightly integrated with the rest of the GitHub ecosystem, making pipelines easier to use and manage. GitHub Actions allows you to create workflows triggered by various events such as commits, pull requests, and releases. This allows you to automate pipelines that are tightly linked to your development process, thus reducing errors and increasing efficiency.</a:t>
+            </a:r>
+            <a:endParaRPr lang="en-IN" dirty="0"/>
+          </a:p>
+        </p:txBody>
+      </p:sp>
+    </p:spTree>
+    <p:extLst>
+      <p:ext uri="{BB962C8B-B14F-4D97-AF65-F5344CB8AC3E}">
+        <p14:creationId xmlns:p14="http://schemas.microsoft.com/office/powerpoint/2010/main" val="3705911144"/>
+      </p:ext>
+    </p:extLst>
+  </p:cSld>
+  <p:clrMapOvr>
+    <a:masterClrMapping/>
+  </p:clrMapOvr>
+</p:sld>
+</file>
+
+<file path=ppt/slides/slide24.xml><?xml version="1.0" encoding="utf-8"?>
+<p:sld xmlns:a="http://schemas.openxmlformats.org/drawingml/2006/main" xmlns:r="http://schemas.openxmlformats.org/officeDocument/2006/relationships" xmlns:p="http://schemas.openxmlformats.org/presentationml/2006/main">
+  <p:cSld>
+    <p:spTree>
+      <p:nvGrpSpPr>
+        <p:cNvPr id="1" name=""/>
+        <p:cNvGrpSpPr/>
+        <p:nvPr/>
+      </p:nvGrpSpPr>
+      <p:grpSpPr>
+        <a:xfrm>
+          <a:off x="0" y="0"/>
+          <a:ext cx="0" cy="0"/>
+          <a:chOff x="0" y="0"/>
+          <a:chExt cx="0" cy="0"/>
+        </a:xfrm>
+      </p:grpSpPr>
+      <p:sp>
+        <p:nvSpPr>
+          <p:cNvPr id="2" name="Title 1">
+            <a:extLst>
+              <a:ext uri="{FF2B5EF4-FFF2-40B4-BE49-F238E27FC236}">
+                <a16:creationId xmlns:a16="http://schemas.microsoft.com/office/drawing/2014/main" id="{0C251D05-EA31-48A7-DA9D-3A50E22BC5D6}"/>
+              </a:ext>
+            </a:extLst>
+          </p:cNvPr>
+          <p:cNvSpPr>
+            <a:spLocks noGrp="1"/>
+          </p:cNvSpPr>
+          <p:nvPr>
+            <p:ph type="title"/>
+          </p:nvPr>
+        </p:nvSpPr>
+        <p:spPr/>
+        <p:txBody>
+          <a:bodyPr>
+            <a:normAutofit/>
+          </a:bodyPr>
+          <a:lstStyle/>
+          <a:p>
+            <a:r>
+              <a:rPr lang="en-US" sz="2400" b="1" dirty="0"/>
+              <a:t>.</a:t>
+            </a:r>
+            <a:r>
+              <a:rPr lang="en-US" sz="2400" b="1" dirty="0" err="1"/>
+              <a:t>github</a:t>
+            </a:r>
+            <a:r>
+              <a:rPr lang="en-US" sz="2400" b="1" dirty="0"/>
+              <a:t>/workflows/</a:t>
+            </a:r>
+            <a:endParaRPr lang="en-IN" sz="2400" b="1" dirty="0"/>
+          </a:p>
+        </p:txBody>
+      </p:sp>
+      <p:sp>
+        <p:nvSpPr>
+          <p:cNvPr id="3" name="Content Placeholder 2">
+            <a:extLst>
+              <a:ext uri="{FF2B5EF4-FFF2-40B4-BE49-F238E27FC236}">
+                <a16:creationId xmlns:a16="http://schemas.microsoft.com/office/drawing/2014/main" id="{E9F17329-F427-8C14-6A81-7B0811AEBC92}"/>
+              </a:ext>
+            </a:extLst>
+          </p:cNvPr>
+          <p:cNvSpPr>
+            <a:spLocks noGrp="1"/>
+          </p:cNvSpPr>
+          <p:nvPr>
+            <p:ph idx="1"/>
+          </p:nvPr>
+        </p:nvSpPr>
+        <p:spPr>
+          <a:xfrm>
+            <a:off x="838200" y="1347537"/>
+            <a:ext cx="10515600" cy="4829426"/>
+          </a:xfrm>
+        </p:spPr>
+        <p:txBody>
+          <a:bodyPr/>
+          <a:lstStyle/>
+          <a:p>
+            <a:r>
+              <a:rPr lang="en-US" dirty="0"/>
+              <a:t>Create a </a:t>
+            </a:r>
+            <a:r>
+              <a:rPr lang="en-US" dirty="0" err="1"/>
+              <a:t>yml</a:t>
+            </a:r>
+            <a:r>
+              <a:rPr lang="en-US" dirty="0"/>
+              <a:t> file that connects with the </a:t>
+            </a:r>
+            <a:r>
+              <a:rPr lang="en-US" dirty="0" err="1"/>
+              <a:t>github</a:t>
+            </a:r>
+            <a:r>
+              <a:rPr lang="en-US" dirty="0"/>
+              <a:t>. This is the actions file that setups the workflow. When to run or on what action to run.</a:t>
+            </a:r>
+          </a:p>
+          <a:p>
+            <a:endParaRPr lang="en-IN" dirty="0"/>
+          </a:p>
+        </p:txBody>
+      </p:sp>
+    </p:spTree>
+    <p:extLst>
+      <p:ext uri="{BB962C8B-B14F-4D97-AF65-F5344CB8AC3E}">
+        <p14:creationId xmlns:p14="http://schemas.microsoft.com/office/powerpoint/2010/main" val="1931361897"/>
+      </p:ext>
+    </p:extLst>
+  </p:cSld>
+  <p:clrMapOvr>
+    <a:masterClrMapping/>
+  </p:clrMapOvr>
+</p:sld>
+</file>
+
+<file path=ppt/slides/slide25.xml><?xml version="1.0" encoding="utf-8"?>
+<p:sld xmlns:a="http://schemas.openxmlformats.org/drawingml/2006/main" xmlns:r="http://schemas.openxmlformats.org/officeDocument/2006/relationships" xmlns:p="http://schemas.openxmlformats.org/presentationml/2006/main">
+  <p:cSld>
+    <p:spTree>
+      <p:nvGrpSpPr>
+        <p:cNvPr id="1" name=""/>
+        <p:cNvGrpSpPr/>
+        <p:nvPr/>
+      </p:nvGrpSpPr>
+      <p:grpSpPr>
+        <a:xfrm>
+          <a:off x="0" y="0"/>
+          <a:ext cx="0" cy="0"/>
+          <a:chOff x="0" y="0"/>
+          <a:chExt cx="0" cy="0"/>
+        </a:xfrm>
+      </p:grpSpPr>
+      <p:sp>
+        <p:nvSpPr>
+          <p:cNvPr id="5" name="Rectangle 1">
+            <a:extLst>
+              <a:ext uri="{FF2B5EF4-FFF2-40B4-BE49-F238E27FC236}">
+                <a16:creationId xmlns:a16="http://schemas.microsoft.com/office/drawing/2014/main" id="{30B7C79A-62D6-FFCA-30BE-E1D8EB0A8BED}"/>
+              </a:ext>
+            </a:extLst>
+          </p:cNvPr>
+          <p:cNvSpPr>
+            <a:spLocks noGrp="1" noChangeArrowheads="1"/>
+          </p:cNvSpPr>
+          <p:nvPr>
+            <p:ph idx="1"/>
+          </p:nvPr>
+        </p:nvSpPr>
+        <p:spPr bwMode="auto">
+          <a:xfrm>
+            <a:off x="125128" y="761177"/>
+            <a:ext cx="12233710" cy="5847755"/>
+          </a:xfrm>
+          <a:prstGeom prst="rect">
+            <a:avLst/>
+          </a:prstGeom>
+          <a:solidFill>
+            <a:srgbClr val="2B2B2B"/>
+          </a:solidFill>
+          <a:ln>
+            <a:noFill/>
+          </a:ln>
+          <a:effectLst/>
+          <a:extLst>
+            <a:ext uri="{91240B29-F687-4F45-9708-019B960494DF}">
+              <a14:hiddenLine xmlns:a14="http://schemas.microsoft.com/office/drawing/2010/main" w="9525">
+                <a:solidFill>
+                  <a:schemeClr val="tx1"/>
+                </a:solidFill>
+                <a:miter lim="800000"/>
+                <a:headEnd/>
+                <a:tailEnd/>
+              </a14:hiddenLine>
+            </a:ext>
+            <a:ext uri="{AF507438-7753-43E0-B8FC-AC1667EBCBE1}">
+              <a14:hiddenEffects xmlns:a14="http://schemas.microsoft.com/office/drawing/2010/main">
+                <a:effectLst>
+                  <a:outerShdw dist="35921" dir="2700000" algn="ctr" rotWithShape="0">
+                    <a:schemeClr val="bg2"/>
+                  </a:outerShdw>
+                </a:effectLst>
+              </a14:hiddenEffects>
+            </a:ext>
+          </a:extLst>
+        </p:spPr>
+        <p:txBody>
+          <a:bodyPr vert="horz" wrap="square" lIns="91440" tIns="45720" rIns="91440" bIns="45720" numCol="1" anchor="ctr" anchorCtr="0" compatLnSpc="1">
+            <a:prstTxWarp prst="textNoShape">
+              <a:avLst/>
+            </a:prstTxWarp>
+            <a:spAutoFit/>
+          </a:bodyPr>
+          <a:lstStyle/>
+          <a:p>
+            <a:pPr marL="0" marR="0" lvl="0" indent="0" algn="l" defTabSz="914400" rtl="0" eaLnBrk="0" fontAlgn="base" latinLnBrk="0" hangingPunct="0">
+              <a:lnSpc>
+                <a:spcPct val="100000"/>
+              </a:lnSpc>
+              <a:spcBef>
+                <a:spcPct val="0"/>
+              </a:spcBef>
+              <a:spcAft>
+                <a:spcPct val="0"/>
+              </a:spcAft>
+              <a:buClrTx/>
+              <a:buSzTx/>
+              <a:buFontTx/>
+              <a:buNone/>
+              <a:tabLst/>
+            </a:pPr>
+            <a:r>
+              <a:rPr kumimoji="0" lang="en-US" altLang="en-US" sz="1100" b="0" i="0" u="none" strike="noStrike" cap="none" normalizeH="0" baseline="0" dirty="0">
+                <a:ln>
+                  <a:noFill/>
+                </a:ln>
+                <a:solidFill>
+                  <a:srgbClr val="CC7832"/>
+                </a:solidFill>
+                <a:effectLst/>
+                <a:latin typeface="JetBrains Mono"/>
+              </a:rPr>
+              <a:t>on</a:t>
+            </a:r>
+            <a:r>
+              <a:rPr kumimoji="0" lang="en-US" altLang="en-US" sz="1100" b="0" i="0" u="none" strike="noStrike" cap="none" normalizeH="0" baseline="0" dirty="0">
+                <a:ln>
+                  <a:noFill/>
+                </a:ln>
+                <a:solidFill>
+                  <a:srgbClr val="A9B7C6"/>
+                </a:solidFill>
+                <a:effectLst/>
+                <a:latin typeface="JetBrains Mono"/>
+              </a:rPr>
+              <a:t>:</a:t>
+            </a:r>
+            <a:br>
+              <a:rPr kumimoji="0" lang="en-US" altLang="en-US" sz="1100" b="0" i="0" u="none" strike="noStrike" cap="none" normalizeH="0" baseline="0" dirty="0">
+                <a:ln>
+                  <a:noFill/>
+                </a:ln>
+                <a:solidFill>
+                  <a:srgbClr val="A9B7C6"/>
+                </a:solidFill>
+                <a:effectLst/>
+                <a:latin typeface="JetBrains Mono"/>
+              </a:rPr>
+            </a:br>
+            <a:r>
+              <a:rPr kumimoji="0" lang="en-US" altLang="en-US" sz="1100" b="0" i="0" u="none" strike="noStrike" cap="none" normalizeH="0" baseline="0" dirty="0">
+                <a:ln>
+                  <a:noFill/>
+                </a:ln>
+                <a:solidFill>
+                  <a:srgbClr val="CC7832"/>
+                </a:solidFill>
+                <a:effectLst/>
+                <a:latin typeface="JetBrains Mono"/>
+              </a:rPr>
+              <a:t>push</a:t>
+            </a:r>
+            <a:r>
+              <a:rPr kumimoji="0" lang="en-US" altLang="en-US" sz="1100" b="0" i="0" u="none" strike="noStrike" cap="none" normalizeH="0" baseline="0" dirty="0">
+                <a:ln>
+                  <a:noFill/>
+                </a:ln>
+                <a:solidFill>
+                  <a:srgbClr val="A9B7C6"/>
+                </a:solidFill>
+                <a:effectLst/>
+                <a:latin typeface="JetBrains Mono"/>
+              </a:rPr>
+              <a:t>:</a:t>
+            </a:r>
+            <a:br>
+              <a:rPr kumimoji="0" lang="en-US" altLang="en-US" sz="1100" b="0" i="0" u="none" strike="noStrike" cap="none" normalizeH="0" baseline="0" dirty="0">
+                <a:ln>
+                  <a:noFill/>
+                </a:ln>
+                <a:solidFill>
+                  <a:srgbClr val="A9B7C6"/>
+                </a:solidFill>
+                <a:effectLst/>
+                <a:latin typeface="JetBrains Mono"/>
+              </a:rPr>
+            </a:br>
+            <a:r>
+              <a:rPr kumimoji="0" lang="en-US" altLang="en-US" sz="1100" b="0" i="0" u="none" strike="noStrike" cap="none" normalizeH="0" baseline="0" dirty="0">
+                <a:ln>
+                  <a:noFill/>
+                </a:ln>
+                <a:solidFill>
+                  <a:srgbClr val="A9B7C6"/>
+                </a:solidFill>
+                <a:effectLst/>
+                <a:latin typeface="JetBrains Mono"/>
+              </a:rPr>
+              <a:t>    </a:t>
+            </a:r>
+            <a:r>
+              <a:rPr kumimoji="0" lang="en-US" altLang="en-US" sz="1100" b="0" i="0" u="none" strike="noStrike" cap="none" normalizeH="0" baseline="0" dirty="0">
+                <a:ln>
+                  <a:noFill/>
+                </a:ln>
+                <a:solidFill>
+                  <a:srgbClr val="CC7832"/>
+                </a:solidFill>
+                <a:effectLst/>
+                <a:latin typeface="JetBrains Mono"/>
+              </a:rPr>
+              <a:t>branches</a:t>
+            </a:r>
+            <a:r>
+              <a:rPr kumimoji="0" lang="en-US" altLang="en-US" sz="1100" b="0" i="0" u="none" strike="noStrike" cap="none" normalizeH="0" baseline="0" dirty="0">
+                <a:ln>
+                  <a:noFill/>
+                </a:ln>
+                <a:solidFill>
+                  <a:srgbClr val="A9B7C6"/>
+                </a:solidFill>
+                <a:effectLst/>
+                <a:latin typeface="JetBrains Mono"/>
+              </a:rPr>
+              <a:t>:</a:t>
+            </a:r>
+            <a:br>
+              <a:rPr kumimoji="0" lang="en-US" altLang="en-US" sz="1100" b="0" i="0" u="none" strike="noStrike" cap="none" normalizeH="0" baseline="0" dirty="0">
+                <a:ln>
+                  <a:noFill/>
+                </a:ln>
+                <a:solidFill>
+                  <a:srgbClr val="A9B7C6"/>
+                </a:solidFill>
+                <a:effectLst/>
+                <a:latin typeface="JetBrains Mono"/>
+              </a:rPr>
+            </a:br>
+            <a:r>
+              <a:rPr kumimoji="0" lang="en-US" altLang="en-US" sz="1100" b="0" i="0" u="none" strike="noStrike" cap="none" normalizeH="0" baseline="0" dirty="0">
+                <a:ln>
+                  <a:noFill/>
+                </a:ln>
+                <a:solidFill>
+                  <a:srgbClr val="A9B7C6"/>
+                </a:solidFill>
+                <a:effectLst/>
+                <a:latin typeface="JetBrains Mono"/>
+              </a:rPr>
+              <a:t>    </a:t>
+            </a:r>
+            <a:r>
+              <a:rPr kumimoji="0" lang="en-US" altLang="en-US" sz="1100" b="0" i="1" u="none" strike="noStrike" cap="none" normalizeH="0" baseline="0" dirty="0">
+                <a:ln>
+                  <a:noFill/>
+                </a:ln>
+                <a:solidFill>
+                  <a:srgbClr val="629755"/>
+                </a:solidFill>
+                <a:effectLst/>
+                <a:latin typeface="JetBrains Mono"/>
+              </a:rPr>
+              <a:t># run on push to development branch</a:t>
+            </a:r>
+            <a:br>
+              <a:rPr kumimoji="0" lang="en-US" altLang="en-US" sz="1100" b="0" i="1" u="none" strike="noStrike" cap="none" normalizeH="0" baseline="0" dirty="0">
+                <a:ln>
+                  <a:noFill/>
+                </a:ln>
+                <a:solidFill>
+                  <a:srgbClr val="629755"/>
+                </a:solidFill>
+                <a:effectLst/>
+                <a:latin typeface="JetBrains Mono"/>
+              </a:rPr>
+            </a:br>
+            <a:r>
+              <a:rPr kumimoji="0" lang="en-US" altLang="en-US" sz="1100" b="0" i="1" u="none" strike="noStrike" cap="none" normalizeH="0" baseline="0" dirty="0">
+                <a:ln>
+                  <a:noFill/>
+                </a:ln>
+                <a:solidFill>
+                  <a:srgbClr val="629755"/>
+                </a:solidFill>
+                <a:effectLst/>
+                <a:latin typeface="JetBrains Mono"/>
+              </a:rPr>
+              <a:t>    </a:t>
+            </a:r>
+            <a:r>
+              <a:rPr kumimoji="0" lang="en-US" altLang="en-US" sz="1100" b="0" i="0" u="none" strike="noStrike" cap="none" normalizeH="0" baseline="0" dirty="0">
+                <a:ln>
+                  <a:noFill/>
+                </a:ln>
+                <a:solidFill>
+                  <a:srgbClr val="A9B7C6"/>
+                </a:solidFill>
+                <a:effectLst/>
+                <a:latin typeface="JetBrains Mono"/>
+              </a:rPr>
+              <a:t>- development</a:t>
+            </a:r>
+            <a:br>
+              <a:rPr kumimoji="0" lang="en-US" altLang="en-US" sz="1100" b="0" i="0" u="none" strike="noStrike" cap="none" normalizeH="0" baseline="0" dirty="0">
+                <a:ln>
+                  <a:noFill/>
+                </a:ln>
+                <a:solidFill>
+                  <a:srgbClr val="A9B7C6"/>
+                </a:solidFill>
+                <a:effectLst/>
+                <a:latin typeface="JetBrains Mono"/>
+              </a:rPr>
+            </a:br>
+            <a:r>
+              <a:rPr kumimoji="0" lang="en-US" altLang="en-US" sz="1100" b="0" i="0" u="none" strike="noStrike" cap="none" normalizeH="0" baseline="0" dirty="0">
+                <a:ln>
+                  <a:noFill/>
+                </a:ln>
+                <a:solidFill>
+                  <a:srgbClr val="CC7832"/>
+                </a:solidFill>
+                <a:effectLst/>
+                <a:latin typeface="JetBrains Mono"/>
+              </a:rPr>
+              <a:t>env</a:t>
+            </a:r>
+            <a:r>
+              <a:rPr kumimoji="0" lang="en-US" altLang="en-US" sz="1100" b="0" i="0" u="none" strike="noStrike" cap="none" normalizeH="0" baseline="0" dirty="0">
+                <a:ln>
+                  <a:noFill/>
+                </a:ln>
+                <a:solidFill>
+                  <a:srgbClr val="A9B7C6"/>
+                </a:solidFill>
+                <a:effectLst/>
+                <a:latin typeface="JetBrains Mono"/>
+              </a:rPr>
+              <a:t>:</a:t>
+            </a:r>
+            <a:br>
+              <a:rPr kumimoji="0" lang="en-US" altLang="en-US" sz="1100" b="0" i="0" u="none" strike="noStrike" cap="none" normalizeH="0" baseline="0" dirty="0">
+                <a:ln>
+                  <a:noFill/>
+                </a:ln>
+                <a:solidFill>
+                  <a:srgbClr val="A9B7C6"/>
+                </a:solidFill>
+                <a:effectLst/>
+                <a:latin typeface="JetBrains Mono"/>
+              </a:rPr>
+            </a:br>
+            <a:r>
+              <a:rPr kumimoji="0" lang="en-US" altLang="en-US" sz="1100" b="0" i="0" u="none" strike="noStrike" cap="none" normalizeH="0" baseline="0" dirty="0">
+                <a:ln>
+                  <a:noFill/>
+                </a:ln>
+                <a:solidFill>
+                  <a:srgbClr val="CC7832"/>
+                </a:solidFill>
+                <a:effectLst/>
+                <a:latin typeface="JetBrains Mono"/>
+              </a:rPr>
+              <a:t>DBT_PROFILES_DIR</a:t>
+            </a:r>
+            <a:r>
+              <a:rPr kumimoji="0" lang="en-US" altLang="en-US" sz="1100" b="0" i="0" u="none" strike="noStrike" cap="none" normalizeH="0" baseline="0" dirty="0">
+                <a:ln>
+                  <a:noFill/>
+                </a:ln>
+                <a:solidFill>
+                  <a:srgbClr val="A9B7C6"/>
+                </a:solidFill>
+                <a:effectLst/>
+                <a:latin typeface="JetBrains Mono"/>
+              </a:rPr>
+              <a:t>: ./</a:t>
+            </a:r>
+            <a:br>
+              <a:rPr kumimoji="0" lang="en-US" altLang="en-US" sz="1100" b="0" i="0" u="none" strike="noStrike" cap="none" normalizeH="0" baseline="0" dirty="0">
+                <a:ln>
+                  <a:noFill/>
+                </a:ln>
+                <a:solidFill>
+                  <a:srgbClr val="A9B7C6"/>
+                </a:solidFill>
+                <a:effectLst/>
+                <a:latin typeface="JetBrains Mono"/>
+              </a:rPr>
+            </a:br>
+            <a:br>
+              <a:rPr kumimoji="0" lang="en-US" altLang="en-US" sz="1100" b="0" i="0" u="none" strike="noStrike" cap="none" normalizeH="0" baseline="0" dirty="0">
+                <a:ln>
+                  <a:noFill/>
+                </a:ln>
+                <a:solidFill>
+                  <a:srgbClr val="A9B7C6"/>
+                </a:solidFill>
+                <a:effectLst/>
+                <a:latin typeface="JetBrains Mono"/>
+              </a:rPr>
+            </a:br>
+            <a:r>
+              <a:rPr kumimoji="0" lang="en-US" altLang="en-US" sz="1100" b="0" i="0" u="none" strike="noStrike" cap="none" normalizeH="0" baseline="0" dirty="0">
+                <a:ln>
+                  <a:noFill/>
+                </a:ln>
+                <a:solidFill>
+                  <a:srgbClr val="CC7832"/>
+                </a:solidFill>
+                <a:effectLst/>
+                <a:latin typeface="JetBrains Mono"/>
+              </a:rPr>
+              <a:t>DBT_SNOWFLAKE_ACCOUNT</a:t>
+            </a:r>
+            <a:r>
+              <a:rPr kumimoji="0" lang="en-US" altLang="en-US" sz="1100" b="0" i="0" u="none" strike="noStrike" cap="none" normalizeH="0" baseline="0" dirty="0">
+                <a:ln>
+                  <a:noFill/>
+                </a:ln>
+                <a:solidFill>
+                  <a:srgbClr val="A9B7C6"/>
+                </a:solidFill>
+                <a:effectLst/>
+                <a:latin typeface="JetBrains Mono"/>
+              </a:rPr>
+              <a:t>: ${{ </a:t>
+            </a:r>
+            <a:r>
+              <a:rPr kumimoji="0" lang="en-US" altLang="en-US" sz="1100" b="0" i="0" u="none" strike="noStrike" cap="none" normalizeH="0" baseline="0" dirty="0" err="1">
+                <a:ln>
+                  <a:noFill/>
+                </a:ln>
+                <a:solidFill>
+                  <a:srgbClr val="A9B7C6"/>
+                </a:solidFill>
+                <a:effectLst/>
+                <a:latin typeface="JetBrains Mono"/>
+              </a:rPr>
+              <a:t>secrets.SNOWFLAKE_ACCOUNT</a:t>
+            </a:r>
+            <a:r>
+              <a:rPr kumimoji="0" lang="en-US" altLang="en-US" sz="1100" b="0" i="0" u="none" strike="noStrike" cap="none" normalizeH="0" baseline="0" dirty="0">
+                <a:ln>
+                  <a:noFill/>
+                </a:ln>
+                <a:solidFill>
+                  <a:srgbClr val="A9B7C6"/>
+                </a:solidFill>
+                <a:effectLst/>
+                <a:latin typeface="JetBrains Mono"/>
+              </a:rPr>
+              <a:t> }}</a:t>
+            </a:r>
+            <a:br>
+              <a:rPr kumimoji="0" lang="en-US" altLang="en-US" sz="1100" b="0" i="0" u="none" strike="noStrike" cap="none" normalizeH="0" baseline="0" dirty="0">
+                <a:ln>
+                  <a:noFill/>
+                </a:ln>
+                <a:solidFill>
+                  <a:srgbClr val="A9B7C6"/>
+                </a:solidFill>
+                <a:effectLst/>
+                <a:latin typeface="JetBrains Mono"/>
+              </a:rPr>
+            </a:br>
+            <a:r>
+              <a:rPr kumimoji="0" lang="en-US" altLang="en-US" sz="1100" b="0" i="0" u="none" strike="noStrike" cap="none" normalizeH="0" baseline="0" dirty="0">
+                <a:ln>
+                  <a:noFill/>
+                </a:ln>
+                <a:solidFill>
+                  <a:srgbClr val="CC7832"/>
+                </a:solidFill>
+                <a:effectLst/>
+                <a:latin typeface="JetBrains Mono"/>
+              </a:rPr>
+              <a:t>DBT_SNOWFLAKE_USERNAME</a:t>
+            </a:r>
+            <a:r>
+              <a:rPr kumimoji="0" lang="en-US" altLang="en-US" sz="1100" b="0" i="0" u="none" strike="noStrike" cap="none" normalizeH="0" baseline="0" dirty="0">
+                <a:ln>
+                  <a:noFill/>
+                </a:ln>
+                <a:solidFill>
+                  <a:srgbClr val="A9B7C6"/>
+                </a:solidFill>
+                <a:effectLst/>
+                <a:latin typeface="JetBrains Mono"/>
+              </a:rPr>
+              <a:t>: ${{ </a:t>
+            </a:r>
+            <a:r>
+              <a:rPr kumimoji="0" lang="en-US" altLang="en-US" sz="1100" b="0" i="0" u="none" strike="noStrike" cap="none" normalizeH="0" baseline="0" dirty="0" err="1">
+                <a:ln>
+                  <a:noFill/>
+                </a:ln>
+                <a:solidFill>
+                  <a:srgbClr val="A9B7C6"/>
+                </a:solidFill>
+                <a:effectLst/>
+                <a:latin typeface="JetBrains Mono"/>
+              </a:rPr>
+              <a:t>secrets.SNOWFLAKE_USER</a:t>
+            </a:r>
+            <a:r>
+              <a:rPr kumimoji="0" lang="en-US" altLang="en-US" sz="1100" b="0" i="0" u="none" strike="noStrike" cap="none" normalizeH="0" baseline="0" dirty="0">
+                <a:ln>
+                  <a:noFill/>
+                </a:ln>
+                <a:solidFill>
+                  <a:srgbClr val="A9B7C6"/>
+                </a:solidFill>
+                <a:effectLst/>
+                <a:latin typeface="JetBrains Mono"/>
+              </a:rPr>
+              <a:t> }}</a:t>
+            </a:r>
+            <a:br>
+              <a:rPr kumimoji="0" lang="en-US" altLang="en-US" sz="1100" b="0" i="0" u="none" strike="noStrike" cap="none" normalizeH="0" baseline="0" dirty="0">
+                <a:ln>
+                  <a:noFill/>
+                </a:ln>
+                <a:solidFill>
+                  <a:srgbClr val="A9B7C6"/>
+                </a:solidFill>
+                <a:effectLst/>
+                <a:latin typeface="JetBrains Mono"/>
+              </a:rPr>
+            </a:br>
+            <a:r>
+              <a:rPr kumimoji="0" lang="en-US" altLang="en-US" sz="1100" b="0" i="0" u="none" strike="noStrike" cap="none" normalizeH="0" baseline="0" dirty="0">
+                <a:ln>
+                  <a:noFill/>
+                </a:ln>
+                <a:solidFill>
+                  <a:srgbClr val="CC7832"/>
+                </a:solidFill>
+                <a:effectLst/>
+                <a:latin typeface="JetBrains Mono"/>
+              </a:rPr>
+              <a:t>DBT_SNOWFLAKE_PW</a:t>
+            </a:r>
+            <a:r>
+              <a:rPr kumimoji="0" lang="en-US" altLang="en-US" sz="1100" b="0" i="0" u="none" strike="noStrike" cap="none" normalizeH="0" baseline="0" dirty="0">
+                <a:ln>
+                  <a:noFill/>
+                </a:ln>
+                <a:solidFill>
+                  <a:srgbClr val="A9B7C6"/>
+                </a:solidFill>
+                <a:effectLst/>
+                <a:latin typeface="JetBrains Mono"/>
+              </a:rPr>
+              <a:t>: ${{ </a:t>
+            </a:r>
+            <a:r>
+              <a:rPr kumimoji="0" lang="en-US" altLang="en-US" sz="1100" b="0" i="0" u="none" strike="noStrike" cap="none" normalizeH="0" baseline="0" dirty="0" err="1">
+                <a:ln>
+                  <a:noFill/>
+                </a:ln>
+                <a:solidFill>
+                  <a:srgbClr val="A9B7C6"/>
+                </a:solidFill>
+                <a:effectLst/>
+                <a:latin typeface="JetBrains Mono"/>
+              </a:rPr>
+              <a:t>secrets.SNOWFLAKE_PASSWORD</a:t>
+            </a:r>
+            <a:r>
+              <a:rPr kumimoji="0" lang="en-US" altLang="en-US" sz="1100" b="0" i="0" u="none" strike="noStrike" cap="none" normalizeH="0" baseline="0" dirty="0">
+                <a:ln>
+                  <a:noFill/>
+                </a:ln>
+                <a:solidFill>
+                  <a:srgbClr val="A9B7C6"/>
+                </a:solidFill>
+                <a:effectLst/>
+                <a:latin typeface="JetBrains Mono"/>
+              </a:rPr>
+              <a:t> }}</a:t>
+            </a:r>
+            <a:br>
+              <a:rPr kumimoji="0" lang="en-US" altLang="en-US" sz="1100" b="0" i="0" u="none" strike="noStrike" cap="none" normalizeH="0" baseline="0" dirty="0">
+                <a:ln>
+                  <a:noFill/>
+                </a:ln>
+                <a:solidFill>
+                  <a:srgbClr val="A9B7C6"/>
+                </a:solidFill>
+                <a:effectLst/>
+                <a:latin typeface="JetBrains Mono"/>
+              </a:rPr>
+            </a:br>
+            <a:r>
+              <a:rPr kumimoji="0" lang="en-US" altLang="en-US" sz="1100" b="0" i="0" u="none" strike="noStrike" cap="none" normalizeH="0" baseline="0" dirty="0">
+                <a:ln>
+                  <a:noFill/>
+                </a:ln>
+                <a:solidFill>
+                  <a:srgbClr val="CC7832"/>
+                </a:solidFill>
+                <a:effectLst/>
+                <a:latin typeface="JetBrains Mono"/>
+              </a:rPr>
+              <a:t>DBT_SNOWFLAKE_ROLE</a:t>
+            </a:r>
+            <a:r>
+              <a:rPr kumimoji="0" lang="en-US" altLang="en-US" sz="1100" b="0" i="0" u="none" strike="noStrike" cap="none" normalizeH="0" baseline="0" dirty="0">
+                <a:ln>
+                  <a:noFill/>
+                </a:ln>
+                <a:solidFill>
+                  <a:srgbClr val="A9B7C6"/>
+                </a:solidFill>
+                <a:effectLst/>
+                <a:latin typeface="JetBrains Mono"/>
+              </a:rPr>
+              <a:t>: ${{ </a:t>
+            </a:r>
+            <a:r>
+              <a:rPr kumimoji="0" lang="en-US" altLang="en-US" sz="1100" b="0" i="0" u="none" strike="noStrike" cap="none" normalizeH="0" baseline="0" dirty="0" err="1">
+                <a:ln>
+                  <a:noFill/>
+                </a:ln>
+                <a:solidFill>
+                  <a:srgbClr val="A9B7C6"/>
+                </a:solidFill>
+                <a:effectLst/>
+                <a:latin typeface="JetBrains Mono"/>
+              </a:rPr>
+              <a:t>secrets.SNOWFLAKE_ROLE</a:t>
+            </a:r>
+            <a:r>
+              <a:rPr kumimoji="0" lang="en-US" altLang="en-US" sz="1100" b="0" i="0" u="none" strike="noStrike" cap="none" normalizeH="0" baseline="0" dirty="0">
+                <a:ln>
+                  <a:noFill/>
+                </a:ln>
+                <a:solidFill>
+                  <a:srgbClr val="A9B7C6"/>
+                </a:solidFill>
+                <a:effectLst/>
+                <a:latin typeface="JetBrains Mono"/>
+              </a:rPr>
+              <a:t> }}</a:t>
+            </a:r>
+            <a:br>
+              <a:rPr kumimoji="0" lang="en-US" altLang="en-US" sz="1100" b="0" i="0" u="none" strike="noStrike" cap="none" normalizeH="0" baseline="0" dirty="0">
+                <a:ln>
+                  <a:noFill/>
+                </a:ln>
+                <a:solidFill>
+                  <a:srgbClr val="A9B7C6"/>
+                </a:solidFill>
+                <a:effectLst/>
+                <a:latin typeface="JetBrains Mono"/>
+              </a:rPr>
+            </a:br>
+            <a:br>
+              <a:rPr kumimoji="0" lang="en-US" altLang="en-US" sz="1100" b="0" i="0" u="none" strike="noStrike" cap="none" normalizeH="0" baseline="0" dirty="0">
+                <a:ln>
+                  <a:noFill/>
+                </a:ln>
+                <a:solidFill>
+                  <a:srgbClr val="A9B7C6"/>
+                </a:solidFill>
+                <a:effectLst/>
+                <a:latin typeface="JetBrains Mono"/>
+              </a:rPr>
+            </a:br>
+            <a:r>
+              <a:rPr kumimoji="0" lang="en-US" altLang="en-US" sz="1100" b="0" i="0" u="none" strike="noStrike" cap="none" normalizeH="0" baseline="0" dirty="0">
+                <a:ln>
+                  <a:noFill/>
+                </a:ln>
+                <a:solidFill>
+                  <a:srgbClr val="CC7832"/>
+                </a:solidFill>
+                <a:effectLst/>
+                <a:latin typeface="JetBrains Mono"/>
+              </a:rPr>
+              <a:t>jobs</a:t>
+            </a:r>
+            <a:r>
+              <a:rPr kumimoji="0" lang="en-US" altLang="en-US" sz="1100" b="0" i="0" u="none" strike="noStrike" cap="none" normalizeH="0" baseline="0" dirty="0">
+                <a:ln>
+                  <a:noFill/>
+                </a:ln>
+                <a:solidFill>
+                  <a:srgbClr val="A9B7C6"/>
+                </a:solidFill>
+                <a:effectLst/>
+                <a:latin typeface="JetBrains Mono"/>
+              </a:rPr>
+              <a:t>:</a:t>
+            </a:r>
+            <a:br>
+              <a:rPr kumimoji="0" lang="en-US" altLang="en-US" sz="1100" b="0" i="0" u="none" strike="noStrike" cap="none" normalizeH="0" baseline="0" dirty="0">
+                <a:ln>
+                  <a:noFill/>
+                </a:ln>
+                <a:solidFill>
+                  <a:srgbClr val="A9B7C6"/>
+                </a:solidFill>
+                <a:effectLst/>
+                <a:latin typeface="JetBrains Mono"/>
+              </a:rPr>
+            </a:br>
+            <a:r>
+              <a:rPr kumimoji="0" lang="en-US" altLang="en-US" sz="1100" b="0" i="0" u="none" strike="noStrike" cap="none" normalizeH="0" baseline="0" dirty="0" err="1">
+                <a:ln>
+                  <a:noFill/>
+                </a:ln>
+                <a:solidFill>
+                  <a:srgbClr val="CC7832"/>
+                </a:solidFill>
+                <a:effectLst/>
+                <a:latin typeface="JetBrains Mono"/>
+              </a:rPr>
+              <a:t>dbt_run_on_push</a:t>
+            </a:r>
+            <a:r>
+              <a:rPr kumimoji="0" lang="en-US" altLang="en-US" sz="1100" b="0" i="0" u="none" strike="noStrike" cap="none" normalizeH="0" baseline="0" dirty="0">
+                <a:ln>
+                  <a:noFill/>
+                </a:ln>
+                <a:solidFill>
+                  <a:srgbClr val="A9B7C6"/>
+                </a:solidFill>
+                <a:effectLst/>
+                <a:latin typeface="JetBrains Mono"/>
+              </a:rPr>
+              <a:t>:</a:t>
+            </a:r>
+            <a:br>
+              <a:rPr kumimoji="0" lang="en-US" altLang="en-US" sz="1100" b="0" i="0" u="none" strike="noStrike" cap="none" normalizeH="0" baseline="0" dirty="0">
+                <a:ln>
+                  <a:noFill/>
+                </a:ln>
+                <a:solidFill>
+                  <a:srgbClr val="A9B7C6"/>
+                </a:solidFill>
+                <a:effectLst/>
+                <a:latin typeface="JetBrains Mono"/>
+              </a:rPr>
+            </a:br>
+            <a:r>
+              <a:rPr kumimoji="0" lang="en-US" altLang="en-US" sz="1100" b="0" i="0" u="none" strike="noStrike" cap="none" normalizeH="0" baseline="0" dirty="0">
+                <a:ln>
+                  <a:noFill/>
+                </a:ln>
+                <a:solidFill>
+                  <a:srgbClr val="A9B7C6"/>
+                </a:solidFill>
+                <a:effectLst/>
+                <a:latin typeface="JetBrains Mono"/>
+              </a:rPr>
+              <a:t>    </a:t>
+            </a:r>
+            <a:r>
+              <a:rPr kumimoji="0" lang="en-US" altLang="en-US" sz="1100" b="0" i="0" u="none" strike="noStrike" cap="none" normalizeH="0" baseline="0" dirty="0">
+                <a:ln>
+                  <a:noFill/>
+                </a:ln>
+                <a:solidFill>
+                  <a:srgbClr val="CC7832"/>
+                </a:solidFill>
+                <a:effectLst/>
+                <a:latin typeface="JetBrains Mono"/>
+              </a:rPr>
+              <a:t>name</a:t>
+            </a:r>
+            <a:r>
+              <a:rPr kumimoji="0" lang="en-US" altLang="en-US" sz="1100" b="0" i="0" u="none" strike="noStrike" cap="none" normalizeH="0" baseline="0" dirty="0">
+                <a:ln>
+                  <a:noFill/>
+                </a:ln>
+                <a:solidFill>
+                  <a:srgbClr val="A9B7C6"/>
+                </a:solidFill>
+                <a:effectLst/>
+                <a:latin typeface="JetBrains Mono"/>
+              </a:rPr>
+              <a:t>: </a:t>
+            </a:r>
+            <a:r>
+              <a:rPr kumimoji="0" lang="en-US" altLang="en-US" sz="1100" b="0" i="0" u="none" strike="noStrike" cap="none" normalizeH="0" baseline="0" dirty="0" err="1">
+                <a:ln>
+                  <a:noFill/>
+                </a:ln>
+                <a:solidFill>
+                  <a:srgbClr val="A9B7C6"/>
+                </a:solidFill>
+                <a:effectLst/>
+                <a:latin typeface="JetBrains Mono"/>
+              </a:rPr>
+              <a:t>dbt_run_on_push</a:t>
+            </a:r>
+            <a:br>
+              <a:rPr kumimoji="0" lang="en-US" altLang="en-US" sz="1100" b="0" i="0" u="none" strike="noStrike" cap="none" normalizeH="0" baseline="0" dirty="0">
+                <a:ln>
+                  <a:noFill/>
+                </a:ln>
+                <a:solidFill>
+                  <a:srgbClr val="A9B7C6"/>
+                </a:solidFill>
+                <a:effectLst/>
+                <a:latin typeface="JetBrains Mono"/>
+              </a:rPr>
+            </a:br>
+            <a:r>
+              <a:rPr kumimoji="0" lang="en-US" altLang="en-US" sz="1100" b="0" i="0" u="none" strike="noStrike" cap="none" normalizeH="0" baseline="0" dirty="0">
+                <a:ln>
+                  <a:noFill/>
+                </a:ln>
+                <a:solidFill>
+                  <a:srgbClr val="A9B7C6"/>
+                </a:solidFill>
+                <a:effectLst/>
+                <a:latin typeface="JetBrains Mono"/>
+              </a:rPr>
+              <a:t>    </a:t>
+            </a:r>
+            <a:r>
+              <a:rPr kumimoji="0" lang="en-US" altLang="en-US" sz="1100" b="0" i="0" u="none" strike="noStrike" cap="none" normalizeH="0" baseline="0" dirty="0">
+                <a:ln>
+                  <a:noFill/>
+                </a:ln>
+                <a:solidFill>
+                  <a:srgbClr val="CC7832"/>
+                </a:solidFill>
+                <a:effectLst/>
+                <a:latin typeface="JetBrains Mono"/>
+              </a:rPr>
+              <a:t>runs-on</a:t>
+            </a:r>
+            <a:r>
+              <a:rPr kumimoji="0" lang="en-US" altLang="en-US" sz="1100" b="0" i="0" u="none" strike="noStrike" cap="none" normalizeH="0" baseline="0" dirty="0">
+                <a:ln>
+                  <a:noFill/>
+                </a:ln>
+                <a:solidFill>
+                  <a:srgbClr val="A9B7C6"/>
+                </a:solidFill>
+                <a:effectLst/>
+                <a:latin typeface="JetBrains Mono"/>
+              </a:rPr>
+              <a:t>: ubuntu-latest</a:t>
+            </a:r>
+            <a:br>
+              <a:rPr kumimoji="0" lang="en-US" altLang="en-US" sz="1100" b="0" i="0" u="none" strike="noStrike" cap="none" normalizeH="0" baseline="0" dirty="0">
+                <a:ln>
+                  <a:noFill/>
+                </a:ln>
+                <a:solidFill>
+                  <a:srgbClr val="A9B7C6"/>
+                </a:solidFill>
+                <a:effectLst/>
+                <a:latin typeface="JetBrains Mono"/>
+              </a:rPr>
+            </a:br>
+            <a:br>
+              <a:rPr kumimoji="0" lang="en-US" altLang="en-US" sz="1100" b="0" i="0" u="none" strike="noStrike" cap="none" normalizeH="0" baseline="0" dirty="0">
+                <a:ln>
+                  <a:noFill/>
+                </a:ln>
+                <a:solidFill>
+                  <a:srgbClr val="A9B7C6"/>
+                </a:solidFill>
+                <a:effectLst/>
+                <a:latin typeface="JetBrains Mono"/>
+              </a:rPr>
+            </a:br>
+            <a:r>
+              <a:rPr kumimoji="0" lang="en-US" altLang="en-US" sz="1100" b="0" i="0" u="none" strike="noStrike" cap="none" normalizeH="0" baseline="0" dirty="0">
+                <a:ln>
+                  <a:noFill/>
+                </a:ln>
+                <a:solidFill>
+                  <a:srgbClr val="A9B7C6"/>
+                </a:solidFill>
+                <a:effectLst/>
+                <a:latin typeface="JetBrains Mono"/>
+              </a:rPr>
+              <a:t>    </a:t>
+            </a:r>
+            <a:r>
+              <a:rPr kumimoji="0" lang="en-US" altLang="en-US" sz="1100" b="0" i="0" u="none" strike="noStrike" cap="none" normalizeH="0" baseline="0" dirty="0">
+                <a:ln>
+                  <a:noFill/>
+                </a:ln>
+                <a:solidFill>
+                  <a:srgbClr val="CC7832"/>
+                </a:solidFill>
+                <a:effectLst/>
+                <a:latin typeface="JetBrains Mono"/>
+              </a:rPr>
+              <a:t>steps</a:t>
+            </a:r>
+            <a:r>
+              <a:rPr kumimoji="0" lang="en-US" altLang="en-US" sz="1100" b="0" i="0" u="none" strike="noStrike" cap="none" normalizeH="0" baseline="0" dirty="0">
+                <a:ln>
+                  <a:noFill/>
+                </a:ln>
+                <a:solidFill>
+                  <a:srgbClr val="A9B7C6"/>
+                </a:solidFill>
+                <a:effectLst/>
+                <a:latin typeface="JetBrains Mono"/>
+              </a:rPr>
+              <a:t>:</a:t>
+            </a:r>
+            <a:br>
+              <a:rPr kumimoji="0" lang="en-US" altLang="en-US" sz="1100" b="0" i="0" u="none" strike="noStrike" cap="none" normalizeH="0" baseline="0" dirty="0">
+                <a:ln>
+                  <a:noFill/>
+                </a:ln>
+                <a:solidFill>
+                  <a:srgbClr val="A9B7C6"/>
+                </a:solidFill>
+                <a:effectLst/>
+                <a:latin typeface="JetBrains Mono"/>
+              </a:rPr>
+            </a:br>
+            <a:r>
+              <a:rPr kumimoji="0" lang="en-US" altLang="en-US" sz="1100" b="0" i="0" u="none" strike="noStrike" cap="none" normalizeH="0" baseline="0" dirty="0">
+                <a:ln>
+                  <a:noFill/>
+                </a:ln>
+                <a:solidFill>
+                  <a:srgbClr val="A9B7C6"/>
+                </a:solidFill>
+                <a:effectLst/>
+                <a:latin typeface="JetBrains Mono"/>
+              </a:rPr>
+              <a:t>    - </a:t>
+            </a:r>
+            <a:r>
+              <a:rPr kumimoji="0" lang="en-US" altLang="en-US" sz="1100" b="0" i="0" u="none" strike="noStrike" cap="none" normalizeH="0" baseline="0" dirty="0">
+                <a:ln>
+                  <a:noFill/>
+                </a:ln>
+                <a:solidFill>
+                  <a:srgbClr val="CC7832"/>
+                </a:solidFill>
+                <a:effectLst/>
+                <a:latin typeface="JetBrains Mono"/>
+              </a:rPr>
+              <a:t>name</a:t>
+            </a:r>
+            <a:r>
+              <a:rPr kumimoji="0" lang="en-US" altLang="en-US" sz="1100" b="0" i="0" u="none" strike="noStrike" cap="none" normalizeH="0" baseline="0" dirty="0">
+                <a:ln>
+                  <a:noFill/>
+                </a:ln>
+                <a:solidFill>
+                  <a:srgbClr val="A9B7C6"/>
+                </a:solidFill>
+                <a:effectLst/>
+                <a:latin typeface="JetBrains Mono"/>
+              </a:rPr>
+              <a:t>: Check out</a:t>
+            </a:r>
+            <a:br>
+              <a:rPr kumimoji="0" lang="en-US" altLang="en-US" sz="1100" b="0" i="0" u="none" strike="noStrike" cap="none" normalizeH="0" baseline="0" dirty="0">
+                <a:ln>
+                  <a:noFill/>
+                </a:ln>
+                <a:solidFill>
+                  <a:srgbClr val="A9B7C6"/>
+                </a:solidFill>
+                <a:effectLst/>
+                <a:latin typeface="JetBrains Mono"/>
+              </a:rPr>
+            </a:br>
+            <a:r>
+              <a:rPr kumimoji="0" lang="en-US" altLang="en-US" sz="1100" b="0" i="0" u="none" strike="noStrike" cap="none" normalizeH="0" baseline="0" dirty="0">
+                <a:ln>
+                  <a:noFill/>
+                </a:ln>
+                <a:solidFill>
+                  <a:srgbClr val="A9B7C6"/>
+                </a:solidFill>
+                <a:effectLst/>
+                <a:latin typeface="JetBrains Mono"/>
+              </a:rPr>
+              <a:t>        </a:t>
+            </a:r>
+            <a:r>
+              <a:rPr kumimoji="0" lang="en-US" altLang="en-US" sz="1100" b="0" i="0" u="none" strike="noStrike" cap="none" normalizeH="0" baseline="0" dirty="0">
+                <a:ln>
+                  <a:noFill/>
+                </a:ln>
+                <a:solidFill>
+                  <a:srgbClr val="CC7832"/>
+                </a:solidFill>
+                <a:effectLst/>
+                <a:latin typeface="JetBrains Mono"/>
+              </a:rPr>
+              <a:t>uses</a:t>
+            </a:r>
+            <a:r>
+              <a:rPr kumimoji="0" lang="en-US" altLang="en-US" sz="1100" b="0" i="0" u="none" strike="noStrike" cap="none" normalizeH="0" baseline="0" dirty="0">
+                <a:ln>
+                  <a:noFill/>
+                </a:ln>
+                <a:solidFill>
+                  <a:srgbClr val="A9B7C6"/>
+                </a:solidFill>
+                <a:effectLst/>
+                <a:latin typeface="JetBrains Mono"/>
+              </a:rPr>
+              <a:t>: actions/</a:t>
+            </a:r>
+            <a:r>
+              <a:rPr kumimoji="0" lang="en-US" altLang="en-US" sz="1100" b="0" i="0" u="none" strike="noStrike" cap="none" normalizeH="0" baseline="0" dirty="0" err="1">
+                <a:ln>
+                  <a:noFill/>
+                </a:ln>
+                <a:solidFill>
+                  <a:srgbClr val="A9B7C6"/>
+                </a:solidFill>
+                <a:effectLst/>
+                <a:latin typeface="JetBrains Mono"/>
+              </a:rPr>
+              <a:t>checkout@master</a:t>
+            </a:r>
+            <a:br>
+              <a:rPr kumimoji="0" lang="en-US" altLang="en-US" sz="1100" b="0" i="0" u="none" strike="noStrike" cap="none" normalizeH="0" baseline="0" dirty="0">
+                <a:ln>
+                  <a:noFill/>
+                </a:ln>
+                <a:solidFill>
+                  <a:srgbClr val="A9B7C6"/>
+                </a:solidFill>
+                <a:effectLst/>
+                <a:latin typeface="JetBrains Mono"/>
+              </a:rPr>
+            </a:br>
+            <a:br>
+              <a:rPr kumimoji="0" lang="en-US" altLang="en-US" sz="1100" b="0" i="0" u="none" strike="noStrike" cap="none" normalizeH="0" baseline="0" dirty="0">
+                <a:ln>
+                  <a:noFill/>
+                </a:ln>
+                <a:solidFill>
+                  <a:srgbClr val="A9B7C6"/>
+                </a:solidFill>
+                <a:effectLst/>
+                <a:latin typeface="JetBrains Mono"/>
+              </a:rPr>
+            </a:br>
+            <a:r>
+              <a:rPr kumimoji="0" lang="en-US" altLang="en-US" sz="1100" b="0" i="0" u="none" strike="noStrike" cap="none" normalizeH="0" baseline="0" dirty="0">
+                <a:ln>
+                  <a:noFill/>
+                </a:ln>
+                <a:solidFill>
+                  <a:srgbClr val="A9B7C6"/>
+                </a:solidFill>
+                <a:effectLst/>
+                <a:latin typeface="JetBrains Mono"/>
+              </a:rPr>
+              <a:t>    - </a:t>
+            </a:r>
+            <a:r>
+              <a:rPr kumimoji="0" lang="en-US" altLang="en-US" sz="1100" b="0" i="0" u="none" strike="noStrike" cap="none" normalizeH="0" baseline="0" dirty="0">
+                <a:ln>
+                  <a:noFill/>
+                </a:ln>
+                <a:solidFill>
+                  <a:srgbClr val="CC7832"/>
+                </a:solidFill>
+                <a:effectLst/>
+                <a:latin typeface="JetBrains Mono"/>
+              </a:rPr>
+              <a:t>uses</a:t>
+            </a:r>
+            <a:r>
+              <a:rPr kumimoji="0" lang="en-US" altLang="en-US" sz="1100" b="0" i="0" u="none" strike="noStrike" cap="none" normalizeH="0" baseline="0" dirty="0">
+                <a:ln>
+                  <a:noFill/>
+                </a:ln>
+                <a:solidFill>
+                  <a:srgbClr val="A9B7C6"/>
+                </a:solidFill>
+                <a:effectLst/>
+                <a:latin typeface="JetBrains Mono"/>
+              </a:rPr>
+              <a:t>: actions/setup-python@v1</a:t>
+            </a:r>
+            <a:br>
+              <a:rPr kumimoji="0" lang="en-US" altLang="en-US" sz="1100" b="0" i="0" u="none" strike="noStrike" cap="none" normalizeH="0" baseline="0" dirty="0">
+                <a:ln>
+                  <a:noFill/>
+                </a:ln>
+                <a:solidFill>
+                  <a:srgbClr val="A9B7C6"/>
+                </a:solidFill>
+                <a:effectLst/>
+                <a:latin typeface="JetBrains Mono"/>
+              </a:rPr>
+            </a:br>
+            <a:r>
+              <a:rPr kumimoji="0" lang="en-US" altLang="en-US" sz="1100" b="0" i="0" u="none" strike="noStrike" cap="none" normalizeH="0" baseline="0" dirty="0">
+                <a:ln>
+                  <a:noFill/>
+                </a:ln>
+                <a:solidFill>
+                  <a:srgbClr val="A9B7C6"/>
+                </a:solidFill>
+                <a:effectLst/>
+                <a:latin typeface="JetBrains Mono"/>
+              </a:rPr>
+              <a:t>        </a:t>
+            </a:r>
+            <a:r>
+              <a:rPr kumimoji="0" lang="en-US" altLang="en-US" sz="1100" b="0" i="0" u="none" strike="noStrike" cap="none" normalizeH="0" baseline="0" dirty="0">
+                <a:ln>
+                  <a:noFill/>
+                </a:ln>
+                <a:solidFill>
+                  <a:srgbClr val="CC7832"/>
+                </a:solidFill>
+                <a:effectLst/>
+                <a:latin typeface="JetBrains Mono"/>
+              </a:rPr>
+              <a:t>with</a:t>
+            </a:r>
+            <a:r>
+              <a:rPr kumimoji="0" lang="en-US" altLang="en-US" sz="1100" b="0" i="0" u="none" strike="noStrike" cap="none" normalizeH="0" baseline="0" dirty="0">
+                <a:ln>
+                  <a:noFill/>
+                </a:ln>
+                <a:solidFill>
+                  <a:srgbClr val="A9B7C6"/>
+                </a:solidFill>
+                <a:effectLst/>
+                <a:latin typeface="JetBrains Mono"/>
+              </a:rPr>
+              <a:t>:</a:t>
+            </a:r>
+            <a:br>
+              <a:rPr kumimoji="0" lang="en-US" altLang="en-US" sz="1100" b="0" i="0" u="none" strike="noStrike" cap="none" normalizeH="0" baseline="0" dirty="0">
+                <a:ln>
+                  <a:noFill/>
+                </a:ln>
+                <a:solidFill>
+                  <a:srgbClr val="A9B7C6"/>
+                </a:solidFill>
+                <a:effectLst/>
+                <a:latin typeface="JetBrains Mono"/>
+              </a:rPr>
+            </a:br>
+            <a:r>
+              <a:rPr kumimoji="0" lang="en-US" altLang="en-US" sz="1100" b="0" i="0" u="none" strike="noStrike" cap="none" normalizeH="0" baseline="0" dirty="0">
+                <a:ln>
+                  <a:noFill/>
+                </a:ln>
+                <a:solidFill>
+                  <a:srgbClr val="A9B7C6"/>
+                </a:solidFill>
+                <a:effectLst/>
+                <a:latin typeface="JetBrains Mono"/>
+              </a:rPr>
+              <a:t>        </a:t>
+            </a:r>
+            <a:r>
+              <a:rPr kumimoji="0" lang="en-US" altLang="en-US" sz="1100" b="0" i="0" u="none" strike="noStrike" cap="none" normalizeH="0" baseline="0" dirty="0">
+                <a:ln>
+                  <a:noFill/>
+                </a:ln>
+                <a:solidFill>
+                  <a:srgbClr val="CC7832"/>
+                </a:solidFill>
+                <a:effectLst/>
+                <a:latin typeface="JetBrains Mono"/>
+              </a:rPr>
+              <a:t>python-version</a:t>
+            </a:r>
+            <a:r>
+              <a:rPr kumimoji="0" lang="en-US" altLang="en-US" sz="1100" b="0" i="0" u="none" strike="noStrike" cap="none" normalizeH="0" baseline="0" dirty="0">
+                <a:ln>
+                  <a:noFill/>
+                </a:ln>
+                <a:solidFill>
+                  <a:srgbClr val="A9B7C6"/>
+                </a:solidFill>
+                <a:effectLst/>
+                <a:latin typeface="JetBrains Mono"/>
+              </a:rPr>
+              <a:t>: </a:t>
+            </a:r>
+            <a:r>
+              <a:rPr kumimoji="0" lang="en-US" altLang="en-US" sz="1100" b="0" i="0" u="none" strike="noStrike" cap="none" normalizeH="0" baseline="0" dirty="0">
+                <a:ln>
+                  <a:noFill/>
+                </a:ln>
+                <a:solidFill>
+                  <a:srgbClr val="6A8759"/>
+                </a:solidFill>
+                <a:effectLst/>
+                <a:latin typeface="JetBrains Mono"/>
+              </a:rPr>
+              <a:t>"3.11.x"</a:t>
+            </a:r>
+            <a:br>
+              <a:rPr kumimoji="0" lang="en-US" altLang="en-US" sz="1100" b="0" i="0" u="none" strike="noStrike" cap="none" normalizeH="0" baseline="0" dirty="0">
+                <a:ln>
+                  <a:noFill/>
+                </a:ln>
+                <a:solidFill>
+                  <a:srgbClr val="6A8759"/>
+                </a:solidFill>
+                <a:effectLst/>
+                <a:latin typeface="JetBrains Mono"/>
+              </a:rPr>
+            </a:br>
+            <a:br>
+              <a:rPr kumimoji="0" lang="en-US" altLang="en-US" sz="1100" b="0" i="0" u="none" strike="noStrike" cap="none" normalizeH="0" baseline="0" dirty="0">
+                <a:ln>
+                  <a:noFill/>
+                </a:ln>
+                <a:solidFill>
+                  <a:srgbClr val="6A8759"/>
+                </a:solidFill>
+                <a:effectLst/>
+                <a:latin typeface="JetBrains Mono"/>
+              </a:rPr>
+            </a:br>
+            <a:r>
+              <a:rPr kumimoji="0" lang="en-US" altLang="en-US" sz="1100" b="0" i="0" u="none" strike="noStrike" cap="none" normalizeH="0" baseline="0" dirty="0">
+                <a:ln>
+                  <a:noFill/>
+                </a:ln>
+                <a:solidFill>
+                  <a:srgbClr val="6A8759"/>
+                </a:solidFill>
+                <a:effectLst/>
+                <a:latin typeface="JetBrains Mono"/>
+              </a:rPr>
+              <a:t>    </a:t>
+            </a:r>
+            <a:r>
+              <a:rPr kumimoji="0" lang="en-US" altLang="en-US" sz="1100" b="0" i="0" u="none" strike="noStrike" cap="none" normalizeH="0" baseline="0" dirty="0">
+                <a:ln>
+                  <a:noFill/>
+                </a:ln>
+                <a:solidFill>
+                  <a:srgbClr val="A9B7C6"/>
+                </a:solidFill>
+                <a:effectLst/>
+                <a:latin typeface="JetBrains Mono"/>
+              </a:rPr>
+              <a:t>- </a:t>
+            </a:r>
+            <a:r>
+              <a:rPr kumimoji="0" lang="en-US" altLang="en-US" sz="1100" b="0" i="0" u="none" strike="noStrike" cap="none" normalizeH="0" baseline="0" dirty="0">
+                <a:ln>
+                  <a:noFill/>
+                </a:ln>
+                <a:solidFill>
+                  <a:srgbClr val="CC7832"/>
+                </a:solidFill>
+                <a:effectLst/>
+                <a:latin typeface="JetBrains Mono"/>
+              </a:rPr>
+              <a:t>name</a:t>
+            </a:r>
+            <a:r>
+              <a:rPr kumimoji="0" lang="en-US" altLang="en-US" sz="1100" b="0" i="0" u="none" strike="noStrike" cap="none" normalizeH="0" baseline="0" dirty="0">
+                <a:ln>
+                  <a:noFill/>
+                </a:ln>
+                <a:solidFill>
+                  <a:srgbClr val="A9B7C6"/>
+                </a:solidFill>
+                <a:effectLst/>
+                <a:latin typeface="JetBrains Mono"/>
+              </a:rPr>
+              <a:t>: Install dependencies</a:t>
+            </a:r>
+            <a:br>
+              <a:rPr kumimoji="0" lang="en-US" altLang="en-US" sz="1100" b="0" i="0" u="none" strike="noStrike" cap="none" normalizeH="0" baseline="0" dirty="0">
+                <a:ln>
+                  <a:noFill/>
+                </a:ln>
+                <a:solidFill>
+                  <a:srgbClr val="A9B7C6"/>
+                </a:solidFill>
+                <a:effectLst/>
+                <a:latin typeface="JetBrains Mono"/>
+              </a:rPr>
+            </a:br>
+            <a:r>
+              <a:rPr kumimoji="0" lang="en-US" altLang="en-US" sz="1100" b="0" i="0" u="none" strike="noStrike" cap="none" normalizeH="0" baseline="0" dirty="0">
+                <a:ln>
+                  <a:noFill/>
+                </a:ln>
+                <a:solidFill>
+                  <a:srgbClr val="A9B7C6"/>
+                </a:solidFill>
+                <a:effectLst/>
+                <a:latin typeface="JetBrains Mono"/>
+              </a:rPr>
+              <a:t>        </a:t>
+            </a:r>
+            <a:r>
+              <a:rPr kumimoji="0" lang="en-US" altLang="en-US" sz="1100" b="0" i="0" u="none" strike="noStrike" cap="none" normalizeH="0" baseline="0" dirty="0">
+                <a:ln>
+                  <a:noFill/>
+                </a:ln>
+                <a:solidFill>
+                  <a:srgbClr val="CC7832"/>
+                </a:solidFill>
+                <a:effectLst/>
+                <a:latin typeface="JetBrains Mono"/>
+              </a:rPr>
+              <a:t>run</a:t>
+            </a:r>
+            <a:r>
+              <a:rPr kumimoji="0" lang="en-US" altLang="en-US" sz="1100" b="0" i="0" u="none" strike="noStrike" cap="none" normalizeH="0" baseline="0" dirty="0">
+                <a:ln>
+                  <a:noFill/>
+                </a:ln>
+                <a:solidFill>
+                  <a:srgbClr val="A9B7C6"/>
+                </a:solidFill>
+                <a:effectLst/>
+                <a:latin typeface="JetBrains Mono"/>
+              </a:rPr>
+              <a:t>: |</a:t>
+            </a:r>
+            <a:br>
+              <a:rPr kumimoji="0" lang="en-US" altLang="en-US" sz="1100" b="0" i="0" u="none" strike="noStrike" cap="none" normalizeH="0" baseline="0" dirty="0">
+                <a:ln>
+                  <a:noFill/>
+                </a:ln>
+                <a:solidFill>
+                  <a:srgbClr val="A9B7C6"/>
+                </a:solidFill>
+                <a:effectLst/>
+                <a:latin typeface="JetBrains Mono"/>
+              </a:rPr>
+            </a:br>
+            <a:r>
+              <a:rPr kumimoji="0" lang="en-US" altLang="en-US" sz="1100" b="0" i="0" u="none" strike="noStrike" cap="none" normalizeH="0" baseline="0" dirty="0">
+                <a:ln>
+                  <a:noFill/>
+                </a:ln>
+                <a:solidFill>
+                  <a:srgbClr val="A9B7C6"/>
+                </a:solidFill>
+                <a:effectLst/>
+                <a:latin typeface="JetBrains Mono"/>
+              </a:rPr>
+              <a:t>        pip install </a:t>
+            </a:r>
+            <a:r>
+              <a:rPr kumimoji="0" lang="en-US" altLang="en-US" sz="1100" b="0" i="0" u="none" strike="noStrike" cap="none" normalizeH="0" baseline="0" dirty="0" err="1">
+                <a:ln>
+                  <a:noFill/>
+                </a:ln>
+                <a:solidFill>
+                  <a:srgbClr val="A9B7C6"/>
+                </a:solidFill>
+                <a:effectLst/>
+                <a:latin typeface="JetBrains Mono"/>
+              </a:rPr>
+              <a:t>dbt</a:t>
+            </a:r>
+            <a:br>
+              <a:rPr kumimoji="0" lang="en-US" altLang="en-US" sz="1100" b="0" i="0" u="none" strike="noStrike" cap="none" normalizeH="0" baseline="0" dirty="0">
+                <a:ln>
+                  <a:noFill/>
+                </a:ln>
+                <a:solidFill>
+                  <a:srgbClr val="A9B7C6"/>
+                </a:solidFill>
+                <a:effectLst/>
+                <a:latin typeface="JetBrains Mono"/>
+              </a:rPr>
+            </a:br>
+            <a:r>
+              <a:rPr kumimoji="0" lang="en-US" altLang="en-US" sz="1100" b="0" i="0" u="none" strike="noStrike" cap="none" normalizeH="0" baseline="0" dirty="0">
+                <a:ln>
+                  <a:noFill/>
+                </a:ln>
+                <a:solidFill>
+                  <a:srgbClr val="A9B7C6"/>
+                </a:solidFill>
+                <a:effectLst/>
+                <a:latin typeface="JetBrains Mono"/>
+              </a:rPr>
+              <a:t>        </a:t>
+            </a:r>
+            <a:r>
+              <a:rPr kumimoji="0" lang="en-US" altLang="en-US" sz="1100" b="0" i="0" u="none" strike="noStrike" cap="none" normalizeH="0" baseline="0" dirty="0" err="1">
+                <a:ln>
+                  <a:noFill/>
+                </a:ln>
+                <a:solidFill>
+                  <a:srgbClr val="A9B7C6"/>
+                </a:solidFill>
+                <a:effectLst/>
+                <a:latin typeface="JetBrains Mono"/>
+              </a:rPr>
+              <a:t>dbt</a:t>
+            </a:r>
+            <a:r>
+              <a:rPr kumimoji="0" lang="en-US" altLang="en-US" sz="1100" b="0" i="0" u="none" strike="noStrike" cap="none" normalizeH="0" baseline="0" dirty="0">
+                <a:ln>
+                  <a:noFill/>
+                </a:ln>
+                <a:solidFill>
+                  <a:srgbClr val="A9B7C6"/>
+                </a:solidFill>
+                <a:effectLst/>
+                <a:latin typeface="JetBrains Mono"/>
+              </a:rPr>
+              <a:t> deps</a:t>
+            </a:r>
+            <a:br>
+              <a:rPr kumimoji="0" lang="en-US" altLang="en-US" sz="1100" b="0" i="0" u="none" strike="noStrike" cap="none" normalizeH="0" baseline="0" dirty="0">
+                <a:ln>
+                  <a:noFill/>
+                </a:ln>
+                <a:solidFill>
+                  <a:srgbClr val="A9B7C6"/>
+                </a:solidFill>
+                <a:effectLst/>
+                <a:latin typeface="JetBrains Mono"/>
+              </a:rPr>
+            </a:br>
+            <a:br>
+              <a:rPr kumimoji="0" lang="en-US" altLang="en-US" sz="1100" b="0" i="0" u="none" strike="noStrike" cap="none" normalizeH="0" baseline="0" dirty="0">
+                <a:ln>
+                  <a:noFill/>
+                </a:ln>
+                <a:solidFill>
+                  <a:srgbClr val="A9B7C6"/>
+                </a:solidFill>
+                <a:effectLst/>
+                <a:latin typeface="JetBrains Mono"/>
+              </a:rPr>
+            </a:br>
+            <a:r>
+              <a:rPr kumimoji="0" lang="en-US" altLang="en-US" sz="1100" b="0" i="0" u="none" strike="noStrike" cap="none" normalizeH="0" baseline="0" dirty="0">
+                <a:ln>
+                  <a:noFill/>
+                </a:ln>
+                <a:solidFill>
+                  <a:srgbClr val="A9B7C6"/>
+                </a:solidFill>
+                <a:effectLst/>
+                <a:latin typeface="JetBrains Mono"/>
+              </a:rPr>
+              <a:t>    </a:t>
+            </a:r>
+            <a:r>
+              <a:rPr kumimoji="0" lang="en-US" altLang="en-US" sz="1100" b="0" i="1" u="none" strike="noStrike" cap="none" normalizeH="0" baseline="0" dirty="0">
+                <a:ln>
+                  <a:noFill/>
+                </a:ln>
+                <a:solidFill>
+                  <a:srgbClr val="629755"/>
+                </a:solidFill>
+                <a:effectLst/>
+                <a:latin typeface="JetBrains Mono"/>
+              </a:rPr>
+              <a:t># </a:t>
+            </a:r>
+            <a:r>
+              <a:rPr kumimoji="0" lang="en-US" altLang="en-US" sz="1100" b="0" i="1" u="none" strike="noStrike" cap="none" normalizeH="0" baseline="0" dirty="0" err="1">
+                <a:ln>
+                  <a:noFill/>
+                </a:ln>
+                <a:solidFill>
+                  <a:srgbClr val="629755"/>
+                </a:solidFill>
+                <a:effectLst/>
+                <a:latin typeface="JetBrains Mono"/>
+              </a:rPr>
+              <a:t>dbt</a:t>
+            </a:r>
+            <a:r>
+              <a:rPr kumimoji="0" lang="en-US" altLang="en-US" sz="1100" b="0" i="1" u="none" strike="noStrike" cap="none" normalizeH="0" baseline="0" dirty="0">
+                <a:ln>
+                  <a:noFill/>
+                </a:ln>
+                <a:solidFill>
+                  <a:srgbClr val="629755"/>
+                </a:solidFill>
+                <a:effectLst/>
+                <a:latin typeface="JetBrains Mono"/>
+              </a:rPr>
+              <a:t> related commands here - run use --target prod/dev to run for specific environments</a:t>
+            </a:r>
+            <a:br>
+              <a:rPr kumimoji="0" lang="en-US" altLang="en-US" sz="1100" b="0" i="1" u="none" strike="noStrike" cap="none" normalizeH="0" baseline="0" dirty="0">
+                <a:ln>
+                  <a:noFill/>
+                </a:ln>
+                <a:solidFill>
+                  <a:srgbClr val="629755"/>
+                </a:solidFill>
+                <a:effectLst/>
+                <a:latin typeface="JetBrains Mono"/>
+              </a:rPr>
+            </a:br>
+            <a:r>
+              <a:rPr kumimoji="0" lang="en-US" altLang="en-US" sz="1100" b="0" i="1" u="none" strike="noStrike" cap="none" normalizeH="0" baseline="0" dirty="0">
+                <a:ln>
+                  <a:noFill/>
+                </a:ln>
+                <a:solidFill>
+                  <a:srgbClr val="629755"/>
+                </a:solidFill>
+                <a:effectLst/>
+                <a:latin typeface="JetBrains Mono"/>
+              </a:rPr>
+              <a:t>    </a:t>
+            </a:r>
+            <a:r>
+              <a:rPr kumimoji="0" lang="en-US" altLang="en-US" sz="1100" b="0" i="0" u="none" strike="noStrike" cap="none" normalizeH="0" baseline="0" dirty="0">
+                <a:ln>
+                  <a:noFill/>
+                </a:ln>
+                <a:solidFill>
+                  <a:srgbClr val="A9B7C6"/>
+                </a:solidFill>
+                <a:effectLst/>
+                <a:latin typeface="JetBrains Mono"/>
+              </a:rPr>
+              <a:t>- </a:t>
+            </a:r>
+            <a:r>
+              <a:rPr kumimoji="0" lang="en-US" altLang="en-US" sz="1100" b="0" i="0" u="none" strike="noStrike" cap="none" normalizeH="0" baseline="0" dirty="0">
+                <a:ln>
+                  <a:noFill/>
+                </a:ln>
+                <a:solidFill>
+                  <a:srgbClr val="CC7832"/>
+                </a:solidFill>
+                <a:effectLst/>
+                <a:latin typeface="JetBrains Mono"/>
+              </a:rPr>
+              <a:t>name</a:t>
+            </a:r>
+            <a:r>
+              <a:rPr kumimoji="0" lang="en-US" altLang="en-US" sz="1100" b="0" i="0" u="none" strike="noStrike" cap="none" normalizeH="0" baseline="0" dirty="0">
+                <a:ln>
+                  <a:noFill/>
+                </a:ln>
+                <a:solidFill>
+                  <a:srgbClr val="A9B7C6"/>
+                </a:solidFill>
+                <a:effectLst/>
+                <a:latin typeface="JetBrains Mono"/>
+              </a:rPr>
+              <a:t>: Run </a:t>
+            </a:r>
+            <a:r>
+              <a:rPr kumimoji="0" lang="en-US" altLang="en-US" sz="1100" b="0" i="0" u="none" strike="noStrike" cap="none" normalizeH="0" baseline="0" dirty="0" err="1">
+                <a:ln>
+                  <a:noFill/>
+                </a:ln>
+                <a:solidFill>
+                  <a:srgbClr val="A9B7C6"/>
+                </a:solidFill>
+                <a:effectLst/>
+                <a:latin typeface="JetBrains Mono"/>
+              </a:rPr>
+              <a:t>dbt</a:t>
+            </a:r>
+            <a:r>
+              <a:rPr kumimoji="0" lang="en-US" altLang="en-US" sz="1100" b="0" i="0" u="none" strike="noStrike" cap="none" normalizeH="0" baseline="0" dirty="0">
+                <a:ln>
+                  <a:noFill/>
+                </a:ln>
+                <a:solidFill>
+                  <a:srgbClr val="A9B7C6"/>
+                </a:solidFill>
+                <a:effectLst/>
+                <a:latin typeface="JetBrains Mono"/>
+              </a:rPr>
+              <a:t> models</a:t>
+            </a:r>
+            <a:br>
+              <a:rPr kumimoji="0" lang="en-US" altLang="en-US" sz="1100" b="0" i="0" u="none" strike="noStrike" cap="none" normalizeH="0" baseline="0" dirty="0">
+                <a:ln>
+                  <a:noFill/>
+                </a:ln>
+                <a:solidFill>
+                  <a:srgbClr val="A9B7C6"/>
+                </a:solidFill>
+                <a:effectLst/>
+                <a:latin typeface="JetBrains Mono"/>
+              </a:rPr>
+            </a:br>
+            <a:r>
+              <a:rPr kumimoji="0" lang="en-US" altLang="en-US" sz="1100" b="0" i="0" u="none" strike="noStrike" cap="none" normalizeH="0" baseline="0" dirty="0">
+                <a:ln>
+                  <a:noFill/>
+                </a:ln>
+                <a:solidFill>
+                  <a:srgbClr val="A9B7C6"/>
+                </a:solidFill>
+                <a:effectLst/>
+                <a:latin typeface="JetBrains Mono"/>
+              </a:rPr>
+              <a:t>        </a:t>
+            </a:r>
+            <a:r>
+              <a:rPr kumimoji="0" lang="en-US" altLang="en-US" sz="1100" b="0" i="0" u="none" strike="noStrike" cap="none" normalizeH="0" baseline="0" dirty="0">
+                <a:ln>
+                  <a:noFill/>
+                </a:ln>
+                <a:solidFill>
+                  <a:srgbClr val="CC7832"/>
+                </a:solidFill>
+                <a:effectLst/>
+                <a:latin typeface="JetBrains Mono"/>
+              </a:rPr>
+              <a:t>run</a:t>
+            </a:r>
+            <a:r>
+              <a:rPr kumimoji="0" lang="en-US" altLang="en-US" sz="1100" b="0" i="0" u="none" strike="noStrike" cap="none" normalizeH="0" baseline="0" dirty="0">
+                <a:ln>
+                  <a:noFill/>
+                </a:ln>
+                <a:solidFill>
+                  <a:srgbClr val="A9B7C6"/>
+                </a:solidFill>
+                <a:effectLst/>
+                <a:latin typeface="JetBrains Mono"/>
+              </a:rPr>
+              <a:t>: </a:t>
+            </a:r>
+            <a:r>
+              <a:rPr kumimoji="0" lang="en-US" altLang="en-US" sz="1100" b="0" i="0" u="none" strike="noStrike" cap="none" normalizeH="0" baseline="0" dirty="0" err="1">
+                <a:ln>
+                  <a:noFill/>
+                </a:ln>
+                <a:solidFill>
+                  <a:srgbClr val="A9B7C6"/>
+                </a:solidFill>
+                <a:effectLst/>
+                <a:latin typeface="JetBrains Mono"/>
+              </a:rPr>
+              <a:t>dbt</a:t>
+            </a:r>
+            <a:r>
+              <a:rPr kumimoji="0" lang="en-US" altLang="en-US" sz="1100" b="0" i="0" u="none" strike="noStrike" cap="none" normalizeH="0" baseline="0" dirty="0">
+                <a:ln>
+                  <a:noFill/>
+                </a:ln>
+                <a:solidFill>
+                  <a:srgbClr val="A9B7C6"/>
+                </a:solidFill>
+                <a:effectLst/>
+                <a:latin typeface="JetBrains Mono"/>
+              </a:rPr>
+              <a:t> run</a:t>
+            </a:r>
+            <a:endParaRPr kumimoji="0" lang="en-US" altLang="en-US" sz="1100" b="0" i="0" u="none" strike="noStrike" cap="none" normalizeH="0" baseline="0" dirty="0">
+              <a:ln>
+                <a:noFill/>
+              </a:ln>
+              <a:solidFill>
+                <a:schemeClr val="tx1"/>
+              </a:solidFill>
+              <a:effectLst/>
+              <a:latin typeface="Arial" panose="020B0604020202020204" pitchFamily="34" charset="0"/>
+            </a:endParaRPr>
+          </a:p>
+        </p:txBody>
+      </p:sp>
+      <p:sp>
+        <p:nvSpPr>
+          <p:cNvPr id="6" name="TextBox 5">
+            <a:extLst>
+              <a:ext uri="{FF2B5EF4-FFF2-40B4-BE49-F238E27FC236}">
+                <a16:creationId xmlns:a16="http://schemas.microsoft.com/office/drawing/2014/main" id="{89331484-0683-3C11-BDA2-DA6F44BA9B76}"/>
+              </a:ext>
+            </a:extLst>
+          </p:cNvPr>
+          <p:cNvSpPr txBox="1"/>
+          <p:nvPr/>
+        </p:nvSpPr>
+        <p:spPr>
+          <a:xfrm>
+            <a:off x="202131" y="249068"/>
+            <a:ext cx="1163780" cy="461665"/>
+          </a:xfrm>
+          <a:prstGeom prst="rect">
+            <a:avLst/>
+          </a:prstGeom>
+          <a:noFill/>
+        </p:spPr>
+        <p:txBody>
+          <a:bodyPr wrap="none" rtlCol="0">
+            <a:spAutoFit/>
+          </a:bodyPr>
+          <a:lstStyle/>
+          <a:p>
+            <a:r>
+              <a:rPr lang="en-US" sz="2400" dirty="0"/>
+              <a:t>.</a:t>
+            </a:r>
+            <a:r>
+              <a:rPr lang="en-US" sz="2400" dirty="0" err="1"/>
+              <a:t>yml</a:t>
+            </a:r>
+            <a:r>
+              <a:rPr lang="en-US" sz="2400" dirty="0"/>
+              <a:t> file</a:t>
+            </a:r>
+            <a:endParaRPr lang="en-IN" sz="2400" dirty="0"/>
+          </a:p>
+        </p:txBody>
+      </p:sp>
+    </p:spTree>
+    <p:extLst>
+      <p:ext uri="{BB962C8B-B14F-4D97-AF65-F5344CB8AC3E}">
+        <p14:creationId xmlns:p14="http://schemas.microsoft.com/office/powerpoint/2010/main" val="2304814603"/>
+      </p:ext>
+    </p:extLst>
+  </p:cSld>
+  <p:clrMapOvr>
+    <a:masterClrMapping/>
+  </p:clrMapOvr>
+</p:sld>
+</file>
+
 <file path=ppt/slides/slide3.xml><?xml version="1.0" encoding="utf-8"?>
 <p:sld xmlns:a="http://schemas.openxmlformats.org/drawingml/2006/main" xmlns:r="http://schemas.openxmlformats.org/officeDocument/2006/relationships" xmlns:p="http://schemas.openxmlformats.org/presentationml/2006/main">
   <p:cSld>

--- a/DBT training.pptx
+++ b/DBT training.pptx
@@ -7293,7 +7293,9 @@
           </a:xfrm>
         </p:spPr>
         <p:txBody>
-          <a:bodyPr/>
+          <a:bodyPr>
+            <a:normAutofit lnSpcReduction="10000"/>
+          </a:bodyPr>
           <a:lstStyle/>
           <a:p>
             <a:r>
@@ -7319,6 +7321,80 @@
           </a:p>
           <a:p>
             <a:endParaRPr lang="en-IN" dirty="0"/>
+          </a:p>
+          <a:p>
+            <a:endParaRPr lang="en-IN" dirty="0"/>
+          </a:p>
+          <a:p>
+            <a:r>
+              <a:rPr lang="en-US" b="0" i="0" dirty="0">
+                <a:solidFill>
+                  <a:srgbClr val="001D35"/>
+                </a:solidFill>
+                <a:effectLst/>
+                <a:latin typeface="Google Sans"/>
+              </a:rPr>
+              <a:t>Continuous integration (CI) is </a:t>
+            </a:r>
+            <a:r>
+              <a:rPr lang="en-US" b="1" i="0" dirty="0">
+                <a:solidFill>
+                  <a:srgbClr val="001D35"/>
+                </a:solidFill>
+                <a:effectLst/>
+                <a:latin typeface="Google Sans"/>
+              </a:rPr>
+              <a:t>a software development practice where developers merge their changes to a shared repository multiple times a day</a:t>
+            </a:r>
+            <a:r>
+              <a:rPr lang="en-US" b="0" i="0" dirty="0">
+                <a:solidFill>
+                  <a:srgbClr val="001D35"/>
+                </a:solidFill>
+                <a:effectLst/>
+                <a:latin typeface="Google Sans"/>
+              </a:rPr>
+              <a:t>.</a:t>
+            </a:r>
+            <a:endParaRPr lang="en-IN" b="0" i="0" dirty="0">
+              <a:solidFill>
+                <a:srgbClr val="001D35"/>
+              </a:solidFill>
+              <a:effectLst/>
+              <a:latin typeface="Google Sans"/>
+            </a:endParaRPr>
+          </a:p>
+          <a:p>
+            <a:pPr algn="l">
+              <a:buFont typeface="Arial" panose="020B0604020202020204" pitchFamily="34" charset="0"/>
+              <a:buChar char="•"/>
+            </a:pPr>
+            <a:r>
+              <a:rPr lang="en-US" b="0" i="0" dirty="0">
+                <a:solidFill>
+                  <a:srgbClr val="001D35"/>
+                </a:solidFill>
+                <a:effectLst/>
+                <a:latin typeface="Google Sans"/>
+              </a:rPr>
+              <a:t>Regularly merging small code changes is typically a more accurate and safer process.</a:t>
+            </a:r>
+          </a:p>
+          <a:p>
+            <a:pPr algn="l">
+              <a:buFont typeface="Arial" panose="020B0604020202020204" pitchFamily="34" charset="0"/>
+              <a:buChar char="•"/>
+            </a:pPr>
+            <a:r>
+              <a:rPr lang="en-US" b="0" i="0">
+                <a:solidFill>
+                  <a:srgbClr val="001D35"/>
+                </a:solidFill>
+                <a:effectLst/>
+                <a:latin typeface="Google Sans"/>
+              </a:rPr>
+              <a:t>If any bugs are found in the merging process, they're easier and faster to find.</a:t>
+            </a:r>
           </a:p>
         </p:txBody>
       </p:sp>

--- a/DBT training.pptx
+++ b/DBT training.pptx
@@ -12,24 +12,23 @@
     <p:sldId id="259" r:id="rId6"/>
     <p:sldId id="276" r:id="rId7"/>
     <p:sldId id="261" r:id="rId8"/>
-    <p:sldId id="262" r:id="rId9"/>
-    <p:sldId id="264" r:id="rId10"/>
-    <p:sldId id="272" r:id="rId11"/>
-    <p:sldId id="273" r:id="rId12"/>
-    <p:sldId id="265" r:id="rId13"/>
-    <p:sldId id="266" r:id="rId14"/>
-    <p:sldId id="267" r:id="rId15"/>
-    <p:sldId id="268" r:id="rId16"/>
-    <p:sldId id="277" r:id="rId17"/>
-    <p:sldId id="278" r:id="rId18"/>
-    <p:sldId id="274" r:id="rId19"/>
-    <p:sldId id="269" r:id="rId20"/>
-    <p:sldId id="270" r:id="rId21"/>
-    <p:sldId id="271" r:id="rId22"/>
-    <p:sldId id="275" r:id="rId23"/>
-    <p:sldId id="279" r:id="rId24"/>
-    <p:sldId id="280" r:id="rId25"/>
-    <p:sldId id="281" r:id="rId26"/>
+    <p:sldId id="264" r:id="rId9"/>
+    <p:sldId id="272" r:id="rId10"/>
+    <p:sldId id="273" r:id="rId11"/>
+    <p:sldId id="265" r:id="rId12"/>
+    <p:sldId id="266" r:id="rId13"/>
+    <p:sldId id="267" r:id="rId14"/>
+    <p:sldId id="268" r:id="rId15"/>
+    <p:sldId id="277" r:id="rId16"/>
+    <p:sldId id="278" r:id="rId17"/>
+    <p:sldId id="274" r:id="rId18"/>
+    <p:sldId id="269" r:id="rId19"/>
+    <p:sldId id="270" r:id="rId20"/>
+    <p:sldId id="271" r:id="rId21"/>
+    <p:sldId id="279" r:id="rId22"/>
+    <p:sldId id="280" r:id="rId23"/>
+    <p:sldId id="281" r:id="rId24"/>
+    <p:sldId id="282" r:id="rId25"/>
   </p:sldIdLst>
   <p:sldSz cx="12192000" cy="6858000"/>
   <p:notesSz cx="6858000" cy="9144000"/>
@@ -4328,7 +4327,7 @@
           <p:cNvPr id="2" name="Title 1">
             <a:extLst>
               <a:ext uri="{FF2B5EF4-FFF2-40B4-BE49-F238E27FC236}">
-                <a16:creationId xmlns:a16="http://schemas.microsoft.com/office/drawing/2014/main" id="{4FD203D5-B840-FB79-17F4-414297BD35F2}"/>
+                <a16:creationId xmlns:a16="http://schemas.microsoft.com/office/drawing/2014/main" id="{40042879-D61E-9124-F3CE-65B9BD17BB76}"/>
               </a:ext>
             </a:extLst>
           </p:cNvPr>
@@ -4339,20 +4338,19 @@
             <p:ph type="title"/>
           </p:nvPr>
         </p:nvSpPr>
-        <p:spPr/>
+        <p:spPr>
+          <a:xfrm>
+            <a:off x="838200" y="365126"/>
+            <a:ext cx="10258425" cy="882650"/>
+          </a:xfrm>
+        </p:spPr>
         <p:txBody>
           <a:bodyPr/>
           <a:lstStyle/>
           <a:p>
             <a:r>
-              <a:rPr lang="en-IN" b="1" i="0" dirty="0">
-                <a:solidFill>
-                  <a:srgbClr val="36394D"/>
-                </a:solidFill>
-                <a:effectLst/>
-                <a:latin typeface="Source Sans Pro" panose="020B0503030403020204" pitchFamily="34" charset="0"/>
-              </a:rPr>
-              <a:t>Modularity</a:t>
+              <a:rPr lang="en-IN" dirty="0" err="1"/>
+              <a:t>Sources.yml</a:t>
             </a:r>
             <a:endParaRPr lang="en-IN" dirty="0"/>
           </a:p>
@@ -4363,7 +4361,7 @@
           <p:cNvPr id="3" name="Content Placeholder 2">
             <a:extLst>
               <a:ext uri="{FF2B5EF4-FFF2-40B4-BE49-F238E27FC236}">
-                <a16:creationId xmlns:a16="http://schemas.microsoft.com/office/drawing/2014/main" id="{05EF620D-DA36-2F7E-BB22-70C1460D55E9}"/>
+                <a16:creationId xmlns:a16="http://schemas.microsoft.com/office/drawing/2014/main" id="{0D7F287D-A819-CBB3-6643-1FE6236E46A8}"/>
               </a:ext>
             </a:extLst>
           </p:cNvPr>
@@ -4374,171 +4372,139 @@
             <p:ph idx="1"/>
           </p:nvPr>
         </p:nvSpPr>
-        <p:spPr/>
+        <p:spPr>
+          <a:xfrm>
+            <a:off x="904874" y="1390650"/>
+            <a:ext cx="10448925" cy="4786313"/>
+          </a:xfrm>
+        </p:spPr>
         <p:txBody>
           <a:bodyPr>
-            <a:normAutofit fontScale="92500"/>
+            <a:normAutofit/>
           </a:bodyPr>
           <a:lstStyle/>
           <a:p>
-            <a:pPr algn="l">
-              <a:buFont typeface="Arial" panose="020B0604020202020204" pitchFamily="34" charset="0"/>
-              <a:buChar char="•"/>
+            <a:pPr marL="0" indent="0">
+              <a:buNone/>
             </a:pPr>
             <a:r>
-              <a:rPr lang="en-IN" sz="2600" b="0" i="0" dirty="0">
-                <a:solidFill>
-                  <a:srgbClr val="36394D"/>
-                </a:solidFill>
-                <a:effectLst/>
-                <a:latin typeface="Source Sans Pro" panose="020B0503030403020204" pitchFamily="34" charset="0"/>
-              </a:rPr>
-              <a:t>We could build each of our final models in a single model as we did with </a:t>
-            </a:r>
-            <a:r>
-              <a:rPr lang="en-IN" sz="2600" b="0" i="0" dirty="0" err="1">
-                <a:solidFill>
-                  <a:srgbClr val="36394D"/>
-                </a:solidFill>
-                <a:effectLst/>
-                <a:latin typeface="Source Sans Pro" panose="020B0503030403020204" pitchFamily="34" charset="0"/>
-              </a:rPr>
-              <a:t>dim_customers</a:t>
-            </a:r>
-            <a:r>
-              <a:rPr lang="en-IN" sz="2600" b="0" i="0" dirty="0">
-                <a:solidFill>
-                  <a:srgbClr val="36394D"/>
-                </a:solidFill>
-                <a:effectLst/>
-                <a:latin typeface="Source Sans Pro" panose="020B0503030403020204" pitchFamily="34" charset="0"/>
-              </a:rPr>
-              <a:t>, however with </a:t>
-            </a:r>
-            <a:r>
-              <a:rPr lang="en-IN" sz="2600" b="0" i="0" dirty="0" err="1">
-                <a:solidFill>
-                  <a:srgbClr val="36394D"/>
-                </a:solidFill>
-                <a:effectLst/>
-                <a:latin typeface="Source Sans Pro" panose="020B0503030403020204" pitchFamily="34" charset="0"/>
-              </a:rPr>
-              <a:t>dbt</a:t>
-            </a:r>
-            <a:r>
-              <a:rPr lang="en-IN" sz="2600" b="0" i="0" dirty="0">
-                <a:solidFill>
-                  <a:srgbClr val="36394D"/>
-                </a:solidFill>
-                <a:effectLst/>
-                <a:latin typeface="Source Sans Pro" panose="020B0503030403020204" pitchFamily="34" charset="0"/>
-              </a:rPr>
-              <a:t> we can create our final data products using modularity.</a:t>
-            </a:r>
-          </a:p>
-          <a:p>
-            <a:pPr algn="l">
-              <a:buFont typeface="Arial" panose="020B0604020202020204" pitchFamily="34" charset="0"/>
-              <a:buChar char="•"/>
+              <a:rPr lang="en-IN" sz="1000" b="0" i="0" dirty="0">
+                <a:solidFill>
+                  <a:srgbClr val="FFFFFF"/>
+                </a:solidFill>
+                <a:effectLst/>
+                <a:latin typeface="SF-Mono-Regular"/>
+              </a:rPr>
+              <a:t>version: </a:t>
+            </a:r>
+            <a:r>
+              <a:rPr lang="en-IN" sz="1000" b="0" i="0" dirty="0">
+                <a:solidFill>
+                  <a:srgbClr val="D1F1A9"/>
+                </a:solidFill>
+                <a:effectLst/>
+                <a:latin typeface="SF-Mono-Regular"/>
+              </a:rPr>
+              <a:t>2</a:t>
+            </a:r>
+            <a:br>
+              <a:rPr lang="en-IN" sz="1000" dirty="0"/>
+            </a:br>
+            <a:br>
+              <a:rPr lang="en-IN" sz="1200" dirty="0"/>
+            </a:br>
+            <a:r>
+              <a:rPr lang="en-IN" sz="2400" b="0" i="0" dirty="0">
+                <a:effectLst/>
+              </a:rPr>
+              <a:t>sources:</a:t>
+            </a:r>
+            <a:br>
+              <a:rPr lang="en-IN" sz="2400" dirty="0"/>
+            </a:br>
+            <a:r>
+              <a:rPr lang="en-IN" sz="2400" b="0" i="0" dirty="0">
+                <a:effectLst/>
+              </a:rPr>
+              <a:t>  - name: </a:t>
+            </a:r>
+            <a:r>
+              <a:rPr lang="en-IN" sz="2400" b="0" i="0" dirty="0" err="1">
+                <a:effectLst/>
+              </a:rPr>
+              <a:t>jaffle_shop</a:t>
+            </a:r>
+            <a:br>
+              <a:rPr lang="en-IN" sz="2400" dirty="0"/>
+            </a:br>
+            <a:r>
+              <a:rPr lang="en-IN" sz="2400" b="0" i="0" dirty="0">
+                <a:effectLst/>
+              </a:rPr>
+              <a:t>    database: raw</a:t>
+            </a:r>
+            <a:br>
+              <a:rPr lang="en-IN" sz="2400" dirty="0"/>
+            </a:br>
+            <a:r>
+              <a:rPr lang="en-IN" sz="2400" b="0" i="0" dirty="0">
+                <a:effectLst/>
+              </a:rPr>
+              <a:t>    schema: </a:t>
+            </a:r>
+            <a:r>
+              <a:rPr lang="en-IN" sz="2400" b="0" i="0" dirty="0" err="1">
+                <a:effectLst/>
+              </a:rPr>
+              <a:t>jaffle_shop</a:t>
+            </a:r>
+            <a:br>
+              <a:rPr lang="en-IN" sz="2400" dirty="0"/>
+            </a:br>
+            <a:r>
+              <a:rPr lang="en-IN" sz="2400" b="0" i="0" dirty="0">
+                <a:effectLst/>
+              </a:rPr>
+              <a:t>    tables:</a:t>
+            </a:r>
+            <a:br>
+              <a:rPr lang="en-IN" sz="2400" dirty="0"/>
+            </a:br>
+            <a:r>
+              <a:rPr lang="en-IN" sz="2400" b="0" i="0" dirty="0">
+                <a:effectLst/>
+              </a:rPr>
+              <a:t>      - name: customers</a:t>
+            </a:r>
+            <a:br>
+              <a:rPr lang="en-IN" sz="2400" dirty="0"/>
+            </a:br>
+            <a:r>
+              <a:rPr lang="en-IN" sz="2400" b="0" i="0" dirty="0">
+                <a:effectLst/>
+              </a:rPr>
+              <a:t>      - name: orders</a:t>
+            </a:r>
+            <a:br>
+              <a:rPr lang="en-IN" sz="2400" dirty="0"/>
+            </a:br>
+            <a:endParaRPr lang="en-IN" sz="2400" dirty="0"/>
+          </a:p>
+          <a:p>
+            <a:pPr marL="0" indent="0">
+              <a:buNone/>
             </a:pPr>
             <a:r>
-              <a:rPr lang="en-IN" sz="2600" b="1" i="0" dirty="0">
-                <a:solidFill>
-                  <a:srgbClr val="36394D"/>
-                </a:solidFill>
-                <a:effectLst/>
-                <a:latin typeface="Source Sans Pro" panose="020B0503030403020204" pitchFamily="34" charset="0"/>
-              </a:rPr>
-              <a:t>Modularity</a:t>
-            </a:r>
-            <a:r>
-              <a:rPr lang="en-IN" sz="2600" b="0" i="0" dirty="0">
-                <a:solidFill>
-                  <a:srgbClr val="36394D"/>
-                </a:solidFill>
-                <a:effectLst/>
-                <a:latin typeface="Source Sans Pro" panose="020B0503030403020204" pitchFamily="34" charset="0"/>
-              </a:rPr>
-              <a:t> is the degree to which a system's components may be separated and recombined, often with the benefit of flexibility and variety in use.</a:t>
-            </a:r>
-          </a:p>
-          <a:p>
-            <a:pPr algn="l">
-              <a:buFont typeface="Arial" panose="020B0604020202020204" pitchFamily="34" charset="0"/>
-              <a:buChar char="•"/>
-            </a:pPr>
-            <a:r>
-              <a:rPr lang="en-IN" sz="2600" b="0" i="0" dirty="0">
-                <a:solidFill>
-                  <a:srgbClr val="36394D"/>
-                </a:solidFill>
-                <a:effectLst/>
-                <a:latin typeface="Source Sans Pro" panose="020B0503030403020204" pitchFamily="34" charset="0"/>
-              </a:rPr>
-              <a:t>This allows us to build data artifacts in logical steps.</a:t>
-            </a:r>
-          </a:p>
-          <a:p>
-            <a:pPr algn="l">
-              <a:buFont typeface="Arial" panose="020B0604020202020204" pitchFamily="34" charset="0"/>
-              <a:buChar char="•"/>
-            </a:pPr>
-            <a:r>
-              <a:rPr lang="en-IN" sz="2600" b="0" i="0" dirty="0">
-                <a:solidFill>
-                  <a:srgbClr val="36394D"/>
-                </a:solidFill>
-                <a:effectLst/>
-                <a:latin typeface="Source Sans Pro" panose="020B0503030403020204" pitchFamily="34" charset="0"/>
-              </a:rPr>
-              <a:t>For example, we can stage the raw customers and orders data to shape it into what we want it to look like. Then we can build a model that references both of these to build the final </a:t>
-            </a:r>
-            <a:r>
-              <a:rPr lang="en-IN" sz="2600" b="0" i="0" dirty="0" err="1">
-                <a:solidFill>
-                  <a:srgbClr val="36394D"/>
-                </a:solidFill>
-                <a:effectLst/>
-                <a:latin typeface="Source Sans Pro" panose="020B0503030403020204" pitchFamily="34" charset="0"/>
-              </a:rPr>
-              <a:t>dim_customers</a:t>
-            </a:r>
-            <a:r>
-              <a:rPr lang="en-IN" sz="2600" b="0" i="0" dirty="0">
-                <a:solidFill>
-                  <a:srgbClr val="36394D"/>
-                </a:solidFill>
-                <a:effectLst/>
-                <a:latin typeface="Source Sans Pro" panose="020B0503030403020204" pitchFamily="34" charset="0"/>
-              </a:rPr>
-              <a:t> model.</a:t>
-            </a:r>
-          </a:p>
-          <a:p>
-            <a:pPr algn="l">
-              <a:buFont typeface="Arial" panose="020B0604020202020204" pitchFamily="34" charset="0"/>
-              <a:buChar char="•"/>
-            </a:pPr>
-            <a:r>
-              <a:rPr lang="en-IN" sz="2600" b="0" i="0" dirty="0">
-                <a:solidFill>
-                  <a:srgbClr val="36394D"/>
-                </a:solidFill>
-                <a:effectLst/>
-                <a:latin typeface="Source Sans Pro" panose="020B0503030403020204" pitchFamily="34" charset="0"/>
-              </a:rPr>
-              <a:t>Thinking modularly is how software engineers build applications. Models can be leveraged to apply this modular thinking to analytics engineering.</a:t>
-            </a:r>
-          </a:p>
-          <a:p>
-            <a:endParaRPr lang="en-IN" dirty="0"/>
+              <a:rPr lang="en-IN" sz="2400" dirty="0"/>
+              <a:t>Note: Tests can be added for the sources also. So that we can know if there is any error in source data we got.</a:t>
+            </a:r>
           </a:p>
         </p:txBody>
       </p:sp>
     </p:spTree>
     <p:extLst>
       <p:ext uri="{BB962C8B-B14F-4D97-AF65-F5344CB8AC3E}">
-        <p14:creationId xmlns:p14="http://schemas.microsoft.com/office/powerpoint/2010/main" val="1993881817"/>
+        <p14:creationId xmlns:p14="http://schemas.microsoft.com/office/powerpoint/2010/main" val="1851130113"/>
       </p:ext>
     </p:extLst>
   </p:cSld>
@@ -4570,215 +4536,6 @@
           <p:cNvPr id="2" name="Title 1">
             <a:extLst>
               <a:ext uri="{FF2B5EF4-FFF2-40B4-BE49-F238E27FC236}">
-                <a16:creationId xmlns:a16="http://schemas.microsoft.com/office/drawing/2014/main" id="{40042879-D61E-9124-F3CE-65B9BD17BB76}"/>
-              </a:ext>
-            </a:extLst>
-          </p:cNvPr>
-          <p:cNvSpPr>
-            <a:spLocks noGrp="1"/>
-          </p:cNvSpPr>
-          <p:nvPr>
-            <p:ph type="title"/>
-          </p:nvPr>
-        </p:nvSpPr>
-        <p:spPr>
-          <a:xfrm>
-            <a:off x="838200" y="365126"/>
-            <a:ext cx="10258425" cy="882650"/>
-          </a:xfrm>
-        </p:spPr>
-        <p:txBody>
-          <a:bodyPr/>
-          <a:lstStyle/>
-          <a:p>
-            <a:r>
-              <a:rPr lang="en-IN" dirty="0" err="1"/>
-              <a:t>Sources.yml</a:t>
-            </a:r>
-            <a:endParaRPr lang="en-IN" dirty="0"/>
-          </a:p>
-        </p:txBody>
-      </p:sp>
-      <p:sp>
-        <p:nvSpPr>
-          <p:cNvPr id="3" name="Content Placeholder 2">
-            <a:extLst>
-              <a:ext uri="{FF2B5EF4-FFF2-40B4-BE49-F238E27FC236}">
-                <a16:creationId xmlns:a16="http://schemas.microsoft.com/office/drawing/2014/main" id="{0D7F287D-A819-CBB3-6643-1FE6236E46A8}"/>
-              </a:ext>
-            </a:extLst>
-          </p:cNvPr>
-          <p:cNvSpPr>
-            <a:spLocks noGrp="1"/>
-          </p:cNvSpPr>
-          <p:nvPr>
-            <p:ph idx="1"/>
-          </p:nvPr>
-        </p:nvSpPr>
-        <p:spPr>
-          <a:xfrm>
-            <a:off x="904874" y="1390650"/>
-            <a:ext cx="10448925" cy="4786313"/>
-          </a:xfrm>
-        </p:spPr>
-        <p:txBody>
-          <a:bodyPr>
-            <a:normAutofit/>
-          </a:bodyPr>
-          <a:lstStyle/>
-          <a:p>
-            <a:pPr marL="0" indent="0">
-              <a:buNone/>
-            </a:pPr>
-            <a:r>
-              <a:rPr lang="en-IN" sz="1000" b="0" i="0" dirty="0">
-                <a:solidFill>
-                  <a:srgbClr val="FFFFFF"/>
-                </a:solidFill>
-                <a:effectLst/>
-                <a:latin typeface="SF-Mono-Regular"/>
-              </a:rPr>
-              <a:t>version: </a:t>
-            </a:r>
-            <a:r>
-              <a:rPr lang="en-IN" sz="1000" b="0" i="0" dirty="0">
-                <a:solidFill>
-                  <a:srgbClr val="D1F1A9"/>
-                </a:solidFill>
-                <a:effectLst/>
-                <a:latin typeface="SF-Mono-Regular"/>
-              </a:rPr>
-              <a:t>2</a:t>
-            </a:r>
-            <a:br>
-              <a:rPr lang="en-IN" sz="1000" dirty="0"/>
-            </a:br>
-            <a:br>
-              <a:rPr lang="en-IN" sz="1200" dirty="0"/>
-            </a:br>
-            <a:r>
-              <a:rPr lang="en-IN" sz="2400" b="0" i="0" dirty="0">
-                <a:effectLst/>
-              </a:rPr>
-              <a:t>sources:</a:t>
-            </a:r>
-            <a:br>
-              <a:rPr lang="en-IN" sz="2400" dirty="0"/>
-            </a:br>
-            <a:r>
-              <a:rPr lang="en-IN" sz="2400" b="0" i="0" dirty="0">
-                <a:effectLst/>
-              </a:rPr>
-              <a:t>  - name: </a:t>
-            </a:r>
-            <a:r>
-              <a:rPr lang="en-IN" sz="2400" b="0" i="0" dirty="0" err="1">
-                <a:effectLst/>
-              </a:rPr>
-              <a:t>jaffle_shop</a:t>
-            </a:r>
-            <a:br>
-              <a:rPr lang="en-IN" sz="2400" dirty="0"/>
-            </a:br>
-            <a:r>
-              <a:rPr lang="en-IN" sz="2400" b="0" i="0" dirty="0">
-                <a:effectLst/>
-              </a:rPr>
-              <a:t>    database: raw</a:t>
-            </a:r>
-            <a:br>
-              <a:rPr lang="en-IN" sz="2400" dirty="0"/>
-            </a:br>
-            <a:r>
-              <a:rPr lang="en-IN" sz="2400" b="0" i="0" dirty="0">
-                <a:effectLst/>
-              </a:rPr>
-              <a:t>    schema: </a:t>
-            </a:r>
-            <a:r>
-              <a:rPr lang="en-IN" sz="2400" b="0" i="0" dirty="0" err="1">
-                <a:effectLst/>
-              </a:rPr>
-              <a:t>jaffle_shop</a:t>
-            </a:r>
-            <a:br>
-              <a:rPr lang="en-IN" sz="2400" dirty="0"/>
-            </a:br>
-            <a:r>
-              <a:rPr lang="en-IN" sz="2400" b="0" i="0" dirty="0">
-                <a:effectLst/>
-              </a:rPr>
-              <a:t>    tables:</a:t>
-            </a:r>
-            <a:br>
-              <a:rPr lang="en-IN" sz="2400" dirty="0"/>
-            </a:br>
-            <a:r>
-              <a:rPr lang="en-IN" sz="2400" b="0" i="0" dirty="0">
-                <a:effectLst/>
-              </a:rPr>
-              <a:t>      - name: customers</a:t>
-            </a:r>
-            <a:br>
-              <a:rPr lang="en-IN" sz="2400" dirty="0"/>
-            </a:br>
-            <a:r>
-              <a:rPr lang="en-IN" sz="2400" b="0" i="0" dirty="0">
-                <a:effectLst/>
-              </a:rPr>
-              <a:t>      - name: orders</a:t>
-            </a:r>
-            <a:br>
-              <a:rPr lang="en-IN" sz="2400" dirty="0"/>
-            </a:br>
-            <a:endParaRPr lang="en-IN" sz="2400" dirty="0"/>
-          </a:p>
-          <a:p>
-            <a:pPr marL="0" indent="0">
-              <a:buNone/>
-            </a:pPr>
-            <a:r>
-              <a:rPr lang="en-IN" sz="2400" dirty="0"/>
-              <a:t>Note: Tests can be added for the sources also. So that we can know if there is any error in source data we got.</a:t>
-            </a:r>
-          </a:p>
-        </p:txBody>
-      </p:sp>
-    </p:spTree>
-    <p:extLst>
-      <p:ext uri="{BB962C8B-B14F-4D97-AF65-F5344CB8AC3E}">
-        <p14:creationId xmlns:p14="http://schemas.microsoft.com/office/powerpoint/2010/main" val="1851130113"/>
-      </p:ext>
-    </p:extLst>
-  </p:cSld>
-  <p:clrMapOvr>
-    <a:masterClrMapping/>
-  </p:clrMapOvr>
-</p:sld>
-</file>
-
-<file path=ppt/slides/slide12.xml><?xml version="1.0" encoding="utf-8"?>
-<p:sld xmlns:a="http://schemas.openxmlformats.org/drawingml/2006/main" xmlns:r="http://schemas.openxmlformats.org/officeDocument/2006/relationships" xmlns:p="http://schemas.openxmlformats.org/presentationml/2006/main">
-  <p:cSld>
-    <p:spTree>
-      <p:nvGrpSpPr>
-        <p:cNvPr id="1" name=""/>
-        <p:cNvGrpSpPr/>
-        <p:nvPr/>
-      </p:nvGrpSpPr>
-      <p:grpSpPr>
-        <a:xfrm>
-          <a:off x="0" y="0"/>
-          <a:ext cx="0" cy="0"/>
-          <a:chOff x="0" y="0"/>
-          <a:chExt cx="0" cy="0"/>
-        </a:xfrm>
-      </p:grpSpPr>
-      <p:sp>
-        <p:nvSpPr>
-          <p:cNvPr id="2" name="Title 1">
-            <a:extLst>
-              <a:ext uri="{FF2B5EF4-FFF2-40B4-BE49-F238E27FC236}">
                 <a16:creationId xmlns:a16="http://schemas.microsoft.com/office/drawing/2014/main" id="{81A7FBC6-FC99-CD44-D521-90DA3911FAC0}"/>
               </a:ext>
             </a:extLst>
@@ -4903,7 +4660,7 @@
 </p:sld>
 </file>
 
-<file path=ppt/slides/slide13.xml><?xml version="1.0" encoding="utf-8"?>
+<file path=ppt/slides/slide12.xml><?xml version="1.0" encoding="utf-8"?>
 <p:sld xmlns:a="http://schemas.openxmlformats.org/drawingml/2006/main" xmlns:r="http://schemas.openxmlformats.org/officeDocument/2006/relationships" xmlns:p="http://schemas.openxmlformats.org/presentationml/2006/main">
   <p:cSld>
     <p:spTree>
@@ -4962,6 +4719,154 @@
 </p:sld>
 </file>
 
+<file path=ppt/slides/slide13.xml><?xml version="1.0" encoding="utf-8"?>
+<p:sld xmlns:a="http://schemas.openxmlformats.org/drawingml/2006/main" xmlns:r="http://schemas.openxmlformats.org/officeDocument/2006/relationships" xmlns:p="http://schemas.openxmlformats.org/presentationml/2006/main">
+  <p:cSld>
+    <p:spTree>
+      <p:nvGrpSpPr>
+        <p:cNvPr id="1" name=""/>
+        <p:cNvGrpSpPr/>
+        <p:nvPr/>
+      </p:nvGrpSpPr>
+      <p:grpSpPr>
+        <a:xfrm>
+          <a:off x="0" y="0"/>
+          <a:ext cx="0" cy="0"/>
+          <a:chOff x="0" y="0"/>
+          <a:chExt cx="0" cy="0"/>
+        </a:xfrm>
+      </p:grpSpPr>
+      <p:sp>
+        <p:nvSpPr>
+          <p:cNvPr id="2" name="Title 1">
+            <a:extLst>
+              <a:ext uri="{FF2B5EF4-FFF2-40B4-BE49-F238E27FC236}">
+                <a16:creationId xmlns:a16="http://schemas.microsoft.com/office/drawing/2014/main" id="{0F34A7C4-A32A-BA25-16DC-31869F8706F8}"/>
+              </a:ext>
+            </a:extLst>
+          </p:cNvPr>
+          <p:cNvSpPr>
+            <a:spLocks noGrp="1"/>
+          </p:cNvSpPr>
+          <p:nvPr>
+            <p:ph type="title"/>
+          </p:nvPr>
+        </p:nvSpPr>
+        <p:spPr/>
+        <p:txBody>
+          <a:bodyPr>
+            <a:normAutofit/>
+          </a:bodyPr>
+          <a:lstStyle/>
+          <a:p>
+            <a:r>
+              <a:rPr lang="en-IN" dirty="0"/>
+              <a:t>Singular tests</a:t>
+            </a:r>
+          </a:p>
+        </p:txBody>
+      </p:sp>
+      <p:sp>
+        <p:nvSpPr>
+          <p:cNvPr id="3" name="Content Placeholder 2">
+            <a:extLst>
+              <a:ext uri="{FF2B5EF4-FFF2-40B4-BE49-F238E27FC236}">
+                <a16:creationId xmlns:a16="http://schemas.microsoft.com/office/drawing/2014/main" id="{6D13305F-23F7-8491-9182-7EDE122D493F}"/>
+              </a:ext>
+            </a:extLst>
+          </p:cNvPr>
+          <p:cNvSpPr>
+            <a:spLocks noGrp="1"/>
+          </p:cNvSpPr>
+          <p:nvPr>
+            <p:ph idx="1"/>
+          </p:nvPr>
+        </p:nvSpPr>
+        <p:spPr/>
+        <p:txBody>
+          <a:bodyPr>
+            <a:normAutofit/>
+          </a:bodyPr>
+          <a:lstStyle/>
+          <a:p>
+            <a:r>
+              <a:rPr lang="en-IN" dirty="0"/>
+              <a:t>Singular tests: These tests are written in </a:t>
+            </a:r>
+            <a:r>
+              <a:rPr lang="en-IN" dirty="0" err="1"/>
+              <a:t>sql</a:t>
+            </a:r>
+            <a:r>
+              <a:rPr lang="en-IN" dirty="0"/>
+              <a:t> query format and this test would be written in such a way that it returns failing records. </a:t>
+            </a:r>
+          </a:p>
+          <a:p>
+            <a:r>
+              <a:rPr lang="en-IN" dirty="0"/>
+              <a:t>Example: we want to test that our </a:t>
+            </a:r>
+            <a:r>
+              <a:rPr lang="en-IN" dirty="0" err="1"/>
+              <a:t>ouput</a:t>
+            </a:r>
+            <a:r>
+              <a:rPr lang="en-IN" dirty="0"/>
+              <a:t> should only return positive values. </a:t>
+            </a:r>
+          </a:p>
+          <a:p>
+            <a:r>
+              <a:rPr lang="en-IN" dirty="0"/>
+              <a:t>Select </a:t>
+            </a:r>
+            <a:r>
+              <a:rPr lang="en-IN" dirty="0" err="1"/>
+              <a:t>column_name</a:t>
+            </a:r>
+            <a:r>
+              <a:rPr lang="en-IN" dirty="0"/>
+              <a:t>(price) from model(</a:t>
+            </a:r>
+            <a:r>
+              <a:rPr lang="en-IN" dirty="0" err="1"/>
+              <a:t>table_name</a:t>
+            </a:r>
+            <a:r>
+              <a:rPr lang="en-IN" dirty="0"/>
+              <a:t>) where price &lt; 0 </a:t>
+            </a:r>
+          </a:p>
+          <a:p>
+            <a:r>
+              <a:rPr lang="en-IN" dirty="0"/>
+              <a:t>In the above query we have given price is less than 0 that is exact opposite to what we are testing- our test is to check for positive values. In </a:t>
+            </a:r>
+            <a:r>
+              <a:rPr lang="en-IN" dirty="0" err="1"/>
+              <a:t>dbt</a:t>
+            </a:r>
+            <a:r>
+              <a:rPr lang="en-IN" dirty="0"/>
+              <a:t> we must give failing statement in order for our test to work. </a:t>
+            </a:r>
+          </a:p>
+        </p:txBody>
+      </p:sp>
+    </p:spTree>
+    <p:extLst>
+      <p:ext uri="{BB962C8B-B14F-4D97-AF65-F5344CB8AC3E}">
+        <p14:creationId xmlns:p14="http://schemas.microsoft.com/office/powerpoint/2010/main" val="2600116717"/>
+      </p:ext>
+    </p:extLst>
+  </p:cSld>
+  <p:clrMapOvr>
+    <a:masterClrMapping/>
+  </p:clrMapOvr>
+</p:sld>
+</file>
+
 <file path=ppt/slides/slide14.xml><?xml version="1.0" encoding="utf-8"?>
 <p:sld xmlns:a="http://schemas.openxmlformats.org/drawingml/2006/main" xmlns:r="http://schemas.openxmlformats.org/officeDocument/2006/relationships" xmlns:p="http://schemas.openxmlformats.org/presentationml/2006/main">
   <p:cSld>
@@ -4984,154 +4889,6 @@
           <p:cNvPr id="2" name="Title 1">
             <a:extLst>
               <a:ext uri="{FF2B5EF4-FFF2-40B4-BE49-F238E27FC236}">
-                <a16:creationId xmlns:a16="http://schemas.microsoft.com/office/drawing/2014/main" id="{0F34A7C4-A32A-BA25-16DC-31869F8706F8}"/>
-              </a:ext>
-            </a:extLst>
-          </p:cNvPr>
-          <p:cNvSpPr>
-            <a:spLocks noGrp="1"/>
-          </p:cNvSpPr>
-          <p:nvPr>
-            <p:ph type="title"/>
-          </p:nvPr>
-        </p:nvSpPr>
-        <p:spPr/>
-        <p:txBody>
-          <a:bodyPr>
-            <a:normAutofit/>
-          </a:bodyPr>
-          <a:lstStyle/>
-          <a:p>
-            <a:r>
-              <a:rPr lang="en-IN" dirty="0"/>
-              <a:t>Singular tests</a:t>
-            </a:r>
-          </a:p>
-        </p:txBody>
-      </p:sp>
-      <p:sp>
-        <p:nvSpPr>
-          <p:cNvPr id="3" name="Content Placeholder 2">
-            <a:extLst>
-              <a:ext uri="{FF2B5EF4-FFF2-40B4-BE49-F238E27FC236}">
-                <a16:creationId xmlns:a16="http://schemas.microsoft.com/office/drawing/2014/main" id="{6D13305F-23F7-8491-9182-7EDE122D493F}"/>
-              </a:ext>
-            </a:extLst>
-          </p:cNvPr>
-          <p:cNvSpPr>
-            <a:spLocks noGrp="1"/>
-          </p:cNvSpPr>
-          <p:nvPr>
-            <p:ph idx="1"/>
-          </p:nvPr>
-        </p:nvSpPr>
-        <p:spPr/>
-        <p:txBody>
-          <a:bodyPr>
-            <a:normAutofit/>
-          </a:bodyPr>
-          <a:lstStyle/>
-          <a:p>
-            <a:r>
-              <a:rPr lang="en-IN" dirty="0"/>
-              <a:t>Singular tests: These tests are written in </a:t>
-            </a:r>
-            <a:r>
-              <a:rPr lang="en-IN" dirty="0" err="1"/>
-              <a:t>sql</a:t>
-            </a:r>
-            <a:r>
-              <a:rPr lang="en-IN" dirty="0"/>
-              <a:t> query format and this test would be written in such a way that it returns failing records. </a:t>
-            </a:r>
-          </a:p>
-          <a:p>
-            <a:r>
-              <a:rPr lang="en-IN" dirty="0"/>
-              <a:t>Example: we want to test that our </a:t>
-            </a:r>
-            <a:r>
-              <a:rPr lang="en-IN" dirty="0" err="1"/>
-              <a:t>ouput</a:t>
-            </a:r>
-            <a:r>
-              <a:rPr lang="en-IN" dirty="0"/>
-              <a:t> should only return positive values. </a:t>
-            </a:r>
-          </a:p>
-          <a:p>
-            <a:r>
-              <a:rPr lang="en-IN" dirty="0"/>
-              <a:t>Select </a:t>
-            </a:r>
-            <a:r>
-              <a:rPr lang="en-IN" dirty="0" err="1"/>
-              <a:t>column_name</a:t>
-            </a:r>
-            <a:r>
-              <a:rPr lang="en-IN" dirty="0"/>
-              <a:t>(price) from model(</a:t>
-            </a:r>
-            <a:r>
-              <a:rPr lang="en-IN" dirty="0" err="1"/>
-              <a:t>table_name</a:t>
-            </a:r>
-            <a:r>
-              <a:rPr lang="en-IN" dirty="0"/>
-              <a:t>) where price &lt; 0 </a:t>
-            </a:r>
-          </a:p>
-          <a:p>
-            <a:r>
-              <a:rPr lang="en-IN" dirty="0"/>
-              <a:t>In the above query we have given price is less than 0 that is exact opposite to what we are testing- our test is to check for positive values. In </a:t>
-            </a:r>
-            <a:r>
-              <a:rPr lang="en-IN" dirty="0" err="1"/>
-              <a:t>dbt</a:t>
-            </a:r>
-            <a:r>
-              <a:rPr lang="en-IN" dirty="0"/>
-              <a:t> we must give failing statement in order for our test to work. </a:t>
-            </a:r>
-          </a:p>
-        </p:txBody>
-      </p:sp>
-    </p:spTree>
-    <p:extLst>
-      <p:ext uri="{BB962C8B-B14F-4D97-AF65-F5344CB8AC3E}">
-        <p14:creationId xmlns:p14="http://schemas.microsoft.com/office/powerpoint/2010/main" val="2600116717"/>
-      </p:ext>
-    </p:extLst>
-  </p:cSld>
-  <p:clrMapOvr>
-    <a:masterClrMapping/>
-  </p:clrMapOvr>
-</p:sld>
-</file>
-
-<file path=ppt/slides/slide15.xml><?xml version="1.0" encoding="utf-8"?>
-<p:sld xmlns:a="http://schemas.openxmlformats.org/drawingml/2006/main" xmlns:r="http://schemas.openxmlformats.org/officeDocument/2006/relationships" xmlns:p="http://schemas.openxmlformats.org/presentationml/2006/main">
-  <p:cSld>
-    <p:spTree>
-      <p:nvGrpSpPr>
-        <p:cNvPr id="1" name=""/>
-        <p:cNvGrpSpPr/>
-        <p:nvPr/>
-      </p:nvGrpSpPr>
-      <p:grpSpPr>
-        <a:xfrm>
-          <a:off x="0" y="0"/>
-          <a:ext cx="0" cy="0"/>
-          <a:chOff x="0" y="0"/>
-          <a:chExt cx="0" cy="0"/>
-        </a:xfrm>
-      </p:grpSpPr>
-      <p:sp>
-        <p:nvSpPr>
-          <p:cNvPr id="2" name="Title 1">
-            <a:extLst>
-              <a:ext uri="{FF2B5EF4-FFF2-40B4-BE49-F238E27FC236}">
                 <a16:creationId xmlns:a16="http://schemas.microsoft.com/office/drawing/2014/main" id="{04665D6F-5319-C6F1-A293-BC3F57E80418}"/>
               </a:ext>
             </a:extLst>
@@ -5285,7 +5042,7 @@
 </p:sld>
 </file>
 
-<file path=ppt/slides/slide16.xml><?xml version="1.0" encoding="utf-8"?>
+<file path=ppt/slides/slide15.xml><?xml version="1.0" encoding="utf-8"?>
 <p:sld xmlns:a="http://schemas.openxmlformats.org/drawingml/2006/main" xmlns:r="http://schemas.openxmlformats.org/officeDocument/2006/relationships" xmlns:p="http://schemas.openxmlformats.org/presentationml/2006/main">
   <p:cSld>
     <p:spTree>
@@ -5452,7 +5209,7 @@
 </p:sld>
 </file>
 
-<file path=ppt/slides/slide17.xml><?xml version="1.0" encoding="utf-8"?>
+<file path=ppt/slides/slide16.xml><?xml version="1.0" encoding="utf-8"?>
 <p:sld xmlns:a="http://schemas.openxmlformats.org/drawingml/2006/main" xmlns:r="http://schemas.openxmlformats.org/officeDocument/2006/relationships" xmlns:p="http://schemas.openxmlformats.org/presentationml/2006/main">
   <p:cSld>
     <p:spTree>
@@ -5528,17 +5285,61 @@
           </a:xfrm>
         </p:spPr>
         <p:txBody>
-          <a:bodyPr/>
+          <a:bodyPr>
+            <a:normAutofit lnSpcReduction="10000"/>
+          </a:bodyPr>
           <a:lstStyle/>
           <a:p>
             <a:r>
-              <a:rPr lang="en-IN" b="1" dirty="0"/>
-              <a:t>Topics to cover</a:t>
-            </a:r>
-          </a:p>
-          <a:p>
-            <a:r>
-              <a:rPr lang="en-IN" sz="1800" b="0" dirty="0">
+              <a:rPr lang="en-IN" sz="1800" dirty="0" err="1"/>
+              <a:t>Packages.yml</a:t>
+            </a:r>
+            <a:endParaRPr lang="en-IN" sz="1800" dirty="0"/>
+          </a:p>
+          <a:p>
+            <a:r>
+              <a:rPr lang="en-IN" sz="1800" dirty="0"/>
+              <a:t>Install using </a:t>
+            </a:r>
+            <a:r>
+              <a:rPr lang="en-IN" sz="1800" dirty="0" err="1"/>
+              <a:t>dbt</a:t>
+            </a:r>
+            <a:r>
+              <a:rPr lang="en-IN" sz="1800" dirty="0"/>
+              <a:t> deps</a:t>
+            </a:r>
+          </a:p>
+          <a:p>
+            <a:endParaRPr lang="en-IN" sz="1800" dirty="0"/>
+          </a:p>
+          <a:p>
+            <a:r>
+              <a:rPr lang="en-IN" sz="1800" dirty="0">
+                <a:hlinkClick r:id="rId2"/>
+              </a:rPr>
+              <a:t>https://hub.getdbt.com/</a:t>
+            </a:r>
+            <a:r>
+              <a:rPr lang="en-IN" sz="1800" dirty="0"/>
+              <a:t> </a:t>
+            </a:r>
+          </a:p>
+          <a:p>
+            <a:pPr marL="0" indent="0">
+              <a:buNone/>
+            </a:pPr>
+            <a:r>
+              <a:rPr lang="en-IN" sz="1800" dirty="0"/>
+              <a:t>Ex: </a:t>
+            </a:r>
+          </a:p>
+          <a:p>
+            <a:pPr marL="0" indent="0">
+              <a:buNone/>
+            </a:pPr>
+            <a:r>
+              <a:rPr lang="fr-FR" sz="1800" b="0" dirty="0">
                 <a:solidFill>
                   <a:srgbClr val="008080"/>
                 </a:solidFill>
@@ -5548,7 +5349,7 @@
               <a:t>packages</a:t>
             </a:r>
             <a:r>
-              <a:rPr lang="en-IN" sz="1800" b="0" dirty="0">
+              <a:rPr lang="fr-FR" sz="1800" b="0" dirty="0">
                 <a:solidFill>
                   <a:srgbClr val="000000"/>
                 </a:solidFill>
@@ -5559,6 +5360,290 @@
             </a:r>
           </a:p>
           <a:p>
+            <a:pPr marL="0" indent="0">
+              <a:buNone/>
+            </a:pPr>
+            <a:r>
+              <a:rPr lang="fr-FR" sz="1800" b="0" dirty="0">
+                <a:solidFill>
+                  <a:srgbClr val="000000"/>
+                </a:solidFill>
+                <a:effectLst/>
+                <a:latin typeface="Consolas" panose="020B0609020204030204" pitchFamily="49" charset="0"/>
+              </a:rPr>
+              <a:t>  - </a:t>
+            </a:r>
+            <a:r>
+              <a:rPr lang="fr-FR" sz="1800" b="0" dirty="0">
+                <a:solidFill>
+                  <a:srgbClr val="008080"/>
+                </a:solidFill>
+                <a:effectLst/>
+                <a:latin typeface="Consolas" panose="020B0609020204030204" pitchFamily="49" charset="0"/>
+              </a:rPr>
+              <a:t>package</a:t>
+            </a:r>
+            <a:r>
+              <a:rPr lang="fr-FR" sz="1800" b="0" dirty="0">
+                <a:solidFill>
+                  <a:srgbClr val="000000"/>
+                </a:solidFill>
+                <a:effectLst/>
+                <a:latin typeface="Consolas" panose="020B0609020204030204" pitchFamily="49" charset="0"/>
+              </a:rPr>
+              <a:t>: </a:t>
+            </a:r>
+            <a:r>
+              <a:rPr lang="fr-FR" sz="1800" b="0" dirty="0" err="1">
+                <a:solidFill>
+                  <a:srgbClr val="0451A5"/>
+                </a:solidFill>
+                <a:effectLst/>
+                <a:latin typeface="Consolas" panose="020B0609020204030204" pitchFamily="49" charset="0"/>
+              </a:rPr>
+              <a:t>dbt-labs</a:t>
+            </a:r>
+            <a:r>
+              <a:rPr lang="fr-FR" sz="1800" b="0" dirty="0">
+                <a:solidFill>
+                  <a:srgbClr val="0451A5"/>
+                </a:solidFill>
+                <a:effectLst/>
+                <a:latin typeface="Consolas" panose="020B0609020204030204" pitchFamily="49" charset="0"/>
+              </a:rPr>
+              <a:t>/</a:t>
+            </a:r>
+            <a:r>
+              <a:rPr lang="fr-FR" sz="1800" b="0" dirty="0" err="1">
+                <a:solidFill>
+                  <a:srgbClr val="0451A5"/>
+                </a:solidFill>
+                <a:effectLst/>
+                <a:latin typeface="Consolas" panose="020B0609020204030204" pitchFamily="49" charset="0"/>
+              </a:rPr>
+              <a:t>dbt_utils</a:t>
+            </a:r>
+            <a:endParaRPr lang="fr-FR" sz="1800" b="0" dirty="0">
+              <a:solidFill>
+                <a:srgbClr val="000000"/>
+              </a:solidFill>
+              <a:effectLst/>
+              <a:latin typeface="Consolas" panose="020B0609020204030204" pitchFamily="49" charset="0"/>
+            </a:endParaRPr>
+          </a:p>
+          <a:p>
+            <a:pPr marL="0" indent="0">
+              <a:buNone/>
+            </a:pPr>
+            <a:r>
+              <a:rPr lang="fr-FR" sz="1800" b="0" dirty="0">
+                <a:solidFill>
+                  <a:srgbClr val="000000"/>
+                </a:solidFill>
+                <a:effectLst/>
+                <a:latin typeface="Consolas" panose="020B0609020204030204" pitchFamily="49" charset="0"/>
+              </a:rPr>
+              <a:t>    </a:t>
+            </a:r>
+            <a:r>
+              <a:rPr lang="fr-FR" sz="1800" b="0" dirty="0">
+                <a:solidFill>
+                  <a:srgbClr val="008080"/>
+                </a:solidFill>
+                <a:effectLst/>
+                <a:latin typeface="Consolas" panose="020B0609020204030204" pitchFamily="49" charset="0"/>
+              </a:rPr>
+              <a:t>version</a:t>
+            </a:r>
+            <a:r>
+              <a:rPr lang="fr-FR" sz="1800" b="0" dirty="0">
+                <a:solidFill>
+                  <a:srgbClr val="000000"/>
+                </a:solidFill>
+                <a:effectLst/>
+                <a:latin typeface="Consolas" panose="020B0609020204030204" pitchFamily="49" charset="0"/>
+              </a:rPr>
+              <a:t>: </a:t>
+            </a:r>
+            <a:r>
+              <a:rPr lang="fr-FR" sz="1800" b="0" dirty="0">
+                <a:solidFill>
+                  <a:srgbClr val="0451A5"/>
+                </a:solidFill>
+                <a:effectLst/>
+                <a:latin typeface="Consolas" panose="020B0609020204030204" pitchFamily="49" charset="0"/>
+              </a:rPr>
+              <a:t>1.1.0</a:t>
+            </a:r>
+            <a:endParaRPr lang="fr-FR" sz="1800" b="0" dirty="0">
+              <a:solidFill>
+                <a:srgbClr val="000000"/>
+              </a:solidFill>
+              <a:effectLst/>
+              <a:latin typeface="Consolas" panose="020B0609020204030204" pitchFamily="49" charset="0"/>
+            </a:endParaRPr>
+          </a:p>
+          <a:p>
+            <a:pPr marL="0" indent="0">
+              <a:buNone/>
+            </a:pPr>
+            <a:r>
+              <a:rPr lang="fr-FR" sz="1800" b="0" dirty="0">
+                <a:solidFill>
+                  <a:srgbClr val="000000"/>
+                </a:solidFill>
+                <a:effectLst/>
+                <a:latin typeface="Consolas" panose="020B0609020204030204" pitchFamily="49" charset="0"/>
+              </a:rPr>
+              <a:t>  - </a:t>
+            </a:r>
+            <a:r>
+              <a:rPr lang="fr-FR" sz="1800" b="0" dirty="0">
+                <a:solidFill>
+                  <a:srgbClr val="008080"/>
+                </a:solidFill>
+                <a:effectLst/>
+                <a:latin typeface="Consolas" panose="020B0609020204030204" pitchFamily="49" charset="0"/>
+              </a:rPr>
+              <a:t>git</a:t>
+            </a:r>
+            <a:r>
+              <a:rPr lang="fr-FR" sz="1800" b="0" dirty="0">
+                <a:solidFill>
+                  <a:srgbClr val="000000"/>
+                </a:solidFill>
+                <a:effectLst/>
+                <a:latin typeface="Consolas" panose="020B0609020204030204" pitchFamily="49" charset="0"/>
+              </a:rPr>
+              <a:t>: </a:t>
+            </a:r>
+            <a:r>
+              <a:rPr lang="fr-FR" sz="1800" b="0" dirty="0">
+                <a:solidFill>
+                  <a:srgbClr val="0451A5"/>
+                </a:solidFill>
+                <a:effectLst/>
+                <a:latin typeface="Consolas" panose="020B0609020204030204" pitchFamily="49" charset="0"/>
+              </a:rPr>
+              <a:t>"https://github.com/</a:t>
+            </a:r>
+            <a:r>
+              <a:rPr lang="fr-FR" sz="1800" b="0" dirty="0" err="1">
+                <a:solidFill>
+                  <a:srgbClr val="0451A5"/>
+                </a:solidFill>
+                <a:effectLst/>
+                <a:latin typeface="Consolas" panose="020B0609020204030204" pitchFamily="49" charset="0"/>
+              </a:rPr>
+              <a:t>EqualExperts</a:t>
+            </a:r>
+            <a:r>
+              <a:rPr lang="fr-FR" sz="1800" b="0" dirty="0">
+                <a:solidFill>
+                  <a:srgbClr val="0451A5"/>
+                </a:solidFill>
+                <a:effectLst/>
+                <a:latin typeface="Consolas" panose="020B0609020204030204" pitchFamily="49" charset="0"/>
+              </a:rPr>
+              <a:t>/</a:t>
+            </a:r>
+            <a:r>
+              <a:rPr lang="fr-FR" sz="1800" b="0" dirty="0" err="1">
+                <a:solidFill>
+                  <a:srgbClr val="0451A5"/>
+                </a:solidFill>
+                <a:effectLst/>
+                <a:latin typeface="Consolas" panose="020B0609020204030204" pitchFamily="49" charset="0"/>
+              </a:rPr>
+              <a:t>dbt</a:t>
+            </a:r>
+            <a:r>
+              <a:rPr lang="fr-FR" sz="1800" b="0" dirty="0">
+                <a:solidFill>
+                  <a:srgbClr val="0451A5"/>
+                </a:solidFill>
+                <a:effectLst/>
+                <a:latin typeface="Consolas" panose="020B0609020204030204" pitchFamily="49" charset="0"/>
+              </a:rPr>
+              <a:t>-unit-</a:t>
+            </a:r>
+            <a:r>
+              <a:rPr lang="fr-FR" sz="1800" b="0" dirty="0" err="1">
+                <a:solidFill>
+                  <a:srgbClr val="0451A5"/>
+                </a:solidFill>
+                <a:effectLst/>
+                <a:latin typeface="Consolas" panose="020B0609020204030204" pitchFamily="49" charset="0"/>
+              </a:rPr>
+              <a:t>testing</a:t>
+            </a:r>
+            <a:r>
+              <a:rPr lang="fr-FR" sz="1800" b="0" dirty="0">
+                <a:solidFill>
+                  <a:srgbClr val="0451A5"/>
+                </a:solidFill>
+                <a:effectLst/>
+                <a:latin typeface="Consolas" panose="020B0609020204030204" pitchFamily="49" charset="0"/>
+              </a:rPr>
+              <a:t>"</a:t>
+            </a:r>
+            <a:endParaRPr lang="fr-FR" sz="1800" b="0" dirty="0">
+              <a:solidFill>
+                <a:srgbClr val="000000"/>
+              </a:solidFill>
+              <a:effectLst/>
+              <a:latin typeface="Consolas" panose="020B0609020204030204" pitchFamily="49" charset="0"/>
+            </a:endParaRPr>
+          </a:p>
+          <a:p>
+            <a:pPr marL="0" indent="0">
+              <a:buNone/>
+            </a:pPr>
+            <a:r>
+              <a:rPr lang="fr-FR" sz="1800" b="0" dirty="0">
+                <a:solidFill>
+                  <a:srgbClr val="000000"/>
+                </a:solidFill>
+                <a:effectLst/>
+                <a:latin typeface="Consolas" panose="020B0609020204030204" pitchFamily="49" charset="0"/>
+              </a:rPr>
+              <a:t>    </a:t>
+            </a:r>
+            <a:r>
+              <a:rPr lang="fr-FR" sz="1800" b="0" dirty="0" err="1">
+                <a:solidFill>
+                  <a:srgbClr val="008080"/>
+                </a:solidFill>
+                <a:effectLst/>
+                <a:latin typeface="Consolas" panose="020B0609020204030204" pitchFamily="49" charset="0"/>
+              </a:rPr>
+              <a:t>revision</a:t>
+            </a:r>
+            <a:r>
+              <a:rPr lang="fr-FR" sz="1800" b="0" dirty="0">
+                <a:solidFill>
+                  <a:srgbClr val="000000"/>
+                </a:solidFill>
+                <a:effectLst/>
+                <a:latin typeface="Consolas" panose="020B0609020204030204" pitchFamily="49" charset="0"/>
+              </a:rPr>
+              <a:t>: </a:t>
+            </a:r>
+            <a:r>
+              <a:rPr lang="fr-FR" sz="1800" b="0" dirty="0">
+                <a:solidFill>
+                  <a:srgbClr val="0451A5"/>
+                </a:solidFill>
+                <a:effectLst/>
+                <a:latin typeface="Consolas" panose="020B0609020204030204" pitchFamily="49" charset="0"/>
+              </a:rPr>
+              <a:t>v0.2.6</a:t>
+            </a:r>
+          </a:p>
+          <a:p>
+            <a:pPr marL="0" indent="0">
+              <a:buNone/>
+            </a:pPr>
             <a:r>
               <a:rPr lang="en-IN" sz="1800" b="0" dirty="0">
                 <a:solidFill>
@@ -5628,6 +5713,9 @@
             </a:endParaRPr>
           </a:p>
           <a:p>
+            <a:pPr marL="0" indent="0">
+              <a:buNone/>
+            </a:pPr>
             <a:r>
               <a:rPr lang="en-IN" sz="1800" b="0" dirty="0">
                 <a:solidFill>
@@ -5700,15 +5788,9 @@
             </a:r>
           </a:p>
           <a:p>
-            <a:br>
-              <a:rPr lang="en-IN" sz="1800" b="0" dirty="0">
-                <a:solidFill>
-                  <a:srgbClr val="000000"/>
-                </a:solidFill>
-                <a:effectLst/>
-                <a:latin typeface="Consolas" panose="020B0609020204030204" pitchFamily="49" charset="0"/>
-              </a:rPr>
-            </a:br>
+            <a:pPr marL="0" indent="0">
+              <a:buNone/>
+            </a:pPr>
             <a:r>
               <a:rPr lang="en-IN" sz="1800" b="0" dirty="0">
                 <a:solidFill>
@@ -5778,6 +5860,9 @@
             </a:endParaRPr>
           </a:p>
           <a:p>
+            <a:pPr marL="0" indent="0">
+              <a:buNone/>
+            </a:pPr>
             <a:r>
               <a:rPr lang="en-IN" sz="1800" b="0" dirty="0">
                 <a:solidFill>
@@ -5818,6 +5903,20 @@
               </a:rPr>
               <a:t>0.9.0</a:t>
             </a:r>
+          </a:p>
+          <a:p>
+            <a:pPr marL="0" indent="0">
+              <a:buNone/>
+            </a:pPr>
+            <a:endParaRPr lang="fr-FR" sz="1800" b="0" dirty="0">
+              <a:solidFill>
+                <a:srgbClr val="000000"/>
+              </a:solidFill>
+              <a:effectLst/>
+              <a:latin typeface="Consolas" panose="020B0609020204030204" pitchFamily="49" charset="0"/>
+            </a:endParaRPr>
+          </a:p>
+          <a:p>
             <a:endParaRPr lang="en-IN" sz="1800" b="0" dirty="0">
               <a:solidFill>
                 <a:srgbClr val="000000"/>
@@ -5844,7 +5943,7 @@
 </p:sld>
 </file>
 
-<file path=ppt/slides/slide18.xml><?xml version="1.0" encoding="utf-8"?>
+<file path=ppt/slides/slide17.xml><?xml version="1.0" encoding="utf-8"?>
 <p:sld xmlns:a="http://schemas.openxmlformats.org/drawingml/2006/main" xmlns:r="http://schemas.openxmlformats.org/officeDocument/2006/relationships" xmlns:p="http://schemas.openxmlformats.org/presentationml/2006/main">
   <p:cSld>
     <p:spTree>
@@ -6018,7 +6117,7 @@
 </p:sld>
 </file>
 
-<file path=ppt/slides/slide19.xml><?xml version="1.0" encoding="utf-8"?>
+<file path=ppt/slides/slide18.xml><?xml version="1.0" encoding="utf-8"?>
 <p:sld xmlns:a="http://schemas.openxmlformats.org/drawingml/2006/main" xmlns:r="http://schemas.openxmlformats.org/officeDocument/2006/relationships" xmlns:p="http://schemas.openxmlformats.org/presentationml/2006/main">
   <p:cSld>
     <p:spTree>
@@ -6181,6 +6280,140 @@
 </p:sld>
 </file>
 
+<file path=ppt/slides/slide19.xml><?xml version="1.0" encoding="utf-8"?>
+<p:sld xmlns:a="http://schemas.openxmlformats.org/drawingml/2006/main" xmlns:r="http://schemas.openxmlformats.org/officeDocument/2006/relationships" xmlns:p="http://schemas.openxmlformats.org/presentationml/2006/main">
+  <p:cSld>
+    <p:spTree>
+      <p:nvGrpSpPr>
+        <p:cNvPr id="1" name=""/>
+        <p:cNvGrpSpPr/>
+        <p:nvPr/>
+      </p:nvGrpSpPr>
+      <p:grpSpPr>
+        <a:xfrm>
+          <a:off x="0" y="0"/>
+          <a:ext cx="0" cy="0"/>
+          <a:chOff x="0" y="0"/>
+          <a:chExt cx="0" cy="0"/>
+        </a:xfrm>
+      </p:grpSpPr>
+      <p:sp>
+        <p:nvSpPr>
+          <p:cNvPr id="2" name="Title 1">
+            <a:extLst>
+              <a:ext uri="{FF2B5EF4-FFF2-40B4-BE49-F238E27FC236}">
+                <a16:creationId xmlns:a16="http://schemas.microsoft.com/office/drawing/2014/main" id="{A1438846-E022-173F-48CA-682518AA9CEA}"/>
+              </a:ext>
+            </a:extLst>
+          </p:cNvPr>
+          <p:cNvSpPr>
+            <a:spLocks noGrp="1"/>
+          </p:cNvSpPr>
+          <p:nvPr>
+            <p:ph type="title"/>
+          </p:nvPr>
+        </p:nvSpPr>
+        <p:spPr/>
+        <p:txBody>
+          <a:bodyPr/>
+          <a:lstStyle/>
+          <a:p>
+            <a:r>
+              <a:rPr lang="en-IN" dirty="0"/>
+              <a:t>Macros</a:t>
+            </a:r>
+          </a:p>
+        </p:txBody>
+      </p:sp>
+      <p:sp>
+        <p:nvSpPr>
+          <p:cNvPr id="3" name="Content Placeholder 2">
+            <a:extLst>
+              <a:ext uri="{FF2B5EF4-FFF2-40B4-BE49-F238E27FC236}">
+                <a16:creationId xmlns:a16="http://schemas.microsoft.com/office/drawing/2014/main" id="{C62BC4AB-36DF-323F-FD54-9851E7CE2D92}"/>
+              </a:ext>
+            </a:extLst>
+          </p:cNvPr>
+          <p:cNvSpPr>
+            <a:spLocks noGrp="1"/>
+          </p:cNvSpPr>
+          <p:nvPr>
+            <p:ph idx="1"/>
+          </p:nvPr>
+        </p:nvSpPr>
+        <p:spPr/>
+        <p:txBody>
+          <a:bodyPr>
+            <a:normAutofit lnSpcReduction="10000"/>
+          </a:bodyPr>
+          <a:lstStyle/>
+          <a:p>
+            <a:pPr algn="l"/>
+            <a:r>
+              <a:rPr lang="en-IN" b="1" i="0" dirty="0">
+                <a:solidFill>
+                  <a:srgbClr val="36394D"/>
+                </a:solidFill>
+                <a:effectLst/>
+                <a:latin typeface="Source Sans Pro" panose="020B0503030403020204" pitchFamily="34" charset="0"/>
+              </a:rPr>
+              <a:t>Macros</a:t>
+            </a:r>
+            <a:r>
+              <a:rPr lang="en-IN" b="0" i="0" dirty="0">
+                <a:solidFill>
+                  <a:srgbClr val="36394D"/>
+                </a:solidFill>
+                <a:effectLst/>
+                <a:latin typeface="Source Sans Pro" panose="020B0503030403020204" pitchFamily="34" charset="0"/>
+              </a:rPr>
+              <a:t> are functions that are written in Jinja. This allows us to write generic logic once, and then reference that logic throughout our project.</a:t>
+            </a:r>
+          </a:p>
+          <a:p>
+            <a:pPr algn="l"/>
+            <a:r>
+              <a:rPr lang="en-IN" b="0" i="0" dirty="0">
+                <a:solidFill>
+                  <a:srgbClr val="36394D"/>
+                </a:solidFill>
+                <a:effectLst/>
+                <a:latin typeface="Source Sans Pro" panose="020B0503030403020204" pitchFamily="34" charset="0"/>
+              </a:rPr>
+              <a:t>Consider the case where we have three models that use the same logic. We could copy paste the logic between those three models. If we want to change that logic, we need to make the change in three different places.</a:t>
+            </a:r>
+          </a:p>
+          <a:p>
+            <a:pPr algn="l"/>
+            <a:r>
+              <a:rPr lang="en-IN" b="0" i="0" dirty="0">
+                <a:solidFill>
+                  <a:srgbClr val="36394D"/>
+                </a:solidFill>
+                <a:effectLst/>
+                <a:latin typeface="Source Sans Pro" panose="020B0503030403020204" pitchFamily="34" charset="0"/>
+              </a:rPr>
+              <a:t>Macros allow us to write that logic once in one place and then reference that logic in those three models. If we want to change the logic, we make that change in the definition of the macro and this is automatically used in those three models.</a:t>
+            </a:r>
+          </a:p>
+          <a:p>
+            <a:endParaRPr lang="en-IN" dirty="0"/>
+          </a:p>
+        </p:txBody>
+      </p:sp>
+    </p:spTree>
+    <p:extLst>
+      <p:ext uri="{BB962C8B-B14F-4D97-AF65-F5344CB8AC3E}">
+        <p14:creationId xmlns:p14="http://schemas.microsoft.com/office/powerpoint/2010/main" val="996765958"/>
+      </p:ext>
+    </p:extLst>
+  </p:cSld>
+  <p:clrMapOvr>
+    <a:masterClrMapping/>
+  </p:clrMapOvr>
+</p:sld>
+</file>
+
 <file path=ppt/slides/slide2.xml><?xml version="1.0" encoding="utf-8"?>
 <p:sld xmlns:a="http://schemas.openxmlformats.org/drawingml/2006/main" xmlns:r="http://schemas.openxmlformats.org/officeDocument/2006/relationships" xmlns:p="http://schemas.openxmlformats.org/presentationml/2006/main">
   <p:cSld>
@@ -6306,7 +6539,7 @@
           <p:cNvPr id="2" name="Title 1">
             <a:extLst>
               <a:ext uri="{FF2B5EF4-FFF2-40B4-BE49-F238E27FC236}">
-                <a16:creationId xmlns:a16="http://schemas.microsoft.com/office/drawing/2014/main" id="{A1438846-E022-173F-48CA-682518AA9CEA}"/>
+                <a16:creationId xmlns:a16="http://schemas.microsoft.com/office/drawing/2014/main" id="{26DF278D-B89C-369A-3E76-C4A50C75CC2A}"/>
               </a:ext>
             </a:extLst>
           </p:cNvPr>
@@ -6317,98 +6550,187 @@
             <p:ph type="title"/>
           </p:nvPr>
         </p:nvSpPr>
-        <p:spPr/>
+        <p:spPr>
+          <a:xfrm>
+            <a:off x="838200" y="253999"/>
+            <a:ext cx="10382250" cy="854075"/>
+          </a:xfrm>
+        </p:spPr>
         <p:txBody>
           <a:bodyPr/>
           <a:lstStyle/>
           <a:p>
             <a:r>
+              <a:rPr lang="en-IN" b="1" dirty="0"/>
+              <a:t>Jinja</a:t>
+            </a:r>
+          </a:p>
+        </p:txBody>
+      </p:sp>
+      <p:sp>
+        <p:nvSpPr>
+          <p:cNvPr id="3" name="Content Placeholder 2">
+            <a:extLst>
+              <a:ext uri="{FF2B5EF4-FFF2-40B4-BE49-F238E27FC236}">
+                <a16:creationId xmlns:a16="http://schemas.microsoft.com/office/drawing/2014/main" id="{95B996CD-F53C-8F3E-804F-3F0EAFFB3ADC}"/>
+              </a:ext>
+            </a:extLst>
+          </p:cNvPr>
+          <p:cNvSpPr>
+            <a:spLocks noGrp="1"/>
+          </p:cNvSpPr>
+          <p:nvPr>
+            <p:ph idx="1"/>
+          </p:nvPr>
+        </p:nvSpPr>
+        <p:spPr>
+          <a:xfrm>
+            <a:off x="695325" y="1343025"/>
+            <a:ext cx="10658475" cy="4833938"/>
+          </a:xfrm>
+        </p:spPr>
+        <p:txBody>
+          <a:bodyPr/>
+          <a:lstStyle/>
+          <a:p>
+            <a:r>
+              <a:rPr lang="en-IN" b="0" i="0" dirty="0">
+                <a:solidFill>
+                  <a:srgbClr val="36394D"/>
+                </a:solidFill>
+                <a:effectLst/>
+                <a:latin typeface="Source Sans Pro" panose="020B0503030403020204" pitchFamily="34" charset="0"/>
+              </a:rPr>
+              <a:t>Jinja a templating language written in the python programming language. Jinja is used in </a:t>
+            </a:r>
+            <a:r>
+              <a:rPr lang="en-IN" b="0" i="0" dirty="0" err="1">
+                <a:solidFill>
+                  <a:srgbClr val="36394D"/>
+                </a:solidFill>
+                <a:effectLst/>
+                <a:latin typeface="Source Sans Pro" panose="020B0503030403020204" pitchFamily="34" charset="0"/>
+              </a:rPr>
+              <a:t>dbt</a:t>
+            </a:r>
+            <a:r>
+              <a:rPr lang="en-IN" b="0" i="0" dirty="0">
+                <a:solidFill>
+                  <a:srgbClr val="36394D"/>
+                </a:solidFill>
+                <a:effectLst/>
+                <a:latin typeface="Source Sans Pro" panose="020B0503030403020204" pitchFamily="34" charset="0"/>
+              </a:rPr>
+              <a:t> to write functional SQL.</a:t>
+            </a:r>
+          </a:p>
+          <a:p>
+            <a:r>
+              <a:rPr lang="en-IN" dirty="0">
+                <a:solidFill>
+                  <a:srgbClr val="36394D"/>
+                </a:solidFill>
+                <a:latin typeface="Source Sans Pro" panose="020B0503030403020204" pitchFamily="34" charset="0"/>
+              </a:rPr>
+              <a:t>{{% .. %}} is used for statements.</a:t>
+            </a:r>
+          </a:p>
+          <a:p>
+            <a:r>
+              <a:rPr lang="en-IN" dirty="0">
+                <a:solidFill>
+                  <a:srgbClr val="36394D"/>
+                </a:solidFill>
+                <a:latin typeface="Source Sans Pro" panose="020B0503030403020204" pitchFamily="34" charset="0"/>
+              </a:rPr>
+              <a:t>{{ ….}} is used for expressions.</a:t>
+            </a:r>
+          </a:p>
+          <a:p>
+            <a:r>
+              <a:rPr lang="en-IN" dirty="0">
+                <a:solidFill>
+                  <a:srgbClr val="36394D"/>
+                </a:solidFill>
+                <a:latin typeface="Source Sans Pro" panose="020B0503030403020204" pitchFamily="34" charset="0"/>
+              </a:rPr>
+              <a:t>{{# .. #} is used for comments</a:t>
+            </a:r>
+            <a:endParaRPr lang="en-IN" dirty="0"/>
+          </a:p>
+          <a:p>
+            <a:endParaRPr lang="en-IN" dirty="0"/>
+          </a:p>
+          <a:p>
+            <a:pPr algn="l"/>
+            <a:r>
               <a:rPr lang="en-IN" dirty="0"/>
-              <a:t>Macros</a:t>
-            </a:r>
-          </a:p>
-        </p:txBody>
-      </p:sp>
-      <p:sp>
-        <p:nvSpPr>
-          <p:cNvPr id="3" name="Content Placeholder 2">
-            <a:extLst>
-              <a:ext uri="{FF2B5EF4-FFF2-40B4-BE49-F238E27FC236}">
-                <a16:creationId xmlns:a16="http://schemas.microsoft.com/office/drawing/2014/main" id="{C62BC4AB-36DF-323F-FD54-9851E7CE2D92}"/>
-              </a:ext>
-            </a:extLst>
-          </p:cNvPr>
-          <p:cNvSpPr>
-            <a:spLocks noGrp="1"/>
-          </p:cNvSpPr>
-          <p:nvPr>
-            <p:ph idx="1"/>
-          </p:nvPr>
-        </p:nvSpPr>
-        <p:spPr/>
-        <p:txBody>
-          <a:bodyPr>
-            <a:normAutofit lnSpcReduction="10000"/>
-          </a:bodyPr>
-          <a:lstStyle/>
+              <a:t>Link to Jinja: </a:t>
+            </a:r>
+            <a:r>
+              <a:rPr lang="en-IN" b="0" i="0" dirty="0">
+                <a:solidFill>
+                  <a:srgbClr val="36394D"/>
+                </a:solidFill>
+                <a:effectLst/>
+                <a:latin typeface="Source Sans Pro" panose="020B0503030403020204" pitchFamily="34" charset="0"/>
+                <a:hlinkClick r:id="rId2"/>
+              </a:rPr>
+              <a:t>Jinja Template Designer Documentation</a:t>
+            </a:r>
+            <a:endParaRPr lang="en-IN" b="0" i="0" dirty="0">
+              <a:solidFill>
+                <a:srgbClr val="36394D"/>
+              </a:solidFill>
+              <a:effectLst/>
+              <a:latin typeface="Source Sans Pro" panose="020B0503030403020204" pitchFamily="34" charset="0"/>
+            </a:endParaRPr>
+          </a:p>
+          <a:p>
+            <a:r>
+              <a:rPr lang="en-IN" dirty="0">
+                <a:solidFill>
+                  <a:srgbClr val="36394D"/>
+                </a:solidFill>
+                <a:latin typeface="Source Sans Pro" panose="020B0503030403020204" pitchFamily="34" charset="0"/>
+              </a:rPr>
+              <a:t>Jinja Practice: </a:t>
+            </a:r>
+            <a:r>
+              <a:rPr lang="en-IN" b="0" i="0" dirty="0">
+                <a:solidFill>
+                  <a:srgbClr val="36394D"/>
+                </a:solidFill>
+                <a:effectLst/>
+                <a:latin typeface="Source Sans Pro" panose="020B0503030403020204" pitchFamily="34" charset="0"/>
+                <a:hlinkClick r:id="rId3"/>
+              </a:rPr>
+              <a:t>Jinja Live Parser</a:t>
+            </a:r>
+            <a:endParaRPr lang="en-IN" b="0" i="0" dirty="0">
+              <a:solidFill>
+                <a:srgbClr val="36394D"/>
+              </a:solidFill>
+              <a:effectLst/>
+              <a:latin typeface="Source Sans Pro" panose="020B0503030403020204" pitchFamily="34" charset="0"/>
+            </a:endParaRPr>
+          </a:p>
           <a:p>
             <a:pPr algn="l"/>
-            <a:r>
-              <a:rPr lang="en-IN" b="1" i="0" dirty="0">
-                <a:solidFill>
-                  <a:srgbClr val="36394D"/>
-                </a:solidFill>
-                <a:effectLst/>
-                <a:latin typeface="Source Sans Pro" panose="020B0503030403020204" pitchFamily="34" charset="0"/>
-              </a:rPr>
-              <a:t>Macros</a:t>
-            </a:r>
-            <a:r>
-              <a:rPr lang="en-IN" b="0" i="0" dirty="0">
-                <a:solidFill>
-                  <a:srgbClr val="36394D"/>
-                </a:solidFill>
-                <a:effectLst/>
-                <a:latin typeface="Source Sans Pro" panose="020B0503030403020204" pitchFamily="34" charset="0"/>
-              </a:rPr>
-              <a:t> are functions that are written in Jinja. This allows us to write generic logic once, and then reference that logic throughout our project.</a:t>
-            </a:r>
-          </a:p>
-          <a:p>
-            <a:pPr algn="l"/>
-            <a:r>
-              <a:rPr lang="en-IN" b="0" i="0" dirty="0">
-                <a:solidFill>
-                  <a:srgbClr val="36394D"/>
-                </a:solidFill>
-                <a:effectLst/>
-                <a:latin typeface="Source Sans Pro" panose="020B0503030403020204" pitchFamily="34" charset="0"/>
-              </a:rPr>
-              <a:t>Consider the case where we have three models that use the same logic. We could copy paste the logic between those three models. If we want to change that logic, we need to make the change in three different places.</a:t>
-            </a:r>
-          </a:p>
-          <a:p>
-            <a:pPr algn="l"/>
-            <a:r>
-              <a:rPr lang="en-IN" b="0" i="0" dirty="0">
-                <a:solidFill>
-                  <a:srgbClr val="36394D"/>
-                </a:solidFill>
-                <a:effectLst/>
-                <a:latin typeface="Source Sans Pro" panose="020B0503030403020204" pitchFamily="34" charset="0"/>
-              </a:rPr>
-              <a:t>Macros allow us to write that logic once in one place and then reference that logic in those three models. If we want to change the logic, we make that change in the definition of the macro and this is automatically used in those three models.</a:t>
-            </a:r>
-          </a:p>
-          <a:p>
-            <a:endParaRPr lang="en-IN" dirty="0"/>
+            <a:endParaRPr lang="en-IN" b="0" i="0" dirty="0">
+              <a:solidFill>
+                <a:srgbClr val="36394D"/>
+              </a:solidFill>
+              <a:effectLst/>
+              <a:latin typeface="Source Sans Pro" panose="020B0503030403020204" pitchFamily="34" charset="0"/>
+            </a:endParaRPr>
           </a:p>
         </p:txBody>
       </p:sp>
     </p:spTree>
     <p:extLst>
       <p:ext uri="{BB962C8B-B14F-4D97-AF65-F5344CB8AC3E}">
-        <p14:creationId xmlns:p14="http://schemas.microsoft.com/office/powerpoint/2010/main" val="996765958"/>
+        <p14:creationId xmlns:p14="http://schemas.microsoft.com/office/powerpoint/2010/main" val="1015658230"/>
       </p:ext>
     </p:extLst>
   </p:cSld>
@@ -6440,7 +6762,7 @@
           <p:cNvPr id="2" name="Title 1">
             <a:extLst>
               <a:ext uri="{FF2B5EF4-FFF2-40B4-BE49-F238E27FC236}">
-                <a16:creationId xmlns:a16="http://schemas.microsoft.com/office/drawing/2014/main" id="{26DF278D-B89C-369A-3E76-C4A50C75CC2A}"/>
+                <a16:creationId xmlns:a16="http://schemas.microsoft.com/office/drawing/2014/main" id="{9A845A29-CDFF-D26D-069D-F4FC5B220F05}"/>
               </a:ext>
             </a:extLst>
           </p:cNvPr>
@@ -6451,20 +6773,20 @@
             <p:ph type="title"/>
           </p:nvPr>
         </p:nvSpPr>
-        <p:spPr>
-          <a:xfrm>
-            <a:off x="838200" y="253999"/>
-            <a:ext cx="10382250" cy="854075"/>
-          </a:xfrm>
-        </p:spPr>
+        <p:spPr/>
         <p:txBody>
           <a:bodyPr/>
           <a:lstStyle/>
           <a:p>
             <a:r>
-              <a:rPr lang="en-IN" b="1" dirty="0"/>
-              <a:t>Jinja</a:t>
-            </a:r>
+              <a:rPr lang="en-US" b="1" u="sng" dirty="0" err="1"/>
+              <a:t>Github</a:t>
+            </a:r>
+            <a:r>
+              <a:rPr lang="en-US" b="1" u="sng" dirty="0"/>
+              <a:t> Actions</a:t>
+            </a:r>
+            <a:endParaRPr lang="en-IN" b="1" u="sng" dirty="0"/>
           </a:p>
         </p:txBody>
       </p:sp>
@@ -6473,7 +6795,7 @@
           <p:cNvPr id="3" name="Content Placeholder 2">
             <a:extLst>
               <a:ext uri="{FF2B5EF4-FFF2-40B4-BE49-F238E27FC236}">
-                <a16:creationId xmlns:a16="http://schemas.microsoft.com/office/drawing/2014/main" id="{95B996CD-F53C-8F3E-804F-3F0EAFFB3ADC}"/>
+                <a16:creationId xmlns:a16="http://schemas.microsoft.com/office/drawing/2014/main" id="{DC9A9EE1-BC2A-E641-500C-76FE23787B9F}"/>
               </a:ext>
             </a:extLst>
           </p:cNvPr>
@@ -6484,154 +6806,41 @@
             <p:ph idx="1"/>
           </p:nvPr>
         </p:nvSpPr>
-        <p:spPr>
-          <a:xfrm>
-            <a:off x="695325" y="1343025"/>
-            <a:ext cx="10658475" cy="4833938"/>
-          </a:xfrm>
-        </p:spPr>
+        <p:spPr/>
         <p:txBody>
           <a:bodyPr/>
           <a:lstStyle/>
           <a:p>
             <a:r>
-              <a:rPr lang="en-IN" b="0" i="0" dirty="0">
-                <a:solidFill>
-                  <a:srgbClr val="36394D"/>
-                </a:solidFill>
-                <a:effectLst/>
-                <a:latin typeface="Source Sans Pro" panose="020B0503030403020204" pitchFamily="34" charset="0"/>
-              </a:rPr>
-              <a:t>Jinja a templating language written in the python programming language. Jinja is used in </a:t>
-            </a:r>
-            <a:r>
-              <a:rPr lang="en-IN" b="0" i="0" dirty="0" err="1">
-                <a:solidFill>
-                  <a:srgbClr val="36394D"/>
-                </a:solidFill>
-                <a:effectLst/>
-                <a:latin typeface="Source Sans Pro" panose="020B0503030403020204" pitchFamily="34" charset="0"/>
-              </a:rPr>
-              <a:t>dbt</a:t>
-            </a:r>
-            <a:r>
-              <a:rPr lang="en-IN" b="0" i="0" dirty="0">
-                <a:solidFill>
-                  <a:srgbClr val="36394D"/>
-                </a:solidFill>
-                <a:effectLst/>
-                <a:latin typeface="Source Sans Pro" panose="020B0503030403020204" pitchFamily="34" charset="0"/>
-              </a:rPr>
-              <a:t> to write functional SQL.</a:t>
-            </a:r>
-          </a:p>
-          <a:p>
-            <a:r>
-              <a:rPr lang="en-IN" dirty="0">
-                <a:solidFill>
-                  <a:srgbClr val="36394D"/>
-                </a:solidFill>
-                <a:latin typeface="Source Sans Pro" panose="020B0503030403020204" pitchFamily="34" charset="0"/>
-              </a:rPr>
-              <a:t>{{% .. %}} is used for statements.</a:t>
-            </a:r>
-          </a:p>
-          <a:p>
-            <a:r>
-              <a:rPr lang="en-IN" dirty="0">
-                <a:solidFill>
-                  <a:srgbClr val="36394D"/>
-                </a:solidFill>
-                <a:latin typeface="Source Sans Pro" panose="020B0503030403020204" pitchFamily="34" charset="0"/>
-              </a:rPr>
-              <a:t>{{ ….}} is used for expressions.</a:t>
-            </a:r>
-          </a:p>
-          <a:p>
-            <a:r>
-              <a:rPr lang="en-IN" dirty="0">
-                <a:solidFill>
-                  <a:srgbClr val="36394D"/>
-                </a:solidFill>
-                <a:latin typeface="Source Sans Pro" panose="020B0503030403020204" pitchFamily="34" charset="0"/>
-              </a:rPr>
-              <a:t>{{# .. #} is used for comments</a:t>
+              <a:rPr lang="en-US" b="0" i="0" dirty="0">
+                <a:solidFill>
+                  <a:srgbClr val="242424"/>
+                </a:solidFill>
+                <a:effectLst/>
+                <a:latin typeface="source-serif-pro"/>
+              </a:rPr>
+              <a:t>GitHub Actions is a powerful CI/CD pipeline automation tool for automating software development workflows and is fast becoming one of the go-to choices for pipeline orchestration.</a:t>
+            </a:r>
+          </a:p>
+          <a:p>
+            <a:r>
+              <a:rPr lang="en-US" b="0" i="0" dirty="0">
+                <a:solidFill>
+                  <a:srgbClr val="242424"/>
+                </a:solidFill>
+                <a:effectLst/>
+                <a:latin typeface="source-serif-pro"/>
+              </a:rPr>
+              <a:t>GitHub Actions is tightly integrated with the rest of the GitHub ecosystem, making pipelines easier to use and manage. GitHub Actions allows you to create workflows triggered by various events such as commits, pull requests, and releases. This allows you to automate pipelines that are tightly linked to your development process, thus reducing errors and increasing efficiency.</a:t>
             </a:r>
             <a:endParaRPr lang="en-IN" dirty="0"/>
-          </a:p>
-          <a:p>
-            <a:endParaRPr lang="en-IN" dirty="0"/>
-          </a:p>
-          <a:p>
-            <a:pPr algn="l"/>
-            <a:r>
-              <a:rPr lang="en-IN" dirty="0"/>
-              <a:t>Link to Jinja: </a:t>
-            </a:r>
-            <a:r>
-              <a:rPr lang="en-IN" b="0" i="0" dirty="0">
-                <a:solidFill>
-                  <a:srgbClr val="36394D"/>
-                </a:solidFill>
-                <a:effectLst/>
-                <a:latin typeface="Source Sans Pro" panose="020B0503030403020204" pitchFamily="34" charset="0"/>
-                <a:hlinkClick r:id="rId2"/>
-              </a:rPr>
-              <a:t>Jinja Template Designer Documentation</a:t>
-            </a:r>
-            <a:endParaRPr lang="en-IN" b="0" i="0" dirty="0">
-              <a:solidFill>
-                <a:srgbClr val="36394D"/>
-              </a:solidFill>
-              <a:effectLst/>
-              <a:latin typeface="Source Sans Pro" panose="020B0503030403020204" pitchFamily="34" charset="0"/>
-            </a:endParaRPr>
-          </a:p>
-          <a:p>
-            <a:r>
-              <a:rPr lang="en-IN" dirty="0">
-                <a:solidFill>
-                  <a:srgbClr val="36394D"/>
-                </a:solidFill>
-                <a:latin typeface="Source Sans Pro" panose="020B0503030403020204" pitchFamily="34" charset="0"/>
-              </a:rPr>
-              <a:t>Jinja Practice: </a:t>
-            </a:r>
-            <a:r>
-              <a:rPr lang="en-IN" b="0" i="0" dirty="0">
-                <a:solidFill>
-                  <a:srgbClr val="36394D"/>
-                </a:solidFill>
-                <a:effectLst/>
-                <a:latin typeface="Source Sans Pro" panose="020B0503030403020204" pitchFamily="34" charset="0"/>
-                <a:hlinkClick r:id="rId3"/>
-              </a:rPr>
-              <a:t>Jinja Live Parser</a:t>
-            </a:r>
-            <a:endParaRPr lang="en-IN" b="0" i="0" dirty="0">
-              <a:solidFill>
-                <a:srgbClr val="36394D"/>
-              </a:solidFill>
-              <a:effectLst/>
-              <a:latin typeface="Source Sans Pro" panose="020B0503030403020204" pitchFamily="34" charset="0"/>
-            </a:endParaRPr>
-          </a:p>
-          <a:p>
-            <a:pPr algn="l"/>
-            <a:endParaRPr lang="en-IN" b="0" i="0" dirty="0">
-              <a:solidFill>
-                <a:srgbClr val="36394D"/>
-              </a:solidFill>
-              <a:effectLst/>
-              <a:latin typeface="Source Sans Pro" panose="020B0503030403020204" pitchFamily="34" charset="0"/>
-            </a:endParaRPr>
           </a:p>
         </p:txBody>
       </p:sp>
     </p:spTree>
     <p:extLst>
       <p:ext uri="{BB962C8B-B14F-4D97-AF65-F5344CB8AC3E}">
-        <p14:creationId xmlns:p14="http://schemas.microsoft.com/office/powerpoint/2010/main" val="1015658230"/>
+        <p14:creationId xmlns:p14="http://schemas.microsoft.com/office/powerpoint/2010/main" val="3705911144"/>
       </p:ext>
     </p:extLst>
   </p:cSld>
@@ -6663,7 +6872,7 @@
           <p:cNvPr id="2" name="Title 1">
             <a:extLst>
               <a:ext uri="{FF2B5EF4-FFF2-40B4-BE49-F238E27FC236}">
-                <a16:creationId xmlns:a16="http://schemas.microsoft.com/office/drawing/2014/main" id="{EEC5C34B-4FDC-BA6E-17E6-60E510277D07}"/>
+                <a16:creationId xmlns:a16="http://schemas.microsoft.com/office/drawing/2014/main" id="{0C251D05-EA31-48A7-DA9D-3A50E22BC5D6}"/>
               </a:ext>
             </a:extLst>
           </p:cNvPr>
@@ -6672,429 +6881,168 @@
           </p:cNvSpPr>
           <p:nvPr>
             <p:ph type="title"/>
-          </p:nvPr>
-        </p:nvSpPr>
-        <p:spPr/>
-        <p:txBody>
-          <a:bodyPr/>
-          <a:lstStyle/>
-          <a:p>
-            <a:r>
-              <a:rPr lang="en-IN" dirty="0"/>
-              <a:t>Packages</a:t>
-            </a:r>
-          </a:p>
-        </p:txBody>
-      </p:sp>
-      <p:sp>
-        <p:nvSpPr>
-          <p:cNvPr id="3" name="Content Placeholder 2">
-            <a:extLst>
-              <a:ext uri="{FF2B5EF4-FFF2-40B4-BE49-F238E27FC236}">
-                <a16:creationId xmlns:a16="http://schemas.microsoft.com/office/drawing/2014/main" id="{508ED041-2904-F0B3-29B5-6C7CF9EF6C6E}"/>
-              </a:ext>
-            </a:extLst>
-          </p:cNvPr>
-          <p:cNvSpPr>
-            <a:spLocks noGrp="1"/>
-          </p:cNvSpPr>
-          <p:nvPr>
-            <p:ph idx="1"/>
           </p:nvPr>
         </p:nvSpPr>
         <p:spPr>
           <a:xfrm>
-            <a:off x="742950" y="1485900"/>
-            <a:ext cx="10610850" cy="4691063"/>
+            <a:off x="838200" y="365125"/>
+            <a:ext cx="10404107" cy="674403"/>
           </a:xfrm>
         </p:spPr>
         <p:txBody>
           <a:bodyPr>
-            <a:normAutofit fontScale="92500" lnSpcReduction="20000"/>
+            <a:normAutofit/>
           </a:bodyPr>
           <a:lstStyle/>
           <a:p>
             <a:r>
-              <a:rPr lang="en-IN" dirty="0" err="1"/>
-              <a:t>Packages.yml</a:t>
-            </a:r>
+              <a:rPr lang="en-US" sz="3200" b="1" u="sng" dirty="0"/>
+              <a:t>.</a:t>
+            </a:r>
+            <a:r>
+              <a:rPr lang="en-US" sz="3200" b="1" u="sng" dirty="0" err="1"/>
+              <a:t>github</a:t>
+            </a:r>
+            <a:r>
+              <a:rPr lang="en-US" sz="3200" b="1" u="sng" dirty="0"/>
+              <a:t>/workflows/</a:t>
+            </a:r>
+            <a:endParaRPr lang="en-IN" sz="2400" b="1" u="sng" dirty="0"/>
+          </a:p>
+        </p:txBody>
+      </p:sp>
+      <p:sp>
+        <p:nvSpPr>
+          <p:cNvPr id="3" name="Content Placeholder 2">
+            <a:extLst>
+              <a:ext uri="{FF2B5EF4-FFF2-40B4-BE49-F238E27FC236}">
+                <a16:creationId xmlns:a16="http://schemas.microsoft.com/office/drawing/2014/main" id="{E9F17329-F427-8C14-6A81-7B0811AEBC92}"/>
+              </a:ext>
+            </a:extLst>
+          </p:cNvPr>
+          <p:cNvSpPr>
+            <a:spLocks noGrp="1"/>
+          </p:cNvSpPr>
+          <p:nvPr>
+            <p:ph idx="1"/>
+          </p:nvPr>
+        </p:nvSpPr>
+        <p:spPr>
+          <a:xfrm>
+            <a:off x="838200" y="1347537"/>
+            <a:ext cx="10515600" cy="4829426"/>
+          </a:xfrm>
+        </p:spPr>
+        <p:txBody>
+          <a:bodyPr>
+            <a:normAutofit lnSpcReduction="10000"/>
+          </a:bodyPr>
+          <a:lstStyle/>
+          <a:p>
+            <a:r>
+              <a:rPr lang="en-US" dirty="0"/>
+              <a:t>Create a </a:t>
+            </a:r>
+            <a:r>
+              <a:rPr lang="en-US" dirty="0" err="1"/>
+              <a:t>yml</a:t>
+            </a:r>
+            <a:r>
+              <a:rPr lang="en-US" dirty="0"/>
+              <a:t> file that connects with the </a:t>
+            </a:r>
+            <a:r>
+              <a:rPr lang="en-US" dirty="0" err="1"/>
+              <a:t>github</a:t>
+            </a:r>
+            <a:r>
+              <a:rPr lang="en-US" dirty="0"/>
+              <a:t>. This is the actions file that setups the workflow. When to run or on what action to run.</a:t>
+            </a:r>
+          </a:p>
+          <a:p>
             <a:endParaRPr lang="en-IN" dirty="0"/>
           </a:p>
           <a:p>
-            <a:r>
-              <a:rPr lang="en-IN" dirty="0"/>
-              <a:t>Install using </a:t>
-            </a:r>
-            <a:r>
-              <a:rPr lang="en-IN" dirty="0" err="1"/>
-              <a:t>dbt</a:t>
-            </a:r>
-            <a:r>
-              <a:rPr lang="en-IN" dirty="0"/>
-              <a:t> deps</a:t>
-            </a:r>
-          </a:p>
-          <a:p>
             <a:endParaRPr lang="en-IN" dirty="0"/>
           </a:p>
           <a:p>
             <a:r>
-              <a:rPr lang="en-IN" dirty="0">
-                <a:hlinkClick r:id="rId2"/>
-              </a:rPr>
-              <a:t>https://hub.getdbt.com/</a:t>
-            </a:r>
-            <a:endParaRPr lang="en-IN" dirty="0"/>
-          </a:p>
-          <a:p>
-            <a:endParaRPr lang="en-IN" dirty="0"/>
-          </a:p>
-          <a:p>
-            <a:pPr marL="0" indent="0">
-              <a:buNone/>
-            </a:pPr>
-            <a:r>
-              <a:rPr lang="en-IN" sz="2100" dirty="0"/>
-              <a:t>Ex: </a:t>
-            </a:r>
-          </a:p>
-          <a:p>
-            <a:pPr marL="0" indent="0">
-              <a:buNone/>
-            </a:pPr>
-            <a:r>
-              <a:rPr lang="fr-FR" sz="2100" b="0" dirty="0">
-                <a:solidFill>
-                  <a:srgbClr val="008080"/>
-                </a:solidFill>
-                <a:effectLst/>
-                <a:latin typeface="Consolas" panose="020B0609020204030204" pitchFamily="49" charset="0"/>
-              </a:rPr>
-              <a:t>packages</a:t>
-            </a:r>
-            <a:r>
-              <a:rPr lang="fr-FR" sz="2100" b="0" dirty="0">
-                <a:solidFill>
-                  <a:srgbClr val="000000"/>
-                </a:solidFill>
-                <a:effectLst/>
-                <a:latin typeface="Consolas" panose="020B0609020204030204" pitchFamily="49" charset="0"/>
-              </a:rPr>
-              <a:t>:</a:t>
-            </a:r>
-          </a:p>
-          <a:p>
-            <a:pPr marL="0" indent="0">
-              <a:buNone/>
-            </a:pPr>
-            <a:r>
-              <a:rPr lang="fr-FR" sz="2100" b="0" dirty="0">
-                <a:solidFill>
-                  <a:srgbClr val="000000"/>
-                </a:solidFill>
-                <a:effectLst/>
-                <a:latin typeface="Consolas" panose="020B0609020204030204" pitchFamily="49" charset="0"/>
-              </a:rPr>
-              <a:t>  - </a:t>
-            </a:r>
-            <a:r>
-              <a:rPr lang="fr-FR" sz="2100" b="0" dirty="0">
-                <a:solidFill>
-                  <a:srgbClr val="008080"/>
-                </a:solidFill>
-                <a:effectLst/>
-                <a:latin typeface="Consolas" panose="020B0609020204030204" pitchFamily="49" charset="0"/>
-              </a:rPr>
-              <a:t>package</a:t>
-            </a:r>
-            <a:r>
-              <a:rPr lang="fr-FR" sz="2100" b="0" dirty="0">
-                <a:solidFill>
-                  <a:srgbClr val="000000"/>
-                </a:solidFill>
-                <a:effectLst/>
-                <a:latin typeface="Consolas" panose="020B0609020204030204" pitchFamily="49" charset="0"/>
-              </a:rPr>
-              <a:t>: </a:t>
-            </a:r>
-            <a:r>
-              <a:rPr lang="fr-FR" sz="2100" b="0" dirty="0" err="1">
-                <a:solidFill>
-                  <a:srgbClr val="0451A5"/>
-                </a:solidFill>
-                <a:effectLst/>
-                <a:latin typeface="Consolas" panose="020B0609020204030204" pitchFamily="49" charset="0"/>
-              </a:rPr>
-              <a:t>dbt-labs</a:t>
-            </a:r>
-            <a:r>
-              <a:rPr lang="fr-FR" sz="2100" b="0" dirty="0">
-                <a:solidFill>
-                  <a:srgbClr val="0451A5"/>
-                </a:solidFill>
-                <a:effectLst/>
-                <a:latin typeface="Consolas" panose="020B0609020204030204" pitchFamily="49" charset="0"/>
-              </a:rPr>
-              <a:t>/</a:t>
-            </a:r>
-            <a:r>
-              <a:rPr lang="fr-FR" sz="2100" b="0" dirty="0" err="1">
-                <a:solidFill>
-                  <a:srgbClr val="0451A5"/>
-                </a:solidFill>
-                <a:effectLst/>
-                <a:latin typeface="Consolas" panose="020B0609020204030204" pitchFamily="49" charset="0"/>
-              </a:rPr>
-              <a:t>dbt_utils</a:t>
-            </a:r>
-            <a:endParaRPr lang="fr-FR" sz="2100" b="0" dirty="0">
+              <a:rPr lang="en-US" b="0" i="0" dirty="0">
+                <a:solidFill>
+                  <a:srgbClr val="001D35"/>
+                </a:solidFill>
+                <a:effectLst/>
+                <a:latin typeface="Google Sans"/>
+              </a:rPr>
+              <a:t>Continuous integration (CI) is </a:t>
+            </a:r>
+            <a:r>
+              <a:rPr lang="en-US" b="1" i="0" dirty="0">
+                <a:solidFill>
+                  <a:srgbClr val="001D35"/>
+                </a:solidFill>
+                <a:effectLst/>
+                <a:latin typeface="Google Sans"/>
+              </a:rPr>
+              <a:t>a software development practice where developers merge their changes to a shared repository multiple times a day</a:t>
+            </a:r>
+            <a:r>
+              <a:rPr lang="en-US" b="0" i="0" dirty="0">
+                <a:solidFill>
+                  <a:srgbClr val="001D35"/>
+                </a:solidFill>
+                <a:effectLst/>
+                <a:latin typeface="Google Sans"/>
+              </a:rPr>
+              <a:t>.</a:t>
+            </a:r>
+            <a:endParaRPr lang="en-IN" b="0" i="0" dirty="0">
               <a:solidFill>
-                <a:srgbClr val="000000"/>
+                <a:srgbClr val="001D35"/>
               </a:solidFill>
               <a:effectLst/>
-              <a:latin typeface="Consolas" panose="020B0609020204030204" pitchFamily="49" charset="0"/>
+              <a:latin typeface="Google Sans"/>
             </a:endParaRPr>
           </a:p>
           <a:p>
-            <a:pPr marL="0" indent="0">
-              <a:buNone/>
+            <a:pPr algn="l">
+              <a:buFont typeface="Arial" panose="020B0604020202020204" pitchFamily="34" charset="0"/>
+              <a:buChar char="•"/>
             </a:pPr>
             <a:r>
-              <a:rPr lang="fr-FR" sz="2100" b="0" dirty="0">
-                <a:solidFill>
-                  <a:srgbClr val="000000"/>
-                </a:solidFill>
-                <a:effectLst/>
-                <a:latin typeface="Consolas" panose="020B0609020204030204" pitchFamily="49" charset="0"/>
-              </a:rPr>
-              <a:t>    </a:t>
-            </a:r>
-            <a:r>
-              <a:rPr lang="fr-FR" sz="2100" b="0" dirty="0">
-                <a:solidFill>
-                  <a:srgbClr val="008080"/>
-                </a:solidFill>
-                <a:effectLst/>
-                <a:latin typeface="Consolas" panose="020B0609020204030204" pitchFamily="49" charset="0"/>
-              </a:rPr>
-              <a:t>version</a:t>
-            </a:r>
-            <a:r>
-              <a:rPr lang="fr-FR" sz="2100" b="0" dirty="0">
-                <a:solidFill>
-                  <a:srgbClr val="000000"/>
-                </a:solidFill>
-                <a:effectLst/>
-                <a:latin typeface="Consolas" panose="020B0609020204030204" pitchFamily="49" charset="0"/>
-              </a:rPr>
-              <a:t>: </a:t>
-            </a:r>
-            <a:r>
-              <a:rPr lang="fr-FR" sz="2100" b="0" dirty="0">
-                <a:solidFill>
-                  <a:srgbClr val="0451A5"/>
-                </a:solidFill>
-                <a:effectLst/>
-                <a:latin typeface="Consolas" panose="020B0609020204030204" pitchFamily="49" charset="0"/>
-              </a:rPr>
-              <a:t>1.1.0</a:t>
-            </a:r>
-            <a:endParaRPr lang="fr-FR" sz="2100" b="0" dirty="0">
-              <a:solidFill>
-                <a:srgbClr val="000000"/>
-              </a:solidFill>
-              <a:effectLst/>
-              <a:latin typeface="Consolas" panose="020B0609020204030204" pitchFamily="49" charset="0"/>
-            </a:endParaRPr>
-          </a:p>
-          <a:p>
-            <a:pPr marL="0" indent="0">
-              <a:buNone/>
+              <a:rPr lang="en-US" b="0" i="0" dirty="0">
+                <a:solidFill>
+                  <a:srgbClr val="001D35"/>
+                </a:solidFill>
+                <a:effectLst/>
+                <a:latin typeface="Google Sans"/>
+              </a:rPr>
+              <a:t>Regularly merging small code changes is typically a more accurate and safer process.</a:t>
+            </a:r>
+          </a:p>
+          <a:p>
+            <a:pPr algn="l">
+              <a:buFont typeface="Arial" panose="020B0604020202020204" pitchFamily="34" charset="0"/>
+              <a:buChar char="•"/>
             </a:pPr>
             <a:r>
-              <a:rPr lang="fr-FR" sz="2100" b="0" dirty="0">
-                <a:solidFill>
-                  <a:srgbClr val="000000"/>
-                </a:solidFill>
-                <a:effectLst/>
-                <a:latin typeface="Consolas" panose="020B0609020204030204" pitchFamily="49" charset="0"/>
-              </a:rPr>
-              <a:t>    </a:t>
-            </a:r>
-          </a:p>
-          <a:p>
-            <a:pPr marL="0" indent="0">
-              <a:buNone/>
-            </a:pPr>
-            <a:r>
-              <a:rPr lang="fr-FR" sz="2100" b="0" dirty="0">
-                <a:solidFill>
-                  <a:srgbClr val="000000"/>
-                </a:solidFill>
-                <a:effectLst/>
-                <a:latin typeface="Consolas" panose="020B0609020204030204" pitchFamily="49" charset="0"/>
-              </a:rPr>
-              <a:t>  - </a:t>
-            </a:r>
-            <a:r>
-              <a:rPr lang="fr-FR" sz="2100" b="0" dirty="0">
-                <a:solidFill>
-                  <a:srgbClr val="008080"/>
-                </a:solidFill>
-                <a:effectLst/>
-                <a:latin typeface="Consolas" panose="020B0609020204030204" pitchFamily="49" charset="0"/>
-              </a:rPr>
-              <a:t>git</a:t>
-            </a:r>
-            <a:r>
-              <a:rPr lang="fr-FR" sz="2100" b="0" dirty="0">
-                <a:solidFill>
-                  <a:srgbClr val="000000"/>
-                </a:solidFill>
-                <a:effectLst/>
-                <a:latin typeface="Consolas" panose="020B0609020204030204" pitchFamily="49" charset="0"/>
-              </a:rPr>
-              <a:t>: </a:t>
-            </a:r>
-            <a:r>
-              <a:rPr lang="fr-FR" sz="2100" b="0" dirty="0">
-                <a:solidFill>
-                  <a:srgbClr val="0451A5"/>
-                </a:solidFill>
-                <a:effectLst/>
-                <a:latin typeface="Consolas" panose="020B0609020204030204" pitchFamily="49" charset="0"/>
-              </a:rPr>
-              <a:t>"https://github.com/</a:t>
-            </a:r>
-            <a:r>
-              <a:rPr lang="fr-FR" sz="2100" b="0" dirty="0" err="1">
-                <a:solidFill>
-                  <a:srgbClr val="0451A5"/>
-                </a:solidFill>
-                <a:effectLst/>
-                <a:latin typeface="Consolas" panose="020B0609020204030204" pitchFamily="49" charset="0"/>
-              </a:rPr>
-              <a:t>EqualExperts</a:t>
-            </a:r>
-            <a:r>
-              <a:rPr lang="fr-FR" sz="2100" b="0" dirty="0">
-                <a:solidFill>
-                  <a:srgbClr val="0451A5"/>
-                </a:solidFill>
-                <a:effectLst/>
-                <a:latin typeface="Consolas" panose="020B0609020204030204" pitchFamily="49" charset="0"/>
-              </a:rPr>
-              <a:t>/</a:t>
-            </a:r>
-            <a:r>
-              <a:rPr lang="fr-FR" sz="2100" b="0" dirty="0" err="1">
-                <a:solidFill>
-                  <a:srgbClr val="0451A5"/>
-                </a:solidFill>
-                <a:effectLst/>
-                <a:latin typeface="Consolas" panose="020B0609020204030204" pitchFamily="49" charset="0"/>
-              </a:rPr>
-              <a:t>dbt</a:t>
-            </a:r>
-            <a:r>
-              <a:rPr lang="fr-FR" sz="2100" b="0" dirty="0">
-                <a:solidFill>
-                  <a:srgbClr val="0451A5"/>
-                </a:solidFill>
-                <a:effectLst/>
-                <a:latin typeface="Consolas" panose="020B0609020204030204" pitchFamily="49" charset="0"/>
-              </a:rPr>
-              <a:t>-unit-</a:t>
-            </a:r>
-            <a:r>
-              <a:rPr lang="fr-FR" sz="2100" b="0" dirty="0" err="1">
-                <a:solidFill>
-                  <a:srgbClr val="0451A5"/>
-                </a:solidFill>
-                <a:effectLst/>
-                <a:latin typeface="Consolas" panose="020B0609020204030204" pitchFamily="49" charset="0"/>
-              </a:rPr>
-              <a:t>testing</a:t>
-            </a:r>
-            <a:r>
-              <a:rPr lang="fr-FR" sz="2100" b="0" dirty="0">
-                <a:solidFill>
-                  <a:srgbClr val="0451A5"/>
-                </a:solidFill>
-                <a:effectLst/>
-                <a:latin typeface="Consolas" panose="020B0609020204030204" pitchFamily="49" charset="0"/>
-              </a:rPr>
-              <a:t>"</a:t>
-            </a:r>
-            <a:endParaRPr lang="fr-FR" sz="2100" b="0" dirty="0">
-              <a:solidFill>
-                <a:srgbClr val="000000"/>
-              </a:solidFill>
-              <a:effectLst/>
-              <a:latin typeface="Consolas" panose="020B0609020204030204" pitchFamily="49" charset="0"/>
-            </a:endParaRPr>
-          </a:p>
-          <a:p>
-            <a:pPr marL="0" indent="0">
-              <a:buNone/>
-            </a:pPr>
-            <a:r>
-              <a:rPr lang="fr-FR" sz="2100" b="0" dirty="0">
-                <a:solidFill>
-                  <a:srgbClr val="000000"/>
-                </a:solidFill>
-                <a:effectLst/>
-                <a:latin typeface="Consolas" panose="020B0609020204030204" pitchFamily="49" charset="0"/>
-              </a:rPr>
-              <a:t>    </a:t>
-            </a:r>
-            <a:r>
-              <a:rPr lang="fr-FR" sz="2100" b="0" dirty="0" err="1">
-                <a:solidFill>
-                  <a:srgbClr val="008080"/>
-                </a:solidFill>
-                <a:effectLst/>
-                <a:latin typeface="Consolas" panose="020B0609020204030204" pitchFamily="49" charset="0"/>
-              </a:rPr>
-              <a:t>revision</a:t>
-            </a:r>
-            <a:r>
-              <a:rPr lang="fr-FR" sz="2100" b="0" dirty="0">
-                <a:solidFill>
-                  <a:srgbClr val="000000"/>
-                </a:solidFill>
-                <a:effectLst/>
-                <a:latin typeface="Consolas" panose="020B0609020204030204" pitchFamily="49" charset="0"/>
-              </a:rPr>
-              <a:t>: </a:t>
-            </a:r>
-            <a:r>
-              <a:rPr lang="fr-FR" sz="2100" b="0" dirty="0">
-                <a:solidFill>
-                  <a:srgbClr val="0451A5"/>
-                </a:solidFill>
-                <a:effectLst/>
-                <a:latin typeface="Consolas" panose="020B0609020204030204" pitchFamily="49" charset="0"/>
-              </a:rPr>
-              <a:t>v0.2.6</a:t>
-            </a:r>
-            <a:endParaRPr lang="fr-FR" sz="2100" b="0" dirty="0">
-              <a:solidFill>
-                <a:srgbClr val="000000"/>
-              </a:solidFill>
-              <a:effectLst/>
-              <a:latin typeface="Consolas" panose="020B0609020204030204" pitchFamily="49" charset="0"/>
-            </a:endParaRPr>
-          </a:p>
-          <a:p>
-            <a:endParaRPr lang="en-IN" dirty="0"/>
+              <a:rPr lang="en-US" b="0" i="0" dirty="0">
+                <a:solidFill>
+                  <a:srgbClr val="001D35"/>
+                </a:solidFill>
+                <a:effectLst/>
+                <a:latin typeface="Google Sans"/>
+              </a:rPr>
+              <a:t>If any bugs are found in the merging process, they're easier and faster to find.</a:t>
+            </a:r>
           </a:p>
         </p:txBody>
       </p:sp>
     </p:spTree>
     <p:extLst>
       <p:ext uri="{BB962C8B-B14F-4D97-AF65-F5344CB8AC3E}">
-        <p14:creationId xmlns:p14="http://schemas.microsoft.com/office/powerpoint/2010/main" val="3452850774"/>
+        <p14:creationId xmlns:p14="http://schemas.microsoft.com/office/powerpoint/2010/main" val="1931361897"/>
       </p:ext>
     </p:extLst>
   </p:cSld>
@@ -7123,88 +7071,1448 @@
       </p:grpSpPr>
       <p:sp>
         <p:nvSpPr>
-          <p:cNvPr id="2" name="Title 1">
-            <a:extLst>
-              <a:ext uri="{FF2B5EF4-FFF2-40B4-BE49-F238E27FC236}">
-                <a16:creationId xmlns:a16="http://schemas.microsoft.com/office/drawing/2014/main" id="{9A845A29-CDFF-D26D-069D-F4FC5B220F05}"/>
-              </a:ext>
-            </a:extLst>
-          </p:cNvPr>
-          <p:cNvSpPr>
-            <a:spLocks noGrp="1"/>
-          </p:cNvSpPr>
-          <p:nvPr>
-            <p:ph type="title"/>
-          </p:nvPr>
-        </p:nvSpPr>
-        <p:spPr/>
-        <p:txBody>
-          <a:bodyPr/>
+          <p:cNvPr id="5" name="Rectangle 1">
+            <a:extLst>
+              <a:ext uri="{FF2B5EF4-FFF2-40B4-BE49-F238E27FC236}">
+                <a16:creationId xmlns:a16="http://schemas.microsoft.com/office/drawing/2014/main" id="{30B7C79A-62D6-FFCA-30BE-E1D8EB0A8BED}"/>
+              </a:ext>
+            </a:extLst>
+          </p:cNvPr>
+          <p:cNvSpPr>
+            <a:spLocks noGrp="1" noChangeArrowheads="1"/>
+          </p:cNvSpPr>
+          <p:nvPr>
+            <p:ph idx="1"/>
+          </p:nvPr>
+        </p:nvSpPr>
+        <p:spPr bwMode="auto">
+          <a:xfrm>
+            <a:off x="202131" y="635928"/>
+            <a:ext cx="7305574" cy="6124754"/>
+          </a:xfrm>
+          <a:prstGeom prst="rect">
+            <a:avLst/>
+          </a:prstGeom>
+          <a:solidFill>
+            <a:srgbClr val="2B2B2B"/>
+          </a:solidFill>
+          <a:ln>
+            <a:noFill/>
+          </a:ln>
+          <a:effectLst/>
+          <a:extLst>
+            <a:ext uri="{91240B29-F687-4F45-9708-019B960494DF}">
+              <a14:hiddenLine xmlns:a14="http://schemas.microsoft.com/office/drawing/2010/main" w="9525">
+                <a:solidFill>
+                  <a:schemeClr val="tx1"/>
+                </a:solidFill>
+                <a:miter lim="800000"/>
+                <a:headEnd/>
+                <a:tailEnd/>
+              </a14:hiddenLine>
+            </a:ext>
+            <a:ext uri="{AF507438-7753-43E0-B8FC-AC1667EBCBE1}">
+              <a14:hiddenEffects xmlns:a14="http://schemas.microsoft.com/office/drawing/2010/main">
+                <a:effectLst>
+                  <a:outerShdw dist="35921" dir="2700000" algn="ctr" rotWithShape="0">
+                    <a:schemeClr val="bg2"/>
+                  </a:outerShdw>
+                </a:effectLst>
+              </a14:hiddenEffects>
+            </a:ext>
+          </a:extLst>
+        </p:spPr>
+        <p:txBody>
+          <a:bodyPr vert="horz" wrap="square" lIns="91440" tIns="45720" rIns="91440" bIns="45720" numCol="1" anchor="ctr" anchorCtr="0" compatLnSpc="1">
+            <a:prstTxWarp prst="textNoShape">
+              <a:avLst/>
+            </a:prstTxWarp>
+            <a:spAutoFit/>
+          </a:bodyPr>
           <a:lstStyle/>
           <a:p>
-            <a:r>
-              <a:rPr lang="en-US" dirty="0" err="1"/>
-              <a:t>Github</a:t>
-            </a:r>
-            <a:r>
-              <a:rPr lang="en-US" dirty="0"/>
-              <a:t> Actions</a:t>
-            </a:r>
-            <a:endParaRPr lang="en-IN" dirty="0"/>
-          </a:p>
-        </p:txBody>
-      </p:sp>
-      <p:sp>
-        <p:nvSpPr>
-          <p:cNvPr id="3" name="Content Placeholder 2">
-            <a:extLst>
-              <a:ext uri="{FF2B5EF4-FFF2-40B4-BE49-F238E27FC236}">
-                <a16:creationId xmlns:a16="http://schemas.microsoft.com/office/drawing/2014/main" id="{DC9A9EE1-BC2A-E641-500C-76FE23787B9F}"/>
-              </a:ext>
-            </a:extLst>
-          </p:cNvPr>
-          <p:cNvSpPr>
-            <a:spLocks noGrp="1"/>
-          </p:cNvSpPr>
-          <p:nvPr>
-            <p:ph idx="1"/>
-          </p:nvPr>
-        </p:nvSpPr>
-        <p:spPr/>
-        <p:txBody>
-          <a:bodyPr/>
+            <a:pPr marL="0" marR="0" lvl="0" indent="0" algn="l" defTabSz="914400" rtl="0" eaLnBrk="0" fontAlgn="base" latinLnBrk="0" hangingPunct="0">
+              <a:lnSpc>
+                <a:spcPct val="100000"/>
+              </a:lnSpc>
+              <a:spcBef>
+                <a:spcPct val="0"/>
+              </a:spcBef>
+              <a:spcAft>
+                <a:spcPct val="0"/>
+              </a:spcAft>
+              <a:buClrTx/>
+              <a:buSzTx/>
+              <a:buFontTx/>
+              <a:buNone/>
+              <a:tabLst/>
+            </a:pPr>
+            <a:r>
+              <a:rPr kumimoji="0" lang="en-US" altLang="en-US" sz="1400" b="0" i="0" u="none" strike="noStrike" cap="none" normalizeH="0" baseline="0" dirty="0">
+                <a:ln>
+                  <a:noFill/>
+                </a:ln>
+                <a:solidFill>
+                  <a:srgbClr val="CC7832"/>
+                </a:solidFill>
+                <a:effectLst/>
+                <a:latin typeface="JetBrains Mono"/>
+              </a:rPr>
+              <a:t>on</a:t>
+            </a:r>
+            <a:r>
+              <a:rPr kumimoji="0" lang="en-US" altLang="en-US" sz="1400" b="0" i="0" u="none" strike="noStrike" cap="none" normalizeH="0" baseline="0" dirty="0">
+                <a:ln>
+                  <a:noFill/>
+                </a:ln>
+                <a:solidFill>
+                  <a:srgbClr val="A9B7C6"/>
+                </a:solidFill>
+                <a:effectLst/>
+                <a:latin typeface="JetBrains Mono"/>
+              </a:rPr>
+              <a:t>:</a:t>
+            </a:r>
+            <a:r>
+              <a:rPr lang="en-US" altLang="en-US" sz="1400" dirty="0">
+                <a:solidFill>
+                  <a:srgbClr val="A9B7C6"/>
+                </a:solidFill>
+                <a:latin typeface="JetBrains Mono"/>
+              </a:rPr>
+              <a:t>[push]</a:t>
+            </a:r>
+            <a:br>
+              <a:rPr kumimoji="0" lang="en-US" altLang="en-US" sz="1400" b="0" i="0" u="none" strike="noStrike" cap="none" normalizeH="0" baseline="0" dirty="0">
+                <a:ln>
+                  <a:noFill/>
+                </a:ln>
+                <a:solidFill>
+                  <a:srgbClr val="A9B7C6"/>
+                </a:solidFill>
+                <a:effectLst/>
+                <a:latin typeface="JetBrains Mono"/>
+              </a:rPr>
+            </a:br>
+            <a:r>
+              <a:rPr kumimoji="0" lang="en-US" altLang="en-US" sz="1400" b="0" i="0" u="none" strike="noStrike" cap="none" normalizeH="0" baseline="0" dirty="0">
+                <a:ln>
+                  <a:noFill/>
+                </a:ln>
+                <a:solidFill>
+                  <a:srgbClr val="CC7832"/>
+                </a:solidFill>
+                <a:effectLst/>
+                <a:latin typeface="JetBrains Mono"/>
+              </a:rPr>
+              <a:t>env</a:t>
+            </a:r>
+            <a:r>
+              <a:rPr kumimoji="0" lang="en-US" altLang="en-US" sz="1400" b="0" i="0" u="none" strike="noStrike" cap="none" normalizeH="0" baseline="0" dirty="0">
+                <a:ln>
+                  <a:noFill/>
+                </a:ln>
+                <a:solidFill>
+                  <a:srgbClr val="A9B7C6"/>
+                </a:solidFill>
+                <a:effectLst/>
+                <a:latin typeface="JetBrains Mono"/>
+              </a:rPr>
+              <a:t>:</a:t>
+            </a:r>
+            <a:br>
+              <a:rPr kumimoji="0" lang="en-US" altLang="en-US" sz="1400" b="0" i="0" u="none" strike="noStrike" cap="none" normalizeH="0" baseline="0" dirty="0">
+                <a:ln>
+                  <a:noFill/>
+                </a:ln>
+                <a:solidFill>
+                  <a:srgbClr val="A9B7C6"/>
+                </a:solidFill>
+                <a:effectLst/>
+                <a:latin typeface="JetBrains Mono"/>
+              </a:rPr>
+            </a:br>
+            <a:r>
+              <a:rPr kumimoji="0" lang="en-US" altLang="en-US" sz="1400" b="0" i="0" u="none" strike="noStrike" cap="none" normalizeH="0" baseline="0" dirty="0">
+                <a:ln>
+                  <a:noFill/>
+                </a:ln>
+                <a:solidFill>
+                  <a:srgbClr val="CC7832"/>
+                </a:solidFill>
+                <a:effectLst/>
+                <a:latin typeface="JetBrains Mono"/>
+              </a:rPr>
+              <a:t>DBT_PROFILES_DIR</a:t>
+            </a:r>
+            <a:r>
+              <a:rPr kumimoji="0" lang="en-US" altLang="en-US" sz="1400" b="0" i="0" u="none" strike="noStrike" cap="none" normalizeH="0" baseline="0" dirty="0">
+                <a:ln>
+                  <a:noFill/>
+                </a:ln>
+                <a:solidFill>
+                  <a:srgbClr val="A9B7C6"/>
+                </a:solidFill>
+                <a:effectLst/>
+                <a:latin typeface="JetBrains Mono"/>
+              </a:rPr>
+              <a:t>: ./</a:t>
+            </a:r>
+            <a:br>
+              <a:rPr kumimoji="0" lang="en-US" altLang="en-US" sz="1400" b="0" i="0" u="none" strike="noStrike" cap="none" normalizeH="0" baseline="0" dirty="0">
+                <a:ln>
+                  <a:noFill/>
+                </a:ln>
+                <a:solidFill>
+                  <a:srgbClr val="A9B7C6"/>
+                </a:solidFill>
+                <a:effectLst/>
+                <a:latin typeface="JetBrains Mono"/>
+              </a:rPr>
+            </a:br>
+            <a:br>
+              <a:rPr kumimoji="0" lang="en-US" altLang="en-US" sz="1400" b="0" i="0" u="none" strike="noStrike" cap="none" normalizeH="0" baseline="0" dirty="0">
+                <a:ln>
+                  <a:noFill/>
+                </a:ln>
+                <a:solidFill>
+                  <a:srgbClr val="A9B7C6"/>
+                </a:solidFill>
+                <a:effectLst/>
+                <a:latin typeface="JetBrains Mono"/>
+              </a:rPr>
+            </a:br>
+            <a:r>
+              <a:rPr kumimoji="0" lang="en-US" altLang="en-US" sz="1400" b="0" i="0" u="none" strike="noStrike" cap="none" normalizeH="0" baseline="0" dirty="0">
+                <a:ln>
+                  <a:noFill/>
+                </a:ln>
+                <a:solidFill>
+                  <a:srgbClr val="CC7832"/>
+                </a:solidFill>
+                <a:effectLst/>
+                <a:latin typeface="JetBrains Mono"/>
+              </a:rPr>
+              <a:t>DBT_SNOWFLAKE_ACCOUNT</a:t>
+            </a:r>
+            <a:r>
+              <a:rPr kumimoji="0" lang="en-US" altLang="en-US" sz="1400" b="0" i="0" u="none" strike="noStrike" cap="none" normalizeH="0" baseline="0" dirty="0">
+                <a:ln>
+                  <a:noFill/>
+                </a:ln>
+                <a:solidFill>
+                  <a:srgbClr val="A9B7C6"/>
+                </a:solidFill>
+                <a:effectLst/>
+                <a:latin typeface="JetBrains Mono"/>
+              </a:rPr>
+              <a:t>: ${{ </a:t>
+            </a:r>
+            <a:r>
+              <a:rPr kumimoji="0" lang="en-US" altLang="en-US" sz="1400" b="0" i="0" u="none" strike="noStrike" cap="none" normalizeH="0" baseline="0" dirty="0" err="1">
+                <a:ln>
+                  <a:noFill/>
+                </a:ln>
+                <a:solidFill>
+                  <a:srgbClr val="A9B7C6"/>
+                </a:solidFill>
+                <a:effectLst/>
+                <a:latin typeface="JetBrains Mono"/>
+              </a:rPr>
+              <a:t>secrets.SNOWFLAKE_ACCOUNT</a:t>
+            </a:r>
+            <a:r>
+              <a:rPr kumimoji="0" lang="en-US" altLang="en-US" sz="1400" b="0" i="0" u="none" strike="noStrike" cap="none" normalizeH="0" baseline="0" dirty="0">
+                <a:ln>
+                  <a:noFill/>
+                </a:ln>
+                <a:solidFill>
+                  <a:srgbClr val="A9B7C6"/>
+                </a:solidFill>
+                <a:effectLst/>
+                <a:latin typeface="JetBrains Mono"/>
+              </a:rPr>
+              <a:t> }}</a:t>
+            </a:r>
+            <a:br>
+              <a:rPr kumimoji="0" lang="en-US" altLang="en-US" sz="1400" b="0" i="0" u="none" strike="noStrike" cap="none" normalizeH="0" baseline="0" dirty="0">
+                <a:ln>
+                  <a:noFill/>
+                </a:ln>
+                <a:solidFill>
+                  <a:srgbClr val="A9B7C6"/>
+                </a:solidFill>
+                <a:effectLst/>
+                <a:latin typeface="JetBrains Mono"/>
+              </a:rPr>
+            </a:br>
+            <a:r>
+              <a:rPr kumimoji="0" lang="en-US" altLang="en-US" sz="1400" b="0" i="0" u="none" strike="noStrike" cap="none" normalizeH="0" baseline="0" dirty="0">
+                <a:ln>
+                  <a:noFill/>
+                </a:ln>
+                <a:solidFill>
+                  <a:srgbClr val="CC7832"/>
+                </a:solidFill>
+                <a:effectLst/>
+                <a:latin typeface="JetBrains Mono"/>
+              </a:rPr>
+              <a:t>DBT_SNOWFLAKE_USERNAME</a:t>
+            </a:r>
+            <a:r>
+              <a:rPr kumimoji="0" lang="en-US" altLang="en-US" sz="1400" b="0" i="0" u="none" strike="noStrike" cap="none" normalizeH="0" baseline="0" dirty="0">
+                <a:ln>
+                  <a:noFill/>
+                </a:ln>
+                <a:solidFill>
+                  <a:srgbClr val="A9B7C6"/>
+                </a:solidFill>
+                <a:effectLst/>
+                <a:latin typeface="JetBrains Mono"/>
+              </a:rPr>
+              <a:t>: ${{ </a:t>
+            </a:r>
+            <a:r>
+              <a:rPr kumimoji="0" lang="en-US" altLang="en-US" sz="1400" b="0" i="0" u="none" strike="noStrike" cap="none" normalizeH="0" baseline="0" dirty="0" err="1">
+                <a:ln>
+                  <a:noFill/>
+                </a:ln>
+                <a:solidFill>
+                  <a:srgbClr val="A9B7C6"/>
+                </a:solidFill>
+                <a:effectLst/>
+                <a:latin typeface="JetBrains Mono"/>
+              </a:rPr>
+              <a:t>secrets.SNOWFLAKE_USER</a:t>
+            </a:r>
+            <a:r>
+              <a:rPr kumimoji="0" lang="en-US" altLang="en-US" sz="1400" b="0" i="0" u="none" strike="noStrike" cap="none" normalizeH="0" baseline="0" dirty="0">
+                <a:ln>
+                  <a:noFill/>
+                </a:ln>
+                <a:solidFill>
+                  <a:srgbClr val="A9B7C6"/>
+                </a:solidFill>
+                <a:effectLst/>
+                <a:latin typeface="JetBrains Mono"/>
+              </a:rPr>
+              <a:t> }}</a:t>
+            </a:r>
+            <a:br>
+              <a:rPr kumimoji="0" lang="en-US" altLang="en-US" sz="1400" b="0" i="0" u="none" strike="noStrike" cap="none" normalizeH="0" baseline="0" dirty="0">
+                <a:ln>
+                  <a:noFill/>
+                </a:ln>
+                <a:solidFill>
+                  <a:srgbClr val="A9B7C6"/>
+                </a:solidFill>
+                <a:effectLst/>
+                <a:latin typeface="JetBrains Mono"/>
+              </a:rPr>
+            </a:br>
+            <a:r>
+              <a:rPr kumimoji="0" lang="en-US" altLang="en-US" sz="1400" b="0" i="0" u="none" strike="noStrike" cap="none" normalizeH="0" baseline="0" dirty="0">
+                <a:ln>
+                  <a:noFill/>
+                </a:ln>
+                <a:solidFill>
+                  <a:srgbClr val="CC7832"/>
+                </a:solidFill>
+                <a:effectLst/>
+                <a:latin typeface="JetBrains Mono"/>
+              </a:rPr>
+              <a:t>DBT_SNOWFLAKE_PW</a:t>
+            </a:r>
+            <a:r>
+              <a:rPr kumimoji="0" lang="en-US" altLang="en-US" sz="1400" b="0" i="0" u="none" strike="noStrike" cap="none" normalizeH="0" baseline="0" dirty="0">
+                <a:ln>
+                  <a:noFill/>
+                </a:ln>
+                <a:solidFill>
+                  <a:srgbClr val="A9B7C6"/>
+                </a:solidFill>
+                <a:effectLst/>
+                <a:latin typeface="JetBrains Mono"/>
+              </a:rPr>
+              <a:t>: ${{ </a:t>
+            </a:r>
+            <a:r>
+              <a:rPr kumimoji="0" lang="en-US" altLang="en-US" sz="1400" b="0" i="0" u="none" strike="noStrike" cap="none" normalizeH="0" baseline="0" dirty="0" err="1">
+                <a:ln>
+                  <a:noFill/>
+                </a:ln>
+                <a:solidFill>
+                  <a:srgbClr val="A9B7C6"/>
+                </a:solidFill>
+                <a:effectLst/>
+                <a:latin typeface="JetBrains Mono"/>
+              </a:rPr>
+              <a:t>secrets.SNOWFLAKE_PASSWORD</a:t>
+            </a:r>
+            <a:r>
+              <a:rPr kumimoji="0" lang="en-US" altLang="en-US" sz="1400" b="0" i="0" u="none" strike="noStrike" cap="none" normalizeH="0" baseline="0" dirty="0">
+                <a:ln>
+                  <a:noFill/>
+                </a:ln>
+                <a:solidFill>
+                  <a:srgbClr val="A9B7C6"/>
+                </a:solidFill>
+                <a:effectLst/>
+                <a:latin typeface="JetBrains Mono"/>
+              </a:rPr>
+              <a:t> }}</a:t>
+            </a:r>
+            <a:br>
+              <a:rPr kumimoji="0" lang="en-US" altLang="en-US" sz="1400" b="0" i="0" u="none" strike="noStrike" cap="none" normalizeH="0" baseline="0" dirty="0">
+                <a:ln>
+                  <a:noFill/>
+                </a:ln>
+                <a:solidFill>
+                  <a:srgbClr val="A9B7C6"/>
+                </a:solidFill>
+                <a:effectLst/>
+                <a:latin typeface="JetBrains Mono"/>
+              </a:rPr>
+            </a:br>
+            <a:r>
+              <a:rPr kumimoji="0" lang="en-US" altLang="en-US" sz="1400" b="0" i="0" u="none" strike="noStrike" cap="none" normalizeH="0" baseline="0" dirty="0">
+                <a:ln>
+                  <a:noFill/>
+                </a:ln>
+                <a:solidFill>
+                  <a:srgbClr val="CC7832"/>
+                </a:solidFill>
+                <a:effectLst/>
+                <a:latin typeface="JetBrains Mono"/>
+              </a:rPr>
+              <a:t>DBT_SNOWFLAKE_ROLE</a:t>
+            </a:r>
+            <a:r>
+              <a:rPr kumimoji="0" lang="en-US" altLang="en-US" sz="1400" b="0" i="0" u="none" strike="noStrike" cap="none" normalizeH="0" baseline="0" dirty="0">
+                <a:ln>
+                  <a:noFill/>
+                </a:ln>
+                <a:solidFill>
+                  <a:srgbClr val="A9B7C6"/>
+                </a:solidFill>
+                <a:effectLst/>
+                <a:latin typeface="JetBrains Mono"/>
+              </a:rPr>
+              <a:t>: ${{ </a:t>
+            </a:r>
+            <a:r>
+              <a:rPr kumimoji="0" lang="en-US" altLang="en-US" sz="1400" b="0" i="0" u="none" strike="noStrike" cap="none" normalizeH="0" baseline="0" dirty="0" err="1">
+                <a:ln>
+                  <a:noFill/>
+                </a:ln>
+                <a:solidFill>
+                  <a:srgbClr val="A9B7C6"/>
+                </a:solidFill>
+                <a:effectLst/>
+                <a:latin typeface="JetBrains Mono"/>
+              </a:rPr>
+              <a:t>secrets.SNOWFLAKE_ROLE</a:t>
+            </a:r>
+            <a:r>
+              <a:rPr kumimoji="0" lang="en-US" altLang="en-US" sz="1400" b="0" i="0" u="none" strike="noStrike" cap="none" normalizeH="0" baseline="0" dirty="0">
+                <a:ln>
+                  <a:noFill/>
+                </a:ln>
+                <a:solidFill>
+                  <a:srgbClr val="A9B7C6"/>
+                </a:solidFill>
+                <a:effectLst/>
+                <a:latin typeface="JetBrains Mono"/>
+              </a:rPr>
+              <a:t> }}</a:t>
+            </a:r>
+            <a:br>
+              <a:rPr kumimoji="0" lang="en-US" altLang="en-US" sz="1400" b="0" i="0" u="none" strike="noStrike" cap="none" normalizeH="0" baseline="0" dirty="0">
+                <a:ln>
+                  <a:noFill/>
+                </a:ln>
+                <a:solidFill>
+                  <a:srgbClr val="A9B7C6"/>
+                </a:solidFill>
+                <a:effectLst/>
+                <a:latin typeface="JetBrains Mono"/>
+              </a:rPr>
+            </a:br>
+            <a:br>
+              <a:rPr kumimoji="0" lang="en-US" altLang="en-US" sz="1400" b="0" i="0" u="none" strike="noStrike" cap="none" normalizeH="0" baseline="0" dirty="0">
+                <a:ln>
+                  <a:noFill/>
+                </a:ln>
+                <a:solidFill>
+                  <a:srgbClr val="A9B7C6"/>
+                </a:solidFill>
+                <a:effectLst/>
+                <a:latin typeface="JetBrains Mono"/>
+              </a:rPr>
+            </a:br>
+            <a:r>
+              <a:rPr kumimoji="0" lang="en-US" altLang="en-US" sz="1400" b="0" i="0" u="none" strike="noStrike" cap="none" normalizeH="0" baseline="0" dirty="0">
+                <a:ln>
+                  <a:noFill/>
+                </a:ln>
+                <a:solidFill>
+                  <a:srgbClr val="CC7832"/>
+                </a:solidFill>
+                <a:effectLst/>
+                <a:latin typeface="JetBrains Mono"/>
+              </a:rPr>
+              <a:t>jobs</a:t>
+            </a:r>
+            <a:r>
+              <a:rPr kumimoji="0" lang="en-US" altLang="en-US" sz="1400" b="0" i="0" u="none" strike="noStrike" cap="none" normalizeH="0" baseline="0" dirty="0">
+                <a:ln>
+                  <a:noFill/>
+                </a:ln>
+                <a:solidFill>
+                  <a:srgbClr val="A9B7C6"/>
+                </a:solidFill>
+                <a:effectLst/>
+                <a:latin typeface="JetBrains Mono"/>
+              </a:rPr>
+              <a:t>:</a:t>
+            </a:r>
+            <a:br>
+              <a:rPr kumimoji="0" lang="en-US" altLang="en-US" sz="1400" b="0" i="0" u="none" strike="noStrike" cap="none" normalizeH="0" baseline="0" dirty="0">
+                <a:ln>
+                  <a:noFill/>
+                </a:ln>
+                <a:solidFill>
+                  <a:srgbClr val="A9B7C6"/>
+                </a:solidFill>
+                <a:effectLst/>
+                <a:latin typeface="JetBrains Mono"/>
+              </a:rPr>
+            </a:br>
+            <a:r>
+              <a:rPr kumimoji="0" lang="en-US" altLang="en-US" sz="1400" b="0" i="0" u="none" strike="noStrike" cap="none" normalizeH="0" baseline="0" dirty="0" err="1">
+                <a:ln>
+                  <a:noFill/>
+                </a:ln>
+                <a:solidFill>
+                  <a:srgbClr val="CC7832"/>
+                </a:solidFill>
+                <a:effectLst/>
+                <a:latin typeface="JetBrains Mono"/>
+              </a:rPr>
+              <a:t>dbt_run_on_push</a:t>
+            </a:r>
+            <a:r>
+              <a:rPr kumimoji="0" lang="en-US" altLang="en-US" sz="1400" b="0" i="0" u="none" strike="noStrike" cap="none" normalizeH="0" baseline="0" dirty="0">
+                <a:ln>
+                  <a:noFill/>
+                </a:ln>
+                <a:solidFill>
+                  <a:srgbClr val="A9B7C6"/>
+                </a:solidFill>
+                <a:effectLst/>
+                <a:latin typeface="JetBrains Mono"/>
+              </a:rPr>
+              <a:t>:</a:t>
+            </a:r>
+            <a:br>
+              <a:rPr kumimoji="0" lang="en-US" altLang="en-US" sz="1400" b="0" i="0" u="none" strike="noStrike" cap="none" normalizeH="0" baseline="0" dirty="0">
+                <a:ln>
+                  <a:noFill/>
+                </a:ln>
+                <a:solidFill>
+                  <a:srgbClr val="A9B7C6"/>
+                </a:solidFill>
+                <a:effectLst/>
+                <a:latin typeface="JetBrains Mono"/>
+              </a:rPr>
+            </a:br>
+            <a:r>
+              <a:rPr kumimoji="0" lang="en-US" altLang="en-US" sz="1400" b="0" i="0" u="none" strike="noStrike" cap="none" normalizeH="0" baseline="0" dirty="0">
+                <a:ln>
+                  <a:noFill/>
+                </a:ln>
+                <a:solidFill>
+                  <a:srgbClr val="A9B7C6"/>
+                </a:solidFill>
+                <a:effectLst/>
+                <a:latin typeface="JetBrains Mono"/>
+              </a:rPr>
+              <a:t>    </a:t>
+            </a:r>
+            <a:r>
+              <a:rPr kumimoji="0" lang="en-US" altLang="en-US" sz="1400" b="0" i="0" u="none" strike="noStrike" cap="none" normalizeH="0" baseline="0" dirty="0">
+                <a:ln>
+                  <a:noFill/>
+                </a:ln>
+                <a:solidFill>
+                  <a:srgbClr val="CC7832"/>
+                </a:solidFill>
+                <a:effectLst/>
+                <a:latin typeface="JetBrains Mono"/>
+              </a:rPr>
+              <a:t>name</a:t>
+            </a:r>
+            <a:r>
+              <a:rPr kumimoji="0" lang="en-US" altLang="en-US" sz="1400" b="0" i="0" u="none" strike="noStrike" cap="none" normalizeH="0" baseline="0" dirty="0">
+                <a:ln>
+                  <a:noFill/>
+                </a:ln>
+                <a:solidFill>
+                  <a:srgbClr val="A9B7C6"/>
+                </a:solidFill>
+                <a:effectLst/>
+                <a:latin typeface="JetBrains Mono"/>
+              </a:rPr>
+              <a:t>: </a:t>
+            </a:r>
+            <a:r>
+              <a:rPr kumimoji="0" lang="en-US" altLang="en-US" sz="1400" b="0" i="0" u="none" strike="noStrike" cap="none" normalizeH="0" baseline="0" dirty="0" err="1">
+                <a:ln>
+                  <a:noFill/>
+                </a:ln>
+                <a:solidFill>
+                  <a:srgbClr val="A9B7C6"/>
+                </a:solidFill>
+                <a:effectLst/>
+                <a:latin typeface="JetBrains Mono"/>
+              </a:rPr>
+              <a:t>dbt_run_on_push</a:t>
+            </a:r>
+            <a:br>
+              <a:rPr kumimoji="0" lang="en-US" altLang="en-US" sz="1400" b="0" i="0" u="none" strike="noStrike" cap="none" normalizeH="0" baseline="0" dirty="0">
+                <a:ln>
+                  <a:noFill/>
+                </a:ln>
+                <a:solidFill>
+                  <a:srgbClr val="A9B7C6"/>
+                </a:solidFill>
+                <a:effectLst/>
+                <a:latin typeface="JetBrains Mono"/>
+              </a:rPr>
+            </a:br>
+            <a:r>
+              <a:rPr kumimoji="0" lang="en-US" altLang="en-US" sz="1400" b="0" i="0" u="none" strike="noStrike" cap="none" normalizeH="0" baseline="0" dirty="0">
+                <a:ln>
+                  <a:noFill/>
+                </a:ln>
+                <a:solidFill>
+                  <a:srgbClr val="A9B7C6"/>
+                </a:solidFill>
+                <a:effectLst/>
+                <a:latin typeface="JetBrains Mono"/>
+              </a:rPr>
+              <a:t>    </a:t>
+            </a:r>
+            <a:r>
+              <a:rPr kumimoji="0" lang="en-US" altLang="en-US" sz="1400" b="0" i="0" u="none" strike="noStrike" cap="none" normalizeH="0" baseline="0" dirty="0">
+                <a:ln>
+                  <a:noFill/>
+                </a:ln>
+                <a:solidFill>
+                  <a:srgbClr val="CC7832"/>
+                </a:solidFill>
+                <a:effectLst/>
+                <a:latin typeface="JetBrains Mono"/>
+              </a:rPr>
+              <a:t>runs-on</a:t>
+            </a:r>
+            <a:r>
+              <a:rPr kumimoji="0" lang="en-US" altLang="en-US" sz="1400" b="0" i="0" u="none" strike="noStrike" cap="none" normalizeH="0" baseline="0" dirty="0">
+                <a:ln>
+                  <a:noFill/>
+                </a:ln>
+                <a:solidFill>
+                  <a:srgbClr val="A9B7C6"/>
+                </a:solidFill>
+                <a:effectLst/>
+                <a:latin typeface="JetBrains Mono"/>
+              </a:rPr>
+              <a:t>: ubuntu-latest</a:t>
+            </a:r>
+            <a:br>
+              <a:rPr kumimoji="0" lang="en-US" altLang="en-US" sz="1400" b="0" i="0" u="none" strike="noStrike" cap="none" normalizeH="0" baseline="0" dirty="0">
+                <a:ln>
+                  <a:noFill/>
+                </a:ln>
+                <a:solidFill>
+                  <a:srgbClr val="A9B7C6"/>
+                </a:solidFill>
+                <a:effectLst/>
+                <a:latin typeface="JetBrains Mono"/>
+              </a:rPr>
+            </a:br>
+            <a:br>
+              <a:rPr kumimoji="0" lang="en-US" altLang="en-US" sz="1400" b="0" i="0" u="none" strike="noStrike" cap="none" normalizeH="0" baseline="0" dirty="0">
+                <a:ln>
+                  <a:noFill/>
+                </a:ln>
+                <a:solidFill>
+                  <a:srgbClr val="A9B7C6"/>
+                </a:solidFill>
+                <a:effectLst/>
+                <a:latin typeface="JetBrains Mono"/>
+              </a:rPr>
+            </a:br>
+            <a:r>
+              <a:rPr kumimoji="0" lang="en-US" altLang="en-US" sz="1400" b="0" i="0" u="none" strike="noStrike" cap="none" normalizeH="0" baseline="0" dirty="0">
+                <a:ln>
+                  <a:noFill/>
+                </a:ln>
+                <a:solidFill>
+                  <a:srgbClr val="A9B7C6"/>
+                </a:solidFill>
+                <a:effectLst/>
+                <a:latin typeface="JetBrains Mono"/>
+              </a:rPr>
+              <a:t>    </a:t>
+            </a:r>
+            <a:r>
+              <a:rPr kumimoji="0" lang="en-US" altLang="en-US" sz="1400" b="0" i="0" u="none" strike="noStrike" cap="none" normalizeH="0" baseline="0" dirty="0">
+                <a:ln>
+                  <a:noFill/>
+                </a:ln>
+                <a:solidFill>
+                  <a:srgbClr val="CC7832"/>
+                </a:solidFill>
+                <a:effectLst/>
+                <a:latin typeface="JetBrains Mono"/>
+              </a:rPr>
+              <a:t>steps</a:t>
+            </a:r>
+            <a:r>
+              <a:rPr kumimoji="0" lang="en-US" altLang="en-US" sz="1400" b="0" i="0" u="none" strike="noStrike" cap="none" normalizeH="0" baseline="0" dirty="0">
+                <a:ln>
+                  <a:noFill/>
+                </a:ln>
+                <a:solidFill>
+                  <a:srgbClr val="A9B7C6"/>
+                </a:solidFill>
+                <a:effectLst/>
+                <a:latin typeface="JetBrains Mono"/>
+              </a:rPr>
+              <a:t>:</a:t>
+            </a:r>
+            <a:br>
+              <a:rPr kumimoji="0" lang="en-US" altLang="en-US" sz="1400" b="0" i="0" u="none" strike="noStrike" cap="none" normalizeH="0" baseline="0" dirty="0">
+                <a:ln>
+                  <a:noFill/>
+                </a:ln>
+                <a:solidFill>
+                  <a:srgbClr val="A9B7C6"/>
+                </a:solidFill>
+                <a:effectLst/>
+                <a:latin typeface="JetBrains Mono"/>
+              </a:rPr>
+            </a:br>
+            <a:r>
+              <a:rPr kumimoji="0" lang="en-US" altLang="en-US" sz="1400" b="0" i="0" u="none" strike="noStrike" cap="none" normalizeH="0" baseline="0" dirty="0">
+                <a:ln>
+                  <a:noFill/>
+                </a:ln>
+                <a:solidFill>
+                  <a:srgbClr val="A9B7C6"/>
+                </a:solidFill>
+                <a:effectLst/>
+                <a:latin typeface="JetBrains Mono"/>
+              </a:rPr>
+              <a:t>    - </a:t>
+            </a:r>
+            <a:r>
+              <a:rPr kumimoji="0" lang="en-US" altLang="en-US" sz="1400" b="0" i="0" u="none" strike="noStrike" cap="none" normalizeH="0" baseline="0" dirty="0">
+                <a:ln>
+                  <a:noFill/>
+                </a:ln>
+                <a:solidFill>
+                  <a:srgbClr val="CC7832"/>
+                </a:solidFill>
+                <a:effectLst/>
+                <a:latin typeface="JetBrains Mono"/>
+              </a:rPr>
+              <a:t>name</a:t>
+            </a:r>
+            <a:r>
+              <a:rPr kumimoji="0" lang="en-US" altLang="en-US" sz="1400" b="0" i="0" u="none" strike="noStrike" cap="none" normalizeH="0" baseline="0" dirty="0">
+                <a:ln>
+                  <a:noFill/>
+                </a:ln>
+                <a:solidFill>
+                  <a:srgbClr val="A9B7C6"/>
+                </a:solidFill>
+                <a:effectLst/>
+                <a:latin typeface="JetBrains Mono"/>
+              </a:rPr>
+              <a:t>: Check out</a:t>
+            </a:r>
+            <a:br>
+              <a:rPr kumimoji="0" lang="en-US" altLang="en-US" sz="1400" b="0" i="0" u="none" strike="noStrike" cap="none" normalizeH="0" baseline="0" dirty="0">
+                <a:ln>
+                  <a:noFill/>
+                </a:ln>
+                <a:solidFill>
+                  <a:srgbClr val="A9B7C6"/>
+                </a:solidFill>
+                <a:effectLst/>
+                <a:latin typeface="JetBrains Mono"/>
+              </a:rPr>
+            </a:br>
+            <a:r>
+              <a:rPr kumimoji="0" lang="en-US" altLang="en-US" sz="1400" b="0" i="0" u="none" strike="noStrike" cap="none" normalizeH="0" baseline="0" dirty="0">
+                <a:ln>
+                  <a:noFill/>
+                </a:ln>
+                <a:solidFill>
+                  <a:srgbClr val="A9B7C6"/>
+                </a:solidFill>
+                <a:effectLst/>
+                <a:latin typeface="JetBrains Mono"/>
+              </a:rPr>
+              <a:t>        </a:t>
+            </a:r>
+            <a:r>
+              <a:rPr kumimoji="0" lang="en-US" altLang="en-US" sz="1400" b="0" i="0" u="none" strike="noStrike" cap="none" normalizeH="0" baseline="0" dirty="0">
+                <a:ln>
+                  <a:noFill/>
+                </a:ln>
+                <a:solidFill>
+                  <a:srgbClr val="CC7832"/>
+                </a:solidFill>
+                <a:effectLst/>
+                <a:latin typeface="JetBrains Mono"/>
+              </a:rPr>
+              <a:t>uses</a:t>
+            </a:r>
+            <a:r>
+              <a:rPr kumimoji="0" lang="en-US" altLang="en-US" sz="1400" b="0" i="0" u="none" strike="noStrike" cap="none" normalizeH="0" baseline="0" dirty="0">
+                <a:ln>
+                  <a:noFill/>
+                </a:ln>
+                <a:solidFill>
+                  <a:srgbClr val="A9B7C6"/>
+                </a:solidFill>
+                <a:effectLst/>
+                <a:latin typeface="JetBrains Mono"/>
+              </a:rPr>
+              <a:t>: actions/checkout@</a:t>
+            </a:r>
+            <a:r>
+              <a:rPr lang="en-US" altLang="en-US" sz="1400" dirty="0">
+                <a:solidFill>
+                  <a:srgbClr val="A9B7C6"/>
+                </a:solidFill>
+                <a:latin typeface="JetBrains Mono"/>
+              </a:rPr>
+              <a:t>v3</a:t>
+            </a:r>
+            <a:br>
+              <a:rPr kumimoji="0" lang="en-US" altLang="en-US" sz="1400" b="0" i="0" u="none" strike="noStrike" cap="none" normalizeH="0" baseline="0" dirty="0">
+                <a:ln>
+                  <a:noFill/>
+                </a:ln>
+                <a:solidFill>
+                  <a:srgbClr val="A9B7C6"/>
+                </a:solidFill>
+                <a:effectLst/>
+                <a:latin typeface="JetBrains Mono"/>
+              </a:rPr>
+            </a:br>
+            <a:br>
+              <a:rPr kumimoji="0" lang="en-US" altLang="en-US" sz="1400" b="0" i="0" u="none" strike="noStrike" cap="none" normalizeH="0" baseline="0" dirty="0">
+                <a:ln>
+                  <a:noFill/>
+                </a:ln>
+                <a:solidFill>
+                  <a:srgbClr val="A9B7C6"/>
+                </a:solidFill>
+                <a:effectLst/>
+                <a:latin typeface="JetBrains Mono"/>
+              </a:rPr>
+            </a:br>
+            <a:r>
+              <a:rPr kumimoji="0" lang="en-US" altLang="en-US" sz="1400" b="0" i="0" u="none" strike="noStrike" cap="none" normalizeH="0" baseline="0" dirty="0">
+                <a:ln>
+                  <a:noFill/>
+                </a:ln>
+                <a:solidFill>
+                  <a:srgbClr val="A9B7C6"/>
+                </a:solidFill>
+                <a:effectLst/>
+                <a:latin typeface="JetBrains Mono"/>
+              </a:rPr>
+              <a:t>    - </a:t>
+            </a:r>
+            <a:r>
+              <a:rPr kumimoji="0" lang="en-US" altLang="en-US" sz="1400" b="0" i="0" u="none" strike="noStrike" cap="none" normalizeH="0" baseline="0" dirty="0">
+                <a:ln>
+                  <a:noFill/>
+                </a:ln>
+                <a:solidFill>
+                  <a:srgbClr val="CC7832"/>
+                </a:solidFill>
+                <a:effectLst/>
+                <a:latin typeface="JetBrains Mono"/>
+              </a:rPr>
+              <a:t>uses</a:t>
+            </a:r>
+            <a:r>
+              <a:rPr kumimoji="0" lang="en-US" altLang="en-US" sz="1400" b="0" i="0" u="none" strike="noStrike" cap="none" normalizeH="0" baseline="0" dirty="0">
+                <a:ln>
+                  <a:noFill/>
+                </a:ln>
+                <a:solidFill>
+                  <a:srgbClr val="A9B7C6"/>
+                </a:solidFill>
+                <a:effectLst/>
+                <a:latin typeface="JetBrains Mono"/>
+              </a:rPr>
+              <a:t>: actions/setup-python@v1</a:t>
+            </a:r>
+            <a:br>
+              <a:rPr kumimoji="0" lang="en-US" altLang="en-US" sz="1400" b="0" i="0" u="none" strike="noStrike" cap="none" normalizeH="0" baseline="0" dirty="0">
+                <a:ln>
+                  <a:noFill/>
+                </a:ln>
+                <a:solidFill>
+                  <a:srgbClr val="A9B7C6"/>
+                </a:solidFill>
+                <a:effectLst/>
+                <a:latin typeface="JetBrains Mono"/>
+              </a:rPr>
+            </a:br>
+            <a:r>
+              <a:rPr kumimoji="0" lang="en-US" altLang="en-US" sz="1400" b="0" i="0" u="none" strike="noStrike" cap="none" normalizeH="0" baseline="0" dirty="0">
+                <a:ln>
+                  <a:noFill/>
+                </a:ln>
+                <a:solidFill>
+                  <a:srgbClr val="A9B7C6"/>
+                </a:solidFill>
+                <a:effectLst/>
+                <a:latin typeface="JetBrains Mono"/>
+              </a:rPr>
+              <a:t>        </a:t>
+            </a:r>
+            <a:r>
+              <a:rPr kumimoji="0" lang="en-US" altLang="en-US" sz="1400" b="0" i="0" u="none" strike="noStrike" cap="none" normalizeH="0" baseline="0" dirty="0">
+                <a:ln>
+                  <a:noFill/>
+                </a:ln>
+                <a:solidFill>
+                  <a:srgbClr val="CC7832"/>
+                </a:solidFill>
+                <a:effectLst/>
+                <a:latin typeface="JetBrains Mono"/>
+              </a:rPr>
+              <a:t>with</a:t>
+            </a:r>
+            <a:r>
+              <a:rPr kumimoji="0" lang="en-US" altLang="en-US" sz="1400" b="0" i="0" u="none" strike="noStrike" cap="none" normalizeH="0" baseline="0" dirty="0">
+                <a:ln>
+                  <a:noFill/>
+                </a:ln>
+                <a:solidFill>
+                  <a:srgbClr val="A9B7C6"/>
+                </a:solidFill>
+                <a:effectLst/>
+                <a:latin typeface="JetBrains Mono"/>
+              </a:rPr>
+              <a:t>:</a:t>
+            </a:r>
+            <a:br>
+              <a:rPr kumimoji="0" lang="en-US" altLang="en-US" sz="1400" b="0" i="0" u="none" strike="noStrike" cap="none" normalizeH="0" baseline="0" dirty="0">
+                <a:ln>
+                  <a:noFill/>
+                </a:ln>
+                <a:solidFill>
+                  <a:srgbClr val="A9B7C6"/>
+                </a:solidFill>
+                <a:effectLst/>
+                <a:latin typeface="JetBrains Mono"/>
+              </a:rPr>
+            </a:br>
+            <a:r>
+              <a:rPr kumimoji="0" lang="en-US" altLang="en-US" sz="1400" b="0" i="0" u="none" strike="noStrike" cap="none" normalizeH="0" baseline="0" dirty="0">
+                <a:ln>
+                  <a:noFill/>
+                </a:ln>
+                <a:solidFill>
+                  <a:srgbClr val="A9B7C6"/>
+                </a:solidFill>
+                <a:effectLst/>
+                <a:latin typeface="JetBrains Mono"/>
+              </a:rPr>
+              <a:t>        </a:t>
+            </a:r>
+            <a:r>
+              <a:rPr kumimoji="0" lang="en-US" altLang="en-US" sz="1400" b="0" i="0" u="none" strike="noStrike" cap="none" normalizeH="0" baseline="0" dirty="0">
+                <a:ln>
+                  <a:noFill/>
+                </a:ln>
+                <a:solidFill>
+                  <a:srgbClr val="CC7832"/>
+                </a:solidFill>
+                <a:effectLst/>
+                <a:latin typeface="JetBrains Mono"/>
+              </a:rPr>
+              <a:t>python-version</a:t>
+            </a:r>
+            <a:r>
+              <a:rPr kumimoji="0" lang="en-US" altLang="en-US" sz="1400" b="0" i="0" u="none" strike="noStrike" cap="none" normalizeH="0" baseline="0" dirty="0">
+                <a:ln>
+                  <a:noFill/>
+                </a:ln>
+                <a:solidFill>
+                  <a:srgbClr val="A9B7C6"/>
+                </a:solidFill>
+                <a:effectLst/>
+                <a:latin typeface="JetBrains Mono"/>
+              </a:rPr>
+              <a:t>: </a:t>
+            </a:r>
+            <a:r>
+              <a:rPr kumimoji="0" lang="en-US" altLang="en-US" sz="1400" b="0" i="0" u="none" strike="noStrike" cap="none" normalizeH="0" baseline="0" dirty="0">
+                <a:ln>
+                  <a:noFill/>
+                </a:ln>
+                <a:solidFill>
+                  <a:srgbClr val="6A8759"/>
+                </a:solidFill>
+                <a:effectLst/>
+                <a:latin typeface="JetBrains Mono"/>
+              </a:rPr>
+              <a:t>"3.11.x"</a:t>
+            </a:r>
+            <a:br>
+              <a:rPr kumimoji="0" lang="en-US" altLang="en-US" sz="1400" b="0" i="0" u="none" strike="noStrike" cap="none" normalizeH="0" baseline="0" dirty="0">
+                <a:ln>
+                  <a:noFill/>
+                </a:ln>
+                <a:solidFill>
+                  <a:srgbClr val="6A8759"/>
+                </a:solidFill>
+                <a:effectLst/>
+                <a:latin typeface="JetBrains Mono"/>
+              </a:rPr>
+            </a:br>
+            <a:r>
+              <a:rPr kumimoji="0" lang="en-US" altLang="en-US" sz="1400" b="0" i="0" u="none" strike="noStrike" cap="none" normalizeH="0" baseline="0" dirty="0">
+                <a:ln>
+                  <a:noFill/>
+                </a:ln>
+                <a:solidFill>
+                  <a:srgbClr val="6A8759"/>
+                </a:solidFill>
+                <a:effectLst/>
+                <a:latin typeface="JetBrains Mono"/>
+              </a:rPr>
+              <a:t>    </a:t>
+            </a:r>
+            <a:r>
+              <a:rPr kumimoji="0" lang="en-US" altLang="en-US" sz="1400" b="0" i="0" u="none" strike="noStrike" cap="none" normalizeH="0" baseline="0" dirty="0">
+                <a:ln>
+                  <a:noFill/>
+                </a:ln>
+                <a:solidFill>
+                  <a:srgbClr val="A9B7C6"/>
+                </a:solidFill>
+                <a:effectLst/>
+                <a:latin typeface="JetBrains Mono"/>
+              </a:rPr>
+              <a:t>- </a:t>
+            </a:r>
+            <a:r>
+              <a:rPr kumimoji="0" lang="en-US" altLang="en-US" sz="1400" b="0" i="0" u="none" strike="noStrike" cap="none" normalizeH="0" baseline="0" dirty="0">
+                <a:ln>
+                  <a:noFill/>
+                </a:ln>
+                <a:solidFill>
+                  <a:srgbClr val="CC7832"/>
+                </a:solidFill>
+                <a:effectLst/>
+                <a:latin typeface="JetBrains Mono"/>
+              </a:rPr>
+              <a:t>name</a:t>
+            </a:r>
+            <a:r>
+              <a:rPr kumimoji="0" lang="en-US" altLang="en-US" sz="1400" b="0" i="0" u="none" strike="noStrike" cap="none" normalizeH="0" baseline="0" dirty="0">
+                <a:ln>
+                  <a:noFill/>
+                </a:ln>
+                <a:solidFill>
+                  <a:srgbClr val="A9B7C6"/>
+                </a:solidFill>
+                <a:effectLst/>
+                <a:latin typeface="JetBrains Mono"/>
+              </a:rPr>
+              <a:t>: Install dependencies</a:t>
+            </a:r>
+            <a:br>
+              <a:rPr kumimoji="0" lang="en-US" altLang="en-US" sz="1400" b="0" i="0" u="none" strike="noStrike" cap="none" normalizeH="0" baseline="0" dirty="0">
+                <a:ln>
+                  <a:noFill/>
+                </a:ln>
+                <a:solidFill>
+                  <a:srgbClr val="A9B7C6"/>
+                </a:solidFill>
+                <a:effectLst/>
+                <a:latin typeface="JetBrains Mono"/>
+              </a:rPr>
+            </a:br>
+            <a:r>
+              <a:rPr kumimoji="0" lang="en-US" altLang="en-US" sz="1400" b="0" i="0" u="none" strike="noStrike" cap="none" normalizeH="0" baseline="0" dirty="0">
+                <a:ln>
+                  <a:noFill/>
+                </a:ln>
+                <a:solidFill>
+                  <a:srgbClr val="A9B7C6"/>
+                </a:solidFill>
+                <a:effectLst/>
+                <a:latin typeface="JetBrains Mono"/>
+              </a:rPr>
+              <a:t>        </a:t>
+            </a:r>
+            <a:r>
+              <a:rPr kumimoji="0" lang="en-US" altLang="en-US" sz="1400" b="0" i="0" u="none" strike="noStrike" cap="none" normalizeH="0" baseline="0" dirty="0">
+                <a:ln>
+                  <a:noFill/>
+                </a:ln>
+                <a:solidFill>
+                  <a:srgbClr val="CC7832"/>
+                </a:solidFill>
+                <a:effectLst/>
+                <a:latin typeface="JetBrains Mono"/>
+              </a:rPr>
+              <a:t>run</a:t>
+            </a:r>
+            <a:r>
+              <a:rPr kumimoji="0" lang="en-US" altLang="en-US" sz="1400" b="0" i="0" u="none" strike="noStrike" cap="none" normalizeH="0" baseline="0" dirty="0">
+                <a:ln>
+                  <a:noFill/>
+                </a:ln>
+                <a:solidFill>
+                  <a:srgbClr val="A9B7C6"/>
+                </a:solidFill>
+                <a:effectLst/>
+                <a:latin typeface="JetBrains Mono"/>
+              </a:rPr>
+              <a:t>: |</a:t>
+            </a:r>
+            <a:br>
+              <a:rPr kumimoji="0" lang="en-US" altLang="en-US" sz="1400" b="0" i="0" u="none" strike="noStrike" cap="none" normalizeH="0" baseline="0" dirty="0">
+                <a:ln>
+                  <a:noFill/>
+                </a:ln>
+                <a:solidFill>
+                  <a:srgbClr val="A9B7C6"/>
+                </a:solidFill>
+                <a:effectLst/>
+                <a:latin typeface="JetBrains Mono"/>
+              </a:rPr>
+            </a:br>
+            <a:r>
+              <a:rPr kumimoji="0" lang="en-US" altLang="en-US" sz="1400" b="0" i="0" u="none" strike="noStrike" cap="none" normalizeH="0" baseline="0" dirty="0">
+                <a:ln>
+                  <a:noFill/>
+                </a:ln>
+                <a:solidFill>
+                  <a:srgbClr val="A9B7C6"/>
+                </a:solidFill>
+                <a:effectLst/>
+                <a:latin typeface="JetBrains Mono"/>
+              </a:rPr>
+              <a:t>        pip install </a:t>
+            </a:r>
+            <a:r>
+              <a:rPr kumimoji="0" lang="en-US" altLang="en-US" sz="1400" b="0" i="0" u="none" strike="noStrike" cap="none" normalizeH="0" baseline="0" dirty="0" err="1">
+                <a:ln>
+                  <a:noFill/>
+                </a:ln>
+                <a:solidFill>
+                  <a:srgbClr val="A9B7C6"/>
+                </a:solidFill>
+                <a:effectLst/>
+                <a:latin typeface="JetBrains Mono"/>
+              </a:rPr>
+              <a:t>dbt</a:t>
+            </a:r>
+            <a:br>
+              <a:rPr kumimoji="0" lang="en-US" altLang="en-US" sz="1400" b="0" i="0" u="none" strike="noStrike" cap="none" normalizeH="0" baseline="0" dirty="0">
+                <a:ln>
+                  <a:noFill/>
+                </a:ln>
+                <a:solidFill>
+                  <a:srgbClr val="A9B7C6"/>
+                </a:solidFill>
+                <a:effectLst/>
+                <a:latin typeface="JetBrains Mono"/>
+              </a:rPr>
+            </a:br>
+            <a:r>
+              <a:rPr kumimoji="0" lang="en-US" altLang="en-US" sz="1400" b="0" i="0" u="none" strike="noStrike" cap="none" normalizeH="0" baseline="0" dirty="0">
+                <a:ln>
+                  <a:noFill/>
+                </a:ln>
+                <a:solidFill>
+                  <a:srgbClr val="A9B7C6"/>
+                </a:solidFill>
+                <a:effectLst/>
+                <a:latin typeface="JetBrains Mono"/>
+              </a:rPr>
+              <a:t>        </a:t>
+            </a:r>
+            <a:r>
+              <a:rPr kumimoji="0" lang="en-US" altLang="en-US" sz="1400" b="0" i="0" u="none" strike="noStrike" cap="none" normalizeH="0" baseline="0" dirty="0" err="1">
+                <a:ln>
+                  <a:noFill/>
+                </a:ln>
+                <a:solidFill>
+                  <a:srgbClr val="A9B7C6"/>
+                </a:solidFill>
+                <a:effectLst/>
+                <a:latin typeface="JetBrains Mono"/>
+              </a:rPr>
+              <a:t>dbt</a:t>
+            </a:r>
+            <a:r>
+              <a:rPr kumimoji="0" lang="en-US" altLang="en-US" sz="1400" b="0" i="0" u="none" strike="noStrike" cap="none" normalizeH="0" baseline="0" dirty="0">
+                <a:ln>
+                  <a:noFill/>
+                </a:ln>
+                <a:solidFill>
+                  <a:srgbClr val="A9B7C6"/>
+                </a:solidFill>
+                <a:effectLst/>
+                <a:latin typeface="JetBrains Mono"/>
+              </a:rPr>
+              <a:t> deps</a:t>
+            </a:r>
+            <a:br>
+              <a:rPr kumimoji="0" lang="en-US" altLang="en-US" sz="1400" b="0" i="1" u="none" strike="noStrike" cap="none" normalizeH="0" baseline="0" dirty="0">
+                <a:ln>
+                  <a:noFill/>
+                </a:ln>
+                <a:solidFill>
+                  <a:srgbClr val="629755"/>
+                </a:solidFill>
+                <a:effectLst/>
+                <a:latin typeface="JetBrains Mono"/>
+              </a:rPr>
+            </a:br>
+            <a:r>
+              <a:rPr kumimoji="0" lang="en-US" altLang="en-US" sz="1400" b="0" i="1" u="none" strike="noStrike" cap="none" normalizeH="0" baseline="0" dirty="0">
+                <a:ln>
+                  <a:noFill/>
+                </a:ln>
+                <a:solidFill>
+                  <a:srgbClr val="629755"/>
+                </a:solidFill>
+                <a:effectLst/>
+                <a:latin typeface="JetBrains Mono"/>
+              </a:rPr>
+              <a:t>    </a:t>
+            </a:r>
+            <a:r>
+              <a:rPr kumimoji="0" lang="en-US" altLang="en-US" sz="1400" b="0" i="0" u="none" strike="noStrike" cap="none" normalizeH="0" baseline="0" dirty="0">
+                <a:ln>
+                  <a:noFill/>
+                </a:ln>
+                <a:solidFill>
+                  <a:srgbClr val="A9B7C6"/>
+                </a:solidFill>
+                <a:effectLst/>
+                <a:latin typeface="JetBrains Mono"/>
+              </a:rPr>
+              <a:t>- </a:t>
+            </a:r>
+            <a:r>
+              <a:rPr kumimoji="0" lang="en-US" altLang="en-US" sz="1400" b="0" i="0" u="none" strike="noStrike" cap="none" normalizeH="0" baseline="0" dirty="0">
+                <a:ln>
+                  <a:noFill/>
+                </a:ln>
+                <a:solidFill>
+                  <a:srgbClr val="CC7832"/>
+                </a:solidFill>
+                <a:effectLst/>
+                <a:latin typeface="JetBrains Mono"/>
+              </a:rPr>
+              <a:t>name</a:t>
+            </a:r>
+            <a:r>
+              <a:rPr kumimoji="0" lang="en-US" altLang="en-US" sz="1400" b="0" i="0" u="none" strike="noStrike" cap="none" normalizeH="0" baseline="0" dirty="0">
+                <a:ln>
+                  <a:noFill/>
+                </a:ln>
+                <a:solidFill>
+                  <a:srgbClr val="A9B7C6"/>
+                </a:solidFill>
+                <a:effectLst/>
+                <a:latin typeface="JetBrains Mono"/>
+              </a:rPr>
+              <a:t>: Run </a:t>
+            </a:r>
+            <a:r>
+              <a:rPr kumimoji="0" lang="en-US" altLang="en-US" sz="1400" b="0" i="0" u="none" strike="noStrike" cap="none" normalizeH="0" baseline="0" dirty="0" err="1">
+                <a:ln>
+                  <a:noFill/>
+                </a:ln>
+                <a:solidFill>
+                  <a:srgbClr val="A9B7C6"/>
+                </a:solidFill>
+                <a:effectLst/>
+                <a:latin typeface="JetBrains Mono"/>
+              </a:rPr>
+              <a:t>dbt</a:t>
+            </a:r>
+            <a:r>
+              <a:rPr kumimoji="0" lang="en-US" altLang="en-US" sz="1400" b="0" i="0" u="none" strike="noStrike" cap="none" normalizeH="0" baseline="0" dirty="0">
+                <a:ln>
+                  <a:noFill/>
+                </a:ln>
+                <a:solidFill>
+                  <a:srgbClr val="A9B7C6"/>
+                </a:solidFill>
+                <a:effectLst/>
+                <a:latin typeface="JetBrains Mono"/>
+              </a:rPr>
+              <a:t> models</a:t>
+            </a:r>
+            <a:br>
+              <a:rPr kumimoji="0" lang="en-US" altLang="en-US" sz="1400" b="0" i="0" u="none" strike="noStrike" cap="none" normalizeH="0" baseline="0" dirty="0">
+                <a:ln>
+                  <a:noFill/>
+                </a:ln>
+                <a:solidFill>
+                  <a:srgbClr val="A9B7C6"/>
+                </a:solidFill>
+                <a:effectLst/>
+                <a:latin typeface="JetBrains Mono"/>
+              </a:rPr>
+            </a:br>
+            <a:r>
+              <a:rPr kumimoji="0" lang="en-US" altLang="en-US" sz="1400" b="0" i="0" u="none" strike="noStrike" cap="none" normalizeH="0" baseline="0" dirty="0">
+                <a:ln>
+                  <a:noFill/>
+                </a:ln>
+                <a:solidFill>
+                  <a:srgbClr val="A9B7C6"/>
+                </a:solidFill>
+                <a:effectLst/>
+                <a:latin typeface="JetBrains Mono"/>
+              </a:rPr>
+              <a:t>        </a:t>
+            </a:r>
+            <a:r>
+              <a:rPr kumimoji="0" lang="en-US" altLang="en-US" sz="1400" b="0" i="0" u="none" strike="noStrike" cap="none" normalizeH="0" baseline="0" dirty="0">
+                <a:ln>
+                  <a:noFill/>
+                </a:ln>
+                <a:solidFill>
+                  <a:srgbClr val="CC7832"/>
+                </a:solidFill>
+                <a:effectLst/>
+                <a:latin typeface="JetBrains Mono"/>
+              </a:rPr>
+              <a:t>run</a:t>
+            </a:r>
+            <a:r>
+              <a:rPr kumimoji="0" lang="en-US" altLang="en-US" sz="1400" b="0" i="0" u="none" strike="noStrike" cap="none" normalizeH="0" baseline="0" dirty="0">
+                <a:ln>
+                  <a:noFill/>
+                </a:ln>
+                <a:solidFill>
+                  <a:srgbClr val="A9B7C6"/>
+                </a:solidFill>
+                <a:effectLst/>
+                <a:latin typeface="JetBrains Mono"/>
+              </a:rPr>
+              <a:t>: </a:t>
+            </a:r>
+            <a:r>
+              <a:rPr kumimoji="0" lang="en-US" altLang="en-US" sz="1400" b="0" i="0" u="none" strike="noStrike" cap="none" normalizeH="0" baseline="0" dirty="0" err="1">
+                <a:ln>
+                  <a:noFill/>
+                </a:ln>
+                <a:solidFill>
+                  <a:srgbClr val="A9B7C6"/>
+                </a:solidFill>
+                <a:effectLst/>
+                <a:latin typeface="JetBrains Mono"/>
+              </a:rPr>
+              <a:t>dbt</a:t>
+            </a:r>
+            <a:r>
+              <a:rPr kumimoji="0" lang="en-US" altLang="en-US" sz="1400" b="0" i="0" u="none" strike="noStrike" cap="none" normalizeH="0" baseline="0" dirty="0">
+                <a:ln>
+                  <a:noFill/>
+                </a:ln>
+                <a:solidFill>
+                  <a:srgbClr val="A9B7C6"/>
+                </a:solidFill>
+                <a:effectLst/>
+                <a:latin typeface="JetBrains Mono"/>
+              </a:rPr>
+              <a:t> run</a:t>
+            </a:r>
+            <a:endParaRPr kumimoji="0" lang="en-US" altLang="en-US" sz="1400" b="0" i="0" u="none" strike="noStrike" cap="none" normalizeH="0" baseline="0" dirty="0">
+              <a:ln>
+                <a:noFill/>
+              </a:ln>
+              <a:solidFill>
+                <a:schemeClr val="tx1"/>
+              </a:solidFill>
+              <a:effectLst/>
+              <a:latin typeface="Arial" panose="020B0604020202020204" pitchFamily="34" charset="0"/>
+            </a:endParaRPr>
+          </a:p>
+        </p:txBody>
+      </p:sp>
+      <p:sp>
+        <p:nvSpPr>
+          <p:cNvPr id="6" name="TextBox 5">
+            <a:extLst>
+              <a:ext uri="{FF2B5EF4-FFF2-40B4-BE49-F238E27FC236}">
+                <a16:creationId xmlns:a16="http://schemas.microsoft.com/office/drawing/2014/main" id="{89331484-0683-3C11-BDA2-DA6F44BA9B76}"/>
+              </a:ext>
+            </a:extLst>
+          </p:cNvPr>
+          <p:cNvSpPr txBox="1"/>
+          <p:nvPr/>
+        </p:nvSpPr>
+        <p:spPr>
+          <a:xfrm>
+            <a:off x="202131" y="97318"/>
+            <a:ext cx="1200072" cy="461665"/>
+          </a:xfrm>
+          <a:prstGeom prst="rect">
+            <a:avLst/>
+          </a:prstGeom>
+          <a:noFill/>
+        </p:spPr>
+        <p:txBody>
+          <a:bodyPr wrap="none" rtlCol="0">
+            <a:spAutoFit/>
+          </a:bodyPr>
           <a:lstStyle/>
           <a:p>
             <a:r>
-              <a:rPr lang="en-US" b="0" i="0" dirty="0">
-                <a:solidFill>
-                  <a:srgbClr val="242424"/>
-                </a:solidFill>
-                <a:effectLst/>
-                <a:latin typeface="source-serif-pro"/>
-              </a:rPr>
-              <a:t>GitHub Actions is a powerful CI/CD pipeline automation tool for automating software development workflows and is fast becoming one of the go-to choices for pipeline orchestration.</a:t>
-            </a:r>
-          </a:p>
-          <a:p>
-            <a:r>
-              <a:rPr lang="en-US" b="0" i="0" dirty="0">
-                <a:solidFill>
-                  <a:srgbClr val="242424"/>
-                </a:solidFill>
-                <a:effectLst/>
-                <a:latin typeface="source-serif-pro"/>
-              </a:rPr>
-              <a:t>GitHub Actions is tightly integrated with the rest of the GitHub ecosystem, making pipelines easier to use and manage. GitHub Actions allows you to create workflows triggered by various events such as commits, pull requests, and releases. This allows you to automate pipelines that are tightly linked to your development process, thus reducing errors and increasing efficiency.</a:t>
-            </a:r>
-            <a:endParaRPr lang="en-IN" dirty="0"/>
+              <a:rPr lang="en-US" sz="2400" b="1" dirty="0"/>
+              <a:t>.</a:t>
+            </a:r>
+            <a:r>
+              <a:rPr lang="en-US" sz="2400" b="1" dirty="0" err="1"/>
+              <a:t>yml</a:t>
+            </a:r>
+            <a:r>
+              <a:rPr lang="en-US" sz="2400" b="1" dirty="0"/>
+              <a:t> file</a:t>
+            </a:r>
+            <a:endParaRPr lang="en-IN" sz="2400" b="1" dirty="0"/>
           </a:p>
         </p:txBody>
       </p:sp>
     </p:spTree>
     <p:extLst>
       <p:ext uri="{BB962C8B-B14F-4D97-AF65-F5344CB8AC3E}">
-        <p14:creationId xmlns:p14="http://schemas.microsoft.com/office/powerpoint/2010/main" val="3705911144"/>
+        <p14:creationId xmlns:p14="http://schemas.microsoft.com/office/powerpoint/2010/main" val="2304814603"/>
       </p:ext>
     </p:extLst>
   </p:cSld>
@@ -7236,7 +8544,7 @@
           <p:cNvPr id="2" name="Title 1">
             <a:extLst>
               <a:ext uri="{FF2B5EF4-FFF2-40B4-BE49-F238E27FC236}">
-                <a16:creationId xmlns:a16="http://schemas.microsoft.com/office/drawing/2014/main" id="{0C251D05-EA31-48A7-DA9D-3A50E22BC5D6}"/>
+                <a16:creationId xmlns:a16="http://schemas.microsoft.com/office/drawing/2014/main" id="{C3A36DAC-CD37-044F-A25C-8E071C57359F}"/>
               </a:ext>
             </a:extLst>
           </p:cNvPr>
@@ -7247,7 +8555,12 @@
             <p:ph type="title"/>
           </p:nvPr>
         </p:nvSpPr>
-        <p:spPr/>
+        <p:spPr>
+          <a:xfrm>
+            <a:off x="838200" y="365125"/>
+            <a:ext cx="8742680" cy="803275"/>
+          </a:xfrm>
+        </p:spPr>
         <p:txBody>
           <a:bodyPr>
             <a:normAutofit/>
@@ -7255,1871 +8568,46 @@
           <a:lstStyle/>
           <a:p>
             <a:r>
-              <a:rPr lang="en-US" sz="2400" b="1" dirty="0"/>
-              <a:t>.</a:t>
-            </a:r>
-            <a:r>
-              <a:rPr lang="en-US" sz="2400" b="1" dirty="0" err="1"/>
-              <a:t>github</a:t>
-            </a:r>
-            <a:r>
-              <a:rPr lang="en-US" sz="2400" b="1" dirty="0"/>
-              <a:t>/workflows/</a:t>
-            </a:r>
-            <a:endParaRPr lang="en-IN" sz="2400" b="1" dirty="0"/>
-          </a:p>
-        </p:txBody>
-      </p:sp>
-      <p:sp>
-        <p:nvSpPr>
-          <p:cNvPr id="3" name="Content Placeholder 2">
-            <a:extLst>
-              <a:ext uri="{FF2B5EF4-FFF2-40B4-BE49-F238E27FC236}">
-                <a16:creationId xmlns:a16="http://schemas.microsoft.com/office/drawing/2014/main" id="{E9F17329-F427-8C14-6A81-7B0811AEBC92}"/>
-              </a:ext>
-            </a:extLst>
-          </p:cNvPr>
-          <p:cNvSpPr>
-            <a:spLocks noGrp="1"/>
-          </p:cNvSpPr>
+              <a:rPr lang="en-US" sz="3200" b="1" dirty="0"/>
+              <a:t>Actions Workflow</a:t>
+            </a:r>
+            <a:endParaRPr lang="en-IN" sz="3200" b="1" dirty="0"/>
+          </a:p>
+        </p:txBody>
+      </p:sp>
+      <p:pic>
+        <p:nvPicPr>
+          <p:cNvPr id="5" name="Content Placeholder 4">
+            <a:extLst>
+              <a:ext uri="{FF2B5EF4-FFF2-40B4-BE49-F238E27FC236}">
+                <a16:creationId xmlns:a16="http://schemas.microsoft.com/office/drawing/2014/main" id="{4D07CE67-0AC6-EE60-F97A-9D6D149BD331}"/>
+              </a:ext>
+            </a:extLst>
+          </p:cNvPr>
+          <p:cNvPicPr>
+            <a:picLocks noGrp="1" noChangeAspect="1"/>
+          </p:cNvPicPr>
           <p:nvPr>
             <p:ph idx="1"/>
           </p:nvPr>
-        </p:nvSpPr>
+        </p:nvPicPr>
+        <p:blipFill>
+          <a:blip r:embed="rId2"/>
+          <a:stretch>
+            <a:fillRect/>
+          </a:stretch>
+        </p:blipFill>
         <p:spPr>
           <a:xfrm>
-            <a:off x="838200" y="1347537"/>
-            <a:ext cx="10515600" cy="4829426"/>
+            <a:off x="838200" y="1280160"/>
+            <a:ext cx="8937777" cy="5435600"/>
           </a:xfrm>
         </p:spPr>
-        <p:txBody>
-          <a:bodyPr>
-            <a:normAutofit lnSpcReduction="10000"/>
-          </a:bodyPr>
-          <a:lstStyle/>
-          <a:p>
-            <a:r>
-              <a:rPr lang="en-US" dirty="0"/>
-              <a:t>Create a </a:t>
-            </a:r>
-            <a:r>
-              <a:rPr lang="en-US" dirty="0" err="1"/>
-              <a:t>yml</a:t>
-            </a:r>
-            <a:r>
-              <a:rPr lang="en-US" dirty="0"/>
-              <a:t> file that connects with the </a:t>
-            </a:r>
-            <a:r>
-              <a:rPr lang="en-US" dirty="0" err="1"/>
-              <a:t>github</a:t>
-            </a:r>
-            <a:r>
-              <a:rPr lang="en-US" dirty="0"/>
-              <a:t>. This is the actions file that setups the workflow. When to run or on what action to run.</a:t>
-            </a:r>
-          </a:p>
-          <a:p>
-            <a:endParaRPr lang="en-IN" dirty="0"/>
-          </a:p>
-          <a:p>
-            <a:endParaRPr lang="en-IN" dirty="0"/>
-          </a:p>
-          <a:p>
-            <a:r>
-              <a:rPr lang="en-US" b="0" i="0" dirty="0">
-                <a:solidFill>
-                  <a:srgbClr val="001D35"/>
-                </a:solidFill>
-                <a:effectLst/>
-                <a:latin typeface="Google Sans"/>
-              </a:rPr>
-              <a:t>Continuous integration (CI) is </a:t>
-            </a:r>
-            <a:r>
-              <a:rPr lang="en-US" b="1" i="0" dirty="0">
-                <a:solidFill>
-                  <a:srgbClr val="001D35"/>
-                </a:solidFill>
-                <a:effectLst/>
-                <a:latin typeface="Google Sans"/>
-              </a:rPr>
-              <a:t>a software development practice where developers merge their changes to a shared repository multiple times a day</a:t>
-            </a:r>
-            <a:r>
-              <a:rPr lang="en-US" b="0" i="0" dirty="0">
-                <a:solidFill>
-                  <a:srgbClr val="001D35"/>
-                </a:solidFill>
-                <a:effectLst/>
-                <a:latin typeface="Google Sans"/>
-              </a:rPr>
-              <a:t>.</a:t>
-            </a:r>
-            <a:endParaRPr lang="en-IN" b="0" i="0" dirty="0">
-              <a:solidFill>
-                <a:srgbClr val="001D35"/>
-              </a:solidFill>
-              <a:effectLst/>
-              <a:latin typeface="Google Sans"/>
-            </a:endParaRPr>
-          </a:p>
-          <a:p>
-            <a:pPr algn="l">
-              <a:buFont typeface="Arial" panose="020B0604020202020204" pitchFamily="34" charset="0"/>
-              <a:buChar char="•"/>
-            </a:pPr>
-            <a:r>
-              <a:rPr lang="en-US" b="0" i="0" dirty="0">
-                <a:solidFill>
-                  <a:srgbClr val="001D35"/>
-                </a:solidFill>
-                <a:effectLst/>
-                <a:latin typeface="Google Sans"/>
-              </a:rPr>
-              <a:t>Regularly merging small code changes is typically a more accurate and safer process.</a:t>
-            </a:r>
-          </a:p>
-          <a:p>
-            <a:pPr algn="l">
-              <a:buFont typeface="Arial" panose="020B0604020202020204" pitchFamily="34" charset="0"/>
-              <a:buChar char="•"/>
-            </a:pPr>
-            <a:r>
-              <a:rPr lang="en-US" b="0" i="0">
-                <a:solidFill>
-                  <a:srgbClr val="001D35"/>
-                </a:solidFill>
-                <a:effectLst/>
-                <a:latin typeface="Google Sans"/>
-              </a:rPr>
-              <a:t>If any bugs are found in the merging process, they're easier and faster to find.</a:t>
-            </a:r>
-          </a:p>
-        </p:txBody>
-      </p:sp>
+      </p:pic>
     </p:spTree>
     <p:extLst>
       <p:ext uri="{BB962C8B-B14F-4D97-AF65-F5344CB8AC3E}">
-        <p14:creationId xmlns:p14="http://schemas.microsoft.com/office/powerpoint/2010/main" val="1931361897"/>
-      </p:ext>
-    </p:extLst>
-  </p:cSld>
-  <p:clrMapOvr>
-    <a:masterClrMapping/>
-  </p:clrMapOvr>
-</p:sld>
-</file>
-
-<file path=ppt/slides/slide25.xml><?xml version="1.0" encoding="utf-8"?>
-<p:sld xmlns:a="http://schemas.openxmlformats.org/drawingml/2006/main" xmlns:r="http://schemas.openxmlformats.org/officeDocument/2006/relationships" xmlns:p="http://schemas.openxmlformats.org/presentationml/2006/main">
-  <p:cSld>
-    <p:spTree>
-      <p:nvGrpSpPr>
-        <p:cNvPr id="1" name=""/>
-        <p:cNvGrpSpPr/>
-        <p:nvPr/>
-      </p:nvGrpSpPr>
-      <p:grpSpPr>
-        <a:xfrm>
-          <a:off x="0" y="0"/>
-          <a:ext cx="0" cy="0"/>
-          <a:chOff x="0" y="0"/>
-          <a:chExt cx="0" cy="0"/>
-        </a:xfrm>
-      </p:grpSpPr>
-      <p:sp>
-        <p:nvSpPr>
-          <p:cNvPr id="5" name="Rectangle 1">
-            <a:extLst>
-              <a:ext uri="{FF2B5EF4-FFF2-40B4-BE49-F238E27FC236}">
-                <a16:creationId xmlns:a16="http://schemas.microsoft.com/office/drawing/2014/main" id="{30B7C79A-62D6-FFCA-30BE-E1D8EB0A8BED}"/>
-              </a:ext>
-            </a:extLst>
-          </p:cNvPr>
-          <p:cNvSpPr>
-            <a:spLocks noGrp="1" noChangeArrowheads="1"/>
-          </p:cNvSpPr>
-          <p:nvPr>
-            <p:ph idx="1"/>
-          </p:nvPr>
-        </p:nvSpPr>
-        <p:spPr bwMode="auto">
-          <a:xfrm>
-            <a:off x="125128" y="761177"/>
-            <a:ext cx="12233710" cy="5847755"/>
-          </a:xfrm>
-          <a:prstGeom prst="rect">
-            <a:avLst/>
-          </a:prstGeom>
-          <a:solidFill>
-            <a:srgbClr val="2B2B2B"/>
-          </a:solidFill>
-          <a:ln>
-            <a:noFill/>
-          </a:ln>
-          <a:effectLst/>
-          <a:extLst>
-            <a:ext uri="{91240B29-F687-4F45-9708-019B960494DF}">
-              <a14:hiddenLine xmlns:a14="http://schemas.microsoft.com/office/drawing/2010/main" w="9525">
-                <a:solidFill>
-                  <a:schemeClr val="tx1"/>
-                </a:solidFill>
-                <a:miter lim="800000"/>
-                <a:headEnd/>
-                <a:tailEnd/>
-              </a14:hiddenLine>
-            </a:ext>
-            <a:ext uri="{AF507438-7753-43E0-B8FC-AC1667EBCBE1}">
-              <a14:hiddenEffects xmlns:a14="http://schemas.microsoft.com/office/drawing/2010/main">
-                <a:effectLst>
-                  <a:outerShdw dist="35921" dir="2700000" algn="ctr" rotWithShape="0">
-                    <a:schemeClr val="bg2"/>
-                  </a:outerShdw>
-                </a:effectLst>
-              </a14:hiddenEffects>
-            </a:ext>
-          </a:extLst>
-        </p:spPr>
-        <p:txBody>
-          <a:bodyPr vert="horz" wrap="square" lIns="91440" tIns="45720" rIns="91440" bIns="45720" numCol="1" anchor="ctr" anchorCtr="0" compatLnSpc="1">
-            <a:prstTxWarp prst="textNoShape">
-              <a:avLst/>
-            </a:prstTxWarp>
-            <a:spAutoFit/>
-          </a:bodyPr>
-          <a:lstStyle/>
-          <a:p>
-            <a:pPr marL="0" marR="0" lvl="0" indent="0" algn="l" defTabSz="914400" rtl="0" eaLnBrk="0" fontAlgn="base" latinLnBrk="0" hangingPunct="0">
-              <a:lnSpc>
-                <a:spcPct val="100000"/>
-              </a:lnSpc>
-              <a:spcBef>
-                <a:spcPct val="0"/>
-              </a:spcBef>
-              <a:spcAft>
-                <a:spcPct val="0"/>
-              </a:spcAft>
-              <a:buClrTx/>
-              <a:buSzTx/>
-              <a:buFontTx/>
-              <a:buNone/>
-              <a:tabLst/>
-            </a:pPr>
-            <a:r>
-              <a:rPr kumimoji="0" lang="en-US" altLang="en-US" sz="1100" b="0" i="0" u="none" strike="noStrike" cap="none" normalizeH="0" baseline="0" dirty="0">
-                <a:ln>
-                  <a:noFill/>
-                </a:ln>
-                <a:solidFill>
-                  <a:srgbClr val="CC7832"/>
-                </a:solidFill>
-                <a:effectLst/>
-                <a:latin typeface="JetBrains Mono"/>
-              </a:rPr>
-              <a:t>on</a:t>
-            </a:r>
-            <a:r>
-              <a:rPr kumimoji="0" lang="en-US" altLang="en-US" sz="1100" b="0" i="0" u="none" strike="noStrike" cap="none" normalizeH="0" baseline="0" dirty="0">
-                <a:ln>
-                  <a:noFill/>
-                </a:ln>
-                <a:solidFill>
-                  <a:srgbClr val="A9B7C6"/>
-                </a:solidFill>
-                <a:effectLst/>
-                <a:latin typeface="JetBrains Mono"/>
-              </a:rPr>
-              <a:t>:</a:t>
-            </a:r>
-            <a:br>
-              <a:rPr kumimoji="0" lang="en-US" altLang="en-US" sz="1100" b="0" i="0" u="none" strike="noStrike" cap="none" normalizeH="0" baseline="0" dirty="0">
-                <a:ln>
-                  <a:noFill/>
-                </a:ln>
-                <a:solidFill>
-                  <a:srgbClr val="A9B7C6"/>
-                </a:solidFill>
-                <a:effectLst/>
-                <a:latin typeface="JetBrains Mono"/>
-              </a:rPr>
-            </a:br>
-            <a:r>
-              <a:rPr kumimoji="0" lang="en-US" altLang="en-US" sz="1100" b="0" i="0" u="none" strike="noStrike" cap="none" normalizeH="0" baseline="0" dirty="0">
-                <a:ln>
-                  <a:noFill/>
-                </a:ln>
-                <a:solidFill>
-                  <a:srgbClr val="CC7832"/>
-                </a:solidFill>
-                <a:effectLst/>
-                <a:latin typeface="JetBrains Mono"/>
-              </a:rPr>
-              <a:t>push</a:t>
-            </a:r>
-            <a:r>
-              <a:rPr kumimoji="0" lang="en-US" altLang="en-US" sz="1100" b="0" i="0" u="none" strike="noStrike" cap="none" normalizeH="0" baseline="0" dirty="0">
-                <a:ln>
-                  <a:noFill/>
-                </a:ln>
-                <a:solidFill>
-                  <a:srgbClr val="A9B7C6"/>
-                </a:solidFill>
-                <a:effectLst/>
-                <a:latin typeface="JetBrains Mono"/>
-              </a:rPr>
-              <a:t>:</a:t>
-            </a:r>
-            <a:br>
-              <a:rPr kumimoji="0" lang="en-US" altLang="en-US" sz="1100" b="0" i="0" u="none" strike="noStrike" cap="none" normalizeH="0" baseline="0" dirty="0">
-                <a:ln>
-                  <a:noFill/>
-                </a:ln>
-                <a:solidFill>
-                  <a:srgbClr val="A9B7C6"/>
-                </a:solidFill>
-                <a:effectLst/>
-                <a:latin typeface="JetBrains Mono"/>
-              </a:rPr>
-            </a:br>
-            <a:r>
-              <a:rPr kumimoji="0" lang="en-US" altLang="en-US" sz="1100" b="0" i="0" u="none" strike="noStrike" cap="none" normalizeH="0" baseline="0" dirty="0">
-                <a:ln>
-                  <a:noFill/>
-                </a:ln>
-                <a:solidFill>
-                  <a:srgbClr val="A9B7C6"/>
-                </a:solidFill>
-                <a:effectLst/>
-                <a:latin typeface="JetBrains Mono"/>
-              </a:rPr>
-              <a:t>    </a:t>
-            </a:r>
-            <a:r>
-              <a:rPr kumimoji="0" lang="en-US" altLang="en-US" sz="1100" b="0" i="0" u="none" strike="noStrike" cap="none" normalizeH="0" baseline="0" dirty="0">
-                <a:ln>
-                  <a:noFill/>
-                </a:ln>
-                <a:solidFill>
-                  <a:srgbClr val="CC7832"/>
-                </a:solidFill>
-                <a:effectLst/>
-                <a:latin typeface="JetBrains Mono"/>
-              </a:rPr>
-              <a:t>branches</a:t>
-            </a:r>
-            <a:r>
-              <a:rPr kumimoji="0" lang="en-US" altLang="en-US" sz="1100" b="0" i="0" u="none" strike="noStrike" cap="none" normalizeH="0" baseline="0" dirty="0">
-                <a:ln>
-                  <a:noFill/>
-                </a:ln>
-                <a:solidFill>
-                  <a:srgbClr val="A9B7C6"/>
-                </a:solidFill>
-                <a:effectLst/>
-                <a:latin typeface="JetBrains Mono"/>
-              </a:rPr>
-              <a:t>:</a:t>
-            </a:r>
-            <a:br>
-              <a:rPr kumimoji="0" lang="en-US" altLang="en-US" sz="1100" b="0" i="0" u="none" strike="noStrike" cap="none" normalizeH="0" baseline="0" dirty="0">
-                <a:ln>
-                  <a:noFill/>
-                </a:ln>
-                <a:solidFill>
-                  <a:srgbClr val="A9B7C6"/>
-                </a:solidFill>
-                <a:effectLst/>
-                <a:latin typeface="JetBrains Mono"/>
-              </a:rPr>
-            </a:br>
-            <a:r>
-              <a:rPr kumimoji="0" lang="en-US" altLang="en-US" sz="1100" b="0" i="0" u="none" strike="noStrike" cap="none" normalizeH="0" baseline="0" dirty="0">
-                <a:ln>
-                  <a:noFill/>
-                </a:ln>
-                <a:solidFill>
-                  <a:srgbClr val="A9B7C6"/>
-                </a:solidFill>
-                <a:effectLst/>
-                <a:latin typeface="JetBrains Mono"/>
-              </a:rPr>
-              <a:t>    </a:t>
-            </a:r>
-            <a:r>
-              <a:rPr kumimoji="0" lang="en-US" altLang="en-US" sz="1100" b="0" i="1" u="none" strike="noStrike" cap="none" normalizeH="0" baseline="0" dirty="0">
-                <a:ln>
-                  <a:noFill/>
-                </a:ln>
-                <a:solidFill>
-                  <a:srgbClr val="629755"/>
-                </a:solidFill>
-                <a:effectLst/>
-                <a:latin typeface="JetBrains Mono"/>
-              </a:rPr>
-              <a:t># run on push to development branch</a:t>
-            </a:r>
-            <a:br>
-              <a:rPr kumimoji="0" lang="en-US" altLang="en-US" sz="1100" b="0" i="1" u="none" strike="noStrike" cap="none" normalizeH="0" baseline="0" dirty="0">
-                <a:ln>
-                  <a:noFill/>
-                </a:ln>
-                <a:solidFill>
-                  <a:srgbClr val="629755"/>
-                </a:solidFill>
-                <a:effectLst/>
-                <a:latin typeface="JetBrains Mono"/>
-              </a:rPr>
-            </a:br>
-            <a:r>
-              <a:rPr kumimoji="0" lang="en-US" altLang="en-US" sz="1100" b="0" i="1" u="none" strike="noStrike" cap="none" normalizeH="0" baseline="0" dirty="0">
-                <a:ln>
-                  <a:noFill/>
-                </a:ln>
-                <a:solidFill>
-                  <a:srgbClr val="629755"/>
-                </a:solidFill>
-                <a:effectLst/>
-                <a:latin typeface="JetBrains Mono"/>
-              </a:rPr>
-              <a:t>    </a:t>
-            </a:r>
-            <a:r>
-              <a:rPr kumimoji="0" lang="en-US" altLang="en-US" sz="1100" b="0" i="0" u="none" strike="noStrike" cap="none" normalizeH="0" baseline="0" dirty="0">
-                <a:ln>
-                  <a:noFill/>
-                </a:ln>
-                <a:solidFill>
-                  <a:srgbClr val="A9B7C6"/>
-                </a:solidFill>
-                <a:effectLst/>
-                <a:latin typeface="JetBrains Mono"/>
-              </a:rPr>
-              <a:t>- development</a:t>
-            </a:r>
-            <a:br>
-              <a:rPr kumimoji="0" lang="en-US" altLang="en-US" sz="1100" b="0" i="0" u="none" strike="noStrike" cap="none" normalizeH="0" baseline="0" dirty="0">
-                <a:ln>
-                  <a:noFill/>
-                </a:ln>
-                <a:solidFill>
-                  <a:srgbClr val="A9B7C6"/>
-                </a:solidFill>
-                <a:effectLst/>
-                <a:latin typeface="JetBrains Mono"/>
-              </a:rPr>
-            </a:br>
-            <a:r>
-              <a:rPr kumimoji="0" lang="en-US" altLang="en-US" sz="1100" b="0" i="0" u="none" strike="noStrike" cap="none" normalizeH="0" baseline="0" dirty="0">
-                <a:ln>
-                  <a:noFill/>
-                </a:ln>
-                <a:solidFill>
-                  <a:srgbClr val="CC7832"/>
-                </a:solidFill>
-                <a:effectLst/>
-                <a:latin typeface="JetBrains Mono"/>
-              </a:rPr>
-              <a:t>env</a:t>
-            </a:r>
-            <a:r>
-              <a:rPr kumimoji="0" lang="en-US" altLang="en-US" sz="1100" b="0" i="0" u="none" strike="noStrike" cap="none" normalizeH="0" baseline="0" dirty="0">
-                <a:ln>
-                  <a:noFill/>
-                </a:ln>
-                <a:solidFill>
-                  <a:srgbClr val="A9B7C6"/>
-                </a:solidFill>
-                <a:effectLst/>
-                <a:latin typeface="JetBrains Mono"/>
-              </a:rPr>
-              <a:t>:</a:t>
-            </a:r>
-            <a:br>
-              <a:rPr kumimoji="0" lang="en-US" altLang="en-US" sz="1100" b="0" i="0" u="none" strike="noStrike" cap="none" normalizeH="0" baseline="0" dirty="0">
-                <a:ln>
-                  <a:noFill/>
-                </a:ln>
-                <a:solidFill>
-                  <a:srgbClr val="A9B7C6"/>
-                </a:solidFill>
-                <a:effectLst/>
-                <a:latin typeface="JetBrains Mono"/>
-              </a:rPr>
-            </a:br>
-            <a:r>
-              <a:rPr kumimoji="0" lang="en-US" altLang="en-US" sz="1100" b="0" i="0" u="none" strike="noStrike" cap="none" normalizeH="0" baseline="0" dirty="0">
-                <a:ln>
-                  <a:noFill/>
-                </a:ln>
-                <a:solidFill>
-                  <a:srgbClr val="CC7832"/>
-                </a:solidFill>
-                <a:effectLst/>
-                <a:latin typeface="JetBrains Mono"/>
-              </a:rPr>
-              <a:t>DBT_PROFILES_DIR</a:t>
-            </a:r>
-            <a:r>
-              <a:rPr kumimoji="0" lang="en-US" altLang="en-US" sz="1100" b="0" i="0" u="none" strike="noStrike" cap="none" normalizeH="0" baseline="0" dirty="0">
-                <a:ln>
-                  <a:noFill/>
-                </a:ln>
-                <a:solidFill>
-                  <a:srgbClr val="A9B7C6"/>
-                </a:solidFill>
-                <a:effectLst/>
-                <a:latin typeface="JetBrains Mono"/>
-              </a:rPr>
-              <a:t>: ./</a:t>
-            </a:r>
-            <a:br>
-              <a:rPr kumimoji="0" lang="en-US" altLang="en-US" sz="1100" b="0" i="0" u="none" strike="noStrike" cap="none" normalizeH="0" baseline="0" dirty="0">
-                <a:ln>
-                  <a:noFill/>
-                </a:ln>
-                <a:solidFill>
-                  <a:srgbClr val="A9B7C6"/>
-                </a:solidFill>
-                <a:effectLst/>
-                <a:latin typeface="JetBrains Mono"/>
-              </a:rPr>
-            </a:br>
-            <a:br>
-              <a:rPr kumimoji="0" lang="en-US" altLang="en-US" sz="1100" b="0" i="0" u="none" strike="noStrike" cap="none" normalizeH="0" baseline="0" dirty="0">
-                <a:ln>
-                  <a:noFill/>
-                </a:ln>
-                <a:solidFill>
-                  <a:srgbClr val="A9B7C6"/>
-                </a:solidFill>
-                <a:effectLst/>
-                <a:latin typeface="JetBrains Mono"/>
-              </a:rPr>
-            </a:br>
-            <a:r>
-              <a:rPr kumimoji="0" lang="en-US" altLang="en-US" sz="1100" b="0" i="0" u="none" strike="noStrike" cap="none" normalizeH="0" baseline="0" dirty="0">
-                <a:ln>
-                  <a:noFill/>
-                </a:ln>
-                <a:solidFill>
-                  <a:srgbClr val="CC7832"/>
-                </a:solidFill>
-                <a:effectLst/>
-                <a:latin typeface="JetBrains Mono"/>
-              </a:rPr>
-              <a:t>DBT_SNOWFLAKE_ACCOUNT</a:t>
-            </a:r>
-            <a:r>
-              <a:rPr kumimoji="0" lang="en-US" altLang="en-US" sz="1100" b="0" i="0" u="none" strike="noStrike" cap="none" normalizeH="0" baseline="0" dirty="0">
-                <a:ln>
-                  <a:noFill/>
-                </a:ln>
-                <a:solidFill>
-                  <a:srgbClr val="A9B7C6"/>
-                </a:solidFill>
-                <a:effectLst/>
-                <a:latin typeface="JetBrains Mono"/>
-              </a:rPr>
-              <a:t>: ${{ </a:t>
-            </a:r>
-            <a:r>
-              <a:rPr kumimoji="0" lang="en-US" altLang="en-US" sz="1100" b="0" i="0" u="none" strike="noStrike" cap="none" normalizeH="0" baseline="0" dirty="0" err="1">
-                <a:ln>
-                  <a:noFill/>
-                </a:ln>
-                <a:solidFill>
-                  <a:srgbClr val="A9B7C6"/>
-                </a:solidFill>
-                <a:effectLst/>
-                <a:latin typeface="JetBrains Mono"/>
-              </a:rPr>
-              <a:t>secrets.SNOWFLAKE_ACCOUNT</a:t>
-            </a:r>
-            <a:r>
-              <a:rPr kumimoji="0" lang="en-US" altLang="en-US" sz="1100" b="0" i="0" u="none" strike="noStrike" cap="none" normalizeH="0" baseline="0" dirty="0">
-                <a:ln>
-                  <a:noFill/>
-                </a:ln>
-                <a:solidFill>
-                  <a:srgbClr val="A9B7C6"/>
-                </a:solidFill>
-                <a:effectLst/>
-                <a:latin typeface="JetBrains Mono"/>
-              </a:rPr>
-              <a:t> }}</a:t>
-            </a:r>
-            <a:br>
-              <a:rPr kumimoji="0" lang="en-US" altLang="en-US" sz="1100" b="0" i="0" u="none" strike="noStrike" cap="none" normalizeH="0" baseline="0" dirty="0">
-                <a:ln>
-                  <a:noFill/>
-                </a:ln>
-                <a:solidFill>
-                  <a:srgbClr val="A9B7C6"/>
-                </a:solidFill>
-                <a:effectLst/>
-                <a:latin typeface="JetBrains Mono"/>
-              </a:rPr>
-            </a:br>
-            <a:r>
-              <a:rPr kumimoji="0" lang="en-US" altLang="en-US" sz="1100" b="0" i="0" u="none" strike="noStrike" cap="none" normalizeH="0" baseline="0" dirty="0">
-                <a:ln>
-                  <a:noFill/>
-                </a:ln>
-                <a:solidFill>
-                  <a:srgbClr val="CC7832"/>
-                </a:solidFill>
-                <a:effectLst/>
-                <a:latin typeface="JetBrains Mono"/>
-              </a:rPr>
-              <a:t>DBT_SNOWFLAKE_USERNAME</a:t>
-            </a:r>
-            <a:r>
-              <a:rPr kumimoji="0" lang="en-US" altLang="en-US" sz="1100" b="0" i="0" u="none" strike="noStrike" cap="none" normalizeH="0" baseline="0" dirty="0">
-                <a:ln>
-                  <a:noFill/>
-                </a:ln>
-                <a:solidFill>
-                  <a:srgbClr val="A9B7C6"/>
-                </a:solidFill>
-                <a:effectLst/>
-                <a:latin typeface="JetBrains Mono"/>
-              </a:rPr>
-              <a:t>: ${{ </a:t>
-            </a:r>
-            <a:r>
-              <a:rPr kumimoji="0" lang="en-US" altLang="en-US" sz="1100" b="0" i="0" u="none" strike="noStrike" cap="none" normalizeH="0" baseline="0" dirty="0" err="1">
-                <a:ln>
-                  <a:noFill/>
-                </a:ln>
-                <a:solidFill>
-                  <a:srgbClr val="A9B7C6"/>
-                </a:solidFill>
-                <a:effectLst/>
-                <a:latin typeface="JetBrains Mono"/>
-              </a:rPr>
-              <a:t>secrets.SNOWFLAKE_USER</a:t>
-            </a:r>
-            <a:r>
-              <a:rPr kumimoji="0" lang="en-US" altLang="en-US" sz="1100" b="0" i="0" u="none" strike="noStrike" cap="none" normalizeH="0" baseline="0" dirty="0">
-                <a:ln>
-                  <a:noFill/>
-                </a:ln>
-                <a:solidFill>
-                  <a:srgbClr val="A9B7C6"/>
-                </a:solidFill>
-                <a:effectLst/>
-                <a:latin typeface="JetBrains Mono"/>
-              </a:rPr>
-              <a:t> }}</a:t>
-            </a:r>
-            <a:br>
-              <a:rPr kumimoji="0" lang="en-US" altLang="en-US" sz="1100" b="0" i="0" u="none" strike="noStrike" cap="none" normalizeH="0" baseline="0" dirty="0">
-                <a:ln>
-                  <a:noFill/>
-                </a:ln>
-                <a:solidFill>
-                  <a:srgbClr val="A9B7C6"/>
-                </a:solidFill>
-                <a:effectLst/>
-                <a:latin typeface="JetBrains Mono"/>
-              </a:rPr>
-            </a:br>
-            <a:r>
-              <a:rPr kumimoji="0" lang="en-US" altLang="en-US" sz="1100" b="0" i="0" u="none" strike="noStrike" cap="none" normalizeH="0" baseline="0" dirty="0">
-                <a:ln>
-                  <a:noFill/>
-                </a:ln>
-                <a:solidFill>
-                  <a:srgbClr val="CC7832"/>
-                </a:solidFill>
-                <a:effectLst/>
-                <a:latin typeface="JetBrains Mono"/>
-              </a:rPr>
-              <a:t>DBT_SNOWFLAKE_PW</a:t>
-            </a:r>
-            <a:r>
-              <a:rPr kumimoji="0" lang="en-US" altLang="en-US" sz="1100" b="0" i="0" u="none" strike="noStrike" cap="none" normalizeH="0" baseline="0" dirty="0">
-                <a:ln>
-                  <a:noFill/>
-                </a:ln>
-                <a:solidFill>
-                  <a:srgbClr val="A9B7C6"/>
-                </a:solidFill>
-                <a:effectLst/>
-                <a:latin typeface="JetBrains Mono"/>
-              </a:rPr>
-              <a:t>: ${{ </a:t>
-            </a:r>
-            <a:r>
-              <a:rPr kumimoji="0" lang="en-US" altLang="en-US" sz="1100" b="0" i="0" u="none" strike="noStrike" cap="none" normalizeH="0" baseline="0" dirty="0" err="1">
-                <a:ln>
-                  <a:noFill/>
-                </a:ln>
-                <a:solidFill>
-                  <a:srgbClr val="A9B7C6"/>
-                </a:solidFill>
-                <a:effectLst/>
-                <a:latin typeface="JetBrains Mono"/>
-              </a:rPr>
-              <a:t>secrets.SNOWFLAKE_PASSWORD</a:t>
-            </a:r>
-            <a:r>
-              <a:rPr kumimoji="0" lang="en-US" altLang="en-US" sz="1100" b="0" i="0" u="none" strike="noStrike" cap="none" normalizeH="0" baseline="0" dirty="0">
-                <a:ln>
-                  <a:noFill/>
-                </a:ln>
-                <a:solidFill>
-                  <a:srgbClr val="A9B7C6"/>
-                </a:solidFill>
-                <a:effectLst/>
-                <a:latin typeface="JetBrains Mono"/>
-              </a:rPr>
-              <a:t> }}</a:t>
-            </a:r>
-            <a:br>
-              <a:rPr kumimoji="0" lang="en-US" altLang="en-US" sz="1100" b="0" i="0" u="none" strike="noStrike" cap="none" normalizeH="0" baseline="0" dirty="0">
-                <a:ln>
-                  <a:noFill/>
-                </a:ln>
-                <a:solidFill>
-                  <a:srgbClr val="A9B7C6"/>
-                </a:solidFill>
-                <a:effectLst/>
-                <a:latin typeface="JetBrains Mono"/>
-              </a:rPr>
-            </a:br>
-            <a:r>
-              <a:rPr kumimoji="0" lang="en-US" altLang="en-US" sz="1100" b="0" i="0" u="none" strike="noStrike" cap="none" normalizeH="0" baseline="0" dirty="0">
-                <a:ln>
-                  <a:noFill/>
-                </a:ln>
-                <a:solidFill>
-                  <a:srgbClr val="CC7832"/>
-                </a:solidFill>
-                <a:effectLst/>
-                <a:latin typeface="JetBrains Mono"/>
-              </a:rPr>
-              <a:t>DBT_SNOWFLAKE_ROLE</a:t>
-            </a:r>
-            <a:r>
-              <a:rPr kumimoji="0" lang="en-US" altLang="en-US" sz="1100" b="0" i="0" u="none" strike="noStrike" cap="none" normalizeH="0" baseline="0" dirty="0">
-                <a:ln>
-                  <a:noFill/>
-                </a:ln>
-                <a:solidFill>
-                  <a:srgbClr val="A9B7C6"/>
-                </a:solidFill>
-                <a:effectLst/>
-                <a:latin typeface="JetBrains Mono"/>
-              </a:rPr>
-              <a:t>: ${{ </a:t>
-            </a:r>
-            <a:r>
-              <a:rPr kumimoji="0" lang="en-US" altLang="en-US" sz="1100" b="0" i="0" u="none" strike="noStrike" cap="none" normalizeH="0" baseline="0" dirty="0" err="1">
-                <a:ln>
-                  <a:noFill/>
-                </a:ln>
-                <a:solidFill>
-                  <a:srgbClr val="A9B7C6"/>
-                </a:solidFill>
-                <a:effectLst/>
-                <a:latin typeface="JetBrains Mono"/>
-              </a:rPr>
-              <a:t>secrets.SNOWFLAKE_ROLE</a:t>
-            </a:r>
-            <a:r>
-              <a:rPr kumimoji="0" lang="en-US" altLang="en-US" sz="1100" b="0" i="0" u="none" strike="noStrike" cap="none" normalizeH="0" baseline="0" dirty="0">
-                <a:ln>
-                  <a:noFill/>
-                </a:ln>
-                <a:solidFill>
-                  <a:srgbClr val="A9B7C6"/>
-                </a:solidFill>
-                <a:effectLst/>
-                <a:latin typeface="JetBrains Mono"/>
-              </a:rPr>
-              <a:t> }}</a:t>
-            </a:r>
-            <a:br>
-              <a:rPr kumimoji="0" lang="en-US" altLang="en-US" sz="1100" b="0" i="0" u="none" strike="noStrike" cap="none" normalizeH="0" baseline="0" dirty="0">
-                <a:ln>
-                  <a:noFill/>
-                </a:ln>
-                <a:solidFill>
-                  <a:srgbClr val="A9B7C6"/>
-                </a:solidFill>
-                <a:effectLst/>
-                <a:latin typeface="JetBrains Mono"/>
-              </a:rPr>
-            </a:br>
-            <a:br>
-              <a:rPr kumimoji="0" lang="en-US" altLang="en-US" sz="1100" b="0" i="0" u="none" strike="noStrike" cap="none" normalizeH="0" baseline="0" dirty="0">
-                <a:ln>
-                  <a:noFill/>
-                </a:ln>
-                <a:solidFill>
-                  <a:srgbClr val="A9B7C6"/>
-                </a:solidFill>
-                <a:effectLst/>
-                <a:latin typeface="JetBrains Mono"/>
-              </a:rPr>
-            </a:br>
-            <a:r>
-              <a:rPr kumimoji="0" lang="en-US" altLang="en-US" sz="1100" b="0" i="0" u="none" strike="noStrike" cap="none" normalizeH="0" baseline="0" dirty="0">
-                <a:ln>
-                  <a:noFill/>
-                </a:ln>
-                <a:solidFill>
-                  <a:srgbClr val="CC7832"/>
-                </a:solidFill>
-                <a:effectLst/>
-                <a:latin typeface="JetBrains Mono"/>
-              </a:rPr>
-              <a:t>jobs</a:t>
-            </a:r>
-            <a:r>
-              <a:rPr kumimoji="0" lang="en-US" altLang="en-US" sz="1100" b="0" i="0" u="none" strike="noStrike" cap="none" normalizeH="0" baseline="0" dirty="0">
-                <a:ln>
-                  <a:noFill/>
-                </a:ln>
-                <a:solidFill>
-                  <a:srgbClr val="A9B7C6"/>
-                </a:solidFill>
-                <a:effectLst/>
-                <a:latin typeface="JetBrains Mono"/>
-              </a:rPr>
-              <a:t>:</a:t>
-            </a:r>
-            <a:br>
-              <a:rPr kumimoji="0" lang="en-US" altLang="en-US" sz="1100" b="0" i="0" u="none" strike="noStrike" cap="none" normalizeH="0" baseline="0" dirty="0">
-                <a:ln>
-                  <a:noFill/>
-                </a:ln>
-                <a:solidFill>
-                  <a:srgbClr val="A9B7C6"/>
-                </a:solidFill>
-                <a:effectLst/>
-                <a:latin typeface="JetBrains Mono"/>
-              </a:rPr>
-            </a:br>
-            <a:r>
-              <a:rPr kumimoji="0" lang="en-US" altLang="en-US" sz="1100" b="0" i="0" u="none" strike="noStrike" cap="none" normalizeH="0" baseline="0" dirty="0" err="1">
-                <a:ln>
-                  <a:noFill/>
-                </a:ln>
-                <a:solidFill>
-                  <a:srgbClr val="CC7832"/>
-                </a:solidFill>
-                <a:effectLst/>
-                <a:latin typeface="JetBrains Mono"/>
-              </a:rPr>
-              <a:t>dbt_run_on_push</a:t>
-            </a:r>
-            <a:r>
-              <a:rPr kumimoji="0" lang="en-US" altLang="en-US" sz="1100" b="0" i="0" u="none" strike="noStrike" cap="none" normalizeH="0" baseline="0" dirty="0">
-                <a:ln>
-                  <a:noFill/>
-                </a:ln>
-                <a:solidFill>
-                  <a:srgbClr val="A9B7C6"/>
-                </a:solidFill>
-                <a:effectLst/>
-                <a:latin typeface="JetBrains Mono"/>
-              </a:rPr>
-              <a:t>:</a:t>
-            </a:r>
-            <a:br>
-              <a:rPr kumimoji="0" lang="en-US" altLang="en-US" sz="1100" b="0" i="0" u="none" strike="noStrike" cap="none" normalizeH="0" baseline="0" dirty="0">
-                <a:ln>
-                  <a:noFill/>
-                </a:ln>
-                <a:solidFill>
-                  <a:srgbClr val="A9B7C6"/>
-                </a:solidFill>
-                <a:effectLst/>
-                <a:latin typeface="JetBrains Mono"/>
-              </a:rPr>
-            </a:br>
-            <a:r>
-              <a:rPr kumimoji="0" lang="en-US" altLang="en-US" sz="1100" b="0" i="0" u="none" strike="noStrike" cap="none" normalizeH="0" baseline="0" dirty="0">
-                <a:ln>
-                  <a:noFill/>
-                </a:ln>
-                <a:solidFill>
-                  <a:srgbClr val="A9B7C6"/>
-                </a:solidFill>
-                <a:effectLst/>
-                <a:latin typeface="JetBrains Mono"/>
-              </a:rPr>
-              <a:t>    </a:t>
-            </a:r>
-            <a:r>
-              <a:rPr kumimoji="0" lang="en-US" altLang="en-US" sz="1100" b="0" i="0" u="none" strike="noStrike" cap="none" normalizeH="0" baseline="0" dirty="0">
-                <a:ln>
-                  <a:noFill/>
-                </a:ln>
-                <a:solidFill>
-                  <a:srgbClr val="CC7832"/>
-                </a:solidFill>
-                <a:effectLst/>
-                <a:latin typeface="JetBrains Mono"/>
-              </a:rPr>
-              <a:t>name</a:t>
-            </a:r>
-            <a:r>
-              <a:rPr kumimoji="0" lang="en-US" altLang="en-US" sz="1100" b="0" i="0" u="none" strike="noStrike" cap="none" normalizeH="0" baseline="0" dirty="0">
-                <a:ln>
-                  <a:noFill/>
-                </a:ln>
-                <a:solidFill>
-                  <a:srgbClr val="A9B7C6"/>
-                </a:solidFill>
-                <a:effectLst/>
-                <a:latin typeface="JetBrains Mono"/>
-              </a:rPr>
-              <a:t>: </a:t>
-            </a:r>
-            <a:r>
-              <a:rPr kumimoji="0" lang="en-US" altLang="en-US" sz="1100" b="0" i="0" u="none" strike="noStrike" cap="none" normalizeH="0" baseline="0" dirty="0" err="1">
-                <a:ln>
-                  <a:noFill/>
-                </a:ln>
-                <a:solidFill>
-                  <a:srgbClr val="A9B7C6"/>
-                </a:solidFill>
-                <a:effectLst/>
-                <a:latin typeface="JetBrains Mono"/>
-              </a:rPr>
-              <a:t>dbt_run_on_push</a:t>
-            </a:r>
-            <a:br>
-              <a:rPr kumimoji="0" lang="en-US" altLang="en-US" sz="1100" b="0" i="0" u="none" strike="noStrike" cap="none" normalizeH="0" baseline="0" dirty="0">
-                <a:ln>
-                  <a:noFill/>
-                </a:ln>
-                <a:solidFill>
-                  <a:srgbClr val="A9B7C6"/>
-                </a:solidFill>
-                <a:effectLst/>
-                <a:latin typeface="JetBrains Mono"/>
-              </a:rPr>
-            </a:br>
-            <a:r>
-              <a:rPr kumimoji="0" lang="en-US" altLang="en-US" sz="1100" b="0" i="0" u="none" strike="noStrike" cap="none" normalizeH="0" baseline="0" dirty="0">
-                <a:ln>
-                  <a:noFill/>
-                </a:ln>
-                <a:solidFill>
-                  <a:srgbClr val="A9B7C6"/>
-                </a:solidFill>
-                <a:effectLst/>
-                <a:latin typeface="JetBrains Mono"/>
-              </a:rPr>
-              <a:t>    </a:t>
-            </a:r>
-            <a:r>
-              <a:rPr kumimoji="0" lang="en-US" altLang="en-US" sz="1100" b="0" i="0" u="none" strike="noStrike" cap="none" normalizeH="0" baseline="0" dirty="0">
-                <a:ln>
-                  <a:noFill/>
-                </a:ln>
-                <a:solidFill>
-                  <a:srgbClr val="CC7832"/>
-                </a:solidFill>
-                <a:effectLst/>
-                <a:latin typeface="JetBrains Mono"/>
-              </a:rPr>
-              <a:t>runs-on</a:t>
-            </a:r>
-            <a:r>
-              <a:rPr kumimoji="0" lang="en-US" altLang="en-US" sz="1100" b="0" i="0" u="none" strike="noStrike" cap="none" normalizeH="0" baseline="0" dirty="0">
-                <a:ln>
-                  <a:noFill/>
-                </a:ln>
-                <a:solidFill>
-                  <a:srgbClr val="A9B7C6"/>
-                </a:solidFill>
-                <a:effectLst/>
-                <a:latin typeface="JetBrains Mono"/>
-              </a:rPr>
-              <a:t>: ubuntu-latest</a:t>
-            </a:r>
-            <a:br>
-              <a:rPr kumimoji="0" lang="en-US" altLang="en-US" sz="1100" b="0" i="0" u="none" strike="noStrike" cap="none" normalizeH="0" baseline="0" dirty="0">
-                <a:ln>
-                  <a:noFill/>
-                </a:ln>
-                <a:solidFill>
-                  <a:srgbClr val="A9B7C6"/>
-                </a:solidFill>
-                <a:effectLst/>
-                <a:latin typeface="JetBrains Mono"/>
-              </a:rPr>
-            </a:br>
-            <a:br>
-              <a:rPr kumimoji="0" lang="en-US" altLang="en-US" sz="1100" b="0" i="0" u="none" strike="noStrike" cap="none" normalizeH="0" baseline="0" dirty="0">
-                <a:ln>
-                  <a:noFill/>
-                </a:ln>
-                <a:solidFill>
-                  <a:srgbClr val="A9B7C6"/>
-                </a:solidFill>
-                <a:effectLst/>
-                <a:latin typeface="JetBrains Mono"/>
-              </a:rPr>
-            </a:br>
-            <a:r>
-              <a:rPr kumimoji="0" lang="en-US" altLang="en-US" sz="1100" b="0" i="0" u="none" strike="noStrike" cap="none" normalizeH="0" baseline="0" dirty="0">
-                <a:ln>
-                  <a:noFill/>
-                </a:ln>
-                <a:solidFill>
-                  <a:srgbClr val="A9B7C6"/>
-                </a:solidFill>
-                <a:effectLst/>
-                <a:latin typeface="JetBrains Mono"/>
-              </a:rPr>
-              <a:t>    </a:t>
-            </a:r>
-            <a:r>
-              <a:rPr kumimoji="0" lang="en-US" altLang="en-US" sz="1100" b="0" i="0" u="none" strike="noStrike" cap="none" normalizeH="0" baseline="0" dirty="0">
-                <a:ln>
-                  <a:noFill/>
-                </a:ln>
-                <a:solidFill>
-                  <a:srgbClr val="CC7832"/>
-                </a:solidFill>
-                <a:effectLst/>
-                <a:latin typeface="JetBrains Mono"/>
-              </a:rPr>
-              <a:t>steps</a:t>
-            </a:r>
-            <a:r>
-              <a:rPr kumimoji="0" lang="en-US" altLang="en-US" sz="1100" b="0" i="0" u="none" strike="noStrike" cap="none" normalizeH="0" baseline="0" dirty="0">
-                <a:ln>
-                  <a:noFill/>
-                </a:ln>
-                <a:solidFill>
-                  <a:srgbClr val="A9B7C6"/>
-                </a:solidFill>
-                <a:effectLst/>
-                <a:latin typeface="JetBrains Mono"/>
-              </a:rPr>
-              <a:t>:</a:t>
-            </a:r>
-            <a:br>
-              <a:rPr kumimoji="0" lang="en-US" altLang="en-US" sz="1100" b="0" i="0" u="none" strike="noStrike" cap="none" normalizeH="0" baseline="0" dirty="0">
-                <a:ln>
-                  <a:noFill/>
-                </a:ln>
-                <a:solidFill>
-                  <a:srgbClr val="A9B7C6"/>
-                </a:solidFill>
-                <a:effectLst/>
-                <a:latin typeface="JetBrains Mono"/>
-              </a:rPr>
-            </a:br>
-            <a:r>
-              <a:rPr kumimoji="0" lang="en-US" altLang="en-US" sz="1100" b="0" i="0" u="none" strike="noStrike" cap="none" normalizeH="0" baseline="0" dirty="0">
-                <a:ln>
-                  <a:noFill/>
-                </a:ln>
-                <a:solidFill>
-                  <a:srgbClr val="A9B7C6"/>
-                </a:solidFill>
-                <a:effectLst/>
-                <a:latin typeface="JetBrains Mono"/>
-              </a:rPr>
-              <a:t>    - </a:t>
-            </a:r>
-            <a:r>
-              <a:rPr kumimoji="0" lang="en-US" altLang="en-US" sz="1100" b="0" i="0" u="none" strike="noStrike" cap="none" normalizeH="0" baseline="0" dirty="0">
-                <a:ln>
-                  <a:noFill/>
-                </a:ln>
-                <a:solidFill>
-                  <a:srgbClr val="CC7832"/>
-                </a:solidFill>
-                <a:effectLst/>
-                <a:latin typeface="JetBrains Mono"/>
-              </a:rPr>
-              <a:t>name</a:t>
-            </a:r>
-            <a:r>
-              <a:rPr kumimoji="0" lang="en-US" altLang="en-US" sz="1100" b="0" i="0" u="none" strike="noStrike" cap="none" normalizeH="0" baseline="0" dirty="0">
-                <a:ln>
-                  <a:noFill/>
-                </a:ln>
-                <a:solidFill>
-                  <a:srgbClr val="A9B7C6"/>
-                </a:solidFill>
-                <a:effectLst/>
-                <a:latin typeface="JetBrains Mono"/>
-              </a:rPr>
-              <a:t>: Check out</a:t>
-            </a:r>
-            <a:br>
-              <a:rPr kumimoji="0" lang="en-US" altLang="en-US" sz="1100" b="0" i="0" u="none" strike="noStrike" cap="none" normalizeH="0" baseline="0" dirty="0">
-                <a:ln>
-                  <a:noFill/>
-                </a:ln>
-                <a:solidFill>
-                  <a:srgbClr val="A9B7C6"/>
-                </a:solidFill>
-                <a:effectLst/>
-                <a:latin typeface="JetBrains Mono"/>
-              </a:rPr>
-            </a:br>
-            <a:r>
-              <a:rPr kumimoji="0" lang="en-US" altLang="en-US" sz="1100" b="0" i="0" u="none" strike="noStrike" cap="none" normalizeH="0" baseline="0" dirty="0">
-                <a:ln>
-                  <a:noFill/>
-                </a:ln>
-                <a:solidFill>
-                  <a:srgbClr val="A9B7C6"/>
-                </a:solidFill>
-                <a:effectLst/>
-                <a:latin typeface="JetBrains Mono"/>
-              </a:rPr>
-              <a:t>        </a:t>
-            </a:r>
-            <a:r>
-              <a:rPr kumimoji="0" lang="en-US" altLang="en-US" sz="1100" b="0" i="0" u="none" strike="noStrike" cap="none" normalizeH="0" baseline="0" dirty="0">
-                <a:ln>
-                  <a:noFill/>
-                </a:ln>
-                <a:solidFill>
-                  <a:srgbClr val="CC7832"/>
-                </a:solidFill>
-                <a:effectLst/>
-                <a:latin typeface="JetBrains Mono"/>
-              </a:rPr>
-              <a:t>uses</a:t>
-            </a:r>
-            <a:r>
-              <a:rPr kumimoji="0" lang="en-US" altLang="en-US" sz="1100" b="0" i="0" u="none" strike="noStrike" cap="none" normalizeH="0" baseline="0" dirty="0">
-                <a:ln>
-                  <a:noFill/>
-                </a:ln>
-                <a:solidFill>
-                  <a:srgbClr val="A9B7C6"/>
-                </a:solidFill>
-                <a:effectLst/>
-                <a:latin typeface="JetBrains Mono"/>
-              </a:rPr>
-              <a:t>: actions/</a:t>
-            </a:r>
-            <a:r>
-              <a:rPr kumimoji="0" lang="en-US" altLang="en-US" sz="1100" b="0" i="0" u="none" strike="noStrike" cap="none" normalizeH="0" baseline="0" dirty="0" err="1">
-                <a:ln>
-                  <a:noFill/>
-                </a:ln>
-                <a:solidFill>
-                  <a:srgbClr val="A9B7C6"/>
-                </a:solidFill>
-                <a:effectLst/>
-                <a:latin typeface="JetBrains Mono"/>
-              </a:rPr>
-              <a:t>checkout@master</a:t>
-            </a:r>
-            <a:br>
-              <a:rPr kumimoji="0" lang="en-US" altLang="en-US" sz="1100" b="0" i="0" u="none" strike="noStrike" cap="none" normalizeH="0" baseline="0" dirty="0">
-                <a:ln>
-                  <a:noFill/>
-                </a:ln>
-                <a:solidFill>
-                  <a:srgbClr val="A9B7C6"/>
-                </a:solidFill>
-                <a:effectLst/>
-                <a:latin typeface="JetBrains Mono"/>
-              </a:rPr>
-            </a:br>
-            <a:br>
-              <a:rPr kumimoji="0" lang="en-US" altLang="en-US" sz="1100" b="0" i="0" u="none" strike="noStrike" cap="none" normalizeH="0" baseline="0" dirty="0">
-                <a:ln>
-                  <a:noFill/>
-                </a:ln>
-                <a:solidFill>
-                  <a:srgbClr val="A9B7C6"/>
-                </a:solidFill>
-                <a:effectLst/>
-                <a:latin typeface="JetBrains Mono"/>
-              </a:rPr>
-            </a:br>
-            <a:r>
-              <a:rPr kumimoji="0" lang="en-US" altLang="en-US" sz="1100" b="0" i="0" u="none" strike="noStrike" cap="none" normalizeH="0" baseline="0" dirty="0">
-                <a:ln>
-                  <a:noFill/>
-                </a:ln>
-                <a:solidFill>
-                  <a:srgbClr val="A9B7C6"/>
-                </a:solidFill>
-                <a:effectLst/>
-                <a:latin typeface="JetBrains Mono"/>
-              </a:rPr>
-              <a:t>    - </a:t>
-            </a:r>
-            <a:r>
-              <a:rPr kumimoji="0" lang="en-US" altLang="en-US" sz="1100" b="0" i="0" u="none" strike="noStrike" cap="none" normalizeH="0" baseline="0" dirty="0">
-                <a:ln>
-                  <a:noFill/>
-                </a:ln>
-                <a:solidFill>
-                  <a:srgbClr val="CC7832"/>
-                </a:solidFill>
-                <a:effectLst/>
-                <a:latin typeface="JetBrains Mono"/>
-              </a:rPr>
-              <a:t>uses</a:t>
-            </a:r>
-            <a:r>
-              <a:rPr kumimoji="0" lang="en-US" altLang="en-US" sz="1100" b="0" i="0" u="none" strike="noStrike" cap="none" normalizeH="0" baseline="0" dirty="0">
-                <a:ln>
-                  <a:noFill/>
-                </a:ln>
-                <a:solidFill>
-                  <a:srgbClr val="A9B7C6"/>
-                </a:solidFill>
-                <a:effectLst/>
-                <a:latin typeface="JetBrains Mono"/>
-              </a:rPr>
-              <a:t>: actions/setup-python@v1</a:t>
-            </a:r>
-            <a:br>
-              <a:rPr kumimoji="0" lang="en-US" altLang="en-US" sz="1100" b="0" i="0" u="none" strike="noStrike" cap="none" normalizeH="0" baseline="0" dirty="0">
-                <a:ln>
-                  <a:noFill/>
-                </a:ln>
-                <a:solidFill>
-                  <a:srgbClr val="A9B7C6"/>
-                </a:solidFill>
-                <a:effectLst/>
-                <a:latin typeface="JetBrains Mono"/>
-              </a:rPr>
-            </a:br>
-            <a:r>
-              <a:rPr kumimoji="0" lang="en-US" altLang="en-US" sz="1100" b="0" i="0" u="none" strike="noStrike" cap="none" normalizeH="0" baseline="0" dirty="0">
-                <a:ln>
-                  <a:noFill/>
-                </a:ln>
-                <a:solidFill>
-                  <a:srgbClr val="A9B7C6"/>
-                </a:solidFill>
-                <a:effectLst/>
-                <a:latin typeface="JetBrains Mono"/>
-              </a:rPr>
-              <a:t>        </a:t>
-            </a:r>
-            <a:r>
-              <a:rPr kumimoji="0" lang="en-US" altLang="en-US" sz="1100" b="0" i="0" u="none" strike="noStrike" cap="none" normalizeH="0" baseline="0" dirty="0">
-                <a:ln>
-                  <a:noFill/>
-                </a:ln>
-                <a:solidFill>
-                  <a:srgbClr val="CC7832"/>
-                </a:solidFill>
-                <a:effectLst/>
-                <a:latin typeface="JetBrains Mono"/>
-              </a:rPr>
-              <a:t>with</a:t>
-            </a:r>
-            <a:r>
-              <a:rPr kumimoji="0" lang="en-US" altLang="en-US" sz="1100" b="0" i="0" u="none" strike="noStrike" cap="none" normalizeH="0" baseline="0" dirty="0">
-                <a:ln>
-                  <a:noFill/>
-                </a:ln>
-                <a:solidFill>
-                  <a:srgbClr val="A9B7C6"/>
-                </a:solidFill>
-                <a:effectLst/>
-                <a:latin typeface="JetBrains Mono"/>
-              </a:rPr>
-              <a:t>:</a:t>
-            </a:r>
-            <a:br>
-              <a:rPr kumimoji="0" lang="en-US" altLang="en-US" sz="1100" b="0" i="0" u="none" strike="noStrike" cap="none" normalizeH="0" baseline="0" dirty="0">
-                <a:ln>
-                  <a:noFill/>
-                </a:ln>
-                <a:solidFill>
-                  <a:srgbClr val="A9B7C6"/>
-                </a:solidFill>
-                <a:effectLst/>
-                <a:latin typeface="JetBrains Mono"/>
-              </a:rPr>
-            </a:br>
-            <a:r>
-              <a:rPr kumimoji="0" lang="en-US" altLang="en-US" sz="1100" b="0" i="0" u="none" strike="noStrike" cap="none" normalizeH="0" baseline="0" dirty="0">
-                <a:ln>
-                  <a:noFill/>
-                </a:ln>
-                <a:solidFill>
-                  <a:srgbClr val="A9B7C6"/>
-                </a:solidFill>
-                <a:effectLst/>
-                <a:latin typeface="JetBrains Mono"/>
-              </a:rPr>
-              <a:t>        </a:t>
-            </a:r>
-            <a:r>
-              <a:rPr kumimoji="0" lang="en-US" altLang="en-US" sz="1100" b="0" i="0" u="none" strike="noStrike" cap="none" normalizeH="0" baseline="0" dirty="0">
-                <a:ln>
-                  <a:noFill/>
-                </a:ln>
-                <a:solidFill>
-                  <a:srgbClr val="CC7832"/>
-                </a:solidFill>
-                <a:effectLst/>
-                <a:latin typeface="JetBrains Mono"/>
-              </a:rPr>
-              <a:t>python-version</a:t>
-            </a:r>
-            <a:r>
-              <a:rPr kumimoji="0" lang="en-US" altLang="en-US" sz="1100" b="0" i="0" u="none" strike="noStrike" cap="none" normalizeH="0" baseline="0" dirty="0">
-                <a:ln>
-                  <a:noFill/>
-                </a:ln>
-                <a:solidFill>
-                  <a:srgbClr val="A9B7C6"/>
-                </a:solidFill>
-                <a:effectLst/>
-                <a:latin typeface="JetBrains Mono"/>
-              </a:rPr>
-              <a:t>: </a:t>
-            </a:r>
-            <a:r>
-              <a:rPr kumimoji="0" lang="en-US" altLang="en-US" sz="1100" b="0" i="0" u="none" strike="noStrike" cap="none" normalizeH="0" baseline="0" dirty="0">
-                <a:ln>
-                  <a:noFill/>
-                </a:ln>
-                <a:solidFill>
-                  <a:srgbClr val="6A8759"/>
-                </a:solidFill>
-                <a:effectLst/>
-                <a:latin typeface="JetBrains Mono"/>
-              </a:rPr>
-              <a:t>"3.11.x"</a:t>
-            </a:r>
-            <a:br>
-              <a:rPr kumimoji="0" lang="en-US" altLang="en-US" sz="1100" b="0" i="0" u="none" strike="noStrike" cap="none" normalizeH="0" baseline="0" dirty="0">
-                <a:ln>
-                  <a:noFill/>
-                </a:ln>
-                <a:solidFill>
-                  <a:srgbClr val="6A8759"/>
-                </a:solidFill>
-                <a:effectLst/>
-                <a:latin typeface="JetBrains Mono"/>
-              </a:rPr>
-            </a:br>
-            <a:br>
-              <a:rPr kumimoji="0" lang="en-US" altLang="en-US" sz="1100" b="0" i="0" u="none" strike="noStrike" cap="none" normalizeH="0" baseline="0" dirty="0">
-                <a:ln>
-                  <a:noFill/>
-                </a:ln>
-                <a:solidFill>
-                  <a:srgbClr val="6A8759"/>
-                </a:solidFill>
-                <a:effectLst/>
-                <a:latin typeface="JetBrains Mono"/>
-              </a:rPr>
-            </a:br>
-            <a:r>
-              <a:rPr kumimoji="0" lang="en-US" altLang="en-US" sz="1100" b="0" i="0" u="none" strike="noStrike" cap="none" normalizeH="0" baseline="0" dirty="0">
-                <a:ln>
-                  <a:noFill/>
-                </a:ln>
-                <a:solidFill>
-                  <a:srgbClr val="6A8759"/>
-                </a:solidFill>
-                <a:effectLst/>
-                <a:latin typeface="JetBrains Mono"/>
-              </a:rPr>
-              <a:t>    </a:t>
-            </a:r>
-            <a:r>
-              <a:rPr kumimoji="0" lang="en-US" altLang="en-US" sz="1100" b="0" i="0" u="none" strike="noStrike" cap="none" normalizeH="0" baseline="0" dirty="0">
-                <a:ln>
-                  <a:noFill/>
-                </a:ln>
-                <a:solidFill>
-                  <a:srgbClr val="A9B7C6"/>
-                </a:solidFill>
-                <a:effectLst/>
-                <a:latin typeface="JetBrains Mono"/>
-              </a:rPr>
-              <a:t>- </a:t>
-            </a:r>
-            <a:r>
-              <a:rPr kumimoji="0" lang="en-US" altLang="en-US" sz="1100" b="0" i="0" u="none" strike="noStrike" cap="none" normalizeH="0" baseline="0" dirty="0">
-                <a:ln>
-                  <a:noFill/>
-                </a:ln>
-                <a:solidFill>
-                  <a:srgbClr val="CC7832"/>
-                </a:solidFill>
-                <a:effectLst/>
-                <a:latin typeface="JetBrains Mono"/>
-              </a:rPr>
-              <a:t>name</a:t>
-            </a:r>
-            <a:r>
-              <a:rPr kumimoji="0" lang="en-US" altLang="en-US" sz="1100" b="0" i="0" u="none" strike="noStrike" cap="none" normalizeH="0" baseline="0" dirty="0">
-                <a:ln>
-                  <a:noFill/>
-                </a:ln>
-                <a:solidFill>
-                  <a:srgbClr val="A9B7C6"/>
-                </a:solidFill>
-                <a:effectLst/>
-                <a:latin typeface="JetBrains Mono"/>
-              </a:rPr>
-              <a:t>: Install dependencies</a:t>
-            </a:r>
-            <a:br>
-              <a:rPr kumimoji="0" lang="en-US" altLang="en-US" sz="1100" b="0" i="0" u="none" strike="noStrike" cap="none" normalizeH="0" baseline="0" dirty="0">
-                <a:ln>
-                  <a:noFill/>
-                </a:ln>
-                <a:solidFill>
-                  <a:srgbClr val="A9B7C6"/>
-                </a:solidFill>
-                <a:effectLst/>
-                <a:latin typeface="JetBrains Mono"/>
-              </a:rPr>
-            </a:br>
-            <a:r>
-              <a:rPr kumimoji="0" lang="en-US" altLang="en-US" sz="1100" b="0" i="0" u="none" strike="noStrike" cap="none" normalizeH="0" baseline="0" dirty="0">
-                <a:ln>
-                  <a:noFill/>
-                </a:ln>
-                <a:solidFill>
-                  <a:srgbClr val="A9B7C6"/>
-                </a:solidFill>
-                <a:effectLst/>
-                <a:latin typeface="JetBrains Mono"/>
-              </a:rPr>
-              <a:t>        </a:t>
-            </a:r>
-            <a:r>
-              <a:rPr kumimoji="0" lang="en-US" altLang="en-US" sz="1100" b="0" i="0" u="none" strike="noStrike" cap="none" normalizeH="0" baseline="0" dirty="0">
-                <a:ln>
-                  <a:noFill/>
-                </a:ln>
-                <a:solidFill>
-                  <a:srgbClr val="CC7832"/>
-                </a:solidFill>
-                <a:effectLst/>
-                <a:latin typeface="JetBrains Mono"/>
-              </a:rPr>
-              <a:t>run</a:t>
-            </a:r>
-            <a:r>
-              <a:rPr kumimoji="0" lang="en-US" altLang="en-US" sz="1100" b="0" i="0" u="none" strike="noStrike" cap="none" normalizeH="0" baseline="0" dirty="0">
-                <a:ln>
-                  <a:noFill/>
-                </a:ln>
-                <a:solidFill>
-                  <a:srgbClr val="A9B7C6"/>
-                </a:solidFill>
-                <a:effectLst/>
-                <a:latin typeface="JetBrains Mono"/>
-              </a:rPr>
-              <a:t>: |</a:t>
-            </a:r>
-            <a:br>
-              <a:rPr kumimoji="0" lang="en-US" altLang="en-US" sz="1100" b="0" i="0" u="none" strike="noStrike" cap="none" normalizeH="0" baseline="0" dirty="0">
-                <a:ln>
-                  <a:noFill/>
-                </a:ln>
-                <a:solidFill>
-                  <a:srgbClr val="A9B7C6"/>
-                </a:solidFill>
-                <a:effectLst/>
-                <a:latin typeface="JetBrains Mono"/>
-              </a:rPr>
-            </a:br>
-            <a:r>
-              <a:rPr kumimoji="0" lang="en-US" altLang="en-US" sz="1100" b="0" i="0" u="none" strike="noStrike" cap="none" normalizeH="0" baseline="0" dirty="0">
-                <a:ln>
-                  <a:noFill/>
-                </a:ln>
-                <a:solidFill>
-                  <a:srgbClr val="A9B7C6"/>
-                </a:solidFill>
-                <a:effectLst/>
-                <a:latin typeface="JetBrains Mono"/>
-              </a:rPr>
-              <a:t>        pip install </a:t>
-            </a:r>
-            <a:r>
-              <a:rPr kumimoji="0" lang="en-US" altLang="en-US" sz="1100" b="0" i="0" u="none" strike="noStrike" cap="none" normalizeH="0" baseline="0" dirty="0" err="1">
-                <a:ln>
-                  <a:noFill/>
-                </a:ln>
-                <a:solidFill>
-                  <a:srgbClr val="A9B7C6"/>
-                </a:solidFill>
-                <a:effectLst/>
-                <a:latin typeface="JetBrains Mono"/>
-              </a:rPr>
-              <a:t>dbt</a:t>
-            </a:r>
-            <a:br>
-              <a:rPr kumimoji="0" lang="en-US" altLang="en-US" sz="1100" b="0" i="0" u="none" strike="noStrike" cap="none" normalizeH="0" baseline="0" dirty="0">
-                <a:ln>
-                  <a:noFill/>
-                </a:ln>
-                <a:solidFill>
-                  <a:srgbClr val="A9B7C6"/>
-                </a:solidFill>
-                <a:effectLst/>
-                <a:latin typeface="JetBrains Mono"/>
-              </a:rPr>
-            </a:br>
-            <a:r>
-              <a:rPr kumimoji="0" lang="en-US" altLang="en-US" sz="1100" b="0" i="0" u="none" strike="noStrike" cap="none" normalizeH="0" baseline="0" dirty="0">
-                <a:ln>
-                  <a:noFill/>
-                </a:ln>
-                <a:solidFill>
-                  <a:srgbClr val="A9B7C6"/>
-                </a:solidFill>
-                <a:effectLst/>
-                <a:latin typeface="JetBrains Mono"/>
-              </a:rPr>
-              <a:t>        </a:t>
-            </a:r>
-            <a:r>
-              <a:rPr kumimoji="0" lang="en-US" altLang="en-US" sz="1100" b="0" i="0" u="none" strike="noStrike" cap="none" normalizeH="0" baseline="0" dirty="0" err="1">
-                <a:ln>
-                  <a:noFill/>
-                </a:ln>
-                <a:solidFill>
-                  <a:srgbClr val="A9B7C6"/>
-                </a:solidFill>
-                <a:effectLst/>
-                <a:latin typeface="JetBrains Mono"/>
-              </a:rPr>
-              <a:t>dbt</a:t>
-            </a:r>
-            <a:r>
-              <a:rPr kumimoji="0" lang="en-US" altLang="en-US" sz="1100" b="0" i="0" u="none" strike="noStrike" cap="none" normalizeH="0" baseline="0" dirty="0">
-                <a:ln>
-                  <a:noFill/>
-                </a:ln>
-                <a:solidFill>
-                  <a:srgbClr val="A9B7C6"/>
-                </a:solidFill>
-                <a:effectLst/>
-                <a:latin typeface="JetBrains Mono"/>
-              </a:rPr>
-              <a:t> deps</a:t>
-            </a:r>
-            <a:br>
-              <a:rPr kumimoji="0" lang="en-US" altLang="en-US" sz="1100" b="0" i="0" u="none" strike="noStrike" cap="none" normalizeH="0" baseline="0" dirty="0">
-                <a:ln>
-                  <a:noFill/>
-                </a:ln>
-                <a:solidFill>
-                  <a:srgbClr val="A9B7C6"/>
-                </a:solidFill>
-                <a:effectLst/>
-                <a:latin typeface="JetBrains Mono"/>
-              </a:rPr>
-            </a:br>
-            <a:br>
-              <a:rPr kumimoji="0" lang="en-US" altLang="en-US" sz="1100" b="0" i="0" u="none" strike="noStrike" cap="none" normalizeH="0" baseline="0" dirty="0">
-                <a:ln>
-                  <a:noFill/>
-                </a:ln>
-                <a:solidFill>
-                  <a:srgbClr val="A9B7C6"/>
-                </a:solidFill>
-                <a:effectLst/>
-                <a:latin typeface="JetBrains Mono"/>
-              </a:rPr>
-            </a:br>
-            <a:r>
-              <a:rPr kumimoji="0" lang="en-US" altLang="en-US" sz="1100" b="0" i="0" u="none" strike="noStrike" cap="none" normalizeH="0" baseline="0" dirty="0">
-                <a:ln>
-                  <a:noFill/>
-                </a:ln>
-                <a:solidFill>
-                  <a:srgbClr val="A9B7C6"/>
-                </a:solidFill>
-                <a:effectLst/>
-                <a:latin typeface="JetBrains Mono"/>
-              </a:rPr>
-              <a:t>    </a:t>
-            </a:r>
-            <a:r>
-              <a:rPr kumimoji="0" lang="en-US" altLang="en-US" sz="1100" b="0" i="1" u="none" strike="noStrike" cap="none" normalizeH="0" baseline="0" dirty="0">
-                <a:ln>
-                  <a:noFill/>
-                </a:ln>
-                <a:solidFill>
-                  <a:srgbClr val="629755"/>
-                </a:solidFill>
-                <a:effectLst/>
-                <a:latin typeface="JetBrains Mono"/>
-              </a:rPr>
-              <a:t># </a:t>
-            </a:r>
-            <a:r>
-              <a:rPr kumimoji="0" lang="en-US" altLang="en-US" sz="1100" b="0" i="1" u="none" strike="noStrike" cap="none" normalizeH="0" baseline="0" dirty="0" err="1">
-                <a:ln>
-                  <a:noFill/>
-                </a:ln>
-                <a:solidFill>
-                  <a:srgbClr val="629755"/>
-                </a:solidFill>
-                <a:effectLst/>
-                <a:latin typeface="JetBrains Mono"/>
-              </a:rPr>
-              <a:t>dbt</a:t>
-            </a:r>
-            <a:r>
-              <a:rPr kumimoji="0" lang="en-US" altLang="en-US" sz="1100" b="0" i="1" u="none" strike="noStrike" cap="none" normalizeH="0" baseline="0" dirty="0">
-                <a:ln>
-                  <a:noFill/>
-                </a:ln>
-                <a:solidFill>
-                  <a:srgbClr val="629755"/>
-                </a:solidFill>
-                <a:effectLst/>
-                <a:latin typeface="JetBrains Mono"/>
-              </a:rPr>
-              <a:t> related commands here - run use --target prod/dev to run for specific environments</a:t>
-            </a:r>
-            <a:br>
-              <a:rPr kumimoji="0" lang="en-US" altLang="en-US" sz="1100" b="0" i="1" u="none" strike="noStrike" cap="none" normalizeH="0" baseline="0" dirty="0">
-                <a:ln>
-                  <a:noFill/>
-                </a:ln>
-                <a:solidFill>
-                  <a:srgbClr val="629755"/>
-                </a:solidFill>
-                <a:effectLst/>
-                <a:latin typeface="JetBrains Mono"/>
-              </a:rPr>
-            </a:br>
-            <a:r>
-              <a:rPr kumimoji="0" lang="en-US" altLang="en-US" sz="1100" b="0" i="1" u="none" strike="noStrike" cap="none" normalizeH="0" baseline="0" dirty="0">
-                <a:ln>
-                  <a:noFill/>
-                </a:ln>
-                <a:solidFill>
-                  <a:srgbClr val="629755"/>
-                </a:solidFill>
-                <a:effectLst/>
-                <a:latin typeface="JetBrains Mono"/>
-              </a:rPr>
-              <a:t>    </a:t>
-            </a:r>
-            <a:r>
-              <a:rPr kumimoji="0" lang="en-US" altLang="en-US" sz="1100" b="0" i="0" u="none" strike="noStrike" cap="none" normalizeH="0" baseline="0" dirty="0">
-                <a:ln>
-                  <a:noFill/>
-                </a:ln>
-                <a:solidFill>
-                  <a:srgbClr val="A9B7C6"/>
-                </a:solidFill>
-                <a:effectLst/>
-                <a:latin typeface="JetBrains Mono"/>
-              </a:rPr>
-              <a:t>- </a:t>
-            </a:r>
-            <a:r>
-              <a:rPr kumimoji="0" lang="en-US" altLang="en-US" sz="1100" b="0" i="0" u="none" strike="noStrike" cap="none" normalizeH="0" baseline="0" dirty="0">
-                <a:ln>
-                  <a:noFill/>
-                </a:ln>
-                <a:solidFill>
-                  <a:srgbClr val="CC7832"/>
-                </a:solidFill>
-                <a:effectLst/>
-                <a:latin typeface="JetBrains Mono"/>
-              </a:rPr>
-              <a:t>name</a:t>
-            </a:r>
-            <a:r>
-              <a:rPr kumimoji="0" lang="en-US" altLang="en-US" sz="1100" b="0" i="0" u="none" strike="noStrike" cap="none" normalizeH="0" baseline="0" dirty="0">
-                <a:ln>
-                  <a:noFill/>
-                </a:ln>
-                <a:solidFill>
-                  <a:srgbClr val="A9B7C6"/>
-                </a:solidFill>
-                <a:effectLst/>
-                <a:latin typeface="JetBrains Mono"/>
-              </a:rPr>
-              <a:t>: Run </a:t>
-            </a:r>
-            <a:r>
-              <a:rPr kumimoji="0" lang="en-US" altLang="en-US" sz="1100" b="0" i="0" u="none" strike="noStrike" cap="none" normalizeH="0" baseline="0" dirty="0" err="1">
-                <a:ln>
-                  <a:noFill/>
-                </a:ln>
-                <a:solidFill>
-                  <a:srgbClr val="A9B7C6"/>
-                </a:solidFill>
-                <a:effectLst/>
-                <a:latin typeface="JetBrains Mono"/>
-              </a:rPr>
-              <a:t>dbt</a:t>
-            </a:r>
-            <a:r>
-              <a:rPr kumimoji="0" lang="en-US" altLang="en-US" sz="1100" b="0" i="0" u="none" strike="noStrike" cap="none" normalizeH="0" baseline="0" dirty="0">
-                <a:ln>
-                  <a:noFill/>
-                </a:ln>
-                <a:solidFill>
-                  <a:srgbClr val="A9B7C6"/>
-                </a:solidFill>
-                <a:effectLst/>
-                <a:latin typeface="JetBrains Mono"/>
-              </a:rPr>
-              <a:t> models</a:t>
-            </a:r>
-            <a:br>
-              <a:rPr kumimoji="0" lang="en-US" altLang="en-US" sz="1100" b="0" i="0" u="none" strike="noStrike" cap="none" normalizeH="0" baseline="0" dirty="0">
-                <a:ln>
-                  <a:noFill/>
-                </a:ln>
-                <a:solidFill>
-                  <a:srgbClr val="A9B7C6"/>
-                </a:solidFill>
-                <a:effectLst/>
-                <a:latin typeface="JetBrains Mono"/>
-              </a:rPr>
-            </a:br>
-            <a:r>
-              <a:rPr kumimoji="0" lang="en-US" altLang="en-US" sz="1100" b="0" i="0" u="none" strike="noStrike" cap="none" normalizeH="0" baseline="0" dirty="0">
-                <a:ln>
-                  <a:noFill/>
-                </a:ln>
-                <a:solidFill>
-                  <a:srgbClr val="A9B7C6"/>
-                </a:solidFill>
-                <a:effectLst/>
-                <a:latin typeface="JetBrains Mono"/>
-              </a:rPr>
-              <a:t>        </a:t>
-            </a:r>
-            <a:r>
-              <a:rPr kumimoji="0" lang="en-US" altLang="en-US" sz="1100" b="0" i="0" u="none" strike="noStrike" cap="none" normalizeH="0" baseline="0" dirty="0">
-                <a:ln>
-                  <a:noFill/>
-                </a:ln>
-                <a:solidFill>
-                  <a:srgbClr val="CC7832"/>
-                </a:solidFill>
-                <a:effectLst/>
-                <a:latin typeface="JetBrains Mono"/>
-              </a:rPr>
-              <a:t>run</a:t>
-            </a:r>
-            <a:r>
-              <a:rPr kumimoji="0" lang="en-US" altLang="en-US" sz="1100" b="0" i="0" u="none" strike="noStrike" cap="none" normalizeH="0" baseline="0" dirty="0">
-                <a:ln>
-                  <a:noFill/>
-                </a:ln>
-                <a:solidFill>
-                  <a:srgbClr val="A9B7C6"/>
-                </a:solidFill>
-                <a:effectLst/>
-                <a:latin typeface="JetBrains Mono"/>
-              </a:rPr>
-              <a:t>: </a:t>
-            </a:r>
-            <a:r>
-              <a:rPr kumimoji="0" lang="en-US" altLang="en-US" sz="1100" b="0" i="0" u="none" strike="noStrike" cap="none" normalizeH="0" baseline="0" dirty="0" err="1">
-                <a:ln>
-                  <a:noFill/>
-                </a:ln>
-                <a:solidFill>
-                  <a:srgbClr val="A9B7C6"/>
-                </a:solidFill>
-                <a:effectLst/>
-                <a:latin typeface="JetBrains Mono"/>
-              </a:rPr>
-              <a:t>dbt</a:t>
-            </a:r>
-            <a:r>
-              <a:rPr kumimoji="0" lang="en-US" altLang="en-US" sz="1100" b="0" i="0" u="none" strike="noStrike" cap="none" normalizeH="0" baseline="0" dirty="0">
-                <a:ln>
-                  <a:noFill/>
-                </a:ln>
-                <a:solidFill>
-                  <a:srgbClr val="A9B7C6"/>
-                </a:solidFill>
-                <a:effectLst/>
-                <a:latin typeface="JetBrains Mono"/>
-              </a:rPr>
-              <a:t> run</a:t>
-            </a:r>
-            <a:endParaRPr kumimoji="0" lang="en-US" altLang="en-US" sz="1100" b="0" i="0" u="none" strike="noStrike" cap="none" normalizeH="0" baseline="0" dirty="0">
-              <a:ln>
-                <a:noFill/>
-              </a:ln>
-              <a:solidFill>
-                <a:schemeClr val="tx1"/>
-              </a:solidFill>
-              <a:effectLst/>
-              <a:latin typeface="Arial" panose="020B0604020202020204" pitchFamily="34" charset="0"/>
-            </a:endParaRPr>
-          </a:p>
-        </p:txBody>
-      </p:sp>
-      <p:sp>
-        <p:nvSpPr>
-          <p:cNvPr id="6" name="TextBox 5">
-            <a:extLst>
-              <a:ext uri="{FF2B5EF4-FFF2-40B4-BE49-F238E27FC236}">
-                <a16:creationId xmlns:a16="http://schemas.microsoft.com/office/drawing/2014/main" id="{89331484-0683-3C11-BDA2-DA6F44BA9B76}"/>
-              </a:ext>
-            </a:extLst>
-          </p:cNvPr>
-          <p:cNvSpPr txBox="1"/>
-          <p:nvPr/>
-        </p:nvSpPr>
-        <p:spPr>
-          <a:xfrm>
-            <a:off x="202131" y="249068"/>
-            <a:ext cx="1163780" cy="461665"/>
-          </a:xfrm>
-          <a:prstGeom prst="rect">
-            <a:avLst/>
-          </a:prstGeom>
-          <a:noFill/>
-        </p:spPr>
-        <p:txBody>
-          <a:bodyPr wrap="none" rtlCol="0">
-            <a:spAutoFit/>
-          </a:bodyPr>
-          <a:lstStyle/>
-          <a:p>
-            <a:r>
-              <a:rPr lang="en-US" sz="2400" dirty="0"/>
-              <a:t>.</a:t>
-            </a:r>
-            <a:r>
-              <a:rPr lang="en-US" sz="2400" dirty="0" err="1"/>
-              <a:t>yml</a:t>
-            </a:r>
-            <a:r>
-              <a:rPr lang="en-US" sz="2400" dirty="0"/>
-              <a:t> file</a:t>
-            </a:r>
-            <a:endParaRPr lang="en-IN" sz="2400" dirty="0"/>
-          </a:p>
-        </p:txBody>
-      </p:sp>
-    </p:spTree>
-    <p:extLst>
-      <p:ext uri="{BB962C8B-B14F-4D97-AF65-F5344CB8AC3E}">
-        <p14:creationId xmlns:p14="http://schemas.microsoft.com/office/powerpoint/2010/main" val="2304814603"/>
+        <p14:creationId xmlns:p14="http://schemas.microsoft.com/office/powerpoint/2010/main" val="899153007"/>
       </p:ext>
     </p:extLst>
   </p:cSld>
@@ -9814,15 +9302,7 @@
           <a:p>
             <a:r>
               <a:rPr lang="en-IN" dirty="0"/>
-              <a:t>Create a cloud </a:t>
-            </a:r>
-            <a:r>
-              <a:rPr lang="en-IN" dirty="0" err="1"/>
-              <a:t>dbt</a:t>
-            </a:r>
-            <a:r>
-              <a:rPr lang="en-IN" dirty="0"/>
-              <a:t> account</a:t>
+              <a:t>Create a Snowflake account</a:t>
             </a:r>
           </a:p>
         </p:txBody>
@@ -9858,61 +9338,44 @@
               <a:rPr lang="en-IN" dirty="0"/>
               <a:t>Select the database you want to connect</a:t>
             </a:r>
-          </a:p>
-          <a:p>
-            <a:endParaRPr lang="en-IN" dirty="0"/>
-          </a:p>
-          <a:p>
-            <a:endParaRPr lang="en-IN" dirty="0"/>
-          </a:p>
-          <a:p>
-            <a:endParaRPr lang="en-IN" dirty="0"/>
           </a:p>
           <a:p>
             <a:pPr marL="0" indent="0">
               <a:buNone/>
             </a:pPr>
+            <a:endParaRPr lang="en-IN" dirty="0"/>
+          </a:p>
+          <a:p>
             <a:r>
               <a:rPr lang="en-IN" dirty="0"/>
-              <a:t>Link: </a:t>
-            </a:r>
-            <a:r>
-              <a:rPr lang="en-IN" dirty="0">
-                <a:hlinkClick r:id="rId2"/>
-              </a:rPr>
-              <a:t>https://docs.getdbt.com/docs/quickstarts/dbt-cloud/bigquery</a:t>
-            </a:r>
-            <a:endParaRPr lang="en-IN" dirty="0"/>
-          </a:p>
-          <a:p>
-            <a:pPr marL="0" indent="0">
-              <a:buNone/>
-            </a:pPr>
+              <a:t>Create a database as DBT_PROJECT</a:t>
+            </a:r>
+          </a:p>
+          <a:p>
+            <a:pPr lvl="1"/>
             <a:r>
               <a:rPr lang="en-IN" dirty="0"/>
-              <a:t>Follow the above link and setup </a:t>
+              <a:t>Create PROD and DEV Schemas</a:t>
+            </a:r>
+          </a:p>
+          <a:p>
+            <a:pPr lvl="1"/>
+            <a:r>
+              <a:rPr lang="en-IN" dirty="0"/>
+              <a:t>We would be adding these details in the </a:t>
             </a:r>
             <a:r>
               <a:rPr lang="en-IN" dirty="0" err="1"/>
-              <a:t>Bigquery</a:t>
+              <a:t>profiles.yml</a:t>
             </a:r>
             <a:r>
               <a:rPr lang="en-IN" dirty="0"/>
-              <a:t> project then connect to </a:t>
+              <a:t> to establish a connection between snowflake and </a:t>
             </a:r>
             <a:r>
               <a:rPr lang="en-IN" dirty="0" err="1"/>
               <a:t>dbt</a:t>
             </a:r>
-            <a:r>
-              <a:rPr lang="en-IN" dirty="0"/>
-              <a:t>.</a:t>
-            </a:r>
-          </a:p>
-          <a:p>
-            <a:endParaRPr lang="en-IN" dirty="0"/>
-          </a:p>
-          <a:p>
             <a:endParaRPr lang="en-IN" dirty="0"/>
           </a:p>
           <a:p>
@@ -9955,7 +9418,7 @@
           <p:cNvPr id="2" name="Title 1">
             <a:extLst>
               <a:ext uri="{FF2B5EF4-FFF2-40B4-BE49-F238E27FC236}">
-                <a16:creationId xmlns:a16="http://schemas.microsoft.com/office/drawing/2014/main" id="{DCFFA59E-97C9-3EDF-1377-65983D0E0DE6}"/>
+                <a16:creationId xmlns:a16="http://schemas.microsoft.com/office/drawing/2014/main" id="{407E32F9-D9D9-A72B-0352-2DCCDE47AF3C}"/>
               </a:ext>
             </a:extLst>
           </p:cNvPr>
@@ -9973,26 +9436,72 @@
           <a:p>
             <a:r>
               <a:rPr lang="en-IN" dirty="0"/>
-              <a:t>After login</a:t>
-            </a:r>
+              <a:t>DBT Models</a:t>
+            </a:r>
+          </a:p>
+        </p:txBody>
+      </p:sp>
+      <p:sp>
+        <p:nvSpPr>
+          <p:cNvPr id="3" name="Content Placeholder 2">
+            <a:extLst>
+              <a:ext uri="{FF2B5EF4-FFF2-40B4-BE49-F238E27FC236}">
+                <a16:creationId xmlns:a16="http://schemas.microsoft.com/office/drawing/2014/main" id="{F64D2837-F01E-BA8C-4222-77F29CD6651C}"/>
+              </a:ext>
+            </a:extLst>
+          </p:cNvPr>
+          <p:cNvSpPr>
+            <a:spLocks noGrp="1"/>
+          </p:cNvSpPr>
+          <p:nvPr>
+            <p:ph idx="1"/>
+          </p:nvPr>
+        </p:nvSpPr>
+        <p:spPr>
+          <a:xfrm>
+            <a:off x="838200" y="1422400"/>
+            <a:ext cx="10805160" cy="5232399"/>
+          </a:xfrm>
+        </p:spPr>
+        <p:txBody>
+          <a:bodyPr/>
+          <a:lstStyle/>
+          <a:p>
+            <a:r>
+              <a:rPr lang="en-IN" dirty="0"/>
+              <a:t>Contains SQL queries for transforming, analysing the data </a:t>
+            </a:r>
+          </a:p>
+          <a:p>
+            <a:r>
+              <a:rPr lang="en-IN" dirty="0"/>
+              <a:t>Model folder is where we write our transformation logic to create views, tables in the database</a:t>
+            </a:r>
+          </a:p>
+          <a:p>
+            <a:r>
+              <a:rPr lang="en-IN" dirty="0"/>
+              <a:t>Using ref in models</a:t>
+            </a:r>
+          </a:p>
+          <a:p>
+            <a:endParaRPr lang="en-IN" dirty="0"/>
           </a:p>
         </p:txBody>
       </p:sp>
       <p:pic>
         <p:nvPicPr>
-          <p:cNvPr id="5" name="Content Placeholder 4">
-            <a:extLst>
-              <a:ext uri="{FF2B5EF4-FFF2-40B4-BE49-F238E27FC236}">
-                <a16:creationId xmlns:a16="http://schemas.microsoft.com/office/drawing/2014/main" id="{CF6A4FEB-AB98-C7D2-6DE3-C73CEEFB6D9F}"/>
+          <p:cNvPr id="5" name="Picture 4">
+            <a:extLst>
+              <a:ext uri="{FF2B5EF4-FFF2-40B4-BE49-F238E27FC236}">
+                <a16:creationId xmlns:a16="http://schemas.microsoft.com/office/drawing/2014/main" id="{94333AE4-1A81-F85C-8FA3-5B940D1AA5C8}"/>
               </a:ext>
             </a:extLst>
           </p:cNvPr>
           <p:cNvPicPr>
-            <a:picLocks noGrp="1" noChangeAspect="1"/>
+            <a:picLocks noChangeAspect="1"/>
           </p:cNvPicPr>
-          <p:nvPr>
-            <p:ph idx="1"/>
-          </p:nvPr>
+          <p:nvPr/>
         </p:nvPicPr>
         <p:blipFill>
           <a:blip r:embed="rId2"/>
@@ -10002,15 +9511,18 @@
         </p:blipFill>
         <p:spPr>
           <a:xfrm>
-            <a:off x="1971675" y="1560421"/>
-            <a:ext cx="7467601" cy="4419502"/>
+            <a:off x="2604770" y="3429000"/>
+            <a:ext cx="7504430" cy="2765577"/>
           </a:xfrm>
+          <a:prstGeom prst="rect">
+            <a:avLst/>
+          </a:prstGeom>
         </p:spPr>
       </p:pic>
     </p:spTree>
     <p:extLst>
       <p:ext uri="{BB962C8B-B14F-4D97-AF65-F5344CB8AC3E}">
-        <p14:creationId xmlns:p14="http://schemas.microsoft.com/office/powerpoint/2010/main" val="2482314420"/>
+        <p14:creationId xmlns:p14="http://schemas.microsoft.com/office/powerpoint/2010/main" val="3048447632"/>
       </p:ext>
     </p:extLst>
   </p:cSld>
@@ -10042,7 +9554,7 @@
           <p:cNvPr id="2" name="Title 1">
             <a:extLst>
               <a:ext uri="{FF2B5EF4-FFF2-40B4-BE49-F238E27FC236}">
-                <a16:creationId xmlns:a16="http://schemas.microsoft.com/office/drawing/2014/main" id="{407E32F9-D9D9-A72B-0352-2DCCDE47AF3C}"/>
+                <a16:creationId xmlns:a16="http://schemas.microsoft.com/office/drawing/2014/main" id="{4FD203D5-B840-FB79-17F4-414297BD35F2}"/>
               </a:ext>
             </a:extLst>
           </p:cNvPr>
@@ -10059,9 +9571,16 @@
           <a:lstStyle/>
           <a:p>
             <a:r>
-              <a:rPr lang="en-IN" dirty="0"/>
-              <a:t>DBT Models</a:t>
-            </a:r>
+              <a:rPr lang="en-IN" b="1" i="0" dirty="0">
+                <a:solidFill>
+                  <a:srgbClr val="36394D"/>
+                </a:solidFill>
+                <a:effectLst/>
+                <a:latin typeface="Source Sans Pro" panose="020B0503030403020204" pitchFamily="34" charset="0"/>
+              </a:rPr>
+              <a:t>Modularity</a:t>
+            </a:r>
+            <a:endParaRPr lang="en-IN" dirty="0"/>
           </a:p>
         </p:txBody>
       </p:sp>
@@ -10070,7 +9589,7 @@
           <p:cNvPr id="3" name="Content Placeholder 2">
             <a:extLst>
               <a:ext uri="{FF2B5EF4-FFF2-40B4-BE49-F238E27FC236}">
-                <a16:creationId xmlns:a16="http://schemas.microsoft.com/office/drawing/2014/main" id="{F64D2837-F01E-BA8C-4222-77F29CD6651C}"/>
+                <a16:creationId xmlns:a16="http://schemas.microsoft.com/office/drawing/2014/main" id="{05EF620D-DA36-2F7E-BB22-70C1460D55E9}"/>
               </a:ext>
             </a:extLst>
           </p:cNvPr>
@@ -10081,31 +9600,160 @@
             <p:ph idx="1"/>
           </p:nvPr>
         </p:nvSpPr>
-        <p:spPr>
-          <a:xfrm>
-            <a:off x="838200" y="1422400"/>
-            <a:ext cx="10805160" cy="5232399"/>
-          </a:xfrm>
-        </p:spPr>
-        <p:txBody>
-          <a:bodyPr/>
+        <p:spPr/>
+        <p:txBody>
+          <a:bodyPr>
+            <a:normAutofit fontScale="92500"/>
+          </a:bodyPr>
           <a:lstStyle/>
           <a:p>
-            <a:r>
-              <a:rPr lang="en-IN" dirty="0"/>
-              <a:t>Contains SQL queries for transforming, analysing the data </a:t>
-            </a:r>
-          </a:p>
-          <a:p>
-            <a:r>
-              <a:rPr lang="en-IN" dirty="0"/>
-              <a:t>Model folder is where we write our transformation logic to create views, tables in the database</a:t>
-            </a:r>
-          </a:p>
-          <a:p>
-            <a:r>
-              <a:rPr lang="en-IN" dirty="0"/>
-              <a:t>Using ref in models</a:t>
+            <a:pPr algn="l">
+              <a:buFont typeface="Arial" panose="020B0604020202020204" pitchFamily="34" charset="0"/>
+              <a:buChar char="•"/>
+            </a:pPr>
+            <a:r>
+              <a:rPr lang="en-IN" sz="2600" b="0" i="0" dirty="0">
+                <a:solidFill>
+                  <a:srgbClr val="36394D"/>
+                </a:solidFill>
+                <a:effectLst/>
+                <a:latin typeface="Source Sans Pro" panose="020B0503030403020204" pitchFamily="34" charset="0"/>
+              </a:rPr>
+              <a:t>We could build each of our final models in a single model as we did with </a:t>
+            </a:r>
+            <a:r>
+              <a:rPr lang="en-IN" sz="2600" b="0" i="0" dirty="0" err="1">
+                <a:solidFill>
+                  <a:srgbClr val="36394D"/>
+                </a:solidFill>
+                <a:effectLst/>
+                <a:latin typeface="Source Sans Pro" panose="020B0503030403020204" pitchFamily="34" charset="0"/>
+              </a:rPr>
+              <a:t>dim_customers</a:t>
+            </a:r>
+            <a:r>
+              <a:rPr lang="en-IN" sz="2600" b="0" i="0" dirty="0">
+                <a:solidFill>
+                  <a:srgbClr val="36394D"/>
+                </a:solidFill>
+                <a:effectLst/>
+                <a:latin typeface="Source Sans Pro" panose="020B0503030403020204" pitchFamily="34" charset="0"/>
+              </a:rPr>
+              <a:t>, however with </a:t>
+            </a:r>
+            <a:r>
+              <a:rPr lang="en-IN" sz="2600" b="0" i="0" dirty="0" err="1">
+                <a:solidFill>
+                  <a:srgbClr val="36394D"/>
+                </a:solidFill>
+                <a:effectLst/>
+                <a:latin typeface="Source Sans Pro" panose="020B0503030403020204" pitchFamily="34" charset="0"/>
+              </a:rPr>
+              <a:t>dbt</a:t>
+            </a:r>
+            <a:r>
+              <a:rPr lang="en-IN" sz="2600" b="0" i="0" dirty="0">
+                <a:solidFill>
+                  <a:srgbClr val="36394D"/>
+                </a:solidFill>
+                <a:effectLst/>
+                <a:latin typeface="Source Sans Pro" panose="020B0503030403020204" pitchFamily="34" charset="0"/>
+              </a:rPr>
+              <a:t> we can create our final data products using modularity.</a:t>
+            </a:r>
+          </a:p>
+          <a:p>
+            <a:pPr algn="l">
+              <a:buFont typeface="Arial" panose="020B0604020202020204" pitchFamily="34" charset="0"/>
+              <a:buChar char="•"/>
+            </a:pPr>
+            <a:r>
+              <a:rPr lang="en-IN" sz="2600" b="1" i="0" dirty="0">
+                <a:solidFill>
+                  <a:srgbClr val="36394D"/>
+                </a:solidFill>
+                <a:effectLst/>
+                <a:latin typeface="Source Sans Pro" panose="020B0503030403020204" pitchFamily="34" charset="0"/>
+              </a:rPr>
+              <a:t>Modularity</a:t>
+            </a:r>
+            <a:r>
+              <a:rPr lang="en-IN" sz="2600" b="0" i="0" dirty="0">
+                <a:solidFill>
+                  <a:srgbClr val="36394D"/>
+                </a:solidFill>
+                <a:effectLst/>
+                <a:latin typeface="Source Sans Pro" panose="020B0503030403020204" pitchFamily="34" charset="0"/>
+              </a:rPr>
+              <a:t> is the degree to which a system's components may be separated and recombined, often with the benefit of flexibility and variety in use.</a:t>
+            </a:r>
+          </a:p>
+          <a:p>
+            <a:pPr algn="l">
+              <a:buFont typeface="Arial" panose="020B0604020202020204" pitchFamily="34" charset="0"/>
+              <a:buChar char="•"/>
+            </a:pPr>
+            <a:r>
+              <a:rPr lang="en-IN" sz="2600" b="0" i="0" dirty="0">
+                <a:solidFill>
+                  <a:srgbClr val="36394D"/>
+                </a:solidFill>
+                <a:effectLst/>
+                <a:latin typeface="Source Sans Pro" panose="020B0503030403020204" pitchFamily="34" charset="0"/>
+              </a:rPr>
+              <a:t>This allows us to build data artifacts in logical steps.</a:t>
+            </a:r>
+          </a:p>
+          <a:p>
+            <a:pPr algn="l">
+              <a:buFont typeface="Arial" panose="020B0604020202020204" pitchFamily="34" charset="0"/>
+              <a:buChar char="•"/>
+            </a:pPr>
+            <a:r>
+              <a:rPr lang="en-IN" sz="2600" b="0" i="0" dirty="0">
+                <a:solidFill>
+                  <a:srgbClr val="36394D"/>
+                </a:solidFill>
+                <a:effectLst/>
+                <a:latin typeface="Source Sans Pro" panose="020B0503030403020204" pitchFamily="34" charset="0"/>
+              </a:rPr>
+              <a:t>For example, we can stage the raw customers and orders data to shape it into what we want it to look like. Then we can build a model that references both of these to build the final </a:t>
+            </a:r>
+            <a:r>
+              <a:rPr lang="en-IN" sz="2600" b="0" i="0" dirty="0" err="1">
+                <a:solidFill>
+                  <a:srgbClr val="36394D"/>
+                </a:solidFill>
+                <a:effectLst/>
+                <a:latin typeface="Source Sans Pro" panose="020B0503030403020204" pitchFamily="34" charset="0"/>
+              </a:rPr>
+              <a:t>dim_customers</a:t>
+            </a:r>
+            <a:r>
+              <a:rPr lang="en-IN" sz="2600" b="0" i="0" dirty="0">
+                <a:solidFill>
+                  <a:srgbClr val="36394D"/>
+                </a:solidFill>
+                <a:effectLst/>
+                <a:latin typeface="Source Sans Pro" panose="020B0503030403020204" pitchFamily="34" charset="0"/>
+              </a:rPr>
+              <a:t> model.</a:t>
+            </a:r>
+          </a:p>
+          <a:p>
+            <a:pPr algn="l">
+              <a:buFont typeface="Arial" panose="020B0604020202020204" pitchFamily="34" charset="0"/>
+              <a:buChar char="•"/>
+            </a:pPr>
+            <a:r>
+              <a:rPr lang="en-IN" sz="2600" b="0" i="0" dirty="0">
+                <a:solidFill>
+                  <a:srgbClr val="36394D"/>
+                </a:solidFill>
+                <a:effectLst/>
+                <a:latin typeface="Source Sans Pro" panose="020B0503030403020204" pitchFamily="34" charset="0"/>
+              </a:rPr>
+              <a:t>Thinking modularly is how software engineers build applications. Models can be leveraged to apply this modular thinking to analytics engineering.</a:t>
             </a:r>
           </a:p>
           <a:p>
@@ -10113,40 +9761,10 @@
           </a:p>
         </p:txBody>
       </p:sp>
-      <p:pic>
-        <p:nvPicPr>
-          <p:cNvPr id="5" name="Picture 4">
-            <a:extLst>
-              <a:ext uri="{FF2B5EF4-FFF2-40B4-BE49-F238E27FC236}">
-                <a16:creationId xmlns:a16="http://schemas.microsoft.com/office/drawing/2014/main" id="{94333AE4-1A81-F85C-8FA3-5B940D1AA5C8}"/>
-              </a:ext>
-            </a:extLst>
-          </p:cNvPr>
-          <p:cNvPicPr>
-            <a:picLocks noChangeAspect="1"/>
-          </p:cNvPicPr>
-          <p:nvPr/>
-        </p:nvPicPr>
-        <p:blipFill>
-          <a:blip r:embed="rId2"/>
-          <a:stretch>
-            <a:fillRect/>
-          </a:stretch>
-        </p:blipFill>
-        <p:spPr>
-          <a:xfrm>
-            <a:off x="2604770" y="3429000"/>
-            <a:ext cx="7504430" cy="2765577"/>
-          </a:xfrm>
-          <a:prstGeom prst="rect">
-            <a:avLst/>
-          </a:prstGeom>
-        </p:spPr>
-      </p:pic>
     </p:spTree>
     <p:extLst>
       <p:ext uri="{BB962C8B-B14F-4D97-AF65-F5344CB8AC3E}">
-        <p14:creationId xmlns:p14="http://schemas.microsoft.com/office/powerpoint/2010/main" val="3048447632"/>
+        <p14:creationId xmlns:p14="http://schemas.microsoft.com/office/powerpoint/2010/main" val="1993881817"/>
       </p:ext>
     </p:extLst>
   </p:cSld>

--- a/DBT training.pptx
+++ b/DBT training.pptx
@@ -2,7 +2,7 @@
 <file path=ppt/presentation.xml><?xml version="1.0" encoding="utf-8"?>
 <p:presentation xmlns:a="http://schemas.openxmlformats.org/drawingml/2006/main" xmlns:r="http://schemas.openxmlformats.org/officeDocument/2006/relationships" xmlns:p="http://schemas.openxmlformats.org/presentationml/2006/main" saveSubsetFonts="1">
   <p:sldMasterIdLst>
-    <p:sldMasterId id="2147483648" r:id="rId1"/>
+    <p:sldMasterId id="2147483660" r:id="rId1"/>
   </p:sldMasterIdLst>
   <p:sldIdLst>
     <p:sldId id="256" r:id="rId2"/>
@@ -11,24 +11,26 @@
     <p:sldId id="260" r:id="rId5"/>
     <p:sldId id="259" r:id="rId6"/>
     <p:sldId id="276" r:id="rId7"/>
-    <p:sldId id="261" r:id="rId8"/>
-    <p:sldId id="264" r:id="rId9"/>
-    <p:sldId id="272" r:id="rId10"/>
-    <p:sldId id="273" r:id="rId11"/>
-    <p:sldId id="265" r:id="rId12"/>
-    <p:sldId id="266" r:id="rId13"/>
-    <p:sldId id="267" r:id="rId14"/>
-    <p:sldId id="268" r:id="rId15"/>
-    <p:sldId id="277" r:id="rId16"/>
-    <p:sldId id="278" r:id="rId17"/>
-    <p:sldId id="274" r:id="rId18"/>
-    <p:sldId id="269" r:id="rId19"/>
-    <p:sldId id="270" r:id="rId20"/>
-    <p:sldId id="271" r:id="rId21"/>
-    <p:sldId id="279" r:id="rId22"/>
-    <p:sldId id="280" r:id="rId23"/>
-    <p:sldId id="281" r:id="rId24"/>
-    <p:sldId id="282" r:id="rId25"/>
+    <p:sldId id="269" r:id="rId8"/>
+    <p:sldId id="283" r:id="rId9"/>
+    <p:sldId id="261" r:id="rId10"/>
+    <p:sldId id="264" r:id="rId11"/>
+    <p:sldId id="272" r:id="rId12"/>
+    <p:sldId id="273" r:id="rId13"/>
+    <p:sldId id="284" r:id="rId14"/>
+    <p:sldId id="265" r:id="rId15"/>
+    <p:sldId id="266" r:id="rId16"/>
+    <p:sldId id="267" r:id="rId17"/>
+    <p:sldId id="268" r:id="rId18"/>
+    <p:sldId id="277" r:id="rId19"/>
+    <p:sldId id="278" r:id="rId20"/>
+    <p:sldId id="274" r:id="rId21"/>
+    <p:sldId id="270" r:id="rId22"/>
+    <p:sldId id="271" r:id="rId23"/>
+    <p:sldId id="279" r:id="rId24"/>
+    <p:sldId id="280" r:id="rId25"/>
+    <p:sldId id="281" r:id="rId26"/>
+    <p:sldId id="282" r:id="rId27"/>
   </p:sldIdLst>
   <p:sldSz cx="12192000" cy="6858000"/>
   <p:notesSz cx="6858000" cy="9144000"/>
@@ -36,7 +38,7 @@
     <a:defPPr>
       <a:defRPr lang="en-US"/>
     </a:defPPr>
-    <a:lvl1pPr marL="0" algn="l" defTabSz="914400" rtl="0" eaLnBrk="1" latinLnBrk="0" hangingPunct="1">
+    <a:lvl1pPr marL="0" algn="l" defTabSz="457200" rtl="0" eaLnBrk="1" latinLnBrk="0" hangingPunct="1">
       <a:defRPr sz="1800" kern="1200">
         <a:solidFill>
           <a:schemeClr val="tx1"/>
@@ -46,7 +48,7 @@
         <a:cs typeface="+mn-cs"/>
       </a:defRPr>
     </a:lvl1pPr>
-    <a:lvl2pPr marL="457200" algn="l" defTabSz="914400" rtl="0" eaLnBrk="1" latinLnBrk="0" hangingPunct="1">
+    <a:lvl2pPr marL="457200" algn="l" defTabSz="457200" rtl="0" eaLnBrk="1" latinLnBrk="0" hangingPunct="1">
       <a:defRPr sz="1800" kern="1200">
         <a:solidFill>
           <a:schemeClr val="tx1"/>
@@ -56,7 +58,7 @@
         <a:cs typeface="+mn-cs"/>
       </a:defRPr>
     </a:lvl2pPr>
-    <a:lvl3pPr marL="914400" algn="l" defTabSz="914400" rtl="0" eaLnBrk="1" latinLnBrk="0" hangingPunct="1">
+    <a:lvl3pPr marL="914400" algn="l" defTabSz="457200" rtl="0" eaLnBrk="1" latinLnBrk="0" hangingPunct="1">
       <a:defRPr sz="1800" kern="1200">
         <a:solidFill>
           <a:schemeClr val="tx1"/>
@@ -66,7 +68,7 @@
         <a:cs typeface="+mn-cs"/>
       </a:defRPr>
     </a:lvl3pPr>
-    <a:lvl4pPr marL="1371600" algn="l" defTabSz="914400" rtl="0" eaLnBrk="1" latinLnBrk="0" hangingPunct="1">
+    <a:lvl4pPr marL="1371600" algn="l" defTabSz="457200" rtl="0" eaLnBrk="1" latinLnBrk="0" hangingPunct="1">
       <a:defRPr sz="1800" kern="1200">
         <a:solidFill>
           <a:schemeClr val="tx1"/>
@@ -76,7 +78,7 @@
         <a:cs typeface="+mn-cs"/>
       </a:defRPr>
     </a:lvl4pPr>
-    <a:lvl5pPr marL="1828800" algn="l" defTabSz="914400" rtl="0" eaLnBrk="1" latinLnBrk="0" hangingPunct="1">
+    <a:lvl5pPr marL="1828800" algn="l" defTabSz="457200" rtl="0" eaLnBrk="1" latinLnBrk="0" hangingPunct="1">
       <a:defRPr sz="1800" kern="1200">
         <a:solidFill>
           <a:schemeClr val="tx1"/>
@@ -86,7 +88,7 @@
         <a:cs typeface="+mn-cs"/>
       </a:defRPr>
     </a:lvl5pPr>
-    <a:lvl6pPr marL="2286000" algn="l" defTabSz="914400" rtl="0" eaLnBrk="1" latinLnBrk="0" hangingPunct="1">
+    <a:lvl6pPr marL="2286000" algn="l" defTabSz="457200" rtl="0" eaLnBrk="1" latinLnBrk="0" hangingPunct="1">
       <a:defRPr sz="1800" kern="1200">
         <a:solidFill>
           <a:schemeClr val="tx1"/>
@@ -96,7 +98,7 @@
         <a:cs typeface="+mn-cs"/>
       </a:defRPr>
     </a:lvl6pPr>
-    <a:lvl7pPr marL="2743200" algn="l" defTabSz="914400" rtl="0" eaLnBrk="1" latinLnBrk="0" hangingPunct="1">
+    <a:lvl7pPr marL="2743200" algn="l" defTabSz="457200" rtl="0" eaLnBrk="1" latinLnBrk="0" hangingPunct="1">
       <a:defRPr sz="1800" kern="1200">
         <a:solidFill>
           <a:schemeClr val="tx1"/>
@@ -106,7 +108,7 @@
         <a:cs typeface="+mn-cs"/>
       </a:defRPr>
     </a:lvl7pPr>
-    <a:lvl8pPr marL="3200400" algn="l" defTabSz="914400" rtl="0" eaLnBrk="1" latinLnBrk="0" hangingPunct="1">
+    <a:lvl8pPr marL="3200400" algn="l" defTabSz="457200" rtl="0" eaLnBrk="1" latinLnBrk="0" hangingPunct="1">
       <a:defRPr sz="1800" kern="1200">
         <a:solidFill>
           <a:schemeClr val="tx1"/>
@@ -116,7 +118,7 @@
         <a:cs typeface="+mn-cs"/>
       </a:defRPr>
     </a:lvl8pPr>
-    <a:lvl9pPr marL="3657600" algn="l" defTabSz="914400" rtl="0" eaLnBrk="1" latinLnBrk="0" hangingPunct="1">
+    <a:lvl9pPr marL="3657600" algn="l" defTabSz="457200" rtl="0" eaLnBrk="1" latinLnBrk="0" hangingPunct="1">
       <a:defRPr sz="1800" kern="1200">
         <a:solidFill>
           <a:schemeClr val="tx1"/>
@@ -737,7 +739,7 @@
 </file>
 
 <file path=ppt/slideLayouts/slideLayout1.xml><?xml version="1.0" encoding="utf-8"?>
-<p:sldLayout xmlns:a="http://schemas.openxmlformats.org/drawingml/2006/main" xmlns:r="http://schemas.openxmlformats.org/officeDocument/2006/relationships" xmlns:p="http://schemas.openxmlformats.org/presentationml/2006/main" type="title" preserve="1">
+<p:sldLayout xmlns:a="http://schemas.openxmlformats.org/drawingml/2006/main" xmlns:r="http://schemas.openxmlformats.org/officeDocument/2006/relationships" xmlns:p="http://schemas.openxmlformats.org/presentationml/2006/main" showMasterSp="0" type="title" preserve="1">
   <p:cSld name="Title Slide">
     <p:spTree>
       <p:nvGrpSpPr>
@@ -753,15 +755,539 @@
           <a:chExt cx="0" cy="0"/>
         </a:xfrm>
       </p:grpSpPr>
-      <p:sp>
-        <p:nvSpPr>
-          <p:cNvPr id="2" name="Title 1">
-            <a:extLst>
-              <a:ext uri="{FF2B5EF4-FFF2-40B4-BE49-F238E27FC236}">
-                <a16:creationId xmlns:a16="http://schemas.microsoft.com/office/drawing/2014/main" id="{7095515A-B026-AF63-7F60-97BB4969B2D5}"/>
-              </a:ext>
-            </a:extLst>
-          </p:cNvPr>
+      <p:grpSp>
+        <p:nvGrpSpPr>
+          <p:cNvPr id="7" name="Group 6"/>
+          <p:cNvGrpSpPr/>
+          <p:nvPr/>
+        </p:nvGrpSpPr>
+        <p:grpSpPr>
+          <a:xfrm>
+            <a:off x="0" y="-8467"/>
+            <a:ext cx="12192000" cy="6866467"/>
+            <a:chOff x="0" y="-8467"/>
+            <a:chExt cx="12192000" cy="6866467"/>
+          </a:xfrm>
+        </p:grpSpPr>
+        <p:cxnSp>
+          <p:nvCxnSpPr>
+            <p:cNvPr id="32" name="Straight Connector 31"/>
+            <p:cNvCxnSpPr/>
+            <p:nvPr/>
+          </p:nvCxnSpPr>
+          <p:spPr>
+            <a:xfrm>
+              <a:off x="9371012" y="0"/>
+              <a:ext cx="1219200" cy="6858000"/>
+            </a:xfrm>
+            <a:prstGeom prst="line">
+              <a:avLst/>
+            </a:prstGeom>
+            <a:ln w="9525">
+              <a:solidFill>
+                <a:schemeClr val="bg1">
+                  <a:lumMod val="75000"/>
+                </a:schemeClr>
+              </a:solidFill>
+            </a:ln>
+          </p:spPr>
+          <p:style>
+            <a:lnRef idx="2">
+              <a:schemeClr val="accent1"/>
+            </a:lnRef>
+            <a:fillRef idx="0">
+              <a:schemeClr val="accent1"/>
+            </a:fillRef>
+            <a:effectRef idx="1">
+              <a:schemeClr val="accent1"/>
+            </a:effectRef>
+            <a:fontRef idx="minor">
+              <a:schemeClr val="tx1"/>
+            </a:fontRef>
+          </p:style>
+        </p:cxnSp>
+        <p:cxnSp>
+          <p:nvCxnSpPr>
+            <p:cNvPr id="21" name="Straight Connector 20"/>
+            <p:cNvCxnSpPr/>
+            <p:nvPr/>
+          </p:nvCxnSpPr>
+          <p:spPr>
+            <a:xfrm flipH="1">
+              <a:off x="7425267" y="3681413"/>
+              <a:ext cx="4763558" cy="3176587"/>
+            </a:xfrm>
+            <a:prstGeom prst="line">
+              <a:avLst/>
+            </a:prstGeom>
+            <a:ln w="9525">
+              <a:solidFill>
+                <a:schemeClr val="bg1">
+                  <a:lumMod val="85000"/>
+                </a:schemeClr>
+              </a:solidFill>
+            </a:ln>
+          </p:spPr>
+          <p:style>
+            <a:lnRef idx="2">
+              <a:schemeClr val="accent1"/>
+            </a:lnRef>
+            <a:fillRef idx="0">
+              <a:schemeClr val="accent1"/>
+            </a:fillRef>
+            <a:effectRef idx="1">
+              <a:schemeClr val="accent1"/>
+            </a:effectRef>
+            <a:fontRef idx="minor">
+              <a:schemeClr val="tx1"/>
+            </a:fontRef>
+          </p:style>
+        </p:cxnSp>
+        <p:sp>
+          <p:nvSpPr>
+            <p:cNvPr id="24" name="Rectangle 23"/>
+            <p:cNvSpPr/>
+            <p:nvPr/>
+          </p:nvSpPr>
+          <p:spPr>
+            <a:xfrm>
+              <a:off x="9181476" y="-8467"/>
+              <a:ext cx="3007349" cy="6866467"/>
+            </a:xfrm>
+            <a:custGeom>
+              <a:avLst/>
+              <a:gdLst/>
+              <a:ahLst/>
+              <a:cxnLst/>
+              <a:rect l="l" t="t" r="r" b="b"/>
+              <a:pathLst>
+                <a:path w="3007349" h="6866467">
+                  <a:moveTo>
+                    <a:pt x="2045532" y="0"/>
+                  </a:moveTo>
+                  <a:lnTo>
+                    <a:pt x="3007349" y="0"/>
+                  </a:lnTo>
+                  <a:lnTo>
+                    <a:pt x="3007349" y="6866467"/>
+                  </a:lnTo>
+                  <a:lnTo>
+                    <a:pt x="0" y="6866467"/>
+                  </a:lnTo>
+                  <a:lnTo>
+                    <a:pt x="2045532" y="0"/>
+                  </a:lnTo>
+                  <a:close/>
+                </a:path>
+              </a:pathLst>
+            </a:custGeom>
+            <a:solidFill>
+              <a:schemeClr val="accent1">
+                <a:alpha val="30000"/>
+              </a:schemeClr>
+            </a:solidFill>
+            <a:ln>
+              <a:noFill/>
+            </a:ln>
+            <a:effectLst/>
+          </p:spPr>
+          <p:style>
+            <a:lnRef idx="1">
+              <a:schemeClr val="accent1"/>
+            </a:lnRef>
+            <a:fillRef idx="3">
+              <a:schemeClr val="accent1"/>
+            </a:fillRef>
+            <a:effectRef idx="2">
+              <a:schemeClr val="accent1"/>
+            </a:effectRef>
+            <a:fontRef idx="minor">
+              <a:schemeClr val="lt1"/>
+            </a:fontRef>
+          </p:style>
+        </p:sp>
+        <p:sp>
+          <p:nvSpPr>
+            <p:cNvPr id="26" name="Rectangle 25"/>
+            <p:cNvSpPr/>
+            <p:nvPr/>
+          </p:nvSpPr>
+          <p:spPr>
+            <a:xfrm>
+              <a:off x="9603442" y="-8467"/>
+              <a:ext cx="2588558" cy="6866467"/>
+            </a:xfrm>
+            <a:custGeom>
+              <a:avLst/>
+              <a:gdLst/>
+              <a:ahLst/>
+              <a:cxnLst/>
+              <a:rect l="l" t="t" r="r" b="b"/>
+              <a:pathLst>
+                <a:path w="2573311" h="6866467">
+                  <a:moveTo>
+                    <a:pt x="0" y="0"/>
+                  </a:moveTo>
+                  <a:lnTo>
+                    <a:pt x="2573311" y="0"/>
+                  </a:lnTo>
+                  <a:lnTo>
+                    <a:pt x="2573311" y="6866467"/>
+                  </a:lnTo>
+                  <a:lnTo>
+                    <a:pt x="1202336" y="6866467"/>
+                  </a:lnTo>
+                  <a:lnTo>
+                    <a:pt x="0" y="0"/>
+                  </a:lnTo>
+                  <a:close/>
+                </a:path>
+              </a:pathLst>
+            </a:custGeom>
+            <a:solidFill>
+              <a:schemeClr val="accent1">
+                <a:alpha val="20000"/>
+              </a:schemeClr>
+            </a:solidFill>
+            <a:ln>
+              <a:noFill/>
+            </a:ln>
+            <a:effectLst/>
+          </p:spPr>
+          <p:style>
+            <a:lnRef idx="1">
+              <a:schemeClr val="accent1"/>
+            </a:lnRef>
+            <a:fillRef idx="3">
+              <a:schemeClr val="accent1"/>
+            </a:fillRef>
+            <a:effectRef idx="2">
+              <a:schemeClr val="accent1"/>
+            </a:effectRef>
+            <a:fontRef idx="minor">
+              <a:schemeClr val="lt1"/>
+            </a:fontRef>
+          </p:style>
+        </p:sp>
+        <p:sp>
+          <p:nvSpPr>
+            <p:cNvPr id="27" name="Isosceles Triangle 26"/>
+            <p:cNvSpPr/>
+            <p:nvPr/>
+          </p:nvSpPr>
+          <p:spPr>
+            <a:xfrm>
+              <a:off x="8932333" y="3048000"/>
+              <a:ext cx="3259667" cy="3810000"/>
+            </a:xfrm>
+            <a:prstGeom prst="triangle">
+              <a:avLst>
+                <a:gd name="adj" fmla="val 100000"/>
+              </a:avLst>
+            </a:prstGeom>
+            <a:solidFill>
+              <a:schemeClr val="accent2">
+                <a:alpha val="72000"/>
+              </a:schemeClr>
+            </a:solidFill>
+            <a:ln>
+              <a:noFill/>
+            </a:ln>
+            <a:effectLst/>
+          </p:spPr>
+          <p:style>
+            <a:lnRef idx="1">
+              <a:schemeClr val="accent1"/>
+            </a:lnRef>
+            <a:fillRef idx="3">
+              <a:schemeClr val="accent1"/>
+            </a:fillRef>
+            <a:effectRef idx="2">
+              <a:schemeClr val="accent1"/>
+            </a:effectRef>
+            <a:fontRef idx="minor">
+              <a:schemeClr val="lt1"/>
+            </a:fontRef>
+          </p:style>
+        </p:sp>
+        <p:sp>
+          <p:nvSpPr>
+            <p:cNvPr id="28" name="Rectangle 27"/>
+            <p:cNvSpPr/>
+            <p:nvPr/>
+          </p:nvSpPr>
+          <p:spPr>
+            <a:xfrm>
+              <a:off x="9334500" y="-8467"/>
+              <a:ext cx="2854326" cy="6866467"/>
+            </a:xfrm>
+            <a:custGeom>
+              <a:avLst/>
+              <a:gdLst/>
+              <a:ahLst/>
+              <a:cxnLst/>
+              <a:rect l="l" t="t" r="r" b="b"/>
+              <a:pathLst>
+                <a:path w="2858013" h="6866467">
+                  <a:moveTo>
+                    <a:pt x="0" y="0"/>
+                  </a:moveTo>
+                  <a:lnTo>
+                    <a:pt x="2858013" y="0"/>
+                  </a:lnTo>
+                  <a:lnTo>
+                    <a:pt x="2858013" y="6866467"/>
+                  </a:lnTo>
+                  <a:lnTo>
+                    <a:pt x="2473942" y="6866467"/>
+                  </a:lnTo>
+                  <a:lnTo>
+                    <a:pt x="0" y="0"/>
+                  </a:lnTo>
+                  <a:close/>
+                </a:path>
+              </a:pathLst>
+            </a:custGeom>
+            <a:solidFill>
+              <a:schemeClr val="accent2">
+                <a:lumMod val="75000"/>
+                <a:alpha val="70000"/>
+              </a:schemeClr>
+            </a:solidFill>
+            <a:ln>
+              <a:noFill/>
+            </a:ln>
+            <a:effectLst/>
+          </p:spPr>
+          <p:style>
+            <a:lnRef idx="1">
+              <a:schemeClr val="accent1"/>
+            </a:lnRef>
+            <a:fillRef idx="3">
+              <a:schemeClr val="accent1"/>
+            </a:fillRef>
+            <a:effectRef idx="2">
+              <a:schemeClr val="accent1"/>
+            </a:effectRef>
+            <a:fontRef idx="minor">
+              <a:schemeClr val="lt1"/>
+            </a:fontRef>
+          </p:style>
+        </p:sp>
+        <p:sp>
+          <p:nvSpPr>
+            <p:cNvPr id="29" name="Rectangle 28"/>
+            <p:cNvSpPr/>
+            <p:nvPr/>
+          </p:nvSpPr>
+          <p:spPr>
+            <a:xfrm>
+              <a:off x="10898730" y="-8467"/>
+              <a:ext cx="1290094" cy="6866467"/>
+            </a:xfrm>
+            <a:custGeom>
+              <a:avLst/>
+              <a:gdLst/>
+              <a:ahLst/>
+              <a:cxnLst/>
+              <a:rect l="l" t="t" r="r" b="b"/>
+              <a:pathLst>
+                <a:path w="1290094" h="6858000">
+                  <a:moveTo>
+                    <a:pt x="1019735" y="0"/>
+                  </a:moveTo>
+                  <a:lnTo>
+                    <a:pt x="1290094" y="0"/>
+                  </a:lnTo>
+                  <a:lnTo>
+                    <a:pt x="1290094" y="6858000"/>
+                  </a:lnTo>
+                  <a:lnTo>
+                    <a:pt x="0" y="6858000"/>
+                  </a:lnTo>
+                  <a:lnTo>
+                    <a:pt x="1019735" y="0"/>
+                  </a:lnTo>
+                  <a:close/>
+                </a:path>
+              </a:pathLst>
+            </a:custGeom>
+            <a:solidFill>
+              <a:schemeClr val="accent1">
+                <a:lumMod val="60000"/>
+                <a:lumOff val="40000"/>
+                <a:alpha val="70000"/>
+              </a:schemeClr>
+            </a:solidFill>
+            <a:ln>
+              <a:noFill/>
+            </a:ln>
+            <a:effectLst/>
+          </p:spPr>
+          <p:style>
+            <a:lnRef idx="1">
+              <a:schemeClr val="accent1"/>
+            </a:lnRef>
+            <a:fillRef idx="3">
+              <a:schemeClr val="accent1"/>
+            </a:fillRef>
+            <a:effectRef idx="2">
+              <a:schemeClr val="accent1"/>
+            </a:effectRef>
+            <a:fontRef idx="minor">
+              <a:schemeClr val="lt1"/>
+            </a:fontRef>
+          </p:style>
+        </p:sp>
+        <p:sp>
+          <p:nvSpPr>
+            <p:cNvPr id="30" name="Rectangle 29"/>
+            <p:cNvSpPr/>
+            <p:nvPr/>
+          </p:nvSpPr>
+          <p:spPr>
+            <a:xfrm>
+              <a:off x="10938999" y="-8467"/>
+              <a:ext cx="1249825" cy="6866467"/>
+            </a:xfrm>
+            <a:custGeom>
+              <a:avLst/>
+              <a:gdLst/>
+              <a:ahLst/>
+              <a:cxnLst/>
+              <a:rect l="l" t="t" r="r" b="b"/>
+              <a:pathLst>
+                <a:path w="1249825" h="6858000">
+                  <a:moveTo>
+                    <a:pt x="0" y="0"/>
+                  </a:moveTo>
+                  <a:lnTo>
+                    <a:pt x="1249825" y="0"/>
+                  </a:lnTo>
+                  <a:lnTo>
+                    <a:pt x="1249825" y="6858000"/>
+                  </a:lnTo>
+                  <a:lnTo>
+                    <a:pt x="1109382" y="6858000"/>
+                  </a:lnTo>
+                  <a:lnTo>
+                    <a:pt x="0" y="0"/>
+                  </a:lnTo>
+                  <a:close/>
+                </a:path>
+              </a:pathLst>
+            </a:custGeom>
+            <a:solidFill>
+              <a:schemeClr val="accent1">
+                <a:alpha val="65000"/>
+              </a:schemeClr>
+            </a:solidFill>
+            <a:ln>
+              <a:noFill/>
+            </a:ln>
+            <a:effectLst/>
+          </p:spPr>
+          <p:style>
+            <a:lnRef idx="1">
+              <a:schemeClr val="accent1"/>
+            </a:lnRef>
+            <a:fillRef idx="3">
+              <a:schemeClr val="accent1"/>
+            </a:fillRef>
+            <a:effectRef idx="2">
+              <a:schemeClr val="accent1"/>
+            </a:effectRef>
+            <a:fontRef idx="minor">
+              <a:schemeClr val="lt1"/>
+            </a:fontRef>
+          </p:style>
+        </p:sp>
+        <p:sp>
+          <p:nvSpPr>
+            <p:cNvPr id="31" name="Isosceles Triangle 30"/>
+            <p:cNvSpPr/>
+            <p:nvPr/>
+          </p:nvSpPr>
+          <p:spPr>
+            <a:xfrm>
+              <a:off x="10371666" y="3589867"/>
+              <a:ext cx="1817159" cy="3268133"/>
+            </a:xfrm>
+            <a:prstGeom prst="triangle">
+              <a:avLst>
+                <a:gd name="adj" fmla="val 100000"/>
+              </a:avLst>
+            </a:prstGeom>
+            <a:solidFill>
+              <a:schemeClr val="accent1">
+                <a:alpha val="80000"/>
+              </a:schemeClr>
+            </a:solidFill>
+            <a:ln>
+              <a:noFill/>
+            </a:ln>
+            <a:effectLst/>
+          </p:spPr>
+          <p:style>
+            <a:lnRef idx="1">
+              <a:schemeClr val="accent1"/>
+            </a:lnRef>
+            <a:fillRef idx="3">
+              <a:schemeClr val="accent1"/>
+            </a:fillRef>
+            <a:effectRef idx="2">
+              <a:schemeClr val="accent1"/>
+            </a:effectRef>
+            <a:fontRef idx="minor">
+              <a:schemeClr val="lt1"/>
+            </a:fontRef>
+          </p:style>
+        </p:sp>
+        <p:sp>
+          <p:nvSpPr>
+            <p:cNvPr id="19" name="Isosceles Triangle 18"/>
+            <p:cNvSpPr/>
+            <p:nvPr/>
+          </p:nvSpPr>
+          <p:spPr>
+            <a:xfrm rot="10800000">
+              <a:off x="0" y="0"/>
+              <a:ext cx="842596" cy="5666154"/>
+            </a:xfrm>
+            <a:prstGeom prst="triangle">
+              <a:avLst>
+                <a:gd name="adj" fmla="val 100000"/>
+              </a:avLst>
+            </a:prstGeom>
+            <a:solidFill>
+              <a:schemeClr val="accent1">
+                <a:alpha val="85000"/>
+              </a:schemeClr>
+            </a:solidFill>
+            <a:ln>
+              <a:noFill/>
+            </a:ln>
+            <a:effectLst/>
+          </p:spPr>
+          <p:style>
+            <a:lnRef idx="1">
+              <a:schemeClr val="accent1"/>
+            </a:lnRef>
+            <a:fillRef idx="3">
+              <a:schemeClr val="accent1"/>
+            </a:fillRef>
+            <a:effectRef idx="2">
+              <a:schemeClr val="accent1"/>
+            </a:effectRef>
+            <a:fontRef idx="minor">
+              <a:schemeClr val="lt1"/>
+            </a:fontRef>
+          </p:style>
+        </p:sp>
+      </p:grpSp>
+      <p:sp>
+        <p:nvSpPr>
+          <p:cNvPr id="2" name="Title 1"/>
           <p:cNvSpPr>
             <a:spLocks noGrp="1"/>
           </p:cNvSpPr>
@@ -771,15 +1297,21 @@
         </p:nvSpPr>
         <p:spPr>
           <a:xfrm>
-            <a:off x="1524000" y="1122363"/>
-            <a:ext cx="9144000" cy="2387600"/>
+            <a:off x="1507067" y="2404534"/>
+            <a:ext cx="7766936" cy="1646302"/>
           </a:xfrm>
         </p:spPr>
         <p:txBody>
-          <a:bodyPr anchor="b"/>
+          <a:bodyPr anchor="b">
+            <a:noAutofit/>
+          </a:bodyPr>
           <a:lstStyle>
-            <a:lvl1pPr algn="ctr">
-              <a:defRPr sz="6000"/>
+            <a:lvl1pPr algn="r">
+              <a:defRPr sz="5400">
+                <a:solidFill>
+                  <a:schemeClr val="accent1"/>
+                </a:solidFill>
+              </a:defRPr>
             </a:lvl1pPr>
           </a:lstStyle>
           <a:p>
@@ -787,19 +1319,13 @@
               <a:rPr lang="en-US"/>
               <a:t>Click to edit Master title style</a:t>
             </a:r>
-            <a:endParaRPr lang="en-IN"/>
-          </a:p>
-        </p:txBody>
-      </p:sp>
-      <p:sp>
-        <p:nvSpPr>
-          <p:cNvPr id="3" name="Subtitle 2">
-            <a:extLst>
-              <a:ext uri="{FF2B5EF4-FFF2-40B4-BE49-F238E27FC236}">
-                <a16:creationId xmlns:a16="http://schemas.microsoft.com/office/drawing/2014/main" id="{5BB8BAC0-C188-9214-423A-27925BD3CE01}"/>
-              </a:ext>
-            </a:extLst>
-          </p:cNvPr>
+            <a:endParaRPr lang="en-US" dirty="0"/>
+          </a:p>
+        </p:txBody>
+      </p:sp>
+      <p:sp>
+        <p:nvSpPr>
+          <p:cNvPr id="3" name="Subtitle 2"/>
           <p:cNvSpPr>
             <a:spLocks noGrp="1"/>
           </p:cNvSpPr>
@@ -809,48 +1335,103 @@
         </p:nvSpPr>
         <p:spPr>
           <a:xfrm>
-            <a:off x="1524000" y="3602038"/>
-            <a:ext cx="9144000" cy="1655762"/>
+            <a:off x="1507067" y="4050833"/>
+            <a:ext cx="7766936" cy="1096899"/>
           </a:xfrm>
         </p:spPr>
         <p:txBody>
-          <a:bodyPr/>
+          <a:bodyPr anchor="t"/>
           <a:lstStyle>
-            <a:lvl1pPr marL="0" indent="0" algn="ctr">
-              <a:buNone/>
-              <a:defRPr sz="2400"/>
+            <a:lvl1pPr marL="0" indent="0" algn="r">
+              <a:buNone/>
+              <a:defRPr>
+                <a:solidFill>
+                  <a:schemeClr val="tx1">
+                    <a:lumMod val="50000"/>
+                    <a:lumOff val="50000"/>
+                  </a:schemeClr>
+                </a:solidFill>
+              </a:defRPr>
             </a:lvl1pPr>
             <a:lvl2pPr marL="457200" indent="0" algn="ctr">
               <a:buNone/>
-              <a:defRPr sz="2000"/>
+              <a:defRPr>
+                <a:solidFill>
+                  <a:schemeClr val="tx1">
+                    <a:tint val="75000"/>
+                  </a:schemeClr>
+                </a:solidFill>
+              </a:defRPr>
             </a:lvl2pPr>
             <a:lvl3pPr marL="914400" indent="0" algn="ctr">
               <a:buNone/>
-              <a:defRPr sz="1800"/>
+              <a:defRPr>
+                <a:solidFill>
+                  <a:schemeClr val="tx1">
+                    <a:tint val="75000"/>
+                  </a:schemeClr>
+                </a:solidFill>
+              </a:defRPr>
             </a:lvl3pPr>
             <a:lvl4pPr marL="1371600" indent="0" algn="ctr">
               <a:buNone/>
-              <a:defRPr sz="1600"/>
+              <a:defRPr>
+                <a:solidFill>
+                  <a:schemeClr val="tx1">
+                    <a:tint val="75000"/>
+                  </a:schemeClr>
+                </a:solidFill>
+              </a:defRPr>
             </a:lvl4pPr>
             <a:lvl5pPr marL="1828800" indent="0" algn="ctr">
               <a:buNone/>
-              <a:defRPr sz="1600"/>
+              <a:defRPr>
+                <a:solidFill>
+                  <a:schemeClr val="tx1">
+                    <a:tint val="75000"/>
+                  </a:schemeClr>
+                </a:solidFill>
+              </a:defRPr>
             </a:lvl5pPr>
             <a:lvl6pPr marL="2286000" indent="0" algn="ctr">
               <a:buNone/>
-              <a:defRPr sz="1600"/>
+              <a:defRPr>
+                <a:solidFill>
+                  <a:schemeClr val="tx1">
+                    <a:tint val="75000"/>
+                  </a:schemeClr>
+                </a:solidFill>
+              </a:defRPr>
             </a:lvl6pPr>
             <a:lvl7pPr marL="2743200" indent="0" algn="ctr">
               <a:buNone/>
-              <a:defRPr sz="1600"/>
+              <a:defRPr>
+                <a:solidFill>
+                  <a:schemeClr val="tx1">
+                    <a:tint val="75000"/>
+                  </a:schemeClr>
+                </a:solidFill>
+              </a:defRPr>
             </a:lvl7pPr>
             <a:lvl8pPr marL="3200400" indent="0" algn="ctr">
               <a:buNone/>
-              <a:defRPr sz="1600"/>
+              <a:defRPr>
+                <a:solidFill>
+                  <a:schemeClr val="tx1">
+                    <a:tint val="75000"/>
+                  </a:schemeClr>
+                </a:solidFill>
+              </a:defRPr>
             </a:lvl8pPr>
             <a:lvl9pPr marL="3657600" indent="0" algn="ctr">
               <a:buNone/>
-              <a:defRPr sz="1600"/>
+              <a:defRPr>
+                <a:solidFill>
+                  <a:schemeClr val="tx1">
+                    <a:tint val="75000"/>
+                  </a:schemeClr>
+                </a:solidFill>
+              </a:defRPr>
             </a:lvl9pPr>
           </a:lstStyle>
           <a:p>
@@ -858,19 +1439,13 @@
               <a:rPr lang="en-US"/>
               <a:t>Click to edit Master subtitle style</a:t>
             </a:r>
-            <a:endParaRPr lang="en-IN"/>
-          </a:p>
-        </p:txBody>
-      </p:sp>
-      <p:sp>
-        <p:nvSpPr>
-          <p:cNvPr id="4" name="Date Placeholder 3">
-            <a:extLst>
-              <a:ext uri="{FF2B5EF4-FFF2-40B4-BE49-F238E27FC236}">
-                <a16:creationId xmlns:a16="http://schemas.microsoft.com/office/drawing/2014/main" id="{8439C7F3-BCE8-2E71-301B-090DA0586981}"/>
-              </a:ext>
-            </a:extLst>
-          </p:cNvPr>
+            <a:endParaRPr lang="en-US" dirty="0"/>
+          </a:p>
+        </p:txBody>
+      </p:sp>
+      <p:sp>
+        <p:nvSpPr>
+          <p:cNvPr id="4" name="Date Placeholder 3"/>
           <p:cNvSpPr>
             <a:spLocks noGrp="1"/>
           </p:cNvSpPr>
@@ -885,7 +1460,7 @@
           <a:p>
             <a:fld id="{81A56D06-1AE9-42BA-B013-77732A164FA0}" type="datetimeFigureOut">
               <a:rPr lang="en-IN" smtClean="0"/>
-              <a:t>27-10-2023</a:t>
+              <a:t>28-10-2023</a:t>
             </a:fld>
             <a:endParaRPr lang="en-IN"/>
           </a:p>
@@ -893,13 +1468,7 @@
       </p:sp>
       <p:sp>
         <p:nvSpPr>
-          <p:cNvPr id="5" name="Footer Placeholder 4">
-            <a:extLst>
-              <a:ext uri="{FF2B5EF4-FFF2-40B4-BE49-F238E27FC236}">
-                <a16:creationId xmlns:a16="http://schemas.microsoft.com/office/drawing/2014/main" id="{E6D728D5-1EF5-9044-044B-0EA3399617BA}"/>
-              </a:ext>
-            </a:extLst>
-          </p:cNvPr>
+          <p:cNvPr id="5" name="Footer Placeholder 4"/>
           <p:cNvSpPr>
             <a:spLocks noGrp="1"/>
           </p:cNvSpPr>
@@ -918,13 +1487,7 @@
       </p:sp>
       <p:sp>
         <p:nvSpPr>
-          <p:cNvPr id="6" name="Slide Number Placeholder 5">
-            <a:extLst>
-              <a:ext uri="{FF2B5EF4-FFF2-40B4-BE49-F238E27FC236}">
-                <a16:creationId xmlns:a16="http://schemas.microsoft.com/office/drawing/2014/main" id="{939B8273-3954-8BA1-9418-012BA9AB5036}"/>
-              </a:ext>
-            </a:extLst>
-          </p:cNvPr>
+          <p:cNvPr id="6" name="Slide Number Placeholder 5"/>
           <p:cNvSpPr>
             <a:spLocks noGrp="1"/>
           </p:cNvSpPr>
@@ -948,7 +1511,7 @@
     </p:spTree>
     <p:extLst>
       <p:ext uri="{BB962C8B-B14F-4D97-AF65-F5344CB8AC3E}">
-        <p14:creationId xmlns:p14="http://schemas.microsoft.com/office/powerpoint/2010/main" val="3280296791"/>
+        <p14:creationId xmlns:p14="http://schemas.microsoft.com/office/powerpoint/2010/main" val="2337702644"/>
       </p:ext>
     </p:extLst>
   </p:cSld>
@@ -959,6 +1522,1619 @@
 </file>
 
 <file path=ppt/slideLayouts/slideLayout10.xml><?xml version="1.0" encoding="utf-8"?>
+<p:sldLayout xmlns:a="http://schemas.openxmlformats.org/drawingml/2006/main" xmlns:r="http://schemas.openxmlformats.org/officeDocument/2006/relationships" xmlns:p="http://schemas.openxmlformats.org/presentationml/2006/main" preserve="1">
+  <p:cSld name="Title and Caption">
+    <p:spTree>
+      <p:nvGrpSpPr>
+        <p:cNvPr id="1" name=""/>
+        <p:cNvGrpSpPr/>
+        <p:nvPr/>
+      </p:nvGrpSpPr>
+      <p:grpSpPr>
+        <a:xfrm>
+          <a:off x="0" y="0"/>
+          <a:ext cx="0" cy="0"/>
+          <a:chOff x="0" y="0"/>
+          <a:chExt cx="0" cy="0"/>
+        </a:xfrm>
+      </p:grpSpPr>
+      <p:sp>
+        <p:nvSpPr>
+          <p:cNvPr id="2" name="Title 1"/>
+          <p:cNvSpPr>
+            <a:spLocks noGrp="1"/>
+          </p:cNvSpPr>
+          <p:nvPr>
+            <p:ph type="title"/>
+          </p:nvPr>
+        </p:nvSpPr>
+        <p:spPr>
+          <a:xfrm>
+            <a:off x="677335" y="609600"/>
+            <a:ext cx="8596668" cy="3403600"/>
+          </a:xfrm>
+        </p:spPr>
+        <p:txBody>
+          <a:bodyPr anchor="ctr">
+            <a:normAutofit/>
+          </a:bodyPr>
+          <a:lstStyle>
+            <a:lvl1pPr algn="l">
+              <a:defRPr sz="4400" b="0" cap="none"/>
+            </a:lvl1pPr>
+          </a:lstStyle>
+          <a:p>
+            <a:r>
+              <a:rPr lang="en-US"/>
+              <a:t>Click to edit Master title style</a:t>
+            </a:r>
+            <a:endParaRPr lang="en-US" dirty="0"/>
+          </a:p>
+        </p:txBody>
+      </p:sp>
+      <p:sp>
+        <p:nvSpPr>
+          <p:cNvPr id="3" name="Text Placeholder 2"/>
+          <p:cNvSpPr>
+            <a:spLocks noGrp="1"/>
+          </p:cNvSpPr>
+          <p:nvPr>
+            <p:ph type="body" idx="1"/>
+          </p:nvPr>
+        </p:nvSpPr>
+        <p:spPr>
+          <a:xfrm>
+            <a:off x="677335" y="4470400"/>
+            <a:ext cx="8596668" cy="1570962"/>
+          </a:xfrm>
+        </p:spPr>
+        <p:txBody>
+          <a:bodyPr anchor="ctr">
+            <a:normAutofit/>
+          </a:bodyPr>
+          <a:lstStyle>
+            <a:lvl1pPr marL="0" indent="0" algn="l">
+              <a:buNone/>
+              <a:defRPr sz="1800">
+                <a:solidFill>
+                  <a:schemeClr val="tx1">
+                    <a:lumMod val="75000"/>
+                    <a:lumOff val="25000"/>
+                  </a:schemeClr>
+                </a:solidFill>
+              </a:defRPr>
+            </a:lvl1pPr>
+            <a:lvl2pPr marL="457200" indent="0">
+              <a:buNone/>
+              <a:defRPr sz="1800">
+                <a:solidFill>
+                  <a:schemeClr val="tx1">
+                    <a:tint val="75000"/>
+                  </a:schemeClr>
+                </a:solidFill>
+              </a:defRPr>
+            </a:lvl2pPr>
+            <a:lvl3pPr marL="914400" indent="0">
+              <a:buNone/>
+              <a:defRPr sz="1600">
+                <a:solidFill>
+                  <a:schemeClr val="tx1">
+                    <a:tint val="75000"/>
+                  </a:schemeClr>
+                </a:solidFill>
+              </a:defRPr>
+            </a:lvl3pPr>
+            <a:lvl4pPr marL="1371600" indent="0">
+              <a:buNone/>
+              <a:defRPr sz="1400">
+                <a:solidFill>
+                  <a:schemeClr val="tx1">
+                    <a:tint val="75000"/>
+                  </a:schemeClr>
+                </a:solidFill>
+              </a:defRPr>
+            </a:lvl4pPr>
+            <a:lvl5pPr marL="1828800" indent="0">
+              <a:buNone/>
+              <a:defRPr sz="1400">
+                <a:solidFill>
+                  <a:schemeClr val="tx1">
+                    <a:tint val="75000"/>
+                  </a:schemeClr>
+                </a:solidFill>
+              </a:defRPr>
+            </a:lvl5pPr>
+            <a:lvl6pPr marL="2286000" indent="0">
+              <a:buNone/>
+              <a:defRPr sz="1400">
+                <a:solidFill>
+                  <a:schemeClr val="tx1">
+                    <a:tint val="75000"/>
+                  </a:schemeClr>
+                </a:solidFill>
+              </a:defRPr>
+            </a:lvl6pPr>
+            <a:lvl7pPr marL="2743200" indent="0">
+              <a:buNone/>
+              <a:defRPr sz="1400">
+                <a:solidFill>
+                  <a:schemeClr val="tx1">
+                    <a:tint val="75000"/>
+                  </a:schemeClr>
+                </a:solidFill>
+              </a:defRPr>
+            </a:lvl7pPr>
+            <a:lvl8pPr marL="3200400" indent="0">
+              <a:buNone/>
+              <a:defRPr sz="1400">
+                <a:solidFill>
+                  <a:schemeClr val="tx1">
+                    <a:tint val="75000"/>
+                  </a:schemeClr>
+                </a:solidFill>
+              </a:defRPr>
+            </a:lvl8pPr>
+            <a:lvl9pPr marL="3657600" indent="0">
+              <a:buNone/>
+              <a:defRPr sz="1400">
+                <a:solidFill>
+                  <a:schemeClr val="tx1">
+                    <a:tint val="75000"/>
+                  </a:schemeClr>
+                </a:solidFill>
+              </a:defRPr>
+            </a:lvl9pPr>
+          </a:lstStyle>
+          <a:p>
+            <a:pPr lvl="0"/>
+            <a:r>
+              <a:rPr lang="en-US"/>
+              <a:t>Click to edit Master text styles</a:t>
+            </a:r>
+          </a:p>
+        </p:txBody>
+      </p:sp>
+      <p:sp>
+        <p:nvSpPr>
+          <p:cNvPr id="4" name="Date Placeholder 3"/>
+          <p:cNvSpPr>
+            <a:spLocks noGrp="1"/>
+          </p:cNvSpPr>
+          <p:nvPr>
+            <p:ph type="dt" sz="half" idx="10"/>
+          </p:nvPr>
+        </p:nvSpPr>
+        <p:spPr/>
+        <p:txBody>
+          <a:bodyPr/>
+          <a:lstStyle/>
+          <a:p>
+            <a:fld id="{81A56D06-1AE9-42BA-B013-77732A164FA0}" type="datetimeFigureOut">
+              <a:rPr lang="en-IN" smtClean="0"/>
+              <a:t>28-10-2023</a:t>
+            </a:fld>
+            <a:endParaRPr lang="en-IN"/>
+          </a:p>
+        </p:txBody>
+      </p:sp>
+      <p:sp>
+        <p:nvSpPr>
+          <p:cNvPr id="5" name="Footer Placeholder 4"/>
+          <p:cNvSpPr>
+            <a:spLocks noGrp="1"/>
+          </p:cNvSpPr>
+          <p:nvPr>
+            <p:ph type="ftr" sz="quarter" idx="11"/>
+          </p:nvPr>
+        </p:nvSpPr>
+        <p:spPr/>
+        <p:txBody>
+          <a:bodyPr/>
+          <a:lstStyle/>
+          <a:p>
+            <a:endParaRPr lang="en-IN"/>
+          </a:p>
+        </p:txBody>
+      </p:sp>
+      <p:sp>
+        <p:nvSpPr>
+          <p:cNvPr id="6" name="Slide Number Placeholder 5"/>
+          <p:cNvSpPr>
+            <a:spLocks noGrp="1"/>
+          </p:cNvSpPr>
+          <p:nvPr>
+            <p:ph type="sldNum" sz="quarter" idx="12"/>
+          </p:nvPr>
+        </p:nvSpPr>
+        <p:spPr/>
+        <p:txBody>
+          <a:bodyPr/>
+          <a:lstStyle/>
+          <a:p>
+            <a:fld id="{DA146B66-8940-405B-A094-35BB7D66E837}" type="slidenum">
+              <a:rPr lang="en-IN" smtClean="0"/>
+              <a:t>‹#›</a:t>
+            </a:fld>
+            <a:endParaRPr lang="en-IN"/>
+          </a:p>
+        </p:txBody>
+      </p:sp>
+    </p:spTree>
+    <p:extLst>
+      <p:ext uri="{BB962C8B-B14F-4D97-AF65-F5344CB8AC3E}">
+        <p14:creationId xmlns:p14="http://schemas.microsoft.com/office/powerpoint/2010/main" val="1893230404"/>
+      </p:ext>
+    </p:extLst>
+  </p:cSld>
+  <p:clrMapOvr>
+    <a:masterClrMapping/>
+  </p:clrMapOvr>
+</p:sldLayout>
+</file>
+
+<file path=ppt/slideLayouts/slideLayout11.xml><?xml version="1.0" encoding="utf-8"?>
+<p:sldLayout xmlns:a="http://schemas.openxmlformats.org/drawingml/2006/main" xmlns:r="http://schemas.openxmlformats.org/officeDocument/2006/relationships" xmlns:p="http://schemas.openxmlformats.org/presentationml/2006/main" preserve="1">
+  <p:cSld name="Quote with Caption">
+    <p:spTree>
+      <p:nvGrpSpPr>
+        <p:cNvPr id="1" name=""/>
+        <p:cNvGrpSpPr/>
+        <p:nvPr/>
+      </p:nvGrpSpPr>
+      <p:grpSpPr>
+        <a:xfrm>
+          <a:off x="0" y="0"/>
+          <a:ext cx="0" cy="0"/>
+          <a:chOff x="0" y="0"/>
+          <a:chExt cx="0" cy="0"/>
+        </a:xfrm>
+      </p:grpSpPr>
+      <p:sp>
+        <p:nvSpPr>
+          <p:cNvPr id="2" name="Title 1"/>
+          <p:cNvSpPr>
+            <a:spLocks noGrp="1"/>
+          </p:cNvSpPr>
+          <p:nvPr>
+            <p:ph type="title"/>
+          </p:nvPr>
+        </p:nvSpPr>
+        <p:spPr>
+          <a:xfrm>
+            <a:off x="931334" y="609600"/>
+            <a:ext cx="8094134" cy="3022600"/>
+          </a:xfrm>
+        </p:spPr>
+        <p:txBody>
+          <a:bodyPr anchor="ctr">
+            <a:normAutofit/>
+          </a:bodyPr>
+          <a:lstStyle>
+            <a:lvl1pPr algn="l">
+              <a:defRPr sz="4400" b="0" cap="none"/>
+            </a:lvl1pPr>
+          </a:lstStyle>
+          <a:p>
+            <a:r>
+              <a:rPr lang="en-US"/>
+              <a:t>Click to edit Master title style</a:t>
+            </a:r>
+            <a:endParaRPr lang="en-US" dirty="0"/>
+          </a:p>
+        </p:txBody>
+      </p:sp>
+      <p:sp>
+        <p:nvSpPr>
+          <p:cNvPr id="23" name="Text Placeholder 9"/>
+          <p:cNvSpPr>
+            <a:spLocks noGrp="1"/>
+          </p:cNvSpPr>
+          <p:nvPr>
+            <p:ph type="body" sz="quarter" idx="13"/>
+          </p:nvPr>
+        </p:nvSpPr>
+        <p:spPr>
+          <a:xfrm>
+            <a:off x="1366139" y="3632200"/>
+            <a:ext cx="7224524" cy="381000"/>
+          </a:xfrm>
+        </p:spPr>
+        <p:txBody>
+          <a:bodyPr anchor="ctr">
+            <a:noAutofit/>
+          </a:bodyPr>
+          <a:lstStyle>
+            <a:lvl1pPr marL="0" indent="0">
+              <a:buFontTx/>
+              <a:buNone/>
+              <a:defRPr sz="1600">
+                <a:solidFill>
+                  <a:schemeClr val="tx1">
+                    <a:lumMod val="50000"/>
+                    <a:lumOff val="50000"/>
+                  </a:schemeClr>
+                </a:solidFill>
+              </a:defRPr>
+            </a:lvl1pPr>
+            <a:lvl2pPr marL="457200" indent="0">
+              <a:buFontTx/>
+              <a:buNone/>
+              <a:defRPr/>
+            </a:lvl2pPr>
+            <a:lvl3pPr marL="914400" indent="0">
+              <a:buFontTx/>
+              <a:buNone/>
+              <a:defRPr/>
+            </a:lvl3pPr>
+            <a:lvl4pPr marL="1371600" indent="0">
+              <a:buFontTx/>
+              <a:buNone/>
+              <a:defRPr/>
+            </a:lvl4pPr>
+            <a:lvl5pPr marL="1828800" indent="0">
+              <a:buFontTx/>
+              <a:buNone/>
+              <a:defRPr/>
+            </a:lvl5pPr>
+          </a:lstStyle>
+          <a:p>
+            <a:pPr lvl="0"/>
+            <a:r>
+              <a:rPr lang="en-US"/>
+              <a:t>Click to edit Master text styles</a:t>
+            </a:r>
+          </a:p>
+        </p:txBody>
+      </p:sp>
+      <p:sp>
+        <p:nvSpPr>
+          <p:cNvPr id="3" name="Text Placeholder 2"/>
+          <p:cNvSpPr>
+            <a:spLocks noGrp="1"/>
+          </p:cNvSpPr>
+          <p:nvPr>
+            <p:ph type="body" idx="1"/>
+          </p:nvPr>
+        </p:nvSpPr>
+        <p:spPr>
+          <a:xfrm>
+            <a:off x="677335" y="4470400"/>
+            <a:ext cx="8596668" cy="1570962"/>
+          </a:xfrm>
+        </p:spPr>
+        <p:txBody>
+          <a:bodyPr anchor="ctr">
+            <a:normAutofit/>
+          </a:bodyPr>
+          <a:lstStyle>
+            <a:lvl1pPr marL="0" indent="0" algn="l">
+              <a:buNone/>
+              <a:defRPr sz="1800">
+                <a:solidFill>
+                  <a:schemeClr val="tx1">
+                    <a:lumMod val="75000"/>
+                    <a:lumOff val="25000"/>
+                  </a:schemeClr>
+                </a:solidFill>
+              </a:defRPr>
+            </a:lvl1pPr>
+            <a:lvl2pPr marL="457200" indent="0">
+              <a:buNone/>
+              <a:defRPr sz="1800">
+                <a:solidFill>
+                  <a:schemeClr val="tx1">
+                    <a:tint val="75000"/>
+                  </a:schemeClr>
+                </a:solidFill>
+              </a:defRPr>
+            </a:lvl2pPr>
+            <a:lvl3pPr marL="914400" indent="0">
+              <a:buNone/>
+              <a:defRPr sz="1600">
+                <a:solidFill>
+                  <a:schemeClr val="tx1">
+                    <a:tint val="75000"/>
+                  </a:schemeClr>
+                </a:solidFill>
+              </a:defRPr>
+            </a:lvl3pPr>
+            <a:lvl4pPr marL="1371600" indent="0">
+              <a:buNone/>
+              <a:defRPr sz="1400">
+                <a:solidFill>
+                  <a:schemeClr val="tx1">
+                    <a:tint val="75000"/>
+                  </a:schemeClr>
+                </a:solidFill>
+              </a:defRPr>
+            </a:lvl4pPr>
+            <a:lvl5pPr marL="1828800" indent="0">
+              <a:buNone/>
+              <a:defRPr sz="1400">
+                <a:solidFill>
+                  <a:schemeClr val="tx1">
+                    <a:tint val="75000"/>
+                  </a:schemeClr>
+                </a:solidFill>
+              </a:defRPr>
+            </a:lvl5pPr>
+            <a:lvl6pPr marL="2286000" indent="0">
+              <a:buNone/>
+              <a:defRPr sz="1400">
+                <a:solidFill>
+                  <a:schemeClr val="tx1">
+                    <a:tint val="75000"/>
+                  </a:schemeClr>
+                </a:solidFill>
+              </a:defRPr>
+            </a:lvl6pPr>
+            <a:lvl7pPr marL="2743200" indent="0">
+              <a:buNone/>
+              <a:defRPr sz="1400">
+                <a:solidFill>
+                  <a:schemeClr val="tx1">
+                    <a:tint val="75000"/>
+                  </a:schemeClr>
+                </a:solidFill>
+              </a:defRPr>
+            </a:lvl7pPr>
+            <a:lvl8pPr marL="3200400" indent="0">
+              <a:buNone/>
+              <a:defRPr sz="1400">
+                <a:solidFill>
+                  <a:schemeClr val="tx1">
+                    <a:tint val="75000"/>
+                  </a:schemeClr>
+                </a:solidFill>
+              </a:defRPr>
+            </a:lvl8pPr>
+            <a:lvl9pPr marL="3657600" indent="0">
+              <a:buNone/>
+              <a:defRPr sz="1400">
+                <a:solidFill>
+                  <a:schemeClr val="tx1">
+                    <a:tint val="75000"/>
+                  </a:schemeClr>
+                </a:solidFill>
+              </a:defRPr>
+            </a:lvl9pPr>
+          </a:lstStyle>
+          <a:p>
+            <a:pPr lvl="0"/>
+            <a:r>
+              <a:rPr lang="en-US"/>
+              <a:t>Click to edit Master text styles</a:t>
+            </a:r>
+          </a:p>
+        </p:txBody>
+      </p:sp>
+      <p:sp>
+        <p:nvSpPr>
+          <p:cNvPr id="4" name="Date Placeholder 3"/>
+          <p:cNvSpPr>
+            <a:spLocks noGrp="1"/>
+          </p:cNvSpPr>
+          <p:nvPr>
+            <p:ph type="dt" sz="half" idx="10"/>
+          </p:nvPr>
+        </p:nvSpPr>
+        <p:spPr/>
+        <p:txBody>
+          <a:bodyPr/>
+          <a:lstStyle/>
+          <a:p>
+            <a:fld id="{81A56D06-1AE9-42BA-B013-77732A164FA0}" type="datetimeFigureOut">
+              <a:rPr lang="en-IN" smtClean="0"/>
+              <a:t>28-10-2023</a:t>
+            </a:fld>
+            <a:endParaRPr lang="en-IN"/>
+          </a:p>
+        </p:txBody>
+      </p:sp>
+      <p:sp>
+        <p:nvSpPr>
+          <p:cNvPr id="5" name="Footer Placeholder 4"/>
+          <p:cNvSpPr>
+            <a:spLocks noGrp="1"/>
+          </p:cNvSpPr>
+          <p:nvPr>
+            <p:ph type="ftr" sz="quarter" idx="11"/>
+          </p:nvPr>
+        </p:nvSpPr>
+        <p:spPr/>
+        <p:txBody>
+          <a:bodyPr/>
+          <a:lstStyle/>
+          <a:p>
+            <a:endParaRPr lang="en-IN"/>
+          </a:p>
+        </p:txBody>
+      </p:sp>
+      <p:sp>
+        <p:nvSpPr>
+          <p:cNvPr id="6" name="Slide Number Placeholder 5"/>
+          <p:cNvSpPr>
+            <a:spLocks noGrp="1"/>
+          </p:cNvSpPr>
+          <p:nvPr>
+            <p:ph type="sldNum" sz="quarter" idx="12"/>
+          </p:nvPr>
+        </p:nvSpPr>
+        <p:spPr/>
+        <p:txBody>
+          <a:bodyPr/>
+          <a:lstStyle/>
+          <a:p>
+            <a:fld id="{DA146B66-8940-405B-A094-35BB7D66E837}" type="slidenum">
+              <a:rPr lang="en-IN" smtClean="0"/>
+              <a:t>‹#›</a:t>
+            </a:fld>
+            <a:endParaRPr lang="en-IN"/>
+          </a:p>
+        </p:txBody>
+      </p:sp>
+      <p:sp>
+        <p:nvSpPr>
+          <p:cNvPr id="20" name="TextBox 19"/>
+          <p:cNvSpPr txBox="1"/>
+          <p:nvPr/>
+        </p:nvSpPr>
+        <p:spPr>
+          <a:xfrm>
+            <a:off x="541870" y="790378"/>
+            <a:ext cx="609600" cy="584776"/>
+          </a:xfrm>
+          <a:prstGeom prst="rect">
+            <a:avLst/>
+          </a:prstGeom>
+        </p:spPr>
+        <p:txBody>
+          <a:bodyPr vert="horz" lIns="91440" tIns="45720" rIns="91440" bIns="45720" rtlCol="0" anchor="ctr">
+            <a:noAutofit/>
+          </a:bodyPr>
+          <a:lstStyle/>
+          <a:p>
+            <a:pPr lvl="0"/>
+            <a:r>
+              <a:rPr lang="en-US" sz="8000" baseline="0" dirty="0">
+                <a:ln w="3175" cmpd="sng">
+                  <a:noFill/>
+                </a:ln>
+                <a:solidFill>
+                  <a:schemeClr val="accent1">
+                    <a:lumMod val="60000"/>
+                    <a:lumOff val="40000"/>
+                  </a:schemeClr>
+                </a:solidFill>
+                <a:effectLst/>
+                <a:latin typeface="Arial"/>
+              </a:rPr>
+              <a:t>“</a:t>
+            </a:r>
+          </a:p>
+        </p:txBody>
+      </p:sp>
+      <p:sp>
+        <p:nvSpPr>
+          <p:cNvPr id="22" name="TextBox 21"/>
+          <p:cNvSpPr txBox="1"/>
+          <p:nvPr/>
+        </p:nvSpPr>
+        <p:spPr>
+          <a:xfrm>
+            <a:off x="8893011" y="2886556"/>
+            <a:ext cx="609600" cy="584776"/>
+          </a:xfrm>
+          <a:prstGeom prst="rect">
+            <a:avLst/>
+          </a:prstGeom>
+        </p:spPr>
+        <p:txBody>
+          <a:bodyPr vert="horz" lIns="91440" tIns="45720" rIns="91440" bIns="45720" rtlCol="0" anchor="ctr">
+            <a:noAutofit/>
+          </a:bodyPr>
+          <a:lstStyle/>
+          <a:p>
+            <a:pPr lvl="0"/>
+            <a:r>
+              <a:rPr lang="en-US" sz="8000" baseline="0" dirty="0">
+                <a:ln w="3175" cmpd="sng">
+                  <a:noFill/>
+                </a:ln>
+                <a:solidFill>
+                  <a:schemeClr val="accent1">
+                    <a:lumMod val="60000"/>
+                    <a:lumOff val="40000"/>
+                  </a:schemeClr>
+                </a:solidFill>
+                <a:latin typeface="Arial"/>
+              </a:rPr>
+              <a:t>”</a:t>
+            </a:r>
+            <a:endParaRPr lang="en-US" dirty="0">
+              <a:solidFill>
+                <a:schemeClr val="accent1">
+                  <a:lumMod val="60000"/>
+                  <a:lumOff val="40000"/>
+                </a:schemeClr>
+              </a:solidFill>
+              <a:latin typeface="Arial"/>
+            </a:endParaRPr>
+          </a:p>
+        </p:txBody>
+      </p:sp>
+    </p:spTree>
+    <p:extLst>
+      <p:ext uri="{BB962C8B-B14F-4D97-AF65-F5344CB8AC3E}">
+        <p14:creationId xmlns:p14="http://schemas.microsoft.com/office/powerpoint/2010/main" val="4103598079"/>
+      </p:ext>
+    </p:extLst>
+  </p:cSld>
+  <p:clrMapOvr>
+    <a:masterClrMapping/>
+  </p:clrMapOvr>
+</p:sldLayout>
+</file>
+
+<file path=ppt/slideLayouts/slideLayout12.xml><?xml version="1.0" encoding="utf-8"?>
+<p:sldLayout xmlns:a="http://schemas.openxmlformats.org/drawingml/2006/main" xmlns:r="http://schemas.openxmlformats.org/officeDocument/2006/relationships" xmlns:p="http://schemas.openxmlformats.org/presentationml/2006/main" preserve="1">
+  <p:cSld name="Name Card">
+    <p:spTree>
+      <p:nvGrpSpPr>
+        <p:cNvPr id="1" name=""/>
+        <p:cNvGrpSpPr/>
+        <p:nvPr/>
+      </p:nvGrpSpPr>
+      <p:grpSpPr>
+        <a:xfrm>
+          <a:off x="0" y="0"/>
+          <a:ext cx="0" cy="0"/>
+          <a:chOff x="0" y="0"/>
+          <a:chExt cx="0" cy="0"/>
+        </a:xfrm>
+      </p:grpSpPr>
+      <p:sp>
+        <p:nvSpPr>
+          <p:cNvPr id="2" name="Title 1"/>
+          <p:cNvSpPr>
+            <a:spLocks noGrp="1"/>
+          </p:cNvSpPr>
+          <p:nvPr>
+            <p:ph type="title"/>
+          </p:nvPr>
+        </p:nvSpPr>
+        <p:spPr>
+          <a:xfrm>
+            <a:off x="677335" y="1931988"/>
+            <a:ext cx="8596668" cy="2595460"/>
+          </a:xfrm>
+        </p:spPr>
+        <p:txBody>
+          <a:bodyPr anchor="b">
+            <a:normAutofit/>
+          </a:bodyPr>
+          <a:lstStyle>
+            <a:lvl1pPr algn="l">
+              <a:defRPr sz="4400" b="0" cap="none"/>
+            </a:lvl1pPr>
+          </a:lstStyle>
+          <a:p>
+            <a:r>
+              <a:rPr lang="en-US"/>
+              <a:t>Click to edit Master title style</a:t>
+            </a:r>
+            <a:endParaRPr lang="en-US" dirty="0"/>
+          </a:p>
+        </p:txBody>
+      </p:sp>
+      <p:sp>
+        <p:nvSpPr>
+          <p:cNvPr id="3" name="Text Placeholder 2"/>
+          <p:cNvSpPr>
+            <a:spLocks noGrp="1"/>
+          </p:cNvSpPr>
+          <p:nvPr>
+            <p:ph type="body" idx="1"/>
+          </p:nvPr>
+        </p:nvSpPr>
+        <p:spPr>
+          <a:xfrm>
+            <a:off x="677335" y="4527448"/>
+            <a:ext cx="8596668" cy="1513914"/>
+          </a:xfrm>
+        </p:spPr>
+        <p:txBody>
+          <a:bodyPr anchor="t">
+            <a:normAutofit/>
+          </a:bodyPr>
+          <a:lstStyle>
+            <a:lvl1pPr marL="0" indent="0" algn="l">
+              <a:buNone/>
+              <a:defRPr sz="1800">
+                <a:solidFill>
+                  <a:schemeClr val="tx1">
+                    <a:lumMod val="75000"/>
+                    <a:lumOff val="25000"/>
+                  </a:schemeClr>
+                </a:solidFill>
+              </a:defRPr>
+            </a:lvl1pPr>
+            <a:lvl2pPr marL="457200" indent="0">
+              <a:buNone/>
+              <a:defRPr sz="1800">
+                <a:solidFill>
+                  <a:schemeClr val="tx1">
+                    <a:tint val="75000"/>
+                  </a:schemeClr>
+                </a:solidFill>
+              </a:defRPr>
+            </a:lvl2pPr>
+            <a:lvl3pPr marL="914400" indent="0">
+              <a:buNone/>
+              <a:defRPr sz="1600">
+                <a:solidFill>
+                  <a:schemeClr val="tx1">
+                    <a:tint val="75000"/>
+                  </a:schemeClr>
+                </a:solidFill>
+              </a:defRPr>
+            </a:lvl3pPr>
+            <a:lvl4pPr marL="1371600" indent="0">
+              <a:buNone/>
+              <a:defRPr sz="1400">
+                <a:solidFill>
+                  <a:schemeClr val="tx1">
+                    <a:tint val="75000"/>
+                  </a:schemeClr>
+                </a:solidFill>
+              </a:defRPr>
+            </a:lvl4pPr>
+            <a:lvl5pPr marL="1828800" indent="0">
+              <a:buNone/>
+              <a:defRPr sz="1400">
+                <a:solidFill>
+                  <a:schemeClr val="tx1">
+                    <a:tint val="75000"/>
+                  </a:schemeClr>
+                </a:solidFill>
+              </a:defRPr>
+            </a:lvl5pPr>
+            <a:lvl6pPr marL="2286000" indent="0">
+              <a:buNone/>
+              <a:defRPr sz="1400">
+                <a:solidFill>
+                  <a:schemeClr val="tx1">
+                    <a:tint val="75000"/>
+                  </a:schemeClr>
+                </a:solidFill>
+              </a:defRPr>
+            </a:lvl6pPr>
+            <a:lvl7pPr marL="2743200" indent="0">
+              <a:buNone/>
+              <a:defRPr sz="1400">
+                <a:solidFill>
+                  <a:schemeClr val="tx1">
+                    <a:tint val="75000"/>
+                  </a:schemeClr>
+                </a:solidFill>
+              </a:defRPr>
+            </a:lvl7pPr>
+            <a:lvl8pPr marL="3200400" indent="0">
+              <a:buNone/>
+              <a:defRPr sz="1400">
+                <a:solidFill>
+                  <a:schemeClr val="tx1">
+                    <a:tint val="75000"/>
+                  </a:schemeClr>
+                </a:solidFill>
+              </a:defRPr>
+            </a:lvl8pPr>
+            <a:lvl9pPr marL="3657600" indent="0">
+              <a:buNone/>
+              <a:defRPr sz="1400">
+                <a:solidFill>
+                  <a:schemeClr val="tx1">
+                    <a:tint val="75000"/>
+                  </a:schemeClr>
+                </a:solidFill>
+              </a:defRPr>
+            </a:lvl9pPr>
+          </a:lstStyle>
+          <a:p>
+            <a:pPr lvl="0"/>
+            <a:r>
+              <a:rPr lang="en-US"/>
+              <a:t>Click to edit Master text styles</a:t>
+            </a:r>
+          </a:p>
+        </p:txBody>
+      </p:sp>
+      <p:sp>
+        <p:nvSpPr>
+          <p:cNvPr id="4" name="Date Placeholder 3"/>
+          <p:cNvSpPr>
+            <a:spLocks noGrp="1"/>
+          </p:cNvSpPr>
+          <p:nvPr>
+            <p:ph type="dt" sz="half" idx="10"/>
+          </p:nvPr>
+        </p:nvSpPr>
+        <p:spPr/>
+        <p:txBody>
+          <a:bodyPr/>
+          <a:lstStyle/>
+          <a:p>
+            <a:fld id="{81A56D06-1AE9-42BA-B013-77732A164FA0}" type="datetimeFigureOut">
+              <a:rPr lang="en-IN" smtClean="0"/>
+              <a:t>28-10-2023</a:t>
+            </a:fld>
+            <a:endParaRPr lang="en-IN"/>
+          </a:p>
+        </p:txBody>
+      </p:sp>
+      <p:sp>
+        <p:nvSpPr>
+          <p:cNvPr id="5" name="Footer Placeholder 4"/>
+          <p:cNvSpPr>
+            <a:spLocks noGrp="1"/>
+          </p:cNvSpPr>
+          <p:nvPr>
+            <p:ph type="ftr" sz="quarter" idx="11"/>
+          </p:nvPr>
+        </p:nvSpPr>
+        <p:spPr/>
+        <p:txBody>
+          <a:bodyPr/>
+          <a:lstStyle/>
+          <a:p>
+            <a:endParaRPr lang="en-IN"/>
+          </a:p>
+        </p:txBody>
+      </p:sp>
+      <p:sp>
+        <p:nvSpPr>
+          <p:cNvPr id="6" name="Slide Number Placeholder 5"/>
+          <p:cNvSpPr>
+            <a:spLocks noGrp="1"/>
+          </p:cNvSpPr>
+          <p:nvPr>
+            <p:ph type="sldNum" sz="quarter" idx="12"/>
+          </p:nvPr>
+        </p:nvSpPr>
+        <p:spPr/>
+        <p:txBody>
+          <a:bodyPr/>
+          <a:lstStyle/>
+          <a:p>
+            <a:fld id="{DA146B66-8940-405B-A094-35BB7D66E837}" type="slidenum">
+              <a:rPr lang="en-IN" smtClean="0"/>
+              <a:t>‹#›</a:t>
+            </a:fld>
+            <a:endParaRPr lang="en-IN"/>
+          </a:p>
+        </p:txBody>
+      </p:sp>
+    </p:spTree>
+    <p:extLst>
+      <p:ext uri="{BB962C8B-B14F-4D97-AF65-F5344CB8AC3E}">
+        <p14:creationId xmlns:p14="http://schemas.microsoft.com/office/powerpoint/2010/main" val="215477569"/>
+      </p:ext>
+    </p:extLst>
+  </p:cSld>
+  <p:clrMapOvr>
+    <a:masterClrMapping/>
+  </p:clrMapOvr>
+</p:sldLayout>
+</file>
+
+<file path=ppt/slideLayouts/slideLayout13.xml><?xml version="1.0" encoding="utf-8"?>
+<p:sldLayout xmlns:a="http://schemas.openxmlformats.org/drawingml/2006/main" xmlns:r="http://schemas.openxmlformats.org/officeDocument/2006/relationships" xmlns:p="http://schemas.openxmlformats.org/presentationml/2006/main" preserve="1">
+  <p:cSld name="Quote Name Card">
+    <p:spTree>
+      <p:nvGrpSpPr>
+        <p:cNvPr id="1" name=""/>
+        <p:cNvGrpSpPr/>
+        <p:nvPr/>
+      </p:nvGrpSpPr>
+      <p:grpSpPr>
+        <a:xfrm>
+          <a:off x="0" y="0"/>
+          <a:ext cx="0" cy="0"/>
+          <a:chOff x="0" y="0"/>
+          <a:chExt cx="0" cy="0"/>
+        </a:xfrm>
+      </p:grpSpPr>
+      <p:sp>
+        <p:nvSpPr>
+          <p:cNvPr id="2" name="Title 1"/>
+          <p:cNvSpPr>
+            <a:spLocks noGrp="1"/>
+          </p:cNvSpPr>
+          <p:nvPr>
+            <p:ph type="title"/>
+          </p:nvPr>
+        </p:nvSpPr>
+        <p:spPr>
+          <a:xfrm>
+            <a:off x="931334" y="609600"/>
+            <a:ext cx="8094134" cy="3022600"/>
+          </a:xfrm>
+        </p:spPr>
+        <p:txBody>
+          <a:bodyPr anchor="ctr">
+            <a:normAutofit/>
+          </a:bodyPr>
+          <a:lstStyle>
+            <a:lvl1pPr algn="l">
+              <a:defRPr sz="4400" b="0" cap="none"/>
+            </a:lvl1pPr>
+          </a:lstStyle>
+          <a:p>
+            <a:r>
+              <a:rPr lang="en-US"/>
+              <a:t>Click to edit Master title style</a:t>
+            </a:r>
+            <a:endParaRPr lang="en-US" dirty="0"/>
+          </a:p>
+        </p:txBody>
+      </p:sp>
+      <p:sp>
+        <p:nvSpPr>
+          <p:cNvPr id="23" name="Text Placeholder 9"/>
+          <p:cNvSpPr>
+            <a:spLocks noGrp="1"/>
+          </p:cNvSpPr>
+          <p:nvPr>
+            <p:ph type="body" sz="quarter" idx="13"/>
+          </p:nvPr>
+        </p:nvSpPr>
+        <p:spPr>
+          <a:xfrm>
+            <a:off x="677332" y="4013200"/>
+            <a:ext cx="8596669" cy="514248"/>
+          </a:xfrm>
+        </p:spPr>
+        <p:txBody>
+          <a:bodyPr anchor="b">
+            <a:noAutofit/>
+          </a:bodyPr>
+          <a:lstStyle>
+            <a:lvl1pPr marL="0" indent="0">
+              <a:buFontTx/>
+              <a:buNone/>
+              <a:defRPr sz="2400">
+                <a:solidFill>
+                  <a:schemeClr val="tx1">
+                    <a:lumMod val="75000"/>
+                    <a:lumOff val="25000"/>
+                  </a:schemeClr>
+                </a:solidFill>
+              </a:defRPr>
+            </a:lvl1pPr>
+            <a:lvl2pPr marL="457200" indent="0">
+              <a:buFontTx/>
+              <a:buNone/>
+              <a:defRPr/>
+            </a:lvl2pPr>
+            <a:lvl3pPr marL="914400" indent="0">
+              <a:buFontTx/>
+              <a:buNone/>
+              <a:defRPr/>
+            </a:lvl3pPr>
+            <a:lvl4pPr marL="1371600" indent="0">
+              <a:buFontTx/>
+              <a:buNone/>
+              <a:defRPr/>
+            </a:lvl4pPr>
+            <a:lvl5pPr marL="1828800" indent="0">
+              <a:buFontTx/>
+              <a:buNone/>
+              <a:defRPr/>
+            </a:lvl5pPr>
+          </a:lstStyle>
+          <a:p>
+            <a:pPr lvl="0"/>
+            <a:r>
+              <a:rPr lang="en-US"/>
+              <a:t>Click to edit Master text styles</a:t>
+            </a:r>
+          </a:p>
+        </p:txBody>
+      </p:sp>
+      <p:sp>
+        <p:nvSpPr>
+          <p:cNvPr id="3" name="Text Placeholder 2"/>
+          <p:cNvSpPr>
+            <a:spLocks noGrp="1"/>
+          </p:cNvSpPr>
+          <p:nvPr>
+            <p:ph type="body" idx="1"/>
+          </p:nvPr>
+        </p:nvSpPr>
+        <p:spPr>
+          <a:xfrm>
+            <a:off x="677335" y="4527448"/>
+            <a:ext cx="8596668" cy="1513914"/>
+          </a:xfrm>
+        </p:spPr>
+        <p:txBody>
+          <a:bodyPr anchor="t">
+            <a:normAutofit/>
+          </a:bodyPr>
+          <a:lstStyle>
+            <a:lvl1pPr marL="0" indent="0" algn="l">
+              <a:buNone/>
+              <a:defRPr sz="1800">
+                <a:solidFill>
+                  <a:schemeClr val="tx1">
+                    <a:lumMod val="50000"/>
+                    <a:lumOff val="50000"/>
+                  </a:schemeClr>
+                </a:solidFill>
+              </a:defRPr>
+            </a:lvl1pPr>
+            <a:lvl2pPr marL="457200" indent="0">
+              <a:buNone/>
+              <a:defRPr sz="1800">
+                <a:solidFill>
+                  <a:schemeClr val="tx1">
+                    <a:tint val="75000"/>
+                  </a:schemeClr>
+                </a:solidFill>
+              </a:defRPr>
+            </a:lvl2pPr>
+            <a:lvl3pPr marL="914400" indent="0">
+              <a:buNone/>
+              <a:defRPr sz="1600">
+                <a:solidFill>
+                  <a:schemeClr val="tx1">
+                    <a:tint val="75000"/>
+                  </a:schemeClr>
+                </a:solidFill>
+              </a:defRPr>
+            </a:lvl3pPr>
+            <a:lvl4pPr marL="1371600" indent="0">
+              <a:buNone/>
+              <a:defRPr sz="1400">
+                <a:solidFill>
+                  <a:schemeClr val="tx1">
+                    <a:tint val="75000"/>
+                  </a:schemeClr>
+                </a:solidFill>
+              </a:defRPr>
+            </a:lvl4pPr>
+            <a:lvl5pPr marL="1828800" indent="0">
+              <a:buNone/>
+              <a:defRPr sz="1400">
+                <a:solidFill>
+                  <a:schemeClr val="tx1">
+                    <a:tint val="75000"/>
+                  </a:schemeClr>
+                </a:solidFill>
+              </a:defRPr>
+            </a:lvl5pPr>
+            <a:lvl6pPr marL="2286000" indent="0">
+              <a:buNone/>
+              <a:defRPr sz="1400">
+                <a:solidFill>
+                  <a:schemeClr val="tx1">
+                    <a:tint val="75000"/>
+                  </a:schemeClr>
+                </a:solidFill>
+              </a:defRPr>
+            </a:lvl6pPr>
+            <a:lvl7pPr marL="2743200" indent="0">
+              <a:buNone/>
+              <a:defRPr sz="1400">
+                <a:solidFill>
+                  <a:schemeClr val="tx1">
+                    <a:tint val="75000"/>
+                  </a:schemeClr>
+                </a:solidFill>
+              </a:defRPr>
+            </a:lvl7pPr>
+            <a:lvl8pPr marL="3200400" indent="0">
+              <a:buNone/>
+              <a:defRPr sz="1400">
+                <a:solidFill>
+                  <a:schemeClr val="tx1">
+                    <a:tint val="75000"/>
+                  </a:schemeClr>
+                </a:solidFill>
+              </a:defRPr>
+            </a:lvl8pPr>
+            <a:lvl9pPr marL="3657600" indent="0">
+              <a:buNone/>
+              <a:defRPr sz="1400">
+                <a:solidFill>
+                  <a:schemeClr val="tx1">
+                    <a:tint val="75000"/>
+                  </a:schemeClr>
+                </a:solidFill>
+              </a:defRPr>
+            </a:lvl9pPr>
+          </a:lstStyle>
+          <a:p>
+            <a:pPr lvl="0"/>
+            <a:r>
+              <a:rPr lang="en-US"/>
+              <a:t>Click to edit Master text styles</a:t>
+            </a:r>
+          </a:p>
+        </p:txBody>
+      </p:sp>
+      <p:sp>
+        <p:nvSpPr>
+          <p:cNvPr id="4" name="Date Placeholder 3"/>
+          <p:cNvSpPr>
+            <a:spLocks noGrp="1"/>
+          </p:cNvSpPr>
+          <p:nvPr>
+            <p:ph type="dt" sz="half" idx="10"/>
+          </p:nvPr>
+        </p:nvSpPr>
+        <p:spPr/>
+        <p:txBody>
+          <a:bodyPr/>
+          <a:lstStyle/>
+          <a:p>
+            <a:fld id="{81A56D06-1AE9-42BA-B013-77732A164FA0}" type="datetimeFigureOut">
+              <a:rPr lang="en-IN" smtClean="0"/>
+              <a:t>28-10-2023</a:t>
+            </a:fld>
+            <a:endParaRPr lang="en-IN"/>
+          </a:p>
+        </p:txBody>
+      </p:sp>
+      <p:sp>
+        <p:nvSpPr>
+          <p:cNvPr id="5" name="Footer Placeholder 4"/>
+          <p:cNvSpPr>
+            <a:spLocks noGrp="1"/>
+          </p:cNvSpPr>
+          <p:nvPr>
+            <p:ph type="ftr" sz="quarter" idx="11"/>
+          </p:nvPr>
+        </p:nvSpPr>
+        <p:spPr/>
+        <p:txBody>
+          <a:bodyPr/>
+          <a:lstStyle/>
+          <a:p>
+            <a:endParaRPr lang="en-IN"/>
+          </a:p>
+        </p:txBody>
+      </p:sp>
+      <p:sp>
+        <p:nvSpPr>
+          <p:cNvPr id="6" name="Slide Number Placeholder 5"/>
+          <p:cNvSpPr>
+            <a:spLocks noGrp="1"/>
+          </p:cNvSpPr>
+          <p:nvPr>
+            <p:ph type="sldNum" sz="quarter" idx="12"/>
+          </p:nvPr>
+        </p:nvSpPr>
+        <p:spPr/>
+        <p:txBody>
+          <a:bodyPr/>
+          <a:lstStyle/>
+          <a:p>
+            <a:fld id="{DA146B66-8940-405B-A094-35BB7D66E837}" type="slidenum">
+              <a:rPr lang="en-IN" smtClean="0"/>
+              <a:t>‹#›</a:t>
+            </a:fld>
+            <a:endParaRPr lang="en-IN"/>
+          </a:p>
+        </p:txBody>
+      </p:sp>
+      <p:sp>
+        <p:nvSpPr>
+          <p:cNvPr id="24" name="TextBox 23"/>
+          <p:cNvSpPr txBox="1"/>
+          <p:nvPr/>
+        </p:nvSpPr>
+        <p:spPr>
+          <a:xfrm>
+            <a:off x="541870" y="790378"/>
+            <a:ext cx="609600" cy="584776"/>
+          </a:xfrm>
+          <a:prstGeom prst="rect">
+            <a:avLst/>
+          </a:prstGeom>
+        </p:spPr>
+        <p:txBody>
+          <a:bodyPr vert="horz" lIns="91440" tIns="45720" rIns="91440" bIns="45720" rtlCol="0" anchor="ctr">
+            <a:noAutofit/>
+          </a:bodyPr>
+          <a:lstStyle/>
+          <a:p>
+            <a:pPr lvl="0"/>
+            <a:r>
+              <a:rPr lang="en-US" sz="8000" baseline="0" dirty="0">
+                <a:ln w="3175" cmpd="sng">
+                  <a:noFill/>
+                </a:ln>
+                <a:solidFill>
+                  <a:schemeClr val="accent1">
+                    <a:lumMod val="60000"/>
+                    <a:lumOff val="40000"/>
+                  </a:schemeClr>
+                </a:solidFill>
+                <a:effectLst/>
+                <a:latin typeface="Arial"/>
+              </a:rPr>
+              <a:t>“</a:t>
+            </a:r>
+          </a:p>
+        </p:txBody>
+      </p:sp>
+      <p:sp>
+        <p:nvSpPr>
+          <p:cNvPr id="25" name="TextBox 24"/>
+          <p:cNvSpPr txBox="1"/>
+          <p:nvPr/>
+        </p:nvSpPr>
+        <p:spPr>
+          <a:xfrm>
+            <a:off x="8893011" y="2886556"/>
+            <a:ext cx="609600" cy="584776"/>
+          </a:xfrm>
+          <a:prstGeom prst="rect">
+            <a:avLst/>
+          </a:prstGeom>
+        </p:spPr>
+        <p:txBody>
+          <a:bodyPr vert="horz" lIns="91440" tIns="45720" rIns="91440" bIns="45720" rtlCol="0" anchor="ctr">
+            <a:noAutofit/>
+          </a:bodyPr>
+          <a:lstStyle/>
+          <a:p>
+            <a:pPr lvl="0"/>
+            <a:r>
+              <a:rPr lang="en-US" sz="8000" baseline="0" dirty="0">
+                <a:ln w="3175" cmpd="sng">
+                  <a:noFill/>
+                </a:ln>
+                <a:solidFill>
+                  <a:schemeClr val="accent1">
+                    <a:lumMod val="60000"/>
+                    <a:lumOff val="40000"/>
+                  </a:schemeClr>
+                </a:solidFill>
+                <a:effectLst/>
+                <a:latin typeface="Arial"/>
+              </a:rPr>
+              <a:t>”</a:t>
+            </a:r>
+          </a:p>
+        </p:txBody>
+      </p:sp>
+    </p:spTree>
+    <p:extLst>
+      <p:ext uri="{BB962C8B-B14F-4D97-AF65-F5344CB8AC3E}">
+        <p14:creationId xmlns:p14="http://schemas.microsoft.com/office/powerpoint/2010/main" val="1643624376"/>
+      </p:ext>
+    </p:extLst>
+  </p:cSld>
+  <p:clrMapOvr>
+    <a:masterClrMapping/>
+  </p:clrMapOvr>
+</p:sldLayout>
+</file>
+
+<file path=ppt/slideLayouts/slideLayout14.xml><?xml version="1.0" encoding="utf-8"?>
+<p:sldLayout xmlns:a="http://schemas.openxmlformats.org/drawingml/2006/main" xmlns:r="http://schemas.openxmlformats.org/officeDocument/2006/relationships" xmlns:p="http://schemas.openxmlformats.org/presentationml/2006/main" preserve="1">
+  <p:cSld name="True or False">
+    <p:spTree>
+      <p:nvGrpSpPr>
+        <p:cNvPr id="1" name=""/>
+        <p:cNvGrpSpPr/>
+        <p:nvPr/>
+      </p:nvGrpSpPr>
+      <p:grpSpPr>
+        <a:xfrm>
+          <a:off x="0" y="0"/>
+          <a:ext cx="0" cy="0"/>
+          <a:chOff x="0" y="0"/>
+          <a:chExt cx="0" cy="0"/>
+        </a:xfrm>
+      </p:grpSpPr>
+      <p:sp>
+        <p:nvSpPr>
+          <p:cNvPr id="2" name="Title 1"/>
+          <p:cNvSpPr>
+            <a:spLocks noGrp="1"/>
+          </p:cNvSpPr>
+          <p:nvPr>
+            <p:ph type="title"/>
+          </p:nvPr>
+        </p:nvSpPr>
+        <p:spPr>
+          <a:xfrm>
+            <a:off x="685799" y="609600"/>
+            <a:ext cx="8588203" cy="3022600"/>
+          </a:xfrm>
+        </p:spPr>
+        <p:txBody>
+          <a:bodyPr anchor="ctr">
+            <a:normAutofit/>
+          </a:bodyPr>
+          <a:lstStyle>
+            <a:lvl1pPr algn="l">
+              <a:defRPr sz="4400" b="0" cap="none"/>
+            </a:lvl1pPr>
+          </a:lstStyle>
+          <a:p>
+            <a:r>
+              <a:rPr lang="en-US"/>
+              <a:t>Click to edit Master title style</a:t>
+            </a:r>
+            <a:endParaRPr lang="en-US" dirty="0"/>
+          </a:p>
+        </p:txBody>
+      </p:sp>
+      <p:sp>
+        <p:nvSpPr>
+          <p:cNvPr id="23" name="Text Placeholder 9"/>
+          <p:cNvSpPr>
+            <a:spLocks noGrp="1"/>
+          </p:cNvSpPr>
+          <p:nvPr>
+            <p:ph type="body" sz="quarter" idx="13"/>
+          </p:nvPr>
+        </p:nvSpPr>
+        <p:spPr>
+          <a:xfrm>
+            <a:off x="677332" y="4013200"/>
+            <a:ext cx="8596669" cy="514248"/>
+          </a:xfrm>
+        </p:spPr>
+        <p:txBody>
+          <a:bodyPr anchor="b">
+            <a:noAutofit/>
+          </a:bodyPr>
+          <a:lstStyle>
+            <a:lvl1pPr marL="0" indent="0">
+              <a:buFontTx/>
+              <a:buNone/>
+              <a:defRPr sz="2400">
+                <a:solidFill>
+                  <a:schemeClr val="accent1"/>
+                </a:solidFill>
+              </a:defRPr>
+            </a:lvl1pPr>
+            <a:lvl2pPr marL="457200" indent="0">
+              <a:buFontTx/>
+              <a:buNone/>
+              <a:defRPr/>
+            </a:lvl2pPr>
+            <a:lvl3pPr marL="914400" indent="0">
+              <a:buFontTx/>
+              <a:buNone/>
+              <a:defRPr/>
+            </a:lvl3pPr>
+            <a:lvl4pPr marL="1371600" indent="0">
+              <a:buFontTx/>
+              <a:buNone/>
+              <a:defRPr/>
+            </a:lvl4pPr>
+            <a:lvl5pPr marL="1828800" indent="0">
+              <a:buFontTx/>
+              <a:buNone/>
+              <a:defRPr/>
+            </a:lvl5pPr>
+          </a:lstStyle>
+          <a:p>
+            <a:pPr lvl="0"/>
+            <a:r>
+              <a:rPr lang="en-US"/>
+              <a:t>Click to edit Master text styles</a:t>
+            </a:r>
+          </a:p>
+        </p:txBody>
+      </p:sp>
+      <p:sp>
+        <p:nvSpPr>
+          <p:cNvPr id="3" name="Text Placeholder 2"/>
+          <p:cNvSpPr>
+            <a:spLocks noGrp="1"/>
+          </p:cNvSpPr>
+          <p:nvPr>
+            <p:ph type="body" idx="1"/>
+          </p:nvPr>
+        </p:nvSpPr>
+        <p:spPr>
+          <a:xfrm>
+            <a:off x="677335" y="4527448"/>
+            <a:ext cx="8596668" cy="1513914"/>
+          </a:xfrm>
+        </p:spPr>
+        <p:txBody>
+          <a:bodyPr anchor="t">
+            <a:normAutofit/>
+          </a:bodyPr>
+          <a:lstStyle>
+            <a:lvl1pPr marL="0" indent="0" algn="l">
+              <a:buNone/>
+              <a:defRPr sz="1800">
+                <a:solidFill>
+                  <a:schemeClr val="tx1">
+                    <a:lumMod val="50000"/>
+                    <a:lumOff val="50000"/>
+                  </a:schemeClr>
+                </a:solidFill>
+              </a:defRPr>
+            </a:lvl1pPr>
+            <a:lvl2pPr marL="457200" indent="0">
+              <a:buNone/>
+              <a:defRPr sz="1800">
+                <a:solidFill>
+                  <a:schemeClr val="tx1">
+                    <a:tint val="75000"/>
+                  </a:schemeClr>
+                </a:solidFill>
+              </a:defRPr>
+            </a:lvl2pPr>
+            <a:lvl3pPr marL="914400" indent="0">
+              <a:buNone/>
+              <a:defRPr sz="1600">
+                <a:solidFill>
+                  <a:schemeClr val="tx1">
+                    <a:tint val="75000"/>
+                  </a:schemeClr>
+                </a:solidFill>
+              </a:defRPr>
+            </a:lvl3pPr>
+            <a:lvl4pPr marL="1371600" indent="0">
+              <a:buNone/>
+              <a:defRPr sz="1400">
+                <a:solidFill>
+                  <a:schemeClr val="tx1">
+                    <a:tint val="75000"/>
+                  </a:schemeClr>
+                </a:solidFill>
+              </a:defRPr>
+            </a:lvl4pPr>
+            <a:lvl5pPr marL="1828800" indent="0">
+              <a:buNone/>
+              <a:defRPr sz="1400">
+                <a:solidFill>
+                  <a:schemeClr val="tx1">
+                    <a:tint val="75000"/>
+                  </a:schemeClr>
+                </a:solidFill>
+              </a:defRPr>
+            </a:lvl5pPr>
+            <a:lvl6pPr marL="2286000" indent="0">
+              <a:buNone/>
+              <a:defRPr sz="1400">
+                <a:solidFill>
+                  <a:schemeClr val="tx1">
+                    <a:tint val="75000"/>
+                  </a:schemeClr>
+                </a:solidFill>
+              </a:defRPr>
+            </a:lvl6pPr>
+            <a:lvl7pPr marL="2743200" indent="0">
+              <a:buNone/>
+              <a:defRPr sz="1400">
+                <a:solidFill>
+                  <a:schemeClr val="tx1">
+                    <a:tint val="75000"/>
+                  </a:schemeClr>
+                </a:solidFill>
+              </a:defRPr>
+            </a:lvl7pPr>
+            <a:lvl8pPr marL="3200400" indent="0">
+              <a:buNone/>
+              <a:defRPr sz="1400">
+                <a:solidFill>
+                  <a:schemeClr val="tx1">
+                    <a:tint val="75000"/>
+                  </a:schemeClr>
+                </a:solidFill>
+              </a:defRPr>
+            </a:lvl8pPr>
+            <a:lvl9pPr marL="3657600" indent="0">
+              <a:buNone/>
+              <a:defRPr sz="1400">
+                <a:solidFill>
+                  <a:schemeClr val="tx1">
+                    <a:tint val="75000"/>
+                  </a:schemeClr>
+                </a:solidFill>
+              </a:defRPr>
+            </a:lvl9pPr>
+          </a:lstStyle>
+          <a:p>
+            <a:pPr lvl="0"/>
+            <a:r>
+              <a:rPr lang="en-US"/>
+              <a:t>Click to edit Master text styles</a:t>
+            </a:r>
+          </a:p>
+        </p:txBody>
+      </p:sp>
+      <p:sp>
+        <p:nvSpPr>
+          <p:cNvPr id="4" name="Date Placeholder 3"/>
+          <p:cNvSpPr>
+            <a:spLocks noGrp="1"/>
+          </p:cNvSpPr>
+          <p:nvPr>
+            <p:ph type="dt" sz="half" idx="10"/>
+          </p:nvPr>
+        </p:nvSpPr>
+        <p:spPr/>
+        <p:txBody>
+          <a:bodyPr/>
+          <a:lstStyle/>
+          <a:p>
+            <a:fld id="{81A56D06-1AE9-42BA-B013-77732A164FA0}" type="datetimeFigureOut">
+              <a:rPr lang="en-IN" smtClean="0"/>
+              <a:t>28-10-2023</a:t>
+            </a:fld>
+            <a:endParaRPr lang="en-IN"/>
+          </a:p>
+        </p:txBody>
+      </p:sp>
+      <p:sp>
+        <p:nvSpPr>
+          <p:cNvPr id="5" name="Footer Placeholder 4"/>
+          <p:cNvSpPr>
+            <a:spLocks noGrp="1"/>
+          </p:cNvSpPr>
+          <p:nvPr>
+            <p:ph type="ftr" sz="quarter" idx="11"/>
+          </p:nvPr>
+        </p:nvSpPr>
+        <p:spPr/>
+        <p:txBody>
+          <a:bodyPr/>
+          <a:lstStyle/>
+          <a:p>
+            <a:endParaRPr lang="en-IN"/>
+          </a:p>
+        </p:txBody>
+      </p:sp>
+      <p:sp>
+        <p:nvSpPr>
+          <p:cNvPr id="6" name="Slide Number Placeholder 5"/>
+          <p:cNvSpPr>
+            <a:spLocks noGrp="1"/>
+          </p:cNvSpPr>
+          <p:nvPr>
+            <p:ph type="sldNum" sz="quarter" idx="12"/>
+          </p:nvPr>
+        </p:nvSpPr>
+        <p:spPr/>
+        <p:txBody>
+          <a:bodyPr/>
+          <a:lstStyle/>
+          <a:p>
+            <a:fld id="{DA146B66-8940-405B-A094-35BB7D66E837}" type="slidenum">
+              <a:rPr lang="en-IN" smtClean="0"/>
+              <a:t>‹#›</a:t>
+            </a:fld>
+            <a:endParaRPr lang="en-IN"/>
+          </a:p>
+        </p:txBody>
+      </p:sp>
+    </p:spTree>
+    <p:extLst>
+      <p:ext uri="{BB962C8B-B14F-4D97-AF65-F5344CB8AC3E}">
+        <p14:creationId xmlns:p14="http://schemas.microsoft.com/office/powerpoint/2010/main" val="899942178"/>
+      </p:ext>
+    </p:extLst>
+  </p:cSld>
+  <p:clrMapOvr>
+    <a:masterClrMapping/>
+  </p:clrMapOvr>
+</p:sldLayout>
+</file>
+
+<file path=ppt/slideLayouts/slideLayout15.xml><?xml version="1.0" encoding="utf-8"?>
 <p:sldLayout xmlns:a="http://schemas.openxmlformats.org/drawingml/2006/main" xmlns:r="http://schemas.openxmlformats.org/officeDocument/2006/relationships" xmlns:p="http://schemas.openxmlformats.org/presentationml/2006/main" type="vertTx" preserve="1">
   <p:cSld name="Title and Vertical Text">
     <p:spTree>
@@ -977,13 +3153,7 @@
       </p:grpSpPr>
       <p:sp>
         <p:nvSpPr>
-          <p:cNvPr id="2" name="Title 1">
-            <a:extLst>
-              <a:ext uri="{FF2B5EF4-FFF2-40B4-BE49-F238E27FC236}">
-                <a16:creationId xmlns:a16="http://schemas.microsoft.com/office/drawing/2014/main" id="{7BCB969E-2C4A-536C-22BD-0E8E7F107488}"/>
-              </a:ext>
-            </a:extLst>
-          </p:cNvPr>
+          <p:cNvPr id="2" name="Title 1"/>
           <p:cNvSpPr>
             <a:spLocks noGrp="1"/>
           </p:cNvSpPr>
@@ -1000,19 +3170,13 @@
               <a:rPr lang="en-US"/>
               <a:t>Click to edit Master title style</a:t>
             </a:r>
-            <a:endParaRPr lang="en-IN"/>
-          </a:p>
-        </p:txBody>
-      </p:sp>
-      <p:sp>
-        <p:nvSpPr>
-          <p:cNvPr id="3" name="Vertical Text Placeholder 2">
-            <a:extLst>
-              <a:ext uri="{FF2B5EF4-FFF2-40B4-BE49-F238E27FC236}">
-                <a16:creationId xmlns:a16="http://schemas.microsoft.com/office/drawing/2014/main" id="{878879AD-8990-1DAD-612F-CCF03A3094CE}"/>
-              </a:ext>
-            </a:extLst>
-          </p:cNvPr>
+            <a:endParaRPr lang="en-US" dirty="0"/>
+          </a:p>
+        </p:txBody>
+      </p:sp>
+      <p:sp>
+        <p:nvSpPr>
+          <p:cNvPr id="3" name="Vertical Text Placeholder 2"/>
           <p:cNvSpPr>
             <a:spLocks noGrp="1"/>
           </p:cNvSpPr>
@@ -1058,19 +3222,13 @@
               <a:rPr lang="en-US"/>
               <a:t>Fifth level</a:t>
             </a:r>
-            <a:endParaRPr lang="en-IN"/>
-          </a:p>
-        </p:txBody>
-      </p:sp>
-      <p:sp>
-        <p:nvSpPr>
-          <p:cNvPr id="4" name="Date Placeholder 3">
-            <a:extLst>
-              <a:ext uri="{FF2B5EF4-FFF2-40B4-BE49-F238E27FC236}">
-                <a16:creationId xmlns:a16="http://schemas.microsoft.com/office/drawing/2014/main" id="{2641074E-6FBA-642F-2AB5-41CA9D2DA03D}"/>
-              </a:ext>
-            </a:extLst>
-          </p:cNvPr>
+            <a:endParaRPr lang="en-US" dirty="0"/>
+          </a:p>
+        </p:txBody>
+      </p:sp>
+      <p:sp>
+        <p:nvSpPr>
+          <p:cNvPr id="4" name="Date Placeholder 3"/>
           <p:cNvSpPr>
             <a:spLocks noGrp="1"/>
           </p:cNvSpPr>
@@ -1085,7 +3243,7 @@
           <a:p>
             <a:fld id="{81A56D06-1AE9-42BA-B013-77732A164FA0}" type="datetimeFigureOut">
               <a:rPr lang="en-IN" smtClean="0"/>
-              <a:t>27-10-2023</a:t>
+              <a:t>28-10-2023</a:t>
             </a:fld>
             <a:endParaRPr lang="en-IN"/>
           </a:p>
@@ -1093,13 +3251,7 @@
       </p:sp>
       <p:sp>
         <p:nvSpPr>
-          <p:cNvPr id="5" name="Footer Placeholder 4">
-            <a:extLst>
-              <a:ext uri="{FF2B5EF4-FFF2-40B4-BE49-F238E27FC236}">
-                <a16:creationId xmlns:a16="http://schemas.microsoft.com/office/drawing/2014/main" id="{100BB7B6-BE54-A72F-6A9F-5D66D49ACAA8}"/>
-              </a:ext>
-            </a:extLst>
-          </p:cNvPr>
+          <p:cNvPr id="5" name="Footer Placeholder 4"/>
           <p:cNvSpPr>
             <a:spLocks noGrp="1"/>
           </p:cNvSpPr>
@@ -1118,13 +3270,7 @@
       </p:sp>
       <p:sp>
         <p:nvSpPr>
-          <p:cNvPr id="6" name="Slide Number Placeholder 5">
-            <a:extLst>
-              <a:ext uri="{FF2B5EF4-FFF2-40B4-BE49-F238E27FC236}">
-                <a16:creationId xmlns:a16="http://schemas.microsoft.com/office/drawing/2014/main" id="{A83BC187-3A2C-2B90-244D-A75966BB368D}"/>
-              </a:ext>
-            </a:extLst>
-          </p:cNvPr>
+          <p:cNvPr id="6" name="Slide Number Placeholder 5"/>
           <p:cNvSpPr>
             <a:spLocks noGrp="1"/>
           </p:cNvSpPr>
@@ -1148,7 +3294,7 @@
     </p:spTree>
     <p:extLst>
       <p:ext uri="{BB962C8B-B14F-4D97-AF65-F5344CB8AC3E}">
-        <p14:creationId xmlns:p14="http://schemas.microsoft.com/office/powerpoint/2010/main" val="2103582723"/>
+        <p14:creationId xmlns:p14="http://schemas.microsoft.com/office/powerpoint/2010/main" val="2620047534"/>
       </p:ext>
     </p:extLst>
   </p:cSld>
@@ -1158,7 +3304,7 @@
 </p:sldLayout>
 </file>
 
-<file path=ppt/slideLayouts/slideLayout11.xml><?xml version="1.0" encoding="utf-8"?>
+<file path=ppt/slideLayouts/slideLayout16.xml><?xml version="1.0" encoding="utf-8"?>
 <p:sldLayout xmlns:a="http://schemas.openxmlformats.org/drawingml/2006/main" xmlns:r="http://schemas.openxmlformats.org/officeDocument/2006/relationships" xmlns:p="http://schemas.openxmlformats.org/presentationml/2006/main" type="vertTitleAndTx" preserve="1">
   <p:cSld name="Vertical Title and Text">
     <p:spTree>
@@ -1177,13 +3323,7 @@
       </p:grpSpPr>
       <p:sp>
         <p:nvSpPr>
-          <p:cNvPr id="2" name="Vertical Title 1">
-            <a:extLst>
-              <a:ext uri="{FF2B5EF4-FFF2-40B4-BE49-F238E27FC236}">
-                <a16:creationId xmlns:a16="http://schemas.microsoft.com/office/drawing/2014/main" id="{6233B686-FCA7-41C8-412D-D793F2AD3303}"/>
-              </a:ext>
-            </a:extLst>
-          </p:cNvPr>
+          <p:cNvPr id="2" name="Vertical Title 1"/>
           <p:cNvSpPr>
             <a:spLocks noGrp="1"/>
           </p:cNvSpPr>
@@ -1193,48 +3333,42 @@
         </p:nvSpPr>
         <p:spPr>
           <a:xfrm>
-            <a:off x="8724900" y="365125"/>
-            <a:ext cx="2628900" cy="5811838"/>
+            <a:off x="7967673" y="609599"/>
+            <a:ext cx="1304743" cy="5251451"/>
           </a:xfrm>
         </p:spPr>
         <p:txBody>
+          <a:bodyPr vert="eaVert" anchor="ctr"/>
+          <a:lstStyle/>
+          <a:p>
+            <a:r>
+              <a:rPr lang="en-US"/>
+              <a:t>Click to edit Master title style</a:t>
+            </a:r>
+            <a:endParaRPr lang="en-US" dirty="0"/>
+          </a:p>
+        </p:txBody>
+      </p:sp>
+      <p:sp>
+        <p:nvSpPr>
+          <p:cNvPr id="3" name="Vertical Text Placeholder 2"/>
+          <p:cNvSpPr>
+            <a:spLocks noGrp="1"/>
+          </p:cNvSpPr>
+          <p:nvPr>
+            <p:ph type="body" orient="vert" idx="1"/>
+          </p:nvPr>
+        </p:nvSpPr>
+        <p:spPr>
+          <a:xfrm>
+            <a:off x="677335" y="609600"/>
+            <a:ext cx="7060150" cy="5251450"/>
+          </a:xfrm>
+        </p:spPr>
+        <p:txBody>
           <a:bodyPr vert="eaVert"/>
           <a:lstStyle/>
           <a:p>
-            <a:r>
-              <a:rPr lang="en-US"/>
-              <a:t>Click to edit Master title style</a:t>
-            </a:r>
-            <a:endParaRPr lang="en-IN"/>
-          </a:p>
-        </p:txBody>
-      </p:sp>
-      <p:sp>
-        <p:nvSpPr>
-          <p:cNvPr id="3" name="Vertical Text Placeholder 2">
-            <a:extLst>
-              <a:ext uri="{FF2B5EF4-FFF2-40B4-BE49-F238E27FC236}">
-                <a16:creationId xmlns:a16="http://schemas.microsoft.com/office/drawing/2014/main" id="{F8DD334D-06A3-DB82-94FE-9D23950D0406}"/>
-              </a:ext>
-            </a:extLst>
-          </p:cNvPr>
-          <p:cNvSpPr>
-            <a:spLocks noGrp="1"/>
-          </p:cNvSpPr>
-          <p:nvPr>
-            <p:ph type="body" orient="vert" idx="1"/>
-          </p:nvPr>
-        </p:nvSpPr>
-        <p:spPr>
-          <a:xfrm>
-            <a:off x="838200" y="365125"/>
-            <a:ext cx="7734300" cy="5811838"/>
-          </a:xfrm>
-        </p:spPr>
-        <p:txBody>
-          <a:bodyPr vert="eaVert"/>
-          <a:lstStyle/>
-          <a:p>
             <a:pPr lvl="0"/>
             <a:r>
               <a:rPr lang="en-US"/>
@@ -1268,19 +3402,13 @@
               <a:rPr lang="en-US"/>
               <a:t>Fifth level</a:t>
             </a:r>
-            <a:endParaRPr lang="en-IN"/>
-          </a:p>
-        </p:txBody>
-      </p:sp>
-      <p:sp>
-        <p:nvSpPr>
-          <p:cNvPr id="4" name="Date Placeholder 3">
-            <a:extLst>
-              <a:ext uri="{FF2B5EF4-FFF2-40B4-BE49-F238E27FC236}">
-                <a16:creationId xmlns:a16="http://schemas.microsoft.com/office/drawing/2014/main" id="{A345A539-F468-7DDC-51EA-486264AE3619}"/>
-              </a:ext>
-            </a:extLst>
-          </p:cNvPr>
+            <a:endParaRPr lang="en-US" dirty="0"/>
+          </a:p>
+        </p:txBody>
+      </p:sp>
+      <p:sp>
+        <p:nvSpPr>
+          <p:cNvPr id="4" name="Date Placeholder 3"/>
           <p:cNvSpPr>
             <a:spLocks noGrp="1"/>
           </p:cNvSpPr>
@@ -1295,7 +3423,7 @@
           <a:p>
             <a:fld id="{81A56D06-1AE9-42BA-B013-77732A164FA0}" type="datetimeFigureOut">
               <a:rPr lang="en-IN" smtClean="0"/>
-              <a:t>27-10-2023</a:t>
+              <a:t>28-10-2023</a:t>
             </a:fld>
             <a:endParaRPr lang="en-IN"/>
           </a:p>
@@ -1303,13 +3431,7 @@
       </p:sp>
       <p:sp>
         <p:nvSpPr>
-          <p:cNvPr id="5" name="Footer Placeholder 4">
-            <a:extLst>
-              <a:ext uri="{FF2B5EF4-FFF2-40B4-BE49-F238E27FC236}">
-                <a16:creationId xmlns:a16="http://schemas.microsoft.com/office/drawing/2014/main" id="{686AA0D0-8ADD-0A71-BDC3-1AAA5FE91C08}"/>
-              </a:ext>
-            </a:extLst>
-          </p:cNvPr>
+          <p:cNvPr id="5" name="Footer Placeholder 4"/>
           <p:cNvSpPr>
             <a:spLocks noGrp="1"/>
           </p:cNvSpPr>
@@ -1328,13 +3450,7 @@
       </p:sp>
       <p:sp>
         <p:nvSpPr>
-          <p:cNvPr id="6" name="Slide Number Placeholder 5">
-            <a:extLst>
-              <a:ext uri="{FF2B5EF4-FFF2-40B4-BE49-F238E27FC236}">
-                <a16:creationId xmlns:a16="http://schemas.microsoft.com/office/drawing/2014/main" id="{53315057-BF99-D79F-4E89-866503FBA5D4}"/>
-              </a:ext>
-            </a:extLst>
-          </p:cNvPr>
+          <p:cNvPr id="6" name="Slide Number Placeholder 5"/>
           <p:cNvSpPr>
             <a:spLocks noGrp="1"/>
           </p:cNvSpPr>
@@ -1358,7 +3474,7 @@
     </p:spTree>
     <p:extLst>
       <p:ext uri="{BB962C8B-B14F-4D97-AF65-F5344CB8AC3E}">
-        <p14:creationId xmlns:p14="http://schemas.microsoft.com/office/powerpoint/2010/main" val="1640562471"/>
+        <p14:creationId xmlns:p14="http://schemas.microsoft.com/office/powerpoint/2010/main" val="2949850513"/>
       </p:ext>
     </p:extLst>
   </p:cSld>
@@ -1387,18 +3503,41 @@
       </p:grpSpPr>
       <p:sp>
         <p:nvSpPr>
-          <p:cNvPr id="2" name="Title 1">
-            <a:extLst>
-              <a:ext uri="{FF2B5EF4-FFF2-40B4-BE49-F238E27FC236}">
-                <a16:creationId xmlns:a16="http://schemas.microsoft.com/office/drawing/2014/main" id="{15FE01FF-C33A-F188-FD45-E2F1861F5793}"/>
-              </a:ext>
-            </a:extLst>
-          </p:cNvPr>
+          <p:cNvPr id="2" name="Title 1"/>
           <p:cNvSpPr>
             <a:spLocks noGrp="1"/>
           </p:cNvSpPr>
           <p:nvPr>
             <p:ph type="title"/>
+          </p:nvPr>
+        </p:nvSpPr>
+        <p:spPr/>
+        <p:txBody>
+          <a:bodyPr>
+            <a:normAutofit/>
+          </a:bodyPr>
+          <a:lstStyle>
+            <a:lvl1pPr>
+              <a:defRPr sz="3600"/>
+            </a:lvl1pPr>
+          </a:lstStyle>
+          <a:p>
+            <a:r>
+              <a:rPr lang="en-US"/>
+              <a:t>Click to edit Master title style</a:t>
+            </a:r>
+            <a:endParaRPr lang="en-US" dirty="0"/>
+          </a:p>
+        </p:txBody>
+      </p:sp>
+      <p:sp>
+        <p:nvSpPr>
+          <p:cNvPr id="3" name="Content Placeholder 2"/>
+          <p:cNvSpPr>
+            <a:spLocks noGrp="1"/>
+          </p:cNvSpPr>
+          <p:nvPr>
+            <p:ph idx="1"/>
           </p:nvPr>
         </p:nvSpPr>
         <p:spPr/>
@@ -1406,28 +3545,51 @@
           <a:bodyPr/>
           <a:lstStyle/>
           <a:p>
+            <a:pPr lvl="0"/>
             <a:r>
               <a:rPr lang="en-US"/>
-              <a:t>Click to edit Master title style</a:t>
-            </a:r>
-            <a:endParaRPr lang="en-IN"/>
-          </a:p>
-        </p:txBody>
-      </p:sp>
-      <p:sp>
-        <p:nvSpPr>
-          <p:cNvPr id="3" name="Content Placeholder 2">
-            <a:extLst>
-              <a:ext uri="{FF2B5EF4-FFF2-40B4-BE49-F238E27FC236}">
-                <a16:creationId xmlns:a16="http://schemas.microsoft.com/office/drawing/2014/main" id="{8C71D61E-809F-5773-FFF2-A0FCB457BD02}"/>
-              </a:ext>
-            </a:extLst>
-          </p:cNvPr>
-          <p:cNvSpPr>
-            <a:spLocks noGrp="1"/>
-          </p:cNvSpPr>
-          <p:nvPr>
-            <p:ph idx="1"/>
+              <a:t>Click to edit Master text styles</a:t>
+            </a:r>
+          </a:p>
+          <a:p>
+            <a:pPr lvl="1"/>
+            <a:r>
+              <a:rPr lang="en-US"/>
+              <a:t>Second level</a:t>
+            </a:r>
+          </a:p>
+          <a:p>
+            <a:pPr lvl="2"/>
+            <a:r>
+              <a:rPr lang="en-US"/>
+              <a:t>Third level</a:t>
+            </a:r>
+          </a:p>
+          <a:p>
+            <a:pPr lvl="3"/>
+            <a:r>
+              <a:rPr lang="en-US"/>
+              <a:t>Fourth level</a:t>
+            </a:r>
+          </a:p>
+          <a:p>
+            <a:pPr lvl="4"/>
+            <a:r>
+              <a:rPr lang="en-US"/>
+              <a:t>Fifth level</a:t>
+            </a:r>
+            <a:endParaRPr lang="en-US" dirty="0"/>
+          </a:p>
+        </p:txBody>
+      </p:sp>
+      <p:sp>
+        <p:nvSpPr>
+          <p:cNvPr id="4" name="Date Placeholder 3"/>
+          <p:cNvSpPr>
+            <a:spLocks noGrp="1"/>
+          </p:cNvSpPr>
+          <p:nvPr>
+            <p:ph type="dt" sz="half" idx="10"/>
           </p:nvPr>
         </p:nvSpPr>
         <p:spPr/>
@@ -1435,57 +3597,22 @@
           <a:bodyPr/>
           <a:lstStyle/>
           <a:p>
-            <a:pPr lvl="0"/>
-            <a:r>
-              <a:rPr lang="en-US"/>
-              <a:t>Click to edit Master text styles</a:t>
-            </a:r>
-          </a:p>
-          <a:p>
-            <a:pPr lvl="1"/>
-            <a:r>
-              <a:rPr lang="en-US"/>
-              <a:t>Second level</a:t>
-            </a:r>
-          </a:p>
-          <a:p>
-            <a:pPr lvl="2"/>
-            <a:r>
-              <a:rPr lang="en-US"/>
-              <a:t>Third level</a:t>
-            </a:r>
-          </a:p>
-          <a:p>
-            <a:pPr lvl="3"/>
-            <a:r>
-              <a:rPr lang="en-US"/>
-              <a:t>Fourth level</a:t>
-            </a:r>
-          </a:p>
-          <a:p>
-            <a:pPr lvl="4"/>
-            <a:r>
-              <a:rPr lang="en-US"/>
-              <a:t>Fifth level</a:t>
-            </a:r>
+            <a:fld id="{81A56D06-1AE9-42BA-B013-77732A164FA0}" type="datetimeFigureOut">
+              <a:rPr lang="en-IN" smtClean="0"/>
+              <a:t>28-10-2023</a:t>
+            </a:fld>
             <a:endParaRPr lang="en-IN"/>
           </a:p>
         </p:txBody>
       </p:sp>
       <p:sp>
         <p:nvSpPr>
-          <p:cNvPr id="4" name="Date Placeholder 3">
-            <a:extLst>
-              <a:ext uri="{FF2B5EF4-FFF2-40B4-BE49-F238E27FC236}">
-                <a16:creationId xmlns:a16="http://schemas.microsoft.com/office/drawing/2014/main" id="{0DEBAAE0-F855-C89F-47D5-B7936C143658}"/>
-              </a:ext>
-            </a:extLst>
-          </p:cNvPr>
-          <p:cNvSpPr>
-            <a:spLocks noGrp="1"/>
-          </p:cNvSpPr>
-          <p:nvPr>
-            <p:ph type="dt" sz="half" idx="10"/>
+          <p:cNvPr id="5" name="Footer Placeholder 4"/>
+          <p:cNvSpPr>
+            <a:spLocks noGrp="1"/>
+          </p:cNvSpPr>
+          <p:nvPr>
+            <p:ph type="ftr" sz="quarter" idx="11"/>
           </p:nvPr>
         </p:nvSpPr>
         <p:spPr/>
@@ -1493,48 +3620,13 @@
           <a:bodyPr/>
           <a:lstStyle/>
           <a:p>
-            <a:fld id="{81A56D06-1AE9-42BA-B013-77732A164FA0}" type="datetimeFigureOut">
-              <a:rPr lang="en-IN" smtClean="0"/>
-              <a:t>27-10-2023</a:t>
-            </a:fld>
             <a:endParaRPr lang="en-IN"/>
           </a:p>
         </p:txBody>
       </p:sp>
       <p:sp>
         <p:nvSpPr>
-          <p:cNvPr id="5" name="Footer Placeholder 4">
-            <a:extLst>
-              <a:ext uri="{FF2B5EF4-FFF2-40B4-BE49-F238E27FC236}">
-                <a16:creationId xmlns:a16="http://schemas.microsoft.com/office/drawing/2014/main" id="{34C78DA0-81E6-18B7-F3E2-C4F69290FE91}"/>
-              </a:ext>
-            </a:extLst>
-          </p:cNvPr>
-          <p:cNvSpPr>
-            <a:spLocks noGrp="1"/>
-          </p:cNvSpPr>
-          <p:nvPr>
-            <p:ph type="ftr" sz="quarter" idx="11"/>
-          </p:nvPr>
-        </p:nvSpPr>
-        <p:spPr/>
-        <p:txBody>
-          <a:bodyPr/>
-          <a:lstStyle/>
-          <a:p>
-            <a:endParaRPr lang="en-IN"/>
-          </a:p>
-        </p:txBody>
-      </p:sp>
-      <p:sp>
-        <p:nvSpPr>
-          <p:cNvPr id="6" name="Slide Number Placeholder 5">
-            <a:extLst>
-              <a:ext uri="{FF2B5EF4-FFF2-40B4-BE49-F238E27FC236}">
-                <a16:creationId xmlns:a16="http://schemas.microsoft.com/office/drawing/2014/main" id="{C68AFBC3-A29D-3211-387B-CE71D9421F6D}"/>
-              </a:ext>
-            </a:extLst>
-          </p:cNvPr>
+          <p:cNvPr id="6" name="Slide Number Placeholder 5"/>
           <p:cNvSpPr>
             <a:spLocks noGrp="1"/>
           </p:cNvSpPr>
@@ -1558,7 +3650,7 @@
     </p:spTree>
     <p:extLst>
       <p:ext uri="{BB962C8B-B14F-4D97-AF65-F5344CB8AC3E}">
-        <p14:creationId xmlns:p14="http://schemas.microsoft.com/office/powerpoint/2010/main" val="421035841"/>
+        <p14:creationId xmlns:p14="http://schemas.microsoft.com/office/powerpoint/2010/main" val="1017632178"/>
       </p:ext>
     </p:extLst>
   </p:cSld>
@@ -1587,13 +3679,7 @@
       </p:grpSpPr>
       <p:sp>
         <p:nvSpPr>
-          <p:cNvPr id="2" name="Title 1">
-            <a:extLst>
-              <a:ext uri="{FF2B5EF4-FFF2-40B4-BE49-F238E27FC236}">
-                <a16:creationId xmlns:a16="http://schemas.microsoft.com/office/drawing/2014/main" id="{5E207B45-C6E4-D9C6-41DE-97E284BA7256}"/>
-              </a:ext>
-            </a:extLst>
-          </p:cNvPr>
+          <p:cNvPr id="2" name="Title 1"/>
           <p:cNvSpPr>
             <a:spLocks noGrp="1"/>
           </p:cNvSpPr>
@@ -1603,15 +3689,15 @@
         </p:nvSpPr>
         <p:spPr>
           <a:xfrm>
-            <a:off x="831850" y="1709738"/>
-            <a:ext cx="10515600" cy="2852737"/>
+            <a:off x="677335" y="2700867"/>
+            <a:ext cx="8596668" cy="1826581"/>
           </a:xfrm>
         </p:spPr>
         <p:txBody>
           <a:bodyPr anchor="b"/>
           <a:lstStyle>
-            <a:lvl1pPr>
-              <a:defRPr sz="6000"/>
+            <a:lvl1pPr algn="l">
+              <a:defRPr sz="4000" b="0" cap="none"/>
             </a:lvl1pPr>
           </a:lstStyle>
           <a:p>
@@ -1619,19 +3705,13 @@
               <a:rPr lang="en-US"/>
               <a:t>Click to edit Master title style</a:t>
             </a:r>
-            <a:endParaRPr lang="en-IN"/>
-          </a:p>
-        </p:txBody>
-      </p:sp>
-      <p:sp>
-        <p:nvSpPr>
-          <p:cNvPr id="3" name="Text Placeholder 2">
-            <a:extLst>
-              <a:ext uri="{FF2B5EF4-FFF2-40B4-BE49-F238E27FC236}">
-                <a16:creationId xmlns:a16="http://schemas.microsoft.com/office/drawing/2014/main" id="{191AF913-69B0-19A5-DB64-210FB931CF88}"/>
-              </a:ext>
-            </a:extLst>
-          </p:cNvPr>
+            <a:endParaRPr lang="en-US" dirty="0"/>
+          </a:p>
+        </p:txBody>
+      </p:sp>
+      <p:sp>
+        <p:nvSpPr>
+          <p:cNvPr id="3" name="Text Placeholder 2"/>
           <p:cNvSpPr>
             <a:spLocks noGrp="1"/>
           </p:cNvSpPr>
@@ -1641,102 +3721,103 @@
         </p:nvSpPr>
         <p:spPr>
           <a:xfrm>
-            <a:off x="831850" y="4589463"/>
-            <a:ext cx="10515600" cy="1500187"/>
+            <a:off x="677335" y="4527448"/>
+            <a:ext cx="8596668" cy="860400"/>
           </a:xfrm>
         </p:spPr>
         <p:txBody>
-          <a:bodyPr/>
+          <a:bodyPr anchor="t"/>
           <a:lstStyle>
-            <a:lvl1pPr marL="0" indent="0">
-              <a:buNone/>
-              <a:defRPr sz="2400">
+            <a:lvl1pPr marL="0" indent="0" algn="l">
+              <a:buNone/>
+              <a:defRPr sz="2000">
+                <a:solidFill>
+                  <a:schemeClr val="tx1">
+                    <a:lumMod val="50000"/>
+                    <a:lumOff val="50000"/>
+                  </a:schemeClr>
+                </a:solidFill>
+              </a:defRPr>
+            </a:lvl1pPr>
+            <a:lvl2pPr marL="457200" indent="0">
+              <a:buNone/>
+              <a:defRPr sz="1800">
                 <a:solidFill>
                   <a:schemeClr val="tx1">
                     <a:tint val="75000"/>
                   </a:schemeClr>
                 </a:solidFill>
               </a:defRPr>
-            </a:lvl1pPr>
-            <a:lvl2pPr marL="457200" indent="0">
-              <a:buNone/>
-              <a:defRPr sz="2000">
+            </a:lvl2pPr>
+            <a:lvl3pPr marL="914400" indent="0">
+              <a:buNone/>
+              <a:defRPr sz="1600">
                 <a:solidFill>
                   <a:schemeClr val="tx1">
                     <a:tint val="75000"/>
                   </a:schemeClr>
                 </a:solidFill>
               </a:defRPr>
-            </a:lvl2pPr>
-            <a:lvl3pPr marL="914400" indent="0">
-              <a:buNone/>
-              <a:defRPr sz="1800">
+            </a:lvl3pPr>
+            <a:lvl4pPr marL="1371600" indent="0">
+              <a:buNone/>
+              <a:defRPr sz="1400">
                 <a:solidFill>
                   <a:schemeClr val="tx1">
                     <a:tint val="75000"/>
                   </a:schemeClr>
                 </a:solidFill>
               </a:defRPr>
-            </a:lvl3pPr>
-            <a:lvl4pPr marL="1371600" indent="0">
-              <a:buNone/>
-              <a:defRPr sz="1600">
+            </a:lvl4pPr>
+            <a:lvl5pPr marL="1828800" indent="0">
+              <a:buNone/>
+              <a:defRPr sz="1400">
                 <a:solidFill>
                   <a:schemeClr val="tx1">
                     <a:tint val="75000"/>
                   </a:schemeClr>
                 </a:solidFill>
               </a:defRPr>
-            </a:lvl4pPr>
-            <a:lvl5pPr marL="1828800" indent="0">
-              <a:buNone/>
-              <a:defRPr sz="1600">
+            </a:lvl5pPr>
+            <a:lvl6pPr marL="2286000" indent="0">
+              <a:buNone/>
+              <a:defRPr sz="1400">
                 <a:solidFill>
                   <a:schemeClr val="tx1">
                     <a:tint val="75000"/>
                   </a:schemeClr>
                 </a:solidFill>
               </a:defRPr>
-            </a:lvl5pPr>
-            <a:lvl6pPr marL="2286000" indent="0">
-              <a:buNone/>
-              <a:defRPr sz="1600">
+            </a:lvl6pPr>
+            <a:lvl7pPr marL="2743200" indent="0">
+              <a:buNone/>
+              <a:defRPr sz="1400">
                 <a:solidFill>
                   <a:schemeClr val="tx1">
                     <a:tint val="75000"/>
                   </a:schemeClr>
                 </a:solidFill>
               </a:defRPr>
-            </a:lvl6pPr>
-            <a:lvl7pPr marL="2743200" indent="0">
-              <a:buNone/>
-              <a:defRPr sz="1600">
+            </a:lvl7pPr>
+            <a:lvl8pPr marL="3200400" indent="0">
+              <a:buNone/>
+              <a:defRPr sz="1400">
                 <a:solidFill>
                   <a:schemeClr val="tx1">
                     <a:tint val="75000"/>
                   </a:schemeClr>
                 </a:solidFill>
               </a:defRPr>
-            </a:lvl7pPr>
-            <a:lvl8pPr marL="3200400" indent="0">
-              <a:buNone/>
-              <a:defRPr sz="1600">
+            </a:lvl8pPr>
+            <a:lvl9pPr marL="3657600" indent="0">
+              <a:buNone/>
+              <a:defRPr sz="1400">
                 <a:solidFill>
                   <a:schemeClr val="tx1">
                     <a:tint val="75000"/>
                   </a:schemeClr>
                 </a:solidFill>
               </a:defRPr>
-            </a:lvl8pPr>
-            <a:lvl9pPr marL="3657600" indent="0">
-              <a:buNone/>
-              <a:defRPr sz="1600">
-                <a:solidFill>
-                  <a:schemeClr val="tx1">
-                    <a:tint val="75000"/>
-                  </a:schemeClr>
-                </a:solidFill>
-              </a:defRPr>
             </a:lvl9pPr>
           </a:lstStyle>
           <a:p>
@@ -1750,13 +3831,7 @@
       </p:sp>
       <p:sp>
         <p:nvSpPr>
-          <p:cNvPr id="4" name="Date Placeholder 3">
-            <a:extLst>
-              <a:ext uri="{FF2B5EF4-FFF2-40B4-BE49-F238E27FC236}">
-                <a16:creationId xmlns:a16="http://schemas.microsoft.com/office/drawing/2014/main" id="{7B84CD64-650E-D00B-62B5-0D7CCF4ADCC5}"/>
-              </a:ext>
-            </a:extLst>
-          </p:cNvPr>
+          <p:cNvPr id="4" name="Date Placeholder 3"/>
           <p:cNvSpPr>
             <a:spLocks noGrp="1"/>
           </p:cNvSpPr>
@@ -1771,7 +3846,7 @@
           <a:p>
             <a:fld id="{81A56D06-1AE9-42BA-B013-77732A164FA0}" type="datetimeFigureOut">
               <a:rPr lang="en-IN" smtClean="0"/>
-              <a:t>27-10-2023</a:t>
+              <a:t>28-10-2023</a:t>
             </a:fld>
             <a:endParaRPr lang="en-IN"/>
           </a:p>
@@ -1779,13 +3854,7 @@
       </p:sp>
       <p:sp>
         <p:nvSpPr>
-          <p:cNvPr id="5" name="Footer Placeholder 4">
-            <a:extLst>
-              <a:ext uri="{FF2B5EF4-FFF2-40B4-BE49-F238E27FC236}">
-                <a16:creationId xmlns:a16="http://schemas.microsoft.com/office/drawing/2014/main" id="{9B4CEA03-B539-B9E0-E51E-6B6B83BFA089}"/>
-              </a:ext>
-            </a:extLst>
-          </p:cNvPr>
+          <p:cNvPr id="5" name="Footer Placeholder 4"/>
           <p:cNvSpPr>
             <a:spLocks noGrp="1"/>
           </p:cNvSpPr>
@@ -1804,13 +3873,7 @@
       </p:sp>
       <p:sp>
         <p:nvSpPr>
-          <p:cNvPr id="6" name="Slide Number Placeholder 5">
-            <a:extLst>
-              <a:ext uri="{FF2B5EF4-FFF2-40B4-BE49-F238E27FC236}">
-                <a16:creationId xmlns:a16="http://schemas.microsoft.com/office/drawing/2014/main" id="{ACE532B7-AC83-B032-C11C-8562B50DF536}"/>
-              </a:ext>
-            </a:extLst>
-          </p:cNvPr>
+          <p:cNvPr id="6" name="Slide Number Placeholder 5"/>
           <p:cNvSpPr>
             <a:spLocks noGrp="1"/>
           </p:cNvSpPr>
@@ -1834,7 +3897,7 @@
     </p:spTree>
     <p:extLst>
       <p:ext uri="{BB962C8B-B14F-4D97-AF65-F5344CB8AC3E}">
-        <p14:creationId xmlns:p14="http://schemas.microsoft.com/office/powerpoint/2010/main" val="3096127948"/>
+        <p14:creationId xmlns:p14="http://schemas.microsoft.com/office/powerpoint/2010/main" val="4046325709"/>
       </p:ext>
     </p:extLst>
   </p:cSld>
@@ -1863,13 +3926,7 @@
       </p:grpSpPr>
       <p:sp>
         <p:nvSpPr>
-          <p:cNvPr id="2" name="Title 1">
-            <a:extLst>
-              <a:ext uri="{FF2B5EF4-FFF2-40B4-BE49-F238E27FC236}">
-                <a16:creationId xmlns:a16="http://schemas.microsoft.com/office/drawing/2014/main" id="{8F919149-197A-8A77-DE93-77E9EF04A2C4}"/>
-              </a:ext>
-            </a:extLst>
-          </p:cNvPr>
+          <p:cNvPr id="2" name="Title 1"/>
           <p:cNvSpPr>
             <a:spLocks noGrp="1"/>
           </p:cNvSpPr>
@@ -1886,19 +3943,13 @@
               <a:rPr lang="en-US"/>
               <a:t>Click to edit Master title style</a:t>
             </a:r>
-            <a:endParaRPr lang="en-IN"/>
-          </a:p>
-        </p:txBody>
-      </p:sp>
-      <p:sp>
-        <p:nvSpPr>
-          <p:cNvPr id="3" name="Content Placeholder 2">
-            <a:extLst>
-              <a:ext uri="{FF2B5EF4-FFF2-40B4-BE49-F238E27FC236}">
-                <a16:creationId xmlns:a16="http://schemas.microsoft.com/office/drawing/2014/main" id="{0C36CD8B-65A5-0F54-8189-1CFF8A6C51DF}"/>
-              </a:ext>
-            </a:extLst>
-          </p:cNvPr>
+            <a:endParaRPr lang="en-US" dirty="0"/>
+          </a:p>
+        </p:txBody>
+      </p:sp>
+      <p:sp>
+        <p:nvSpPr>
+          <p:cNvPr id="3" name="Content Placeholder 2"/>
           <p:cNvSpPr>
             <a:spLocks noGrp="1"/>
           </p:cNvSpPr>
@@ -1908,8 +3959,8 @@
         </p:nvSpPr>
         <p:spPr>
           <a:xfrm>
-            <a:off x="838200" y="1825625"/>
-            <a:ext cx="5181600" cy="4351338"/>
+            <a:off x="677334" y="2160589"/>
+            <a:ext cx="4184035" cy="3880772"/>
           </a:xfrm>
         </p:spPr>
         <p:txBody>
@@ -1949,19 +4000,13 @@
               <a:rPr lang="en-US"/>
               <a:t>Fifth level</a:t>
             </a:r>
-            <a:endParaRPr lang="en-IN"/>
-          </a:p>
-        </p:txBody>
-      </p:sp>
-      <p:sp>
-        <p:nvSpPr>
-          <p:cNvPr id="4" name="Content Placeholder 3">
-            <a:extLst>
-              <a:ext uri="{FF2B5EF4-FFF2-40B4-BE49-F238E27FC236}">
-                <a16:creationId xmlns:a16="http://schemas.microsoft.com/office/drawing/2014/main" id="{572413DE-6486-3E28-3822-64A450798A23}"/>
-              </a:ext>
-            </a:extLst>
-          </p:cNvPr>
+            <a:endParaRPr lang="en-US" dirty="0"/>
+          </a:p>
+        </p:txBody>
+      </p:sp>
+      <p:sp>
+        <p:nvSpPr>
+          <p:cNvPr id="4" name="Content Placeholder 3"/>
           <p:cNvSpPr>
             <a:spLocks noGrp="1"/>
           </p:cNvSpPr>
@@ -1971,8 +4016,8 @@
         </p:nvSpPr>
         <p:spPr>
           <a:xfrm>
-            <a:off x="6172200" y="1825625"/>
-            <a:ext cx="5181600" cy="4351338"/>
+            <a:off x="5089970" y="2160589"/>
+            <a:ext cx="4184034" cy="3880773"/>
           </a:xfrm>
         </p:spPr>
         <p:txBody>
@@ -2012,19 +4057,13 @@
               <a:rPr lang="en-US"/>
               <a:t>Fifth level</a:t>
             </a:r>
-            <a:endParaRPr lang="en-IN"/>
-          </a:p>
-        </p:txBody>
-      </p:sp>
-      <p:sp>
-        <p:nvSpPr>
-          <p:cNvPr id="5" name="Date Placeholder 4">
-            <a:extLst>
-              <a:ext uri="{FF2B5EF4-FFF2-40B4-BE49-F238E27FC236}">
-                <a16:creationId xmlns:a16="http://schemas.microsoft.com/office/drawing/2014/main" id="{C6039CAC-4719-2FCC-ADA6-CC4DBC3FF98C}"/>
-              </a:ext>
-            </a:extLst>
-          </p:cNvPr>
+            <a:endParaRPr lang="en-US" dirty="0"/>
+          </a:p>
+        </p:txBody>
+      </p:sp>
+      <p:sp>
+        <p:nvSpPr>
+          <p:cNvPr id="5" name="Date Placeholder 4"/>
           <p:cNvSpPr>
             <a:spLocks noGrp="1"/>
           </p:cNvSpPr>
@@ -2039,7 +4078,7 @@
           <a:p>
             <a:fld id="{81A56D06-1AE9-42BA-B013-77732A164FA0}" type="datetimeFigureOut">
               <a:rPr lang="en-IN" smtClean="0"/>
-              <a:t>27-10-2023</a:t>
+              <a:t>28-10-2023</a:t>
             </a:fld>
             <a:endParaRPr lang="en-IN"/>
           </a:p>
@@ -2047,13 +4086,7 @@
       </p:sp>
       <p:sp>
         <p:nvSpPr>
-          <p:cNvPr id="6" name="Footer Placeholder 5">
-            <a:extLst>
-              <a:ext uri="{FF2B5EF4-FFF2-40B4-BE49-F238E27FC236}">
-                <a16:creationId xmlns:a16="http://schemas.microsoft.com/office/drawing/2014/main" id="{807DD4D7-4F84-246C-888C-596E80CE778B}"/>
-              </a:ext>
-            </a:extLst>
-          </p:cNvPr>
+          <p:cNvPr id="6" name="Footer Placeholder 5"/>
           <p:cNvSpPr>
             <a:spLocks noGrp="1"/>
           </p:cNvSpPr>
@@ -2072,13 +4105,7 @@
       </p:sp>
       <p:sp>
         <p:nvSpPr>
-          <p:cNvPr id="7" name="Slide Number Placeholder 6">
-            <a:extLst>
-              <a:ext uri="{FF2B5EF4-FFF2-40B4-BE49-F238E27FC236}">
-                <a16:creationId xmlns:a16="http://schemas.microsoft.com/office/drawing/2014/main" id="{97823D72-113E-442E-FA78-E9B512F4EABC}"/>
-              </a:ext>
-            </a:extLst>
-          </p:cNvPr>
+          <p:cNvPr id="7" name="Slide Number Placeholder 6"/>
           <p:cNvSpPr>
             <a:spLocks noGrp="1"/>
           </p:cNvSpPr>
@@ -2102,7 +4129,7 @@
     </p:spTree>
     <p:extLst>
       <p:ext uri="{BB962C8B-B14F-4D97-AF65-F5344CB8AC3E}">
-        <p14:creationId xmlns:p14="http://schemas.microsoft.com/office/powerpoint/2010/main" val="3398815691"/>
+        <p14:creationId xmlns:p14="http://schemas.microsoft.com/office/powerpoint/2010/main" val="2934545412"/>
       </p:ext>
     </p:extLst>
   </p:cSld>
@@ -2131,66 +4158,55 @@
       </p:grpSpPr>
       <p:sp>
         <p:nvSpPr>
-          <p:cNvPr id="2" name="Title 1">
-            <a:extLst>
-              <a:ext uri="{FF2B5EF4-FFF2-40B4-BE49-F238E27FC236}">
-                <a16:creationId xmlns:a16="http://schemas.microsoft.com/office/drawing/2014/main" id="{E5A1EB6C-959C-9F48-244F-82EFB0CF3970}"/>
-              </a:ext>
-            </a:extLst>
-          </p:cNvPr>
+          <p:cNvPr id="2" name="Title 1"/>
           <p:cNvSpPr>
             <a:spLocks noGrp="1"/>
           </p:cNvSpPr>
           <p:nvPr>
             <p:ph type="title"/>
+          </p:nvPr>
+        </p:nvSpPr>
+        <p:spPr/>
+        <p:txBody>
+          <a:bodyPr/>
+          <a:lstStyle>
+            <a:lvl1pPr>
+              <a:defRPr/>
+            </a:lvl1pPr>
+          </a:lstStyle>
+          <a:p>
+            <a:r>
+              <a:rPr lang="en-US"/>
+              <a:t>Click to edit Master title style</a:t>
+            </a:r>
+            <a:endParaRPr lang="en-US" dirty="0"/>
+          </a:p>
+        </p:txBody>
+      </p:sp>
+      <p:sp>
+        <p:nvSpPr>
+          <p:cNvPr id="3" name="Text Placeholder 2"/>
+          <p:cNvSpPr>
+            <a:spLocks noGrp="1"/>
+          </p:cNvSpPr>
+          <p:nvPr>
+            <p:ph type="body" idx="1"/>
           </p:nvPr>
         </p:nvSpPr>
         <p:spPr>
           <a:xfrm>
-            <a:off x="839788" y="365125"/>
-            <a:ext cx="10515600" cy="1325563"/>
+            <a:off x="675745" y="2160983"/>
+            <a:ext cx="4185623" cy="576262"/>
           </a:xfrm>
         </p:spPr>
         <p:txBody>
-          <a:bodyPr/>
-          <a:lstStyle/>
-          <a:p>
-            <a:r>
-              <a:rPr lang="en-US"/>
-              <a:t>Click to edit Master title style</a:t>
-            </a:r>
-            <a:endParaRPr lang="en-IN"/>
-          </a:p>
-        </p:txBody>
-      </p:sp>
-      <p:sp>
-        <p:nvSpPr>
-          <p:cNvPr id="3" name="Text Placeholder 2">
-            <a:extLst>
-              <a:ext uri="{FF2B5EF4-FFF2-40B4-BE49-F238E27FC236}">
-                <a16:creationId xmlns:a16="http://schemas.microsoft.com/office/drawing/2014/main" id="{03514B27-9E48-D290-F73E-0B95BE29AC32}"/>
-              </a:ext>
-            </a:extLst>
-          </p:cNvPr>
-          <p:cNvSpPr>
-            <a:spLocks noGrp="1"/>
-          </p:cNvSpPr>
-          <p:nvPr>
-            <p:ph type="body" idx="1"/>
-          </p:nvPr>
-        </p:nvSpPr>
-        <p:spPr>
-          <a:xfrm>
-            <a:off x="839788" y="1681163"/>
-            <a:ext cx="5157787" cy="823912"/>
-          </a:xfrm>
-        </p:spPr>
-        <p:txBody>
-          <a:bodyPr anchor="b"/>
+          <a:bodyPr anchor="b">
+            <a:noAutofit/>
+          </a:bodyPr>
           <a:lstStyle>
             <a:lvl1pPr marL="0" indent="0">
               <a:buNone/>
-              <a:defRPr sz="2400" b="1"/>
+              <a:defRPr sz="2400" b="0"/>
             </a:lvl1pPr>
             <a:lvl2pPr marL="457200" indent="0">
               <a:buNone/>
@@ -2236,13 +4252,7 @@
       </p:sp>
       <p:sp>
         <p:nvSpPr>
-          <p:cNvPr id="4" name="Content Placeholder 3">
-            <a:extLst>
-              <a:ext uri="{FF2B5EF4-FFF2-40B4-BE49-F238E27FC236}">
-                <a16:creationId xmlns:a16="http://schemas.microsoft.com/office/drawing/2014/main" id="{6CDD125C-5660-E440-A6CC-E3352C54B377}"/>
-              </a:ext>
-            </a:extLst>
-          </p:cNvPr>
+          <p:cNvPr id="4" name="Content Placeholder 3"/>
           <p:cNvSpPr>
             <a:spLocks noGrp="1"/>
           </p:cNvSpPr>
@@ -2252,12 +4262,14 @@
         </p:nvSpPr>
         <p:spPr>
           <a:xfrm>
-            <a:off x="839788" y="2505075"/>
-            <a:ext cx="5157787" cy="3684588"/>
+            <a:off x="675745" y="2737245"/>
+            <a:ext cx="4185623" cy="3304117"/>
           </a:xfrm>
         </p:spPr>
         <p:txBody>
-          <a:bodyPr/>
+          <a:bodyPr>
+            <a:normAutofit/>
+          </a:bodyPr>
           <a:lstStyle/>
           <a:p>
             <a:pPr lvl="0"/>
@@ -2293,19 +4305,13 @@
               <a:rPr lang="en-US"/>
               <a:t>Fifth level</a:t>
             </a:r>
-            <a:endParaRPr lang="en-IN"/>
-          </a:p>
-        </p:txBody>
-      </p:sp>
-      <p:sp>
-        <p:nvSpPr>
-          <p:cNvPr id="5" name="Text Placeholder 4">
-            <a:extLst>
-              <a:ext uri="{FF2B5EF4-FFF2-40B4-BE49-F238E27FC236}">
-                <a16:creationId xmlns:a16="http://schemas.microsoft.com/office/drawing/2014/main" id="{7EAB4CEC-A49C-DE7B-1731-D37B66081136}"/>
-              </a:ext>
-            </a:extLst>
-          </p:cNvPr>
+            <a:endParaRPr lang="en-US" dirty="0"/>
+          </a:p>
+        </p:txBody>
+      </p:sp>
+      <p:sp>
+        <p:nvSpPr>
+          <p:cNvPr id="5" name="Text Placeholder 4"/>
           <p:cNvSpPr>
             <a:spLocks noGrp="1"/>
           </p:cNvSpPr>
@@ -2315,16 +4321,18 @@
         </p:nvSpPr>
         <p:spPr>
           <a:xfrm>
-            <a:off x="6172200" y="1681163"/>
-            <a:ext cx="5183188" cy="823912"/>
+            <a:off x="5088383" y="2160983"/>
+            <a:ext cx="4185618" cy="576262"/>
           </a:xfrm>
         </p:spPr>
         <p:txBody>
-          <a:bodyPr anchor="b"/>
+          <a:bodyPr anchor="b">
+            <a:noAutofit/>
+          </a:bodyPr>
           <a:lstStyle>
             <a:lvl1pPr marL="0" indent="0">
               <a:buNone/>
-              <a:defRPr sz="2400" b="1"/>
+              <a:defRPr sz="2400" b="0"/>
             </a:lvl1pPr>
             <a:lvl2pPr marL="457200" indent="0">
               <a:buNone/>
@@ -2370,13 +4378,7 @@
       </p:sp>
       <p:sp>
         <p:nvSpPr>
-          <p:cNvPr id="6" name="Content Placeholder 5">
-            <a:extLst>
-              <a:ext uri="{FF2B5EF4-FFF2-40B4-BE49-F238E27FC236}">
-                <a16:creationId xmlns:a16="http://schemas.microsoft.com/office/drawing/2014/main" id="{4DF1A2DA-BFBF-D8AB-2AF1-0352FE399265}"/>
-              </a:ext>
-            </a:extLst>
-          </p:cNvPr>
+          <p:cNvPr id="6" name="Content Placeholder 5"/>
           <p:cNvSpPr>
             <a:spLocks noGrp="1"/>
           </p:cNvSpPr>
@@ -2386,65 +4388,84 @@
         </p:nvSpPr>
         <p:spPr>
           <a:xfrm>
-            <a:off x="6172200" y="2505075"/>
-            <a:ext cx="5183188" cy="3684588"/>
+            <a:off x="5088384" y="2737245"/>
+            <a:ext cx="4185617" cy="3304117"/>
           </a:xfrm>
         </p:spPr>
         <p:txBody>
+          <a:bodyPr>
+            <a:normAutofit/>
+          </a:bodyPr>
+          <a:lstStyle/>
+          <a:p>
+            <a:pPr lvl="0"/>
+            <a:r>
+              <a:rPr lang="en-US"/>
+              <a:t>Click to edit Master text styles</a:t>
+            </a:r>
+          </a:p>
+          <a:p>
+            <a:pPr lvl="1"/>
+            <a:r>
+              <a:rPr lang="en-US"/>
+              <a:t>Second level</a:t>
+            </a:r>
+          </a:p>
+          <a:p>
+            <a:pPr lvl="2"/>
+            <a:r>
+              <a:rPr lang="en-US"/>
+              <a:t>Third level</a:t>
+            </a:r>
+          </a:p>
+          <a:p>
+            <a:pPr lvl="3"/>
+            <a:r>
+              <a:rPr lang="en-US"/>
+              <a:t>Fourth level</a:t>
+            </a:r>
+          </a:p>
+          <a:p>
+            <a:pPr lvl="4"/>
+            <a:r>
+              <a:rPr lang="en-US"/>
+              <a:t>Fifth level</a:t>
+            </a:r>
+            <a:endParaRPr lang="en-US" dirty="0"/>
+          </a:p>
+        </p:txBody>
+      </p:sp>
+      <p:sp>
+        <p:nvSpPr>
+          <p:cNvPr id="7" name="Date Placeholder 6"/>
+          <p:cNvSpPr>
+            <a:spLocks noGrp="1"/>
+          </p:cNvSpPr>
+          <p:nvPr>
+            <p:ph type="dt" sz="half" idx="10"/>
+          </p:nvPr>
+        </p:nvSpPr>
+        <p:spPr/>
+        <p:txBody>
           <a:bodyPr/>
           <a:lstStyle/>
           <a:p>
-            <a:pPr lvl="0"/>
-            <a:r>
-              <a:rPr lang="en-US"/>
-              <a:t>Click to edit Master text styles</a:t>
-            </a:r>
-          </a:p>
-          <a:p>
-            <a:pPr lvl="1"/>
-            <a:r>
-              <a:rPr lang="en-US"/>
-              <a:t>Second level</a:t>
-            </a:r>
-          </a:p>
-          <a:p>
-            <a:pPr lvl="2"/>
-            <a:r>
-              <a:rPr lang="en-US"/>
-              <a:t>Third level</a:t>
-            </a:r>
-          </a:p>
-          <a:p>
-            <a:pPr lvl="3"/>
-            <a:r>
-              <a:rPr lang="en-US"/>
-              <a:t>Fourth level</a:t>
-            </a:r>
-          </a:p>
-          <a:p>
-            <a:pPr lvl="4"/>
-            <a:r>
-              <a:rPr lang="en-US"/>
-              <a:t>Fifth level</a:t>
-            </a:r>
+            <a:fld id="{81A56D06-1AE9-42BA-B013-77732A164FA0}" type="datetimeFigureOut">
+              <a:rPr lang="en-IN" smtClean="0"/>
+              <a:t>28-10-2023</a:t>
+            </a:fld>
             <a:endParaRPr lang="en-IN"/>
           </a:p>
         </p:txBody>
       </p:sp>
       <p:sp>
         <p:nvSpPr>
-          <p:cNvPr id="7" name="Date Placeholder 6">
-            <a:extLst>
-              <a:ext uri="{FF2B5EF4-FFF2-40B4-BE49-F238E27FC236}">
-                <a16:creationId xmlns:a16="http://schemas.microsoft.com/office/drawing/2014/main" id="{AF945B61-5F50-E61A-A78D-F03623A46594}"/>
-              </a:ext>
-            </a:extLst>
-          </p:cNvPr>
-          <p:cNvSpPr>
-            <a:spLocks noGrp="1"/>
-          </p:cNvSpPr>
-          <p:nvPr>
-            <p:ph type="dt" sz="half" idx="10"/>
+          <p:cNvPr id="8" name="Footer Placeholder 7"/>
+          <p:cNvSpPr>
+            <a:spLocks noGrp="1"/>
+          </p:cNvSpPr>
+          <p:nvPr>
+            <p:ph type="ftr" sz="quarter" idx="11"/>
           </p:nvPr>
         </p:nvSpPr>
         <p:spPr/>
@@ -2452,48 +4473,13 @@
           <a:bodyPr/>
           <a:lstStyle/>
           <a:p>
-            <a:fld id="{81A56D06-1AE9-42BA-B013-77732A164FA0}" type="datetimeFigureOut">
-              <a:rPr lang="en-IN" smtClean="0"/>
-              <a:t>27-10-2023</a:t>
-            </a:fld>
             <a:endParaRPr lang="en-IN"/>
           </a:p>
         </p:txBody>
       </p:sp>
       <p:sp>
         <p:nvSpPr>
-          <p:cNvPr id="8" name="Footer Placeholder 7">
-            <a:extLst>
-              <a:ext uri="{FF2B5EF4-FFF2-40B4-BE49-F238E27FC236}">
-                <a16:creationId xmlns:a16="http://schemas.microsoft.com/office/drawing/2014/main" id="{54B39C03-25A9-8C33-85CB-41630CE5C793}"/>
-              </a:ext>
-            </a:extLst>
-          </p:cNvPr>
-          <p:cNvSpPr>
-            <a:spLocks noGrp="1"/>
-          </p:cNvSpPr>
-          <p:nvPr>
-            <p:ph type="ftr" sz="quarter" idx="11"/>
-          </p:nvPr>
-        </p:nvSpPr>
-        <p:spPr/>
-        <p:txBody>
-          <a:bodyPr/>
-          <a:lstStyle/>
-          <a:p>
-            <a:endParaRPr lang="en-IN"/>
-          </a:p>
-        </p:txBody>
-      </p:sp>
-      <p:sp>
-        <p:nvSpPr>
-          <p:cNvPr id="9" name="Slide Number Placeholder 8">
-            <a:extLst>
-              <a:ext uri="{FF2B5EF4-FFF2-40B4-BE49-F238E27FC236}">
-                <a16:creationId xmlns:a16="http://schemas.microsoft.com/office/drawing/2014/main" id="{7667579B-CB39-D0EC-0C9D-74E75B3B8C9D}"/>
-              </a:ext>
-            </a:extLst>
-          </p:cNvPr>
+          <p:cNvPr id="9" name="Slide Number Placeholder 8"/>
           <p:cNvSpPr>
             <a:spLocks noGrp="1"/>
           </p:cNvSpPr>
@@ -2517,7 +4503,7 @@
     </p:spTree>
     <p:extLst>
       <p:ext uri="{BB962C8B-B14F-4D97-AF65-F5344CB8AC3E}">
-        <p14:creationId xmlns:p14="http://schemas.microsoft.com/office/powerpoint/2010/main" val="790246110"/>
+        <p14:creationId xmlns:p14="http://schemas.microsoft.com/office/powerpoint/2010/main" val="3563285232"/>
       </p:ext>
     </p:extLst>
   </p:cSld>
@@ -2546,13 +4532,7 @@
       </p:grpSpPr>
       <p:sp>
         <p:nvSpPr>
-          <p:cNvPr id="2" name="Title 1">
-            <a:extLst>
-              <a:ext uri="{FF2B5EF4-FFF2-40B4-BE49-F238E27FC236}">
-                <a16:creationId xmlns:a16="http://schemas.microsoft.com/office/drawing/2014/main" id="{CF8B06E5-8743-0929-91C4-D7C18BBE6D82}"/>
-              </a:ext>
-            </a:extLst>
-          </p:cNvPr>
+          <p:cNvPr id="2" name="Title 1"/>
           <p:cNvSpPr>
             <a:spLocks noGrp="1"/>
           </p:cNvSpPr>
@@ -2560,7 +4540,12 @@
             <p:ph type="title"/>
           </p:nvPr>
         </p:nvSpPr>
-        <p:spPr/>
+        <p:spPr>
+          <a:xfrm>
+            <a:off x="677334" y="609600"/>
+            <a:ext cx="8596668" cy="1320800"/>
+          </a:xfrm>
+        </p:spPr>
         <p:txBody>
           <a:bodyPr/>
           <a:lstStyle/>
@@ -2569,19 +4554,13 @@
               <a:rPr lang="en-US"/>
               <a:t>Click to edit Master title style</a:t>
             </a:r>
-            <a:endParaRPr lang="en-IN"/>
-          </a:p>
-        </p:txBody>
-      </p:sp>
-      <p:sp>
-        <p:nvSpPr>
-          <p:cNvPr id="3" name="Date Placeholder 2">
-            <a:extLst>
-              <a:ext uri="{FF2B5EF4-FFF2-40B4-BE49-F238E27FC236}">
-                <a16:creationId xmlns:a16="http://schemas.microsoft.com/office/drawing/2014/main" id="{CAEDD00D-809A-019F-567B-86D637C745BB}"/>
-              </a:ext>
-            </a:extLst>
-          </p:cNvPr>
+            <a:endParaRPr lang="en-US" dirty="0"/>
+          </a:p>
+        </p:txBody>
+      </p:sp>
+      <p:sp>
+        <p:nvSpPr>
+          <p:cNvPr id="3" name="Date Placeholder 2"/>
           <p:cNvSpPr>
             <a:spLocks noGrp="1"/>
           </p:cNvSpPr>
@@ -2596,7 +4575,7 @@
           <a:p>
             <a:fld id="{81A56D06-1AE9-42BA-B013-77732A164FA0}" type="datetimeFigureOut">
               <a:rPr lang="en-IN" smtClean="0"/>
-              <a:t>27-10-2023</a:t>
+              <a:t>28-10-2023</a:t>
             </a:fld>
             <a:endParaRPr lang="en-IN"/>
           </a:p>
@@ -2604,13 +4583,7 @@
       </p:sp>
       <p:sp>
         <p:nvSpPr>
-          <p:cNvPr id="4" name="Footer Placeholder 3">
-            <a:extLst>
-              <a:ext uri="{FF2B5EF4-FFF2-40B4-BE49-F238E27FC236}">
-                <a16:creationId xmlns:a16="http://schemas.microsoft.com/office/drawing/2014/main" id="{CC25CBA3-68CC-B810-8BC5-8920E925D85E}"/>
-              </a:ext>
-            </a:extLst>
-          </p:cNvPr>
+          <p:cNvPr id="4" name="Footer Placeholder 3"/>
           <p:cNvSpPr>
             <a:spLocks noGrp="1"/>
           </p:cNvSpPr>
@@ -2629,13 +4602,7 @@
       </p:sp>
       <p:sp>
         <p:nvSpPr>
-          <p:cNvPr id="5" name="Slide Number Placeholder 4">
-            <a:extLst>
-              <a:ext uri="{FF2B5EF4-FFF2-40B4-BE49-F238E27FC236}">
-                <a16:creationId xmlns:a16="http://schemas.microsoft.com/office/drawing/2014/main" id="{F7722716-D335-8E3A-335D-BF4B593DF205}"/>
-              </a:ext>
-            </a:extLst>
-          </p:cNvPr>
+          <p:cNvPr id="5" name="Slide Number Placeholder 4"/>
           <p:cNvSpPr>
             <a:spLocks noGrp="1"/>
           </p:cNvSpPr>
@@ -2659,7 +4626,7 @@
     </p:spTree>
     <p:extLst>
       <p:ext uri="{BB962C8B-B14F-4D97-AF65-F5344CB8AC3E}">
-        <p14:creationId xmlns:p14="http://schemas.microsoft.com/office/powerpoint/2010/main" val="1452354379"/>
+        <p14:creationId xmlns:p14="http://schemas.microsoft.com/office/powerpoint/2010/main" val="3044452697"/>
       </p:ext>
     </p:extLst>
   </p:cSld>
@@ -2688,13 +4655,7 @@
       </p:grpSpPr>
       <p:sp>
         <p:nvSpPr>
-          <p:cNvPr id="2" name="Date Placeholder 1">
-            <a:extLst>
-              <a:ext uri="{FF2B5EF4-FFF2-40B4-BE49-F238E27FC236}">
-                <a16:creationId xmlns:a16="http://schemas.microsoft.com/office/drawing/2014/main" id="{64E7885A-3AC0-B3E8-E5B3-98E86618904F}"/>
-              </a:ext>
-            </a:extLst>
-          </p:cNvPr>
+          <p:cNvPr id="2" name="Date Placeholder 1"/>
           <p:cNvSpPr>
             <a:spLocks noGrp="1"/>
           </p:cNvSpPr>
@@ -2709,7 +4670,7 @@
           <a:p>
             <a:fld id="{81A56D06-1AE9-42BA-B013-77732A164FA0}" type="datetimeFigureOut">
               <a:rPr lang="en-IN" smtClean="0"/>
-              <a:t>27-10-2023</a:t>
+              <a:t>28-10-2023</a:t>
             </a:fld>
             <a:endParaRPr lang="en-IN"/>
           </a:p>
@@ -2717,13 +4678,7 @@
       </p:sp>
       <p:sp>
         <p:nvSpPr>
-          <p:cNvPr id="3" name="Footer Placeholder 2">
-            <a:extLst>
-              <a:ext uri="{FF2B5EF4-FFF2-40B4-BE49-F238E27FC236}">
-                <a16:creationId xmlns:a16="http://schemas.microsoft.com/office/drawing/2014/main" id="{EBD864F3-2CDB-56BB-E949-F0CD516246FB}"/>
-              </a:ext>
-            </a:extLst>
-          </p:cNvPr>
+          <p:cNvPr id="3" name="Footer Placeholder 2"/>
           <p:cNvSpPr>
             <a:spLocks noGrp="1"/>
           </p:cNvSpPr>
@@ -2742,13 +4697,7 @@
       </p:sp>
       <p:sp>
         <p:nvSpPr>
-          <p:cNvPr id="4" name="Slide Number Placeholder 3">
-            <a:extLst>
-              <a:ext uri="{FF2B5EF4-FFF2-40B4-BE49-F238E27FC236}">
-                <a16:creationId xmlns:a16="http://schemas.microsoft.com/office/drawing/2014/main" id="{C830DBFC-9DB2-4627-8686-F51FFE487FB2}"/>
-              </a:ext>
-            </a:extLst>
-          </p:cNvPr>
+          <p:cNvPr id="4" name="Slide Number Placeholder 3"/>
           <p:cNvSpPr>
             <a:spLocks noGrp="1"/>
           </p:cNvSpPr>
@@ -2772,7 +4721,7 @@
     </p:spTree>
     <p:extLst>
       <p:ext uri="{BB962C8B-B14F-4D97-AF65-F5344CB8AC3E}">
-        <p14:creationId xmlns:p14="http://schemas.microsoft.com/office/powerpoint/2010/main" val="1639853603"/>
+        <p14:creationId xmlns:p14="http://schemas.microsoft.com/office/powerpoint/2010/main" val="1032440740"/>
       </p:ext>
     </p:extLst>
   </p:cSld>
@@ -2801,13 +4750,7 @@
       </p:grpSpPr>
       <p:sp>
         <p:nvSpPr>
-          <p:cNvPr id="2" name="Title 1">
-            <a:extLst>
-              <a:ext uri="{FF2B5EF4-FFF2-40B4-BE49-F238E27FC236}">
-                <a16:creationId xmlns:a16="http://schemas.microsoft.com/office/drawing/2014/main" id="{E527021B-BC7C-A47B-B2B4-4392D0F315B7}"/>
-              </a:ext>
-            </a:extLst>
-          </p:cNvPr>
+          <p:cNvPr id="2" name="Title 1"/>
           <p:cNvSpPr>
             <a:spLocks noGrp="1"/>
           </p:cNvSpPr>
@@ -2817,15 +4760,17 @@
         </p:nvSpPr>
         <p:spPr>
           <a:xfrm>
-            <a:off x="839788" y="457200"/>
-            <a:ext cx="3932237" cy="1600200"/>
+            <a:off x="677334" y="1498604"/>
+            <a:ext cx="3854528" cy="1278466"/>
           </a:xfrm>
         </p:spPr>
         <p:txBody>
-          <a:bodyPr anchor="b"/>
+          <a:bodyPr anchor="b">
+            <a:normAutofit/>
+          </a:bodyPr>
           <a:lstStyle>
             <a:lvl1pPr>
-              <a:defRPr sz="3200"/>
+              <a:defRPr sz="2000"/>
             </a:lvl1pPr>
           </a:lstStyle>
           <a:p>
@@ -2833,19 +4778,13 @@
               <a:rPr lang="en-US"/>
               <a:t>Click to edit Master title style</a:t>
             </a:r>
-            <a:endParaRPr lang="en-IN"/>
-          </a:p>
-        </p:txBody>
-      </p:sp>
-      <p:sp>
-        <p:nvSpPr>
-          <p:cNvPr id="3" name="Content Placeholder 2">
-            <a:extLst>
-              <a:ext uri="{FF2B5EF4-FFF2-40B4-BE49-F238E27FC236}">
-                <a16:creationId xmlns:a16="http://schemas.microsoft.com/office/drawing/2014/main" id="{D5524B18-1CB5-1315-CB28-B95EEA91C931}"/>
-              </a:ext>
-            </a:extLst>
-          </p:cNvPr>
+            <a:endParaRPr lang="en-US" dirty="0"/>
+          </a:p>
+        </p:txBody>
+      </p:sp>
+      <p:sp>
+        <p:nvSpPr>
+          <p:cNvPr id="3" name="Content Placeholder 2"/>
           <p:cNvSpPr>
             <a:spLocks noGrp="1"/>
           </p:cNvSpPr>
@@ -2855,41 +4794,15 @@
         </p:nvSpPr>
         <p:spPr>
           <a:xfrm>
-            <a:off x="5183188" y="987425"/>
-            <a:ext cx="6172200" cy="4873625"/>
+            <a:off x="4760461" y="514924"/>
+            <a:ext cx="4513541" cy="5526437"/>
           </a:xfrm>
         </p:spPr>
         <p:txBody>
-          <a:bodyPr/>
-          <a:lstStyle>
-            <a:lvl1pPr>
-              <a:defRPr sz="3200"/>
-            </a:lvl1pPr>
-            <a:lvl2pPr>
-              <a:defRPr sz="2800"/>
-            </a:lvl2pPr>
-            <a:lvl3pPr>
-              <a:defRPr sz="2400"/>
-            </a:lvl3pPr>
-            <a:lvl4pPr>
-              <a:defRPr sz="2000"/>
-            </a:lvl4pPr>
-            <a:lvl5pPr>
-              <a:defRPr sz="2000"/>
-            </a:lvl5pPr>
-            <a:lvl6pPr>
-              <a:defRPr sz="2000"/>
-            </a:lvl6pPr>
-            <a:lvl7pPr>
-              <a:defRPr sz="2000"/>
-            </a:lvl7pPr>
-            <a:lvl8pPr>
-              <a:defRPr sz="2000"/>
-            </a:lvl8pPr>
-            <a:lvl9pPr>
-              <a:defRPr sz="2000"/>
-            </a:lvl9pPr>
-          </a:lstStyle>
+          <a:bodyPr>
+            <a:normAutofit/>
+          </a:bodyPr>
+          <a:lstStyle/>
           <a:p>
             <a:pPr lvl="0"/>
             <a:r>
@@ -2924,19 +4837,13 @@
               <a:rPr lang="en-US"/>
               <a:t>Fifth level</a:t>
             </a:r>
-            <a:endParaRPr lang="en-IN"/>
-          </a:p>
-        </p:txBody>
-      </p:sp>
-      <p:sp>
-        <p:nvSpPr>
-          <p:cNvPr id="4" name="Text Placeholder 3">
-            <a:extLst>
-              <a:ext uri="{FF2B5EF4-FFF2-40B4-BE49-F238E27FC236}">
-                <a16:creationId xmlns:a16="http://schemas.microsoft.com/office/drawing/2014/main" id="{C7B96B33-7AC4-4EBF-B452-81DF3F2A0C4B}"/>
-              </a:ext>
-            </a:extLst>
-          </p:cNvPr>
+            <a:endParaRPr lang="en-US" dirty="0"/>
+          </a:p>
+        </p:txBody>
+      </p:sp>
+      <p:sp>
+        <p:nvSpPr>
+          <p:cNvPr id="4" name="Text Placeholder 3"/>
           <p:cNvSpPr>
             <a:spLocks noGrp="1"/>
           </p:cNvSpPr>
@@ -2946,46 +4853,48 @@
         </p:nvSpPr>
         <p:spPr>
           <a:xfrm>
-            <a:off x="839788" y="2057400"/>
-            <a:ext cx="3932237" cy="3811588"/>
+            <a:off x="677334" y="2777069"/>
+            <a:ext cx="3854528" cy="2584449"/>
           </a:xfrm>
         </p:spPr>
         <p:txBody>
-          <a:bodyPr/>
+          <a:bodyPr>
+            <a:normAutofit/>
+          </a:bodyPr>
           <a:lstStyle>
             <a:lvl1pPr marL="0" indent="0">
               <a:buNone/>
-              <a:defRPr sz="1600"/>
+              <a:defRPr sz="1400"/>
             </a:lvl1pPr>
-            <a:lvl2pPr marL="457200" indent="0">
+            <a:lvl2pPr marL="457063" indent="0">
               <a:buNone/>
               <a:defRPr sz="1400"/>
             </a:lvl2pPr>
-            <a:lvl3pPr marL="914400" indent="0">
+            <a:lvl3pPr marL="914126" indent="0">
               <a:buNone/>
               <a:defRPr sz="1200"/>
             </a:lvl3pPr>
-            <a:lvl4pPr marL="1371600" indent="0">
+            <a:lvl4pPr marL="1371189" indent="0">
               <a:buNone/>
               <a:defRPr sz="1000"/>
             </a:lvl4pPr>
-            <a:lvl5pPr marL="1828800" indent="0">
+            <a:lvl5pPr marL="1828251" indent="0">
               <a:buNone/>
               <a:defRPr sz="1000"/>
             </a:lvl5pPr>
-            <a:lvl6pPr marL="2286000" indent="0">
+            <a:lvl6pPr marL="2285314" indent="0">
               <a:buNone/>
               <a:defRPr sz="1000"/>
             </a:lvl6pPr>
-            <a:lvl7pPr marL="2743200" indent="0">
+            <a:lvl7pPr marL="2742377" indent="0">
               <a:buNone/>
               <a:defRPr sz="1000"/>
             </a:lvl7pPr>
-            <a:lvl8pPr marL="3200400" indent="0">
+            <a:lvl8pPr marL="3199440" indent="0">
               <a:buNone/>
               <a:defRPr sz="1000"/>
             </a:lvl8pPr>
-            <a:lvl9pPr marL="3657600" indent="0">
+            <a:lvl9pPr marL="3656503" indent="0">
               <a:buNone/>
               <a:defRPr sz="1000"/>
             </a:lvl9pPr>
@@ -3001,13 +4910,7 @@
       </p:sp>
       <p:sp>
         <p:nvSpPr>
-          <p:cNvPr id="5" name="Date Placeholder 4">
-            <a:extLst>
-              <a:ext uri="{FF2B5EF4-FFF2-40B4-BE49-F238E27FC236}">
-                <a16:creationId xmlns:a16="http://schemas.microsoft.com/office/drawing/2014/main" id="{2B2FFC47-7D47-47D7-AA2E-4F19BBAFA20F}"/>
-              </a:ext>
-            </a:extLst>
-          </p:cNvPr>
+          <p:cNvPr id="5" name="Date Placeholder 4"/>
           <p:cNvSpPr>
             <a:spLocks noGrp="1"/>
           </p:cNvSpPr>
@@ -3022,7 +4925,7 @@
           <a:p>
             <a:fld id="{81A56D06-1AE9-42BA-B013-77732A164FA0}" type="datetimeFigureOut">
               <a:rPr lang="en-IN" smtClean="0"/>
-              <a:t>27-10-2023</a:t>
+              <a:t>28-10-2023</a:t>
             </a:fld>
             <a:endParaRPr lang="en-IN"/>
           </a:p>
@@ -3030,13 +4933,7 @@
       </p:sp>
       <p:sp>
         <p:nvSpPr>
-          <p:cNvPr id="6" name="Footer Placeholder 5">
-            <a:extLst>
-              <a:ext uri="{FF2B5EF4-FFF2-40B4-BE49-F238E27FC236}">
-                <a16:creationId xmlns:a16="http://schemas.microsoft.com/office/drawing/2014/main" id="{035E6A0D-C292-C039-7058-26721BDD7649}"/>
-              </a:ext>
-            </a:extLst>
-          </p:cNvPr>
+          <p:cNvPr id="6" name="Footer Placeholder 5"/>
           <p:cNvSpPr>
             <a:spLocks noGrp="1"/>
           </p:cNvSpPr>
@@ -3055,13 +4952,7 @@
       </p:sp>
       <p:sp>
         <p:nvSpPr>
-          <p:cNvPr id="7" name="Slide Number Placeholder 6">
-            <a:extLst>
-              <a:ext uri="{FF2B5EF4-FFF2-40B4-BE49-F238E27FC236}">
-                <a16:creationId xmlns:a16="http://schemas.microsoft.com/office/drawing/2014/main" id="{0D86F330-6BDE-3DD3-7FB3-263733AB328E}"/>
-              </a:ext>
-            </a:extLst>
-          </p:cNvPr>
+          <p:cNvPr id="7" name="Slide Number Placeholder 6"/>
           <p:cNvSpPr>
             <a:spLocks noGrp="1"/>
           </p:cNvSpPr>
@@ -3085,7 +4976,7 @@
     </p:spTree>
     <p:extLst>
       <p:ext uri="{BB962C8B-B14F-4D97-AF65-F5344CB8AC3E}">
-        <p14:creationId xmlns:p14="http://schemas.microsoft.com/office/powerpoint/2010/main" val="3665904587"/>
+        <p14:creationId xmlns:p14="http://schemas.microsoft.com/office/powerpoint/2010/main" val="719631343"/>
       </p:ext>
     </p:extLst>
   </p:cSld>
@@ -3114,13 +5005,7 @@
       </p:grpSpPr>
       <p:sp>
         <p:nvSpPr>
-          <p:cNvPr id="2" name="Title 1">
-            <a:extLst>
-              <a:ext uri="{FF2B5EF4-FFF2-40B4-BE49-F238E27FC236}">
-                <a16:creationId xmlns:a16="http://schemas.microsoft.com/office/drawing/2014/main" id="{8D9F76AF-657F-FC30-1718-D622E12809C3}"/>
-              </a:ext>
-            </a:extLst>
-          </p:cNvPr>
+          <p:cNvPr id="2" name="Title 1"/>
           <p:cNvSpPr>
             <a:spLocks noGrp="1"/>
           </p:cNvSpPr>
@@ -3130,15 +5015,17 @@
         </p:nvSpPr>
         <p:spPr>
           <a:xfrm>
-            <a:off x="839788" y="457200"/>
-            <a:ext cx="3932237" cy="1600200"/>
+            <a:off x="677334" y="4800600"/>
+            <a:ext cx="8596667" cy="566738"/>
           </a:xfrm>
         </p:spPr>
         <p:txBody>
-          <a:bodyPr anchor="b"/>
+          <a:bodyPr anchor="b">
+            <a:normAutofit/>
+          </a:bodyPr>
           <a:lstStyle>
-            <a:lvl1pPr>
-              <a:defRPr sz="3200"/>
+            <a:lvl1pPr algn="l">
+              <a:defRPr sz="2400" b="0"/>
             </a:lvl1pPr>
           </a:lstStyle>
           <a:p>
@@ -3146,21 +5033,15 @@
               <a:rPr lang="en-US"/>
               <a:t>Click to edit Master title style</a:t>
             </a:r>
-            <a:endParaRPr lang="en-IN"/>
-          </a:p>
-        </p:txBody>
-      </p:sp>
-      <p:sp>
-        <p:nvSpPr>
-          <p:cNvPr id="3" name="Picture Placeholder 2">
-            <a:extLst>
-              <a:ext uri="{FF2B5EF4-FFF2-40B4-BE49-F238E27FC236}">
-                <a16:creationId xmlns:a16="http://schemas.microsoft.com/office/drawing/2014/main" id="{F1CBEEB9-AD84-9A68-9983-5F21ABEC8C6C}"/>
-              </a:ext>
-            </a:extLst>
-          </p:cNvPr>
-          <p:cNvSpPr>
-            <a:spLocks noGrp="1"/>
+            <a:endParaRPr lang="en-US" dirty="0"/>
+          </a:p>
+        </p:txBody>
+      </p:sp>
+      <p:sp>
+        <p:nvSpPr>
+          <p:cNvPr id="3" name="Picture Placeholder 2"/>
+          <p:cNvSpPr>
+            <a:spLocks noGrp="1" noChangeAspect="1"/>
           </p:cNvSpPr>
           <p:nvPr>
             <p:ph type="pic" idx="1"/>
@@ -3168,118 +5049,120 @@
         </p:nvSpPr>
         <p:spPr>
           <a:xfrm>
-            <a:off x="5183188" y="987425"/>
-            <a:ext cx="6172200" cy="4873625"/>
+            <a:off x="677334" y="609600"/>
+            <a:ext cx="8596668" cy="3845718"/>
           </a:xfrm>
         </p:spPr>
         <p:txBody>
-          <a:bodyPr/>
+          <a:bodyPr anchor="t">
+            <a:normAutofit/>
+          </a:bodyPr>
           <a:lstStyle>
-            <a:lvl1pPr marL="0" indent="0">
-              <a:buNone/>
-              <a:defRPr sz="3200"/>
-            </a:lvl1pPr>
-            <a:lvl2pPr marL="457200" indent="0">
-              <a:buNone/>
-              <a:defRPr sz="2800"/>
-            </a:lvl2pPr>
-            <a:lvl3pPr marL="914400" indent="0">
-              <a:buNone/>
-              <a:defRPr sz="2400"/>
-            </a:lvl3pPr>
-            <a:lvl4pPr marL="1371600" indent="0">
-              <a:buNone/>
-              <a:defRPr sz="2000"/>
-            </a:lvl4pPr>
-            <a:lvl5pPr marL="1828800" indent="0">
-              <a:buNone/>
-              <a:defRPr sz="2000"/>
-            </a:lvl5pPr>
-            <a:lvl6pPr marL="2286000" indent="0">
-              <a:buNone/>
-              <a:defRPr sz="2000"/>
-            </a:lvl6pPr>
-            <a:lvl7pPr marL="2743200" indent="0">
-              <a:buNone/>
-              <a:defRPr sz="2000"/>
-            </a:lvl7pPr>
-            <a:lvl8pPr marL="3200400" indent="0">
-              <a:buNone/>
-              <a:defRPr sz="2000"/>
-            </a:lvl8pPr>
-            <a:lvl9pPr marL="3657600" indent="0">
-              <a:buNone/>
-              <a:defRPr sz="2000"/>
-            </a:lvl9pPr>
-          </a:lstStyle>
-          <a:p>
-            <a:endParaRPr lang="en-IN"/>
-          </a:p>
-        </p:txBody>
-      </p:sp>
-      <p:sp>
-        <p:nvSpPr>
-          <p:cNvPr id="4" name="Text Placeholder 3">
-            <a:extLst>
-              <a:ext uri="{FF2B5EF4-FFF2-40B4-BE49-F238E27FC236}">
-                <a16:creationId xmlns:a16="http://schemas.microsoft.com/office/drawing/2014/main" id="{BE5FE218-D197-2CA4-A02B-97810939DD8F}"/>
-              </a:ext>
-            </a:extLst>
-          </p:cNvPr>
-          <p:cNvSpPr>
-            <a:spLocks noGrp="1"/>
-          </p:cNvSpPr>
-          <p:nvPr>
-            <p:ph type="body" sz="half" idx="2"/>
-          </p:nvPr>
-        </p:nvSpPr>
-        <p:spPr>
-          <a:xfrm>
-            <a:off x="839788" y="2057400"/>
-            <a:ext cx="3932237" cy="3811588"/>
-          </a:xfrm>
-        </p:spPr>
-        <p:txBody>
-          <a:bodyPr/>
-          <a:lstStyle>
-            <a:lvl1pPr marL="0" indent="0">
+            <a:lvl1pPr marL="0" indent="0" algn="ctr">
               <a:buNone/>
               <a:defRPr sz="1600"/>
             </a:lvl1pPr>
             <a:lvl2pPr marL="457200" indent="0">
               <a:buNone/>
-              <a:defRPr sz="1400"/>
+              <a:defRPr sz="1600"/>
             </a:lvl2pPr>
             <a:lvl3pPr marL="914400" indent="0">
               <a:buNone/>
-              <a:defRPr sz="1200"/>
+              <a:defRPr sz="1600"/>
             </a:lvl3pPr>
             <a:lvl4pPr marL="1371600" indent="0">
               <a:buNone/>
-              <a:defRPr sz="1000"/>
+              <a:defRPr sz="1600"/>
             </a:lvl4pPr>
             <a:lvl5pPr marL="1828800" indent="0">
               <a:buNone/>
-              <a:defRPr sz="1000"/>
+              <a:defRPr sz="1600"/>
             </a:lvl5pPr>
             <a:lvl6pPr marL="2286000" indent="0">
               <a:buNone/>
-              <a:defRPr sz="1000"/>
+              <a:defRPr sz="1600"/>
             </a:lvl6pPr>
             <a:lvl7pPr marL="2743200" indent="0">
               <a:buNone/>
-              <a:defRPr sz="1000"/>
+              <a:defRPr sz="1600"/>
             </a:lvl7pPr>
             <a:lvl8pPr marL="3200400" indent="0">
               <a:buNone/>
-              <a:defRPr sz="1000"/>
+              <a:defRPr sz="1600"/>
             </a:lvl8pPr>
             <a:lvl9pPr marL="3657600" indent="0">
               <a:buNone/>
-              <a:defRPr sz="1000"/>
+              <a:defRPr sz="1600"/>
             </a:lvl9pPr>
           </a:lstStyle>
           <a:p>
+            <a:r>
+              <a:rPr lang="en-US"/>
+              <a:t>Click icon to add picture</a:t>
+            </a:r>
+            <a:endParaRPr lang="en-US" dirty="0"/>
+          </a:p>
+        </p:txBody>
+      </p:sp>
+      <p:sp>
+        <p:nvSpPr>
+          <p:cNvPr id="4" name="Text Placeholder 3"/>
+          <p:cNvSpPr>
+            <a:spLocks noGrp="1"/>
+          </p:cNvSpPr>
+          <p:nvPr>
+            <p:ph type="body" sz="half" idx="2"/>
+          </p:nvPr>
+        </p:nvSpPr>
+        <p:spPr>
+          <a:xfrm>
+            <a:off x="677334" y="5367338"/>
+            <a:ext cx="8596667" cy="674024"/>
+          </a:xfrm>
+        </p:spPr>
+        <p:txBody>
+          <a:bodyPr>
+            <a:normAutofit/>
+          </a:bodyPr>
+          <a:lstStyle>
+            <a:lvl1pPr marL="0" indent="0">
+              <a:buNone/>
+              <a:defRPr sz="1200"/>
+            </a:lvl1pPr>
+            <a:lvl2pPr marL="457200" indent="0">
+              <a:buNone/>
+              <a:defRPr sz="1200"/>
+            </a:lvl2pPr>
+            <a:lvl3pPr marL="914400" indent="0">
+              <a:buNone/>
+              <a:defRPr sz="1000"/>
+            </a:lvl3pPr>
+            <a:lvl4pPr marL="1371600" indent="0">
+              <a:buNone/>
+              <a:defRPr sz="900"/>
+            </a:lvl4pPr>
+            <a:lvl5pPr marL="1828800" indent="0">
+              <a:buNone/>
+              <a:defRPr sz="900"/>
+            </a:lvl5pPr>
+            <a:lvl6pPr marL="2286000" indent="0">
+              <a:buNone/>
+              <a:defRPr sz="900"/>
+            </a:lvl6pPr>
+            <a:lvl7pPr marL="2743200" indent="0">
+              <a:buNone/>
+              <a:defRPr sz="900"/>
+            </a:lvl7pPr>
+            <a:lvl8pPr marL="3200400" indent="0">
+              <a:buNone/>
+              <a:defRPr sz="900"/>
+            </a:lvl8pPr>
+            <a:lvl9pPr marL="3657600" indent="0">
+              <a:buNone/>
+              <a:defRPr sz="900"/>
+            </a:lvl9pPr>
+          </a:lstStyle>
+          <a:p>
             <a:pPr lvl="0"/>
             <a:r>
               <a:rPr lang="en-US"/>
@@ -3290,13 +5173,7 @@
       </p:sp>
       <p:sp>
         <p:nvSpPr>
-          <p:cNvPr id="5" name="Date Placeholder 4">
-            <a:extLst>
-              <a:ext uri="{FF2B5EF4-FFF2-40B4-BE49-F238E27FC236}">
-                <a16:creationId xmlns:a16="http://schemas.microsoft.com/office/drawing/2014/main" id="{E6CB96ED-D699-9BE1-78C6-26FEA0D49093}"/>
-              </a:ext>
-            </a:extLst>
-          </p:cNvPr>
+          <p:cNvPr id="5" name="Date Placeholder 4"/>
           <p:cNvSpPr>
             <a:spLocks noGrp="1"/>
           </p:cNvSpPr>
@@ -3311,7 +5188,7 @@
           <a:p>
             <a:fld id="{81A56D06-1AE9-42BA-B013-77732A164FA0}" type="datetimeFigureOut">
               <a:rPr lang="en-IN" smtClean="0"/>
-              <a:t>27-10-2023</a:t>
+              <a:t>28-10-2023</a:t>
             </a:fld>
             <a:endParaRPr lang="en-IN"/>
           </a:p>
@@ -3319,13 +5196,7 @@
       </p:sp>
       <p:sp>
         <p:nvSpPr>
-          <p:cNvPr id="6" name="Footer Placeholder 5">
-            <a:extLst>
-              <a:ext uri="{FF2B5EF4-FFF2-40B4-BE49-F238E27FC236}">
-                <a16:creationId xmlns:a16="http://schemas.microsoft.com/office/drawing/2014/main" id="{8C2CD6C8-A312-13E3-0834-58B2BCFFF4CE}"/>
-              </a:ext>
-            </a:extLst>
-          </p:cNvPr>
+          <p:cNvPr id="6" name="Footer Placeholder 5"/>
           <p:cNvSpPr>
             <a:spLocks noGrp="1"/>
           </p:cNvSpPr>
@@ -3344,13 +5215,7 @@
       </p:sp>
       <p:sp>
         <p:nvSpPr>
-          <p:cNvPr id="7" name="Slide Number Placeholder 6">
-            <a:extLst>
-              <a:ext uri="{FF2B5EF4-FFF2-40B4-BE49-F238E27FC236}">
-                <a16:creationId xmlns:a16="http://schemas.microsoft.com/office/drawing/2014/main" id="{F9AED6A2-4260-FA50-A3F1-1FD1052D1986}"/>
-              </a:ext>
-            </a:extLst>
-          </p:cNvPr>
+          <p:cNvPr id="7" name="Slide Number Placeholder 6"/>
           <p:cNvSpPr>
             <a:spLocks noGrp="1"/>
           </p:cNvSpPr>
@@ -3374,7 +5239,7 @@
     </p:spTree>
     <p:extLst>
       <p:ext uri="{BB962C8B-B14F-4D97-AF65-F5344CB8AC3E}">
-        <p14:creationId xmlns:p14="http://schemas.microsoft.com/office/powerpoint/2010/main" val="3271679366"/>
+        <p14:creationId xmlns:p14="http://schemas.microsoft.com/office/powerpoint/2010/main" val="662702566"/>
       </p:ext>
     </p:extLst>
   </p:cSld>
@@ -3406,15 +5271,539 @@
           <a:chExt cx="0" cy="0"/>
         </a:xfrm>
       </p:grpSpPr>
-      <p:sp>
-        <p:nvSpPr>
-          <p:cNvPr id="2" name="Title Placeholder 1">
-            <a:extLst>
-              <a:ext uri="{FF2B5EF4-FFF2-40B4-BE49-F238E27FC236}">
-                <a16:creationId xmlns:a16="http://schemas.microsoft.com/office/drawing/2014/main" id="{32A3DAF7-BFD8-E74A-A34E-4C218DB5DE31}"/>
-              </a:ext>
-            </a:extLst>
-          </p:cNvPr>
+      <p:grpSp>
+        <p:nvGrpSpPr>
+          <p:cNvPr id="7" name="Group 6"/>
+          <p:cNvGrpSpPr/>
+          <p:nvPr/>
+        </p:nvGrpSpPr>
+        <p:grpSpPr>
+          <a:xfrm>
+            <a:off x="0" y="-8467"/>
+            <a:ext cx="12192000" cy="6866467"/>
+            <a:chOff x="0" y="-8467"/>
+            <a:chExt cx="12192000" cy="6866467"/>
+          </a:xfrm>
+        </p:grpSpPr>
+        <p:cxnSp>
+          <p:nvCxnSpPr>
+            <p:cNvPr id="20" name="Straight Connector 19"/>
+            <p:cNvCxnSpPr/>
+            <p:nvPr/>
+          </p:nvCxnSpPr>
+          <p:spPr>
+            <a:xfrm>
+              <a:off x="9371012" y="0"/>
+              <a:ext cx="1219200" cy="6858000"/>
+            </a:xfrm>
+            <a:prstGeom prst="line">
+              <a:avLst/>
+            </a:prstGeom>
+            <a:ln w="9525">
+              <a:solidFill>
+                <a:schemeClr val="bg1">
+                  <a:lumMod val="75000"/>
+                </a:schemeClr>
+              </a:solidFill>
+            </a:ln>
+          </p:spPr>
+          <p:style>
+            <a:lnRef idx="2">
+              <a:schemeClr val="accent1"/>
+            </a:lnRef>
+            <a:fillRef idx="0">
+              <a:schemeClr val="accent1"/>
+            </a:fillRef>
+            <a:effectRef idx="1">
+              <a:schemeClr val="accent1"/>
+            </a:effectRef>
+            <a:fontRef idx="minor">
+              <a:schemeClr val="tx1"/>
+            </a:fontRef>
+          </p:style>
+        </p:cxnSp>
+        <p:cxnSp>
+          <p:nvCxnSpPr>
+            <p:cNvPr id="21" name="Straight Connector 20"/>
+            <p:cNvCxnSpPr/>
+            <p:nvPr/>
+          </p:nvCxnSpPr>
+          <p:spPr>
+            <a:xfrm flipH="1">
+              <a:off x="7425267" y="3681413"/>
+              <a:ext cx="4763558" cy="3176587"/>
+            </a:xfrm>
+            <a:prstGeom prst="line">
+              <a:avLst/>
+            </a:prstGeom>
+            <a:ln w="9525">
+              <a:solidFill>
+                <a:schemeClr val="bg1">
+                  <a:lumMod val="85000"/>
+                </a:schemeClr>
+              </a:solidFill>
+            </a:ln>
+          </p:spPr>
+          <p:style>
+            <a:lnRef idx="2">
+              <a:schemeClr val="accent1"/>
+            </a:lnRef>
+            <a:fillRef idx="0">
+              <a:schemeClr val="accent1"/>
+            </a:fillRef>
+            <a:effectRef idx="1">
+              <a:schemeClr val="accent1"/>
+            </a:effectRef>
+            <a:fontRef idx="minor">
+              <a:schemeClr val="tx1"/>
+            </a:fontRef>
+          </p:style>
+        </p:cxnSp>
+        <p:sp>
+          <p:nvSpPr>
+            <p:cNvPr id="22" name="Rectangle 23"/>
+            <p:cNvSpPr/>
+            <p:nvPr/>
+          </p:nvSpPr>
+          <p:spPr>
+            <a:xfrm>
+              <a:off x="9181476" y="-8467"/>
+              <a:ext cx="3007349" cy="6866467"/>
+            </a:xfrm>
+            <a:custGeom>
+              <a:avLst/>
+              <a:gdLst/>
+              <a:ahLst/>
+              <a:cxnLst/>
+              <a:rect l="l" t="t" r="r" b="b"/>
+              <a:pathLst>
+                <a:path w="3007349" h="6866467">
+                  <a:moveTo>
+                    <a:pt x="2045532" y="0"/>
+                  </a:moveTo>
+                  <a:lnTo>
+                    <a:pt x="3007349" y="0"/>
+                  </a:lnTo>
+                  <a:lnTo>
+                    <a:pt x="3007349" y="6866467"/>
+                  </a:lnTo>
+                  <a:lnTo>
+                    <a:pt x="0" y="6866467"/>
+                  </a:lnTo>
+                  <a:lnTo>
+                    <a:pt x="2045532" y="0"/>
+                  </a:lnTo>
+                  <a:close/>
+                </a:path>
+              </a:pathLst>
+            </a:custGeom>
+            <a:solidFill>
+              <a:schemeClr val="accent1">
+                <a:alpha val="30000"/>
+              </a:schemeClr>
+            </a:solidFill>
+            <a:ln>
+              <a:noFill/>
+            </a:ln>
+            <a:effectLst/>
+          </p:spPr>
+          <p:style>
+            <a:lnRef idx="1">
+              <a:schemeClr val="accent1"/>
+            </a:lnRef>
+            <a:fillRef idx="3">
+              <a:schemeClr val="accent1"/>
+            </a:fillRef>
+            <a:effectRef idx="2">
+              <a:schemeClr val="accent1"/>
+            </a:effectRef>
+            <a:fontRef idx="minor">
+              <a:schemeClr val="lt1"/>
+            </a:fontRef>
+          </p:style>
+        </p:sp>
+        <p:sp>
+          <p:nvSpPr>
+            <p:cNvPr id="23" name="Rectangle 25"/>
+            <p:cNvSpPr/>
+            <p:nvPr/>
+          </p:nvSpPr>
+          <p:spPr>
+            <a:xfrm>
+              <a:off x="9603442" y="-8467"/>
+              <a:ext cx="2588558" cy="6866467"/>
+            </a:xfrm>
+            <a:custGeom>
+              <a:avLst/>
+              <a:gdLst/>
+              <a:ahLst/>
+              <a:cxnLst/>
+              <a:rect l="l" t="t" r="r" b="b"/>
+              <a:pathLst>
+                <a:path w="2573311" h="6866467">
+                  <a:moveTo>
+                    <a:pt x="0" y="0"/>
+                  </a:moveTo>
+                  <a:lnTo>
+                    <a:pt x="2573311" y="0"/>
+                  </a:lnTo>
+                  <a:lnTo>
+                    <a:pt x="2573311" y="6866467"/>
+                  </a:lnTo>
+                  <a:lnTo>
+                    <a:pt x="1202336" y="6866467"/>
+                  </a:lnTo>
+                  <a:lnTo>
+                    <a:pt x="0" y="0"/>
+                  </a:lnTo>
+                  <a:close/>
+                </a:path>
+              </a:pathLst>
+            </a:custGeom>
+            <a:solidFill>
+              <a:schemeClr val="accent1">
+                <a:alpha val="20000"/>
+              </a:schemeClr>
+            </a:solidFill>
+            <a:ln>
+              <a:noFill/>
+            </a:ln>
+            <a:effectLst/>
+          </p:spPr>
+          <p:style>
+            <a:lnRef idx="1">
+              <a:schemeClr val="accent1"/>
+            </a:lnRef>
+            <a:fillRef idx="3">
+              <a:schemeClr val="accent1"/>
+            </a:fillRef>
+            <a:effectRef idx="2">
+              <a:schemeClr val="accent1"/>
+            </a:effectRef>
+            <a:fontRef idx="minor">
+              <a:schemeClr val="lt1"/>
+            </a:fontRef>
+          </p:style>
+        </p:sp>
+        <p:sp>
+          <p:nvSpPr>
+            <p:cNvPr id="24" name="Isosceles Triangle 23"/>
+            <p:cNvSpPr/>
+            <p:nvPr/>
+          </p:nvSpPr>
+          <p:spPr>
+            <a:xfrm>
+              <a:off x="8932333" y="3048000"/>
+              <a:ext cx="3259667" cy="3810000"/>
+            </a:xfrm>
+            <a:prstGeom prst="triangle">
+              <a:avLst>
+                <a:gd name="adj" fmla="val 100000"/>
+              </a:avLst>
+            </a:prstGeom>
+            <a:solidFill>
+              <a:schemeClr val="accent2">
+                <a:alpha val="72000"/>
+              </a:schemeClr>
+            </a:solidFill>
+            <a:ln>
+              <a:noFill/>
+            </a:ln>
+            <a:effectLst/>
+          </p:spPr>
+          <p:style>
+            <a:lnRef idx="1">
+              <a:schemeClr val="accent1"/>
+            </a:lnRef>
+            <a:fillRef idx="3">
+              <a:schemeClr val="accent1"/>
+            </a:fillRef>
+            <a:effectRef idx="2">
+              <a:schemeClr val="accent1"/>
+            </a:effectRef>
+            <a:fontRef idx="minor">
+              <a:schemeClr val="lt1"/>
+            </a:fontRef>
+          </p:style>
+        </p:sp>
+        <p:sp>
+          <p:nvSpPr>
+            <p:cNvPr id="25" name="Rectangle 27"/>
+            <p:cNvSpPr/>
+            <p:nvPr/>
+          </p:nvSpPr>
+          <p:spPr>
+            <a:xfrm>
+              <a:off x="9334500" y="-8467"/>
+              <a:ext cx="2854326" cy="6866467"/>
+            </a:xfrm>
+            <a:custGeom>
+              <a:avLst/>
+              <a:gdLst/>
+              <a:ahLst/>
+              <a:cxnLst/>
+              <a:rect l="l" t="t" r="r" b="b"/>
+              <a:pathLst>
+                <a:path w="2858013" h="6866467">
+                  <a:moveTo>
+                    <a:pt x="0" y="0"/>
+                  </a:moveTo>
+                  <a:lnTo>
+                    <a:pt x="2858013" y="0"/>
+                  </a:lnTo>
+                  <a:lnTo>
+                    <a:pt x="2858013" y="6866467"/>
+                  </a:lnTo>
+                  <a:lnTo>
+                    <a:pt x="2473942" y="6866467"/>
+                  </a:lnTo>
+                  <a:lnTo>
+                    <a:pt x="0" y="0"/>
+                  </a:lnTo>
+                  <a:close/>
+                </a:path>
+              </a:pathLst>
+            </a:custGeom>
+            <a:solidFill>
+              <a:schemeClr val="accent2">
+                <a:lumMod val="75000"/>
+                <a:alpha val="70000"/>
+              </a:schemeClr>
+            </a:solidFill>
+            <a:ln>
+              <a:noFill/>
+            </a:ln>
+            <a:effectLst/>
+          </p:spPr>
+          <p:style>
+            <a:lnRef idx="1">
+              <a:schemeClr val="accent1"/>
+            </a:lnRef>
+            <a:fillRef idx="3">
+              <a:schemeClr val="accent1"/>
+            </a:fillRef>
+            <a:effectRef idx="2">
+              <a:schemeClr val="accent1"/>
+            </a:effectRef>
+            <a:fontRef idx="minor">
+              <a:schemeClr val="lt1"/>
+            </a:fontRef>
+          </p:style>
+        </p:sp>
+        <p:sp>
+          <p:nvSpPr>
+            <p:cNvPr id="26" name="Rectangle 28"/>
+            <p:cNvSpPr/>
+            <p:nvPr/>
+          </p:nvSpPr>
+          <p:spPr>
+            <a:xfrm>
+              <a:off x="10898730" y="-8467"/>
+              <a:ext cx="1290094" cy="6866467"/>
+            </a:xfrm>
+            <a:custGeom>
+              <a:avLst/>
+              <a:gdLst/>
+              <a:ahLst/>
+              <a:cxnLst/>
+              <a:rect l="l" t="t" r="r" b="b"/>
+              <a:pathLst>
+                <a:path w="1290094" h="6858000">
+                  <a:moveTo>
+                    <a:pt x="1019735" y="0"/>
+                  </a:moveTo>
+                  <a:lnTo>
+                    <a:pt x="1290094" y="0"/>
+                  </a:lnTo>
+                  <a:lnTo>
+                    <a:pt x="1290094" y="6858000"/>
+                  </a:lnTo>
+                  <a:lnTo>
+                    <a:pt x="0" y="6858000"/>
+                  </a:lnTo>
+                  <a:lnTo>
+                    <a:pt x="1019735" y="0"/>
+                  </a:lnTo>
+                  <a:close/>
+                </a:path>
+              </a:pathLst>
+            </a:custGeom>
+            <a:solidFill>
+              <a:schemeClr val="accent1">
+                <a:lumMod val="60000"/>
+                <a:lumOff val="40000"/>
+                <a:alpha val="70000"/>
+              </a:schemeClr>
+            </a:solidFill>
+            <a:ln>
+              <a:noFill/>
+            </a:ln>
+            <a:effectLst/>
+          </p:spPr>
+          <p:style>
+            <a:lnRef idx="1">
+              <a:schemeClr val="accent1"/>
+            </a:lnRef>
+            <a:fillRef idx="3">
+              <a:schemeClr val="accent1"/>
+            </a:fillRef>
+            <a:effectRef idx="2">
+              <a:schemeClr val="accent1"/>
+            </a:effectRef>
+            <a:fontRef idx="minor">
+              <a:schemeClr val="lt1"/>
+            </a:fontRef>
+          </p:style>
+        </p:sp>
+        <p:sp>
+          <p:nvSpPr>
+            <p:cNvPr id="27" name="Rectangle 29"/>
+            <p:cNvSpPr/>
+            <p:nvPr/>
+          </p:nvSpPr>
+          <p:spPr>
+            <a:xfrm>
+              <a:off x="10938999" y="-8467"/>
+              <a:ext cx="1249825" cy="6866467"/>
+            </a:xfrm>
+            <a:custGeom>
+              <a:avLst/>
+              <a:gdLst/>
+              <a:ahLst/>
+              <a:cxnLst/>
+              <a:rect l="l" t="t" r="r" b="b"/>
+              <a:pathLst>
+                <a:path w="1249825" h="6858000">
+                  <a:moveTo>
+                    <a:pt x="0" y="0"/>
+                  </a:moveTo>
+                  <a:lnTo>
+                    <a:pt x="1249825" y="0"/>
+                  </a:lnTo>
+                  <a:lnTo>
+                    <a:pt x="1249825" y="6858000"/>
+                  </a:lnTo>
+                  <a:lnTo>
+                    <a:pt x="1109382" y="6858000"/>
+                  </a:lnTo>
+                  <a:lnTo>
+                    <a:pt x="0" y="0"/>
+                  </a:lnTo>
+                  <a:close/>
+                </a:path>
+              </a:pathLst>
+            </a:custGeom>
+            <a:solidFill>
+              <a:schemeClr val="accent1">
+                <a:alpha val="65000"/>
+              </a:schemeClr>
+            </a:solidFill>
+            <a:ln>
+              <a:noFill/>
+            </a:ln>
+            <a:effectLst/>
+          </p:spPr>
+          <p:style>
+            <a:lnRef idx="1">
+              <a:schemeClr val="accent1"/>
+            </a:lnRef>
+            <a:fillRef idx="3">
+              <a:schemeClr val="accent1"/>
+            </a:fillRef>
+            <a:effectRef idx="2">
+              <a:schemeClr val="accent1"/>
+            </a:effectRef>
+            <a:fontRef idx="minor">
+              <a:schemeClr val="lt1"/>
+            </a:fontRef>
+          </p:style>
+        </p:sp>
+        <p:sp>
+          <p:nvSpPr>
+            <p:cNvPr id="28" name="Isosceles Triangle 27"/>
+            <p:cNvSpPr/>
+            <p:nvPr/>
+          </p:nvSpPr>
+          <p:spPr>
+            <a:xfrm>
+              <a:off x="10371666" y="3589867"/>
+              <a:ext cx="1817159" cy="3268133"/>
+            </a:xfrm>
+            <a:prstGeom prst="triangle">
+              <a:avLst>
+                <a:gd name="adj" fmla="val 100000"/>
+              </a:avLst>
+            </a:prstGeom>
+            <a:solidFill>
+              <a:schemeClr val="accent1">
+                <a:alpha val="80000"/>
+              </a:schemeClr>
+            </a:solidFill>
+            <a:ln>
+              <a:noFill/>
+            </a:ln>
+            <a:effectLst/>
+          </p:spPr>
+          <p:style>
+            <a:lnRef idx="1">
+              <a:schemeClr val="accent1"/>
+            </a:lnRef>
+            <a:fillRef idx="3">
+              <a:schemeClr val="accent1"/>
+            </a:fillRef>
+            <a:effectRef idx="2">
+              <a:schemeClr val="accent1"/>
+            </a:effectRef>
+            <a:fontRef idx="minor">
+              <a:schemeClr val="lt1"/>
+            </a:fontRef>
+          </p:style>
+        </p:sp>
+        <p:sp>
+          <p:nvSpPr>
+            <p:cNvPr id="29" name="Isosceles Triangle 28"/>
+            <p:cNvSpPr/>
+            <p:nvPr/>
+          </p:nvSpPr>
+          <p:spPr>
+            <a:xfrm>
+              <a:off x="0" y="4013200"/>
+              <a:ext cx="448733" cy="2844800"/>
+            </a:xfrm>
+            <a:prstGeom prst="triangle">
+              <a:avLst>
+                <a:gd name="adj" fmla="val 0"/>
+              </a:avLst>
+            </a:prstGeom>
+            <a:solidFill>
+              <a:schemeClr val="accent1">
+                <a:alpha val="85000"/>
+              </a:schemeClr>
+            </a:solidFill>
+            <a:ln>
+              <a:noFill/>
+            </a:ln>
+            <a:effectLst/>
+          </p:spPr>
+          <p:style>
+            <a:lnRef idx="1">
+              <a:schemeClr val="accent1"/>
+            </a:lnRef>
+            <a:fillRef idx="3">
+              <a:schemeClr val="accent1"/>
+            </a:fillRef>
+            <a:effectRef idx="2">
+              <a:schemeClr val="accent1"/>
+            </a:effectRef>
+            <a:fontRef idx="minor">
+              <a:schemeClr val="lt1"/>
+            </a:fontRef>
+          </p:style>
+        </p:sp>
+      </p:grpSp>
+      <p:sp>
+        <p:nvSpPr>
+          <p:cNvPr id="2" name="Title Placeholder 1"/>
           <p:cNvSpPr>
             <a:spLocks noGrp="1"/>
           </p:cNvSpPr>
@@ -3424,15 +5813,15 @@
         </p:nvSpPr>
         <p:spPr>
           <a:xfrm>
-            <a:off x="838200" y="365125"/>
-            <a:ext cx="10515600" cy="1325563"/>
+            <a:off x="677334" y="609600"/>
+            <a:ext cx="8596668" cy="1320800"/>
           </a:xfrm>
           <a:prstGeom prst="rect">
             <a:avLst/>
           </a:prstGeom>
         </p:spPr>
         <p:txBody>
-          <a:bodyPr vert="horz" lIns="91440" tIns="45720" rIns="91440" bIns="45720" rtlCol="0" anchor="ctr">
+          <a:bodyPr vert="horz" lIns="91440" tIns="45720" rIns="91440" bIns="45720" rtlCol="0" anchor="t">
             <a:normAutofit/>
           </a:bodyPr>
           <a:lstStyle/>
@@ -3441,19 +5830,13 @@
               <a:rPr lang="en-US"/>
               <a:t>Click to edit Master title style</a:t>
             </a:r>
-            <a:endParaRPr lang="en-IN"/>
-          </a:p>
-        </p:txBody>
-      </p:sp>
-      <p:sp>
-        <p:nvSpPr>
-          <p:cNvPr id="3" name="Text Placeholder 2">
-            <a:extLst>
-              <a:ext uri="{FF2B5EF4-FFF2-40B4-BE49-F238E27FC236}">
-                <a16:creationId xmlns:a16="http://schemas.microsoft.com/office/drawing/2014/main" id="{9FE0D53D-129D-77FE-1E5B-C72A0FD69B9A}"/>
-              </a:ext>
-            </a:extLst>
-          </p:cNvPr>
+            <a:endParaRPr lang="en-US" dirty="0"/>
+          </a:p>
+        </p:txBody>
+      </p:sp>
+      <p:sp>
+        <p:nvSpPr>
+          <p:cNvPr id="3" name="Text Placeholder 2"/>
           <p:cNvSpPr>
             <a:spLocks noGrp="1"/>
           </p:cNvSpPr>
@@ -3463,8 +5846,8 @@
         </p:nvSpPr>
         <p:spPr>
           <a:xfrm>
-            <a:off x="838200" y="1825625"/>
-            <a:ext cx="10515600" cy="4351338"/>
+            <a:off x="677334" y="2160589"/>
+            <a:ext cx="8596668" cy="3880773"/>
           </a:xfrm>
           <a:prstGeom prst="rect">
             <a:avLst/>
@@ -3509,19 +5892,13 @@
               <a:rPr lang="en-US"/>
               <a:t>Fifth level</a:t>
             </a:r>
-            <a:endParaRPr lang="en-IN"/>
-          </a:p>
-        </p:txBody>
-      </p:sp>
-      <p:sp>
-        <p:nvSpPr>
-          <p:cNvPr id="4" name="Date Placeholder 3">
-            <a:extLst>
-              <a:ext uri="{FF2B5EF4-FFF2-40B4-BE49-F238E27FC236}">
-                <a16:creationId xmlns:a16="http://schemas.microsoft.com/office/drawing/2014/main" id="{8434251C-15B1-7A5B-4152-E508CDB8F54D}"/>
-              </a:ext>
-            </a:extLst>
-          </p:cNvPr>
+            <a:endParaRPr lang="en-US" dirty="0"/>
+          </a:p>
+        </p:txBody>
+      </p:sp>
+      <p:sp>
+        <p:nvSpPr>
+          <p:cNvPr id="4" name="Date Placeholder 3"/>
           <p:cNvSpPr>
             <a:spLocks noGrp="1"/>
           </p:cNvSpPr>
@@ -3531,8 +5908,8 @@
         </p:nvSpPr>
         <p:spPr>
           <a:xfrm>
-            <a:off x="838200" y="6356350"/>
-            <a:ext cx="2743200" cy="365125"/>
+            <a:off x="7205133" y="6041362"/>
+            <a:ext cx="911939" cy="365125"/>
           </a:xfrm>
           <a:prstGeom prst="rect">
             <a:avLst/>
@@ -3541,8 +5918,8 @@
         <p:txBody>
           <a:bodyPr vert="horz" lIns="91440" tIns="45720" rIns="91440" bIns="45720" rtlCol="0" anchor="ctr"/>
           <a:lstStyle>
-            <a:lvl1pPr algn="l">
-              <a:defRPr sz="1200">
+            <a:lvl1pPr algn="r">
+              <a:defRPr sz="900">
                 <a:solidFill>
                   <a:schemeClr val="tx1">
                     <a:tint val="75000"/>
@@ -3554,7 +5931,7 @@
           <a:p>
             <a:fld id="{81A56D06-1AE9-42BA-B013-77732A164FA0}" type="datetimeFigureOut">
               <a:rPr lang="en-IN" smtClean="0"/>
-              <a:t>27-10-2023</a:t>
+              <a:t>28-10-2023</a:t>
             </a:fld>
             <a:endParaRPr lang="en-IN"/>
           </a:p>
@@ -3562,13 +5939,7 @@
       </p:sp>
       <p:sp>
         <p:nvSpPr>
-          <p:cNvPr id="5" name="Footer Placeholder 4">
-            <a:extLst>
-              <a:ext uri="{FF2B5EF4-FFF2-40B4-BE49-F238E27FC236}">
-                <a16:creationId xmlns:a16="http://schemas.microsoft.com/office/drawing/2014/main" id="{CC05FCBC-515A-AC48-25ED-D68AD765D664}"/>
-              </a:ext>
-            </a:extLst>
-          </p:cNvPr>
+          <p:cNvPr id="5" name="Footer Placeholder 4"/>
           <p:cNvSpPr>
             <a:spLocks noGrp="1"/>
           </p:cNvSpPr>
@@ -3578,8 +5949,8 @@
         </p:nvSpPr>
         <p:spPr>
           <a:xfrm>
-            <a:off x="4038600" y="6356350"/>
-            <a:ext cx="4114800" cy="365125"/>
+            <a:off x="677334" y="6041362"/>
+            <a:ext cx="6297612" cy="365125"/>
           </a:xfrm>
           <a:prstGeom prst="rect">
             <a:avLst/>
@@ -3588,8 +5959,8 @@
         <p:txBody>
           <a:bodyPr vert="horz" lIns="91440" tIns="45720" rIns="91440" bIns="45720" rtlCol="0" anchor="ctr"/>
           <a:lstStyle>
-            <a:lvl1pPr algn="ctr">
-              <a:defRPr sz="1200">
+            <a:lvl1pPr algn="l">
+              <a:defRPr sz="900">
                 <a:solidFill>
                   <a:schemeClr val="tx1">
                     <a:tint val="75000"/>
@@ -3605,13 +5976,7 @@
       </p:sp>
       <p:sp>
         <p:nvSpPr>
-          <p:cNvPr id="6" name="Slide Number Placeholder 5">
-            <a:extLst>
-              <a:ext uri="{FF2B5EF4-FFF2-40B4-BE49-F238E27FC236}">
-                <a16:creationId xmlns:a16="http://schemas.microsoft.com/office/drawing/2014/main" id="{DCDE3103-CA82-B858-1DFE-2F6C12C617CC}"/>
-              </a:ext>
-            </a:extLst>
-          </p:cNvPr>
+          <p:cNvPr id="6" name="Slide Number Placeholder 5"/>
           <p:cNvSpPr>
             <a:spLocks noGrp="1"/>
           </p:cNvSpPr>
@@ -3621,8 +5986,8 @@
         </p:nvSpPr>
         <p:spPr>
           <a:xfrm>
-            <a:off x="8610600" y="6356350"/>
-            <a:ext cx="2743200" cy="365125"/>
+            <a:off x="8590663" y="6041362"/>
+            <a:ext cx="683339" cy="365125"/>
           </a:xfrm>
           <a:prstGeom prst="rect">
             <a:avLst/>
@@ -3632,11 +5997,9 @@
           <a:bodyPr vert="horz" lIns="91440" tIns="45720" rIns="91440" bIns="45720" rtlCol="0" anchor="ctr"/>
           <a:lstStyle>
             <a:lvl1pPr algn="r">
-              <a:defRPr sz="1200">
-                <a:solidFill>
-                  <a:schemeClr val="tx1">
-                    <a:tint val="75000"/>
-                  </a:schemeClr>
+              <a:defRPr sz="900">
+                <a:solidFill>
+                  <a:schemeClr val="accent1"/>
                 </a:solidFill>
               </a:defRPr>
             </a:lvl1pPr>
@@ -3653,201 +6016,322 @@
     </p:spTree>
     <p:extLst>
       <p:ext uri="{BB962C8B-B14F-4D97-AF65-F5344CB8AC3E}">
-        <p14:creationId xmlns:p14="http://schemas.microsoft.com/office/powerpoint/2010/main" val="3839433268"/>
+        <p14:creationId xmlns:p14="http://schemas.microsoft.com/office/powerpoint/2010/main" val="1522574879"/>
       </p:ext>
     </p:extLst>
   </p:cSld>
   <p:clrMap bg1="lt1" tx1="dk1" bg2="lt2" tx2="dk2" accent1="accent1" accent2="accent2" accent3="accent3" accent4="accent4" accent5="accent5" accent6="accent6" hlink="hlink" folHlink="folHlink"/>
   <p:sldLayoutIdLst>
-    <p:sldLayoutId id="2147483649" r:id="rId1"/>
-    <p:sldLayoutId id="2147483650" r:id="rId2"/>
-    <p:sldLayoutId id="2147483651" r:id="rId3"/>
-    <p:sldLayoutId id="2147483652" r:id="rId4"/>
-    <p:sldLayoutId id="2147483653" r:id="rId5"/>
-    <p:sldLayoutId id="2147483654" r:id="rId6"/>
-    <p:sldLayoutId id="2147483655" r:id="rId7"/>
-    <p:sldLayoutId id="2147483656" r:id="rId8"/>
-    <p:sldLayoutId id="2147483657" r:id="rId9"/>
-    <p:sldLayoutId id="2147483658" r:id="rId10"/>
-    <p:sldLayoutId id="2147483659" r:id="rId11"/>
+    <p:sldLayoutId id="2147483661" r:id="rId1"/>
+    <p:sldLayoutId id="2147483662" r:id="rId2"/>
+    <p:sldLayoutId id="2147483663" r:id="rId3"/>
+    <p:sldLayoutId id="2147483664" r:id="rId4"/>
+    <p:sldLayoutId id="2147483665" r:id="rId5"/>
+    <p:sldLayoutId id="2147483666" r:id="rId6"/>
+    <p:sldLayoutId id="2147483667" r:id="rId7"/>
+    <p:sldLayoutId id="2147483668" r:id="rId8"/>
+    <p:sldLayoutId id="2147483669" r:id="rId9"/>
+    <p:sldLayoutId id="2147483670" r:id="rId10"/>
+    <p:sldLayoutId id="2147483671" r:id="rId11"/>
+    <p:sldLayoutId id="2147483672" r:id="rId12"/>
+    <p:sldLayoutId id="2147483673" r:id="rId13"/>
+    <p:sldLayoutId id="2147483674" r:id="rId14"/>
+    <p:sldLayoutId id="2147483675" r:id="rId15"/>
+    <p:sldLayoutId id="2147483676" r:id="rId16"/>
   </p:sldLayoutIdLst>
   <p:txStyles>
     <p:titleStyle>
-      <a:lvl1pPr algn="l" defTabSz="914400" rtl="0" eaLnBrk="1" latinLnBrk="0" hangingPunct="1">
-        <a:lnSpc>
-          <a:spcPct val="90000"/>
-        </a:lnSpc>
+      <a:lvl1pPr algn="l" defTabSz="457200" rtl="0" eaLnBrk="1" latinLnBrk="0" hangingPunct="1">
         <a:spcBef>
           <a:spcPct val="0"/>
         </a:spcBef>
         <a:buNone/>
-        <a:defRPr sz="4400" kern="1200">
+        <a:defRPr sz="3600" kern="1200">
           <a:solidFill>
-            <a:schemeClr val="tx1"/>
+            <a:schemeClr val="accent1"/>
           </a:solidFill>
           <a:latin typeface="+mj-lt"/>
           <a:ea typeface="+mj-ea"/>
           <a:cs typeface="+mj-cs"/>
         </a:defRPr>
       </a:lvl1pPr>
+      <a:lvl2pPr eaLnBrk="1" hangingPunct="1">
+        <a:defRPr>
+          <a:solidFill>
+            <a:schemeClr val="tx2"/>
+          </a:solidFill>
+        </a:defRPr>
+      </a:lvl2pPr>
+      <a:lvl3pPr eaLnBrk="1" hangingPunct="1">
+        <a:defRPr>
+          <a:solidFill>
+            <a:schemeClr val="tx2"/>
+          </a:solidFill>
+        </a:defRPr>
+      </a:lvl3pPr>
+      <a:lvl4pPr eaLnBrk="1" hangingPunct="1">
+        <a:defRPr>
+          <a:solidFill>
+            <a:schemeClr val="tx2"/>
+          </a:solidFill>
+        </a:defRPr>
+      </a:lvl4pPr>
+      <a:lvl5pPr eaLnBrk="1" hangingPunct="1">
+        <a:defRPr>
+          <a:solidFill>
+            <a:schemeClr val="tx2"/>
+          </a:solidFill>
+        </a:defRPr>
+      </a:lvl5pPr>
+      <a:lvl6pPr eaLnBrk="1" hangingPunct="1">
+        <a:defRPr>
+          <a:solidFill>
+            <a:schemeClr val="tx2"/>
+          </a:solidFill>
+        </a:defRPr>
+      </a:lvl6pPr>
+      <a:lvl7pPr eaLnBrk="1" hangingPunct="1">
+        <a:defRPr>
+          <a:solidFill>
+            <a:schemeClr val="tx2"/>
+          </a:solidFill>
+        </a:defRPr>
+      </a:lvl7pPr>
+      <a:lvl8pPr eaLnBrk="1" hangingPunct="1">
+        <a:defRPr>
+          <a:solidFill>
+            <a:schemeClr val="tx2"/>
+          </a:solidFill>
+        </a:defRPr>
+      </a:lvl8pPr>
+      <a:lvl9pPr eaLnBrk="1" hangingPunct="1">
+        <a:defRPr>
+          <a:solidFill>
+            <a:schemeClr val="tx2"/>
+          </a:solidFill>
+        </a:defRPr>
+      </a:lvl9pPr>
     </p:titleStyle>
     <p:bodyStyle>
-      <a:lvl1pPr marL="228600" indent="-228600" algn="l" defTabSz="914400" rtl="0" eaLnBrk="1" latinLnBrk="0" hangingPunct="1">
-        <a:lnSpc>
-          <a:spcPct val="90000"/>
-        </a:lnSpc>
+      <a:lvl1pPr marL="342900" indent="-342900" algn="l" defTabSz="457200" rtl="0" eaLnBrk="1" latinLnBrk="0" hangingPunct="1">
         <a:spcBef>
           <a:spcPts val="1000"/>
         </a:spcBef>
-        <a:buFont typeface="Arial" panose="020B0604020202020204" pitchFamily="34" charset="0"/>
-        <a:buChar char="•"/>
-        <a:defRPr sz="2800" kern="1200">
+        <a:spcAft>
+          <a:spcPts val="0"/>
+        </a:spcAft>
+        <a:buClr>
+          <a:schemeClr val="accent1"/>
+        </a:buClr>
+        <a:buSzPct val="80000"/>
+        <a:buFont typeface="Wingdings 3" charset="2"/>
+        <a:buChar char=""/>
+        <a:defRPr sz="1800" kern="1200">
           <a:solidFill>
-            <a:schemeClr val="tx1"/>
+            <a:schemeClr val="tx1">
+              <a:lumMod val="75000"/>
+              <a:lumOff val="25000"/>
+            </a:schemeClr>
           </a:solidFill>
           <a:latin typeface="+mn-lt"/>
           <a:ea typeface="+mn-ea"/>
           <a:cs typeface="+mn-cs"/>
         </a:defRPr>
       </a:lvl1pPr>
-      <a:lvl2pPr marL="685800" indent="-228600" algn="l" defTabSz="914400" rtl="0" eaLnBrk="1" latinLnBrk="0" hangingPunct="1">
-        <a:lnSpc>
-          <a:spcPct val="90000"/>
-        </a:lnSpc>
+      <a:lvl2pPr marL="742950" indent="-285750" algn="l" defTabSz="457200" rtl="0" eaLnBrk="1" latinLnBrk="0" hangingPunct="1">
         <a:spcBef>
-          <a:spcPts val="500"/>
+          <a:spcPts val="1000"/>
         </a:spcBef>
-        <a:buFont typeface="Arial" panose="020B0604020202020204" pitchFamily="34" charset="0"/>
-        <a:buChar char="•"/>
-        <a:defRPr sz="2400" kern="1200">
+        <a:spcAft>
+          <a:spcPts val="0"/>
+        </a:spcAft>
+        <a:buClr>
+          <a:schemeClr val="accent1"/>
+        </a:buClr>
+        <a:buSzPct val="80000"/>
+        <a:buFont typeface="Wingdings 3" charset="2"/>
+        <a:buChar char=""/>
+        <a:defRPr sz="1600" kern="1200">
           <a:solidFill>
-            <a:schemeClr val="tx1"/>
+            <a:schemeClr val="tx1">
+              <a:lumMod val="75000"/>
+              <a:lumOff val="25000"/>
+            </a:schemeClr>
           </a:solidFill>
           <a:latin typeface="+mn-lt"/>
           <a:ea typeface="+mn-ea"/>
           <a:cs typeface="+mn-cs"/>
         </a:defRPr>
       </a:lvl2pPr>
-      <a:lvl3pPr marL="1143000" indent="-228600" algn="l" defTabSz="914400" rtl="0" eaLnBrk="1" latinLnBrk="0" hangingPunct="1">
-        <a:lnSpc>
-          <a:spcPct val="90000"/>
-        </a:lnSpc>
+      <a:lvl3pPr marL="1143000" indent="-228600" algn="l" defTabSz="457200" rtl="0" eaLnBrk="1" latinLnBrk="0" hangingPunct="1">
         <a:spcBef>
-          <a:spcPts val="500"/>
+          <a:spcPts val="1000"/>
         </a:spcBef>
-        <a:buFont typeface="Arial" panose="020B0604020202020204" pitchFamily="34" charset="0"/>
-        <a:buChar char="•"/>
-        <a:defRPr sz="2000" kern="1200">
+        <a:spcAft>
+          <a:spcPts val="0"/>
+        </a:spcAft>
+        <a:buClr>
+          <a:schemeClr val="accent1"/>
+        </a:buClr>
+        <a:buSzPct val="80000"/>
+        <a:buFont typeface="Wingdings 3" charset="2"/>
+        <a:buChar char=""/>
+        <a:defRPr sz="1400" kern="1200">
           <a:solidFill>
-            <a:schemeClr val="tx1"/>
+            <a:schemeClr val="tx1">
+              <a:lumMod val="75000"/>
+              <a:lumOff val="25000"/>
+            </a:schemeClr>
           </a:solidFill>
           <a:latin typeface="+mn-lt"/>
           <a:ea typeface="+mn-ea"/>
           <a:cs typeface="+mn-cs"/>
         </a:defRPr>
       </a:lvl3pPr>
-      <a:lvl4pPr marL="1600200" indent="-228600" algn="l" defTabSz="914400" rtl="0" eaLnBrk="1" latinLnBrk="0" hangingPunct="1">
-        <a:lnSpc>
-          <a:spcPct val="90000"/>
-        </a:lnSpc>
+      <a:lvl4pPr marL="1600200" indent="-228600" algn="l" defTabSz="457200" rtl="0" eaLnBrk="1" latinLnBrk="0" hangingPunct="1">
         <a:spcBef>
-          <a:spcPts val="500"/>
+          <a:spcPts val="1000"/>
         </a:spcBef>
-        <a:buFont typeface="Arial" panose="020B0604020202020204" pitchFamily="34" charset="0"/>
-        <a:buChar char="•"/>
-        <a:defRPr sz="1800" kern="1200">
+        <a:spcAft>
+          <a:spcPts val="0"/>
+        </a:spcAft>
+        <a:buClr>
+          <a:schemeClr val="accent1"/>
+        </a:buClr>
+        <a:buSzPct val="80000"/>
+        <a:buFont typeface="Wingdings 3" charset="2"/>
+        <a:buChar char=""/>
+        <a:defRPr sz="1200" kern="1200">
           <a:solidFill>
-            <a:schemeClr val="tx1"/>
+            <a:schemeClr val="tx1">
+              <a:lumMod val="75000"/>
+              <a:lumOff val="25000"/>
+            </a:schemeClr>
           </a:solidFill>
           <a:latin typeface="+mn-lt"/>
           <a:ea typeface="+mn-ea"/>
           <a:cs typeface="+mn-cs"/>
         </a:defRPr>
       </a:lvl4pPr>
-      <a:lvl5pPr marL="2057400" indent="-228600" algn="l" defTabSz="914400" rtl="0" eaLnBrk="1" latinLnBrk="0" hangingPunct="1">
-        <a:lnSpc>
-          <a:spcPct val="90000"/>
-        </a:lnSpc>
+      <a:lvl5pPr marL="2057400" indent="-228600" algn="l" defTabSz="457200" rtl="0" eaLnBrk="1" latinLnBrk="0" hangingPunct="1">
         <a:spcBef>
-          <a:spcPts val="500"/>
+          <a:spcPts val="1000"/>
         </a:spcBef>
-        <a:buFont typeface="Arial" panose="020B0604020202020204" pitchFamily="34" charset="0"/>
-        <a:buChar char="•"/>
-        <a:defRPr sz="1800" kern="1200">
+        <a:spcAft>
+          <a:spcPts val="0"/>
+        </a:spcAft>
+        <a:buClr>
+          <a:schemeClr val="accent1"/>
+        </a:buClr>
+        <a:buSzPct val="80000"/>
+        <a:buFont typeface="Wingdings 3" charset="2"/>
+        <a:buChar char=""/>
+        <a:defRPr sz="1200" kern="1200">
           <a:solidFill>
-            <a:schemeClr val="tx1"/>
+            <a:schemeClr val="tx1">
+              <a:lumMod val="75000"/>
+              <a:lumOff val="25000"/>
+            </a:schemeClr>
           </a:solidFill>
           <a:latin typeface="+mn-lt"/>
           <a:ea typeface="+mn-ea"/>
           <a:cs typeface="+mn-cs"/>
         </a:defRPr>
       </a:lvl5pPr>
-      <a:lvl6pPr marL="2514600" indent="-228600" algn="l" defTabSz="914400" rtl="0" eaLnBrk="1" latinLnBrk="0" hangingPunct="1">
-        <a:lnSpc>
-          <a:spcPct val="90000"/>
-        </a:lnSpc>
+      <a:lvl6pPr marL="2514600" indent="-228600" algn="l" defTabSz="457200" rtl="0" eaLnBrk="1" latinLnBrk="0" hangingPunct="1">
         <a:spcBef>
-          <a:spcPts val="500"/>
+          <a:spcPts val="1000"/>
         </a:spcBef>
-        <a:buFont typeface="Arial" panose="020B0604020202020204" pitchFamily="34" charset="0"/>
-        <a:buChar char="•"/>
-        <a:defRPr sz="1800" kern="1200">
+        <a:spcAft>
+          <a:spcPts val="0"/>
+        </a:spcAft>
+        <a:buClr>
+          <a:schemeClr val="accent1"/>
+        </a:buClr>
+        <a:buSzPct val="80000"/>
+        <a:buFont typeface="Wingdings 3" charset="2"/>
+        <a:buChar char=""/>
+        <a:defRPr sz="1200" kern="1200">
           <a:solidFill>
-            <a:schemeClr val="tx1"/>
+            <a:schemeClr val="tx1">
+              <a:lumMod val="75000"/>
+              <a:lumOff val="25000"/>
+            </a:schemeClr>
           </a:solidFill>
           <a:latin typeface="+mn-lt"/>
           <a:ea typeface="+mn-ea"/>
           <a:cs typeface="+mn-cs"/>
         </a:defRPr>
       </a:lvl6pPr>
-      <a:lvl7pPr marL="2971800" indent="-228600" algn="l" defTabSz="914400" rtl="0" eaLnBrk="1" latinLnBrk="0" hangingPunct="1">
-        <a:lnSpc>
-          <a:spcPct val="90000"/>
-        </a:lnSpc>
+      <a:lvl7pPr marL="2971800" indent="-228600" algn="l" defTabSz="457200" rtl="0" eaLnBrk="1" latinLnBrk="0" hangingPunct="1">
         <a:spcBef>
-          <a:spcPts val="500"/>
+          <a:spcPts val="1000"/>
         </a:spcBef>
-        <a:buFont typeface="Arial" panose="020B0604020202020204" pitchFamily="34" charset="0"/>
-        <a:buChar char="•"/>
-        <a:defRPr sz="1800" kern="1200">
+        <a:spcAft>
+          <a:spcPts val="0"/>
+        </a:spcAft>
+        <a:buClr>
+          <a:schemeClr val="accent1"/>
+        </a:buClr>
+        <a:buSzPct val="80000"/>
+        <a:buFont typeface="Wingdings 3" charset="2"/>
+        <a:buChar char=""/>
+        <a:defRPr sz="1200" kern="1200">
           <a:solidFill>
-            <a:schemeClr val="tx1"/>
+            <a:schemeClr val="tx1">
+              <a:lumMod val="75000"/>
+              <a:lumOff val="25000"/>
+            </a:schemeClr>
           </a:solidFill>
           <a:latin typeface="+mn-lt"/>
           <a:ea typeface="+mn-ea"/>
           <a:cs typeface="+mn-cs"/>
         </a:defRPr>
       </a:lvl7pPr>
-      <a:lvl8pPr marL="3429000" indent="-228600" algn="l" defTabSz="914400" rtl="0" eaLnBrk="1" latinLnBrk="0" hangingPunct="1">
-        <a:lnSpc>
-          <a:spcPct val="90000"/>
-        </a:lnSpc>
+      <a:lvl8pPr marL="3429000" indent="-228600" algn="l" defTabSz="457200" rtl="0" eaLnBrk="1" latinLnBrk="0" hangingPunct="1">
         <a:spcBef>
-          <a:spcPts val="500"/>
+          <a:spcPts val="1000"/>
         </a:spcBef>
-        <a:buFont typeface="Arial" panose="020B0604020202020204" pitchFamily="34" charset="0"/>
-        <a:buChar char="•"/>
-        <a:defRPr sz="1800" kern="1200">
+        <a:spcAft>
+          <a:spcPts val="0"/>
+        </a:spcAft>
+        <a:buClr>
+          <a:schemeClr val="accent1"/>
+        </a:buClr>
+        <a:buSzPct val="80000"/>
+        <a:buFont typeface="Wingdings 3" charset="2"/>
+        <a:buChar char=""/>
+        <a:defRPr sz="1200" kern="1200">
           <a:solidFill>
-            <a:schemeClr val="tx1"/>
+            <a:schemeClr val="tx1">
+              <a:lumMod val="75000"/>
+              <a:lumOff val="25000"/>
+            </a:schemeClr>
           </a:solidFill>
           <a:latin typeface="+mn-lt"/>
           <a:ea typeface="+mn-ea"/>
           <a:cs typeface="+mn-cs"/>
         </a:defRPr>
       </a:lvl8pPr>
-      <a:lvl9pPr marL="3886200" indent="-228600" algn="l" defTabSz="914400" rtl="0" eaLnBrk="1" latinLnBrk="0" hangingPunct="1">
-        <a:lnSpc>
-          <a:spcPct val="90000"/>
-        </a:lnSpc>
+      <a:lvl9pPr marL="3886200" indent="-228600" algn="l" defTabSz="457200" rtl="0" eaLnBrk="1" latinLnBrk="0" hangingPunct="1">
         <a:spcBef>
-          <a:spcPts val="500"/>
+          <a:spcPts val="1000"/>
         </a:spcBef>
-        <a:buFont typeface="Arial" panose="020B0604020202020204" pitchFamily="34" charset="0"/>
-        <a:buChar char="•"/>
-        <a:defRPr sz="1800" kern="1200">
+        <a:spcAft>
+          <a:spcPts val="0"/>
+        </a:spcAft>
+        <a:buClr>
+          <a:schemeClr val="accent1"/>
+        </a:buClr>
+        <a:buSzPct val="80000"/>
+        <a:buFont typeface="Wingdings 3" charset="2"/>
+        <a:buChar char=""/>
+        <a:defRPr sz="1200" kern="1200">
           <a:solidFill>
-            <a:schemeClr val="tx1"/>
+            <a:schemeClr val="tx1">
+              <a:lumMod val="75000"/>
+              <a:lumOff val="25000"/>
+            </a:schemeClr>
           </a:solidFill>
           <a:latin typeface="+mn-lt"/>
           <a:ea typeface="+mn-ea"/>
@@ -3859,7 +6343,7 @@
       <a:defPPr>
         <a:defRPr lang="en-US"/>
       </a:defPPr>
-      <a:lvl1pPr marL="0" algn="l" defTabSz="914400" rtl="0" eaLnBrk="1" latinLnBrk="0" hangingPunct="1">
+      <a:lvl1pPr marL="0" algn="l" defTabSz="457200" rtl="0" eaLnBrk="1" latinLnBrk="0" hangingPunct="1">
         <a:defRPr sz="1800" kern="1200">
           <a:solidFill>
             <a:schemeClr val="tx1"/>
@@ -3869,7 +6353,7 @@
           <a:cs typeface="+mn-cs"/>
         </a:defRPr>
       </a:lvl1pPr>
-      <a:lvl2pPr marL="457200" algn="l" defTabSz="914400" rtl="0" eaLnBrk="1" latinLnBrk="0" hangingPunct="1">
+      <a:lvl2pPr marL="457200" algn="l" defTabSz="457200" rtl="0" eaLnBrk="1" latinLnBrk="0" hangingPunct="1">
         <a:defRPr sz="1800" kern="1200">
           <a:solidFill>
             <a:schemeClr val="tx1"/>
@@ -3879,7 +6363,7 @@
           <a:cs typeface="+mn-cs"/>
         </a:defRPr>
       </a:lvl2pPr>
-      <a:lvl3pPr marL="914400" algn="l" defTabSz="914400" rtl="0" eaLnBrk="1" latinLnBrk="0" hangingPunct="1">
+      <a:lvl3pPr marL="914400" algn="l" defTabSz="457200" rtl="0" eaLnBrk="1" latinLnBrk="0" hangingPunct="1">
         <a:defRPr sz="1800" kern="1200">
           <a:solidFill>
             <a:schemeClr val="tx1"/>
@@ -3889,7 +6373,7 @@
           <a:cs typeface="+mn-cs"/>
         </a:defRPr>
       </a:lvl3pPr>
-      <a:lvl4pPr marL="1371600" algn="l" defTabSz="914400" rtl="0" eaLnBrk="1" latinLnBrk="0" hangingPunct="1">
+      <a:lvl4pPr marL="1371600" algn="l" defTabSz="457200" rtl="0" eaLnBrk="1" latinLnBrk="0" hangingPunct="1">
         <a:defRPr sz="1800" kern="1200">
           <a:solidFill>
             <a:schemeClr val="tx1"/>
@@ -3899,7 +6383,7 @@
           <a:cs typeface="+mn-cs"/>
         </a:defRPr>
       </a:lvl4pPr>
-      <a:lvl5pPr marL="1828800" algn="l" defTabSz="914400" rtl="0" eaLnBrk="1" latinLnBrk="0" hangingPunct="1">
+      <a:lvl5pPr marL="1828800" algn="l" defTabSz="457200" rtl="0" eaLnBrk="1" latinLnBrk="0" hangingPunct="1">
         <a:defRPr sz="1800" kern="1200">
           <a:solidFill>
             <a:schemeClr val="tx1"/>
@@ -3909,7 +6393,7 @@
           <a:cs typeface="+mn-cs"/>
         </a:defRPr>
       </a:lvl5pPr>
-      <a:lvl6pPr marL="2286000" algn="l" defTabSz="914400" rtl="0" eaLnBrk="1" latinLnBrk="0" hangingPunct="1">
+      <a:lvl6pPr marL="2286000" algn="l" defTabSz="457200" rtl="0" eaLnBrk="1" latinLnBrk="0" hangingPunct="1">
         <a:defRPr sz="1800" kern="1200">
           <a:solidFill>
             <a:schemeClr val="tx1"/>
@@ -3919,7 +6403,7 @@
           <a:cs typeface="+mn-cs"/>
         </a:defRPr>
       </a:lvl6pPr>
-      <a:lvl7pPr marL="2743200" algn="l" defTabSz="914400" rtl="0" eaLnBrk="1" latinLnBrk="0" hangingPunct="1">
+      <a:lvl7pPr marL="2743200" algn="l" defTabSz="457200" rtl="0" eaLnBrk="1" latinLnBrk="0" hangingPunct="1">
         <a:defRPr sz="1800" kern="1200">
           <a:solidFill>
             <a:schemeClr val="tx1"/>
@@ -3929,7 +6413,7 @@
           <a:cs typeface="+mn-cs"/>
         </a:defRPr>
       </a:lvl7pPr>
-      <a:lvl8pPr marL="3200400" algn="l" defTabSz="914400" rtl="0" eaLnBrk="1" latinLnBrk="0" hangingPunct="1">
+      <a:lvl8pPr marL="3200400" algn="l" defTabSz="457200" rtl="0" eaLnBrk="1" latinLnBrk="0" hangingPunct="1">
         <a:defRPr sz="1800" kern="1200">
           <a:solidFill>
             <a:schemeClr val="tx1"/>
@@ -3939,7 +6423,7 @@
           <a:cs typeface="+mn-cs"/>
         </a:defRPr>
       </a:lvl8pPr>
-      <a:lvl9pPr marL="3657600" algn="l" defTabSz="914400" rtl="0" eaLnBrk="1" latinLnBrk="0" hangingPunct="1">
+      <a:lvl9pPr marL="3657600" algn="l" defTabSz="457200" rtl="0" eaLnBrk="1" latinLnBrk="0" hangingPunct="1">
         <a:defRPr sz="1800" kern="1200">
           <a:solidFill>
             <a:schemeClr val="tx1"/>
@@ -3979,195 +6463,6 @@
           <a:chExt cx="0" cy="0"/>
         </a:xfrm>
       </p:grpSpPr>
-      <p:sp useBgFill="1">
-        <p:nvSpPr>
-          <p:cNvPr id="8" name="Rectangle 7">
-            <a:extLst>
-              <a:ext uri="{FF2B5EF4-FFF2-40B4-BE49-F238E27FC236}">
-                <a16:creationId xmlns:a16="http://schemas.microsoft.com/office/drawing/2014/main" id="{934F1179-B481-4F9E-BCA3-AFB972070F83}"/>
-              </a:ext>
-              <a:ext uri="{C183D7F6-B498-43B3-948B-1728B52AA6E4}">
-                <adec:decorative xmlns:adec="http://schemas.microsoft.com/office/drawing/2017/decorative" val="1"/>
-              </a:ext>
-            </a:extLst>
-          </p:cNvPr>
-          <p:cNvSpPr>
-            <a:spLocks noGrp="1" noRot="1" noChangeAspect="1" noMove="1" noResize="1" noEditPoints="1" noAdjustHandles="1" noChangeArrowheads="1" noChangeShapeType="1" noTextEdit="1"/>
-          </p:cNvSpPr>
-          <p:nvPr>
-            <p:extLst>
-              <p:ext uri="{386F3935-93C4-4BCD-93E2-E3B085C9AB24}">
-                <p16:designElem xmlns:p16="http://schemas.microsoft.com/office/powerpoint/2015/main" val="1"/>
-              </p:ext>
-            </p:extLst>
-          </p:nvPr>
-        </p:nvSpPr>
-        <p:spPr>
-          <a:xfrm>
-            <a:off x="0" y="0"/>
-            <a:ext cx="12192000" cy="6858000"/>
-          </a:xfrm>
-          <a:prstGeom prst="rect">
-            <a:avLst/>
-          </a:prstGeom>
-          <a:ln>
-            <a:noFill/>
-          </a:ln>
-        </p:spPr>
-        <p:style>
-          <a:lnRef idx="2">
-            <a:schemeClr val="accent1">
-              <a:shade val="50000"/>
-            </a:schemeClr>
-          </a:lnRef>
-          <a:fillRef idx="1">
-            <a:schemeClr val="accent1"/>
-          </a:fillRef>
-          <a:effectRef idx="0">
-            <a:schemeClr val="accent1"/>
-          </a:effectRef>
-          <a:fontRef idx="minor">
-            <a:schemeClr val="lt1"/>
-          </a:fontRef>
-        </p:style>
-        <p:txBody>
-          <a:bodyPr rtlCol="0" anchor="ctr"/>
-          <a:lstStyle/>
-          <a:p>
-            <a:pPr algn="ctr"/>
-            <a:endParaRPr lang="en-US"/>
-          </a:p>
-        </p:txBody>
-      </p:sp>
-      <p:sp>
-        <p:nvSpPr>
-          <p:cNvPr id="10" name="Right Triangle 9">
-            <a:extLst>
-              <a:ext uri="{FF2B5EF4-FFF2-40B4-BE49-F238E27FC236}">
-                <a16:creationId xmlns:a16="http://schemas.microsoft.com/office/drawing/2014/main" id="{827DC2C4-B485-428A-BF4A-472D2967F47F}"/>
-              </a:ext>
-              <a:ext uri="{C183D7F6-B498-43B3-948B-1728B52AA6E4}">
-                <adec:decorative xmlns:adec="http://schemas.microsoft.com/office/drawing/2017/decorative" val="1"/>
-              </a:ext>
-            </a:extLst>
-          </p:cNvPr>
-          <p:cNvSpPr>
-            <a:spLocks noGrp="1" noRot="1" noChangeAspect="1" noMove="1" noResize="1" noEditPoints="1" noAdjustHandles="1" noChangeArrowheads="1" noChangeShapeType="1" noTextEdit="1"/>
-          </p:cNvSpPr>
-          <p:nvPr>
-            <p:extLst>
-              <p:ext uri="{386F3935-93C4-4BCD-93E2-E3B085C9AB24}">
-                <p16:designElem xmlns:p16="http://schemas.microsoft.com/office/powerpoint/2015/main" val="1"/>
-              </p:ext>
-            </p:extLst>
-          </p:nvPr>
-        </p:nvSpPr>
-        <p:spPr>
-          <a:xfrm flipH="1">
-            <a:off x="8576720" y="3335867"/>
-            <a:ext cx="3291840" cy="3200400"/>
-          </a:xfrm>
-          <a:prstGeom prst="rtTriangle">
-            <a:avLst/>
-          </a:prstGeom>
-          <a:solidFill>
-            <a:schemeClr val="accent4"/>
-          </a:solidFill>
-          <a:ln>
-            <a:noFill/>
-          </a:ln>
-        </p:spPr>
-        <p:style>
-          <a:lnRef idx="2">
-            <a:schemeClr val="accent1">
-              <a:shade val="50000"/>
-            </a:schemeClr>
-          </a:lnRef>
-          <a:fillRef idx="1">
-            <a:schemeClr val="accent1"/>
-          </a:fillRef>
-          <a:effectRef idx="0">
-            <a:schemeClr val="accent1"/>
-          </a:effectRef>
-          <a:fontRef idx="minor">
-            <a:schemeClr val="lt1"/>
-          </a:fontRef>
-        </p:style>
-        <p:txBody>
-          <a:bodyPr rtlCol="0" anchor="ctr"/>
-          <a:lstStyle/>
-          <a:p>
-            <a:pPr algn="ctr"/>
-            <a:endParaRPr lang="en-US" dirty="0"/>
-          </a:p>
-        </p:txBody>
-      </p:sp>
-      <p:sp>
-        <p:nvSpPr>
-          <p:cNvPr id="12" name="Rectangle 11">
-            <a:extLst>
-              <a:ext uri="{FF2B5EF4-FFF2-40B4-BE49-F238E27FC236}">
-                <a16:creationId xmlns:a16="http://schemas.microsoft.com/office/drawing/2014/main" id="{EE04B5EB-F158-4507-90DD-BD23620C7CC9}"/>
-              </a:ext>
-              <a:ext uri="{C183D7F6-B498-43B3-948B-1728B52AA6E4}">
-                <adec:decorative xmlns:adec="http://schemas.microsoft.com/office/drawing/2017/decorative" val="1"/>
-              </a:ext>
-            </a:extLst>
-          </p:cNvPr>
-          <p:cNvSpPr>
-            <a:spLocks noGrp="1" noRot="1" noChangeAspect="1" noMove="1" noResize="1" noEditPoints="1" noAdjustHandles="1" noChangeArrowheads="1" noChangeShapeType="1" noTextEdit="1"/>
-          </p:cNvSpPr>
-          <p:nvPr>
-            <p:extLst>
-              <p:ext uri="{386F3935-93C4-4BCD-93E2-E3B085C9AB24}">
-                <p16:designElem xmlns:p16="http://schemas.microsoft.com/office/powerpoint/2015/main" val="1"/>
-              </p:ext>
-            </p:extLst>
-          </p:nvPr>
-        </p:nvSpPr>
-        <p:spPr>
-          <a:xfrm>
-            <a:off x="641774" y="623275"/>
-            <a:ext cx="10905053" cy="5607882"/>
-          </a:xfrm>
-          <a:prstGeom prst="rect">
-            <a:avLst/>
-          </a:prstGeom>
-          <a:noFill/>
-          <a:ln w="19050">
-            <a:solidFill>
-              <a:schemeClr val="tx1">
-                <a:lumMod val="75000"/>
-                <a:lumOff val="25000"/>
-              </a:schemeClr>
-            </a:solidFill>
-          </a:ln>
-        </p:spPr>
-        <p:style>
-          <a:lnRef idx="2">
-            <a:schemeClr val="accent1">
-              <a:shade val="50000"/>
-            </a:schemeClr>
-          </a:lnRef>
-          <a:fillRef idx="1">
-            <a:schemeClr val="accent1"/>
-          </a:fillRef>
-          <a:effectRef idx="0">
-            <a:schemeClr val="accent1"/>
-          </a:effectRef>
-          <a:fontRef idx="minor">
-            <a:schemeClr val="lt1"/>
-          </a:fontRef>
-        </p:style>
-        <p:txBody>
-          <a:bodyPr rtlCol="0" anchor="ctr"/>
-          <a:lstStyle/>
-          <a:p>
-            <a:pPr algn="ctr"/>
-            <a:endParaRPr lang="en-US"/>
-          </a:p>
-        </p:txBody>
-      </p:sp>
       <p:sp>
         <p:nvSpPr>
           <p:cNvPr id="2" name="Title 1">
@@ -4327,7 +6622,7 @@
           <p:cNvPr id="2" name="Title 1">
             <a:extLst>
               <a:ext uri="{FF2B5EF4-FFF2-40B4-BE49-F238E27FC236}">
-                <a16:creationId xmlns:a16="http://schemas.microsoft.com/office/drawing/2014/main" id="{40042879-D61E-9124-F3CE-65B9BD17BB76}"/>
+                <a16:creationId xmlns:a16="http://schemas.microsoft.com/office/drawing/2014/main" id="{407E32F9-D9D9-A72B-0352-2DCCDE47AF3C}"/>
               </a:ext>
             </a:extLst>
           </p:cNvPr>
@@ -4338,21 +6633,15 @@
             <p:ph type="title"/>
           </p:nvPr>
         </p:nvSpPr>
-        <p:spPr>
-          <a:xfrm>
-            <a:off x="838200" y="365126"/>
-            <a:ext cx="10258425" cy="882650"/>
-          </a:xfrm>
-        </p:spPr>
+        <p:spPr/>
         <p:txBody>
           <a:bodyPr/>
           <a:lstStyle/>
           <a:p>
             <a:r>
-              <a:rPr lang="en-IN" dirty="0" err="1"/>
-              <a:t>Sources.yml</a:t>
-            </a:r>
-            <a:endParaRPr lang="en-IN" dirty="0"/>
+              <a:rPr lang="en-IN" dirty="0"/>
+              <a:t>DBT Models</a:t>
+            </a:r>
           </a:p>
         </p:txBody>
       </p:sp>
@@ -4361,7 +6650,7 @@
           <p:cNvPr id="3" name="Content Placeholder 2">
             <a:extLst>
               <a:ext uri="{FF2B5EF4-FFF2-40B4-BE49-F238E27FC236}">
-                <a16:creationId xmlns:a16="http://schemas.microsoft.com/office/drawing/2014/main" id="{0D7F287D-A819-CBB3-6643-1FE6236E46A8}"/>
+                <a16:creationId xmlns:a16="http://schemas.microsoft.com/office/drawing/2014/main" id="{F64D2837-F01E-BA8C-4222-77F29CD6651C}"/>
               </a:ext>
             </a:extLst>
           </p:cNvPr>
@@ -4374,137 +6663,70 @@
         </p:nvSpPr>
         <p:spPr>
           <a:xfrm>
-            <a:off x="904874" y="1390650"/>
-            <a:ext cx="10448925" cy="4786313"/>
+            <a:off x="838200" y="1422400"/>
+            <a:ext cx="10805160" cy="5232399"/>
           </a:xfrm>
         </p:spPr>
         <p:txBody>
-          <a:bodyPr>
-            <a:normAutofit/>
-          </a:bodyPr>
+          <a:bodyPr/>
           <a:lstStyle/>
           <a:p>
-            <a:pPr marL="0" indent="0">
-              <a:buNone/>
-            </a:pPr>
-            <a:r>
-              <a:rPr lang="en-IN" sz="1000" b="0" i="0" dirty="0">
-                <a:solidFill>
-                  <a:srgbClr val="FFFFFF"/>
-                </a:solidFill>
-                <a:effectLst/>
-                <a:latin typeface="SF-Mono-Regular"/>
-              </a:rPr>
-              <a:t>version: </a:t>
-            </a:r>
-            <a:r>
-              <a:rPr lang="en-IN" sz="1000" b="0" i="0" dirty="0">
-                <a:solidFill>
-                  <a:srgbClr val="D1F1A9"/>
-                </a:solidFill>
-                <a:effectLst/>
-                <a:latin typeface="SF-Mono-Regular"/>
-              </a:rPr>
-              <a:t>2</a:t>
-            </a:r>
-            <a:br>
-              <a:rPr lang="en-IN" sz="1000" dirty="0"/>
-            </a:br>
-            <a:br>
-              <a:rPr lang="en-IN" sz="1200" dirty="0"/>
-            </a:br>
-            <a:r>
-              <a:rPr lang="en-IN" sz="2400" b="0" i="0" dirty="0">
-                <a:effectLst/>
-              </a:rPr>
-              <a:t>sources:</a:t>
-            </a:r>
-            <a:br>
-              <a:rPr lang="en-IN" sz="2400" dirty="0"/>
-            </a:br>
-            <a:r>
-              <a:rPr lang="en-IN" sz="2400" b="0" i="0" dirty="0">
-                <a:effectLst/>
-              </a:rPr>
-              <a:t>  - name: </a:t>
-            </a:r>
-            <a:r>
-              <a:rPr lang="en-IN" sz="2400" b="0" i="0" dirty="0" err="1">
-                <a:effectLst/>
-              </a:rPr>
-              <a:t>jaffle_shop</a:t>
-            </a:r>
-            <a:br>
-              <a:rPr lang="en-IN" sz="2400" dirty="0"/>
-            </a:br>
-            <a:r>
-              <a:rPr lang="en-IN" sz="2400" b="0" i="0" dirty="0">
-                <a:effectLst/>
-              </a:rPr>
-              <a:t>    database: raw</a:t>
-            </a:r>
-            <a:br>
-              <a:rPr lang="en-IN" sz="2400" dirty="0"/>
-            </a:br>
-            <a:r>
-              <a:rPr lang="en-IN" sz="2400" b="0" i="0" dirty="0">
-                <a:effectLst/>
-              </a:rPr>
-              <a:t>    schema: </a:t>
-            </a:r>
-            <a:r>
-              <a:rPr lang="en-IN" sz="2400" b="0" i="0" dirty="0" err="1">
-                <a:effectLst/>
-              </a:rPr>
-              <a:t>jaffle_shop</a:t>
-            </a:r>
-            <a:br>
-              <a:rPr lang="en-IN" sz="2400" dirty="0"/>
-            </a:br>
-            <a:r>
-              <a:rPr lang="en-IN" sz="2400" b="0" i="0" dirty="0">
-                <a:effectLst/>
-              </a:rPr>
-              <a:t>    tables:</a:t>
-            </a:r>
-            <a:br>
-              <a:rPr lang="en-IN" sz="2400" dirty="0"/>
-            </a:br>
-            <a:r>
-              <a:rPr lang="en-IN" sz="2400" b="0" i="0" dirty="0">
-                <a:effectLst/>
-              </a:rPr>
-              <a:t>      - name: customers</a:t>
-            </a:r>
-            <a:br>
-              <a:rPr lang="en-IN" sz="2400" dirty="0"/>
-            </a:br>
-            <a:r>
-              <a:rPr lang="en-IN" sz="2400" b="0" i="0" dirty="0">
-                <a:effectLst/>
-              </a:rPr>
-              <a:t>      - name: orders</a:t>
-            </a:r>
-            <a:br>
-              <a:rPr lang="en-IN" sz="2400" dirty="0"/>
-            </a:br>
-            <a:endParaRPr lang="en-IN" sz="2400" dirty="0"/>
-          </a:p>
-          <a:p>
-            <a:pPr marL="0" indent="0">
-              <a:buNone/>
-            </a:pPr>
-            <a:r>
-              <a:rPr lang="en-IN" sz="2400" dirty="0"/>
-              <a:t>Note: Tests can be added for the sources also. So that we can know if there is any error in source data we got.</a:t>
-            </a:r>
-          </a:p>
-        </p:txBody>
-      </p:sp>
+            <a:r>
+              <a:rPr lang="en-IN" dirty="0"/>
+              <a:t>Contains SQL queries for transforming, analysing the data </a:t>
+            </a:r>
+          </a:p>
+          <a:p>
+            <a:r>
+              <a:rPr lang="en-IN" dirty="0"/>
+              <a:t>Model folder is where we write our transformation logic to create views, tables in the database</a:t>
+            </a:r>
+          </a:p>
+          <a:p>
+            <a:r>
+              <a:rPr lang="en-IN" dirty="0"/>
+              <a:t>Using ref in models</a:t>
+            </a:r>
+          </a:p>
+          <a:p>
+            <a:endParaRPr lang="en-IN" dirty="0"/>
+          </a:p>
+        </p:txBody>
+      </p:sp>
+      <p:pic>
+        <p:nvPicPr>
+          <p:cNvPr id="5" name="Picture 4">
+            <a:extLst>
+              <a:ext uri="{FF2B5EF4-FFF2-40B4-BE49-F238E27FC236}">
+                <a16:creationId xmlns:a16="http://schemas.microsoft.com/office/drawing/2014/main" id="{94333AE4-1A81-F85C-8FA3-5B940D1AA5C8}"/>
+              </a:ext>
+            </a:extLst>
+          </p:cNvPr>
+          <p:cNvPicPr>
+            <a:picLocks noChangeAspect="1"/>
+          </p:cNvPicPr>
+          <p:nvPr/>
+        </p:nvPicPr>
+        <p:blipFill>
+          <a:blip r:embed="rId2"/>
+          <a:stretch>
+            <a:fillRect/>
+          </a:stretch>
+        </p:blipFill>
+        <p:spPr>
+          <a:xfrm>
+            <a:off x="1141730" y="3178743"/>
+            <a:ext cx="7504430" cy="2765577"/>
+          </a:xfrm>
+          <a:prstGeom prst="rect">
+            <a:avLst/>
+          </a:prstGeom>
+        </p:spPr>
+      </p:pic>
     </p:spTree>
     <p:extLst>
       <p:ext uri="{BB962C8B-B14F-4D97-AF65-F5344CB8AC3E}">
-        <p14:creationId xmlns:p14="http://schemas.microsoft.com/office/powerpoint/2010/main" val="1851130113"/>
+        <p14:creationId xmlns:p14="http://schemas.microsoft.com/office/powerpoint/2010/main" val="3048447632"/>
       </p:ext>
     </p:extLst>
   </p:cSld>
@@ -4536,6 +6758,728 @@
           <p:cNvPr id="2" name="Title 1">
             <a:extLst>
               <a:ext uri="{FF2B5EF4-FFF2-40B4-BE49-F238E27FC236}">
+                <a16:creationId xmlns:a16="http://schemas.microsoft.com/office/drawing/2014/main" id="{4FD203D5-B840-FB79-17F4-414297BD35F2}"/>
+              </a:ext>
+            </a:extLst>
+          </p:cNvPr>
+          <p:cNvSpPr>
+            <a:spLocks noGrp="1"/>
+          </p:cNvSpPr>
+          <p:nvPr>
+            <p:ph type="title"/>
+          </p:nvPr>
+        </p:nvSpPr>
+        <p:spPr/>
+        <p:txBody>
+          <a:bodyPr/>
+          <a:lstStyle/>
+          <a:p>
+            <a:r>
+              <a:rPr lang="en-IN" b="1" i="0" dirty="0">
+                <a:solidFill>
+                  <a:srgbClr val="36394D"/>
+                </a:solidFill>
+                <a:effectLst/>
+                <a:latin typeface="Source Sans Pro" panose="020B0503030403020204" pitchFamily="34" charset="0"/>
+              </a:rPr>
+              <a:t>Modularity</a:t>
+            </a:r>
+            <a:endParaRPr lang="en-IN" dirty="0"/>
+          </a:p>
+        </p:txBody>
+      </p:sp>
+      <p:sp>
+        <p:nvSpPr>
+          <p:cNvPr id="3" name="Content Placeholder 2">
+            <a:extLst>
+              <a:ext uri="{FF2B5EF4-FFF2-40B4-BE49-F238E27FC236}">
+                <a16:creationId xmlns:a16="http://schemas.microsoft.com/office/drawing/2014/main" id="{05EF620D-DA36-2F7E-BB22-70C1460D55E9}"/>
+              </a:ext>
+            </a:extLst>
+          </p:cNvPr>
+          <p:cNvSpPr>
+            <a:spLocks noGrp="1"/>
+          </p:cNvSpPr>
+          <p:nvPr>
+            <p:ph idx="1"/>
+          </p:nvPr>
+        </p:nvSpPr>
+        <p:spPr>
+          <a:xfrm>
+            <a:off x="677334" y="1472665"/>
+            <a:ext cx="8596668" cy="4568697"/>
+          </a:xfrm>
+        </p:spPr>
+        <p:txBody>
+          <a:bodyPr>
+            <a:normAutofit fontScale="85000" lnSpcReduction="10000"/>
+          </a:bodyPr>
+          <a:lstStyle/>
+          <a:p>
+            <a:pPr algn="l">
+              <a:buFont typeface="Arial" panose="020B0604020202020204" pitchFamily="34" charset="0"/>
+              <a:buChar char="•"/>
+            </a:pPr>
+            <a:r>
+              <a:rPr lang="en-IN" sz="2600" b="0" i="0" dirty="0">
+                <a:solidFill>
+                  <a:srgbClr val="36394D"/>
+                </a:solidFill>
+                <a:effectLst/>
+                <a:latin typeface="Source Sans Pro" panose="020B0503030403020204" pitchFamily="34" charset="0"/>
+              </a:rPr>
+              <a:t>We could build each of our final models in a single model as we did with </a:t>
+            </a:r>
+            <a:r>
+              <a:rPr lang="en-IN" sz="2600" b="0" i="0" dirty="0" err="1">
+                <a:solidFill>
+                  <a:srgbClr val="36394D"/>
+                </a:solidFill>
+                <a:effectLst/>
+                <a:latin typeface="Source Sans Pro" panose="020B0503030403020204" pitchFamily="34" charset="0"/>
+              </a:rPr>
+              <a:t>dim_customers</a:t>
+            </a:r>
+            <a:r>
+              <a:rPr lang="en-IN" sz="2600" b="0" i="0" dirty="0">
+                <a:solidFill>
+                  <a:srgbClr val="36394D"/>
+                </a:solidFill>
+                <a:effectLst/>
+                <a:latin typeface="Source Sans Pro" panose="020B0503030403020204" pitchFamily="34" charset="0"/>
+              </a:rPr>
+              <a:t>, however with </a:t>
+            </a:r>
+            <a:r>
+              <a:rPr lang="en-IN" sz="2600" b="0" i="0" dirty="0" err="1">
+                <a:solidFill>
+                  <a:srgbClr val="36394D"/>
+                </a:solidFill>
+                <a:effectLst/>
+                <a:latin typeface="Source Sans Pro" panose="020B0503030403020204" pitchFamily="34" charset="0"/>
+              </a:rPr>
+              <a:t>dbt</a:t>
+            </a:r>
+            <a:r>
+              <a:rPr lang="en-IN" sz="2600" b="0" i="0" dirty="0">
+                <a:solidFill>
+                  <a:srgbClr val="36394D"/>
+                </a:solidFill>
+                <a:effectLst/>
+                <a:latin typeface="Source Sans Pro" panose="020B0503030403020204" pitchFamily="34" charset="0"/>
+              </a:rPr>
+              <a:t> we can create our final data products using modularity.</a:t>
+            </a:r>
+          </a:p>
+          <a:p>
+            <a:pPr algn="l">
+              <a:buFont typeface="Arial" panose="020B0604020202020204" pitchFamily="34" charset="0"/>
+              <a:buChar char="•"/>
+            </a:pPr>
+            <a:r>
+              <a:rPr lang="en-IN" sz="2600" b="1" i="0" dirty="0">
+                <a:solidFill>
+                  <a:srgbClr val="36394D"/>
+                </a:solidFill>
+                <a:effectLst/>
+                <a:latin typeface="Source Sans Pro" panose="020B0503030403020204" pitchFamily="34" charset="0"/>
+              </a:rPr>
+              <a:t>Modularity</a:t>
+            </a:r>
+            <a:r>
+              <a:rPr lang="en-IN" sz="2600" b="0" i="0" dirty="0">
+                <a:solidFill>
+                  <a:srgbClr val="36394D"/>
+                </a:solidFill>
+                <a:effectLst/>
+                <a:latin typeface="Source Sans Pro" panose="020B0503030403020204" pitchFamily="34" charset="0"/>
+              </a:rPr>
+              <a:t> is the degree to which a system's components may be separated and recombined, often with the benefit of flexibility and variety in use.</a:t>
+            </a:r>
+          </a:p>
+          <a:p>
+            <a:pPr algn="l">
+              <a:buFont typeface="Arial" panose="020B0604020202020204" pitchFamily="34" charset="0"/>
+              <a:buChar char="•"/>
+            </a:pPr>
+            <a:r>
+              <a:rPr lang="en-IN" sz="2600" b="0" i="0" dirty="0">
+                <a:solidFill>
+                  <a:srgbClr val="36394D"/>
+                </a:solidFill>
+                <a:effectLst/>
+                <a:latin typeface="Source Sans Pro" panose="020B0503030403020204" pitchFamily="34" charset="0"/>
+              </a:rPr>
+              <a:t>This allows us to build data artifacts in logical steps.</a:t>
+            </a:r>
+          </a:p>
+          <a:p>
+            <a:pPr algn="l">
+              <a:buFont typeface="Arial" panose="020B0604020202020204" pitchFamily="34" charset="0"/>
+              <a:buChar char="•"/>
+            </a:pPr>
+            <a:r>
+              <a:rPr lang="en-IN" sz="2600" b="0" i="0" dirty="0">
+                <a:solidFill>
+                  <a:srgbClr val="36394D"/>
+                </a:solidFill>
+                <a:effectLst/>
+                <a:latin typeface="Source Sans Pro" panose="020B0503030403020204" pitchFamily="34" charset="0"/>
+              </a:rPr>
+              <a:t>For example, we can stage the raw customers and orders data to shape it into what we want it to look like. Then we can build a model that references both of these to build the final </a:t>
+            </a:r>
+            <a:r>
+              <a:rPr lang="en-IN" sz="2600" b="0" i="0" dirty="0" err="1">
+                <a:solidFill>
+                  <a:srgbClr val="36394D"/>
+                </a:solidFill>
+                <a:effectLst/>
+                <a:latin typeface="Source Sans Pro" panose="020B0503030403020204" pitchFamily="34" charset="0"/>
+              </a:rPr>
+              <a:t>dim_customers</a:t>
+            </a:r>
+            <a:r>
+              <a:rPr lang="en-IN" sz="2600" b="0" i="0" dirty="0">
+                <a:solidFill>
+                  <a:srgbClr val="36394D"/>
+                </a:solidFill>
+                <a:effectLst/>
+                <a:latin typeface="Source Sans Pro" panose="020B0503030403020204" pitchFamily="34" charset="0"/>
+              </a:rPr>
+              <a:t> model.</a:t>
+            </a:r>
+          </a:p>
+          <a:p>
+            <a:pPr algn="l">
+              <a:buFont typeface="Arial" panose="020B0604020202020204" pitchFamily="34" charset="0"/>
+              <a:buChar char="•"/>
+            </a:pPr>
+            <a:r>
+              <a:rPr lang="en-IN" sz="2600" b="0" i="0" dirty="0">
+                <a:solidFill>
+                  <a:srgbClr val="36394D"/>
+                </a:solidFill>
+                <a:effectLst/>
+                <a:latin typeface="Source Sans Pro" panose="020B0503030403020204" pitchFamily="34" charset="0"/>
+              </a:rPr>
+              <a:t>Thinking modularly is how software engineers build applications. Models can be leveraged to apply this modular thinking to analytics engineering.</a:t>
+            </a:r>
+          </a:p>
+          <a:p>
+            <a:endParaRPr lang="en-IN" dirty="0"/>
+          </a:p>
+        </p:txBody>
+      </p:sp>
+    </p:spTree>
+    <p:extLst>
+      <p:ext uri="{BB962C8B-B14F-4D97-AF65-F5344CB8AC3E}">
+        <p14:creationId xmlns:p14="http://schemas.microsoft.com/office/powerpoint/2010/main" val="1993881817"/>
+      </p:ext>
+    </p:extLst>
+  </p:cSld>
+  <p:clrMapOvr>
+    <a:masterClrMapping/>
+  </p:clrMapOvr>
+</p:sld>
+</file>
+
+<file path=ppt/slides/slide12.xml><?xml version="1.0" encoding="utf-8"?>
+<p:sld xmlns:a="http://schemas.openxmlformats.org/drawingml/2006/main" xmlns:r="http://schemas.openxmlformats.org/officeDocument/2006/relationships" xmlns:p="http://schemas.openxmlformats.org/presentationml/2006/main">
+  <p:cSld>
+    <p:spTree>
+      <p:nvGrpSpPr>
+        <p:cNvPr id="1" name=""/>
+        <p:cNvGrpSpPr/>
+        <p:nvPr/>
+      </p:nvGrpSpPr>
+      <p:grpSpPr>
+        <a:xfrm>
+          <a:off x="0" y="0"/>
+          <a:ext cx="0" cy="0"/>
+          <a:chOff x="0" y="0"/>
+          <a:chExt cx="0" cy="0"/>
+        </a:xfrm>
+      </p:grpSpPr>
+      <p:sp>
+        <p:nvSpPr>
+          <p:cNvPr id="2" name="Title 1">
+            <a:extLst>
+              <a:ext uri="{FF2B5EF4-FFF2-40B4-BE49-F238E27FC236}">
+                <a16:creationId xmlns:a16="http://schemas.microsoft.com/office/drawing/2014/main" id="{40042879-D61E-9124-F3CE-65B9BD17BB76}"/>
+              </a:ext>
+            </a:extLst>
+          </p:cNvPr>
+          <p:cNvSpPr>
+            <a:spLocks noGrp="1"/>
+          </p:cNvSpPr>
+          <p:nvPr>
+            <p:ph type="title"/>
+          </p:nvPr>
+        </p:nvSpPr>
+        <p:spPr>
+          <a:xfrm>
+            <a:off x="838200" y="365126"/>
+            <a:ext cx="10258425" cy="882650"/>
+          </a:xfrm>
+        </p:spPr>
+        <p:txBody>
+          <a:bodyPr/>
+          <a:lstStyle/>
+          <a:p>
+            <a:r>
+              <a:rPr lang="en-IN" dirty="0" err="1"/>
+              <a:t>Sources.yml</a:t>
+            </a:r>
+            <a:endParaRPr lang="en-IN" dirty="0"/>
+          </a:p>
+        </p:txBody>
+      </p:sp>
+      <p:sp>
+        <p:nvSpPr>
+          <p:cNvPr id="3" name="Content Placeholder 2">
+            <a:extLst>
+              <a:ext uri="{FF2B5EF4-FFF2-40B4-BE49-F238E27FC236}">
+                <a16:creationId xmlns:a16="http://schemas.microsoft.com/office/drawing/2014/main" id="{0D7F287D-A819-CBB3-6643-1FE6236E46A8}"/>
+              </a:ext>
+            </a:extLst>
+          </p:cNvPr>
+          <p:cNvSpPr>
+            <a:spLocks noGrp="1"/>
+          </p:cNvSpPr>
+          <p:nvPr>
+            <p:ph idx="1"/>
+          </p:nvPr>
+        </p:nvSpPr>
+        <p:spPr>
+          <a:xfrm>
+            <a:off x="673768" y="1247776"/>
+            <a:ext cx="10680032" cy="4929187"/>
+          </a:xfrm>
+        </p:spPr>
+        <p:txBody>
+          <a:bodyPr>
+            <a:normAutofit/>
+          </a:bodyPr>
+          <a:lstStyle/>
+          <a:p>
+            <a:pPr marL="0" indent="0">
+              <a:buNone/>
+            </a:pPr>
+            <a:r>
+              <a:rPr lang="en-IN" sz="1000" b="0" i="0" dirty="0">
+                <a:solidFill>
+                  <a:srgbClr val="FFFFFF"/>
+                </a:solidFill>
+                <a:effectLst/>
+                <a:latin typeface="SF-Mono-Regular"/>
+              </a:rPr>
+              <a:t>version: </a:t>
+            </a:r>
+            <a:r>
+              <a:rPr lang="en-IN" sz="1000" b="0" i="0" dirty="0">
+                <a:solidFill>
+                  <a:srgbClr val="D1F1A9"/>
+                </a:solidFill>
+                <a:effectLst/>
+                <a:latin typeface="SF-Mono-Regular"/>
+              </a:rPr>
+              <a:t>2</a:t>
+            </a:r>
+            <a:br>
+              <a:rPr lang="en-IN" sz="1000" dirty="0"/>
+            </a:br>
+            <a:br>
+              <a:rPr lang="en-IN" sz="1200" dirty="0"/>
+            </a:br>
+            <a:r>
+              <a:rPr lang="en-IN" sz="2400" b="0" i="0" dirty="0">
+                <a:effectLst/>
+              </a:rPr>
+              <a:t>sources:</a:t>
+            </a:r>
+            <a:br>
+              <a:rPr lang="en-IN" sz="2400" dirty="0"/>
+            </a:br>
+            <a:r>
+              <a:rPr lang="en-IN" sz="2400" b="0" i="0" dirty="0">
+                <a:effectLst/>
+              </a:rPr>
+              <a:t>  - name: </a:t>
+            </a:r>
+            <a:r>
+              <a:rPr lang="en-IN" sz="2400" b="0" i="0" dirty="0" err="1">
+                <a:effectLst/>
+              </a:rPr>
+              <a:t>jaffle_shop</a:t>
+            </a:r>
+            <a:br>
+              <a:rPr lang="en-IN" sz="2400" dirty="0"/>
+            </a:br>
+            <a:r>
+              <a:rPr lang="en-IN" sz="2400" b="0" i="0" dirty="0">
+                <a:effectLst/>
+              </a:rPr>
+              <a:t>    database: raw</a:t>
+            </a:r>
+            <a:br>
+              <a:rPr lang="en-IN" sz="2400" dirty="0"/>
+            </a:br>
+            <a:r>
+              <a:rPr lang="en-IN" sz="2400" b="0" i="0" dirty="0">
+                <a:effectLst/>
+              </a:rPr>
+              <a:t>    schema: </a:t>
+            </a:r>
+            <a:r>
+              <a:rPr lang="en-IN" sz="2400" b="0" i="0" dirty="0" err="1">
+                <a:effectLst/>
+              </a:rPr>
+              <a:t>jaffle_shop</a:t>
+            </a:r>
+            <a:br>
+              <a:rPr lang="en-IN" sz="2400" dirty="0"/>
+            </a:br>
+            <a:r>
+              <a:rPr lang="en-IN" sz="2400" b="0" i="0" dirty="0">
+                <a:effectLst/>
+              </a:rPr>
+              <a:t>    tables:</a:t>
+            </a:r>
+            <a:br>
+              <a:rPr lang="en-IN" sz="2400" dirty="0"/>
+            </a:br>
+            <a:r>
+              <a:rPr lang="en-IN" sz="2400" b="0" i="0" dirty="0">
+                <a:effectLst/>
+              </a:rPr>
+              <a:t>      - name: customers</a:t>
+            </a:r>
+            <a:br>
+              <a:rPr lang="en-IN" sz="2400" dirty="0"/>
+            </a:br>
+            <a:r>
+              <a:rPr lang="en-IN" sz="2400" b="0" i="0" dirty="0">
+                <a:effectLst/>
+              </a:rPr>
+              <a:t>      - name: orders</a:t>
+            </a:r>
+            <a:br>
+              <a:rPr lang="en-IN" sz="2400" dirty="0"/>
+            </a:br>
+            <a:endParaRPr lang="en-IN" sz="2400" dirty="0"/>
+          </a:p>
+          <a:p>
+            <a:pPr marL="0" indent="0">
+              <a:buNone/>
+            </a:pPr>
+            <a:r>
+              <a:rPr lang="en-IN" sz="2400" dirty="0"/>
+              <a:t>Note: Tests can be added for the sources also. So that we can know if there is any error in source data we got.</a:t>
+            </a:r>
+          </a:p>
+        </p:txBody>
+      </p:sp>
+    </p:spTree>
+    <p:extLst>
+      <p:ext uri="{BB962C8B-B14F-4D97-AF65-F5344CB8AC3E}">
+        <p14:creationId xmlns:p14="http://schemas.microsoft.com/office/powerpoint/2010/main" val="1851130113"/>
+      </p:ext>
+    </p:extLst>
+  </p:cSld>
+  <p:clrMapOvr>
+    <a:masterClrMapping/>
+  </p:clrMapOvr>
+</p:sld>
+</file>
+
+<file path=ppt/slides/slide13.xml><?xml version="1.0" encoding="utf-8"?>
+<p:sld xmlns:a="http://schemas.openxmlformats.org/drawingml/2006/main" xmlns:r="http://schemas.openxmlformats.org/officeDocument/2006/relationships" xmlns:p="http://schemas.openxmlformats.org/presentationml/2006/main">
+  <p:cSld>
+    <p:spTree>
+      <p:nvGrpSpPr>
+        <p:cNvPr id="1" name=""/>
+        <p:cNvGrpSpPr/>
+        <p:nvPr/>
+      </p:nvGrpSpPr>
+      <p:grpSpPr>
+        <a:xfrm>
+          <a:off x="0" y="0"/>
+          <a:ext cx="0" cy="0"/>
+          <a:chOff x="0" y="0"/>
+          <a:chExt cx="0" cy="0"/>
+        </a:xfrm>
+      </p:grpSpPr>
+      <p:sp>
+        <p:nvSpPr>
+          <p:cNvPr id="2" name="Title 1">
+            <a:extLst>
+              <a:ext uri="{FF2B5EF4-FFF2-40B4-BE49-F238E27FC236}">
+                <a16:creationId xmlns:a16="http://schemas.microsoft.com/office/drawing/2014/main" id="{D14E5CE6-9FA3-0F6E-AAA5-F714F31A626D}"/>
+              </a:ext>
+            </a:extLst>
+          </p:cNvPr>
+          <p:cNvSpPr>
+            <a:spLocks noGrp="1"/>
+          </p:cNvSpPr>
+          <p:nvPr>
+            <p:ph type="title"/>
+          </p:nvPr>
+        </p:nvSpPr>
+        <p:spPr>
+          <a:xfrm>
+            <a:off x="677334" y="609600"/>
+            <a:ext cx="8596668" cy="814939"/>
+          </a:xfrm>
+        </p:spPr>
+        <p:txBody>
+          <a:bodyPr/>
+          <a:lstStyle/>
+          <a:p>
+            <a:r>
+              <a:rPr lang="en-US" dirty="0"/>
+              <a:t>Custom Schema’s</a:t>
+            </a:r>
+            <a:endParaRPr lang="en-IN" dirty="0"/>
+          </a:p>
+        </p:txBody>
+      </p:sp>
+      <p:sp>
+        <p:nvSpPr>
+          <p:cNvPr id="3" name="Content Placeholder 2">
+            <a:extLst>
+              <a:ext uri="{FF2B5EF4-FFF2-40B4-BE49-F238E27FC236}">
+                <a16:creationId xmlns:a16="http://schemas.microsoft.com/office/drawing/2014/main" id="{43604706-DF12-ED33-6BF1-1F990105F248}"/>
+              </a:ext>
+            </a:extLst>
+          </p:cNvPr>
+          <p:cNvSpPr>
+            <a:spLocks noGrp="1"/>
+          </p:cNvSpPr>
+          <p:nvPr>
+            <p:ph idx="1"/>
+          </p:nvPr>
+        </p:nvSpPr>
+        <p:spPr>
+          <a:xfrm>
+            <a:off x="677334" y="1424539"/>
+            <a:ext cx="8596668" cy="4616823"/>
+          </a:xfrm>
+        </p:spPr>
+        <p:txBody>
+          <a:bodyPr/>
+          <a:lstStyle/>
+          <a:p>
+            <a:r>
+              <a:rPr lang="en-US" dirty="0"/>
+              <a:t>All the schema’s would be built in the target we specify in the </a:t>
+            </a:r>
+            <a:r>
+              <a:rPr lang="en-US" dirty="0" err="1"/>
+              <a:t>profiles.yml</a:t>
+            </a:r>
+            <a:r>
+              <a:rPr lang="en-US" dirty="0"/>
+              <a:t>. In projects with lots of models/tables we can build them in separate schema’s in same database.</a:t>
+            </a:r>
+          </a:p>
+          <a:p>
+            <a:r>
+              <a:rPr lang="en-US" b="0" i="0" dirty="0">
+                <a:solidFill>
+                  <a:srgbClr val="262A38"/>
+                </a:solidFill>
+                <a:effectLst/>
+                <a:latin typeface="Source Sans Pro" panose="020B0503030403020204" pitchFamily="34" charset="0"/>
+              </a:rPr>
+              <a:t>You can use </a:t>
+            </a:r>
+            <a:r>
+              <a:rPr lang="en-US" b="1" i="0" dirty="0">
+                <a:solidFill>
+                  <a:srgbClr val="262A38"/>
+                </a:solidFill>
+                <a:effectLst/>
+                <a:latin typeface="Source Sans Pro" panose="020B0503030403020204" pitchFamily="34" charset="0"/>
+              </a:rPr>
+              <a:t>custom schemas</a:t>
+            </a:r>
+            <a:r>
+              <a:rPr lang="en-US" b="0" i="0" dirty="0">
+                <a:solidFill>
+                  <a:srgbClr val="262A38"/>
+                </a:solidFill>
+                <a:effectLst/>
+                <a:latin typeface="Source Sans Pro" panose="020B0503030403020204" pitchFamily="34" charset="0"/>
+              </a:rPr>
+              <a:t> in </a:t>
+            </a:r>
+            <a:r>
+              <a:rPr lang="en-US" b="0" i="0" dirty="0" err="1">
+                <a:solidFill>
+                  <a:srgbClr val="262A38"/>
+                </a:solidFill>
+                <a:effectLst/>
+                <a:latin typeface="Source Sans Pro" panose="020B0503030403020204" pitchFamily="34" charset="0"/>
+              </a:rPr>
+              <a:t>dbt</a:t>
+            </a:r>
+            <a:r>
+              <a:rPr lang="en-US" b="0" i="0" dirty="0">
+                <a:solidFill>
+                  <a:srgbClr val="262A38"/>
+                </a:solidFill>
+                <a:effectLst/>
+                <a:latin typeface="Source Sans Pro" panose="020B0503030403020204" pitchFamily="34" charset="0"/>
+              </a:rPr>
+              <a:t> to build models in a schema other than your target schema.</a:t>
+            </a:r>
+          </a:p>
+          <a:p>
+            <a:r>
+              <a:rPr lang="en-US" dirty="0" err="1"/>
+              <a:t>dbt</a:t>
+            </a:r>
+            <a:r>
+              <a:rPr lang="en-US" dirty="0"/>
+              <a:t> will generate the schema name for a model by concatenating the custom schema to the target schema, as in: </a:t>
+            </a:r>
+            <a:r>
+              <a:rPr lang="en-US" b="1" dirty="0"/>
+              <a:t>&lt;</a:t>
+            </a:r>
+            <a:r>
+              <a:rPr lang="en-US" b="1" dirty="0" err="1"/>
+              <a:t>target_schema</a:t>
+            </a:r>
+            <a:r>
+              <a:rPr lang="en-US" b="1" dirty="0"/>
+              <a:t>&gt;_&lt;</a:t>
+            </a:r>
+            <a:r>
+              <a:rPr lang="en-US" b="1" dirty="0" err="1"/>
+              <a:t>custom_schema</a:t>
+            </a:r>
+            <a:r>
+              <a:rPr lang="en-US" b="1" dirty="0"/>
+              <a:t>&gt;;</a:t>
+            </a:r>
+          </a:p>
+          <a:p>
+            <a:r>
+              <a:rPr lang="en-US" b="1" dirty="0"/>
+              <a:t>Ex: </a:t>
+            </a:r>
+            <a:r>
+              <a:rPr lang="en-US" dirty="0"/>
+              <a:t> </a:t>
+            </a:r>
+            <a:r>
+              <a:rPr lang="en-US" dirty="0" err="1"/>
+              <a:t>Target_schema</a:t>
+            </a:r>
+            <a:r>
+              <a:rPr lang="en-US" dirty="0"/>
+              <a:t>: Dev</a:t>
+            </a:r>
+          </a:p>
+          <a:p>
+            <a:pPr marL="0" indent="0">
+              <a:buNone/>
+            </a:pPr>
+            <a:r>
+              <a:rPr lang="en-US" b="1" dirty="0" err="1"/>
+              <a:t>Custom_schema</a:t>
+            </a:r>
+            <a:r>
+              <a:rPr lang="en-US" b="1" dirty="0"/>
+              <a:t>: </a:t>
+            </a:r>
+            <a:r>
+              <a:rPr lang="en-US" dirty="0"/>
+              <a:t>Staging</a:t>
+            </a:r>
+          </a:p>
+          <a:p>
+            <a:pPr marL="0" indent="0">
+              <a:buNone/>
+            </a:pPr>
+            <a:endParaRPr lang="en-IN" b="1" dirty="0"/>
+          </a:p>
+          <a:p>
+            <a:pPr marL="0" indent="0">
+              <a:buNone/>
+            </a:pPr>
+            <a:r>
+              <a:rPr lang="en-IN" dirty="0"/>
+              <a:t>So DBT run would build </a:t>
+            </a:r>
+            <a:r>
+              <a:rPr lang="en-IN" b="1" dirty="0" err="1"/>
+              <a:t>Dev_Staging</a:t>
+            </a:r>
+            <a:endParaRPr lang="en-IN" b="1" dirty="0"/>
+          </a:p>
+          <a:p>
+            <a:pPr marL="0" indent="0">
+              <a:buNone/>
+            </a:pPr>
+            <a:r>
+              <a:rPr lang="en-IN" b="0" i="0" dirty="0">
+                <a:solidFill>
+                  <a:schemeClr val="accent1">
+                    <a:lumMod val="75000"/>
+                  </a:schemeClr>
+                </a:solidFill>
+                <a:effectLst/>
+                <a:latin typeface="Source Code Pro" panose="020B0604020202020204" pitchFamily="49" charset="0"/>
+              </a:rPr>
+              <a:t>{{ config(schema=‘staging') }}</a:t>
+            </a:r>
+            <a:endParaRPr lang="en-IN" b="1" dirty="0">
+              <a:solidFill>
+                <a:schemeClr val="accent1">
+                  <a:lumMod val="75000"/>
+                </a:schemeClr>
+              </a:solidFill>
+            </a:endParaRPr>
+          </a:p>
+        </p:txBody>
+      </p:sp>
+    </p:spTree>
+    <p:extLst>
+      <p:ext uri="{BB962C8B-B14F-4D97-AF65-F5344CB8AC3E}">
+        <p14:creationId xmlns:p14="http://schemas.microsoft.com/office/powerpoint/2010/main" val="455944776"/>
+      </p:ext>
+    </p:extLst>
+  </p:cSld>
+  <p:clrMapOvr>
+    <a:masterClrMapping/>
+  </p:clrMapOvr>
+</p:sld>
+</file>
+
+<file path=ppt/slides/slide14.xml><?xml version="1.0" encoding="utf-8"?>
+<p:sld xmlns:a="http://schemas.openxmlformats.org/drawingml/2006/main" xmlns:r="http://schemas.openxmlformats.org/officeDocument/2006/relationships" xmlns:p="http://schemas.openxmlformats.org/presentationml/2006/main">
+  <p:cSld>
+    <p:spTree>
+      <p:nvGrpSpPr>
+        <p:cNvPr id="1" name=""/>
+        <p:cNvGrpSpPr/>
+        <p:nvPr/>
+      </p:nvGrpSpPr>
+      <p:grpSpPr>
+        <a:xfrm>
+          <a:off x="0" y="0"/>
+          <a:ext cx="0" cy="0"/>
+          <a:chOff x="0" y="0"/>
+          <a:chExt cx="0" cy="0"/>
+        </a:xfrm>
+      </p:grpSpPr>
+      <p:sp>
+        <p:nvSpPr>
+          <p:cNvPr id="2" name="Title 1">
+            <a:extLst>
+              <a:ext uri="{FF2B5EF4-FFF2-40B4-BE49-F238E27FC236}">
                 <a16:creationId xmlns:a16="http://schemas.microsoft.com/office/drawing/2014/main" id="{81A7FBC6-FC99-CD44-D521-90DA3911FAC0}"/>
               </a:ext>
             </a:extLst>
@@ -4660,7 +7604,7 @@
 </p:sld>
 </file>
 
-<file path=ppt/slides/slide12.xml><?xml version="1.0" encoding="utf-8"?>
+<file path=ppt/slides/slide15.xml><?xml version="1.0" encoding="utf-8"?>
 <p:sld xmlns:a="http://schemas.openxmlformats.org/drawingml/2006/main" xmlns:r="http://schemas.openxmlformats.org/officeDocument/2006/relationships" xmlns:p="http://schemas.openxmlformats.org/presentationml/2006/main">
   <p:cSld>
     <p:spTree>
@@ -4701,7 +7645,7 @@
         </p:blipFill>
         <p:spPr>
           <a:xfrm>
-            <a:off x="781050" y="118110"/>
+            <a:off x="309412" y="591577"/>
             <a:ext cx="9353792" cy="5963603"/>
           </a:xfrm>
         </p:spPr>
@@ -4719,7 +7663,7 @@
 </p:sld>
 </file>
 
-<file path=ppt/slides/slide13.xml><?xml version="1.0" encoding="utf-8"?>
+<file path=ppt/slides/slide16.xml><?xml version="1.0" encoding="utf-8"?>
 <p:sld xmlns:a="http://schemas.openxmlformats.org/drawingml/2006/main" xmlns:r="http://schemas.openxmlformats.org/officeDocument/2006/relationships" xmlns:p="http://schemas.openxmlformats.org/presentationml/2006/main">
   <p:cSld>
     <p:spTree>
@@ -4867,7 +7811,7 @@
 </p:sld>
 </file>
 
-<file path=ppt/slides/slide14.xml><?xml version="1.0" encoding="utf-8"?>
+<file path=ppt/slides/slide17.xml><?xml version="1.0" encoding="utf-8"?>
 <p:sld xmlns:a="http://schemas.openxmlformats.org/drawingml/2006/main" xmlns:r="http://schemas.openxmlformats.org/officeDocument/2006/relationships" xmlns:p="http://schemas.openxmlformats.org/presentationml/2006/main">
   <p:cSld>
     <p:spTree>
@@ -4936,7 +7880,7 @@
         </p:spPr>
         <p:txBody>
           <a:bodyPr>
-            <a:normAutofit lnSpcReduction="10000"/>
+            <a:normAutofit/>
           </a:bodyPr>
           <a:lstStyle/>
           <a:p>
@@ -5042,7 +7986,7 @@
 </p:sld>
 </file>
 
-<file path=ppt/slides/slide15.xml><?xml version="1.0" encoding="utf-8"?>
+<file path=ppt/slides/slide18.xml><?xml version="1.0" encoding="utf-8"?>
 <p:sld xmlns:a="http://schemas.openxmlformats.org/drawingml/2006/main" xmlns:r="http://schemas.openxmlformats.org/officeDocument/2006/relationships" xmlns:p="http://schemas.openxmlformats.org/presentationml/2006/main">
   <p:cSld>
     <p:spTree>
@@ -5209,7 +8153,7 @@
 </p:sld>
 </file>
 
-<file path=ppt/slides/slide16.xml><?xml version="1.0" encoding="utf-8"?>
+<file path=ppt/slides/slide19.xml><?xml version="1.0" encoding="utf-8"?>
 <p:sld xmlns:a="http://schemas.openxmlformats.org/drawingml/2006/main" xmlns:r="http://schemas.openxmlformats.org/officeDocument/2006/relationships" xmlns:p="http://schemas.openxmlformats.org/presentationml/2006/main">
   <p:cSld>
     <p:spTree>
@@ -5286,7 +8230,7 @@
         </p:spPr>
         <p:txBody>
           <a:bodyPr>
-            <a:normAutofit lnSpcReduction="10000"/>
+            <a:normAutofit fontScale="92500" lnSpcReduction="10000"/>
           </a:bodyPr>
           <a:lstStyle/>
           <a:p>
@@ -5943,7 +8887,110 @@
 </p:sld>
 </file>
 
-<file path=ppt/slides/slide17.xml><?xml version="1.0" encoding="utf-8"?>
+<file path=ppt/slides/slide2.xml><?xml version="1.0" encoding="utf-8"?>
+<p:sld xmlns:a="http://schemas.openxmlformats.org/drawingml/2006/main" xmlns:r="http://schemas.openxmlformats.org/officeDocument/2006/relationships" xmlns:p="http://schemas.openxmlformats.org/presentationml/2006/main">
+  <p:cSld>
+    <p:spTree>
+      <p:nvGrpSpPr>
+        <p:cNvPr id="1" name=""/>
+        <p:cNvGrpSpPr/>
+        <p:nvPr/>
+      </p:nvGrpSpPr>
+      <p:grpSpPr>
+        <a:xfrm>
+          <a:off x="0" y="0"/>
+          <a:ext cx="0" cy="0"/>
+          <a:chOff x="0" y="0"/>
+          <a:chExt cx="0" cy="0"/>
+        </a:xfrm>
+      </p:grpSpPr>
+      <p:sp>
+        <p:nvSpPr>
+          <p:cNvPr id="2" name="Title 1">
+            <a:extLst>
+              <a:ext uri="{FF2B5EF4-FFF2-40B4-BE49-F238E27FC236}">
+                <a16:creationId xmlns:a16="http://schemas.microsoft.com/office/drawing/2014/main" id="{4E44D7CD-F851-9D71-9418-F128299EFD50}"/>
+              </a:ext>
+            </a:extLst>
+          </p:cNvPr>
+          <p:cNvSpPr>
+            <a:spLocks noGrp="1"/>
+          </p:cNvSpPr>
+          <p:nvPr>
+            <p:ph type="title"/>
+          </p:nvPr>
+        </p:nvSpPr>
+        <p:spPr/>
+        <p:txBody>
+          <a:bodyPr/>
+          <a:lstStyle/>
+          <a:p>
+            <a:r>
+              <a:rPr lang="en-IN" dirty="0"/>
+              <a:t>What is DBT?</a:t>
+            </a:r>
+          </a:p>
+        </p:txBody>
+      </p:sp>
+      <p:sp>
+        <p:nvSpPr>
+          <p:cNvPr id="3" name="Content Placeholder 2">
+            <a:extLst>
+              <a:ext uri="{FF2B5EF4-FFF2-40B4-BE49-F238E27FC236}">
+                <a16:creationId xmlns:a16="http://schemas.microsoft.com/office/drawing/2014/main" id="{62B1C8A7-376A-3490-1417-4C30DB7F6EC6}"/>
+              </a:ext>
+            </a:extLst>
+          </p:cNvPr>
+          <p:cNvSpPr>
+            <a:spLocks noGrp="1"/>
+          </p:cNvSpPr>
+          <p:nvPr>
+            <p:ph idx="1"/>
+          </p:nvPr>
+        </p:nvSpPr>
+        <p:spPr/>
+        <p:txBody>
+          <a:bodyPr/>
+          <a:lstStyle/>
+          <a:p>
+            <a:r>
+              <a:rPr lang="en-IN" dirty="0" err="1"/>
+              <a:t>dbt</a:t>
+            </a:r>
+            <a:r>
+              <a:rPr lang="en-IN" dirty="0"/>
+              <a:t> is a development framework that combines modular SQL with software engineering best practices to make data transformation reliable, fast, and fun.</a:t>
+            </a:r>
+          </a:p>
+          <a:p>
+            <a:r>
+              <a:rPr lang="en-IN" b="0" i="0" dirty="0">
+                <a:solidFill>
+                  <a:srgbClr val="202124"/>
+                </a:solidFill>
+                <a:effectLst/>
+                <a:latin typeface="Google Sans"/>
+              </a:rPr>
+              <a:t>The tool is mostly used by data analysts and engineers to work with data, by providing a consistent and standardized approach to data transformation and analysis.</a:t>
+            </a:r>
+            <a:endParaRPr lang="en-IN" dirty="0"/>
+          </a:p>
+        </p:txBody>
+      </p:sp>
+    </p:spTree>
+    <p:extLst>
+      <p:ext uri="{BB962C8B-B14F-4D97-AF65-F5344CB8AC3E}">
+        <p14:creationId xmlns:p14="http://schemas.microsoft.com/office/powerpoint/2010/main" val="2446742501"/>
+      </p:ext>
+    </p:extLst>
+  </p:cSld>
+  <p:clrMapOvr>
+    <a:masterClrMapping/>
+  </p:clrMapOvr>
+</p:sld>
+</file>
+
+<file path=ppt/slides/slide20.xml><?xml version="1.0" encoding="utf-8"?>
 <p:sld xmlns:a="http://schemas.openxmlformats.org/drawingml/2006/main" xmlns:r="http://schemas.openxmlformats.org/officeDocument/2006/relationships" xmlns:p="http://schemas.openxmlformats.org/presentationml/2006/main">
   <p:cSld>
     <p:spTree>
@@ -6117,629 +9164,6 @@
 </p:sld>
 </file>
 
-<file path=ppt/slides/slide18.xml><?xml version="1.0" encoding="utf-8"?>
-<p:sld xmlns:a="http://schemas.openxmlformats.org/drawingml/2006/main" xmlns:r="http://schemas.openxmlformats.org/officeDocument/2006/relationships" xmlns:p="http://schemas.openxmlformats.org/presentationml/2006/main">
-  <p:cSld>
-    <p:spTree>
-      <p:nvGrpSpPr>
-        <p:cNvPr id="1" name=""/>
-        <p:cNvGrpSpPr/>
-        <p:nvPr/>
-      </p:nvGrpSpPr>
-      <p:grpSpPr>
-        <a:xfrm>
-          <a:off x="0" y="0"/>
-          <a:ext cx="0" cy="0"/>
-          <a:chOff x="0" y="0"/>
-          <a:chExt cx="0" cy="0"/>
-        </a:xfrm>
-      </p:grpSpPr>
-      <p:sp>
-        <p:nvSpPr>
-          <p:cNvPr id="2" name="Title 1">
-            <a:extLst>
-              <a:ext uri="{FF2B5EF4-FFF2-40B4-BE49-F238E27FC236}">
-                <a16:creationId xmlns:a16="http://schemas.microsoft.com/office/drawing/2014/main" id="{4DFAA4F4-D4C0-E2AA-AF7C-2A89934A1BA3}"/>
-              </a:ext>
-            </a:extLst>
-          </p:cNvPr>
-          <p:cNvSpPr>
-            <a:spLocks noGrp="1"/>
-          </p:cNvSpPr>
-          <p:nvPr>
-            <p:ph type="title"/>
-          </p:nvPr>
-        </p:nvSpPr>
-        <p:spPr>
-          <a:xfrm>
-            <a:off x="838200" y="365126"/>
-            <a:ext cx="9829800" cy="615950"/>
-          </a:xfrm>
-        </p:spPr>
-        <p:txBody>
-          <a:bodyPr>
-            <a:normAutofit/>
-          </a:bodyPr>
-          <a:lstStyle/>
-          <a:p>
-            <a:r>
-              <a:rPr lang="en-IN" sz="3200" dirty="0" err="1"/>
-              <a:t>Dbt_project.yml</a:t>
-            </a:r>
-            <a:endParaRPr lang="en-IN" sz="3200" dirty="0"/>
-          </a:p>
-        </p:txBody>
-      </p:sp>
-      <p:sp>
-        <p:nvSpPr>
-          <p:cNvPr id="3" name="Content Placeholder 2">
-            <a:extLst>
-              <a:ext uri="{FF2B5EF4-FFF2-40B4-BE49-F238E27FC236}">
-                <a16:creationId xmlns:a16="http://schemas.microsoft.com/office/drawing/2014/main" id="{76C21FDE-82DF-45A8-1430-C64D33BA7636}"/>
-              </a:ext>
-            </a:extLst>
-          </p:cNvPr>
-          <p:cNvSpPr>
-            <a:spLocks noGrp="1"/>
-          </p:cNvSpPr>
-          <p:nvPr>
-            <p:ph idx="1"/>
-          </p:nvPr>
-        </p:nvSpPr>
-        <p:spPr>
-          <a:xfrm>
-            <a:off x="650240" y="921544"/>
-            <a:ext cx="10703560" cy="5255419"/>
-          </a:xfrm>
-        </p:spPr>
-        <p:txBody>
-          <a:bodyPr>
-            <a:normAutofit/>
-          </a:bodyPr>
-          <a:lstStyle/>
-          <a:p>
-            <a:endParaRPr lang="en-IN" dirty="0"/>
-          </a:p>
-          <a:p>
-            <a:r>
-              <a:rPr lang="en-IN" sz="2000" dirty="0"/>
-              <a:t>The following is a list of  available</a:t>
-            </a:r>
-            <a:br>
-              <a:rPr lang="en-IN" sz="2000" dirty="0"/>
-            </a:br>
-            <a:r>
-              <a:rPr lang="en-IN" sz="2000" dirty="0"/>
-              <a:t>configurations </a:t>
-            </a:r>
-            <a:br>
-              <a:rPr lang="en-IN" sz="2000" dirty="0"/>
-            </a:br>
-            <a:r>
-              <a:rPr lang="en-IN" sz="2000" dirty="0"/>
-              <a:t>in the </a:t>
-            </a:r>
-            <a:r>
-              <a:rPr lang="en-IN" sz="2000" dirty="0" err="1"/>
-              <a:t>dbt_project.yml</a:t>
-            </a:r>
-            <a:r>
-              <a:rPr lang="en-IN" sz="2000" dirty="0"/>
-              <a:t> file</a:t>
-            </a:r>
-            <a:r>
-              <a:rPr lang="en-IN" dirty="0"/>
-              <a:t>. </a:t>
-            </a:r>
-          </a:p>
-          <a:p>
-            <a:endParaRPr lang="en-IN" dirty="0"/>
-          </a:p>
-        </p:txBody>
-      </p:sp>
-      <p:pic>
-        <p:nvPicPr>
-          <p:cNvPr id="5" name="Picture 4">
-            <a:extLst>
-              <a:ext uri="{FF2B5EF4-FFF2-40B4-BE49-F238E27FC236}">
-                <a16:creationId xmlns:a16="http://schemas.microsoft.com/office/drawing/2014/main" id="{514D831C-7F74-B828-056F-B417BE9D9F55}"/>
-              </a:ext>
-            </a:extLst>
-          </p:cNvPr>
-          <p:cNvPicPr>
-            <a:picLocks noChangeAspect="1"/>
-          </p:cNvPicPr>
-          <p:nvPr/>
-        </p:nvPicPr>
-        <p:blipFill>
-          <a:blip r:embed="rId2"/>
-          <a:stretch>
-            <a:fillRect/>
-          </a:stretch>
-        </p:blipFill>
-        <p:spPr>
-          <a:xfrm>
-            <a:off x="4725670" y="921544"/>
-            <a:ext cx="5731313" cy="5469096"/>
-          </a:xfrm>
-          <a:prstGeom prst="rect">
-            <a:avLst/>
-          </a:prstGeom>
-        </p:spPr>
-      </p:pic>
-    </p:spTree>
-    <p:extLst>
-      <p:ext uri="{BB962C8B-B14F-4D97-AF65-F5344CB8AC3E}">
-        <p14:creationId xmlns:p14="http://schemas.microsoft.com/office/powerpoint/2010/main" val="3821069274"/>
-      </p:ext>
-    </p:extLst>
-  </p:cSld>
-  <p:clrMapOvr>
-    <a:masterClrMapping/>
-  </p:clrMapOvr>
-</p:sld>
-</file>
-
-<file path=ppt/slides/slide19.xml><?xml version="1.0" encoding="utf-8"?>
-<p:sld xmlns:a="http://schemas.openxmlformats.org/drawingml/2006/main" xmlns:r="http://schemas.openxmlformats.org/officeDocument/2006/relationships" xmlns:p="http://schemas.openxmlformats.org/presentationml/2006/main">
-  <p:cSld>
-    <p:spTree>
-      <p:nvGrpSpPr>
-        <p:cNvPr id="1" name=""/>
-        <p:cNvGrpSpPr/>
-        <p:nvPr/>
-      </p:nvGrpSpPr>
-      <p:grpSpPr>
-        <a:xfrm>
-          <a:off x="0" y="0"/>
-          <a:ext cx="0" cy="0"/>
-          <a:chOff x="0" y="0"/>
-          <a:chExt cx="0" cy="0"/>
-        </a:xfrm>
-      </p:grpSpPr>
-      <p:sp>
-        <p:nvSpPr>
-          <p:cNvPr id="2" name="Title 1">
-            <a:extLst>
-              <a:ext uri="{FF2B5EF4-FFF2-40B4-BE49-F238E27FC236}">
-                <a16:creationId xmlns:a16="http://schemas.microsoft.com/office/drawing/2014/main" id="{A1438846-E022-173F-48CA-682518AA9CEA}"/>
-              </a:ext>
-            </a:extLst>
-          </p:cNvPr>
-          <p:cNvSpPr>
-            <a:spLocks noGrp="1"/>
-          </p:cNvSpPr>
-          <p:nvPr>
-            <p:ph type="title"/>
-          </p:nvPr>
-        </p:nvSpPr>
-        <p:spPr/>
-        <p:txBody>
-          <a:bodyPr/>
-          <a:lstStyle/>
-          <a:p>
-            <a:r>
-              <a:rPr lang="en-IN" dirty="0"/>
-              <a:t>Macros</a:t>
-            </a:r>
-          </a:p>
-        </p:txBody>
-      </p:sp>
-      <p:sp>
-        <p:nvSpPr>
-          <p:cNvPr id="3" name="Content Placeholder 2">
-            <a:extLst>
-              <a:ext uri="{FF2B5EF4-FFF2-40B4-BE49-F238E27FC236}">
-                <a16:creationId xmlns:a16="http://schemas.microsoft.com/office/drawing/2014/main" id="{C62BC4AB-36DF-323F-FD54-9851E7CE2D92}"/>
-              </a:ext>
-            </a:extLst>
-          </p:cNvPr>
-          <p:cNvSpPr>
-            <a:spLocks noGrp="1"/>
-          </p:cNvSpPr>
-          <p:nvPr>
-            <p:ph idx="1"/>
-          </p:nvPr>
-        </p:nvSpPr>
-        <p:spPr/>
-        <p:txBody>
-          <a:bodyPr>
-            <a:normAutofit lnSpcReduction="10000"/>
-          </a:bodyPr>
-          <a:lstStyle/>
-          <a:p>
-            <a:pPr algn="l"/>
-            <a:r>
-              <a:rPr lang="en-IN" b="1" i="0" dirty="0">
-                <a:solidFill>
-                  <a:srgbClr val="36394D"/>
-                </a:solidFill>
-                <a:effectLst/>
-                <a:latin typeface="Source Sans Pro" panose="020B0503030403020204" pitchFamily="34" charset="0"/>
-              </a:rPr>
-              <a:t>Macros</a:t>
-            </a:r>
-            <a:r>
-              <a:rPr lang="en-IN" b="0" i="0" dirty="0">
-                <a:solidFill>
-                  <a:srgbClr val="36394D"/>
-                </a:solidFill>
-                <a:effectLst/>
-                <a:latin typeface="Source Sans Pro" panose="020B0503030403020204" pitchFamily="34" charset="0"/>
-              </a:rPr>
-              <a:t> are functions that are written in Jinja. This allows us to write generic logic once, and then reference that logic throughout our project.</a:t>
-            </a:r>
-          </a:p>
-          <a:p>
-            <a:pPr algn="l"/>
-            <a:r>
-              <a:rPr lang="en-IN" b="0" i="0" dirty="0">
-                <a:solidFill>
-                  <a:srgbClr val="36394D"/>
-                </a:solidFill>
-                <a:effectLst/>
-                <a:latin typeface="Source Sans Pro" panose="020B0503030403020204" pitchFamily="34" charset="0"/>
-              </a:rPr>
-              <a:t>Consider the case where we have three models that use the same logic. We could copy paste the logic between those three models. If we want to change that logic, we need to make the change in three different places.</a:t>
-            </a:r>
-          </a:p>
-          <a:p>
-            <a:pPr algn="l"/>
-            <a:r>
-              <a:rPr lang="en-IN" b="0" i="0" dirty="0">
-                <a:solidFill>
-                  <a:srgbClr val="36394D"/>
-                </a:solidFill>
-                <a:effectLst/>
-                <a:latin typeface="Source Sans Pro" panose="020B0503030403020204" pitchFamily="34" charset="0"/>
-              </a:rPr>
-              <a:t>Macros allow us to write that logic once in one place and then reference that logic in those three models. If we want to change the logic, we make that change in the definition of the macro and this is automatically used in those three models.</a:t>
-            </a:r>
-          </a:p>
-          <a:p>
-            <a:endParaRPr lang="en-IN" dirty="0"/>
-          </a:p>
-        </p:txBody>
-      </p:sp>
-    </p:spTree>
-    <p:extLst>
-      <p:ext uri="{BB962C8B-B14F-4D97-AF65-F5344CB8AC3E}">
-        <p14:creationId xmlns:p14="http://schemas.microsoft.com/office/powerpoint/2010/main" val="996765958"/>
-      </p:ext>
-    </p:extLst>
-  </p:cSld>
-  <p:clrMapOvr>
-    <a:masterClrMapping/>
-  </p:clrMapOvr>
-</p:sld>
-</file>
-
-<file path=ppt/slides/slide2.xml><?xml version="1.0" encoding="utf-8"?>
-<p:sld xmlns:a="http://schemas.openxmlformats.org/drawingml/2006/main" xmlns:r="http://schemas.openxmlformats.org/officeDocument/2006/relationships" xmlns:p="http://schemas.openxmlformats.org/presentationml/2006/main">
-  <p:cSld>
-    <p:spTree>
-      <p:nvGrpSpPr>
-        <p:cNvPr id="1" name=""/>
-        <p:cNvGrpSpPr/>
-        <p:nvPr/>
-      </p:nvGrpSpPr>
-      <p:grpSpPr>
-        <a:xfrm>
-          <a:off x="0" y="0"/>
-          <a:ext cx="0" cy="0"/>
-          <a:chOff x="0" y="0"/>
-          <a:chExt cx="0" cy="0"/>
-        </a:xfrm>
-      </p:grpSpPr>
-      <p:sp>
-        <p:nvSpPr>
-          <p:cNvPr id="2" name="Title 1">
-            <a:extLst>
-              <a:ext uri="{FF2B5EF4-FFF2-40B4-BE49-F238E27FC236}">
-                <a16:creationId xmlns:a16="http://schemas.microsoft.com/office/drawing/2014/main" id="{4E44D7CD-F851-9D71-9418-F128299EFD50}"/>
-              </a:ext>
-            </a:extLst>
-          </p:cNvPr>
-          <p:cNvSpPr>
-            <a:spLocks noGrp="1"/>
-          </p:cNvSpPr>
-          <p:nvPr>
-            <p:ph type="title"/>
-          </p:nvPr>
-        </p:nvSpPr>
-        <p:spPr/>
-        <p:txBody>
-          <a:bodyPr/>
-          <a:lstStyle/>
-          <a:p>
-            <a:r>
-              <a:rPr lang="en-IN" dirty="0"/>
-              <a:t>What is DBT?</a:t>
-            </a:r>
-          </a:p>
-        </p:txBody>
-      </p:sp>
-      <p:sp>
-        <p:nvSpPr>
-          <p:cNvPr id="3" name="Content Placeholder 2">
-            <a:extLst>
-              <a:ext uri="{FF2B5EF4-FFF2-40B4-BE49-F238E27FC236}">
-                <a16:creationId xmlns:a16="http://schemas.microsoft.com/office/drawing/2014/main" id="{62B1C8A7-376A-3490-1417-4C30DB7F6EC6}"/>
-              </a:ext>
-            </a:extLst>
-          </p:cNvPr>
-          <p:cNvSpPr>
-            <a:spLocks noGrp="1"/>
-          </p:cNvSpPr>
-          <p:nvPr>
-            <p:ph idx="1"/>
-          </p:nvPr>
-        </p:nvSpPr>
-        <p:spPr/>
-        <p:txBody>
-          <a:bodyPr/>
-          <a:lstStyle/>
-          <a:p>
-            <a:r>
-              <a:rPr lang="en-IN" dirty="0" err="1"/>
-              <a:t>dbt</a:t>
-            </a:r>
-            <a:r>
-              <a:rPr lang="en-IN" dirty="0"/>
-              <a:t> is a development framework that combines modular SQL with software engineering best practices to make data transformation reliable, fast, and fun.</a:t>
-            </a:r>
-          </a:p>
-          <a:p>
-            <a:r>
-              <a:rPr lang="en-IN" b="0" i="0" dirty="0">
-                <a:solidFill>
-                  <a:srgbClr val="202124"/>
-                </a:solidFill>
-                <a:effectLst/>
-                <a:latin typeface="Google Sans"/>
-              </a:rPr>
-              <a:t>The tool is mostly used by data analysts and engineers to work with data, by providing a consistent and standardized approach to data transformation and analysis.</a:t>
-            </a:r>
-            <a:endParaRPr lang="en-IN" dirty="0"/>
-          </a:p>
-        </p:txBody>
-      </p:sp>
-    </p:spTree>
-    <p:extLst>
-      <p:ext uri="{BB962C8B-B14F-4D97-AF65-F5344CB8AC3E}">
-        <p14:creationId xmlns:p14="http://schemas.microsoft.com/office/powerpoint/2010/main" val="2446742501"/>
-      </p:ext>
-    </p:extLst>
-  </p:cSld>
-  <p:clrMapOvr>
-    <a:masterClrMapping/>
-  </p:clrMapOvr>
-</p:sld>
-</file>
-
-<file path=ppt/slides/slide20.xml><?xml version="1.0" encoding="utf-8"?>
-<p:sld xmlns:a="http://schemas.openxmlformats.org/drawingml/2006/main" xmlns:r="http://schemas.openxmlformats.org/officeDocument/2006/relationships" xmlns:p="http://schemas.openxmlformats.org/presentationml/2006/main">
-  <p:cSld>
-    <p:spTree>
-      <p:nvGrpSpPr>
-        <p:cNvPr id="1" name=""/>
-        <p:cNvGrpSpPr/>
-        <p:nvPr/>
-      </p:nvGrpSpPr>
-      <p:grpSpPr>
-        <a:xfrm>
-          <a:off x="0" y="0"/>
-          <a:ext cx="0" cy="0"/>
-          <a:chOff x="0" y="0"/>
-          <a:chExt cx="0" cy="0"/>
-        </a:xfrm>
-      </p:grpSpPr>
-      <p:sp>
-        <p:nvSpPr>
-          <p:cNvPr id="2" name="Title 1">
-            <a:extLst>
-              <a:ext uri="{FF2B5EF4-FFF2-40B4-BE49-F238E27FC236}">
-                <a16:creationId xmlns:a16="http://schemas.microsoft.com/office/drawing/2014/main" id="{26DF278D-B89C-369A-3E76-C4A50C75CC2A}"/>
-              </a:ext>
-            </a:extLst>
-          </p:cNvPr>
-          <p:cNvSpPr>
-            <a:spLocks noGrp="1"/>
-          </p:cNvSpPr>
-          <p:nvPr>
-            <p:ph type="title"/>
-          </p:nvPr>
-        </p:nvSpPr>
-        <p:spPr>
-          <a:xfrm>
-            <a:off x="838200" y="253999"/>
-            <a:ext cx="10382250" cy="854075"/>
-          </a:xfrm>
-        </p:spPr>
-        <p:txBody>
-          <a:bodyPr/>
-          <a:lstStyle/>
-          <a:p>
-            <a:r>
-              <a:rPr lang="en-IN" b="1" dirty="0"/>
-              <a:t>Jinja</a:t>
-            </a:r>
-          </a:p>
-        </p:txBody>
-      </p:sp>
-      <p:sp>
-        <p:nvSpPr>
-          <p:cNvPr id="3" name="Content Placeholder 2">
-            <a:extLst>
-              <a:ext uri="{FF2B5EF4-FFF2-40B4-BE49-F238E27FC236}">
-                <a16:creationId xmlns:a16="http://schemas.microsoft.com/office/drawing/2014/main" id="{95B996CD-F53C-8F3E-804F-3F0EAFFB3ADC}"/>
-              </a:ext>
-            </a:extLst>
-          </p:cNvPr>
-          <p:cNvSpPr>
-            <a:spLocks noGrp="1"/>
-          </p:cNvSpPr>
-          <p:nvPr>
-            <p:ph idx="1"/>
-          </p:nvPr>
-        </p:nvSpPr>
-        <p:spPr>
-          <a:xfrm>
-            <a:off x="695325" y="1343025"/>
-            <a:ext cx="10658475" cy="4833938"/>
-          </a:xfrm>
-        </p:spPr>
-        <p:txBody>
-          <a:bodyPr/>
-          <a:lstStyle/>
-          <a:p>
-            <a:r>
-              <a:rPr lang="en-IN" b="0" i="0" dirty="0">
-                <a:solidFill>
-                  <a:srgbClr val="36394D"/>
-                </a:solidFill>
-                <a:effectLst/>
-                <a:latin typeface="Source Sans Pro" panose="020B0503030403020204" pitchFamily="34" charset="0"/>
-              </a:rPr>
-              <a:t>Jinja a templating language written in the python programming language. Jinja is used in </a:t>
-            </a:r>
-            <a:r>
-              <a:rPr lang="en-IN" b="0" i="0" dirty="0" err="1">
-                <a:solidFill>
-                  <a:srgbClr val="36394D"/>
-                </a:solidFill>
-                <a:effectLst/>
-                <a:latin typeface="Source Sans Pro" panose="020B0503030403020204" pitchFamily="34" charset="0"/>
-              </a:rPr>
-              <a:t>dbt</a:t>
-            </a:r>
-            <a:r>
-              <a:rPr lang="en-IN" b="0" i="0" dirty="0">
-                <a:solidFill>
-                  <a:srgbClr val="36394D"/>
-                </a:solidFill>
-                <a:effectLst/>
-                <a:latin typeface="Source Sans Pro" panose="020B0503030403020204" pitchFamily="34" charset="0"/>
-              </a:rPr>
-              <a:t> to write functional SQL.</a:t>
-            </a:r>
-          </a:p>
-          <a:p>
-            <a:r>
-              <a:rPr lang="en-IN" dirty="0">
-                <a:solidFill>
-                  <a:srgbClr val="36394D"/>
-                </a:solidFill>
-                <a:latin typeface="Source Sans Pro" panose="020B0503030403020204" pitchFamily="34" charset="0"/>
-              </a:rPr>
-              <a:t>{{% .. %}} is used for statements.</a:t>
-            </a:r>
-          </a:p>
-          <a:p>
-            <a:r>
-              <a:rPr lang="en-IN" dirty="0">
-                <a:solidFill>
-                  <a:srgbClr val="36394D"/>
-                </a:solidFill>
-                <a:latin typeface="Source Sans Pro" panose="020B0503030403020204" pitchFamily="34" charset="0"/>
-              </a:rPr>
-              <a:t>{{ ….}} is used for expressions.</a:t>
-            </a:r>
-          </a:p>
-          <a:p>
-            <a:r>
-              <a:rPr lang="en-IN" dirty="0">
-                <a:solidFill>
-                  <a:srgbClr val="36394D"/>
-                </a:solidFill>
-                <a:latin typeface="Source Sans Pro" panose="020B0503030403020204" pitchFamily="34" charset="0"/>
-              </a:rPr>
-              <a:t>{{# .. #} is used for comments</a:t>
-            </a:r>
-            <a:endParaRPr lang="en-IN" dirty="0"/>
-          </a:p>
-          <a:p>
-            <a:endParaRPr lang="en-IN" dirty="0"/>
-          </a:p>
-          <a:p>
-            <a:pPr algn="l"/>
-            <a:r>
-              <a:rPr lang="en-IN" dirty="0"/>
-              <a:t>Link to Jinja: </a:t>
-            </a:r>
-            <a:r>
-              <a:rPr lang="en-IN" b="0" i="0" dirty="0">
-                <a:solidFill>
-                  <a:srgbClr val="36394D"/>
-                </a:solidFill>
-                <a:effectLst/>
-                <a:latin typeface="Source Sans Pro" panose="020B0503030403020204" pitchFamily="34" charset="0"/>
-                <a:hlinkClick r:id="rId2"/>
-              </a:rPr>
-              <a:t>Jinja Template Designer Documentation</a:t>
-            </a:r>
-            <a:endParaRPr lang="en-IN" b="0" i="0" dirty="0">
-              <a:solidFill>
-                <a:srgbClr val="36394D"/>
-              </a:solidFill>
-              <a:effectLst/>
-              <a:latin typeface="Source Sans Pro" panose="020B0503030403020204" pitchFamily="34" charset="0"/>
-            </a:endParaRPr>
-          </a:p>
-          <a:p>
-            <a:r>
-              <a:rPr lang="en-IN" dirty="0">
-                <a:solidFill>
-                  <a:srgbClr val="36394D"/>
-                </a:solidFill>
-                <a:latin typeface="Source Sans Pro" panose="020B0503030403020204" pitchFamily="34" charset="0"/>
-              </a:rPr>
-              <a:t>Jinja Practice: </a:t>
-            </a:r>
-            <a:r>
-              <a:rPr lang="en-IN" b="0" i="0" dirty="0">
-                <a:solidFill>
-                  <a:srgbClr val="36394D"/>
-                </a:solidFill>
-                <a:effectLst/>
-                <a:latin typeface="Source Sans Pro" panose="020B0503030403020204" pitchFamily="34" charset="0"/>
-                <a:hlinkClick r:id="rId3"/>
-              </a:rPr>
-              <a:t>Jinja Live Parser</a:t>
-            </a:r>
-            <a:endParaRPr lang="en-IN" b="0" i="0" dirty="0">
-              <a:solidFill>
-                <a:srgbClr val="36394D"/>
-              </a:solidFill>
-              <a:effectLst/>
-              <a:latin typeface="Source Sans Pro" panose="020B0503030403020204" pitchFamily="34" charset="0"/>
-            </a:endParaRPr>
-          </a:p>
-          <a:p>
-            <a:pPr algn="l"/>
-            <a:endParaRPr lang="en-IN" b="0" i="0" dirty="0">
-              <a:solidFill>
-                <a:srgbClr val="36394D"/>
-              </a:solidFill>
-              <a:effectLst/>
-              <a:latin typeface="Source Sans Pro" panose="020B0503030403020204" pitchFamily="34" charset="0"/>
-            </a:endParaRPr>
-          </a:p>
-        </p:txBody>
-      </p:sp>
-    </p:spTree>
-    <p:extLst>
-      <p:ext uri="{BB962C8B-B14F-4D97-AF65-F5344CB8AC3E}">
-        <p14:creationId xmlns:p14="http://schemas.microsoft.com/office/powerpoint/2010/main" val="1015658230"/>
-      </p:ext>
-    </p:extLst>
-  </p:cSld>
-  <p:clrMapOvr>
-    <a:masterClrMapping/>
-  </p:clrMapOvr>
-</p:sld>
-</file>
-
 <file path=ppt/slides/slide21.xml><?xml version="1.0" encoding="utf-8"?>
 <p:sld xmlns:a="http://schemas.openxmlformats.org/drawingml/2006/main" xmlns:r="http://schemas.openxmlformats.org/officeDocument/2006/relationships" xmlns:p="http://schemas.openxmlformats.org/presentationml/2006/main">
   <p:cSld>
@@ -6762,7 +9186,7 @@
           <p:cNvPr id="2" name="Title 1">
             <a:extLst>
               <a:ext uri="{FF2B5EF4-FFF2-40B4-BE49-F238E27FC236}">
-                <a16:creationId xmlns:a16="http://schemas.microsoft.com/office/drawing/2014/main" id="{9A845A29-CDFF-D26D-069D-F4FC5B220F05}"/>
+                <a16:creationId xmlns:a16="http://schemas.microsoft.com/office/drawing/2014/main" id="{A1438846-E022-173F-48CA-682518AA9CEA}"/>
               </a:ext>
             </a:extLst>
           </p:cNvPr>
@@ -6779,14 +9203,9 @@
           <a:lstStyle/>
           <a:p>
             <a:r>
-              <a:rPr lang="en-US" b="1" u="sng" dirty="0" err="1"/>
-              <a:t>Github</a:t>
-            </a:r>
-            <a:r>
-              <a:rPr lang="en-US" b="1" u="sng" dirty="0"/>
-              <a:t> Actions</a:t>
-            </a:r>
-            <a:endParaRPr lang="en-IN" b="1" u="sng" dirty="0"/>
+              <a:rPr lang="en-IN" dirty="0"/>
+              <a:t>Macros</a:t>
+            </a:r>
           </a:p>
         </p:txBody>
       </p:sp>
@@ -6795,7 +9214,7 @@
           <p:cNvPr id="3" name="Content Placeholder 2">
             <a:extLst>
               <a:ext uri="{FF2B5EF4-FFF2-40B4-BE49-F238E27FC236}">
-                <a16:creationId xmlns:a16="http://schemas.microsoft.com/office/drawing/2014/main" id="{DC9A9EE1-BC2A-E641-500C-76FE23787B9F}"/>
+                <a16:creationId xmlns:a16="http://schemas.microsoft.com/office/drawing/2014/main" id="{C62BC4AB-36DF-323F-FD54-9851E7CE2D92}"/>
               </a:ext>
             </a:extLst>
           </p:cNvPr>
@@ -6808,31 +9227,60 @@
         </p:nvSpPr>
         <p:spPr/>
         <p:txBody>
-          <a:bodyPr/>
+          <a:bodyPr>
+            <a:normAutofit/>
+          </a:bodyPr>
           <a:lstStyle/>
           <a:p>
-            <a:r>
-              <a:rPr lang="en-US" b="0" i="0" dirty="0">
-                <a:solidFill>
-                  <a:srgbClr val="242424"/>
-                </a:solidFill>
-                <a:effectLst/>
-                <a:latin typeface="source-serif-pro"/>
-              </a:rPr>
-              <a:t>GitHub Actions is a powerful CI/CD pipeline automation tool for automating software development workflows and is fast becoming one of the go-to choices for pipeline orchestration.</a:t>
-            </a:r>
-          </a:p>
-          <a:p>
-            <a:r>
-              <a:rPr lang="en-US" b="0" i="0" dirty="0">
-                <a:solidFill>
-                  <a:srgbClr val="242424"/>
-                </a:solidFill>
-                <a:effectLst/>
-                <a:latin typeface="source-serif-pro"/>
-              </a:rPr>
-              <a:t>GitHub Actions is tightly integrated with the rest of the GitHub ecosystem, making pipelines easier to use and manage. GitHub Actions allows you to create workflows triggered by various events such as commits, pull requests, and releases. This allows you to automate pipelines that are tightly linked to your development process, thus reducing errors and increasing efficiency.</a:t>
-            </a:r>
+            <a:pPr algn="l"/>
+            <a:r>
+              <a:rPr lang="en-IN" b="1" i="0" dirty="0">
+                <a:solidFill>
+                  <a:srgbClr val="36394D"/>
+                </a:solidFill>
+                <a:effectLst/>
+                <a:latin typeface="Source Sans Pro" panose="020B0503030403020204" pitchFamily="34" charset="0"/>
+              </a:rPr>
+              <a:t>Macros</a:t>
+            </a:r>
+            <a:r>
+              <a:rPr lang="en-IN" b="0" i="0" dirty="0">
+                <a:solidFill>
+                  <a:srgbClr val="36394D"/>
+                </a:solidFill>
+                <a:effectLst/>
+                <a:latin typeface="Source Sans Pro" panose="020B0503030403020204" pitchFamily="34" charset="0"/>
+              </a:rPr>
+              <a:t> are functions that are written in Jinja. This allows us to write generic logic once, and then reference that logic throughout our project.</a:t>
+            </a:r>
+          </a:p>
+          <a:p>
+            <a:pPr algn="l"/>
+            <a:r>
+              <a:rPr lang="en-IN" b="0" i="0" dirty="0">
+                <a:solidFill>
+                  <a:srgbClr val="36394D"/>
+                </a:solidFill>
+                <a:effectLst/>
+                <a:latin typeface="Source Sans Pro" panose="020B0503030403020204" pitchFamily="34" charset="0"/>
+              </a:rPr>
+              <a:t>Consider the case where we have three models that use the same logic. We could copy paste the logic between those three models. If we want to change that logic, we need to make the change in three different places.</a:t>
+            </a:r>
+          </a:p>
+          <a:p>
+            <a:pPr algn="l"/>
+            <a:r>
+              <a:rPr lang="en-IN" b="0" i="0" dirty="0">
+                <a:solidFill>
+                  <a:srgbClr val="36394D"/>
+                </a:solidFill>
+                <a:effectLst/>
+                <a:latin typeface="Source Sans Pro" panose="020B0503030403020204" pitchFamily="34" charset="0"/>
+              </a:rPr>
+              <a:t>Macros allow us to write that logic once in one place and then reference that logic in those three models. If we want to change the logic, we make that change in the definition of the macro and this is automatically used in those three models.</a:t>
+            </a:r>
+          </a:p>
+          <a:p>
             <a:endParaRPr lang="en-IN" dirty="0"/>
           </a:p>
         </p:txBody>
@@ -6840,7 +9288,7 @@
     </p:spTree>
     <p:extLst>
       <p:ext uri="{BB962C8B-B14F-4D97-AF65-F5344CB8AC3E}">
-        <p14:creationId xmlns:p14="http://schemas.microsoft.com/office/powerpoint/2010/main" val="3705911144"/>
+        <p14:creationId xmlns:p14="http://schemas.microsoft.com/office/powerpoint/2010/main" val="996765958"/>
       </p:ext>
     </p:extLst>
   </p:cSld>
@@ -6872,7 +9320,7 @@
           <p:cNvPr id="2" name="Title 1">
             <a:extLst>
               <a:ext uri="{FF2B5EF4-FFF2-40B4-BE49-F238E27FC236}">
-                <a16:creationId xmlns:a16="http://schemas.microsoft.com/office/drawing/2014/main" id="{0C251D05-EA31-48A7-DA9D-3A50E22BC5D6}"/>
+                <a16:creationId xmlns:a16="http://schemas.microsoft.com/office/drawing/2014/main" id="{26DF278D-B89C-369A-3E76-C4A50C75CC2A}"/>
               </a:ext>
             </a:extLst>
           </p:cNvPr>
@@ -6885,29 +9333,18 @@
         </p:nvSpPr>
         <p:spPr>
           <a:xfrm>
-            <a:off x="838200" y="365125"/>
-            <a:ext cx="10404107" cy="674403"/>
+            <a:off x="838200" y="253999"/>
+            <a:ext cx="10382250" cy="854075"/>
           </a:xfrm>
         </p:spPr>
         <p:txBody>
-          <a:bodyPr>
-            <a:normAutofit/>
-          </a:bodyPr>
+          <a:bodyPr/>
           <a:lstStyle/>
           <a:p>
             <a:r>
-              <a:rPr lang="en-US" sz="3200" b="1" u="sng" dirty="0"/>
-              <a:t>.</a:t>
-            </a:r>
-            <a:r>
-              <a:rPr lang="en-US" sz="3200" b="1" u="sng" dirty="0" err="1"/>
-              <a:t>github</a:t>
-            </a:r>
-            <a:r>
-              <a:rPr lang="en-US" sz="3200" b="1" u="sng" dirty="0"/>
-              <a:t>/workflows/</a:t>
-            </a:r>
-            <a:endParaRPr lang="en-IN" sz="2400" b="1" u="sng" dirty="0"/>
+              <a:rPr lang="en-IN" b="1" dirty="0"/>
+              <a:t>Jinja</a:t>
+            </a:r>
           </a:p>
         </p:txBody>
       </p:sp>
@@ -6916,7 +9353,7 @@
           <p:cNvPr id="3" name="Content Placeholder 2">
             <a:extLst>
               <a:ext uri="{FF2B5EF4-FFF2-40B4-BE49-F238E27FC236}">
-                <a16:creationId xmlns:a16="http://schemas.microsoft.com/office/drawing/2014/main" id="{E9F17329-F427-8C14-6A81-7B0811AEBC92}"/>
+                <a16:creationId xmlns:a16="http://schemas.microsoft.com/office/drawing/2014/main" id="{95B996CD-F53C-8F3E-804F-3F0EAFFB3ADC}"/>
               </a:ext>
             </a:extLst>
           </p:cNvPr>
@@ -6929,120 +9366,152 @@
         </p:nvSpPr>
         <p:spPr>
           <a:xfrm>
-            <a:off x="838200" y="1347537"/>
-            <a:ext cx="10515600" cy="4829426"/>
+            <a:off x="695325" y="1343025"/>
+            <a:ext cx="10658475" cy="4833938"/>
           </a:xfrm>
         </p:spPr>
         <p:txBody>
-          <a:bodyPr>
-            <a:normAutofit lnSpcReduction="10000"/>
-          </a:bodyPr>
+          <a:bodyPr/>
           <a:lstStyle/>
           <a:p>
             <a:r>
-              <a:rPr lang="en-US" dirty="0"/>
-              <a:t>Create a </a:t>
-            </a:r>
-            <a:r>
-              <a:rPr lang="en-US" dirty="0" err="1"/>
-              <a:t>yml</a:t>
-            </a:r>
-            <a:r>
-              <a:rPr lang="en-US" dirty="0"/>
-              <a:t> file that connects with the </a:t>
-            </a:r>
-            <a:r>
-              <a:rPr lang="en-US" dirty="0" err="1"/>
-              <a:t>github</a:t>
-            </a:r>
-            <a:r>
-              <a:rPr lang="en-US" dirty="0"/>
-              <a:t>. This is the actions file that setups the workflow. When to run or on what action to run.</a:t>
-            </a:r>
-          </a:p>
-          <a:p>
+              <a:rPr lang="en-IN" b="0" i="0" dirty="0">
+                <a:solidFill>
+                  <a:srgbClr val="36394D"/>
+                </a:solidFill>
+                <a:effectLst/>
+                <a:latin typeface="Source Sans Pro" panose="020B0503030403020204" pitchFamily="34" charset="0"/>
+              </a:rPr>
+              <a:t>Jinja a templating language written in the python programming language. Jinja is used in </a:t>
+            </a:r>
+            <a:r>
+              <a:rPr lang="en-IN" b="0" i="0" dirty="0" err="1">
+                <a:solidFill>
+                  <a:srgbClr val="36394D"/>
+                </a:solidFill>
+                <a:effectLst/>
+                <a:latin typeface="Source Sans Pro" panose="020B0503030403020204" pitchFamily="34" charset="0"/>
+              </a:rPr>
+              <a:t>dbt</a:t>
+            </a:r>
+            <a:r>
+              <a:rPr lang="en-IN" b="0" i="0" dirty="0">
+                <a:solidFill>
+                  <a:srgbClr val="36394D"/>
+                </a:solidFill>
+                <a:effectLst/>
+                <a:latin typeface="Source Sans Pro" panose="020B0503030403020204" pitchFamily="34" charset="0"/>
+              </a:rPr>
+              <a:t> to write functional SQL.</a:t>
+            </a:r>
+          </a:p>
+          <a:p>
+            <a:r>
+              <a:rPr lang="en-IN" dirty="0">
+                <a:solidFill>
+                  <a:srgbClr val="36394D"/>
+                </a:solidFill>
+                <a:latin typeface="Source Sans Pro" panose="020B0503030403020204" pitchFamily="34" charset="0"/>
+              </a:rPr>
+              <a:t>{{% .. %}} is used for statements.</a:t>
+            </a:r>
+          </a:p>
+          <a:p>
+            <a:r>
+              <a:rPr lang="en-IN" dirty="0">
+                <a:solidFill>
+                  <a:srgbClr val="36394D"/>
+                </a:solidFill>
+                <a:latin typeface="Source Sans Pro" panose="020B0503030403020204" pitchFamily="34" charset="0"/>
+              </a:rPr>
+              <a:t>{{ ….}} is used for expressions.</a:t>
+            </a:r>
+          </a:p>
+          <a:p>
+            <a:r>
+              <a:rPr lang="en-IN" dirty="0">
+                <a:solidFill>
+                  <a:srgbClr val="36394D"/>
+                </a:solidFill>
+                <a:latin typeface="Source Sans Pro" panose="020B0503030403020204" pitchFamily="34" charset="0"/>
+              </a:rPr>
+              <a:t>{{# .. #} is used for comments</a:t>
+            </a:r>
             <a:endParaRPr lang="en-IN" dirty="0"/>
           </a:p>
           <a:p>
             <a:endParaRPr lang="en-IN" dirty="0"/>
           </a:p>
           <a:p>
-            <a:r>
-              <a:rPr lang="en-US" b="0" i="0" dirty="0">
-                <a:solidFill>
-                  <a:srgbClr val="001D35"/>
-                </a:solidFill>
-                <a:effectLst/>
-                <a:latin typeface="Google Sans"/>
-              </a:rPr>
-              <a:t>Continuous integration (CI) is </a:t>
-            </a:r>
-            <a:r>
-              <a:rPr lang="en-US" b="1" i="0" dirty="0">
-                <a:solidFill>
-                  <a:srgbClr val="001D35"/>
-                </a:solidFill>
-                <a:effectLst/>
-                <a:latin typeface="Google Sans"/>
-              </a:rPr>
-              <a:t>a software development practice where developers merge their changes to a shared repository multiple times a day</a:t>
-            </a:r>
-            <a:r>
-              <a:rPr lang="en-US" b="0" i="0" dirty="0">
-                <a:solidFill>
-                  <a:srgbClr val="001D35"/>
-                </a:solidFill>
-                <a:effectLst/>
-                <a:latin typeface="Google Sans"/>
-              </a:rPr>
-              <a:t>.</a:t>
+            <a:pPr algn="l"/>
+            <a:r>
+              <a:rPr lang="en-IN" dirty="0"/>
+              <a:t>Link to Jinja: </a:t>
+            </a:r>
+            <a:r>
+              <a:rPr lang="en-IN" b="0" i="0" dirty="0">
+                <a:solidFill>
+                  <a:srgbClr val="36394D"/>
+                </a:solidFill>
+                <a:effectLst/>
+                <a:latin typeface="Source Sans Pro" panose="020B0503030403020204" pitchFamily="34" charset="0"/>
+                <a:hlinkClick r:id="rId2"/>
+              </a:rPr>
+              <a:t>Jinja Template Designer Documentation</a:t>
             </a:r>
             <a:endParaRPr lang="en-IN" b="0" i="0" dirty="0">
               <a:solidFill>
-                <a:srgbClr val="001D35"/>
+                <a:srgbClr val="36394D"/>
               </a:solidFill>
               <a:effectLst/>
-              <a:latin typeface="Google Sans"/>
+              <a:latin typeface="Source Sans Pro" panose="020B0503030403020204" pitchFamily="34" charset="0"/>
             </a:endParaRPr>
           </a:p>
           <a:p>
-            <a:pPr algn="l">
-              <a:buFont typeface="Arial" panose="020B0604020202020204" pitchFamily="34" charset="0"/>
-              <a:buChar char="•"/>
-            </a:pPr>
-            <a:r>
-              <a:rPr lang="en-US" b="0" i="0" dirty="0">
-                <a:solidFill>
-                  <a:srgbClr val="001D35"/>
-                </a:solidFill>
-                <a:effectLst/>
-                <a:latin typeface="Google Sans"/>
-              </a:rPr>
-              <a:t>Regularly merging small code changes is typically a more accurate and safer process.</a:t>
-            </a:r>
-          </a:p>
-          <a:p>
-            <a:pPr algn="l">
-              <a:buFont typeface="Arial" panose="020B0604020202020204" pitchFamily="34" charset="0"/>
-              <a:buChar char="•"/>
-            </a:pPr>
-            <a:r>
-              <a:rPr lang="en-US" b="0" i="0" dirty="0">
-                <a:solidFill>
-                  <a:srgbClr val="001D35"/>
-                </a:solidFill>
-                <a:effectLst/>
-                <a:latin typeface="Google Sans"/>
-              </a:rPr>
-              <a:t>If any bugs are found in the merging process, they're easier and faster to find.</a:t>
-            </a:r>
+            <a:r>
+              <a:rPr lang="en-IN" dirty="0">
+                <a:solidFill>
+                  <a:srgbClr val="36394D"/>
+                </a:solidFill>
+                <a:latin typeface="Source Sans Pro" panose="020B0503030403020204" pitchFamily="34" charset="0"/>
+              </a:rPr>
+              <a:t>Jinja Practice: </a:t>
+            </a:r>
+            <a:r>
+              <a:rPr lang="en-IN" b="0" i="0" dirty="0">
+                <a:solidFill>
+                  <a:srgbClr val="36394D"/>
+                </a:solidFill>
+                <a:effectLst/>
+                <a:latin typeface="Source Sans Pro" panose="020B0503030403020204" pitchFamily="34" charset="0"/>
+                <a:hlinkClick r:id="rId3"/>
+              </a:rPr>
+              <a:t>Jinja Live Parser</a:t>
+            </a:r>
+            <a:endParaRPr lang="en-IN" b="0" i="0" dirty="0">
+              <a:solidFill>
+                <a:srgbClr val="36394D"/>
+              </a:solidFill>
+              <a:effectLst/>
+              <a:latin typeface="Source Sans Pro" panose="020B0503030403020204" pitchFamily="34" charset="0"/>
+            </a:endParaRPr>
+          </a:p>
+          <a:p>
+            <a:pPr algn="l"/>
+            <a:endParaRPr lang="en-IN" b="0" i="0" dirty="0">
+              <a:solidFill>
+                <a:srgbClr val="36394D"/>
+              </a:solidFill>
+              <a:effectLst/>
+              <a:latin typeface="Source Sans Pro" panose="020B0503030403020204" pitchFamily="34" charset="0"/>
+            </a:endParaRPr>
           </a:p>
         </p:txBody>
       </p:sp>
     </p:spTree>
     <p:extLst>
       <p:ext uri="{BB962C8B-B14F-4D97-AF65-F5344CB8AC3E}">
-        <p14:creationId xmlns:p14="http://schemas.microsoft.com/office/powerpoint/2010/main" val="1931361897"/>
+        <p14:creationId xmlns:p14="http://schemas.microsoft.com/office/powerpoint/2010/main" val="1015658230"/>
       </p:ext>
     </p:extLst>
   </p:cSld>
@@ -7071,6 +9540,318 @@
       </p:grpSpPr>
       <p:sp>
         <p:nvSpPr>
+          <p:cNvPr id="2" name="Title 1">
+            <a:extLst>
+              <a:ext uri="{FF2B5EF4-FFF2-40B4-BE49-F238E27FC236}">
+                <a16:creationId xmlns:a16="http://schemas.microsoft.com/office/drawing/2014/main" id="{9A845A29-CDFF-D26D-069D-F4FC5B220F05}"/>
+              </a:ext>
+            </a:extLst>
+          </p:cNvPr>
+          <p:cNvSpPr>
+            <a:spLocks noGrp="1"/>
+          </p:cNvSpPr>
+          <p:nvPr>
+            <p:ph type="title"/>
+          </p:nvPr>
+        </p:nvSpPr>
+        <p:spPr/>
+        <p:txBody>
+          <a:bodyPr/>
+          <a:lstStyle/>
+          <a:p>
+            <a:r>
+              <a:rPr lang="en-US" b="1" u="sng" dirty="0" err="1"/>
+              <a:t>Github</a:t>
+            </a:r>
+            <a:r>
+              <a:rPr lang="en-US" b="1" u="sng" dirty="0"/>
+              <a:t> Actions</a:t>
+            </a:r>
+            <a:endParaRPr lang="en-IN" b="1" u="sng" dirty="0"/>
+          </a:p>
+        </p:txBody>
+      </p:sp>
+      <p:sp>
+        <p:nvSpPr>
+          <p:cNvPr id="3" name="Content Placeholder 2">
+            <a:extLst>
+              <a:ext uri="{FF2B5EF4-FFF2-40B4-BE49-F238E27FC236}">
+                <a16:creationId xmlns:a16="http://schemas.microsoft.com/office/drawing/2014/main" id="{DC9A9EE1-BC2A-E641-500C-76FE23787B9F}"/>
+              </a:ext>
+            </a:extLst>
+          </p:cNvPr>
+          <p:cNvSpPr>
+            <a:spLocks noGrp="1"/>
+          </p:cNvSpPr>
+          <p:nvPr>
+            <p:ph idx="1"/>
+          </p:nvPr>
+        </p:nvSpPr>
+        <p:spPr/>
+        <p:txBody>
+          <a:bodyPr/>
+          <a:lstStyle/>
+          <a:p>
+            <a:r>
+              <a:rPr lang="en-US" b="0" i="0" dirty="0">
+                <a:solidFill>
+                  <a:srgbClr val="242424"/>
+                </a:solidFill>
+                <a:effectLst/>
+                <a:latin typeface="source-serif-pro"/>
+              </a:rPr>
+              <a:t>GitHub Actions is a powerful CI/CD pipeline automation tool for automating software development workflows and is fast becoming one of the go-to choices for pipeline orchestration.</a:t>
+            </a:r>
+          </a:p>
+          <a:p>
+            <a:r>
+              <a:rPr lang="en-US" b="0" i="0" dirty="0">
+                <a:solidFill>
+                  <a:srgbClr val="242424"/>
+                </a:solidFill>
+                <a:effectLst/>
+                <a:latin typeface="source-serif-pro"/>
+              </a:rPr>
+              <a:t>GitHub Actions is tightly integrated with the rest of the GitHub ecosystem, making pipelines easier to use and manage. GitHub Actions allows you to create workflows triggered by various events such as commits, pull requests, and releases. This allows you to automate pipelines that are tightly linked to your development process, thus reducing errors and increasing efficiency.</a:t>
+            </a:r>
+            <a:endParaRPr lang="en-IN" dirty="0"/>
+          </a:p>
+        </p:txBody>
+      </p:sp>
+    </p:spTree>
+    <p:extLst>
+      <p:ext uri="{BB962C8B-B14F-4D97-AF65-F5344CB8AC3E}">
+        <p14:creationId xmlns:p14="http://schemas.microsoft.com/office/powerpoint/2010/main" val="3705911144"/>
+      </p:ext>
+    </p:extLst>
+  </p:cSld>
+  <p:clrMapOvr>
+    <a:masterClrMapping/>
+  </p:clrMapOvr>
+</p:sld>
+</file>
+
+<file path=ppt/slides/slide24.xml><?xml version="1.0" encoding="utf-8"?>
+<p:sld xmlns:a="http://schemas.openxmlformats.org/drawingml/2006/main" xmlns:r="http://schemas.openxmlformats.org/officeDocument/2006/relationships" xmlns:p="http://schemas.openxmlformats.org/presentationml/2006/main">
+  <p:cSld>
+    <p:spTree>
+      <p:nvGrpSpPr>
+        <p:cNvPr id="1" name=""/>
+        <p:cNvGrpSpPr/>
+        <p:nvPr/>
+      </p:nvGrpSpPr>
+      <p:grpSpPr>
+        <a:xfrm>
+          <a:off x="0" y="0"/>
+          <a:ext cx="0" cy="0"/>
+          <a:chOff x="0" y="0"/>
+          <a:chExt cx="0" cy="0"/>
+        </a:xfrm>
+      </p:grpSpPr>
+      <p:sp>
+        <p:nvSpPr>
+          <p:cNvPr id="2" name="Title 1">
+            <a:extLst>
+              <a:ext uri="{FF2B5EF4-FFF2-40B4-BE49-F238E27FC236}">
+                <a16:creationId xmlns:a16="http://schemas.microsoft.com/office/drawing/2014/main" id="{0C251D05-EA31-48A7-DA9D-3A50E22BC5D6}"/>
+              </a:ext>
+            </a:extLst>
+          </p:cNvPr>
+          <p:cNvSpPr>
+            <a:spLocks noGrp="1"/>
+          </p:cNvSpPr>
+          <p:nvPr>
+            <p:ph type="title"/>
+          </p:nvPr>
+        </p:nvSpPr>
+        <p:spPr>
+          <a:xfrm>
+            <a:off x="838200" y="365125"/>
+            <a:ext cx="10404107" cy="674403"/>
+          </a:xfrm>
+        </p:spPr>
+        <p:txBody>
+          <a:bodyPr>
+            <a:normAutofit/>
+          </a:bodyPr>
+          <a:lstStyle/>
+          <a:p>
+            <a:r>
+              <a:rPr lang="en-US" sz="3200" b="1" u="sng" dirty="0"/>
+              <a:t>.</a:t>
+            </a:r>
+            <a:r>
+              <a:rPr lang="en-US" sz="3200" b="1" u="sng" dirty="0" err="1"/>
+              <a:t>github</a:t>
+            </a:r>
+            <a:r>
+              <a:rPr lang="en-US" sz="3200" b="1" u="sng" dirty="0"/>
+              <a:t>/workflows/</a:t>
+            </a:r>
+            <a:endParaRPr lang="en-IN" sz="2400" b="1" u="sng" dirty="0"/>
+          </a:p>
+        </p:txBody>
+      </p:sp>
+      <p:sp>
+        <p:nvSpPr>
+          <p:cNvPr id="3" name="Content Placeholder 2">
+            <a:extLst>
+              <a:ext uri="{FF2B5EF4-FFF2-40B4-BE49-F238E27FC236}">
+                <a16:creationId xmlns:a16="http://schemas.microsoft.com/office/drawing/2014/main" id="{E9F17329-F427-8C14-6A81-7B0811AEBC92}"/>
+              </a:ext>
+            </a:extLst>
+          </p:cNvPr>
+          <p:cNvSpPr>
+            <a:spLocks noGrp="1"/>
+          </p:cNvSpPr>
+          <p:nvPr>
+            <p:ph idx="1"/>
+          </p:nvPr>
+        </p:nvSpPr>
+        <p:spPr>
+          <a:xfrm>
+            <a:off x="838200" y="1347537"/>
+            <a:ext cx="10515600" cy="4829426"/>
+          </a:xfrm>
+        </p:spPr>
+        <p:txBody>
+          <a:bodyPr>
+            <a:normAutofit/>
+          </a:bodyPr>
+          <a:lstStyle/>
+          <a:p>
+            <a:r>
+              <a:rPr lang="en-US" dirty="0"/>
+              <a:t>Create a </a:t>
+            </a:r>
+            <a:r>
+              <a:rPr lang="en-US" dirty="0" err="1"/>
+              <a:t>yml</a:t>
+            </a:r>
+            <a:r>
+              <a:rPr lang="en-US" dirty="0"/>
+              <a:t> file that connects with the </a:t>
+            </a:r>
+            <a:r>
+              <a:rPr lang="en-US" dirty="0" err="1"/>
+              <a:t>github</a:t>
+            </a:r>
+            <a:r>
+              <a:rPr lang="en-US" dirty="0"/>
+              <a:t>. This is the actions file that setups the workflow. When to run or on what action to run.</a:t>
+            </a:r>
+          </a:p>
+          <a:p>
+            <a:endParaRPr lang="en-IN" dirty="0"/>
+          </a:p>
+          <a:p>
+            <a:endParaRPr lang="en-IN" dirty="0"/>
+          </a:p>
+          <a:p>
+            <a:r>
+              <a:rPr lang="en-US" b="0" i="0" dirty="0">
+                <a:solidFill>
+                  <a:srgbClr val="001D35"/>
+                </a:solidFill>
+                <a:effectLst/>
+                <a:latin typeface="Google Sans"/>
+              </a:rPr>
+              <a:t>Continuous integration (CI) is </a:t>
+            </a:r>
+            <a:r>
+              <a:rPr lang="en-US" b="1" i="0" dirty="0">
+                <a:solidFill>
+                  <a:srgbClr val="001D35"/>
+                </a:solidFill>
+                <a:effectLst/>
+                <a:latin typeface="Google Sans"/>
+              </a:rPr>
+              <a:t>a software development practice where developers merge their changes to a shared repository multiple times a day</a:t>
+            </a:r>
+            <a:r>
+              <a:rPr lang="en-US" b="0" i="0" dirty="0">
+                <a:solidFill>
+                  <a:srgbClr val="001D35"/>
+                </a:solidFill>
+                <a:effectLst/>
+                <a:latin typeface="Google Sans"/>
+              </a:rPr>
+              <a:t>.</a:t>
+            </a:r>
+            <a:endParaRPr lang="en-IN" b="0" i="0" dirty="0">
+              <a:solidFill>
+                <a:srgbClr val="001D35"/>
+              </a:solidFill>
+              <a:effectLst/>
+              <a:latin typeface="Google Sans"/>
+            </a:endParaRPr>
+          </a:p>
+          <a:p>
+            <a:pPr algn="l">
+              <a:buFont typeface="Arial" panose="020B0604020202020204" pitchFamily="34" charset="0"/>
+              <a:buChar char="•"/>
+            </a:pPr>
+            <a:r>
+              <a:rPr lang="en-US" b="0" i="0" dirty="0">
+                <a:solidFill>
+                  <a:srgbClr val="001D35"/>
+                </a:solidFill>
+                <a:effectLst/>
+                <a:latin typeface="Google Sans"/>
+              </a:rPr>
+              <a:t>Regularly merging small code changes is typically a more accurate and safer process.</a:t>
+            </a:r>
+          </a:p>
+          <a:p>
+            <a:pPr algn="l">
+              <a:buFont typeface="Arial" panose="020B0604020202020204" pitchFamily="34" charset="0"/>
+              <a:buChar char="•"/>
+            </a:pPr>
+            <a:r>
+              <a:rPr lang="en-US" b="0" i="0" dirty="0">
+                <a:solidFill>
+                  <a:srgbClr val="001D35"/>
+                </a:solidFill>
+                <a:effectLst/>
+                <a:latin typeface="Google Sans"/>
+              </a:rPr>
+              <a:t>If any bugs are found in the merging process, they're easier and faster to find.</a:t>
+            </a:r>
+          </a:p>
+        </p:txBody>
+      </p:sp>
+    </p:spTree>
+    <p:extLst>
+      <p:ext uri="{BB962C8B-B14F-4D97-AF65-F5344CB8AC3E}">
+        <p14:creationId xmlns:p14="http://schemas.microsoft.com/office/powerpoint/2010/main" val="1931361897"/>
+      </p:ext>
+    </p:extLst>
+  </p:cSld>
+  <p:clrMapOvr>
+    <a:masterClrMapping/>
+  </p:clrMapOvr>
+</p:sld>
+</file>
+
+<file path=ppt/slides/slide25.xml><?xml version="1.0" encoding="utf-8"?>
+<p:sld xmlns:a="http://schemas.openxmlformats.org/drawingml/2006/main" xmlns:r="http://schemas.openxmlformats.org/officeDocument/2006/relationships" xmlns:p="http://schemas.openxmlformats.org/presentationml/2006/main">
+  <p:cSld>
+    <p:spTree>
+      <p:nvGrpSpPr>
+        <p:cNvPr id="1" name=""/>
+        <p:cNvGrpSpPr/>
+        <p:nvPr/>
+      </p:nvGrpSpPr>
+      <p:grpSpPr>
+        <a:xfrm>
+          <a:off x="0" y="0"/>
+          <a:ext cx="0" cy="0"/>
+          <a:chOff x="0" y="0"/>
+          <a:chExt cx="0" cy="0"/>
+        </a:xfrm>
+      </p:grpSpPr>
+      <p:sp>
+        <p:nvSpPr>
           <p:cNvPr id="5" name="Rectangle 1">
             <a:extLst>
               <a:ext uri="{FF2B5EF4-FFF2-40B4-BE49-F238E27FC236}">
@@ -8522,7 +11303,7 @@
 </p:sld>
 </file>
 
-<file path=ppt/slides/slide24.xml><?xml version="1.0" encoding="utf-8"?>
+<file path=ppt/slides/slide26.xml><?xml version="1.0" encoding="utf-8"?>
 <p:sld xmlns:a="http://schemas.openxmlformats.org/drawingml/2006/main" xmlns:r="http://schemas.openxmlformats.org/officeDocument/2006/relationships" xmlns:p="http://schemas.openxmlformats.org/presentationml/2006/main">
   <p:cSld>
     <p:spTree>
@@ -8855,7 +11636,29 @@
           <a:p>
             <a:r>
               <a:rPr lang="en-IN" dirty="0"/>
-              <a:t>We can use “pip install </a:t>
+              <a:t>We can use “</a:t>
+            </a:r>
+            <a:r>
+              <a:rPr lang="en-IN" b="1" dirty="0"/>
+              <a:t>pip install </a:t>
+            </a:r>
+            <a:r>
+              <a:rPr lang="en-IN" b="1" dirty="0" err="1"/>
+              <a:t>dbt</a:t>
+            </a:r>
+            <a:r>
+              <a:rPr lang="en-IN" b="1" dirty="0"/>
+              <a:t>-core</a:t>
+            </a:r>
+            <a:r>
+              <a:rPr lang="en-IN" dirty="0"/>
+              <a:t>” with python. </a:t>
+            </a:r>
+          </a:p>
+          <a:p>
+            <a:r>
+              <a:rPr lang="en-IN" dirty="0"/>
+              <a:t>Note: </a:t>
             </a:r>
             <a:r>
               <a:rPr lang="en-IN" dirty="0" err="1"/>
@@ -8863,20 +11666,6 @@
             </a:r>
             <a:r>
               <a:rPr lang="en-IN" dirty="0"/>
-              <a:t>-core” with python. </a:t>
-            </a:r>
-          </a:p>
-          <a:p>
-            <a:r>
-              <a:rPr lang="en-IN" dirty="0"/>
-              <a:t>Note: </a:t>
-            </a:r>
-            <a:r>
-              <a:rPr lang="en-IN" dirty="0" err="1"/>
-              <a:t>dbt</a:t>
-            </a:r>
-            <a:r>
-              <a:rPr lang="en-IN" dirty="0"/>
               <a:t>-core is compatible with python versions &gt; 3.7 Depending on the type of </a:t>
             </a:r>
             <a:r>
@@ -8900,12 +11689,16 @@
               <a:t>	</a:t>
             </a:r>
             <a:r>
-              <a:rPr lang="en-IN" dirty="0" err="1"/>
+              <a:rPr lang="en-IN" b="1" dirty="0" err="1"/>
               <a:t>dbt</a:t>
             </a:r>
             <a:r>
+              <a:rPr lang="en-IN" b="1" dirty="0"/>
+              <a:t>-snowflake</a:t>
+            </a:r>
+            <a:r>
               <a:rPr lang="en-IN" dirty="0"/>
-              <a:t>-snowflake\ </a:t>
+              <a:t>\ </a:t>
             </a:r>
             <a:r>
               <a:rPr lang="en-IN" dirty="0" err="1"/>
@@ -9284,7 +12077,7 @@
           <p:cNvPr id="2" name="Title 1">
             <a:extLst>
               <a:ext uri="{FF2B5EF4-FFF2-40B4-BE49-F238E27FC236}">
-                <a16:creationId xmlns:a16="http://schemas.microsoft.com/office/drawing/2014/main" id="{C029576E-B9F0-7BF0-66CE-8306FBBC5945}"/>
+                <a16:creationId xmlns:a16="http://schemas.microsoft.com/office/drawing/2014/main" id="{4DFAA4F4-D4C0-E2AA-AF7C-2A89934A1BA3}"/>
               </a:ext>
             </a:extLst>
           </p:cNvPr>
@@ -9295,15 +12088,23 @@
             <p:ph type="title"/>
           </p:nvPr>
         </p:nvSpPr>
-        <p:spPr/>
-        <p:txBody>
-          <a:bodyPr/>
+        <p:spPr>
+          <a:xfrm>
+            <a:off x="838200" y="266224"/>
+            <a:ext cx="9829800" cy="615950"/>
+          </a:xfrm>
+        </p:spPr>
+        <p:txBody>
+          <a:bodyPr>
+            <a:normAutofit/>
+          </a:bodyPr>
           <a:lstStyle/>
           <a:p>
             <a:r>
-              <a:rPr lang="en-IN" dirty="0"/>
-              <a:t>Create a Snowflake account</a:t>
-            </a:r>
+              <a:rPr lang="en-IN" sz="3200" dirty="0" err="1"/>
+              <a:t>Dbt_project.yml</a:t>
+            </a:r>
+            <a:endParaRPr lang="en-IN" sz="3200" dirty="0"/>
           </a:p>
         </p:txBody>
       </p:sp>
@@ -9312,7 +12113,7 @@
           <p:cNvPr id="3" name="Content Placeholder 2">
             <a:extLst>
               <a:ext uri="{FF2B5EF4-FFF2-40B4-BE49-F238E27FC236}">
-                <a16:creationId xmlns:a16="http://schemas.microsoft.com/office/drawing/2014/main" id="{EE076443-75E5-F7BA-81A7-A2E574DB2D9A}"/>
+                <a16:creationId xmlns:a16="http://schemas.microsoft.com/office/drawing/2014/main" id="{76C21FDE-82DF-45A8-1430-C64D33BA7636}"/>
               </a:ext>
             </a:extLst>
           </p:cNvPr>
@@ -9323,70 +12124,190 @@
             <p:ph idx="1"/>
           </p:nvPr>
         </p:nvSpPr>
-        <p:spPr/>
-        <p:txBody>
-          <a:bodyPr/>
+        <p:spPr>
+          <a:xfrm>
+            <a:off x="650240" y="814706"/>
+            <a:ext cx="10703560" cy="5362258"/>
+          </a:xfrm>
+        </p:spPr>
+        <p:txBody>
+          <a:bodyPr>
+            <a:normAutofit/>
+          </a:bodyPr>
           <a:lstStyle/>
           <a:p>
+            <a:endParaRPr lang="en-IN" dirty="0"/>
+          </a:p>
+          <a:p>
+            <a:r>
+              <a:rPr lang="en-IN" dirty="0">
+                <a:latin typeface="Arial" panose="020B0604020202020204" pitchFamily="34" charset="0"/>
+                <a:cs typeface="Arial" panose="020B0604020202020204" pitchFamily="34" charset="0"/>
+              </a:rPr>
+              <a:t>Every </a:t>
+            </a:r>
+            <a:r>
+              <a:rPr lang="en-IN" dirty="0" err="1">
+                <a:latin typeface="Arial" panose="020B0604020202020204" pitchFamily="34" charset="0"/>
+                <a:cs typeface="Arial" panose="020B0604020202020204" pitchFamily="34" charset="0"/>
+              </a:rPr>
+              <a:t>dbt_project</a:t>
+            </a:r>
+            <a:r>
+              <a:rPr lang="en-IN" dirty="0">
+                <a:latin typeface="Arial" panose="020B0604020202020204" pitchFamily="34" charset="0"/>
+                <a:cs typeface="Arial" panose="020B0604020202020204" pitchFamily="34" charset="0"/>
+              </a:rPr>
+              <a:t> needs the </a:t>
+            </a:r>
+          </a:p>
+          <a:p>
+            <a:pPr marL="0" indent="0">
+              <a:buNone/>
+            </a:pPr>
+            <a:r>
+              <a:rPr lang="en-IN" b="1" dirty="0" err="1">
+                <a:latin typeface="Arial" panose="020B0604020202020204" pitchFamily="34" charset="0"/>
+                <a:cs typeface="Arial" panose="020B0604020202020204" pitchFamily="34" charset="0"/>
+              </a:rPr>
+              <a:t>dbt_project.yml</a:t>
+            </a:r>
+            <a:r>
+              <a:rPr lang="en-IN" b="1" dirty="0">
+                <a:latin typeface="Arial" panose="020B0604020202020204" pitchFamily="34" charset="0"/>
+                <a:cs typeface="Arial" panose="020B0604020202020204" pitchFamily="34" charset="0"/>
+              </a:rPr>
+              <a:t> </a:t>
+            </a:r>
+            <a:r>
+              <a:rPr lang="en-IN" dirty="0">
+                <a:latin typeface="Arial" panose="020B0604020202020204" pitchFamily="34" charset="0"/>
+                <a:cs typeface="Arial" panose="020B0604020202020204" pitchFamily="34" charset="0"/>
+              </a:rPr>
+              <a:t>file.</a:t>
+            </a:r>
+            <a:r>
+              <a:rPr lang="en-US" b="0" i="0" dirty="0">
+                <a:solidFill>
+                  <a:srgbClr val="262A38"/>
+                </a:solidFill>
+                <a:effectLst/>
+                <a:latin typeface="Arial" panose="020B0604020202020204" pitchFamily="34" charset="0"/>
+                <a:cs typeface="Arial" panose="020B0604020202020204" pitchFamily="34" charset="0"/>
+              </a:rPr>
+              <a:t> It also contains</a:t>
+            </a:r>
+          </a:p>
+          <a:p>
+            <a:pPr marL="0" indent="0">
+              <a:buNone/>
+            </a:pPr>
+            <a:r>
+              <a:rPr lang="en-US" b="0" i="0" dirty="0">
+                <a:solidFill>
+                  <a:srgbClr val="262A38"/>
+                </a:solidFill>
+                <a:effectLst/>
+                <a:latin typeface="Arial" panose="020B0604020202020204" pitchFamily="34" charset="0"/>
+                <a:cs typeface="Arial" panose="020B0604020202020204" pitchFamily="34" charset="0"/>
+              </a:rPr>
+              <a:t> important information that tells </a:t>
+            </a:r>
+            <a:r>
+              <a:rPr lang="en-US" b="0" i="0" dirty="0" err="1">
+                <a:solidFill>
+                  <a:srgbClr val="262A38"/>
+                </a:solidFill>
+                <a:effectLst/>
+                <a:latin typeface="Arial" panose="020B0604020202020204" pitchFamily="34" charset="0"/>
+                <a:cs typeface="Arial" panose="020B0604020202020204" pitchFamily="34" charset="0"/>
+              </a:rPr>
+              <a:t>dbt</a:t>
+            </a:r>
+            <a:r>
+              <a:rPr lang="en-US" b="0" i="0" dirty="0">
+                <a:solidFill>
+                  <a:srgbClr val="262A38"/>
+                </a:solidFill>
+                <a:effectLst/>
+                <a:latin typeface="Arial" panose="020B0604020202020204" pitchFamily="34" charset="0"/>
+                <a:cs typeface="Arial" panose="020B0604020202020204" pitchFamily="34" charset="0"/>
+              </a:rPr>
+              <a:t> </a:t>
+            </a:r>
+          </a:p>
+          <a:p>
+            <a:pPr marL="0" indent="0">
+              <a:buNone/>
+            </a:pPr>
+            <a:r>
+              <a:rPr lang="en-US" b="0" i="0" dirty="0">
+                <a:solidFill>
+                  <a:srgbClr val="262A38"/>
+                </a:solidFill>
+                <a:effectLst/>
+                <a:latin typeface="Arial" panose="020B0604020202020204" pitchFamily="34" charset="0"/>
+                <a:cs typeface="Arial" panose="020B0604020202020204" pitchFamily="34" charset="0"/>
+              </a:rPr>
+              <a:t>how to operate on your project.</a:t>
+            </a:r>
+            <a:endParaRPr lang="en-IN" dirty="0">
+              <a:latin typeface="Arial" panose="020B0604020202020204" pitchFamily="34" charset="0"/>
+              <a:cs typeface="Arial" panose="020B0604020202020204" pitchFamily="34" charset="0"/>
+            </a:endParaRPr>
+          </a:p>
+          <a:p>
             <a:r>
               <a:rPr lang="en-IN" dirty="0"/>
-              <a:t>Signup using personal email.</a:t>
-            </a:r>
-          </a:p>
-          <a:p>
-            <a:r>
-              <a:rPr lang="en-IN" dirty="0"/>
-              <a:t>Select the database you want to connect</a:t>
-            </a:r>
-          </a:p>
-          <a:p>
-            <a:pPr marL="0" indent="0">
-              <a:buNone/>
-            </a:pPr>
+              <a:t>Link: </a:t>
+            </a:r>
+            <a:r>
+              <a:rPr lang="en-IN" dirty="0">
+                <a:hlinkClick r:id="rId2"/>
+              </a:rPr>
+              <a:t>https://docs.getdbt.com/reference/dbt_project.yml </a:t>
+            </a:r>
             <a:endParaRPr lang="en-IN" dirty="0"/>
           </a:p>
           <a:p>
-            <a:r>
-              <a:rPr lang="en-IN" dirty="0"/>
-              <a:t>Create a database as DBT_PROJECT</a:t>
-            </a:r>
-          </a:p>
-          <a:p>
-            <a:pPr lvl="1"/>
-            <a:r>
-              <a:rPr lang="en-IN" dirty="0"/>
-              <a:t>Create PROD and DEV Schemas</a:t>
-            </a:r>
-          </a:p>
-          <a:p>
-            <a:pPr lvl="1"/>
-            <a:r>
-              <a:rPr lang="en-IN" dirty="0"/>
-              <a:t>We would be adding these details in the </a:t>
-            </a:r>
-            <a:r>
-              <a:rPr lang="en-IN" dirty="0" err="1"/>
-              <a:t>profiles.yml</a:t>
-            </a:r>
-            <a:r>
-              <a:rPr lang="en-IN" dirty="0"/>
-              <a:t> to establish a connection between snowflake and </a:t>
-            </a:r>
-            <a:r>
-              <a:rPr lang="en-IN" dirty="0" err="1"/>
-              <a:t>dbt</a:t>
-            </a:r>
             <a:endParaRPr lang="en-IN" dirty="0"/>
           </a:p>
-          <a:p>
-            <a:endParaRPr lang="en-IN" dirty="0"/>
-          </a:p>
-        </p:txBody>
-      </p:sp>
+        </p:txBody>
+      </p:sp>
+      <p:pic>
+        <p:nvPicPr>
+          <p:cNvPr id="5" name="Picture 4">
+            <a:extLst>
+              <a:ext uri="{FF2B5EF4-FFF2-40B4-BE49-F238E27FC236}">
+                <a16:creationId xmlns:a16="http://schemas.microsoft.com/office/drawing/2014/main" id="{514D831C-7F74-B828-056F-B417BE9D9F55}"/>
+              </a:ext>
+            </a:extLst>
+          </p:cNvPr>
+          <p:cNvPicPr>
+            <a:picLocks noChangeAspect="1"/>
+          </p:cNvPicPr>
+          <p:nvPr/>
+        </p:nvPicPr>
+        <p:blipFill>
+          <a:blip r:embed="rId3"/>
+          <a:stretch>
+            <a:fillRect/>
+          </a:stretch>
+        </p:blipFill>
+        <p:spPr>
+          <a:xfrm>
+            <a:off x="5124647" y="814705"/>
+            <a:ext cx="5731313" cy="5469096"/>
+          </a:xfrm>
+          <a:prstGeom prst="rect">
+            <a:avLst/>
+          </a:prstGeom>
+        </p:spPr>
+      </p:pic>
     </p:spTree>
     <p:extLst>
       <p:ext uri="{BB962C8B-B14F-4D97-AF65-F5344CB8AC3E}">
-        <p14:creationId xmlns:p14="http://schemas.microsoft.com/office/powerpoint/2010/main" val="263547336"/>
+        <p14:creationId xmlns:p14="http://schemas.microsoft.com/office/powerpoint/2010/main" val="3821069274"/>
       </p:ext>
     </p:extLst>
   </p:cSld>
@@ -9418,7 +12339,7 @@
           <p:cNvPr id="2" name="Title 1">
             <a:extLst>
               <a:ext uri="{FF2B5EF4-FFF2-40B4-BE49-F238E27FC236}">
-                <a16:creationId xmlns:a16="http://schemas.microsoft.com/office/drawing/2014/main" id="{407E32F9-D9D9-A72B-0352-2DCCDE47AF3C}"/>
+                <a16:creationId xmlns:a16="http://schemas.microsoft.com/office/drawing/2014/main" id="{8E018F14-5A39-E242-3DA9-E6D760486761}"/>
               </a:ext>
             </a:extLst>
           </p:cNvPr>
@@ -9429,15 +12350,21 @@
             <p:ph type="title"/>
           </p:nvPr>
         </p:nvSpPr>
-        <p:spPr/>
+        <p:spPr>
+          <a:xfrm>
+            <a:off x="838200" y="365125"/>
+            <a:ext cx="10515600" cy="780281"/>
+          </a:xfrm>
+        </p:spPr>
         <p:txBody>
           <a:bodyPr/>
           <a:lstStyle/>
           <a:p>
             <a:r>
-              <a:rPr lang="en-IN" dirty="0"/>
-              <a:t>DBT Models</a:t>
-            </a:r>
+              <a:rPr lang="en-US" dirty="0" err="1"/>
+              <a:t>Profiles.yml</a:t>
+            </a:r>
+            <a:endParaRPr lang="en-IN" dirty="0"/>
           </a:p>
         </p:txBody>
       </p:sp>
@@ -9446,7 +12373,7 @@
           <p:cNvPr id="3" name="Content Placeholder 2">
             <a:extLst>
               <a:ext uri="{FF2B5EF4-FFF2-40B4-BE49-F238E27FC236}">
-                <a16:creationId xmlns:a16="http://schemas.microsoft.com/office/drawing/2014/main" id="{F64D2837-F01E-BA8C-4222-77F29CD6651C}"/>
+                <a16:creationId xmlns:a16="http://schemas.microsoft.com/office/drawing/2014/main" id="{A175E8AA-F31F-406D-DE08-9188C0824D62}"/>
               </a:ext>
             </a:extLst>
           </p:cNvPr>
@@ -9459,30 +12386,75 @@
         </p:nvSpPr>
         <p:spPr>
           <a:xfrm>
-            <a:off x="838200" y="1422400"/>
-            <a:ext cx="10805160" cy="5232399"/>
+            <a:off x="838201" y="1145406"/>
+            <a:ext cx="10718800" cy="5133157"/>
           </a:xfrm>
         </p:spPr>
         <p:txBody>
-          <a:bodyPr/>
+          <a:bodyPr>
+            <a:normAutofit/>
+          </a:bodyPr>
           <a:lstStyle/>
           <a:p>
             <a:r>
-              <a:rPr lang="en-IN" dirty="0"/>
-              <a:t>Contains SQL queries for transforming, analysing the data </a:t>
-            </a:r>
-          </a:p>
-          <a:p>
-            <a:r>
-              <a:rPr lang="en-IN" dirty="0"/>
-              <a:t>Model folder is where we write our transformation logic to create views, tables in the database</a:t>
-            </a:r>
-          </a:p>
-          <a:p>
-            <a:r>
-              <a:rPr lang="en-IN" dirty="0"/>
-              <a:t>Using ref in models</a:t>
-            </a:r>
+              <a:rPr lang="en-US" dirty="0"/>
+              <a:t>This files contains credentials to establish connection to the Datawarehouse.</a:t>
+            </a:r>
+          </a:p>
+          <a:p>
+            <a:r>
+              <a:rPr lang="en-US" dirty="0"/>
+              <a:t>When you run </a:t>
+            </a:r>
+            <a:r>
+              <a:rPr lang="en-US" dirty="0" err="1"/>
+              <a:t>dbt</a:t>
+            </a:r>
+            <a:r>
+              <a:rPr lang="en-US" dirty="0"/>
+              <a:t> Core from the command line, it reads your </a:t>
+            </a:r>
+            <a:r>
+              <a:rPr lang="en-US" dirty="0" err="1"/>
+              <a:t>dbt_project.yml</a:t>
+            </a:r>
+            <a:r>
+              <a:rPr lang="en-US" dirty="0"/>
+              <a:t> file to find the profile name, and then looks for a profile with the same name in your </a:t>
+            </a:r>
+            <a:r>
+              <a:rPr lang="en-US" dirty="0" err="1"/>
+              <a:t>profiles.yml</a:t>
+            </a:r>
+            <a:r>
+              <a:rPr lang="en-US" dirty="0"/>
+              <a:t> file. This profile contains all the information </a:t>
+            </a:r>
+            <a:r>
+              <a:rPr lang="en-US" dirty="0" err="1"/>
+              <a:t>dbt</a:t>
+            </a:r>
+            <a:r>
+              <a:rPr lang="en-US" dirty="0"/>
+              <a:t> needs to connect to your data platform.</a:t>
+            </a:r>
+            <a:br>
+              <a:rPr lang="en-US" dirty="0"/>
+            </a:br>
+            <a:br>
+              <a:rPr lang="en-US" dirty="0"/>
+            </a:br>
+            <a:r>
+              <a:rPr lang="en-US" dirty="0"/>
+              <a:t>Link for Snowflake: </a:t>
+            </a:r>
+            <a:r>
+              <a:rPr lang="en-US" dirty="0">
+                <a:hlinkClick r:id="rId2"/>
+              </a:rPr>
+              <a:t>https://docs.getdbt.com/docs/core/connect-data-platform/snowflake-setup</a:t>
+            </a:r>
+            <a:endParaRPr lang="en-US" dirty="0"/>
           </a:p>
           <a:p>
             <a:endParaRPr lang="en-IN" dirty="0"/>
@@ -9491,10 +12463,10 @@
       </p:sp>
       <p:pic>
         <p:nvPicPr>
-          <p:cNvPr id="5" name="Picture 4">
+          <p:cNvPr id="9" name="Picture 8">
             <a:extLst>
               <a:ext uri="{FF2B5EF4-FFF2-40B4-BE49-F238E27FC236}">
-                <a16:creationId xmlns:a16="http://schemas.microsoft.com/office/drawing/2014/main" id="{94333AE4-1A81-F85C-8FA3-5B940D1AA5C8}"/>
+                <a16:creationId xmlns:a16="http://schemas.microsoft.com/office/drawing/2014/main" id="{DADA4E3C-7CD8-223E-A614-DAC77F6B7993}"/>
               </a:ext>
             </a:extLst>
           </p:cNvPr>
@@ -9504,15 +12476,15 @@
           <p:nvPr/>
         </p:nvPicPr>
         <p:blipFill>
-          <a:blip r:embed="rId2"/>
+          <a:blip r:embed="rId3"/>
           <a:stretch>
             <a:fillRect/>
           </a:stretch>
         </p:blipFill>
         <p:spPr>
           <a:xfrm>
-            <a:off x="2604770" y="3429000"/>
-            <a:ext cx="7504430" cy="2765577"/>
+            <a:off x="1233170" y="3109750"/>
+            <a:ext cx="4407234" cy="3587618"/>
           </a:xfrm>
           <a:prstGeom prst="rect">
             <a:avLst/>
@@ -9522,7 +12494,7 @@
     </p:spTree>
     <p:extLst>
       <p:ext uri="{BB962C8B-B14F-4D97-AF65-F5344CB8AC3E}">
-        <p14:creationId xmlns:p14="http://schemas.microsoft.com/office/powerpoint/2010/main" val="3048447632"/>
+        <p14:creationId xmlns:p14="http://schemas.microsoft.com/office/powerpoint/2010/main" val="2900610407"/>
       </p:ext>
     </p:extLst>
   </p:cSld>
@@ -9554,7 +12526,7 @@
           <p:cNvPr id="2" name="Title 1">
             <a:extLst>
               <a:ext uri="{FF2B5EF4-FFF2-40B4-BE49-F238E27FC236}">
-                <a16:creationId xmlns:a16="http://schemas.microsoft.com/office/drawing/2014/main" id="{4FD203D5-B840-FB79-17F4-414297BD35F2}"/>
+                <a16:creationId xmlns:a16="http://schemas.microsoft.com/office/drawing/2014/main" id="{C029576E-B9F0-7BF0-66CE-8306FBBC5945}"/>
               </a:ext>
             </a:extLst>
           </p:cNvPr>
@@ -9571,16 +12543,9 @@
           <a:lstStyle/>
           <a:p>
             <a:r>
-              <a:rPr lang="en-IN" b="1" i="0" dirty="0">
-                <a:solidFill>
-                  <a:srgbClr val="36394D"/>
-                </a:solidFill>
-                <a:effectLst/>
-                <a:latin typeface="Source Sans Pro" panose="020B0503030403020204" pitchFamily="34" charset="0"/>
-              </a:rPr>
-              <a:t>Modularity</a:t>
-            </a:r>
-            <a:endParaRPr lang="en-IN" dirty="0"/>
+              <a:rPr lang="en-IN" dirty="0"/>
+              <a:t>Create a Snowflake account</a:t>
+            </a:r>
           </a:p>
         </p:txBody>
       </p:sp>
@@ -9589,7 +12554,7 @@
           <p:cNvPr id="3" name="Content Placeholder 2">
             <a:extLst>
               <a:ext uri="{FF2B5EF4-FFF2-40B4-BE49-F238E27FC236}">
-                <a16:creationId xmlns:a16="http://schemas.microsoft.com/office/drawing/2014/main" id="{05EF620D-DA36-2F7E-BB22-70C1460D55E9}"/>
+                <a16:creationId xmlns:a16="http://schemas.microsoft.com/office/drawing/2014/main" id="{EE076443-75E5-F7BA-81A7-A2E574DB2D9A}"/>
               </a:ext>
             </a:extLst>
           </p:cNvPr>
@@ -9600,161 +12565,77 @@
             <p:ph idx="1"/>
           </p:nvPr>
         </p:nvSpPr>
-        <p:spPr/>
-        <p:txBody>
-          <a:bodyPr>
-            <a:normAutofit fontScale="92500"/>
-          </a:bodyPr>
+        <p:spPr>
+          <a:xfrm>
+            <a:off x="677334" y="1684421"/>
+            <a:ext cx="8596668" cy="4356941"/>
+          </a:xfrm>
+        </p:spPr>
+        <p:txBody>
+          <a:bodyPr/>
           <a:lstStyle/>
           <a:p>
-            <a:pPr algn="l">
-              <a:buFont typeface="Arial" panose="020B0604020202020204" pitchFamily="34" charset="0"/>
-              <a:buChar char="•"/>
+            <a:r>
+              <a:rPr lang="en-IN" dirty="0"/>
+              <a:t>Signup/Register using personal email.</a:t>
+            </a:r>
+          </a:p>
+          <a:p>
+            <a:r>
+              <a:rPr lang="en-IN" dirty="0">
+                <a:hlinkClick r:id="rId2"/>
+              </a:rPr>
+              <a:t>Snowflake Trial</a:t>
+            </a:r>
+            <a:r>
+              <a:rPr lang="en-IN" dirty="0"/>
+              <a:t> : 30 days, $400.</a:t>
+            </a:r>
+          </a:p>
+          <a:p>
+            <a:r>
+              <a:rPr lang="en-IN" dirty="0"/>
+              <a:t>Select the region you want to connect</a:t>
+            </a:r>
+          </a:p>
+          <a:p>
+            <a:pPr marL="0" indent="0">
+              <a:buNone/>
             </a:pPr>
-            <a:r>
-              <a:rPr lang="en-IN" sz="2600" b="0" i="0" dirty="0">
-                <a:solidFill>
-                  <a:srgbClr val="36394D"/>
-                </a:solidFill>
-                <a:effectLst/>
-                <a:latin typeface="Source Sans Pro" panose="020B0503030403020204" pitchFamily="34" charset="0"/>
-              </a:rPr>
-              <a:t>We could build each of our final models in a single model as we did with </a:t>
-            </a:r>
-            <a:r>
-              <a:rPr lang="en-IN" sz="2600" b="0" i="0" dirty="0" err="1">
-                <a:solidFill>
-                  <a:srgbClr val="36394D"/>
-                </a:solidFill>
-                <a:effectLst/>
-                <a:latin typeface="Source Sans Pro" panose="020B0503030403020204" pitchFamily="34" charset="0"/>
-              </a:rPr>
-              <a:t>dim_customers</a:t>
-            </a:r>
-            <a:r>
-              <a:rPr lang="en-IN" sz="2600" b="0" i="0" dirty="0">
-                <a:solidFill>
-                  <a:srgbClr val="36394D"/>
-                </a:solidFill>
-                <a:effectLst/>
-                <a:latin typeface="Source Sans Pro" panose="020B0503030403020204" pitchFamily="34" charset="0"/>
-              </a:rPr>
-              <a:t>, however with </a:t>
-            </a:r>
-            <a:r>
-              <a:rPr lang="en-IN" sz="2600" b="0" i="0" dirty="0" err="1">
-                <a:solidFill>
-                  <a:srgbClr val="36394D"/>
-                </a:solidFill>
-                <a:effectLst/>
-                <a:latin typeface="Source Sans Pro" panose="020B0503030403020204" pitchFamily="34" charset="0"/>
-              </a:rPr>
+            <a:endParaRPr lang="en-IN" dirty="0"/>
+          </a:p>
+          <a:p>
+            <a:r>
+              <a:rPr lang="en-IN" dirty="0"/>
+              <a:t>Create a database as DBT_PROJECT</a:t>
+            </a:r>
+          </a:p>
+          <a:p>
+            <a:pPr lvl="1"/>
+            <a:r>
+              <a:rPr lang="en-IN" dirty="0"/>
+              <a:t>Create PROD and DEV Schemas</a:t>
+            </a:r>
+          </a:p>
+          <a:p>
+            <a:pPr lvl="1"/>
+            <a:r>
+              <a:rPr lang="en-IN" dirty="0"/>
+              <a:t>We would be adding these details in the </a:t>
+            </a:r>
+            <a:r>
+              <a:rPr lang="en-IN" dirty="0" err="1"/>
+              <a:t>profiles.yml</a:t>
+            </a:r>
+            <a:r>
+              <a:rPr lang="en-IN" dirty="0"/>
+              <a:t> to establish a connection between snowflake and </a:t>
+            </a:r>
+            <a:r>
+              <a:rPr lang="en-IN" dirty="0" err="1"/>
               <a:t>dbt</a:t>
             </a:r>
-            <a:r>
-              <a:rPr lang="en-IN" sz="2600" b="0" i="0" dirty="0">
-                <a:solidFill>
-                  <a:srgbClr val="36394D"/>
-                </a:solidFill>
-                <a:effectLst/>
-                <a:latin typeface="Source Sans Pro" panose="020B0503030403020204" pitchFamily="34" charset="0"/>
-              </a:rPr>
-              <a:t> we can create our final data products using modularity.</a:t>
-            </a:r>
-          </a:p>
-          <a:p>
-            <a:pPr algn="l">
-              <a:buFont typeface="Arial" panose="020B0604020202020204" pitchFamily="34" charset="0"/>
-              <a:buChar char="•"/>
-            </a:pPr>
-            <a:r>
-              <a:rPr lang="en-IN" sz="2600" b="1" i="0" dirty="0">
-                <a:solidFill>
-                  <a:srgbClr val="36394D"/>
-                </a:solidFill>
-                <a:effectLst/>
-                <a:latin typeface="Source Sans Pro" panose="020B0503030403020204" pitchFamily="34" charset="0"/>
-              </a:rPr>
-              <a:t>Modularity</a:t>
-            </a:r>
-            <a:r>
-              <a:rPr lang="en-IN" sz="2600" b="0" i="0" dirty="0">
-                <a:solidFill>
-                  <a:srgbClr val="36394D"/>
-                </a:solidFill>
-                <a:effectLst/>
-                <a:latin typeface="Source Sans Pro" panose="020B0503030403020204" pitchFamily="34" charset="0"/>
-              </a:rPr>
-              <a:t> is the degree to which a system's components may be separated and recombined, often with the benefit of flexibility and variety in use.</a:t>
-            </a:r>
-          </a:p>
-          <a:p>
-            <a:pPr algn="l">
-              <a:buFont typeface="Arial" panose="020B0604020202020204" pitchFamily="34" charset="0"/>
-              <a:buChar char="•"/>
-            </a:pPr>
-            <a:r>
-              <a:rPr lang="en-IN" sz="2600" b="0" i="0" dirty="0">
-                <a:solidFill>
-                  <a:srgbClr val="36394D"/>
-                </a:solidFill>
-                <a:effectLst/>
-                <a:latin typeface="Source Sans Pro" panose="020B0503030403020204" pitchFamily="34" charset="0"/>
-              </a:rPr>
-              <a:t>This allows us to build data artifacts in logical steps.</a:t>
-            </a:r>
-          </a:p>
-          <a:p>
-            <a:pPr algn="l">
-              <a:buFont typeface="Arial" panose="020B0604020202020204" pitchFamily="34" charset="0"/>
-              <a:buChar char="•"/>
-            </a:pPr>
-            <a:r>
-              <a:rPr lang="en-IN" sz="2600" b="0" i="0" dirty="0">
-                <a:solidFill>
-                  <a:srgbClr val="36394D"/>
-                </a:solidFill>
-                <a:effectLst/>
-                <a:latin typeface="Source Sans Pro" panose="020B0503030403020204" pitchFamily="34" charset="0"/>
-              </a:rPr>
-              <a:t>For example, we can stage the raw customers and orders data to shape it into what we want it to look like. Then we can build a model that references both of these to build the final </a:t>
-            </a:r>
-            <a:r>
-              <a:rPr lang="en-IN" sz="2600" b="0" i="0" dirty="0" err="1">
-                <a:solidFill>
-                  <a:srgbClr val="36394D"/>
-                </a:solidFill>
-                <a:effectLst/>
-                <a:latin typeface="Source Sans Pro" panose="020B0503030403020204" pitchFamily="34" charset="0"/>
-              </a:rPr>
-              <a:t>dim_customers</a:t>
-            </a:r>
-            <a:r>
-              <a:rPr lang="en-IN" sz="2600" b="0" i="0" dirty="0">
-                <a:solidFill>
-                  <a:srgbClr val="36394D"/>
-                </a:solidFill>
-                <a:effectLst/>
-                <a:latin typeface="Source Sans Pro" panose="020B0503030403020204" pitchFamily="34" charset="0"/>
-              </a:rPr>
-              <a:t> model.</a:t>
-            </a:r>
-          </a:p>
-          <a:p>
-            <a:pPr algn="l">
-              <a:buFont typeface="Arial" panose="020B0604020202020204" pitchFamily="34" charset="0"/>
-              <a:buChar char="•"/>
-            </a:pPr>
-            <a:r>
-              <a:rPr lang="en-IN" sz="2600" b="0" i="0" dirty="0">
-                <a:solidFill>
-                  <a:srgbClr val="36394D"/>
-                </a:solidFill>
-                <a:effectLst/>
-                <a:latin typeface="Source Sans Pro" panose="020B0503030403020204" pitchFamily="34" charset="0"/>
-              </a:rPr>
-              <a:t>Thinking modularly is how software engineers build applications. Models can be leveraged to apply this modular thinking to analytics engineering.</a:t>
-            </a:r>
+            <a:endParaRPr lang="en-IN" dirty="0"/>
           </a:p>
           <a:p>
             <a:endParaRPr lang="en-IN" dirty="0"/>
@@ -9764,7 +12645,7 @@
     </p:spTree>
     <p:extLst>
       <p:ext uri="{BB962C8B-B14F-4D97-AF65-F5344CB8AC3E}">
-        <p14:creationId xmlns:p14="http://schemas.microsoft.com/office/powerpoint/2010/main" val="1993881817"/>
+        <p14:creationId xmlns:p14="http://schemas.microsoft.com/office/powerpoint/2010/main" val="263547336"/>
       </p:ext>
     </p:extLst>
   </p:cSld>
@@ -9775,9 +12656,9 @@
 </file>
 
 <file path=ppt/theme/theme1.xml><?xml version="1.0" encoding="utf-8"?>
-<a:theme xmlns:a="http://schemas.openxmlformats.org/drawingml/2006/main" name="Office Theme">
+<a:theme xmlns:a="http://schemas.openxmlformats.org/drawingml/2006/main" name="Facet">
   <a:themeElements>
-    <a:clrScheme name="Office">
+    <a:clrScheme name="Blue">
       <a:dk1>
         <a:sysClr val="windowText" lastClr="000000"/>
       </a:dk1>
@@ -9785,52 +12666,52 @@
         <a:sysClr val="window" lastClr="FFFFFF"/>
       </a:lt1>
       <a:dk2>
-        <a:srgbClr val="44546A"/>
+        <a:srgbClr val="17406D"/>
       </a:dk2>
       <a:lt2>
-        <a:srgbClr val="E7E6E6"/>
+        <a:srgbClr val="DBEFF9"/>
       </a:lt2>
       <a:accent1>
-        <a:srgbClr val="4472C4"/>
+        <a:srgbClr val="0F6FC6"/>
       </a:accent1>
       <a:accent2>
-        <a:srgbClr val="ED7D31"/>
+        <a:srgbClr val="009DD9"/>
       </a:accent2>
       <a:accent3>
-        <a:srgbClr val="A5A5A5"/>
+        <a:srgbClr val="0BD0D9"/>
       </a:accent3>
       <a:accent4>
-        <a:srgbClr val="FFC000"/>
+        <a:srgbClr val="10CF9B"/>
       </a:accent4>
       <a:accent5>
-        <a:srgbClr val="5B9BD5"/>
+        <a:srgbClr val="7CCA62"/>
       </a:accent5>
       <a:accent6>
-        <a:srgbClr val="70AD47"/>
+        <a:srgbClr val="A5C249"/>
       </a:accent6>
       <a:hlink>
-        <a:srgbClr val="0563C1"/>
+        <a:srgbClr val="F49100"/>
       </a:hlink>
       <a:folHlink>
-        <a:srgbClr val="954F72"/>
+        <a:srgbClr val="85DFD0"/>
       </a:folHlink>
     </a:clrScheme>
-    <a:fontScheme name="Office">
+    <a:fontScheme name="Facet">
       <a:majorFont>
-        <a:latin typeface="Calibri Light" panose="020F0302020204030204"/>
+        <a:latin typeface="Trebuchet MS" panose="020B0603020202020204"/>
         <a:ea typeface=""/>
         <a:cs typeface=""/>
-        <a:font script="Jpan" typeface="游ゴシック Light"/>
+        <a:font script="Jpan" typeface="メイリオ"/>
         <a:font script="Hang" typeface="맑은 고딕"/>
-        <a:font script="Hans" typeface="等线 Light"/>
-        <a:font script="Hant" typeface="新細明體"/>
-        <a:font script="Arab" typeface="Times New Roman"/>
-        <a:font script="Hebr" typeface="Times New Roman"/>
-        <a:font script="Thai" typeface="Angsana New"/>
+        <a:font script="Hans" typeface="方正姚体"/>
+        <a:font script="Hant" typeface="微軟正黑體"/>
+        <a:font script="Arab" typeface="Tahoma"/>
+        <a:font script="Hebr" typeface="Arial"/>
+        <a:font script="Thai" typeface="Cordia New"/>
         <a:font script="Ethi" typeface="Nyala"/>
         <a:font script="Beng" typeface="Vrinda"/>
         <a:font script="Gujr" typeface="Shruti"/>
-        <a:font script="Khmr" typeface="MoolBoran"/>
+        <a:font script="Khmr" typeface="DaunPenh"/>
         <a:font script="Knda" typeface="Tunga"/>
         <a:font script="Guru" typeface="Raavi"/>
         <a:font script="Cans" typeface="Euphemia"/>
@@ -9847,38 +12728,21 @@
         <a:font script="Laoo" typeface="DokChampa"/>
         <a:font script="Sinh" typeface="Iskoola Pota"/>
         <a:font script="Mong" typeface="Mongolian Baiti"/>
-        <a:font script="Viet" typeface="Times New Roman"/>
+        <a:font script="Viet" typeface="Tahoma"/>
         <a:font script="Uigh" typeface="Microsoft Uighur"/>
         <a:font script="Geor" typeface="Sylfaen"/>
-        <a:font script="Armn" typeface="Arial"/>
-        <a:font script="Bugi" typeface="Leelawadee UI"/>
-        <a:font script="Bopo" typeface="Microsoft JhengHei"/>
-        <a:font script="Java" typeface="Javanese Text"/>
-        <a:font script="Lisu" typeface="Segoe UI"/>
-        <a:font script="Mymr" typeface="Myanmar Text"/>
-        <a:font script="Nkoo" typeface="Ebrima"/>
-        <a:font script="Olck" typeface="Nirmala UI"/>
-        <a:font script="Osma" typeface="Ebrima"/>
-        <a:font script="Phag" typeface="Phagspa"/>
-        <a:font script="Syrn" typeface="Estrangelo Edessa"/>
-        <a:font script="Syrj" typeface="Estrangelo Edessa"/>
-        <a:font script="Syre" typeface="Estrangelo Edessa"/>
-        <a:font script="Sora" typeface="Nirmala UI"/>
-        <a:font script="Tale" typeface="Microsoft Tai Le"/>
-        <a:font script="Talu" typeface="Microsoft New Tai Lue"/>
-        <a:font script="Tfng" typeface="Ebrima"/>
       </a:majorFont>
       <a:minorFont>
-        <a:latin typeface="Calibri" panose="020F0502020204030204"/>
+        <a:latin typeface="Trebuchet MS" panose="020B0603020202020204"/>
         <a:ea typeface=""/>
         <a:cs typeface=""/>
-        <a:font script="Jpan" typeface="游ゴシック"/>
-        <a:font script="Hang" typeface="맑은 고딕"/>
-        <a:font script="Hans" typeface="等线"/>
-        <a:font script="Hant" typeface="新細明體"/>
-        <a:font script="Arab" typeface="Arial"/>
-        <a:font script="Hebr" typeface="Arial"/>
-        <a:font script="Thai" typeface="Cordia New"/>
+        <a:font script="Jpan" typeface="メイリオ"/>
+        <a:font script="Hang" typeface="HY그래픽M"/>
+        <a:font script="Hans" typeface="华文新魏"/>
+        <a:font script="Hant" typeface="微軟正黑體"/>
+        <a:font script="Arab" typeface="Tahoma"/>
+        <a:font script="Hebr" typeface="Gisha"/>
+        <a:font script="Thai" typeface="IrisUPC"/>
         <a:font script="Ethi" typeface="Nyala"/>
         <a:font script="Beng" typeface="Vrinda"/>
         <a:font script="Gujr" typeface="Shruti"/>
@@ -9902,26 +12766,9 @@
         <a:font script="Viet" typeface="Arial"/>
         <a:font script="Uigh" typeface="Microsoft Uighur"/>
         <a:font script="Geor" typeface="Sylfaen"/>
-        <a:font script="Armn" typeface="Arial"/>
-        <a:font script="Bugi" typeface="Leelawadee UI"/>
-        <a:font script="Bopo" typeface="Microsoft JhengHei"/>
-        <a:font script="Java" typeface="Javanese Text"/>
-        <a:font script="Lisu" typeface="Segoe UI"/>
-        <a:font script="Mymr" typeface="Myanmar Text"/>
-        <a:font script="Nkoo" typeface="Ebrima"/>
-        <a:font script="Olck" typeface="Nirmala UI"/>
-        <a:font script="Osma" typeface="Ebrima"/>
-        <a:font script="Phag" typeface="Phagspa"/>
-        <a:font script="Syrn" typeface="Estrangelo Edessa"/>
-        <a:font script="Syrj" typeface="Estrangelo Edessa"/>
-        <a:font script="Syre" typeface="Estrangelo Edessa"/>
-        <a:font script="Sora" typeface="Nirmala UI"/>
-        <a:font script="Tale" typeface="Microsoft Tai Le"/>
-        <a:font script="Talu" typeface="Microsoft New Tai Lue"/>
-        <a:font script="Tfng" typeface="Ebrima"/>
       </a:minorFont>
     </a:fontScheme>
-    <a:fmtScheme name="Office">
+    <a:fmtScheme name="Facet">
       <a:fillStyleLst>
         <a:solidFill>
           <a:schemeClr val="phClr"/>
@@ -9930,23 +12777,13 @@
           <a:gsLst>
             <a:gs pos="0">
               <a:schemeClr val="phClr">
+                <a:tint val="65000"/>
                 <a:lumMod val="110000"/>
-                <a:satMod val="105000"/>
-                <a:tint val="67000"/>
               </a:schemeClr>
             </a:gs>
-            <a:gs pos="50000">
+            <a:gs pos="88000">
               <a:schemeClr val="phClr">
-                <a:lumMod val="105000"/>
-                <a:satMod val="103000"/>
-                <a:tint val="73000"/>
-              </a:schemeClr>
-            </a:gs>
-            <a:gs pos="100000">
-              <a:schemeClr val="phClr">
-                <a:lumMod val="105000"/>
-                <a:satMod val="109000"/>
-                <a:tint val="81000"/>
+                <a:tint val="90000"/>
               </a:schemeClr>
             </a:gs>
           </a:gsLst>
@@ -9956,23 +12793,14 @@
           <a:gsLst>
             <a:gs pos="0">
               <a:schemeClr val="phClr">
-                <a:satMod val="103000"/>
-                <a:lumMod val="102000"/>
-                <a:tint val="94000"/>
+                <a:tint val="96000"/>
+                <a:lumMod val="100000"/>
               </a:schemeClr>
             </a:gs>
-            <a:gs pos="50000">
+            <a:gs pos="78000">
               <a:schemeClr val="phClr">
-                <a:satMod val="110000"/>
-                <a:lumMod val="100000"/>
-                <a:shade val="100000"/>
-              </a:schemeClr>
-            </a:gs>
-            <a:gs pos="100000">
-              <a:schemeClr val="phClr">
-                <a:lumMod val="99000"/>
-                <a:satMod val="120000"/>
-                <a:shade val="78000"/>
+                <a:shade val="94000"/>
+                <a:lumMod val="94000"/>
               </a:schemeClr>
             </a:gs>
           </a:gsLst>
@@ -9980,26 +12808,23 @@
         </a:gradFill>
       </a:fillStyleLst>
       <a:lnStyleLst>
-        <a:ln w="6350" cap="flat" cmpd="sng" algn="ctr">
+        <a:ln w="12700" cap="rnd" cmpd="sng" algn="ctr">
           <a:solidFill>
             <a:schemeClr val="phClr"/>
           </a:solidFill>
           <a:prstDash val="solid"/>
-          <a:miter lim="800000"/>
         </a:ln>
-        <a:ln w="12700" cap="flat" cmpd="sng" algn="ctr">
+        <a:ln w="19050" cap="rnd" cmpd="sng" algn="ctr">
           <a:solidFill>
             <a:schemeClr val="phClr"/>
           </a:solidFill>
           <a:prstDash val="solid"/>
-          <a:miter lim="800000"/>
         </a:ln>
-        <a:ln w="19050" cap="flat" cmpd="sng" algn="ctr">
+        <a:ln w="25400" cap="rnd" cmpd="sng" algn="ctr">
           <a:solidFill>
             <a:schemeClr val="phClr"/>
           </a:solidFill>
           <a:prstDash val="solid"/>
-          <a:miter lim="800000"/>
         </a:ln>
       </a:lnStyleLst>
       <a:effectStyleLst>
@@ -10007,54 +12832,72 @@
           <a:effectLst/>
         </a:effectStyle>
         <a:effectStyle>
-          <a:effectLst/>
+          <a:effectLst>
+            <a:outerShdw blurRad="38100" dist="25400" dir="5400000" rotWithShape="0">
+              <a:srgbClr val="000000">
+                <a:alpha val="35000"/>
+              </a:srgbClr>
+            </a:outerShdw>
+          </a:effectLst>
         </a:effectStyle>
         <a:effectStyle>
           <a:effectLst>
-            <a:outerShdw blurRad="57150" dist="19050" dir="5400000" algn="ctr" rotWithShape="0">
+            <a:outerShdw blurRad="50800" dist="38100" dir="5400000" rotWithShape="0">
               <a:srgbClr val="000000">
-                <a:alpha val="63000"/>
+                <a:alpha val="35000"/>
               </a:srgbClr>
             </a:outerShdw>
           </a:effectLst>
+          <a:scene3d>
+            <a:camera prst="orthographicFront">
+              <a:rot lat="0" lon="0" rev="0"/>
+            </a:camera>
+            <a:lightRig rig="threePt" dir="tl"/>
+          </a:scene3d>
+          <a:sp3d prstMaterial="plastic">
+            <a:bevelT w="0" h="0"/>
+          </a:sp3d>
         </a:effectStyle>
       </a:effectStyleLst>
       <a:bgFillStyleLst>
         <a:solidFill>
           <a:schemeClr val="phClr"/>
         </a:solidFill>
-        <a:solidFill>
-          <a:schemeClr val="phClr">
-            <a:tint val="95000"/>
-            <a:satMod val="170000"/>
-          </a:schemeClr>
-        </a:solidFill>
         <a:gradFill rotWithShape="1">
           <a:gsLst>
             <a:gs pos="0">
               <a:schemeClr val="phClr">
-                <a:tint val="93000"/>
-                <a:satMod val="150000"/>
-                <a:shade val="98000"/>
-                <a:lumMod val="102000"/>
+                <a:tint val="90000"/>
+                <a:lumMod val="104000"/>
               </a:schemeClr>
             </a:gs>
-            <a:gs pos="50000">
+            <a:gs pos="94000">
               <a:schemeClr val="phClr">
-                <a:tint val="98000"/>
-                <a:satMod val="130000"/>
-                <a:shade val="90000"/>
-                <a:lumMod val="103000"/>
+                <a:shade val="96000"/>
+                <a:lumMod val="82000"/>
+              </a:schemeClr>
+            </a:gs>
+          </a:gsLst>
+          <a:lin ang="5400000" scaled="0"/>
+        </a:gradFill>
+        <a:gradFill rotWithShape="1">
+          <a:gsLst>
+            <a:gs pos="0">
+              <a:schemeClr val="phClr">
+                <a:tint val="90000"/>
+                <a:lumMod val="110000"/>
               </a:schemeClr>
             </a:gs>
             <a:gs pos="100000">
               <a:schemeClr val="phClr">
-                <a:shade val="63000"/>
-                <a:satMod val="120000"/>
+                <a:shade val="94000"/>
+                <a:lumMod val="96000"/>
               </a:schemeClr>
             </a:gs>
           </a:gsLst>
-          <a:lin ang="5400000" scaled="0"/>
+          <a:path path="circle">
+            <a:fillToRect l="50000" t="50000" r="100000" b="100000"/>
+          </a:path>
         </a:gradFill>
       </a:bgFillStyleLst>
     </a:fmtScheme>
@@ -10063,7 +12906,7 @@
   <a:extraClrSchemeLst/>
   <a:extLst>
     <a:ext uri="{05A4C25C-085E-4340-85A3-A5531E510DB2}">
-      <thm15:themeFamily xmlns:thm15="http://schemas.microsoft.com/office/thememl/2012/main" name="Office Theme" id="{62F939B6-93AF-4DB8-9C6B-D6C7DFDC589F}" vid="{4A3C46E8-61CC-4603-A589-7422A47A8E4A}"/>
+      <thm15:themeFamily xmlns:thm15="http://schemas.microsoft.com/office/thememl/2012/main" name="Facet" id="{C0C680CD-088A-49FC-A102-D699147F32B2}" vid="{CFBC31BA-B70F-4F30-BCAA-4F3011E16C4D}"/>
     </a:ext>
   </a:extLst>
 </a:theme>

--- a/DBT training.pptx
+++ b/DBT training.pptx
@@ -24,13 +24,14 @@
     <p:sldId id="268" r:id="rId18"/>
     <p:sldId id="277" r:id="rId19"/>
     <p:sldId id="278" r:id="rId20"/>
-    <p:sldId id="274" r:id="rId21"/>
-    <p:sldId id="270" r:id="rId22"/>
-    <p:sldId id="271" r:id="rId23"/>
-    <p:sldId id="279" r:id="rId24"/>
-    <p:sldId id="280" r:id="rId25"/>
-    <p:sldId id="281" r:id="rId26"/>
-    <p:sldId id="282" r:id="rId27"/>
+    <p:sldId id="285" r:id="rId21"/>
+    <p:sldId id="274" r:id="rId22"/>
+    <p:sldId id="270" r:id="rId23"/>
+    <p:sldId id="271" r:id="rId24"/>
+    <p:sldId id="279" r:id="rId25"/>
+    <p:sldId id="280" r:id="rId26"/>
+    <p:sldId id="281" r:id="rId27"/>
+    <p:sldId id="282" r:id="rId28"/>
   </p:sldIdLst>
   <p:sldSz cx="12192000" cy="6858000"/>
   <p:notesSz cx="6858000" cy="9144000"/>
@@ -1460,7 +1461,7 @@
           <a:p>
             <a:fld id="{81A56D06-1AE9-42BA-B013-77732A164FA0}" type="datetimeFigureOut">
               <a:rPr lang="en-IN" smtClean="0"/>
-              <a:t>28-10-2023</a:t>
+              <a:t>29-10-2023</a:t>
             </a:fld>
             <a:endParaRPr lang="en-IN"/>
           </a:p>
@@ -1711,7 +1712,7 @@
           <a:p>
             <a:fld id="{81A56D06-1AE9-42BA-B013-77732A164FA0}" type="datetimeFigureOut">
               <a:rPr lang="en-IN" smtClean="0"/>
-              <a:t>28-10-2023</a:t>
+              <a:t>29-10-2023</a:t>
             </a:fld>
             <a:endParaRPr lang="en-IN"/>
           </a:p>
@@ -2025,7 +2026,7 @@
           <a:p>
             <a:fld id="{81A56D06-1AE9-42BA-B013-77732A164FA0}" type="datetimeFigureOut">
               <a:rPr lang="en-IN" smtClean="0"/>
-              <a:t>28-10-2023</a:t>
+              <a:t>29-10-2023</a:t>
             </a:fld>
             <a:endParaRPr lang="en-IN"/>
           </a:p>
@@ -2366,7 +2367,7 @@
           <a:p>
             <a:fld id="{81A56D06-1AE9-42BA-B013-77732A164FA0}" type="datetimeFigureOut">
               <a:rPr lang="en-IN" smtClean="0"/>
-              <a:t>28-10-2023</a:t>
+              <a:t>29-10-2023</a:t>
             </a:fld>
             <a:endParaRPr lang="en-IN"/>
           </a:p>
@@ -2680,7 +2681,7 @@
           <a:p>
             <a:fld id="{81A56D06-1AE9-42BA-B013-77732A164FA0}" type="datetimeFigureOut">
               <a:rPr lang="en-IN" smtClean="0"/>
-              <a:t>28-10-2023</a:t>
+              <a:t>29-10-2023</a:t>
             </a:fld>
             <a:endParaRPr lang="en-IN"/>
           </a:p>
@@ -3073,7 +3074,7 @@
           <a:p>
             <a:fld id="{81A56D06-1AE9-42BA-B013-77732A164FA0}" type="datetimeFigureOut">
               <a:rPr lang="en-IN" smtClean="0"/>
-              <a:t>28-10-2023</a:t>
+              <a:t>29-10-2023</a:t>
             </a:fld>
             <a:endParaRPr lang="en-IN"/>
           </a:p>
@@ -3243,7 +3244,7 @@
           <a:p>
             <a:fld id="{81A56D06-1AE9-42BA-B013-77732A164FA0}" type="datetimeFigureOut">
               <a:rPr lang="en-IN" smtClean="0"/>
-              <a:t>28-10-2023</a:t>
+              <a:t>29-10-2023</a:t>
             </a:fld>
             <a:endParaRPr lang="en-IN"/>
           </a:p>
@@ -3423,7 +3424,7 @@
           <a:p>
             <a:fld id="{81A56D06-1AE9-42BA-B013-77732A164FA0}" type="datetimeFigureOut">
               <a:rPr lang="en-IN" smtClean="0"/>
-              <a:t>28-10-2023</a:t>
+              <a:t>29-10-2023</a:t>
             </a:fld>
             <a:endParaRPr lang="en-IN"/>
           </a:p>
@@ -3599,7 +3600,7 @@
           <a:p>
             <a:fld id="{81A56D06-1AE9-42BA-B013-77732A164FA0}" type="datetimeFigureOut">
               <a:rPr lang="en-IN" smtClean="0"/>
-              <a:t>28-10-2023</a:t>
+              <a:t>29-10-2023</a:t>
             </a:fld>
             <a:endParaRPr lang="en-IN"/>
           </a:p>
@@ -3846,7 +3847,7 @@
           <a:p>
             <a:fld id="{81A56D06-1AE9-42BA-B013-77732A164FA0}" type="datetimeFigureOut">
               <a:rPr lang="en-IN" smtClean="0"/>
-              <a:t>28-10-2023</a:t>
+              <a:t>29-10-2023</a:t>
             </a:fld>
             <a:endParaRPr lang="en-IN"/>
           </a:p>
@@ -4078,7 +4079,7 @@
           <a:p>
             <a:fld id="{81A56D06-1AE9-42BA-B013-77732A164FA0}" type="datetimeFigureOut">
               <a:rPr lang="en-IN" smtClean="0"/>
-              <a:t>28-10-2023</a:t>
+              <a:t>29-10-2023</a:t>
             </a:fld>
             <a:endParaRPr lang="en-IN"/>
           </a:p>
@@ -4452,7 +4453,7 @@
           <a:p>
             <a:fld id="{81A56D06-1AE9-42BA-B013-77732A164FA0}" type="datetimeFigureOut">
               <a:rPr lang="en-IN" smtClean="0"/>
-              <a:t>28-10-2023</a:t>
+              <a:t>29-10-2023</a:t>
             </a:fld>
             <a:endParaRPr lang="en-IN"/>
           </a:p>
@@ -4575,7 +4576,7 @@
           <a:p>
             <a:fld id="{81A56D06-1AE9-42BA-B013-77732A164FA0}" type="datetimeFigureOut">
               <a:rPr lang="en-IN" smtClean="0"/>
-              <a:t>28-10-2023</a:t>
+              <a:t>29-10-2023</a:t>
             </a:fld>
             <a:endParaRPr lang="en-IN"/>
           </a:p>
@@ -4670,7 +4671,7 @@
           <a:p>
             <a:fld id="{81A56D06-1AE9-42BA-B013-77732A164FA0}" type="datetimeFigureOut">
               <a:rPr lang="en-IN" smtClean="0"/>
-              <a:t>28-10-2023</a:t>
+              <a:t>29-10-2023</a:t>
             </a:fld>
             <a:endParaRPr lang="en-IN"/>
           </a:p>
@@ -4925,7 +4926,7 @@
           <a:p>
             <a:fld id="{81A56D06-1AE9-42BA-B013-77732A164FA0}" type="datetimeFigureOut">
               <a:rPr lang="en-IN" smtClean="0"/>
-              <a:t>28-10-2023</a:t>
+              <a:t>29-10-2023</a:t>
             </a:fld>
             <a:endParaRPr lang="en-IN"/>
           </a:p>
@@ -5188,7 +5189,7 @@
           <a:p>
             <a:fld id="{81A56D06-1AE9-42BA-B013-77732A164FA0}" type="datetimeFigureOut">
               <a:rPr lang="en-IN" smtClean="0"/>
-              <a:t>28-10-2023</a:t>
+              <a:t>29-10-2023</a:t>
             </a:fld>
             <a:endParaRPr lang="en-IN"/>
           </a:p>
@@ -5931,7 +5932,7 @@
           <a:p>
             <a:fld id="{81A56D06-1AE9-42BA-B013-77732A164FA0}" type="datetimeFigureOut">
               <a:rPr lang="en-IN" smtClean="0"/>
-              <a:t>28-10-2023</a:t>
+              <a:t>29-10-2023</a:t>
             </a:fld>
             <a:endParaRPr lang="en-IN"/>
           </a:p>
@@ -9009,6 +9010,189 @@
       </p:grpSpPr>
       <p:sp>
         <p:nvSpPr>
+          <p:cNvPr id="2" name="Title 1">
+            <a:extLst>
+              <a:ext uri="{FF2B5EF4-FFF2-40B4-BE49-F238E27FC236}">
+                <a16:creationId xmlns:a16="http://schemas.microsoft.com/office/drawing/2014/main" id="{E26BD029-FD71-F39E-D3C8-F8971A490671}"/>
+              </a:ext>
+            </a:extLst>
+          </p:cNvPr>
+          <p:cNvSpPr>
+            <a:spLocks noGrp="1"/>
+          </p:cNvSpPr>
+          <p:nvPr>
+            <p:ph type="title"/>
+          </p:nvPr>
+        </p:nvSpPr>
+        <p:spPr>
+          <a:xfrm>
+            <a:off x="677334" y="263091"/>
+            <a:ext cx="8596668" cy="863066"/>
+          </a:xfrm>
+        </p:spPr>
+        <p:txBody>
+          <a:bodyPr/>
+          <a:lstStyle/>
+          <a:p>
+            <a:r>
+              <a:rPr lang="en-US" dirty="0"/>
+              <a:t>Data quality tests(Mocking data)</a:t>
+            </a:r>
+            <a:endParaRPr lang="en-IN" dirty="0"/>
+          </a:p>
+        </p:txBody>
+      </p:sp>
+      <p:sp>
+        <p:nvSpPr>
+          <p:cNvPr id="3" name="Content Placeholder 2">
+            <a:extLst>
+              <a:ext uri="{FF2B5EF4-FFF2-40B4-BE49-F238E27FC236}">
+                <a16:creationId xmlns:a16="http://schemas.microsoft.com/office/drawing/2014/main" id="{8841F93B-7455-0B51-4E20-32C8207F3837}"/>
+              </a:ext>
+            </a:extLst>
+          </p:cNvPr>
+          <p:cNvSpPr>
+            <a:spLocks noGrp="1"/>
+          </p:cNvSpPr>
+          <p:nvPr>
+            <p:ph idx="1"/>
+          </p:nvPr>
+        </p:nvSpPr>
+        <p:spPr>
+          <a:xfrm>
+            <a:off x="677333" y="1039529"/>
+            <a:ext cx="8668797" cy="5245768"/>
+          </a:xfrm>
+        </p:spPr>
+        <p:txBody>
+          <a:bodyPr/>
+          <a:lstStyle/>
+          <a:p>
+            <a:r>
+              <a:rPr lang="en-US" dirty="0"/>
+              <a:t>Here we use an Equal Experts package that uses mocking data strategy to test our models.</a:t>
+            </a:r>
+          </a:p>
+          <a:p>
+            <a:r>
+              <a:rPr lang="en-US" dirty="0"/>
+              <a:t>packages:</a:t>
+            </a:r>
+          </a:p>
+          <a:p>
+            <a:pPr marL="0" indent="0">
+              <a:buNone/>
+            </a:pPr>
+            <a:r>
+              <a:rPr lang="en-US" dirty="0"/>
+              <a:t>       - package: </a:t>
+            </a:r>
+            <a:r>
+              <a:rPr lang="en-US" dirty="0" err="1"/>
+              <a:t>EqualExperts</a:t>
+            </a:r>
+            <a:r>
+              <a:rPr lang="en-US" dirty="0"/>
+              <a:t>/</a:t>
+            </a:r>
+            <a:r>
+              <a:rPr lang="en-US" dirty="0" err="1"/>
+              <a:t>dbt_unit_testing</a:t>
+            </a:r>
+            <a:endParaRPr lang="en-US" dirty="0"/>
+          </a:p>
+          <a:p>
+            <a:pPr marL="0" indent="0">
+              <a:buNone/>
+            </a:pPr>
+            <a:r>
+              <a:rPr lang="en-US" dirty="0"/>
+              <a:t>         version: 0.3.3</a:t>
+            </a:r>
+          </a:p>
+          <a:p>
+            <a:r>
+              <a:rPr lang="en-US" dirty="0"/>
+              <a:t>Link: </a:t>
+            </a:r>
+            <a:r>
+              <a:rPr lang="en-US" dirty="0">
+                <a:hlinkClick r:id="rId2"/>
+              </a:rPr>
+              <a:t>https://github.com/EqualExperts/dbt-unit-testing/tree/master</a:t>
+            </a:r>
+            <a:endParaRPr lang="en-US" dirty="0"/>
+          </a:p>
+          <a:p>
+            <a:endParaRPr lang="en-US" dirty="0"/>
+          </a:p>
+          <a:p>
+            <a:endParaRPr lang="en-IN" dirty="0"/>
+          </a:p>
+        </p:txBody>
+      </p:sp>
+      <p:pic>
+        <p:nvPicPr>
+          <p:cNvPr id="5" name="Picture 4">
+            <a:extLst>
+              <a:ext uri="{FF2B5EF4-FFF2-40B4-BE49-F238E27FC236}">
+                <a16:creationId xmlns:a16="http://schemas.microsoft.com/office/drawing/2014/main" id="{511ABA76-9B2C-A8F5-C398-BABB276D6CDD}"/>
+              </a:ext>
+            </a:extLst>
+          </p:cNvPr>
+          <p:cNvPicPr>
+            <a:picLocks noChangeAspect="1"/>
+          </p:cNvPicPr>
+          <p:nvPr/>
+        </p:nvPicPr>
+        <p:blipFill>
+          <a:blip r:embed="rId3"/>
+          <a:stretch>
+            <a:fillRect/>
+          </a:stretch>
+        </p:blipFill>
+        <p:spPr>
+          <a:xfrm>
+            <a:off x="804922" y="3396670"/>
+            <a:ext cx="6693158" cy="2483514"/>
+          </a:xfrm>
+          <a:prstGeom prst="rect">
+            <a:avLst/>
+          </a:prstGeom>
+        </p:spPr>
+      </p:pic>
+    </p:spTree>
+    <p:extLst>
+      <p:ext uri="{BB962C8B-B14F-4D97-AF65-F5344CB8AC3E}">
+        <p14:creationId xmlns:p14="http://schemas.microsoft.com/office/powerpoint/2010/main" val="238123487"/>
+      </p:ext>
+    </p:extLst>
+  </p:cSld>
+  <p:clrMapOvr>
+    <a:masterClrMapping/>
+  </p:clrMapOvr>
+</p:sld>
+</file>
+
+<file path=ppt/slides/slide21.xml><?xml version="1.0" encoding="utf-8"?>
+<p:sld xmlns:a="http://schemas.openxmlformats.org/drawingml/2006/main" xmlns:r="http://schemas.openxmlformats.org/officeDocument/2006/relationships" xmlns:p="http://schemas.openxmlformats.org/presentationml/2006/main">
+  <p:cSld>
+    <p:spTree>
+      <p:nvGrpSpPr>
+        <p:cNvPr id="1" name=""/>
+        <p:cNvGrpSpPr/>
+        <p:nvPr/>
+      </p:nvGrpSpPr>
+      <p:grpSpPr>
+        <a:xfrm>
+          <a:off x="0" y="0"/>
+          <a:ext cx="0" cy="0"/>
+          <a:chOff x="0" y="0"/>
+          <a:chExt cx="0" cy="0"/>
+        </a:xfrm>
+      </p:grpSpPr>
+      <p:sp>
+        <p:nvSpPr>
           <p:cNvPr id="3" name="Content Placeholder 2">
             <a:extLst>
               <a:ext uri="{FF2B5EF4-FFF2-40B4-BE49-F238E27FC236}">
@@ -9164,140 +9348,6 @@
 </p:sld>
 </file>
 
-<file path=ppt/slides/slide21.xml><?xml version="1.0" encoding="utf-8"?>
-<p:sld xmlns:a="http://schemas.openxmlformats.org/drawingml/2006/main" xmlns:r="http://schemas.openxmlformats.org/officeDocument/2006/relationships" xmlns:p="http://schemas.openxmlformats.org/presentationml/2006/main">
-  <p:cSld>
-    <p:spTree>
-      <p:nvGrpSpPr>
-        <p:cNvPr id="1" name=""/>
-        <p:cNvGrpSpPr/>
-        <p:nvPr/>
-      </p:nvGrpSpPr>
-      <p:grpSpPr>
-        <a:xfrm>
-          <a:off x="0" y="0"/>
-          <a:ext cx="0" cy="0"/>
-          <a:chOff x="0" y="0"/>
-          <a:chExt cx="0" cy="0"/>
-        </a:xfrm>
-      </p:grpSpPr>
-      <p:sp>
-        <p:nvSpPr>
-          <p:cNvPr id="2" name="Title 1">
-            <a:extLst>
-              <a:ext uri="{FF2B5EF4-FFF2-40B4-BE49-F238E27FC236}">
-                <a16:creationId xmlns:a16="http://schemas.microsoft.com/office/drawing/2014/main" id="{A1438846-E022-173F-48CA-682518AA9CEA}"/>
-              </a:ext>
-            </a:extLst>
-          </p:cNvPr>
-          <p:cNvSpPr>
-            <a:spLocks noGrp="1"/>
-          </p:cNvSpPr>
-          <p:nvPr>
-            <p:ph type="title"/>
-          </p:nvPr>
-        </p:nvSpPr>
-        <p:spPr/>
-        <p:txBody>
-          <a:bodyPr/>
-          <a:lstStyle/>
-          <a:p>
-            <a:r>
-              <a:rPr lang="en-IN" dirty="0"/>
-              <a:t>Macros</a:t>
-            </a:r>
-          </a:p>
-        </p:txBody>
-      </p:sp>
-      <p:sp>
-        <p:nvSpPr>
-          <p:cNvPr id="3" name="Content Placeholder 2">
-            <a:extLst>
-              <a:ext uri="{FF2B5EF4-FFF2-40B4-BE49-F238E27FC236}">
-                <a16:creationId xmlns:a16="http://schemas.microsoft.com/office/drawing/2014/main" id="{C62BC4AB-36DF-323F-FD54-9851E7CE2D92}"/>
-              </a:ext>
-            </a:extLst>
-          </p:cNvPr>
-          <p:cNvSpPr>
-            <a:spLocks noGrp="1"/>
-          </p:cNvSpPr>
-          <p:nvPr>
-            <p:ph idx="1"/>
-          </p:nvPr>
-        </p:nvSpPr>
-        <p:spPr/>
-        <p:txBody>
-          <a:bodyPr>
-            <a:normAutofit/>
-          </a:bodyPr>
-          <a:lstStyle/>
-          <a:p>
-            <a:pPr algn="l"/>
-            <a:r>
-              <a:rPr lang="en-IN" b="1" i="0" dirty="0">
-                <a:solidFill>
-                  <a:srgbClr val="36394D"/>
-                </a:solidFill>
-                <a:effectLst/>
-                <a:latin typeface="Source Sans Pro" panose="020B0503030403020204" pitchFamily="34" charset="0"/>
-              </a:rPr>
-              <a:t>Macros</a:t>
-            </a:r>
-            <a:r>
-              <a:rPr lang="en-IN" b="0" i="0" dirty="0">
-                <a:solidFill>
-                  <a:srgbClr val="36394D"/>
-                </a:solidFill>
-                <a:effectLst/>
-                <a:latin typeface="Source Sans Pro" panose="020B0503030403020204" pitchFamily="34" charset="0"/>
-              </a:rPr>
-              <a:t> are functions that are written in Jinja. This allows us to write generic logic once, and then reference that logic throughout our project.</a:t>
-            </a:r>
-          </a:p>
-          <a:p>
-            <a:pPr algn="l"/>
-            <a:r>
-              <a:rPr lang="en-IN" b="0" i="0" dirty="0">
-                <a:solidFill>
-                  <a:srgbClr val="36394D"/>
-                </a:solidFill>
-                <a:effectLst/>
-                <a:latin typeface="Source Sans Pro" panose="020B0503030403020204" pitchFamily="34" charset="0"/>
-              </a:rPr>
-              <a:t>Consider the case where we have three models that use the same logic. We could copy paste the logic between those three models. If we want to change that logic, we need to make the change in three different places.</a:t>
-            </a:r>
-          </a:p>
-          <a:p>
-            <a:pPr algn="l"/>
-            <a:r>
-              <a:rPr lang="en-IN" b="0" i="0" dirty="0">
-                <a:solidFill>
-                  <a:srgbClr val="36394D"/>
-                </a:solidFill>
-                <a:effectLst/>
-                <a:latin typeface="Source Sans Pro" panose="020B0503030403020204" pitchFamily="34" charset="0"/>
-              </a:rPr>
-              <a:t>Macros allow us to write that logic once in one place and then reference that logic in those three models. If we want to change the logic, we make that change in the definition of the macro and this is automatically used in those three models.</a:t>
-            </a:r>
-          </a:p>
-          <a:p>
-            <a:endParaRPr lang="en-IN" dirty="0"/>
-          </a:p>
-        </p:txBody>
-      </p:sp>
-    </p:spTree>
-    <p:extLst>
-      <p:ext uri="{BB962C8B-B14F-4D97-AF65-F5344CB8AC3E}">
-        <p14:creationId xmlns:p14="http://schemas.microsoft.com/office/powerpoint/2010/main" val="996765958"/>
-      </p:ext>
-    </p:extLst>
-  </p:cSld>
-  <p:clrMapOvr>
-    <a:masterClrMapping/>
-  </p:clrMapOvr>
-</p:sld>
-</file>
-
 <file path=ppt/slides/slide22.xml><?xml version="1.0" encoding="utf-8"?>
 <p:sld xmlns:a="http://schemas.openxmlformats.org/drawingml/2006/main" xmlns:r="http://schemas.openxmlformats.org/officeDocument/2006/relationships" xmlns:p="http://schemas.openxmlformats.org/presentationml/2006/main">
   <p:cSld>
@@ -9320,7 +9370,7 @@
           <p:cNvPr id="2" name="Title 1">
             <a:extLst>
               <a:ext uri="{FF2B5EF4-FFF2-40B4-BE49-F238E27FC236}">
-                <a16:creationId xmlns:a16="http://schemas.microsoft.com/office/drawing/2014/main" id="{26DF278D-B89C-369A-3E76-C4A50C75CC2A}"/>
+                <a16:creationId xmlns:a16="http://schemas.microsoft.com/office/drawing/2014/main" id="{A1438846-E022-173F-48CA-682518AA9CEA}"/>
               </a:ext>
             </a:extLst>
           </p:cNvPr>
@@ -9331,19 +9381,14 @@
             <p:ph type="title"/>
           </p:nvPr>
         </p:nvSpPr>
-        <p:spPr>
-          <a:xfrm>
-            <a:off x="838200" y="253999"/>
-            <a:ext cx="10382250" cy="854075"/>
-          </a:xfrm>
-        </p:spPr>
+        <p:spPr/>
         <p:txBody>
           <a:bodyPr/>
           <a:lstStyle/>
           <a:p>
             <a:r>
-              <a:rPr lang="en-IN" b="1" dirty="0"/>
-              <a:t>Jinja</a:t>
+              <a:rPr lang="en-IN" dirty="0"/>
+              <a:t>Macros</a:t>
             </a:r>
           </a:p>
         </p:txBody>
@@ -9353,7 +9398,7 @@
           <p:cNvPr id="3" name="Content Placeholder 2">
             <a:extLst>
               <a:ext uri="{FF2B5EF4-FFF2-40B4-BE49-F238E27FC236}">
-                <a16:creationId xmlns:a16="http://schemas.microsoft.com/office/drawing/2014/main" id="{95B996CD-F53C-8F3E-804F-3F0EAFFB3ADC}"/>
+                <a16:creationId xmlns:a16="http://schemas.microsoft.com/office/drawing/2014/main" id="{C62BC4AB-36DF-323F-FD54-9851E7CE2D92}"/>
               </a:ext>
             </a:extLst>
           </p:cNvPr>
@@ -9364,16 +9409,24 @@
             <p:ph idx="1"/>
           </p:nvPr>
         </p:nvSpPr>
-        <p:spPr>
-          <a:xfrm>
-            <a:off x="695325" y="1343025"/>
-            <a:ext cx="10658475" cy="4833938"/>
-          </a:xfrm>
-        </p:spPr>
-        <p:txBody>
-          <a:bodyPr/>
+        <p:spPr/>
+        <p:txBody>
+          <a:bodyPr>
+            <a:normAutofit/>
+          </a:bodyPr>
           <a:lstStyle/>
           <a:p>
+            <a:pPr algn="l"/>
+            <a:r>
+              <a:rPr lang="en-IN" b="1" i="0" dirty="0">
+                <a:solidFill>
+                  <a:srgbClr val="36394D"/>
+                </a:solidFill>
+                <a:effectLst/>
+                <a:latin typeface="Source Sans Pro" panose="020B0503030403020204" pitchFamily="34" charset="0"/>
+              </a:rPr>
+              <a:t>Macros</a:t>
+            </a:r>
             <a:r>
               <a:rPr lang="en-IN" b="0" i="0" dirty="0">
                 <a:solidFill>
@@ -9382,18 +9435,24 @@
                 <a:effectLst/>
                 <a:latin typeface="Source Sans Pro" panose="020B0503030403020204" pitchFamily="34" charset="0"/>
               </a:rPr>
-              <a:t>Jinja a templating language written in the python programming language. Jinja is used in </a:t>
-            </a:r>
-            <a:r>
-              <a:rPr lang="en-IN" b="0" i="0" dirty="0" err="1">
+              <a:t> are functions that are written in Jinja. This allows us to write generic logic once, and then reference that logic throughout our project.</a:t>
+            </a:r>
+          </a:p>
+          <a:p>
+            <a:pPr algn="l"/>
+            <a:r>
+              <a:rPr lang="en-IN" b="0" i="0" dirty="0">
                 <a:solidFill>
                   <a:srgbClr val="36394D"/>
                 </a:solidFill>
                 <a:effectLst/>
                 <a:latin typeface="Source Sans Pro" panose="020B0503030403020204" pitchFamily="34" charset="0"/>
               </a:rPr>
-              <a:t>dbt</a:t>
-            </a:r>
+              <a:t>Consider the case where we have three models that use the same logic. We could copy paste the logic between those three models. If we want to change that logic, we need to make the change in three different places.</a:t>
+            </a:r>
+          </a:p>
+          <a:p>
+            <a:pPr algn="l"/>
             <a:r>
               <a:rPr lang="en-IN" b="0" i="0" dirty="0">
                 <a:solidFill>
@@ -9402,116 +9461,18 @@
                 <a:effectLst/>
                 <a:latin typeface="Source Sans Pro" panose="020B0503030403020204" pitchFamily="34" charset="0"/>
               </a:rPr>
-              <a:t> to write functional SQL.</a:t>
-            </a:r>
-          </a:p>
-          <a:p>
-            <a:r>
-              <a:rPr lang="en-IN" dirty="0">
-                <a:solidFill>
-                  <a:srgbClr val="36394D"/>
-                </a:solidFill>
-                <a:latin typeface="Source Sans Pro" panose="020B0503030403020204" pitchFamily="34" charset="0"/>
-              </a:rPr>
-              <a:t>{{% .. %}} is used for statements.</a:t>
-            </a:r>
-          </a:p>
-          <a:p>
-            <a:r>
-              <a:rPr lang="en-IN" dirty="0">
-                <a:solidFill>
-                  <a:srgbClr val="36394D"/>
-                </a:solidFill>
-                <a:latin typeface="Source Sans Pro" panose="020B0503030403020204" pitchFamily="34" charset="0"/>
-              </a:rPr>
-              <a:t>{{ ….}} is used for expressions.</a:t>
-            </a:r>
-          </a:p>
-          <a:p>
-            <a:r>
-              <a:rPr lang="en-IN" dirty="0">
-                <a:solidFill>
-                  <a:srgbClr val="36394D"/>
-                </a:solidFill>
-                <a:latin typeface="Source Sans Pro" panose="020B0503030403020204" pitchFamily="34" charset="0"/>
-              </a:rPr>
-              <a:t>{{# .. #} is used for comments</a:t>
-            </a:r>
+              <a:t>Macros allow us to write that logic once in one place and then reference that logic in those three models. If we want to change the logic, we make that change in the definition of the macro and this is automatically used in those three models.</a:t>
+            </a:r>
+          </a:p>
+          <a:p>
             <a:endParaRPr lang="en-IN" dirty="0"/>
-          </a:p>
-          <a:p>
-            <a:endParaRPr lang="en-IN" dirty="0"/>
-          </a:p>
-          <a:p>
-            <a:pPr algn="l"/>
-            <a:r>
-              <a:rPr lang="en-IN" dirty="0"/>
-              <a:t>Link to Jinja: </a:t>
-            </a:r>
-            <a:r>
-              <a:rPr lang="en-IN" b="0" i="0" dirty="0">
-                <a:solidFill>
-                  <a:srgbClr val="36394D"/>
-                </a:solidFill>
-                <a:effectLst/>
-                <a:latin typeface="Source Sans Pro" panose="020B0503030403020204" pitchFamily="34" charset="0"/>
-                <a:hlinkClick r:id="rId2"/>
-              </a:rPr>
-              <a:t>Jinja Template Designer Documentation</a:t>
-            </a:r>
-            <a:endParaRPr lang="en-IN" b="0" i="0" dirty="0">
-              <a:solidFill>
-                <a:srgbClr val="36394D"/>
-              </a:solidFill>
-              <a:effectLst/>
-              <a:latin typeface="Source Sans Pro" panose="020B0503030403020204" pitchFamily="34" charset="0"/>
-            </a:endParaRPr>
-          </a:p>
-          <a:p>
-            <a:r>
-              <a:rPr lang="en-IN" dirty="0">
-                <a:solidFill>
-                  <a:srgbClr val="36394D"/>
-                </a:solidFill>
-                <a:latin typeface="Source Sans Pro" panose="020B0503030403020204" pitchFamily="34" charset="0"/>
-              </a:rPr>
-              <a:t>Jinja Practice: </a:t>
-            </a:r>
-            <a:r>
-              <a:rPr lang="en-IN" b="0" i="0" dirty="0">
-                <a:solidFill>
-                  <a:srgbClr val="36394D"/>
-                </a:solidFill>
-                <a:effectLst/>
-                <a:latin typeface="Source Sans Pro" panose="020B0503030403020204" pitchFamily="34" charset="0"/>
-                <a:hlinkClick r:id="rId3"/>
-              </a:rPr>
-              <a:t>Jinja Live Parser</a:t>
-            </a:r>
-            <a:endParaRPr lang="en-IN" b="0" i="0" dirty="0">
-              <a:solidFill>
-                <a:srgbClr val="36394D"/>
-              </a:solidFill>
-              <a:effectLst/>
-              <a:latin typeface="Source Sans Pro" panose="020B0503030403020204" pitchFamily="34" charset="0"/>
-            </a:endParaRPr>
-          </a:p>
-          <a:p>
-            <a:pPr algn="l"/>
-            <a:endParaRPr lang="en-IN" b="0" i="0" dirty="0">
-              <a:solidFill>
-                <a:srgbClr val="36394D"/>
-              </a:solidFill>
-              <a:effectLst/>
-              <a:latin typeface="Source Sans Pro" panose="020B0503030403020204" pitchFamily="34" charset="0"/>
-            </a:endParaRPr>
           </a:p>
         </p:txBody>
       </p:sp>
     </p:spTree>
     <p:extLst>
       <p:ext uri="{BB962C8B-B14F-4D97-AF65-F5344CB8AC3E}">
-        <p14:creationId xmlns:p14="http://schemas.microsoft.com/office/powerpoint/2010/main" val="1015658230"/>
+        <p14:creationId xmlns:p14="http://schemas.microsoft.com/office/powerpoint/2010/main" val="996765958"/>
       </p:ext>
     </p:extLst>
   </p:cSld>
@@ -9543,7 +9504,7 @@
           <p:cNvPr id="2" name="Title 1">
             <a:extLst>
               <a:ext uri="{FF2B5EF4-FFF2-40B4-BE49-F238E27FC236}">
-                <a16:creationId xmlns:a16="http://schemas.microsoft.com/office/drawing/2014/main" id="{9A845A29-CDFF-D26D-069D-F4FC5B220F05}"/>
+                <a16:creationId xmlns:a16="http://schemas.microsoft.com/office/drawing/2014/main" id="{26DF278D-B89C-369A-3E76-C4A50C75CC2A}"/>
               </a:ext>
             </a:extLst>
           </p:cNvPr>
@@ -9554,20 +9515,20 @@
             <p:ph type="title"/>
           </p:nvPr>
         </p:nvSpPr>
-        <p:spPr/>
+        <p:spPr>
+          <a:xfrm>
+            <a:off x="838200" y="253999"/>
+            <a:ext cx="10382250" cy="854075"/>
+          </a:xfrm>
+        </p:spPr>
         <p:txBody>
           <a:bodyPr/>
           <a:lstStyle/>
           <a:p>
             <a:r>
-              <a:rPr lang="en-US" b="1" u="sng" dirty="0" err="1"/>
-              <a:t>Github</a:t>
-            </a:r>
-            <a:r>
-              <a:rPr lang="en-US" b="1" u="sng" dirty="0"/>
-              <a:t> Actions</a:t>
-            </a:r>
-            <a:endParaRPr lang="en-IN" b="1" u="sng" dirty="0"/>
+              <a:rPr lang="en-IN" b="1" dirty="0"/>
+              <a:t>Jinja</a:t>
+            </a:r>
           </a:p>
         </p:txBody>
       </p:sp>
@@ -9576,7 +9537,7 @@
           <p:cNvPr id="3" name="Content Placeholder 2">
             <a:extLst>
               <a:ext uri="{FF2B5EF4-FFF2-40B4-BE49-F238E27FC236}">
-                <a16:creationId xmlns:a16="http://schemas.microsoft.com/office/drawing/2014/main" id="{DC9A9EE1-BC2A-E641-500C-76FE23787B9F}"/>
+                <a16:creationId xmlns:a16="http://schemas.microsoft.com/office/drawing/2014/main" id="{95B996CD-F53C-8F3E-804F-3F0EAFFB3ADC}"/>
               </a:ext>
             </a:extLst>
           </p:cNvPr>
@@ -9587,41 +9548,154 @@
             <p:ph idx="1"/>
           </p:nvPr>
         </p:nvSpPr>
-        <p:spPr/>
+        <p:spPr>
+          <a:xfrm>
+            <a:off x="695325" y="1343025"/>
+            <a:ext cx="10658475" cy="4833938"/>
+          </a:xfrm>
+        </p:spPr>
         <p:txBody>
           <a:bodyPr/>
           <a:lstStyle/>
           <a:p>
             <a:r>
-              <a:rPr lang="en-US" b="0" i="0" dirty="0">
-                <a:solidFill>
-                  <a:srgbClr val="242424"/>
-                </a:solidFill>
-                <a:effectLst/>
-                <a:latin typeface="source-serif-pro"/>
-              </a:rPr>
-              <a:t>GitHub Actions is a powerful CI/CD pipeline automation tool for automating software development workflows and is fast becoming one of the go-to choices for pipeline orchestration.</a:t>
-            </a:r>
-          </a:p>
-          <a:p>
-            <a:r>
-              <a:rPr lang="en-US" b="0" i="0" dirty="0">
-                <a:solidFill>
-                  <a:srgbClr val="242424"/>
-                </a:solidFill>
-                <a:effectLst/>
-                <a:latin typeface="source-serif-pro"/>
-              </a:rPr>
-              <a:t>GitHub Actions is tightly integrated with the rest of the GitHub ecosystem, making pipelines easier to use and manage. GitHub Actions allows you to create workflows triggered by various events such as commits, pull requests, and releases. This allows you to automate pipelines that are tightly linked to your development process, thus reducing errors and increasing efficiency.</a:t>
+              <a:rPr lang="en-IN" b="0" i="0" dirty="0">
+                <a:solidFill>
+                  <a:srgbClr val="36394D"/>
+                </a:solidFill>
+                <a:effectLst/>
+                <a:latin typeface="Source Sans Pro" panose="020B0503030403020204" pitchFamily="34" charset="0"/>
+              </a:rPr>
+              <a:t>Jinja a templating language written in the python programming language. Jinja is used in </a:t>
+            </a:r>
+            <a:r>
+              <a:rPr lang="en-IN" b="0" i="0" dirty="0" err="1">
+                <a:solidFill>
+                  <a:srgbClr val="36394D"/>
+                </a:solidFill>
+                <a:effectLst/>
+                <a:latin typeface="Source Sans Pro" panose="020B0503030403020204" pitchFamily="34" charset="0"/>
+              </a:rPr>
+              <a:t>dbt</a:t>
+            </a:r>
+            <a:r>
+              <a:rPr lang="en-IN" b="0" i="0" dirty="0">
+                <a:solidFill>
+                  <a:srgbClr val="36394D"/>
+                </a:solidFill>
+                <a:effectLst/>
+                <a:latin typeface="Source Sans Pro" panose="020B0503030403020204" pitchFamily="34" charset="0"/>
+              </a:rPr>
+              <a:t> to write functional SQL.</a:t>
+            </a:r>
+          </a:p>
+          <a:p>
+            <a:r>
+              <a:rPr lang="en-IN" dirty="0">
+                <a:solidFill>
+                  <a:srgbClr val="36394D"/>
+                </a:solidFill>
+                <a:latin typeface="Source Sans Pro" panose="020B0503030403020204" pitchFamily="34" charset="0"/>
+              </a:rPr>
+              <a:t>{{% .. %}} is used for statements.</a:t>
+            </a:r>
+          </a:p>
+          <a:p>
+            <a:r>
+              <a:rPr lang="en-IN" dirty="0">
+                <a:solidFill>
+                  <a:srgbClr val="36394D"/>
+                </a:solidFill>
+                <a:latin typeface="Source Sans Pro" panose="020B0503030403020204" pitchFamily="34" charset="0"/>
+              </a:rPr>
+              <a:t>{{ ….}} is used for expressions.</a:t>
+            </a:r>
+          </a:p>
+          <a:p>
+            <a:r>
+              <a:rPr lang="en-IN" dirty="0">
+                <a:solidFill>
+                  <a:srgbClr val="36394D"/>
+                </a:solidFill>
+                <a:latin typeface="Source Sans Pro" panose="020B0503030403020204" pitchFamily="34" charset="0"/>
+              </a:rPr>
+              <a:t>{{# .. #} is used for comments</a:t>
             </a:r>
             <a:endParaRPr lang="en-IN" dirty="0"/>
+          </a:p>
+          <a:p>
+            <a:endParaRPr lang="en-IN" dirty="0"/>
+          </a:p>
+          <a:p>
+            <a:pPr algn="l"/>
+            <a:r>
+              <a:rPr lang="en-IN" dirty="0"/>
+              <a:t>Link to Jinja: </a:t>
+            </a:r>
+            <a:r>
+              <a:rPr lang="en-IN" b="0" i="0" dirty="0">
+                <a:solidFill>
+                  <a:srgbClr val="36394D"/>
+                </a:solidFill>
+                <a:effectLst/>
+                <a:latin typeface="Source Sans Pro" panose="020B0503030403020204" pitchFamily="34" charset="0"/>
+                <a:hlinkClick r:id="rId2"/>
+              </a:rPr>
+              <a:t>Jinja Template Designer Documentation</a:t>
+            </a:r>
+            <a:endParaRPr lang="en-IN" b="0" i="0" dirty="0">
+              <a:solidFill>
+                <a:srgbClr val="36394D"/>
+              </a:solidFill>
+              <a:effectLst/>
+              <a:latin typeface="Source Sans Pro" panose="020B0503030403020204" pitchFamily="34" charset="0"/>
+            </a:endParaRPr>
+          </a:p>
+          <a:p>
+            <a:r>
+              <a:rPr lang="en-IN" dirty="0">
+                <a:solidFill>
+                  <a:srgbClr val="36394D"/>
+                </a:solidFill>
+                <a:latin typeface="Source Sans Pro" panose="020B0503030403020204" pitchFamily="34" charset="0"/>
+              </a:rPr>
+              <a:t>Jinja Practice: </a:t>
+            </a:r>
+            <a:r>
+              <a:rPr lang="en-IN" b="0" i="0" dirty="0">
+                <a:solidFill>
+                  <a:srgbClr val="36394D"/>
+                </a:solidFill>
+                <a:effectLst/>
+                <a:latin typeface="Source Sans Pro" panose="020B0503030403020204" pitchFamily="34" charset="0"/>
+                <a:hlinkClick r:id="rId3"/>
+              </a:rPr>
+              <a:t>Jinja Live Parser</a:t>
+            </a:r>
+            <a:endParaRPr lang="en-IN" b="0" i="0" dirty="0">
+              <a:solidFill>
+                <a:srgbClr val="36394D"/>
+              </a:solidFill>
+              <a:effectLst/>
+              <a:latin typeface="Source Sans Pro" panose="020B0503030403020204" pitchFamily="34" charset="0"/>
+            </a:endParaRPr>
+          </a:p>
+          <a:p>
+            <a:pPr algn="l"/>
+            <a:endParaRPr lang="en-IN" b="0" i="0" dirty="0">
+              <a:solidFill>
+                <a:srgbClr val="36394D"/>
+              </a:solidFill>
+              <a:effectLst/>
+              <a:latin typeface="Source Sans Pro" panose="020B0503030403020204" pitchFamily="34" charset="0"/>
+            </a:endParaRPr>
           </a:p>
         </p:txBody>
       </p:sp>
     </p:spTree>
     <p:extLst>
       <p:ext uri="{BB962C8B-B14F-4D97-AF65-F5344CB8AC3E}">
-        <p14:creationId xmlns:p14="http://schemas.microsoft.com/office/powerpoint/2010/main" val="3705911144"/>
+        <p14:creationId xmlns:p14="http://schemas.microsoft.com/office/powerpoint/2010/main" val="1015658230"/>
       </p:ext>
     </p:extLst>
   </p:cSld>
@@ -9653,7 +9727,7 @@
           <p:cNvPr id="2" name="Title 1">
             <a:extLst>
               <a:ext uri="{FF2B5EF4-FFF2-40B4-BE49-F238E27FC236}">
-                <a16:creationId xmlns:a16="http://schemas.microsoft.com/office/drawing/2014/main" id="{0C251D05-EA31-48A7-DA9D-3A50E22BC5D6}"/>
+                <a16:creationId xmlns:a16="http://schemas.microsoft.com/office/drawing/2014/main" id="{9A845A29-CDFF-D26D-069D-F4FC5B220F05}"/>
               </a:ext>
             </a:extLst>
           </p:cNvPr>
@@ -9664,31 +9738,20 @@
             <p:ph type="title"/>
           </p:nvPr>
         </p:nvSpPr>
-        <p:spPr>
-          <a:xfrm>
-            <a:off x="838200" y="365125"/>
-            <a:ext cx="10404107" cy="674403"/>
-          </a:xfrm>
-        </p:spPr>
-        <p:txBody>
-          <a:bodyPr>
-            <a:normAutofit/>
-          </a:bodyPr>
+        <p:spPr/>
+        <p:txBody>
+          <a:bodyPr/>
           <a:lstStyle/>
           <a:p>
             <a:r>
-              <a:rPr lang="en-US" sz="3200" b="1" u="sng" dirty="0"/>
-              <a:t>.</a:t>
-            </a:r>
-            <a:r>
-              <a:rPr lang="en-US" sz="3200" b="1" u="sng" dirty="0" err="1"/>
-              <a:t>github</a:t>
-            </a:r>
-            <a:r>
-              <a:rPr lang="en-US" sz="3200" b="1" u="sng" dirty="0"/>
-              <a:t>/workflows/</a:t>
-            </a:r>
-            <a:endParaRPr lang="en-IN" sz="2400" b="1" u="sng" dirty="0"/>
+              <a:rPr lang="en-US" b="1" u="sng" dirty="0" err="1"/>
+              <a:t>Github</a:t>
+            </a:r>
+            <a:r>
+              <a:rPr lang="en-US" b="1" u="sng" dirty="0"/>
+              <a:t> Actions</a:t>
+            </a:r>
+            <a:endParaRPr lang="en-IN" b="1" u="sng" dirty="0"/>
           </a:p>
         </p:txBody>
       </p:sp>
@@ -9697,7 +9760,7 @@
           <p:cNvPr id="3" name="Content Placeholder 2">
             <a:extLst>
               <a:ext uri="{FF2B5EF4-FFF2-40B4-BE49-F238E27FC236}">
-                <a16:creationId xmlns:a16="http://schemas.microsoft.com/office/drawing/2014/main" id="{E9F17329-F427-8C14-6A81-7B0811AEBC92}"/>
+                <a16:creationId xmlns:a16="http://schemas.microsoft.com/office/drawing/2014/main" id="{DC9A9EE1-BC2A-E641-500C-76FE23787B9F}"/>
               </a:ext>
             </a:extLst>
           </p:cNvPr>
@@ -9708,122 +9771,41 @@
             <p:ph idx="1"/>
           </p:nvPr>
         </p:nvSpPr>
-        <p:spPr>
-          <a:xfrm>
-            <a:off x="838200" y="1347537"/>
-            <a:ext cx="10515600" cy="4829426"/>
-          </a:xfrm>
-        </p:spPr>
-        <p:txBody>
-          <a:bodyPr>
-            <a:normAutofit/>
-          </a:bodyPr>
+        <p:spPr/>
+        <p:txBody>
+          <a:bodyPr/>
           <a:lstStyle/>
           <a:p>
             <a:r>
-              <a:rPr lang="en-US" dirty="0"/>
-              <a:t>Create a </a:t>
-            </a:r>
-            <a:r>
-              <a:rPr lang="en-US" dirty="0" err="1"/>
-              <a:t>yml</a:t>
-            </a:r>
-            <a:r>
-              <a:rPr lang="en-US" dirty="0"/>
-              <a:t> file that connects with the </a:t>
-            </a:r>
-            <a:r>
-              <a:rPr lang="en-US" dirty="0" err="1"/>
-              <a:t>github</a:t>
-            </a:r>
-            <a:r>
-              <a:rPr lang="en-US" dirty="0"/>
-              <a:t>. This is the actions file that setups the workflow. When to run or on what action to run.</a:t>
-            </a:r>
-          </a:p>
-          <a:p>
+              <a:rPr lang="en-US" b="0" i="0" dirty="0">
+                <a:solidFill>
+                  <a:srgbClr val="242424"/>
+                </a:solidFill>
+                <a:effectLst/>
+                <a:latin typeface="source-serif-pro"/>
+              </a:rPr>
+              <a:t>GitHub Actions is a powerful CI/CD pipeline automation tool for automating software development workflows and is fast becoming one of the go-to choices for pipeline orchestration.</a:t>
+            </a:r>
+          </a:p>
+          <a:p>
+            <a:r>
+              <a:rPr lang="en-US" b="0" i="0" dirty="0">
+                <a:solidFill>
+                  <a:srgbClr val="242424"/>
+                </a:solidFill>
+                <a:effectLst/>
+                <a:latin typeface="source-serif-pro"/>
+              </a:rPr>
+              <a:t>GitHub Actions is tightly integrated with the rest of the GitHub ecosystem, making pipelines easier to use and manage. GitHub Actions allows you to create workflows triggered by various events such as commits, pull requests, and releases. This allows you to automate pipelines that are tightly linked to your development process, thus reducing errors and increasing efficiency.</a:t>
+            </a:r>
             <a:endParaRPr lang="en-IN" dirty="0"/>
-          </a:p>
-          <a:p>
-            <a:endParaRPr lang="en-IN" dirty="0"/>
-          </a:p>
-          <a:p>
-            <a:r>
-              <a:rPr lang="en-US" b="0" i="0" dirty="0">
-                <a:solidFill>
-                  <a:srgbClr val="001D35"/>
-                </a:solidFill>
-                <a:effectLst/>
-                <a:latin typeface="Google Sans"/>
-              </a:rPr>
-              <a:t>Continuous integration (CI) is </a:t>
-            </a:r>
-            <a:r>
-              <a:rPr lang="en-US" b="1" i="0" dirty="0">
-                <a:solidFill>
-                  <a:srgbClr val="001D35"/>
-                </a:solidFill>
-                <a:effectLst/>
-                <a:latin typeface="Google Sans"/>
-              </a:rPr>
-              <a:t>a software development practice where developers merge their changes to a shared repository multiple times a day</a:t>
-            </a:r>
-            <a:r>
-              <a:rPr lang="en-US" b="0" i="0" dirty="0">
-                <a:solidFill>
-                  <a:srgbClr val="001D35"/>
-                </a:solidFill>
-                <a:effectLst/>
-                <a:latin typeface="Google Sans"/>
-              </a:rPr>
-              <a:t>.</a:t>
-            </a:r>
-            <a:endParaRPr lang="en-IN" b="0" i="0" dirty="0">
-              <a:solidFill>
-                <a:srgbClr val="001D35"/>
-              </a:solidFill>
-              <a:effectLst/>
-              <a:latin typeface="Google Sans"/>
-            </a:endParaRPr>
-          </a:p>
-          <a:p>
-            <a:pPr algn="l">
-              <a:buFont typeface="Arial" panose="020B0604020202020204" pitchFamily="34" charset="0"/>
-              <a:buChar char="•"/>
-            </a:pPr>
-            <a:r>
-              <a:rPr lang="en-US" b="0" i="0" dirty="0">
-                <a:solidFill>
-                  <a:srgbClr val="001D35"/>
-                </a:solidFill>
-                <a:effectLst/>
-                <a:latin typeface="Google Sans"/>
-              </a:rPr>
-              <a:t>Regularly merging small code changes is typically a more accurate and safer process.</a:t>
-            </a:r>
-          </a:p>
-          <a:p>
-            <a:pPr algn="l">
-              <a:buFont typeface="Arial" panose="020B0604020202020204" pitchFamily="34" charset="0"/>
-              <a:buChar char="•"/>
-            </a:pPr>
-            <a:r>
-              <a:rPr lang="en-US" b="0" i="0" dirty="0">
-                <a:solidFill>
-                  <a:srgbClr val="001D35"/>
-                </a:solidFill>
-                <a:effectLst/>
-                <a:latin typeface="Google Sans"/>
-              </a:rPr>
-              <a:t>If any bugs are found in the merging process, they're easier and faster to find.</a:t>
-            </a:r>
           </a:p>
         </p:txBody>
       </p:sp>
     </p:spTree>
     <p:extLst>
       <p:ext uri="{BB962C8B-B14F-4D97-AF65-F5344CB8AC3E}">
-        <p14:creationId xmlns:p14="http://schemas.microsoft.com/office/powerpoint/2010/main" val="1931361897"/>
+        <p14:creationId xmlns:p14="http://schemas.microsoft.com/office/powerpoint/2010/main" val="3705911144"/>
       </p:ext>
     </p:extLst>
   </p:cSld>
@@ -9852,6 +9834,208 @@
       </p:grpSpPr>
       <p:sp>
         <p:nvSpPr>
+          <p:cNvPr id="2" name="Title 1">
+            <a:extLst>
+              <a:ext uri="{FF2B5EF4-FFF2-40B4-BE49-F238E27FC236}">
+                <a16:creationId xmlns:a16="http://schemas.microsoft.com/office/drawing/2014/main" id="{0C251D05-EA31-48A7-DA9D-3A50E22BC5D6}"/>
+              </a:ext>
+            </a:extLst>
+          </p:cNvPr>
+          <p:cNvSpPr>
+            <a:spLocks noGrp="1"/>
+          </p:cNvSpPr>
+          <p:nvPr>
+            <p:ph type="title"/>
+          </p:nvPr>
+        </p:nvSpPr>
+        <p:spPr>
+          <a:xfrm>
+            <a:off x="838200" y="365125"/>
+            <a:ext cx="10404107" cy="674403"/>
+          </a:xfrm>
+        </p:spPr>
+        <p:txBody>
+          <a:bodyPr>
+            <a:normAutofit/>
+          </a:bodyPr>
+          <a:lstStyle/>
+          <a:p>
+            <a:r>
+              <a:rPr lang="en-US" sz="3200" b="1" u="sng" dirty="0"/>
+              <a:t>.</a:t>
+            </a:r>
+            <a:r>
+              <a:rPr lang="en-US" sz="3200" b="1" u="sng" dirty="0" err="1"/>
+              <a:t>github</a:t>
+            </a:r>
+            <a:r>
+              <a:rPr lang="en-US" sz="3200" b="1" u="sng" dirty="0"/>
+              <a:t>/workflows/</a:t>
+            </a:r>
+            <a:endParaRPr lang="en-IN" sz="2400" b="1" u="sng" dirty="0"/>
+          </a:p>
+        </p:txBody>
+      </p:sp>
+      <p:sp>
+        <p:nvSpPr>
+          <p:cNvPr id="3" name="Content Placeholder 2">
+            <a:extLst>
+              <a:ext uri="{FF2B5EF4-FFF2-40B4-BE49-F238E27FC236}">
+                <a16:creationId xmlns:a16="http://schemas.microsoft.com/office/drawing/2014/main" id="{E9F17329-F427-8C14-6A81-7B0811AEBC92}"/>
+              </a:ext>
+            </a:extLst>
+          </p:cNvPr>
+          <p:cNvSpPr>
+            <a:spLocks noGrp="1"/>
+          </p:cNvSpPr>
+          <p:nvPr>
+            <p:ph idx="1"/>
+          </p:nvPr>
+        </p:nvSpPr>
+        <p:spPr>
+          <a:xfrm>
+            <a:off x="838200" y="1347537"/>
+            <a:ext cx="10515600" cy="4829426"/>
+          </a:xfrm>
+        </p:spPr>
+        <p:txBody>
+          <a:bodyPr>
+            <a:normAutofit/>
+          </a:bodyPr>
+          <a:lstStyle/>
+          <a:p>
+            <a:r>
+              <a:rPr lang="en-US" dirty="0"/>
+              <a:t>Create a </a:t>
+            </a:r>
+            <a:r>
+              <a:rPr lang="en-US" dirty="0" err="1"/>
+              <a:t>yml</a:t>
+            </a:r>
+            <a:r>
+              <a:rPr lang="en-US" dirty="0"/>
+              <a:t> file that connects with the </a:t>
+            </a:r>
+            <a:r>
+              <a:rPr lang="en-US" dirty="0" err="1"/>
+              <a:t>github</a:t>
+            </a:r>
+            <a:r>
+              <a:rPr lang="en-US" dirty="0"/>
+              <a:t>. This is the actions file that setups the workflow. When to run or on what action to run.</a:t>
+            </a:r>
+          </a:p>
+          <a:p>
+            <a:endParaRPr lang="en-IN" dirty="0"/>
+          </a:p>
+          <a:p>
+            <a:endParaRPr lang="en-IN" dirty="0"/>
+          </a:p>
+          <a:p>
+            <a:r>
+              <a:rPr lang="en-US" b="0" i="0" dirty="0">
+                <a:solidFill>
+                  <a:srgbClr val="001D35"/>
+                </a:solidFill>
+                <a:effectLst/>
+                <a:latin typeface="Google Sans"/>
+              </a:rPr>
+              <a:t>Continuous integration (CI) is </a:t>
+            </a:r>
+            <a:r>
+              <a:rPr lang="en-US" b="1" i="0" dirty="0">
+                <a:solidFill>
+                  <a:srgbClr val="001D35"/>
+                </a:solidFill>
+                <a:effectLst/>
+                <a:latin typeface="Google Sans"/>
+              </a:rPr>
+              <a:t>a software development practice where developers merge their changes to a shared repository multiple times a day</a:t>
+            </a:r>
+            <a:r>
+              <a:rPr lang="en-US" b="0" i="0" dirty="0">
+                <a:solidFill>
+                  <a:srgbClr val="001D35"/>
+                </a:solidFill>
+                <a:effectLst/>
+                <a:latin typeface="Google Sans"/>
+              </a:rPr>
+              <a:t>.</a:t>
+            </a:r>
+            <a:endParaRPr lang="en-IN" b="0" i="0" dirty="0">
+              <a:solidFill>
+                <a:srgbClr val="001D35"/>
+              </a:solidFill>
+              <a:effectLst/>
+              <a:latin typeface="Google Sans"/>
+            </a:endParaRPr>
+          </a:p>
+          <a:p>
+            <a:pPr algn="l">
+              <a:buFont typeface="Arial" panose="020B0604020202020204" pitchFamily="34" charset="0"/>
+              <a:buChar char="•"/>
+            </a:pPr>
+            <a:r>
+              <a:rPr lang="en-US" b="0" i="0" dirty="0">
+                <a:solidFill>
+                  <a:srgbClr val="001D35"/>
+                </a:solidFill>
+                <a:effectLst/>
+                <a:latin typeface="Google Sans"/>
+              </a:rPr>
+              <a:t>Regularly merging small code changes is typically a more accurate and safer process.</a:t>
+            </a:r>
+          </a:p>
+          <a:p>
+            <a:pPr algn="l">
+              <a:buFont typeface="Arial" panose="020B0604020202020204" pitchFamily="34" charset="0"/>
+              <a:buChar char="•"/>
+            </a:pPr>
+            <a:r>
+              <a:rPr lang="en-US" b="0" i="0" dirty="0">
+                <a:solidFill>
+                  <a:srgbClr val="001D35"/>
+                </a:solidFill>
+                <a:effectLst/>
+                <a:latin typeface="Google Sans"/>
+              </a:rPr>
+              <a:t>If any bugs are found in the merging process, they're easier and faster to find.</a:t>
+            </a:r>
+          </a:p>
+        </p:txBody>
+      </p:sp>
+    </p:spTree>
+    <p:extLst>
+      <p:ext uri="{BB962C8B-B14F-4D97-AF65-F5344CB8AC3E}">
+        <p14:creationId xmlns:p14="http://schemas.microsoft.com/office/powerpoint/2010/main" val="1931361897"/>
+      </p:ext>
+    </p:extLst>
+  </p:cSld>
+  <p:clrMapOvr>
+    <a:masterClrMapping/>
+  </p:clrMapOvr>
+</p:sld>
+</file>
+
+<file path=ppt/slides/slide26.xml><?xml version="1.0" encoding="utf-8"?>
+<p:sld xmlns:a="http://schemas.openxmlformats.org/drawingml/2006/main" xmlns:r="http://schemas.openxmlformats.org/officeDocument/2006/relationships" xmlns:p="http://schemas.openxmlformats.org/presentationml/2006/main">
+  <p:cSld>
+    <p:spTree>
+      <p:nvGrpSpPr>
+        <p:cNvPr id="1" name=""/>
+        <p:cNvGrpSpPr/>
+        <p:nvPr/>
+      </p:nvGrpSpPr>
+      <p:grpSpPr>
+        <a:xfrm>
+          <a:off x="0" y="0"/>
+          <a:ext cx="0" cy="0"/>
+          <a:chOff x="0" y="0"/>
+          <a:chExt cx="0" cy="0"/>
+        </a:xfrm>
+      </p:grpSpPr>
+      <p:sp>
+        <p:nvSpPr>
           <p:cNvPr id="5" name="Rectangle 1">
             <a:extLst>
               <a:ext uri="{FF2B5EF4-FFF2-40B4-BE49-F238E27FC236}">
@@ -11303,7 +11487,7 @@
 </p:sld>
 </file>
 
-<file path=ppt/slides/slide26.xml><?xml version="1.0" encoding="utf-8"?>
+<file path=ppt/slides/slide27.xml><?xml version="1.0" encoding="utf-8"?>
 <p:sld xmlns:a="http://schemas.openxmlformats.org/drawingml/2006/main" xmlns:r="http://schemas.openxmlformats.org/officeDocument/2006/relationships" xmlns:p="http://schemas.openxmlformats.org/presentationml/2006/main">
   <p:cSld>
     <p:spTree>
